--- a/Presentation/FP_Powerpoint.pptx
+++ b/Presentation/FP_Powerpoint.pptx
@@ -290,7 +290,7 @@
 <file path=ppt/revisionInfo.xml><?xml version="1.0" encoding="utf-8"?>
 <p1510:revInfo xmlns:a="http://schemas.openxmlformats.org/drawingml/2006/main" xmlns:r="http://schemas.openxmlformats.org/officeDocument/2006/relationships" xmlns:p1510="http://schemas.microsoft.com/office/powerpoint/2015/10/main">
   <p1510:revLst>
-    <p1510:client id="{90109AE8-E557-4FA6-8C74-6762FB2FC51A}" v="8" dt="2022-10-28T15:51:26.294"/>
+    <p1510:client id="{90109AE8-E557-4FA6-8C74-6762FB2FC51A}" v="19" dt="2022-11-01T22:38:49.140"/>
   </p1510:revLst>
 </p1510:revInfo>
 </file>
@@ -299,19 +299,51 @@
 <pc:chgInfo xmlns:a="http://schemas.openxmlformats.org/drawingml/2006/main" xmlns:r="http://schemas.openxmlformats.org/officeDocument/2006/relationships" xmlns:ac="http://schemas.microsoft.com/office/drawing/2013/main/command" xmlns:pc="http://schemas.microsoft.com/office/powerpoint/2013/main/command">
   <pc:docChgLst>
     <pc:chgData name="Jacqueline Carver" userId="509607fbfe7c8838" providerId="LiveId" clId="{90109AE8-E557-4FA6-8C74-6762FB2FC51A}"/>
-    <pc:docChg chg="undo redo custSel delSld modSld">
-      <pc:chgData name="Jacqueline Carver" userId="509607fbfe7c8838" providerId="LiveId" clId="{90109AE8-E557-4FA6-8C74-6762FB2FC51A}" dt="2022-10-28T15:51:53.281" v="1744" actId="1076"/>
+    <pc:docChg chg="undo redo custSel delSld modSld sldOrd">
+      <pc:chgData name="Jacqueline Carver" userId="509607fbfe7c8838" providerId="LiveId" clId="{90109AE8-E557-4FA6-8C74-6762FB2FC51A}" dt="2022-11-02T21:29:06.067" v="3427" actId="20577"/>
       <pc:docMkLst>
         <pc:docMk/>
       </pc:docMkLst>
       <pc:sldChg chg="modSp mod">
-        <pc:chgData name="Jacqueline Carver" userId="509607fbfe7c8838" providerId="LiveId" clId="{90109AE8-E557-4FA6-8C74-6762FB2FC51A}" dt="2022-10-28T14:51:58.174" v="50" actId="20577"/>
+        <pc:chgData name="Jacqueline Carver" userId="509607fbfe7c8838" providerId="LiveId" clId="{90109AE8-E557-4FA6-8C74-6762FB2FC51A}" dt="2022-11-02T21:24:16.720" v="3389" actId="20577"/>
         <pc:sldMkLst>
           <pc:docMk/>
           <pc:sldMk cId="0" sldId="257"/>
         </pc:sldMkLst>
         <pc:spChg chg="mod">
-          <ac:chgData name="Jacqueline Carver" userId="509607fbfe7c8838" providerId="LiveId" clId="{90109AE8-E557-4FA6-8C74-6762FB2FC51A}" dt="2022-10-28T14:50:48.676" v="25" actId="20577"/>
+          <ac:chgData name="Jacqueline Carver" userId="509607fbfe7c8838" providerId="LiveId" clId="{90109AE8-E557-4FA6-8C74-6762FB2FC51A}" dt="2022-11-01T22:10:57.886" v="2794" actId="108"/>
+          <ac:spMkLst>
+            <pc:docMk/>
+            <pc:sldMk cId="0" sldId="257"/>
+            <ac:spMk id="200" creationId="{00000000-0000-0000-0000-000000000000}"/>
+          </ac:spMkLst>
+        </pc:spChg>
+        <pc:spChg chg="mod">
+          <ac:chgData name="Jacqueline Carver" userId="509607fbfe7c8838" providerId="LiveId" clId="{90109AE8-E557-4FA6-8C74-6762FB2FC51A}" dt="2022-11-01T20:18:26.405" v="2106" actId="1076"/>
+          <ac:spMkLst>
+            <pc:docMk/>
+            <pc:sldMk cId="0" sldId="257"/>
+            <ac:spMk id="201" creationId="{00000000-0000-0000-0000-000000000000}"/>
+          </ac:spMkLst>
+        </pc:spChg>
+        <pc:spChg chg="mod">
+          <ac:chgData name="Jacqueline Carver" userId="509607fbfe7c8838" providerId="LiveId" clId="{90109AE8-E557-4FA6-8C74-6762FB2FC51A}" dt="2022-11-01T20:15:39.071" v="2074"/>
+          <ac:spMkLst>
+            <pc:docMk/>
+            <pc:sldMk cId="0" sldId="257"/>
+            <ac:spMk id="202" creationId="{00000000-0000-0000-0000-000000000000}"/>
+          </ac:spMkLst>
+        </pc:spChg>
+        <pc:spChg chg="mod">
+          <ac:chgData name="Jacqueline Carver" userId="509607fbfe7c8838" providerId="LiveId" clId="{90109AE8-E557-4FA6-8C74-6762FB2FC51A}" dt="2022-11-01T20:14:18.262" v="2055" actId="20577"/>
+          <ac:spMkLst>
+            <pc:docMk/>
+            <pc:sldMk cId="0" sldId="257"/>
+            <ac:spMk id="203" creationId="{00000000-0000-0000-0000-000000000000}"/>
+          </ac:spMkLst>
+        </pc:spChg>
+        <pc:spChg chg="mod">
+          <ac:chgData name="Jacqueline Carver" userId="509607fbfe7c8838" providerId="LiveId" clId="{90109AE8-E557-4FA6-8C74-6762FB2FC51A}" dt="2022-11-01T22:11:13.251" v="2821" actId="20577"/>
           <ac:spMkLst>
             <pc:docMk/>
             <pc:sldMk cId="0" sldId="257"/>
@@ -319,7 +351,7 @@
           </ac:spMkLst>
         </pc:spChg>
         <pc:spChg chg="mod">
-          <ac:chgData name="Jacqueline Carver" userId="509607fbfe7c8838" providerId="LiveId" clId="{90109AE8-E557-4FA6-8C74-6762FB2FC51A}" dt="2022-10-28T14:51:58.174" v="50" actId="20577"/>
+          <ac:chgData name="Jacqueline Carver" userId="509607fbfe7c8838" providerId="LiveId" clId="{90109AE8-E557-4FA6-8C74-6762FB2FC51A}" dt="2022-11-02T21:24:16.720" v="3389" actId="20577"/>
           <ac:spMkLst>
             <pc:docMk/>
             <pc:sldMk cId="0" sldId="257"/>
@@ -328,13 +360,21 @@
         </pc:spChg>
       </pc:sldChg>
       <pc:sldChg chg="addSp delSp modSp mod">
-        <pc:chgData name="Jacqueline Carver" userId="509607fbfe7c8838" providerId="LiveId" clId="{90109AE8-E557-4FA6-8C74-6762FB2FC51A}" dt="2022-10-28T15:19:14.538" v="796" actId="207"/>
+        <pc:chgData name="Jacqueline Carver" userId="509607fbfe7c8838" providerId="LiveId" clId="{90109AE8-E557-4FA6-8C74-6762FB2FC51A}" dt="2022-11-01T22:25:31.951" v="3042" actId="2711"/>
         <pc:sldMkLst>
           <pc:docMk/>
           <pc:sldMk cId="0" sldId="258"/>
         </pc:sldMkLst>
         <pc:spChg chg="add mod">
-          <ac:chgData name="Jacqueline Carver" userId="509607fbfe7c8838" providerId="LiveId" clId="{90109AE8-E557-4FA6-8C74-6762FB2FC51A}" dt="2022-10-28T15:19:08.626" v="795" actId="207"/>
+          <ac:chgData name="Jacqueline Carver" userId="509607fbfe7c8838" providerId="LiveId" clId="{90109AE8-E557-4FA6-8C74-6762FB2FC51A}" dt="2022-11-01T22:25:26.024" v="3041" actId="2711"/>
+          <ac:spMkLst>
+            <pc:docMk/>
+            <pc:sldMk cId="0" sldId="258"/>
+            <ac:spMk id="2" creationId="{076E11CC-1B19-64B7-F1DC-E221DEA8BF3E}"/>
+          </ac:spMkLst>
+        </pc:spChg>
+        <pc:spChg chg="add mod">
+          <ac:chgData name="Jacqueline Carver" userId="509607fbfe7c8838" providerId="LiveId" clId="{90109AE8-E557-4FA6-8C74-6762FB2FC51A}" dt="2022-11-01T22:25:14.312" v="3039" actId="2711"/>
           <ac:spMkLst>
             <pc:docMk/>
             <pc:sldMk cId="0" sldId="258"/>
@@ -349,8 +389,8 @@
             <ac:spMk id="10" creationId="{055A6D67-D98A-F0C9-2936-1EBA5672ACBA}"/>
           </ac:spMkLst>
         </pc:spChg>
-        <pc:spChg chg="add mod">
-          <ac:chgData name="Jacqueline Carver" userId="509607fbfe7c8838" providerId="LiveId" clId="{90109AE8-E557-4FA6-8C74-6762FB2FC51A}" dt="2022-10-28T15:15:03.752" v="767" actId="20577"/>
+        <pc:spChg chg="add del mod">
+          <ac:chgData name="Jacqueline Carver" userId="509607fbfe7c8838" providerId="LiveId" clId="{90109AE8-E557-4FA6-8C74-6762FB2FC51A}" dt="2022-11-01T22:15:20.056" v="2870" actId="478"/>
           <ac:spMkLst>
             <pc:docMk/>
             <pc:sldMk cId="0" sldId="258"/>
@@ -358,7 +398,7 @@
           </ac:spMkLst>
         </pc:spChg>
         <pc:spChg chg="mod">
-          <ac:chgData name="Jacqueline Carver" userId="509607fbfe7c8838" providerId="LiveId" clId="{90109AE8-E557-4FA6-8C74-6762FB2FC51A}" dt="2022-10-28T15:19:14.538" v="796" actId="207"/>
+          <ac:chgData name="Jacqueline Carver" userId="509607fbfe7c8838" providerId="LiveId" clId="{90109AE8-E557-4FA6-8C74-6762FB2FC51A}" dt="2022-11-01T22:25:20.263" v="3040" actId="2711"/>
           <ac:spMkLst>
             <pc:docMk/>
             <pc:sldMk cId="0" sldId="258"/>
@@ -366,7 +406,7 @@
           </ac:spMkLst>
         </pc:spChg>
         <pc:spChg chg="mod">
-          <ac:chgData name="Jacqueline Carver" userId="509607fbfe7c8838" providerId="LiveId" clId="{90109AE8-E557-4FA6-8C74-6762FB2FC51A}" dt="2022-10-28T15:15:10.296" v="769" actId="5793"/>
+          <ac:chgData name="Jacqueline Carver" userId="509607fbfe7c8838" providerId="LiveId" clId="{90109AE8-E557-4FA6-8C74-6762FB2FC51A}" dt="2022-11-01T22:25:31.951" v="3042" actId="2711"/>
           <ac:spMkLst>
             <pc:docMk/>
             <pc:sldMk cId="0" sldId="258"/>
@@ -406,14 +446,14 @@
           </ac:picMkLst>
         </pc:picChg>
       </pc:sldChg>
-      <pc:sldChg chg="addSp modSp mod">
-        <pc:chgData name="Jacqueline Carver" userId="509607fbfe7c8838" providerId="LiveId" clId="{90109AE8-E557-4FA6-8C74-6762FB2FC51A}" dt="2022-10-28T15:36:23.136" v="1284" actId="20577"/>
+      <pc:sldChg chg="addSp delSp modSp mod">
+        <pc:chgData name="Jacqueline Carver" userId="509607fbfe7c8838" providerId="LiveId" clId="{90109AE8-E557-4FA6-8C74-6762FB2FC51A}" dt="2022-11-01T22:43:46.369" v="3288" actId="207"/>
         <pc:sldMkLst>
           <pc:docMk/>
           <pc:sldMk cId="0" sldId="259"/>
         </pc:sldMkLst>
-        <pc:spChg chg="add mod">
-          <ac:chgData name="Jacqueline Carver" userId="509607fbfe7c8838" providerId="LiveId" clId="{90109AE8-E557-4FA6-8C74-6762FB2FC51A}" dt="2022-10-28T15:18:55.607" v="793" actId="207"/>
+        <pc:spChg chg="add del mod">
+          <ac:chgData name="Jacqueline Carver" userId="509607fbfe7c8838" providerId="LiveId" clId="{90109AE8-E557-4FA6-8C74-6762FB2FC51A}" dt="2022-11-01T22:11:35.189" v="2822" actId="478"/>
           <ac:spMkLst>
             <pc:docMk/>
             <pc:sldMk cId="0" sldId="259"/>
@@ -421,7 +461,7 @@
           </ac:spMkLst>
         </pc:spChg>
         <pc:spChg chg="add mod">
-          <ac:chgData name="Jacqueline Carver" userId="509607fbfe7c8838" providerId="LiveId" clId="{90109AE8-E557-4FA6-8C74-6762FB2FC51A}" dt="2022-10-28T15:31:33.275" v="1133" actId="14100"/>
+          <ac:chgData name="Jacqueline Carver" userId="509607fbfe7c8838" providerId="LiveId" clId="{90109AE8-E557-4FA6-8C74-6762FB2FC51A}" dt="2022-11-01T22:29:05.860" v="3262" actId="20577"/>
           <ac:spMkLst>
             <pc:docMk/>
             <pc:sldMk cId="0" sldId="259"/>
@@ -429,7 +469,7 @@
           </ac:spMkLst>
         </pc:spChg>
         <pc:spChg chg="add mod">
-          <ac:chgData name="Jacqueline Carver" userId="509607fbfe7c8838" providerId="LiveId" clId="{90109AE8-E557-4FA6-8C74-6762FB2FC51A}" dt="2022-10-28T15:36:23.136" v="1284" actId="20577"/>
+          <ac:chgData name="Jacqueline Carver" userId="509607fbfe7c8838" providerId="LiveId" clId="{90109AE8-E557-4FA6-8C74-6762FB2FC51A}" dt="2022-11-01T22:28:28.276" v="3188" actId="20577"/>
           <ac:spMkLst>
             <pc:docMk/>
             <pc:sldMk cId="0" sldId="259"/>
@@ -437,7 +477,15 @@
           </ac:spMkLst>
         </pc:spChg>
         <pc:spChg chg="mod">
-          <ac:chgData name="Jacqueline Carver" userId="509607fbfe7c8838" providerId="LiveId" clId="{90109AE8-E557-4FA6-8C74-6762FB2FC51A}" dt="2022-10-28T15:33:20.053" v="1138" actId="207"/>
+          <ac:chgData name="Jacqueline Carver" userId="509607fbfe7c8838" providerId="LiveId" clId="{90109AE8-E557-4FA6-8C74-6762FB2FC51A}" dt="2022-11-01T21:03:28.684" v="2748" actId="27636"/>
+          <ac:spMkLst>
+            <pc:docMk/>
+            <pc:sldMk cId="0" sldId="259"/>
+            <ac:spMk id="235" creationId="{00000000-0000-0000-0000-000000000000}"/>
+          </ac:spMkLst>
+        </pc:spChg>
+        <pc:spChg chg="mod">
+          <ac:chgData name="Jacqueline Carver" userId="509607fbfe7c8838" providerId="LiveId" clId="{90109AE8-E557-4FA6-8C74-6762FB2FC51A}" dt="2022-11-01T22:43:41.434" v="3287" actId="207"/>
           <ac:spMkLst>
             <pc:docMk/>
             <pc:sldMk cId="0" sldId="259"/>
@@ -445,7 +493,7 @@
           </ac:spMkLst>
         </pc:spChg>
         <pc:spChg chg="mod">
-          <ac:chgData name="Jacqueline Carver" userId="509607fbfe7c8838" providerId="LiveId" clId="{90109AE8-E557-4FA6-8C74-6762FB2FC51A}" dt="2022-10-28T15:33:25.184" v="1139" actId="207"/>
+          <ac:chgData name="Jacqueline Carver" userId="509607fbfe7c8838" providerId="LiveId" clId="{90109AE8-E557-4FA6-8C74-6762FB2FC51A}" dt="2022-11-01T22:43:46.369" v="3288" actId="207"/>
           <ac:spMkLst>
             <pc:docMk/>
             <pc:sldMk cId="0" sldId="259"/>
@@ -454,17 +502,25 @@
         </pc:spChg>
       </pc:sldChg>
       <pc:sldChg chg="addSp delSp modSp mod">
-        <pc:chgData name="Jacqueline Carver" userId="509607fbfe7c8838" providerId="LiveId" clId="{90109AE8-E557-4FA6-8C74-6762FB2FC51A}" dt="2022-10-28T15:51:53.281" v="1744" actId="1076"/>
+        <pc:chgData name="Jacqueline Carver" userId="509607fbfe7c8838" providerId="LiveId" clId="{90109AE8-E557-4FA6-8C74-6762FB2FC51A}" dt="2022-11-01T22:45:04.650" v="3349" actId="20577"/>
         <pc:sldMkLst>
           <pc:docMk/>
           <pc:sldMk cId="0" sldId="260"/>
         </pc:sldMkLst>
-        <pc:spChg chg="add mod">
-          <ac:chgData name="Jacqueline Carver" userId="509607fbfe7c8838" providerId="LiveId" clId="{90109AE8-E557-4FA6-8C74-6762FB2FC51A}" dt="2022-10-28T15:37:45.548" v="1311" actId="207"/>
+        <pc:spChg chg="add del mod">
+          <ac:chgData name="Jacqueline Carver" userId="509607fbfe7c8838" providerId="LiveId" clId="{90109AE8-E557-4FA6-8C74-6762FB2FC51A}" dt="2022-11-01T20:57:12.348" v="2682" actId="478"/>
           <ac:spMkLst>
             <pc:docMk/>
             <pc:sldMk cId="0" sldId="260"/>
             <ac:spMk id="2" creationId="{B775C4FD-D7C6-D70D-8742-1597D1982275}"/>
+          </ac:spMkLst>
+        </pc:spChg>
+        <pc:spChg chg="add mod">
+          <ac:chgData name="Jacqueline Carver" userId="509607fbfe7c8838" providerId="LiveId" clId="{90109AE8-E557-4FA6-8C74-6762FB2FC51A}" dt="2022-11-01T22:45:04.650" v="3349" actId="20577"/>
+          <ac:spMkLst>
+            <pc:docMk/>
+            <pc:sldMk cId="0" sldId="260"/>
+            <ac:spMk id="3" creationId="{7986D3D4-A0AF-21F3-579E-ED9916B19DFC}"/>
           </ac:spMkLst>
         </pc:spChg>
         <pc:spChg chg="add del mod">
@@ -476,15 +532,23 @@
           </ac:spMkLst>
         </pc:spChg>
         <pc:spChg chg="add mod">
-          <ac:chgData name="Jacqueline Carver" userId="509607fbfe7c8838" providerId="LiveId" clId="{90109AE8-E557-4FA6-8C74-6762FB2FC51A}" dt="2022-10-28T15:51:43.720" v="1741" actId="1076"/>
+          <ac:chgData name="Jacqueline Carver" userId="509607fbfe7c8838" providerId="LiveId" clId="{90109AE8-E557-4FA6-8C74-6762FB2FC51A}" dt="2022-11-01T22:25:56.330" v="3046" actId="2711"/>
           <ac:spMkLst>
             <pc:docMk/>
             <pc:sldMk cId="0" sldId="260"/>
             <ac:spMk id="4" creationId="{D2331EC8-9749-C98C-BA61-ADE43FDECBD8}"/>
           </ac:spMkLst>
         </pc:spChg>
+        <pc:spChg chg="add del mod">
+          <ac:chgData name="Jacqueline Carver" userId="509607fbfe7c8838" providerId="LiveId" clId="{90109AE8-E557-4FA6-8C74-6762FB2FC51A}" dt="2022-11-01T22:17:15.849" v="2894" actId="478"/>
+          <ac:spMkLst>
+            <pc:docMk/>
+            <pc:sldMk cId="0" sldId="260"/>
+            <ac:spMk id="6" creationId="{884F12DF-818D-73A7-F7D6-F2570EDFD36E}"/>
+          </ac:spMkLst>
+        </pc:spChg>
         <pc:spChg chg="mod">
-          <ac:chgData name="Jacqueline Carver" userId="509607fbfe7c8838" providerId="LiveId" clId="{90109AE8-E557-4FA6-8C74-6762FB2FC51A}" dt="2022-10-28T15:37:08.284" v="1285" actId="14100"/>
+          <ac:chgData name="Jacqueline Carver" userId="509607fbfe7c8838" providerId="LiveId" clId="{90109AE8-E557-4FA6-8C74-6762FB2FC51A}" dt="2022-11-01T22:16:12.826" v="2889" actId="20577"/>
           <ac:spMkLst>
             <pc:docMk/>
             <pc:sldMk cId="0" sldId="260"/>
@@ -492,19 +556,144 @@
           </ac:spMkLst>
         </pc:spChg>
         <pc:spChg chg="mod">
-          <ac:chgData name="Jacqueline Carver" userId="509607fbfe7c8838" providerId="LiveId" clId="{90109AE8-E557-4FA6-8C74-6762FB2FC51A}" dt="2022-10-28T15:41:15.824" v="1511" actId="20577"/>
+          <ac:chgData name="Jacqueline Carver" userId="509607fbfe7c8838" providerId="LiveId" clId="{90109AE8-E557-4FA6-8C74-6762FB2FC51A}" dt="2022-11-01T22:43:24.878" v="3286" actId="207"/>
           <ac:spMkLst>
             <pc:docMk/>
             <pc:sldMk cId="0" sldId="260"/>
             <ac:spMk id="244" creationId="{00000000-0000-0000-0000-000000000000}"/>
           </ac:spMkLst>
         </pc:spChg>
-        <pc:spChg chg="mod">
-          <ac:chgData name="Jacqueline Carver" userId="509607fbfe7c8838" providerId="LiveId" clId="{90109AE8-E557-4FA6-8C74-6762FB2FC51A}" dt="2022-10-28T15:51:53.281" v="1744" actId="1076"/>
+        <pc:spChg chg="del mod">
+          <ac:chgData name="Jacqueline Carver" userId="509607fbfe7c8838" providerId="LiveId" clId="{90109AE8-E557-4FA6-8C74-6762FB2FC51A}" dt="2022-11-01T22:17:08.385" v="2892" actId="478"/>
           <ac:spMkLst>
             <pc:docMk/>
             <pc:sldMk cId="0" sldId="260"/>
             <ac:spMk id="245" creationId="{00000000-0000-0000-0000-000000000000}"/>
+          </ac:spMkLst>
+        </pc:spChg>
+      </pc:sldChg>
+      <pc:sldChg chg="addSp delSp modSp mod ord">
+        <pc:chgData name="Jacqueline Carver" userId="509607fbfe7c8838" providerId="LiveId" clId="{90109AE8-E557-4FA6-8C74-6762FB2FC51A}" dt="2022-11-02T21:27:05.120" v="3408" actId="20577"/>
+        <pc:sldMkLst>
+          <pc:docMk/>
+          <pc:sldMk cId="0" sldId="261"/>
+        </pc:sldMkLst>
+        <pc:spChg chg="add mod">
+          <ac:chgData name="Jacqueline Carver" userId="509607fbfe7c8838" providerId="LiveId" clId="{90109AE8-E557-4FA6-8C74-6762FB2FC51A}" dt="2022-11-01T22:12:53.647" v="2848" actId="207"/>
+          <ac:spMkLst>
+            <pc:docMk/>
+            <pc:sldMk cId="0" sldId="261"/>
+            <ac:spMk id="2" creationId="{D54E55B5-E688-C23C-E22C-7638A251563D}"/>
+          </ac:spMkLst>
+        </pc:spChg>
+        <pc:spChg chg="add mod">
+          <ac:chgData name="Jacqueline Carver" userId="509607fbfe7c8838" providerId="LiveId" clId="{90109AE8-E557-4FA6-8C74-6762FB2FC51A}" dt="2022-11-01T22:26:01.923" v="3047" actId="2711"/>
+          <ac:spMkLst>
+            <pc:docMk/>
+            <pc:sldMk cId="0" sldId="261"/>
+            <ac:spMk id="3" creationId="{D9FEB6FC-E977-4B35-5C35-A2D5251294C5}"/>
+          </ac:spMkLst>
+        </pc:spChg>
+        <pc:spChg chg="add mod">
+          <ac:chgData name="Jacqueline Carver" userId="509607fbfe7c8838" providerId="LiveId" clId="{90109AE8-E557-4FA6-8C74-6762FB2FC51A}" dt="2022-11-02T21:27:05.120" v="3408" actId="20577"/>
+          <ac:spMkLst>
+            <pc:docMk/>
+            <pc:sldMk cId="0" sldId="261"/>
+            <ac:spMk id="4" creationId="{7781BCA2-71CC-92E7-186E-719F8EC2CBFB}"/>
+          </ac:spMkLst>
+        </pc:spChg>
+        <pc:spChg chg="mod">
+          <ac:chgData name="Jacqueline Carver" userId="509607fbfe7c8838" providerId="LiveId" clId="{90109AE8-E557-4FA6-8C74-6762FB2FC51A}" dt="2022-11-01T22:12:07.775" v="2842" actId="20577"/>
+          <ac:spMkLst>
+            <pc:docMk/>
+            <pc:sldMk cId="0" sldId="261"/>
+            <ac:spMk id="251" creationId="{00000000-0000-0000-0000-000000000000}"/>
+          </ac:spMkLst>
+        </pc:spChg>
+        <pc:spChg chg="del">
+          <ac:chgData name="Jacqueline Carver" userId="509607fbfe7c8838" providerId="LiveId" clId="{90109AE8-E557-4FA6-8C74-6762FB2FC51A}" dt="2022-11-01T22:12:29.573" v="2844" actId="478"/>
+          <ac:spMkLst>
+            <pc:docMk/>
+            <pc:sldMk cId="0" sldId="261"/>
+            <ac:spMk id="252" creationId="{00000000-0000-0000-0000-000000000000}"/>
+          </ac:spMkLst>
+        </pc:spChg>
+        <pc:spChg chg="del">
+          <ac:chgData name="Jacqueline Carver" userId="509607fbfe7c8838" providerId="LiveId" clId="{90109AE8-E557-4FA6-8C74-6762FB2FC51A}" dt="2022-11-01T22:12:38.163" v="2846" actId="478"/>
+          <ac:spMkLst>
+            <pc:docMk/>
+            <pc:sldMk cId="0" sldId="261"/>
+            <ac:spMk id="253" creationId="{00000000-0000-0000-0000-000000000000}"/>
+          </ac:spMkLst>
+        </pc:spChg>
+      </pc:sldChg>
+      <pc:sldChg chg="addSp modSp mod">
+        <pc:chgData name="Jacqueline Carver" userId="509607fbfe7c8838" providerId="LiveId" clId="{90109AE8-E557-4FA6-8C74-6762FB2FC51A}" dt="2022-11-02T21:29:06.067" v="3427" actId="20577"/>
+        <pc:sldMkLst>
+          <pc:docMk/>
+          <pc:sldMk cId="0" sldId="262"/>
+        </pc:sldMkLst>
+        <pc:spChg chg="add mod">
+          <ac:chgData name="Jacqueline Carver" userId="509607fbfe7c8838" providerId="LiveId" clId="{90109AE8-E557-4FA6-8C74-6762FB2FC51A}" dt="2022-11-01T19:50:59.489" v="1761" actId="207"/>
+          <ac:spMkLst>
+            <pc:docMk/>
+            <pc:sldMk cId="0" sldId="262"/>
+            <ac:spMk id="2" creationId="{03C5B56E-BD6E-DC68-0B76-1A962C25CF6E}"/>
+          </ac:spMkLst>
+        </pc:spChg>
+        <pc:spChg chg="add mod">
+          <ac:chgData name="Jacqueline Carver" userId="509607fbfe7c8838" providerId="LiveId" clId="{90109AE8-E557-4FA6-8C74-6762FB2FC51A}" dt="2022-11-01T19:59:49.241" v="1994" actId="207"/>
+          <ac:spMkLst>
+            <pc:docMk/>
+            <pc:sldMk cId="0" sldId="262"/>
+            <ac:spMk id="3" creationId="{861E70B7-3D3B-A128-5599-D9392E7D9044}"/>
+          </ac:spMkLst>
+        </pc:spChg>
+        <pc:spChg chg="add mod">
+          <ac:chgData name="Jacqueline Carver" userId="509607fbfe7c8838" providerId="LiveId" clId="{90109AE8-E557-4FA6-8C74-6762FB2FC51A}" dt="2022-11-01T19:59:51.877" v="1995" actId="207"/>
+          <ac:spMkLst>
+            <pc:docMk/>
+            <pc:sldMk cId="0" sldId="262"/>
+            <ac:spMk id="4" creationId="{DB75041C-F3B4-D61D-0EE3-ED7D6D7805E7}"/>
+          </ac:spMkLst>
+        </pc:spChg>
+        <pc:spChg chg="mod">
+          <ac:chgData name="Jacqueline Carver" userId="509607fbfe7c8838" providerId="LiveId" clId="{90109AE8-E557-4FA6-8C74-6762FB2FC51A}" dt="2022-11-01T19:50:14.558" v="1745" actId="14100"/>
+          <ac:spMkLst>
+            <pc:docMk/>
+            <pc:sldMk cId="0" sldId="262"/>
+            <ac:spMk id="264" creationId="{00000000-0000-0000-0000-000000000000}"/>
+          </ac:spMkLst>
+        </pc:spChg>
+        <pc:spChg chg="mod">
+          <ac:chgData name="Jacqueline Carver" userId="509607fbfe7c8838" providerId="LiveId" clId="{90109AE8-E557-4FA6-8C74-6762FB2FC51A}" dt="2022-11-02T21:29:06.067" v="3427" actId="20577"/>
+          <ac:spMkLst>
+            <pc:docMk/>
+            <pc:sldMk cId="0" sldId="262"/>
+            <ac:spMk id="265" creationId="{00000000-0000-0000-0000-000000000000}"/>
+          </ac:spMkLst>
+        </pc:spChg>
+        <pc:spChg chg="mod">
+          <ac:chgData name="Jacqueline Carver" userId="509607fbfe7c8838" providerId="LiveId" clId="{90109AE8-E557-4FA6-8C74-6762FB2FC51A}" dt="2022-11-01T22:26:16.538" v="3050" actId="2711"/>
+          <ac:spMkLst>
+            <pc:docMk/>
+            <pc:sldMk cId="0" sldId="262"/>
+            <ac:spMk id="266" creationId="{00000000-0000-0000-0000-000000000000}"/>
+          </ac:spMkLst>
+        </pc:spChg>
+      </pc:sldChg>
+      <pc:sldChg chg="addSp modSp mod">
+        <pc:chgData name="Jacqueline Carver" userId="509607fbfe7c8838" providerId="LiveId" clId="{90109AE8-E557-4FA6-8C74-6762FB2FC51A}" dt="2022-11-01T22:39:45.358" v="3278" actId="1076"/>
+        <pc:sldMkLst>
+          <pc:docMk/>
+          <pc:sldMk cId="0" sldId="264"/>
+        </pc:sldMkLst>
+        <pc:spChg chg="add mod">
+          <ac:chgData name="Jacqueline Carver" userId="509607fbfe7c8838" providerId="LiveId" clId="{90109AE8-E557-4FA6-8C74-6762FB2FC51A}" dt="2022-11-01T22:39:45.358" v="3278" actId="1076"/>
+          <ac:spMkLst>
+            <pc:docMk/>
+            <pc:sldMk cId="0" sldId="264"/>
+            <ac:spMk id="2" creationId="{BB004DDD-7EB0-D44E-8D0D-43DDE684A078}"/>
           </ac:spMkLst>
         </pc:spChg>
       </pc:sldChg>
@@ -31531,27 +31720,17 @@
           </a:bodyPr>
           <a:lstStyle/>
           <a:p>
-            <a:pPr marL="0" lvl="0" indent="0" algn="ctr" rtl="0">
-              <a:lnSpc>
-                <a:spcPct val="90000"/>
-              </a:lnSpc>
-              <a:spcBef>
-                <a:spcPts val="0"/>
-              </a:spcBef>
-              <a:spcAft>
-                <a:spcPts val="0"/>
-              </a:spcAft>
-              <a:buClr>
-                <a:schemeClr val="dk1"/>
-              </a:buClr>
+            <a:pPr marL="0" indent="0">
+              <a:spcBef>
+                <a:spcPts val="0"/>
+              </a:spcBef>
               <a:buSzPts val="1400"/>
-              <a:buNone/>
             </a:pPr>
             <a:r>
-              <a:rPr lang="en-US" sz="1400"/>
-              <a:t>Data &amp; Preprocessing</a:t>
+              <a:rPr lang="en-US" sz="1400" dirty="0"/>
+              <a:t>Exploratory Data Analysis</a:t>
             </a:r>
-            <a:endParaRPr/>
+            <a:endParaRPr sz="1400" dirty="0"/>
           </a:p>
         </p:txBody>
       </p:sp>
@@ -31567,8 +31746,8 @@
         </p:nvSpPr>
         <p:spPr>
           <a:xfrm>
-            <a:off x="4327063" y="829215"/>
-            <a:ext cx="1362615" cy="500684"/>
+            <a:off x="4337002" y="939523"/>
+            <a:ext cx="1362615" cy="280417"/>
           </a:xfrm>
           <a:prstGeom prst="rect">
             <a:avLst/>
@@ -31601,10 +31780,10 @@
               <a:buNone/>
             </a:pPr>
             <a:r>
-              <a:rPr lang="en-US" sz="1400"/>
-              <a:t>Machine Learning</a:t>
+              <a:rPr lang="en-US" sz="1400" dirty="0"/>
+              <a:t>Data Storage</a:t>
             </a:r>
-            <a:endParaRPr/>
+            <a:endParaRPr dirty="0"/>
           </a:p>
         </p:txBody>
       </p:sp>
@@ -31654,10 +31833,9 @@
               <a:buNone/>
             </a:pPr>
             <a:r>
-              <a:rPr lang="en-US" sz="1400"/>
-              <a:t>Charts, Graphs, Maps</a:t>
+              <a:rPr lang="en-US" sz="1400" dirty="0"/>
+              <a:t>Machine Learning</a:t>
             </a:r>
-            <a:endParaRPr/>
           </a:p>
         </p:txBody>
       </p:sp>
@@ -31707,10 +31885,10 @@
               <a:buNone/>
             </a:pPr>
             <a:r>
-              <a:rPr lang="en-US" sz="1400"/>
+              <a:rPr lang="en-US" sz="1400" dirty="0"/>
               <a:t>Visualization</a:t>
             </a:r>
-            <a:endParaRPr/>
+            <a:endParaRPr dirty="0"/>
           </a:p>
         </p:txBody>
       </p:sp>
@@ -31815,7 +31993,7 @@
         </p:spPr>
         <p:txBody>
           <a:bodyPr spcFirstLastPara="1" wrap="square" lIns="91425" tIns="45700" rIns="91425" bIns="45700" anchor="t" anchorCtr="0">
-            <a:normAutofit fontScale="92500" lnSpcReduction="20000"/>
+            <a:normAutofit fontScale="92500" lnSpcReduction="10000"/>
           </a:bodyPr>
           <a:lstStyle/>
           <a:p>
@@ -31900,7 +32078,7 @@
                   <a:srgbClr val="D09E00"/>
                 </a:solidFill>
               </a:rPr>
-              <a:t>Data &amp; Preprocessing: </a:t>
+              <a:t>Exploratory Data Analysis: </a:t>
             </a:r>
             <a:endParaRPr dirty="0"/>
           </a:p>
@@ -31923,28 +32101,8 @@
             </a:pPr>
             <a:r>
               <a:rPr lang="en-US" sz="1600" dirty="0"/>
-              <a:t>AWS S3 Bucket: data files, notebooks/script files,</a:t>
+              <a:t>US Census Data, Kaggle, and Costco website</a:t>
             </a:r>
-            <a:endParaRPr sz="1600" dirty="0"/>
-          </a:p>
-          <a:p>
-            <a:pPr marL="0" lvl="0" indent="0" algn="l" rtl="0">
-              <a:lnSpc>
-                <a:spcPct val="90000"/>
-              </a:lnSpc>
-              <a:spcBef>
-                <a:spcPts val="500"/>
-              </a:spcBef>
-              <a:spcAft>
-                <a:spcPts val="0"/>
-              </a:spcAft>
-              <a:buNone/>
-            </a:pPr>
-            <a:r>
-              <a:rPr lang="en-US" sz="1600" dirty="0"/>
-              <a:t>	      images, Readme, presentation</a:t>
-            </a:r>
-            <a:endParaRPr sz="1600" dirty="0"/>
           </a:p>
           <a:p>
             <a:pPr marL="685800" lvl="1" indent="-228600" algn="l" rtl="0">
@@ -31969,7 +32127,7 @@
             </a:r>
             <a:r>
               <a:rPr lang="en-US" sz="1600" dirty="0"/>
-              <a:t> notebook: preprocessing and merging data</a:t>
+              <a:t> notebook &amp; Excel: preprocessing and merging data</a:t>
             </a:r>
             <a:endParaRPr dirty="0"/>
           </a:p>
@@ -31996,7 +32154,7 @@
                   <a:srgbClr val="C55A11"/>
                 </a:solidFill>
               </a:rPr>
-              <a:t>Machine Learning: </a:t>
+              <a:t>Data Storage: </a:t>
             </a:r>
             <a:endParaRPr dirty="0"/>
           </a:p>
@@ -32018,25 +32176,12 @@
               <a:buChar char="•"/>
             </a:pPr>
             <a:r>
-              <a:rPr lang="en-US" sz="1600" dirty="0" err="1"/>
-              <a:t>Jupyter</a:t>
+              <a:rPr lang="en-US" sz="1600" dirty="0"/>
+              <a:t>AWS S3 Bucket: data files, notebooks/script files,</a:t>
             </a:r>
-            <a:r>
-              <a:rPr lang="en-US" sz="1600" dirty="0"/>
-              <a:t> notebook &amp; linear regression/</a:t>
-            </a:r>
-            <a:r>
-              <a:rPr lang="en-US" sz="1600" dirty="0" err="1"/>
-              <a:t>RandomForest</a:t>
-            </a:r>
-            <a:r>
-              <a:rPr lang="en-US" sz="1600" dirty="0"/>
-              <a:t>, </a:t>
-            </a:r>
-            <a:endParaRPr sz="1600" dirty="0"/>
           </a:p>
           <a:p>
-            <a:pPr marL="685800" lvl="0" indent="0" algn="l" rtl="0">
+            <a:pPr marL="457200" lvl="1" indent="0" algn="l" rtl="0">
               <a:lnSpc>
                 <a:spcPct val="90000"/>
               </a:lnSpc>
@@ -32046,13 +32191,16 @@
               <a:spcAft>
                 <a:spcPts val="0"/>
               </a:spcAft>
+              <a:buClr>
+                <a:schemeClr val="lt1"/>
+              </a:buClr>
+              <a:buSzPct val="100000"/>
               <a:buNone/>
             </a:pPr>
             <a:r>
               <a:rPr lang="en-US" sz="1600" dirty="0"/>
-              <a:t>K-means</a:t>
+              <a:t>      images, Readme, presentation</a:t>
             </a:r>
-            <a:endParaRPr sz="1600" dirty="0"/>
           </a:p>
         </p:txBody>
       </p:sp>
@@ -32081,7 +32229,7 @@
         </p:spPr>
         <p:txBody>
           <a:bodyPr spcFirstLastPara="1" wrap="square" lIns="91425" tIns="45700" rIns="91425" bIns="45700" anchor="t" anchorCtr="0">
-            <a:normAutofit fontScale="92500" lnSpcReduction="10000"/>
+            <a:normAutofit fontScale="92500" lnSpcReduction="20000"/>
           </a:bodyPr>
           <a:lstStyle/>
           <a:p>
@@ -32107,12 +32255,12 @@
                   <a:srgbClr val="A8D08C"/>
                 </a:solidFill>
               </a:rPr>
-              <a:t>Charts, Graphs, Maps:</a:t>
+              <a:t>Machine Learning:</a:t>
             </a:r>
             <a:endParaRPr sz="2000" dirty="0"/>
           </a:p>
           <a:p>
-            <a:pPr marL="685800" lvl="1" indent="-220979" algn="l" rtl="0">
+            <a:pPr marL="685800" lvl="1" indent="-228600" algn="l" rtl="0">
               <a:lnSpc>
                 <a:spcPct val="90000"/>
               </a:lnSpc>
@@ -32130,12 +32278,19 @@
             </a:pPr>
             <a:r>
               <a:rPr lang="en-US" sz="1600" dirty="0"/>
-              <a:t>Decide on visuals to tell our story</a:t>
+              <a:t>Linear Regression, SMOTEENN, and </a:t>
             </a:r>
-            <a:endParaRPr dirty="0"/>
+            <a:r>
+              <a:rPr lang="en-US" sz="1600" dirty="0" err="1"/>
+              <a:t>RandomForest</a:t>
+            </a:r>
+            <a:r>
+              <a:rPr lang="en-US" sz="1600" dirty="0"/>
+              <a:t> </a:t>
+            </a:r>
           </a:p>
           <a:p>
-            <a:pPr marL="685800" lvl="1" indent="-134619" algn="l" rtl="0">
+            <a:pPr marL="685800" lvl="1" indent="-228600" algn="l" rtl="0">
               <a:lnSpc>
                 <a:spcPct val="90000"/>
               </a:lnSpc>
@@ -32149,8 +32304,20 @@
                 <a:schemeClr val="lt1"/>
               </a:buClr>
               <a:buSzPct val="100000"/>
-              <a:buNone/>
+              <a:buChar char="•"/>
             </a:pPr>
+            <a:r>
+              <a:rPr lang="en-US" sz="1600" dirty="0"/>
+              <a:t>Using </a:t>
+            </a:r>
+            <a:r>
+              <a:rPr lang="en-US" sz="1600" dirty="0" err="1"/>
+              <a:t>Jupyter</a:t>
+            </a:r>
+            <a:r>
+              <a:rPr lang="en-US" sz="1600" dirty="0"/>
+              <a:t> Notebook and Google Collab</a:t>
+            </a:r>
             <a:endParaRPr sz="1600" dirty="0"/>
           </a:p>
           <a:p>
@@ -32201,7 +32368,16 @@
               <a:rPr lang="en-US" sz="1600" dirty="0"/>
               <a:t>Create a website using JavaScript &amp; Html files</a:t>
             </a:r>
-            <a:endParaRPr dirty="0"/>
+          </a:p>
+          <a:p>
+            <a:pPr marL="685800" lvl="1" indent="-220979">
+              <a:buSzPct val="100000"/>
+            </a:pPr>
+            <a:r>
+              <a:rPr lang="en-US" sz="1600" dirty="0"/>
+              <a:t>Charts, Graphs, Maps</a:t>
+            </a:r>
+            <a:endParaRPr sz="1600" dirty="0"/>
           </a:p>
           <a:p>
             <a:pPr marL="457200" lvl="1" indent="0" algn="l" rtl="0">
@@ -32250,31 +32426,20 @@
             <a:endParaRPr dirty="0"/>
           </a:p>
           <a:p>
-            <a:pPr marL="685800" lvl="1" indent="-220979" algn="l" rtl="0">
-              <a:lnSpc>
-                <a:spcPct val="100000"/>
-              </a:lnSpc>
-              <a:spcBef>
-                <a:spcPts val="0"/>
-              </a:spcBef>
-              <a:spcAft>
-                <a:spcPts val="0"/>
-              </a:spcAft>
-              <a:buClr>
-                <a:schemeClr val="lt1"/>
-              </a:buClr>
+            <a:pPr marL="685800" lvl="1" indent="-220979">
               <a:buSzPct val="100000"/>
-              <a:buChar char="•"/>
             </a:pPr>
             <a:r>
-              <a:rPr lang="en-US" sz="1600" b="0" i="0" dirty="0">
-                <a:latin typeface="Lato"/>
-                <a:ea typeface="Lato"/>
-                <a:cs typeface="Lato"/>
+              <a:rPr lang="en-US" sz="1600" dirty="0">
                 <a:sym typeface="Lato"/>
               </a:rPr>
               <a:t>Did we address our question by finding opportunities for Costco to open new stores?  </a:t>
             </a:r>
+          </a:p>
+          <a:p>
+            <a:pPr marL="685800" lvl="1" indent="-220979">
+              <a:buSzPct val="100000"/>
+            </a:pPr>
             <a:r>
               <a:rPr lang="en-US" sz="1600" dirty="0"/>
               <a:t>Did we find new locations to consider?</a:t>
@@ -32282,25 +32447,12 @@
             <a:endParaRPr sz="1600" dirty="0"/>
           </a:p>
           <a:p>
-            <a:pPr marL="685800" lvl="1" indent="-220979" algn="l" rtl="0">
-              <a:lnSpc>
-                <a:spcPct val="100000"/>
-              </a:lnSpc>
-              <a:spcBef>
-                <a:spcPts val="0"/>
-              </a:spcBef>
-              <a:spcAft>
-                <a:spcPts val="0"/>
-              </a:spcAft>
-              <a:buClr>
-                <a:schemeClr val="lt1"/>
-              </a:buClr>
+            <a:pPr marL="685800" lvl="1" indent="-220979">
               <a:buSzPct val="100000"/>
-              <a:buChar char="•"/>
             </a:pPr>
             <a:r>
               <a:rPr lang="en-US" sz="1600" dirty="0"/>
-              <a:t>What could we do to better evaluate the data</a:t>
+              <a:t>What could we do to better evaluate the data?</a:t>
             </a:r>
             <a:endParaRPr sz="1600" dirty="0"/>
           </a:p>
@@ -36770,7 +36922,7 @@
         </p:nvSpPr>
         <p:spPr>
           <a:xfrm>
-            <a:off x="755650" y="3198481"/>
+            <a:off x="755649" y="3057132"/>
             <a:ext cx="10666329" cy="906011"/>
           </a:xfrm>
           <a:prstGeom prst="rect">
@@ -36811,7 +36963,8 @@
                   </a:schemeClr>
                 </a:solidFill>
                 <a:effectLst/>
-                <a:latin typeface="-apple-system"/>
+                <a:latin typeface="Calibri" panose="020F0502020204030204" pitchFamily="34" charset="0"/>
+                <a:cs typeface="Calibri" panose="020F0502020204030204" pitchFamily="34" charset="0"/>
               </a:rPr>
               <a:t>Legislation recently passed regarding hearing aids that will impact a large percent of the population.</a:t>
             </a:r>
@@ -36821,6 +36974,8 @@
                   <a:lumMod val="75000"/>
                 </a:schemeClr>
               </a:solidFill>
+              <a:latin typeface="Calibri" panose="020F0502020204030204" pitchFamily="34" charset="0"/>
+              <a:cs typeface="Calibri" panose="020F0502020204030204" pitchFamily="34" charset="0"/>
             </a:endParaRPr>
           </a:p>
         </p:txBody>
@@ -36837,7 +36992,7 @@
         </p:nvSpPr>
         <p:spPr>
           <a:xfrm>
-            <a:off x="6096000" y="4700667"/>
+            <a:off x="6088814" y="4175125"/>
             <a:ext cx="4957763" cy="2682875"/>
           </a:xfrm>
           <a:prstGeom prst="rect">
@@ -36872,8 +37027,29 @@
               <a:buChar char="•"/>
             </a:pPr>
             <a:r>
-              <a:rPr lang="en-US" sz="2000" dirty="0"/>
-              <a:t>18% of adults between 20-69 years of age have hearing impairments</a:t>
+              <a:rPr lang="en-US" sz="2000" dirty="0">
+                <a:latin typeface="Calibri" panose="020F0502020204030204" pitchFamily="34" charset="0"/>
+                <a:cs typeface="Calibri" panose="020F0502020204030204" pitchFamily="34" charset="0"/>
+              </a:rPr>
+              <a:t>18% of adults between 20-69 years of age have </a:t>
+            </a:r>
+            <a:r>
+              <a:rPr lang="en-US" sz="2000" dirty="0">
+                <a:solidFill>
+                  <a:srgbClr val="000000"/>
+                </a:solidFill>
+                <a:latin typeface="Calibri" panose="020F0502020204030204" pitchFamily="34" charset="0"/>
+                <a:cs typeface="Calibri" panose="020F0502020204030204" pitchFamily="34" charset="0"/>
+                <a:sym typeface="Arial"/>
+              </a:rPr>
+              <a:t>hearing</a:t>
+            </a:r>
+            <a:r>
+              <a:rPr lang="en-US" sz="2000" dirty="0">
+                <a:latin typeface="Calibri" panose="020F0502020204030204" pitchFamily="34" charset="0"/>
+                <a:cs typeface="Calibri" panose="020F0502020204030204" pitchFamily="34" charset="0"/>
+              </a:rPr>
+              <a:t> impairments</a:t>
             </a:r>
           </a:p>
           <a:p>
@@ -36885,28 +37061,28 @@
               <a:buChar char="•"/>
             </a:pPr>
             <a:r>
-              <a:rPr lang="en-US" sz="2000" dirty="0"/>
-              <a:t>More than 700 locations across the United States</a:t>
+              <a:rPr lang="en-US" sz="2000" dirty="0">
+                <a:latin typeface="Calibri" panose="020F0502020204030204" pitchFamily="34" charset="0"/>
+                <a:cs typeface="Calibri" panose="020F0502020204030204" pitchFamily="34" charset="0"/>
+              </a:rPr>
+              <a:t>More than 550 Costco locations across the United States</a:t>
             </a:r>
           </a:p>
           <a:p>
-            <a:pPr marL="177800" lvl="0" indent="0" algn="l" rtl="0">
-              <a:lnSpc>
-                <a:spcPct val="90000"/>
-              </a:lnSpc>
-              <a:spcBef>
-                <a:spcPts val="0"/>
-              </a:spcBef>
-              <a:spcAft>
-                <a:spcPts val="0"/>
-              </a:spcAft>
-              <a:buClr>
-                <a:schemeClr val="dk1"/>
-              </a:buClr>
-              <a:buSzPts val="2800"/>
-              <a:buNone/>
+            <a:pPr marL="635000" indent="-457200">
+              <a:spcBef>
+                <a:spcPts val="0"/>
+              </a:spcBef>
+              <a:buFont typeface="Arial" panose="020B0604020202020204" pitchFamily="34" charset="0"/>
+              <a:buChar char="•"/>
             </a:pPr>
-            <a:endParaRPr lang="en-US" sz="2000" dirty="0"/>
+            <a:r>
+              <a:rPr lang="en-US" sz="2000" dirty="0">
+                <a:latin typeface="Calibri" panose="020F0502020204030204" pitchFamily="34" charset="0"/>
+                <a:cs typeface="Calibri" panose="020F0502020204030204" pitchFamily="34" charset="0"/>
+              </a:rPr>
+              <a:t>Global hearing market projected to grow at a CAGR of 8.1% for 2022-2029</a:t>
+            </a:r>
           </a:p>
           <a:p>
             <a:pPr marL="635000" lvl="0" indent="-457200" algn="l" rtl="0">
@@ -36926,7 +37102,10 @@
               <a:buFont typeface="Arial" panose="020B0604020202020204" pitchFamily="34" charset="0"/>
               <a:buChar char="•"/>
             </a:pPr>
-            <a:endParaRPr sz="2000" dirty="0"/>
+            <a:endParaRPr sz="2000" dirty="0">
+              <a:latin typeface="Calibri" panose="020F0502020204030204" pitchFamily="34" charset="0"/>
+              <a:cs typeface="Calibri" panose="020F0502020204030204" pitchFamily="34" charset="0"/>
+            </a:endParaRPr>
           </a:p>
         </p:txBody>
       </p:sp>
@@ -38317,6 +38496,8 @@
                     <a:lumMod val="75000"/>
                   </a:schemeClr>
                 </a:solidFill>
+                <a:latin typeface="Calibri" panose="020F0502020204030204" pitchFamily="34" charset="0"/>
+                <a:cs typeface="Calibri" panose="020F0502020204030204" pitchFamily="34" charset="0"/>
               </a:rPr>
               <a:t>How does the need for over-the-counter hearing aids affect Costco?</a:t>
             </a:r>
@@ -38325,38 +38506,292 @@
       </p:sp>
       <p:sp>
         <p:nvSpPr>
-          <p:cNvPr id="11" name="TextBox 10">
+          <p:cNvPr id="2" name="Google Shape;226;p12">
             <a:extLst>
               <a:ext uri="{FF2B5EF4-FFF2-40B4-BE49-F238E27FC236}">
-                <a16:creationId xmlns:a16="http://schemas.microsoft.com/office/drawing/2014/main" id="{E72470E9-B695-FC9A-0D97-F18432E25ADA}"/>
+                <a16:creationId xmlns:a16="http://schemas.microsoft.com/office/drawing/2014/main" id="{076E11CC-1B19-64B7-F1DC-E221DEA8BF3E}"/>
               </a:ext>
             </a:extLst>
           </p:cNvPr>
-          <p:cNvSpPr txBox="1"/>
+          <p:cNvSpPr txBox="1">
+            <a:spLocks/>
+          </p:cNvSpPr>
           <p:nvPr/>
         </p:nvSpPr>
         <p:spPr>
           <a:xfrm>
-            <a:off x="497953" y="4700667"/>
-            <a:ext cx="4957763" cy="1015663"/>
+            <a:off x="770021" y="4104492"/>
+            <a:ext cx="4957763" cy="2682875"/>
           </a:xfrm>
           <a:prstGeom prst="rect">
             <a:avLst/>
           </a:prstGeom>
           <a:noFill/>
+          <a:ln>
+            <a:noFill/>
+          </a:ln>
         </p:spPr>
         <p:txBody>
-          <a:bodyPr wrap="square" rtlCol="0">
-            <a:spAutoFit/>
+          <a:bodyPr spcFirstLastPara="1" wrap="square" lIns="91425" tIns="45700" rIns="91425" bIns="45700" anchor="t" anchorCtr="0">
+            <a:normAutofit/>
           </a:bodyPr>
-          <a:lstStyle/>
+          <a:lstStyle>
+            <a:defPPr marR="0" lvl="0" algn="l" rtl="0">
+              <a:lnSpc>
+                <a:spcPct val="100000"/>
+              </a:lnSpc>
+              <a:spcBef>
+                <a:spcPts val="0"/>
+              </a:spcBef>
+              <a:spcAft>
+                <a:spcPts val="0"/>
+              </a:spcAft>
+            </a:defPPr>
+            <a:lvl1pPr marL="457200" marR="0" lvl="0" indent="-406400" algn="l" rtl="0">
+              <a:lnSpc>
+                <a:spcPct val="90000"/>
+              </a:lnSpc>
+              <a:spcBef>
+                <a:spcPts val="1000"/>
+              </a:spcBef>
+              <a:spcAft>
+                <a:spcPts val="0"/>
+              </a:spcAft>
+              <a:buClr>
+                <a:schemeClr val="dk1"/>
+              </a:buClr>
+              <a:buSzPts val="2800"/>
+              <a:buFont typeface="Arial"/>
+              <a:buChar char="•"/>
+              <a:defRPr sz="2800" b="0" i="0" u="none" strike="noStrike" cap="none">
+                <a:solidFill>
+                  <a:schemeClr val="dk1"/>
+                </a:solidFill>
+                <a:latin typeface="Calibri"/>
+                <a:ea typeface="Calibri"/>
+                <a:cs typeface="Calibri"/>
+                <a:sym typeface="Calibri"/>
+              </a:defRPr>
+            </a:lvl1pPr>
+            <a:lvl2pPr marL="914400" marR="0" lvl="1" indent="-381000" algn="l" rtl="0">
+              <a:lnSpc>
+                <a:spcPct val="90000"/>
+              </a:lnSpc>
+              <a:spcBef>
+                <a:spcPts val="500"/>
+              </a:spcBef>
+              <a:spcAft>
+                <a:spcPts val="0"/>
+              </a:spcAft>
+              <a:buClr>
+                <a:schemeClr val="dk1"/>
+              </a:buClr>
+              <a:buSzPts val="2400"/>
+              <a:buFont typeface="Arial"/>
+              <a:buChar char="•"/>
+              <a:defRPr sz="2400" b="0" i="0" u="none" strike="noStrike" cap="none">
+                <a:solidFill>
+                  <a:schemeClr val="dk1"/>
+                </a:solidFill>
+                <a:latin typeface="Calibri"/>
+                <a:ea typeface="Calibri"/>
+                <a:cs typeface="Calibri"/>
+                <a:sym typeface="Calibri"/>
+              </a:defRPr>
+            </a:lvl2pPr>
+            <a:lvl3pPr marL="1371600" marR="0" lvl="2" indent="-355600" algn="l" rtl="0">
+              <a:lnSpc>
+                <a:spcPct val="90000"/>
+              </a:lnSpc>
+              <a:spcBef>
+                <a:spcPts val="500"/>
+              </a:spcBef>
+              <a:spcAft>
+                <a:spcPts val="0"/>
+              </a:spcAft>
+              <a:buClr>
+                <a:schemeClr val="dk1"/>
+              </a:buClr>
+              <a:buSzPts val="2000"/>
+              <a:buFont typeface="Arial"/>
+              <a:buChar char="•"/>
+              <a:defRPr sz="2000" b="0" i="0" u="none" strike="noStrike" cap="none">
+                <a:solidFill>
+                  <a:schemeClr val="dk1"/>
+                </a:solidFill>
+                <a:latin typeface="Calibri"/>
+                <a:ea typeface="Calibri"/>
+                <a:cs typeface="Calibri"/>
+                <a:sym typeface="Calibri"/>
+              </a:defRPr>
+            </a:lvl3pPr>
+            <a:lvl4pPr marL="1828800" marR="0" lvl="3" indent="-342900" algn="l" rtl="0">
+              <a:lnSpc>
+                <a:spcPct val="90000"/>
+              </a:lnSpc>
+              <a:spcBef>
+                <a:spcPts val="500"/>
+              </a:spcBef>
+              <a:spcAft>
+                <a:spcPts val="0"/>
+              </a:spcAft>
+              <a:buClr>
+                <a:schemeClr val="dk1"/>
+              </a:buClr>
+              <a:buSzPts val="1800"/>
+              <a:buFont typeface="Arial"/>
+              <a:buChar char="•"/>
+              <a:defRPr sz="1800" b="0" i="0" u="none" strike="noStrike" cap="none">
+                <a:solidFill>
+                  <a:schemeClr val="dk1"/>
+                </a:solidFill>
+                <a:latin typeface="Calibri"/>
+                <a:ea typeface="Calibri"/>
+                <a:cs typeface="Calibri"/>
+                <a:sym typeface="Calibri"/>
+              </a:defRPr>
+            </a:lvl4pPr>
+            <a:lvl5pPr marL="2286000" marR="0" lvl="4" indent="-342900" algn="l" rtl="0">
+              <a:lnSpc>
+                <a:spcPct val="90000"/>
+              </a:lnSpc>
+              <a:spcBef>
+                <a:spcPts val="500"/>
+              </a:spcBef>
+              <a:spcAft>
+                <a:spcPts val="0"/>
+              </a:spcAft>
+              <a:buClr>
+                <a:schemeClr val="dk1"/>
+              </a:buClr>
+              <a:buSzPts val="1800"/>
+              <a:buFont typeface="Arial"/>
+              <a:buChar char="•"/>
+              <a:defRPr sz="1800" b="0" i="0" u="none" strike="noStrike" cap="none">
+                <a:solidFill>
+                  <a:schemeClr val="dk1"/>
+                </a:solidFill>
+                <a:latin typeface="Calibri"/>
+                <a:ea typeface="Calibri"/>
+                <a:cs typeface="Calibri"/>
+                <a:sym typeface="Calibri"/>
+              </a:defRPr>
+            </a:lvl5pPr>
+            <a:lvl6pPr marL="2743200" marR="0" lvl="5" indent="-342900" algn="l" rtl="0">
+              <a:lnSpc>
+                <a:spcPct val="90000"/>
+              </a:lnSpc>
+              <a:spcBef>
+                <a:spcPts val="500"/>
+              </a:spcBef>
+              <a:spcAft>
+                <a:spcPts val="0"/>
+              </a:spcAft>
+              <a:buClr>
+                <a:schemeClr val="dk1"/>
+              </a:buClr>
+              <a:buSzPts val="1800"/>
+              <a:buFont typeface="Arial"/>
+              <a:buChar char="•"/>
+              <a:defRPr sz="1800" b="0" i="0" u="none" strike="noStrike" cap="none">
+                <a:solidFill>
+                  <a:schemeClr val="dk1"/>
+                </a:solidFill>
+                <a:latin typeface="Calibri"/>
+                <a:ea typeface="Calibri"/>
+                <a:cs typeface="Calibri"/>
+                <a:sym typeface="Calibri"/>
+              </a:defRPr>
+            </a:lvl6pPr>
+            <a:lvl7pPr marL="3200400" marR="0" lvl="6" indent="-342900" algn="l" rtl="0">
+              <a:lnSpc>
+                <a:spcPct val="90000"/>
+              </a:lnSpc>
+              <a:spcBef>
+                <a:spcPts val="500"/>
+              </a:spcBef>
+              <a:spcAft>
+                <a:spcPts val="0"/>
+              </a:spcAft>
+              <a:buClr>
+                <a:schemeClr val="dk1"/>
+              </a:buClr>
+              <a:buSzPts val="1800"/>
+              <a:buFont typeface="Arial"/>
+              <a:buChar char="•"/>
+              <a:defRPr sz="1800" b="0" i="0" u="none" strike="noStrike" cap="none">
+                <a:solidFill>
+                  <a:schemeClr val="dk1"/>
+                </a:solidFill>
+                <a:latin typeface="Calibri"/>
+                <a:ea typeface="Calibri"/>
+                <a:cs typeface="Calibri"/>
+                <a:sym typeface="Calibri"/>
+              </a:defRPr>
+            </a:lvl7pPr>
+            <a:lvl8pPr marL="3657600" marR="0" lvl="7" indent="-342900" algn="l" rtl="0">
+              <a:lnSpc>
+                <a:spcPct val="90000"/>
+              </a:lnSpc>
+              <a:spcBef>
+                <a:spcPts val="500"/>
+              </a:spcBef>
+              <a:spcAft>
+                <a:spcPts val="0"/>
+              </a:spcAft>
+              <a:buClr>
+                <a:schemeClr val="dk1"/>
+              </a:buClr>
+              <a:buSzPts val="1800"/>
+              <a:buFont typeface="Arial"/>
+              <a:buChar char="•"/>
+              <a:defRPr sz="1800" b="0" i="0" u="none" strike="noStrike" cap="none">
+                <a:solidFill>
+                  <a:schemeClr val="dk1"/>
+                </a:solidFill>
+                <a:latin typeface="Calibri"/>
+                <a:ea typeface="Calibri"/>
+                <a:cs typeface="Calibri"/>
+                <a:sym typeface="Calibri"/>
+              </a:defRPr>
+            </a:lvl8pPr>
+            <a:lvl9pPr marL="4114800" marR="0" lvl="8" indent="-342900" algn="l" rtl="0">
+              <a:lnSpc>
+                <a:spcPct val="90000"/>
+              </a:lnSpc>
+              <a:spcBef>
+                <a:spcPts val="500"/>
+              </a:spcBef>
+              <a:spcAft>
+                <a:spcPts val="0"/>
+              </a:spcAft>
+              <a:buClr>
+                <a:schemeClr val="dk1"/>
+              </a:buClr>
+              <a:buSzPts val="1800"/>
+              <a:buFont typeface="Arial"/>
+              <a:buChar char="•"/>
+              <a:defRPr sz="1800" b="0" i="0" u="none" strike="noStrike" cap="none">
+                <a:solidFill>
+                  <a:schemeClr val="dk1"/>
+                </a:solidFill>
+                <a:latin typeface="Calibri"/>
+                <a:ea typeface="Calibri"/>
+                <a:cs typeface="Calibri"/>
+                <a:sym typeface="Calibri"/>
+              </a:defRPr>
+            </a:lvl9pPr>
+          </a:lstStyle>
           <a:p>
-            <a:pPr marL="285750" indent="-285750">
+            <a:pPr marL="342900" indent="-342900">
               <a:buFont typeface="Arial" panose="020B0604020202020204" pitchFamily="34" charset="0"/>
               <a:buChar char="•"/>
             </a:pPr>
             <a:r>
-              <a:rPr lang="en-US" sz="2000" dirty="0"/>
+              <a:rPr lang="en-US" sz="2000" dirty="0">
+                <a:latin typeface="Calibri" panose="020F0502020204030204" pitchFamily="34" charset="0"/>
+                <a:cs typeface="Calibri" panose="020F0502020204030204" pitchFamily="34" charset="0"/>
+              </a:rPr>
               <a:t>More than a 20% decrease in price</a:t>
             </a:r>
           </a:p>
@@ -38366,7 +38801,10 @@
               <a:buChar char="•"/>
             </a:pPr>
             <a:r>
-              <a:rPr lang="en-US" sz="2000" dirty="0"/>
+              <a:rPr lang="en-US" sz="2000" dirty="0">
+                <a:latin typeface="Calibri" panose="020F0502020204030204" pitchFamily="34" charset="0"/>
+                <a:cs typeface="Calibri" panose="020F0502020204030204" pitchFamily="34" charset="0"/>
+              </a:rPr>
               <a:t>Less costly testing procedures</a:t>
             </a:r>
           </a:p>
@@ -38376,9 +38814,38 @@
               <a:buChar char="•"/>
             </a:pPr>
             <a:r>
-              <a:rPr lang="en-US" sz="2000" dirty="0"/>
+              <a:rPr lang="en-US" sz="2000" dirty="0">
+                <a:latin typeface="Calibri" panose="020F0502020204030204" pitchFamily="34" charset="0"/>
+                <a:cs typeface="Calibri" panose="020F0502020204030204" pitchFamily="34" charset="0"/>
+              </a:rPr>
               <a:t>Accessibility through cost and location</a:t>
             </a:r>
+          </a:p>
+          <a:p>
+            <a:pPr marL="285750" indent="-285750">
+              <a:buFont typeface="Arial" panose="020B0604020202020204" pitchFamily="34" charset="0"/>
+              <a:buChar char="•"/>
+            </a:pPr>
+            <a:r>
+              <a:rPr lang="en-US" sz="2000" dirty="0">
+                <a:latin typeface="Calibri" panose="020F0502020204030204" pitchFamily="34" charset="0"/>
+                <a:cs typeface="Calibri" panose="020F0502020204030204" pitchFamily="34" charset="0"/>
+              </a:rPr>
+              <a:t>National Institute of Health indicates that millennial and Gen Z individuals are more likely to experience hearing loss compared to previous generations</a:t>
+            </a:r>
+          </a:p>
+          <a:p>
+            <a:pPr marL="635000" indent="-457200">
+              <a:spcBef>
+                <a:spcPts val="0"/>
+              </a:spcBef>
+              <a:buFont typeface="Arial" panose="020B0604020202020204" pitchFamily="34" charset="0"/>
+              <a:buChar char="•"/>
+            </a:pPr>
+            <a:endParaRPr lang="en-US" sz="2000" dirty="0">
+              <a:latin typeface="Calibri" panose="020F0502020204030204" pitchFamily="34" charset="0"/>
+              <a:cs typeface="Calibri" panose="020F0502020204030204" pitchFamily="34" charset="0"/>
+            </a:endParaRPr>
           </a:p>
         </p:txBody>
       </p:sp>
@@ -38440,40 +38907,27 @@
           </a:bodyPr>
           <a:lstStyle/>
           <a:p>
-            <a:pPr marL="0" marR="0" lvl="0" indent="0" algn="l" rtl="0">
-              <a:lnSpc>
-                <a:spcPct val="90000"/>
-              </a:lnSpc>
-              <a:spcBef>
-                <a:spcPts val="0"/>
-              </a:spcBef>
-              <a:spcAft>
-                <a:spcPts val="0"/>
-              </a:spcAft>
-              <a:buClr>
-                <a:srgbClr val="FFD966"/>
-              </a:buClr>
-              <a:buSzPts val="4400"/>
-              <a:buFont typeface="Calibri"/>
-              <a:buNone/>
+            <a:pPr>
+              <a:lnSpc>
+                <a:spcPct val="90000"/>
+              </a:lnSpc>
+              <a:spcBef>
+                <a:spcPts val="1000"/>
+              </a:spcBef>
+              <a:buClr>
+                <a:srgbClr val="D09E00"/>
+              </a:buClr>
+              <a:buSzPct val="100000"/>
             </a:pPr>
             <a:r>
-              <a:rPr lang="en-US" sz="4400">
+              <a:rPr lang="en-US" sz="4400" dirty="0">
                 <a:solidFill>
                   <a:srgbClr val="D09E00"/>
                 </a:solidFill>
-                <a:latin typeface="Calibri"/>
-                <a:ea typeface="Calibri"/>
-                <a:cs typeface="Calibri"/>
-                <a:sym typeface="Calibri"/>
               </a:rPr>
-              <a:t>Data &amp; Preprocessing: </a:t>
+              <a:t>Exploratory Data Analysis: </a:t>
             </a:r>
-            <a:endParaRPr>
-              <a:solidFill>
-                <a:srgbClr val="D09E00"/>
-              </a:solidFill>
-            </a:endParaRPr>
+            <a:endParaRPr lang="en-US" sz="7200" dirty="0"/>
           </a:p>
         </p:txBody>
       </p:sp>
@@ -38489,7 +38943,7 @@
         </p:nvSpPr>
         <p:spPr>
           <a:xfrm>
-            <a:off x="565719" y="3198482"/>
+            <a:off x="565719" y="2939721"/>
             <a:ext cx="5484729" cy="651624"/>
           </a:xfrm>
           <a:prstGeom prst="rect">
@@ -38506,35 +38960,25 @@
           </a:bodyPr>
           <a:lstStyle/>
           <a:p>
-            <a:pPr marL="228600" lvl="0" indent="-50800" algn="ctr" rtl="0">
-              <a:lnSpc>
-                <a:spcPct val="90000"/>
-              </a:lnSpc>
-              <a:spcBef>
-                <a:spcPts val="0"/>
-              </a:spcBef>
-              <a:spcAft>
-                <a:spcPts val="0"/>
-              </a:spcAft>
-              <a:buClr>
-                <a:schemeClr val="dk1"/>
-              </a:buClr>
-              <a:buSzPts val="2800"/>
+            <a:pPr marL="228600" indent="-50800" algn="ctr">
+              <a:spcBef>
+                <a:spcPts val="0"/>
+              </a:spcBef>
               <a:buNone/>
             </a:pPr>
             <a:r>
               <a:rPr lang="en-US" sz="3600" dirty="0">
                 <a:solidFill>
-                  <a:schemeClr val="accent2">
+                  <a:schemeClr val="accent4">
                     <a:lumMod val="50000"/>
                   </a:schemeClr>
                 </a:solidFill>
               </a:rPr>
-              <a:t>Exploratory Data Analysis</a:t>
+              <a:t>Data Search</a:t>
             </a:r>
             <a:endParaRPr sz="3600" dirty="0">
               <a:solidFill>
-                <a:schemeClr val="accent2">
+                <a:schemeClr val="accent4">
                   <a:lumMod val="50000"/>
                 </a:schemeClr>
               </a:solidFill>
@@ -38554,7 +38998,7 @@
         </p:nvSpPr>
         <p:spPr>
           <a:xfrm>
-            <a:off x="5835372" y="3178672"/>
+            <a:off x="5835372" y="2950332"/>
             <a:ext cx="4957763" cy="671434"/>
           </a:xfrm>
           <a:prstGeom prst="rect">
@@ -38571,35 +39015,25 @@
           </a:bodyPr>
           <a:lstStyle/>
           <a:p>
-            <a:pPr marL="228600" lvl="0" indent="-50800" algn="ctr" rtl="0">
-              <a:lnSpc>
-                <a:spcPct val="90000"/>
-              </a:lnSpc>
-              <a:spcBef>
-                <a:spcPts val="0"/>
-              </a:spcBef>
-              <a:spcAft>
-                <a:spcPts val="0"/>
-              </a:spcAft>
-              <a:buClr>
-                <a:schemeClr val="dk1"/>
-              </a:buClr>
-              <a:buSzPts val="2800"/>
+            <a:pPr marL="228600" lvl="0" indent="-50800" algn="ctr">
+              <a:spcBef>
+                <a:spcPts val="0"/>
+              </a:spcBef>
               <a:buNone/>
             </a:pPr>
             <a:r>
               <a:rPr lang="en-US" sz="3600" dirty="0">
                 <a:solidFill>
-                  <a:schemeClr val="accent2">
+                  <a:schemeClr val="accent4">
                     <a:lumMod val="50000"/>
                   </a:schemeClr>
                 </a:solidFill>
               </a:rPr>
-              <a:t>Database</a:t>
+              <a:t>Preprocessing</a:t>
             </a:r>
             <a:endParaRPr sz="3600" dirty="0">
               <a:solidFill>
-                <a:schemeClr val="accent2">
+                <a:schemeClr val="accent4">
                   <a:lumMod val="50000"/>
                 </a:schemeClr>
               </a:solidFill>
@@ -39530,47 +39964,6 @@
       </p:sp>
       <p:sp>
         <p:nvSpPr>
-          <p:cNvPr id="2" name="TextBox 1">
-            <a:extLst>
-              <a:ext uri="{FF2B5EF4-FFF2-40B4-BE49-F238E27FC236}">
-                <a16:creationId xmlns:a16="http://schemas.microsoft.com/office/drawing/2014/main" id="{3A6E9C0C-116B-EDB0-95EF-31812B9C221A}"/>
-              </a:ext>
-            </a:extLst>
-          </p:cNvPr>
-          <p:cNvSpPr txBox="1"/>
-          <p:nvPr/>
-        </p:nvSpPr>
-        <p:spPr>
-          <a:xfrm>
-            <a:off x="5535335" y="473233"/>
-            <a:ext cx="3018503" cy="523220"/>
-          </a:xfrm>
-          <a:prstGeom prst="rect">
-            <a:avLst/>
-          </a:prstGeom>
-          <a:noFill/>
-        </p:spPr>
-        <p:txBody>
-          <a:bodyPr wrap="square" rtlCol="0">
-            <a:spAutoFit/>
-          </a:bodyPr>
-          <a:lstStyle/>
-          <a:p>
-            <a:r>
-              <a:rPr lang="en-US" sz="2800" dirty="0">
-                <a:solidFill>
-                  <a:schemeClr val="accent2">
-                    <a:lumMod val="50000"/>
-                  </a:schemeClr>
-                </a:solidFill>
-              </a:rPr>
-              <a:t>AWS S3 Bucket</a:t>
-            </a:r>
-          </a:p>
-        </p:txBody>
-      </p:sp>
-      <p:sp>
-        <p:nvSpPr>
           <p:cNvPr id="3" name="TextBox 2">
             <a:extLst>
               <a:ext uri="{FF2B5EF4-FFF2-40B4-BE49-F238E27FC236}">
@@ -39583,8 +39976,8 @@
         </p:nvSpPr>
         <p:spPr>
           <a:xfrm>
-            <a:off x="545432" y="3850106"/>
-            <a:ext cx="5694947" cy="2308324"/>
+            <a:off x="6096000" y="3859940"/>
+            <a:ext cx="5694947" cy="2554545"/>
           </a:xfrm>
           <a:prstGeom prst="rect">
             <a:avLst/>
@@ -39602,15 +39995,24 @@
               <a:buChar char="•"/>
             </a:pPr>
             <a:r>
-              <a:rPr lang="en-US" sz="2400" dirty="0"/>
-              <a:t>Using pandas in </a:t>
+              <a:rPr lang="en-US" sz="2000" dirty="0">
+                <a:latin typeface="Calibri" panose="020F0502020204030204" pitchFamily="34" charset="0"/>
+                <a:cs typeface="Calibri" panose="020F0502020204030204" pitchFamily="34" charset="0"/>
+              </a:rPr>
+              <a:t>Using Pandas, the Python library, in </a:t>
             </a:r>
             <a:r>
-              <a:rPr lang="en-US" sz="2400" dirty="0" err="1"/>
+              <a:rPr lang="en-US" sz="2000" dirty="0" err="1">
+                <a:latin typeface="Calibri" panose="020F0502020204030204" pitchFamily="34" charset="0"/>
+                <a:cs typeface="Calibri" panose="020F0502020204030204" pitchFamily="34" charset="0"/>
+              </a:rPr>
               <a:t>jupyter</a:t>
             </a:r>
             <a:r>
-              <a:rPr lang="en-US" sz="2400" dirty="0"/>
+              <a:rPr lang="en-US" sz="2000" dirty="0">
+                <a:latin typeface="Calibri" panose="020F0502020204030204" pitchFamily="34" charset="0"/>
+                <a:cs typeface="Calibri" panose="020F0502020204030204" pitchFamily="34" charset="0"/>
+              </a:rPr>
               <a:t> notebook</a:t>
             </a:r>
           </a:p>
@@ -39620,7 +40022,23 @@
               <a:buChar char="•"/>
             </a:pPr>
             <a:r>
-              <a:rPr lang="en-US" sz="2400" dirty="0"/>
+              <a:rPr lang="en-US" sz="2000" dirty="0">
+                <a:latin typeface="Calibri" panose="020F0502020204030204" pitchFamily="34" charset="0"/>
+                <a:cs typeface="Calibri" panose="020F0502020204030204" pitchFamily="34" charset="0"/>
+              </a:rPr>
+              <a:t>Using Excel to edit Costco file</a:t>
+            </a:r>
+          </a:p>
+          <a:p>
+            <a:pPr marL="285750" indent="-285750">
+              <a:buFont typeface="Arial" panose="020B0604020202020204" pitchFamily="34" charset="0"/>
+              <a:buChar char="•"/>
+            </a:pPr>
+            <a:r>
+              <a:rPr lang="en-US" sz="2000" dirty="0">
+                <a:latin typeface="Calibri" panose="020F0502020204030204" pitchFamily="34" charset="0"/>
+                <a:cs typeface="Calibri" panose="020F0502020204030204" pitchFamily="34" charset="0"/>
+              </a:rPr>
               <a:t>Dropping irrelevant columns</a:t>
             </a:r>
           </a:p>
@@ -39630,7 +40048,10 @@
               <a:buChar char="•"/>
             </a:pPr>
             <a:r>
-              <a:rPr lang="en-US" sz="2400" dirty="0"/>
+              <a:rPr lang="en-US" sz="2000" dirty="0">
+                <a:latin typeface="Calibri" panose="020F0502020204030204" pitchFamily="34" charset="0"/>
+                <a:cs typeface="Calibri" panose="020F0502020204030204" pitchFamily="34" charset="0"/>
+              </a:rPr>
               <a:t>Creating consistency in label names</a:t>
             </a:r>
           </a:p>
@@ -39640,7 +40061,10 @@
               <a:buChar char="•"/>
             </a:pPr>
             <a:r>
-              <a:rPr lang="en-US" sz="2400" dirty="0"/>
+              <a:rPr lang="en-US" sz="2000" dirty="0">
+                <a:latin typeface="Calibri" panose="020F0502020204030204" pitchFamily="34" charset="0"/>
+                <a:cs typeface="Calibri" panose="020F0502020204030204" pitchFamily="34" charset="0"/>
+              </a:rPr>
               <a:t>Locating Costco hearing clinics</a:t>
             </a:r>
           </a:p>
@@ -39650,7 +40074,10 @@
               <a:buChar char="•"/>
             </a:pPr>
             <a:r>
-              <a:rPr lang="en-US" sz="2400" dirty="0"/>
+              <a:rPr lang="en-US" sz="2000" dirty="0">
+                <a:latin typeface="Calibri" panose="020F0502020204030204" pitchFamily="34" charset="0"/>
+                <a:cs typeface="Calibri" panose="020F0502020204030204" pitchFamily="34" charset="0"/>
+              </a:rPr>
               <a:t>Merging demographic</a:t>
             </a:r>
           </a:p>
@@ -39660,7 +40087,10 @@
               <a:buChar char="•"/>
             </a:pPr>
             <a:r>
-              <a:rPr lang="en-US" sz="2400" dirty="0"/>
+              <a:rPr lang="en-US" sz="2000" dirty="0">
+                <a:latin typeface="Calibri" panose="020F0502020204030204" pitchFamily="34" charset="0"/>
+                <a:cs typeface="Calibri" panose="020F0502020204030204" pitchFamily="34" charset="0"/>
+              </a:rPr>
               <a:t>Transformed census data into csv files</a:t>
             </a:r>
           </a:p>
@@ -39680,8 +40110,8 @@
         </p:nvSpPr>
         <p:spPr>
           <a:xfrm>
-            <a:off x="6260666" y="3850106"/>
-            <a:ext cx="5694947" cy="1938992"/>
+            <a:off x="565719" y="4006124"/>
+            <a:ext cx="5694947" cy="1323439"/>
           </a:xfrm>
           <a:prstGeom prst="rect">
             <a:avLst/>
@@ -39699,8 +40129,11 @@
               <a:buChar char="•"/>
             </a:pPr>
             <a:r>
-              <a:rPr lang="en-US" sz="2400" dirty="0"/>
-              <a:t>S3 Bucket (an Amazon Web Service application)</a:t>
+              <a:rPr lang="en-US" sz="2000" dirty="0">
+                <a:latin typeface="Calibri" panose="020F0502020204030204" pitchFamily="34" charset="0"/>
+                <a:cs typeface="Calibri" panose="020F0502020204030204" pitchFamily="34" charset="0"/>
+              </a:rPr>
+              <a:t>Manual search from each team member</a:t>
             </a:r>
           </a:p>
           <a:p>
@@ -39709,8 +40142,11 @@
               <a:buChar char="•"/>
             </a:pPr>
             <a:r>
-              <a:rPr lang="en-US" sz="2400" dirty="0"/>
-              <a:t>Storing pictures, files, graphs, and more</a:t>
+              <a:rPr lang="en-US" sz="2000" dirty="0">
+                <a:latin typeface="Calibri" panose="020F0502020204030204" pitchFamily="34" charset="0"/>
+                <a:cs typeface="Calibri" panose="020F0502020204030204" pitchFamily="34" charset="0"/>
+              </a:rPr>
+              <a:t>US Census Data</a:t>
             </a:r>
           </a:p>
           <a:p>
@@ -39719,8 +40155,24 @@
               <a:buChar char="•"/>
             </a:pPr>
             <a:r>
-              <a:rPr lang="en-US" sz="2400" dirty="0"/>
-              <a:t>Easily accessible among teammates</a:t>
+              <a:rPr lang="en-US" sz="2000" dirty="0">
+                <a:latin typeface="Calibri" panose="020F0502020204030204" pitchFamily="34" charset="0"/>
+                <a:cs typeface="Calibri" panose="020F0502020204030204" pitchFamily="34" charset="0"/>
+              </a:rPr>
+              <a:t>Kaggle</a:t>
+            </a:r>
+          </a:p>
+          <a:p>
+            <a:pPr marL="285750" indent="-285750">
+              <a:buFont typeface="Arial" panose="020B0604020202020204" pitchFamily="34" charset="0"/>
+              <a:buChar char="•"/>
+            </a:pPr>
+            <a:r>
+              <a:rPr lang="en-US" sz="2000" dirty="0">
+                <a:latin typeface="Calibri" panose="020F0502020204030204" pitchFamily="34" charset="0"/>
+                <a:cs typeface="Calibri" panose="020F0502020204030204" pitchFamily="34" charset="0"/>
+              </a:rPr>
+              <a:t>Costco Website</a:t>
             </a:r>
           </a:p>
         </p:txBody>
@@ -39793,7 +40245,7 @@
               <a:buNone/>
             </a:pPr>
             <a:r>
-              <a:rPr lang="en-US" sz="4400">
+              <a:rPr lang="en-US" sz="4400" dirty="0">
                 <a:solidFill>
                   <a:srgbClr val="C55A11"/>
                 </a:solidFill>
@@ -39802,9 +40254,9 @@
                 <a:cs typeface="Calibri"/>
                 <a:sym typeface="Calibri"/>
               </a:rPr>
-              <a:t>Machine Learning: </a:t>
+              <a:t>Data Storage: </a:t>
             </a:r>
-            <a:endParaRPr>
+            <a:endParaRPr dirty="0">
               <a:solidFill>
                 <a:srgbClr val="C55A11"/>
               </a:solidFill>
@@ -39841,32 +40293,42 @@
           </a:bodyPr>
           <a:lstStyle/>
           <a:p>
-            <a:pPr marL="228600" lvl="0" indent="-50800" algn="ctr" rtl="0">
-              <a:lnSpc>
-                <a:spcPct val="90000"/>
-              </a:lnSpc>
-              <a:spcBef>
-                <a:spcPts val="0"/>
-              </a:spcBef>
-              <a:spcAft>
-                <a:spcPts val="0"/>
-              </a:spcAft>
-              <a:buClr>
-                <a:schemeClr val="dk1"/>
-              </a:buClr>
-              <a:buSzPts val="2800"/>
+            <a:pPr marL="228600" indent="-50800" algn="ctr">
+              <a:spcBef>
+                <a:spcPts val="0"/>
+              </a:spcBef>
               <a:buNone/>
             </a:pPr>
             <a:r>
-              <a:rPr lang="en-US" dirty="0">
+              <a:rPr lang="en-US" sz="2800" dirty="0">
                 <a:solidFill>
                   <a:schemeClr val="accent2">
                     <a:lumMod val="50000"/>
                   </a:schemeClr>
                 </a:solidFill>
+                <a:latin typeface="Calibri" panose="020F0502020204030204" pitchFamily="34" charset="0"/>
+                <a:cs typeface="Calibri" panose="020F0502020204030204" pitchFamily="34" charset="0"/>
               </a:rPr>
-              <a:t>Needing a machine learning model that predicts the probability of a dependent variable. This will give a binary output.</a:t>
+              <a:t>S3 Bucket, an Amazon Web Service application</a:t>
             </a:r>
+          </a:p>
+          <a:p>
+            <a:pPr marL="228600" lvl="0" indent="-50800" algn="ctr" rtl="0">
+              <a:lnSpc>
+                <a:spcPct val="90000"/>
+              </a:lnSpc>
+              <a:spcBef>
+                <a:spcPts val="0"/>
+              </a:spcBef>
+              <a:spcAft>
+                <a:spcPts val="0"/>
+              </a:spcAft>
+              <a:buClr>
+                <a:schemeClr val="dk1"/>
+              </a:buClr>
+              <a:buSzPts val="2800"/>
+              <a:buNone/>
+            </a:pPr>
             <a:endParaRPr dirty="0">
               <a:solidFill>
                 <a:schemeClr val="accent2">
@@ -39874,83 +40336,6 @@
                 </a:schemeClr>
               </a:solidFill>
             </a:endParaRPr>
-          </a:p>
-        </p:txBody>
-      </p:sp>
-      <p:sp>
-        <p:nvSpPr>
-          <p:cNvPr id="245" name="Google Shape;245;p14"/>
-          <p:cNvSpPr txBox="1">
-            <a:spLocks noGrp="1"/>
-          </p:cNvSpPr>
-          <p:nvPr>
-            <p:ph type="body" idx="2"/>
-          </p:nvPr>
-        </p:nvSpPr>
-        <p:spPr>
-          <a:xfrm>
-            <a:off x="438360" y="4565530"/>
-            <a:ext cx="5071288" cy="2018994"/>
-          </a:xfrm>
-          <a:prstGeom prst="rect">
-            <a:avLst/>
-          </a:prstGeom>
-          <a:noFill/>
-          <a:ln>
-            <a:noFill/>
-          </a:ln>
-        </p:spPr>
-        <p:txBody>
-          <a:bodyPr spcFirstLastPara="1" wrap="square" lIns="91425" tIns="45700" rIns="91425" bIns="45700" anchor="t" anchorCtr="0">
-            <a:normAutofit/>
-          </a:bodyPr>
-          <a:lstStyle/>
-          <a:p>
-            <a:pPr marL="635000" lvl="0" indent="-457200" algn="l" rtl="0">
-              <a:lnSpc>
-                <a:spcPct val="90000"/>
-              </a:lnSpc>
-              <a:spcBef>
-                <a:spcPts val="0"/>
-              </a:spcBef>
-              <a:spcAft>
-                <a:spcPts val="0"/>
-              </a:spcAft>
-              <a:buClr>
-                <a:schemeClr val="dk1"/>
-              </a:buClr>
-              <a:buSzPts val="2800"/>
-              <a:buFont typeface="Arial" panose="020B0604020202020204" pitchFamily="34" charset="0"/>
-              <a:buChar char="•"/>
-            </a:pPr>
-            <a:r>
-              <a:rPr lang="en-US" dirty="0"/>
-              <a:t>A mock-up for structured and unstructured notebooks</a:t>
-            </a:r>
-          </a:p>
-          <a:p>
-            <a:pPr marL="635000" lvl="0" indent="-457200" algn="l" rtl="0">
-              <a:lnSpc>
-                <a:spcPct val="90000"/>
-              </a:lnSpc>
-              <a:spcBef>
-                <a:spcPts val="0"/>
-              </a:spcBef>
-              <a:spcAft>
-                <a:spcPts val="0"/>
-              </a:spcAft>
-              <a:buClr>
-                <a:schemeClr val="dk1"/>
-              </a:buClr>
-              <a:buSzPts val="2800"/>
-              <a:buFont typeface="Arial" panose="020B0604020202020204" pitchFamily="34" charset="0"/>
-              <a:buChar char="•"/>
-            </a:pPr>
-            <a:r>
-              <a:rPr lang="en-US" dirty="0"/>
-              <a:t>Using precision and recall</a:t>
-            </a:r>
-            <a:endParaRPr dirty="0"/>
           </a:p>
         </p:txBody>
       </p:sp>
@@ -40115,78 +40500,6 @@
       </p:sp>
       <p:sp>
         <p:nvSpPr>
-          <p:cNvPr id="2" name="Google Shape;243;p14">
-            <a:extLst>
-              <a:ext uri="{FF2B5EF4-FFF2-40B4-BE49-F238E27FC236}">
-                <a16:creationId xmlns:a16="http://schemas.microsoft.com/office/drawing/2014/main" id="{B775C4FD-D7C6-D70D-8742-1597D1982275}"/>
-              </a:ext>
-            </a:extLst>
-          </p:cNvPr>
-          <p:cNvSpPr txBox="1"/>
-          <p:nvPr/>
-        </p:nvSpPr>
-        <p:spPr>
-          <a:xfrm>
-            <a:off x="4716379" y="273476"/>
-            <a:ext cx="4438844" cy="906011"/>
-          </a:xfrm>
-          <a:prstGeom prst="rect">
-            <a:avLst/>
-          </a:prstGeom>
-          <a:noFill/>
-          <a:ln>
-            <a:noFill/>
-          </a:ln>
-        </p:spPr>
-        <p:txBody>
-          <a:bodyPr spcFirstLastPara="1" wrap="square" lIns="91425" tIns="45700" rIns="91425" bIns="45700" anchor="ctr" anchorCtr="0">
-            <a:normAutofit fontScale="92500"/>
-          </a:bodyPr>
-          <a:lstStyle/>
-          <a:p>
-            <a:pPr marL="0" marR="0" lvl="0" indent="0" algn="l" rtl="0">
-              <a:lnSpc>
-                <a:spcPct val="90000"/>
-              </a:lnSpc>
-              <a:spcBef>
-                <a:spcPts val="0"/>
-              </a:spcBef>
-              <a:spcAft>
-                <a:spcPts val="0"/>
-              </a:spcAft>
-              <a:buClr>
-                <a:srgbClr val="FFD966"/>
-              </a:buClr>
-              <a:buSzPts val="4400"/>
-              <a:buFont typeface="Calibri"/>
-              <a:buNone/>
-            </a:pPr>
-            <a:r>
-              <a:rPr lang="en-US" sz="4400" dirty="0">
-                <a:solidFill>
-                  <a:schemeClr val="accent2">
-                    <a:lumMod val="50000"/>
-                  </a:schemeClr>
-                </a:solidFill>
-                <a:latin typeface="Calibri"/>
-                <a:ea typeface="Calibri"/>
-                <a:cs typeface="Calibri"/>
-                <a:sym typeface="Calibri"/>
-              </a:rPr>
-              <a:t>Logistic Regression</a:t>
-            </a:r>
-            <a:endParaRPr dirty="0">
-              <a:solidFill>
-                <a:schemeClr val="accent2">
-                  <a:lumMod val="50000"/>
-                </a:schemeClr>
-              </a:solidFill>
-            </a:endParaRPr>
-          </a:p>
-        </p:txBody>
-      </p:sp>
-      <p:sp>
-        <p:nvSpPr>
           <p:cNvPr id="4" name="Google Shape;245;p14">
             <a:extLst>
               <a:ext uri="{FF2B5EF4-FFF2-40B4-BE49-F238E27FC236}">
@@ -40201,7 +40514,7 @@
         </p:nvSpPr>
         <p:spPr>
           <a:xfrm>
-            <a:off x="5949638" y="4565530"/>
+            <a:off x="6365062" y="4420377"/>
             <a:ext cx="5071288" cy="2018994"/>
           </a:xfrm>
           <a:prstGeom prst="rect">
@@ -40482,16 +40795,25 @@
               <a:buChar char="•"/>
             </a:pPr>
             <a:r>
-              <a:rPr lang="en-US" dirty="0"/>
+              <a:rPr lang="en-US" sz="2000" dirty="0">
+                <a:latin typeface="Calibri" panose="020F0502020204030204" pitchFamily="34" charset="0"/>
+                <a:cs typeface="Calibri" panose="020F0502020204030204" pitchFamily="34" charset="0"/>
+              </a:rPr>
               <a:t>Using </a:t>
             </a:r>
             <a:r>
-              <a:rPr lang="en-US" dirty="0" err="1"/>
+              <a:rPr lang="en-US" sz="2000" dirty="0" err="1">
+                <a:latin typeface="Calibri" panose="020F0502020204030204" pitchFamily="34" charset="0"/>
+                <a:cs typeface="Calibri" panose="020F0502020204030204" pitchFamily="34" charset="0"/>
+              </a:rPr>
               <a:t>RandomForest</a:t>
             </a:r>
             <a:r>
-              <a:rPr lang="en-US" dirty="0"/>
-              <a:t> and K-Means for feature selection</a:t>
+              <a:rPr lang="en-US" sz="2000" dirty="0">
+                <a:latin typeface="Calibri" panose="020F0502020204030204" pitchFamily="34" charset="0"/>
+                <a:cs typeface="Calibri" panose="020F0502020204030204" pitchFamily="34" charset="0"/>
+              </a:rPr>
+              <a:t> &amp; Logistic Regression</a:t>
             </a:r>
           </a:p>
           <a:p>
@@ -40513,8 +40835,86 @@
               <a:buChar char="•"/>
             </a:pPr>
             <a:r>
-              <a:rPr lang="en-US" dirty="0"/>
+              <a:rPr lang="en-US" sz="2000" dirty="0">
+                <a:latin typeface="Calibri" panose="020F0502020204030204" pitchFamily="34" charset="0"/>
+                <a:cs typeface="Calibri" panose="020F0502020204030204" pitchFamily="34" charset="0"/>
+              </a:rPr>
               <a:t>Training on Costco locations</a:t>
+            </a:r>
+          </a:p>
+        </p:txBody>
+      </p:sp>
+      <p:sp>
+        <p:nvSpPr>
+          <p:cNvPr id="3" name="TextBox 2">
+            <a:extLst>
+              <a:ext uri="{FF2B5EF4-FFF2-40B4-BE49-F238E27FC236}">
+                <a16:creationId xmlns:a16="http://schemas.microsoft.com/office/drawing/2014/main" id="{7986D3D4-A0AF-21F3-579E-ED9916B19DFC}"/>
+              </a:ext>
+            </a:extLst>
+          </p:cNvPr>
+          <p:cNvSpPr txBox="1"/>
+          <p:nvPr/>
+        </p:nvSpPr>
+        <p:spPr>
+          <a:xfrm>
+            <a:off x="755650" y="4429175"/>
+            <a:ext cx="5694947" cy="1015663"/>
+          </a:xfrm>
+          <a:prstGeom prst="rect">
+            <a:avLst/>
+          </a:prstGeom>
+          <a:noFill/>
+        </p:spPr>
+        <p:txBody>
+          <a:bodyPr wrap="square" rtlCol="0">
+            <a:spAutoFit/>
+          </a:bodyPr>
+          <a:lstStyle/>
+          <a:p>
+            <a:pPr marL="285750" indent="-285750">
+              <a:buFont typeface="Arial" panose="020B0604020202020204" pitchFamily="34" charset="0"/>
+              <a:buChar char="•"/>
+            </a:pPr>
+            <a:r>
+              <a:rPr lang="en-US" sz="2000" dirty="0">
+                <a:latin typeface="Calibri" panose="020F0502020204030204" pitchFamily="34" charset="0"/>
+                <a:cs typeface="Calibri" panose="020F0502020204030204" pitchFamily="34" charset="0"/>
+              </a:rPr>
+              <a:t>Storing pictures, files, graphs, and more</a:t>
+            </a:r>
+          </a:p>
+          <a:p>
+            <a:pPr marL="285750" indent="-285750">
+              <a:buFont typeface="Arial" panose="020B0604020202020204" pitchFamily="34" charset="0"/>
+              <a:buChar char="•"/>
+            </a:pPr>
+            <a:r>
+              <a:rPr lang="en-US" sz="2000" dirty="0">
+                <a:latin typeface="Calibri" panose="020F0502020204030204" pitchFamily="34" charset="0"/>
+                <a:cs typeface="Calibri" panose="020F0502020204030204" pitchFamily="34" charset="0"/>
+              </a:rPr>
+              <a:t>Easily accessible among teammates</a:t>
+            </a:r>
+          </a:p>
+          <a:p>
+            <a:pPr marL="285750" indent="-285750">
+              <a:buFont typeface="Arial" panose="020B0604020202020204" pitchFamily="34" charset="0"/>
+              <a:buChar char="•"/>
+            </a:pPr>
+            <a:r>
+              <a:rPr lang="en-US" sz="2000" dirty="0">
+                <a:latin typeface="Calibri" panose="020F0502020204030204" pitchFamily="34" charset="0"/>
+                <a:cs typeface="Calibri" panose="020F0502020204030204" pitchFamily="34" charset="0"/>
+              </a:rPr>
+              <a:t>Connecting changing data to </a:t>
+            </a:r>
+            <a:r>
+              <a:rPr lang="en-US" sz="2000">
+                <a:latin typeface="Calibri" panose="020F0502020204030204" pitchFamily="34" charset="0"/>
+                <a:cs typeface="Calibri" panose="020F0502020204030204" pitchFamily="34" charset="0"/>
+              </a:rPr>
+              <a:t>S3 Bucket</a:t>
             </a:r>
           </a:p>
         </p:txBody>
@@ -40587,7 +40987,7 @@
               <a:buNone/>
             </a:pPr>
             <a:r>
-              <a:rPr lang="en-US" sz="4400">
+              <a:rPr lang="en-US" sz="4400" dirty="0">
                 <a:solidFill>
                   <a:srgbClr val="A8D08C"/>
                 </a:solidFill>
@@ -40596,10 +40996,10 @@
                 <a:cs typeface="Calibri"/>
                 <a:sym typeface="Calibri"/>
               </a:rPr>
-              <a:t>Charts, Graphs &amp; Maps:</a:t>
+              <a:t>Machine Learning:</a:t>
             </a:r>
             <a:r>
-              <a:rPr lang="en-US" sz="4400">
+              <a:rPr lang="en-US" sz="4400" dirty="0">
                 <a:solidFill>
                   <a:srgbClr val="FFD966"/>
                 </a:solidFill>
@@ -40610,105 +41010,7 @@
               </a:rPr>
               <a:t> </a:t>
             </a:r>
-            <a:endParaRPr/>
-          </a:p>
-        </p:txBody>
-      </p:sp>
-      <p:sp>
-        <p:nvSpPr>
-          <p:cNvPr id="252" name="Google Shape;252;p15"/>
-          <p:cNvSpPr txBox="1">
-            <a:spLocks noGrp="1"/>
-          </p:cNvSpPr>
-          <p:nvPr>
-            <p:ph type="body" idx="1"/>
-          </p:nvPr>
-        </p:nvSpPr>
-        <p:spPr>
-          <a:xfrm>
-            <a:off x="755650" y="3198481"/>
-            <a:ext cx="4957763" cy="2682875"/>
-          </a:xfrm>
-          <a:prstGeom prst="rect">
-            <a:avLst/>
-          </a:prstGeom>
-          <a:noFill/>
-          <a:ln>
-            <a:noFill/>
-          </a:ln>
-        </p:spPr>
-        <p:txBody>
-          <a:bodyPr spcFirstLastPara="1" wrap="square" lIns="91425" tIns="45700" rIns="91425" bIns="45700" anchor="t" anchorCtr="0">
-            <a:normAutofit/>
-          </a:bodyPr>
-          <a:lstStyle/>
-          <a:p>
-            <a:pPr marL="228600" lvl="0" indent="-50800" algn="l" rtl="0">
-              <a:lnSpc>
-                <a:spcPct val="90000"/>
-              </a:lnSpc>
-              <a:spcBef>
-                <a:spcPts val="0"/>
-              </a:spcBef>
-              <a:spcAft>
-                <a:spcPts val="0"/>
-              </a:spcAft>
-              <a:buClr>
-                <a:schemeClr val="dk1"/>
-              </a:buClr>
-              <a:buSzPts val="2800"/>
-              <a:buNone/>
-            </a:pPr>
-            <a:endParaRPr/>
-          </a:p>
-        </p:txBody>
-      </p:sp>
-      <p:sp>
-        <p:nvSpPr>
-          <p:cNvPr id="253" name="Google Shape;253;p15"/>
-          <p:cNvSpPr txBox="1">
-            <a:spLocks noGrp="1"/>
-          </p:cNvSpPr>
-          <p:nvPr>
-            <p:ph type="body" idx="2"/>
-          </p:nvPr>
-        </p:nvSpPr>
-        <p:spPr>
-          <a:xfrm>
-            <a:off x="6490359" y="3178672"/>
-            <a:ext cx="4957763" cy="2682875"/>
-          </a:xfrm>
-          <a:prstGeom prst="rect">
-            <a:avLst/>
-          </a:prstGeom>
-          <a:noFill/>
-          <a:ln>
-            <a:noFill/>
-          </a:ln>
-        </p:spPr>
-        <p:txBody>
-          <a:bodyPr spcFirstLastPara="1" wrap="square" lIns="91425" tIns="45700" rIns="91425" bIns="45700" anchor="t" anchorCtr="0">
-            <a:normAutofit/>
-          </a:bodyPr>
-          <a:lstStyle/>
-          <a:p>
-            <a:pPr marL="228600" lvl="0" indent="-50800" algn="l" rtl="0">
-              <a:lnSpc>
-                <a:spcPct val="90000"/>
-              </a:lnSpc>
-              <a:spcBef>
-                <a:spcPts val="0"/>
-              </a:spcBef>
-              <a:spcAft>
-                <a:spcPts val="0"/>
-              </a:spcAft>
-              <a:buClr>
-                <a:schemeClr val="dk1"/>
-              </a:buClr>
-              <a:buSzPts val="2800"/>
-              <a:buNone/>
-            </a:pPr>
-            <a:endParaRPr/>
+            <a:endParaRPr dirty="0"/>
           </a:p>
         </p:txBody>
       </p:sp>
@@ -41021,6 +41323,963 @@
           </p:txBody>
         </p:sp>
       </p:grpSp>
+      <p:sp>
+        <p:nvSpPr>
+          <p:cNvPr id="2" name="Google Shape;244;p14">
+            <a:extLst>
+              <a:ext uri="{FF2B5EF4-FFF2-40B4-BE49-F238E27FC236}">
+                <a16:creationId xmlns:a16="http://schemas.microsoft.com/office/drawing/2014/main" id="{D54E55B5-E688-C23C-E22C-7638A251563D}"/>
+              </a:ext>
+            </a:extLst>
+          </p:cNvPr>
+          <p:cNvSpPr txBox="1">
+            <a:spLocks/>
+          </p:cNvSpPr>
+          <p:nvPr/>
+        </p:nvSpPr>
+        <p:spPr>
+          <a:xfrm>
+            <a:off x="755650" y="3198481"/>
+            <a:ext cx="10008603" cy="906011"/>
+          </a:xfrm>
+          <a:prstGeom prst="rect">
+            <a:avLst/>
+          </a:prstGeom>
+          <a:noFill/>
+          <a:ln>
+            <a:noFill/>
+          </a:ln>
+        </p:spPr>
+        <p:txBody>
+          <a:bodyPr spcFirstLastPara="1" wrap="square" lIns="91425" tIns="45700" rIns="91425" bIns="45700" anchor="t" anchorCtr="0">
+            <a:normAutofit/>
+          </a:bodyPr>
+          <a:lstStyle>
+            <a:defPPr marR="0" lvl="0" algn="l" rtl="0">
+              <a:lnSpc>
+                <a:spcPct val="100000"/>
+              </a:lnSpc>
+              <a:spcBef>
+                <a:spcPts val="0"/>
+              </a:spcBef>
+              <a:spcAft>
+                <a:spcPts val="0"/>
+              </a:spcAft>
+            </a:defPPr>
+            <a:lvl1pPr marL="457200" marR="0" lvl="0" indent="-406400" algn="l" rtl="0">
+              <a:lnSpc>
+                <a:spcPct val="90000"/>
+              </a:lnSpc>
+              <a:spcBef>
+                <a:spcPts val="1000"/>
+              </a:spcBef>
+              <a:spcAft>
+                <a:spcPts val="0"/>
+              </a:spcAft>
+              <a:buClr>
+                <a:schemeClr val="dk1"/>
+              </a:buClr>
+              <a:buSzPts val="2800"/>
+              <a:buFont typeface="Arial"/>
+              <a:buChar char="•"/>
+              <a:defRPr sz="2800" b="0" i="0" u="none" strike="noStrike" cap="none">
+                <a:solidFill>
+                  <a:schemeClr val="dk1"/>
+                </a:solidFill>
+                <a:latin typeface="Calibri"/>
+                <a:ea typeface="Calibri"/>
+                <a:cs typeface="Calibri"/>
+                <a:sym typeface="Calibri"/>
+              </a:defRPr>
+            </a:lvl1pPr>
+            <a:lvl2pPr marL="914400" marR="0" lvl="1" indent="-381000" algn="l" rtl="0">
+              <a:lnSpc>
+                <a:spcPct val="90000"/>
+              </a:lnSpc>
+              <a:spcBef>
+                <a:spcPts val="500"/>
+              </a:spcBef>
+              <a:spcAft>
+                <a:spcPts val="0"/>
+              </a:spcAft>
+              <a:buClr>
+                <a:schemeClr val="dk1"/>
+              </a:buClr>
+              <a:buSzPts val="2400"/>
+              <a:buFont typeface="Arial"/>
+              <a:buChar char="•"/>
+              <a:defRPr sz="2400" b="0" i="0" u="none" strike="noStrike" cap="none">
+                <a:solidFill>
+                  <a:schemeClr val="dk1"/>
+                </a:solidFill>
+                <a:latin typeface="Calibri"/>
+                <a:ea typeface="Calibri"/>
+                <a:cs typeface="Calibri"/>
+                <a:sym typeface="Calibri"/>
+              </a:defRPr>
+            </a:lvl2pPr>
+            <a:lvl3pPr marL="1371600" marR="0" lvl="2" indent="-355600" algn="l" rtl="0">
+              <a:lnSpc>
+                <a:spcPct val="90000"/>
+              </a:lnSpc>
+              <a:spcBef>
+                <a:spcPts val="500"/>
+              </a:spcBef>
+              <a:spcAft>
+                <a:spcPts val="0"/>
+              </a:spcAft>
+              <a:buClr>
+                <a:schemeClr val="dk1"/>
+              </a:buClr>
+              <a:buSzPts val="2000"/>
+              <a:buFont typeface="Arial"/>
+              <a:buChar char="•"/>
+              <a:defRPr sz="2000" b="0" i="0" u="none" strike="noStrike" cap="none">
+                <a:solidFill>
+                  <a:schemeClr val="dk1"/>
+                </a:solidFill>
+                <a:latin typeface="Calibri"/>
+                <a:ea typeface="Calibri"/>
+                <a:cs typeface="Calibri"/>
+                <a:sym typeface="Calibri"/>
+              </a:defRPr>
+            </a:lvl3pPr>
+            <a:lvl4pPr marL="1828800" marR="0" lvl="3" indent="-342900" algn="l" rtl="0">
+              <a:lnSpc>
+                <a:spcPct val="90000"/>
+              </a:lnSpc>
+              <a:spcBef>
+                <a:spcPts val="500"/>
+              </a:spcBef>
+              <a:spcAft>
+                <a:spcPts val="0"/>
+              </a:spcAft>
+              <a:buClr>
+                <a:schemeClr val="dk1"/>
+              </a:buClr>
+              <a:buSzPts val="1800"/>
+              <a:buFont typeface="Arial"/>
+              <a:buChar char="•"/>
+              <a:defRPr sz="1800" b="0" i="0" u="none" strike="noStrike" cap="none">
+                <a:solidFill>
+                  <a:schemeClr val="dk1"/>
+                </a:solidFill>
+                <a:latin typeface="Calibri"/>
+                <a:ea typeface="Calibri"/>
+                <a:cs typeface="Calibri"/>
+                <a:sym typeface="Calibri"/>
+              </a:defRPr>
+            </a:lvl4pPr>
+            <a:lvl5pPr marL="2286000" marR="0" lvl="4" indent="-342900" algn="l" rtl="0">
+              <a:lnSpc>
+                <a:spcPct val="90000"/>
+              </a:lnSpc>
+              <a:spcBef>
+                <a:spcPts val="500"/>
+              </a:spcBef>
+              <a:spcAft>
+                <a:spcPts val="0"/>
+              </a:spcAft>
+              <a:buClr>
+                <a:schemeClr val="dk1"/>
+              </a:buClr>
+              <a:buSzPts val="1800"/>
+              <a:buFont typeface="Arial"/>
+              <a:buChar char="•"/>
+              <a:defRPr sz="1800" b="0" i="0" u="none" strike="noStrike" cap="none">
+                <a:solidFill>
+                  <a:schemeClr val="dk1"/>
+                </a:solidFill>
+                <a:latin typeface="Calibri"/>
+                <a:ea typeface="Calibri"/>
+                <a:cs typeface="Calibri"/>
+                <a:sym typeface="Calibri"/>
+              </a:defRPr>
+            </a:lvl5pPr>
+            <a:lvl6pPr marL="2743200" marR="0" lvl="5" indent="-342900" algn="l" rtl="0">
+              <a:lnSpc>
+                <a:spcPct val="90000"/>
+              </a:lnSpc>
+              <a:spcBef>
+                <a:spcPts val="500"/>
+              </a:spcBef>
+              <a:spcAft>
+                <a:spcPts val="0"/>
+              </a:spcAft>
+              <a:buClr>
+                <a:schemeClr val="dk1"/>
+              </a:buClr>
+              <a:buSzPts val="1800"/>
+              <a:buFont typeface="Arial"/>
+              <a:buChar char="•"/>
+              <a:defRPr sz="1800" b="0" i="0" u="none" strike="noStrike" cap="none">
+                <a:solidFill>
+                  <a:schemeClr val="dk1"/>
+                </a:solidFill>
+                <a:latin typeface="Calibri"/>
+                <a:ea typeface="Calibri"/>
+                <a:cs typeface="Calibri"/>
+                <a:sym typeface="Calibri"/>
+              </a:defRPr>
+            </a:lvl6pPr>
+            <a:lvl7pPr marL="3200400" marR="0" lvl="6" indent="-342900" algn="l" rtl="0">
+              <a:lnSpc>
+                <a:spcPct val="90000"/>
+              </a:lnSpc>
+              <a:spcBef>
+                <a:spcPts val="500"/>
+              </a:spcBef>
+              <a:spcAft>
+                <a:spcPts val="0"/>
+              </a:spcAft>
+              <a:buClr>
+                <a:schemeClr val="dk1"/>
+              </a:buClr>
+              <a:buSzPts val="1800"/>
+              <a:buFont typeface="Arial"/>
+              <a:buChar char="•"/>
+              <a:defRPr sz="1800" b="0" i="0" u="none" strike="noStrike" cap="none">
+                <a:solidFill>
+                  <a:schemeClr val="dk1"/>
+                </a:solidFill>
+                <a:latin typeface="Calibri"/>
+                <a:ea typeface="Calibri"/>
+                <a:cs typeface="Calibri"/>
+                <a:sym typeface="Calibri"/>
+              </a:defRPr>
+            </a:lvl7pPr>
+            <a:lvl8pPr marL="3657600" marR="0" lvl="7" indent="-342900" algn="l" rtl="0">
+              <a:lnSpc>
+                <a:spcPct val="90000"/>
+              </a:lnSpc>
+              <a:spcBef>
+                <a:spcPts val="500"/>
+              </a:spcBef>
+              <a:spcAft>
+                <a:spcPts val="0"/>
+              </a:spcAft>
+              <a:buClr>
+                <a:schemeClr val="dk1"/>
+              </a:buClr>
+              <a:buSzPts val="1800"/>
+              <a:buFont typeface="Arial"/>
+              <a:buChar char="•"/>
+              <a:defRPr sz="1800" b="0" i="0" u="none" strike="noStrike" cap="none">
+                <a:solidFill>
+                  <a:schemeClr val="dk1"/>
+                </a:solidFill>
+                <a:latin typeface="Calibri"/>
+                <a:ea typeface="Calibri"/>
+                <a:cs typeface="Calibri"/>
+                <a:sym typeface="Calibri"/>
+              </a:defRPr>
+            </a:lvl8pPr>
+            <a:lvl9pPr marL="4114800" marR="0" lvl="8" indent="-342900" algn="l" rtl="0">
+              <a:lnSpc>
+                <a:spcPct val="90000"/>
+              </a:lnSpc>
+              <a:spcBef>
+                <a:spcPts val="500"/>
+              </a:spcBef>
+              <a:spcAft>
+                <a:spcPts val="0"/>
+              </a:spcAft>
+              <a:buClr>
+                <a:schemeClr val="dk1"/>
+              </a:buClr>
+              <a:buSzPts val="1800"/>
+              <a:buFont typeface="Arial"/>
+              <a:buChar char="•"/>
+              <a:defRPr sz="1800" b="0" i="0" u="none" strike="noStrike" cap="none">
+                <a:solidFill>
+                  <a:schemeClr val="dk1"/>
+                </a:solidFill>
+                <a:latin typeface="Calibri"/>
+                <a:ea typeface="Calibri"/>
+                <a:cs typeface="Calibri"/>
+                <a:sym typeface="Calibri"/>
+              </a:defRPr>
+            </a:lvl9pPr>
+          </a:lstStyle>
+          <a:p>
+            <a:pPr marL="228600" indent="-50800" algn="ctr">
+              <a:spcBef>
+                <a:spcPts val="0"/>
+              </a:spcBef>
+              <a:buFont typeface="Arial"/>
+              <a:buNone/>
+            </a:pPr>
+            <a:r>
+              <a:rPr lang="en-US" dirty="0">
+                <a:solidFill>
+                  <a:schemeClr val="accent6">
+                    <a:lumMod val="50000"/>
+                  </a:schemeClr>
+                </a:solidFill>
+              </a:rPr>
+              <a:t>Needing a machine learning model that predicts the probability of a dependent variable. This will give a binary output.</a:t>
+            </a:r>
+          </a:p>
+        </p:txBody>
+      </p:sp>
+      <p:sp>
+        <p:nvSpPr>
+          <p:cNvPr id="3" name="Google Shape;245;p14">
+            <a:extLst>
+              <a:ext uri="{FF2B5EF4-FFF2-40B4-BE49-F238E27FC236}">
+                <a16:creationId xmlns:a16="http://schemas.microsoft.com/office/drawing/2014/main" id="{D9FEB6FC-E977-4B35-5C35-A2D5251294C5}"/>
+              </a:ext>
+            </a:extLst>
+          </p:cNvPr>
+          <p:cNvSpPr txBox="1">
+            <a:spLocks/>
+          </p:cNvSpPr>
+          <p:nvPr/>
+        </p:nvSpPr>
+        <p:spPr>
+          <a:xfrm>
+            <a:off x="438360" y="4565530"/>
+            <a:ext cx="5071288" cy="2018994"/>
+          </a:xfrm>
+          <a:prstGeom prst="rect">
+            <a:avLst/>
+          </a:prstGeom>
+          <a:noFill/>
+          <a:ln>
+            <a:noFill/>
+          </a:ln>
+        </p:spPr>
+        <p:txBody>
+          <a:bodyPr spcFirstLastPara="1" wrap="square" lIns="91425" tIns="45700" rIns="91425" bIns="45700" anchor="t" anchorCtr="0">
+            <a:normAutofit/>
+          </a:bodyPr>
+          <a:lstStyle>
+            <a:defPPr marR="0" lvl="0" algn="l" rtl="0">
+              <a:lnSpc>
+                <a:spcPct val="100000"/>
+              </a:lnSpc>
+              <a:spcBef>
+                <a:spcPts val="0"/>
+              </a:spcBef>
+              <a:spcAft>
+                <a:spcPts val="0"/>
+              </a:spcAft>
+            </a:defPPr>
+            <a:lvl1pPr marL="457200" marR="0" lvl="0" indent="-406400" algn="l" rtl="0">
+              <a:lnSpc>
+                <a:spcPct val="90000"/>
+              </a:lnSpc>
+              <a:spcBef>
+                <a:spcPts val="1000"/>
+              </a:spcBef>
+              <a:spcAft>
+                <a:spcPts val="0"/>
+              </a:spcAft>
+              <a:buClr>
+                <a:schemeClr val="dk1"/>
+              </a:buClr>
+              <a:buSzPts val="2800"/>
+              <a:buFont typeface="Arial"/>
+              <a:buChar char="•"/>
+              <a:defRPr sz="2800" b="0" i="0" u="none" strike="noStrike" cap="none">
+                <a:solidFill>
+                  <a:schemeClr val="dk1"/>
+                </a:solidFill>
+                <a:latin typeface="Calibri"/>
+                <a:ea typeface="Calibri"/>
+                <a:cs typeface="Calibri"/>
+                <a:sym typeface="Calibri"/>
+              </a:defRPr>
+            </a:lvl1pPr>
+            <a:lvl2pPr marL="914400" marR="0" lvl="1" indent="-381000" algn="l" rtl="0">
+              <a:lnSpc>
+                <a:spcPct val="90000"/>
+              </a:lnSpc>
+              <a:spcBef>
+                <a:spcPts val="500"/>
+              </a:spcBef>
+              <a:spcAft>
+                <a:spcPts val="0"/>
+              </a:spcAft>
+              <a:buClr>
+                <a:schemeClr val="dk1"/>
+              </a:buClr>
+              <a:buSzPts val="2400"/>
+              <a:buFont typeface="Arial"/>
+              <a:buChar char="•"/>
+              <a:defRPr sz="2400" b="0" i="0" u="none" strike="noStrike" cap="none">
+                <a:solidFill>
+                  <a:schemeClr val="dk1"/>
+                </a:solidFill>
+                <a:latin typeface="Calibri"/>
+                <a:ea typeface="Calibri"/>
+                <a:cs typeface="Calibri"/>
+                <a:sym typeface="Calibri"/>
+              </a:defRPr>
+            </a:lvl2pPr>
+            <a:lvl3pPr marL="1371600" marR="0" lvl="2" indent="-355600" algn="l" rtl="0">
+              <a:lnSpc>
+                <a:spcPct val="90000"/>
+              </a:lnSpc>
+              <a:spcBef>
+                <a:spcPts val="500"/>
+              </a:spcBef>
+              <a:spcAft>
+                <a:spcPts val="0"/>
+              </a:spcAft>
+              <a:buClr>
+                <a:schemeClr val="dk1"/>
+              </a:buClr>
+              <a:buSzPts val="2000"/>
+              <a:buFont typeface="Arial"/>
+              <a:buChar char="•"/>
+              <a:defRPr sz="2000" b="0" i="0" u="none" strike="noStrike" cap="none">
+                <a:solidFill>
+                  <a:schemeClr val="dk1"/>
+                </a:solidFill>
+                <a:latin typeface="Calibri"/>
+                <a:ea typeface="Calibri"/>
+                <a:cs typeface="Calibri"/>
+                <a:sym typeface="Calibri"/>
+              </a:defRPr>
+            </a:lvl3pPr>
+            <a:lvl4pPr marL="1828800" marR="0" lvl="3" indent="-342900" algn="l" rtl="0">
+              <a:lnSpc>
+                <a:spcPct val="90000"/>
+              </a:lnSpc>
+              <a:spcBef>
+                <a:spcPts val="500"/>
+              </a:spcBef>
+              <a:spcAft>
+                <a:spcPts val="0"/>
+              </a:spcAft>
+              <a:buClr>
+                <a:schemeClr val="dk1"/>
+              </a:buClr>
+              <a:buSzPts val="1800"/>
+              <a:buFont typeface="Arial"/>
+              <a:buChar char="•"/>
+              <a:defRPr sz="1800" b="0" i="0" u="none" strike="noStrike" cap="none">
+                <a:solidFill>
+                  <a:schemeClr val="dk1"/>
+                </a:solidFill>
+                <a:latin typeface="Calibri"/>
+                <a:ea typeface="Calibri"/>
+                <a:cs typeface="Calibri"/>
+                <a:sym typeface="Calibri"/>
+              </a:defRPr>
+            </a:lvl4pPr>
+            <a:lvl5pPr marL="2286000" marR="0" lvl="4" indent="-342900" algn="l" rtl="0">
+              <a:lnSpc>
+                <a:spcPct val="90000"/>
+              </a:lnSpc>
+              <a:spcBef>
+                <a:spcPts val="500"/>
+              </a:spcBef>
+              <a:spcAft>
+                <a:spcPts val="0"/>
+              </a:spcAft>
+              <a:buClr>
+                <a:schemeClr val="dk1"/>
+              </a:buClr>
+              <a:buSzPts val="1800"/>
+              <a:buFont typeface="Arial"/>
+              <a:buChar char="•"/>
+              <a:defRPr sz="1800" b="0" i="0" u="none" strike="noStrike" cap="none">
+                <a:solidFill>
+                  <a:schemeClr val="dk1"/>
+                </a:solidFill>
+                <a:latin typeface="Calibri"/>
+                <a:ea typeface="Calibri"/>
+                <a:cs typeface="Calibri"/>
+                <a:sym typeface="Calibri"/>
+              </a:defRPr>
+            </a:lvl5pPr>
+            <a:lvl6pPr marL="2743200" marR="0" lvl="5" indent="-342900" algn="l" rtl="0">
+              <a:lnSpc>
+                <a:spcPct val="90000"/>
+              </a:lnSpc>
+              <a:spcBef>
+                <a:spcPts val="500"/>
+              </a:spcBef>
+              <a:spcAft>
+                <a:spcPts val="0"/>
+              </a:spcAft>
+              <a:buClr>
+                <a:schemeClr val="dk1"/>
+              </a:buClr>
+              <a:buSzPts val="1800"/>
+              <a:buFont typeface="Arial"/>
+              <a:buChar char="•"/>
+              <a:defRPr sz="1800" b="0" i="0" u="none" strike="noStrike" cap="none">
+                <a:solidFill>
+                  <a:schemeClr val="dk1"/>
+                </a:solidFill>
+                <a:latin typeface="Calibri"/>
+                <a:ea typeface="Calibri"/>
+                <a:cs typeface="Calibri"/>
+                <a:sym typeface="Calibri"/>
+              </a:defRPr>
+            </a:lvl6pPr>
+            <a:lvl7pPr marL="3200400" marR="0" lvl="6" indent="-342900" algn="l" rtl="0">
+              <a:lnSpc>
+                <a:spcPct val="90000"/>
+              </a:lnSpc>
+              <a:spcBef>
+                <a:spcPts val="500"/>
+              </a:spcBef>
+              <a:spcAft>
+                <a:spcPts val="0"/>
+              </a:spcAft>
+              <a:buClr>
+                <a:schemeClr val="dk1"/>
+              </a:buClr>
+              <a:buSzPts val="1800"/>
+              <a:buFont typeface="Arial"/>
+              <a:buChar char="•"/>
+              <a:defRPr sz="1800" b="0" i="0" u="none" strike="noStrike" cap="none">
+                <a:solidFill>
+                  <a:schemeClr val="dk1"/>
+                </a:solidFill>
+                <a:latin typeface="Calibri"/>
+                <a:ea typeface="Calibri"/>
+                <a:cs typeface="Calibri"/>
+                <a:sym typeface="Calibri"/>
+              </a:defRPr>
+            </a:lvl7pPr>
+            <a:lvl8pPr marL="3657600" marR="0" lvl="7" indent="-342900" algn="l" rtl="0">
+              <a:lnSpc>
+                <a:spcPct val="90000"/>
+              </a:lnSpc>
+              <a:spcBef>
+                <a:spcPts val="500"/>
+              </a:spcBef>
+              <a:spcAft>
+                <a:spcPts val="0"/>
+              </a:spcAft>
+              <a:buClr>
+                <a:schemeClr val="dk1"/>
+              </a:buClr>
+              <a:buSzPts val="1800"/>
+              <a:buFont typeface="Arial"/>
+              <a:buChar char="•"/>
+              <a:defRPr sz="1800" b="0" i="0" u="none" strike="noStrike" cap="none">
+                <a:solidFill>
+                  <a:schemeClr val="dk1"/>
+                </a:solidFill>
+                <a:latin typeface="Calibri"/>
+                <a:ea typeface="Calibri"/>
+                <a:cs typeface="Calibri"/>
+                <a:sym typeface="Calibri"/>
+              </a:defRPr>
+            </a:lvl8pPr>
+            <a:lvl9pPr marL="4114800" marR="0" lvl="8" indent="-342900" algn="l" rtl="0">
+              <a:lnSpc>
+                <a:spcPct val="90000"/>
+              </a:lnSpc>
+              <a:spcBef>
+                <a:spcPts val="500"/>
+              </a:spcBef>
+              <a:spcAft>
+                <a:spcPts val="0"/>
+              </a:spcAft>
+              <a:buClr>
+                <a:schemeClr val="dk1"/>
+              </a:buClr>
+              <a:buSzPts val="1800"/>
+              <a:buFont typeface="Arial"/>
+              <a:buChar char="•"/>
+              <a:defRPr sz="1800" b="0" i="0" u="none" strike="noStrike" cap="none">
+                <a:solidFill>
+                  <a:schemeClr val="dk1"/>
+                </a:solidFill>
+                <a:latin typeface="Calibri"/>
+                <a:ea typeface="Calibri"/>
+                <a:cs typeface="Calibri"/>
+                <a:sym typeface="Calibri"/>
+              </a:defRPr>
+            </a:lvl9pPr>
+          </a:lstStyle>
+          <a:p>
+            <a:pPr marL="635000" indent="-457200">
+              <a:spcBef>
+                <a:spcPts val="0"/>
+              </a:spcBef>
+              <a:buFont typeface="Arial" panose="020B0604020202020204" pitchFamily="34" charset="0"/>
+              <a:buChar char="•"/>
+            </a:pPr>
+            <a:r>
+              <a:rPr lang="en-US" sz="2000" dirty="0">
+                <a:latin typeface="Calibri" panose="020F0502020204030204" pitchFamily="34" charset="0"/>
+                <a:cs typeface="Calibri" panose="020F0502020204030204" pitchFamily="34" charset="0"/>
+              </a:rPr>
+              <a:t>A mock-up for structured and unstructured notebooks</a:t>
+            </a:r>
+          </a:p>
+          <a:p>
+            <a:pPr marL="635000" indent="-457200">
+              <a:spcBef>
+                <a:spcPts val="0"/>
+              </a:spcBef>
+              <a:buFont typeface="Arial" panose="020B0604020202020204" pitchFamily="34" charset="0"/>
+              <a:buChar char="•"/>
+            </a:pPr>
+            <a:r>
+              <a:rPr lang="en-US" sz="2000" dirty="0">
+                <a:latin typeface="Calibri" panose="020F0502020204030204" pitchFamily="34" charset="0"/>
+                <a:cs typeface="Calibri" panose="020F0502020204030204" pitchFamily="34" charset="0"/>
+              </a:rPr>
+              <a:t>Using precision and recall rather than accuracy </a:t>
+            </a:r>
+          </a:p>
+        </p:txBody>
+      </p:sp>
+      <p:sp>
+        <p:nvSpPr>
+          <p:cNvPr id="4" name="Google Shape;245;p14">
+            <a:extLst>
+              <a:ext uri="{FF2B5EF4-FFF2-40B4-BE49-F238E27FC236}">
+                <a16:creationId xmlns:a16="http://schemas.microsoft.com/office/drawing/2014/main" id="{7781BCA2-71CC-92E7-186E-719F8EC2CBFB}"/>
+              </a:ext>
+            </a:extLst>
+          </p:cNvPr>
+          <p:cNvSpPr txBox="1">
+            <a:spLocks/>
+          </p:cNvSpPr>
+          <p:nvPr/>
+        </p:nvSpPr>
+        <p:spPr>
+          <a:xfrm>
+            <a:off x="5949638" y="4565530"/>
+            <a:ext cx="5071288" cy="2018994"/>
+          </a:xfrm>
+          <a:prstGeom prst="rect">
+            <a:avLst/>
+          </a:prstGeom>
+          <a:noFill/>
+          <a:ln>
+            <a:noFill/>
+          </a:ln>
+        </p:spPr>
+        <p:txBody>
+          <a:bodyPr spcFirstLastPara="1" wrap="square" lIns="91425" tIns="45700" rIns="91425" bIns="45700" anchor="t" anchorCtr="0">
+            <a:normAutofit/>
+          </a:bodyPr>
+          <a:lstStyle>
+            <a:defPPr marR="0" lvl="0" algn="l" rtl="0">
+              <a:lnSpc>
+                <a:spcPct val="100000"/>
+              </a:lnSpc>
+              <a:spcBef>
+                <a:spcPts val="0"/>
+              </a:spcBef>
+              <a:spcAft>
+                <a:spcPts val="0"/>
+              </a:spcAft>
+            </a:defPPr>
+            <a:lvl1pPr marL="457200" marR="0" lvl="0" indent="-406400" algn="l" rtl="0">
+              <a:lnSpc>
+                <a:spcPct val="90000"/>
+              </a:lnSpc>
+              <a:spcBef>
+                <a:spcPts val="1000"/>
+              </a:spcBef>
+              <a:spcAft>
+                <a:spcPts val="0"/>
+              </a:spcAft>
+              <a:buClr>
+                <a:schemeClr val="dk1"/>
+              </a:buClr>
+              <a:buSzPts val="2800"/>
+              <a:buFont typeface="Arial"/>
+              <a:buChar char="•"/>
+              <a:defRPr sz="2800" b="0" i="0" u="none" strike="noStrike" cap="none">
+                <a:solidFill>
+                  <a:schemeClr val="dk1"/>
+                </a:solidFill>
+                <a:latin typeface="Calibri"/>
+                <a:ea typeface="Calibri"/>
+                <a:cs typeface="Calibri"/>
+                <a:sym typeface="Calibri"/>
+              </a:defRPr>
+            </a:lvl1pPr>
+            <a:lvl2pPr marL="914400" marR="0" lvl="1" indent="-381000" algn="l" rtl="0">
+              <a:lnSpc>
+                <a:spcPct val="90000"/>
+              </a:lnSpc>
+              <a:spcBef>
+                <a:spcPts val="500"/>
+              </a:spcBef>
+              <a:spcAft>
+                <a:spcPts val="0"/>
+              </a:spcAft>
+              <a:buClr>
+                <a:schemeClr val="dk1"/>
+              </a:buClr>
+              <a:buSzPts val="2400"/>
+              <a:buFont typeface="Arial"/>
+              <a:buChar char="•"/>
+              <a:defRPr sz="2400" b="0" i="0" u="none" strike="noStrike" cap="none">
+                <a:solidFill>
+                  <a:schemeClr val="dk1"/>
+                </a:solidFill>
+                <a:latin typeface="Calibri"/>
+                <a:ea typeface="Calibri"/>
+                <a:cs typeface="Calibri"/>
+                <a:sym typeface="Calibri"/>
+              </a:defRPr>
+            </a:lvl2pPr>
+            <a:lvl3pPr marL="1371600" marR="0" lvl="2" indent="-355600" algn="l" rtl="0">
+              <a:lnSpc>
+                <a:spcPct val="90000"/>
+              </a:lnSpc>
+              <a:spcBef>
+                <a:spcPts val="500"/>
+              </a:spcBef>
+              <a:spcAft>
+                <a:spcPts val="0"/>
+              </a:spcAft>
+              <a:buClr>
+                <a:schemeClr val="dk1"/>
+              </a:buClr>
+              <a:buSzPts val="2000"/>
+              <a:buFont typeface="Arial"/>
+              <a:buChar char="•"/>
+              <a:defRPr sz="2000" b="0" i="0" u="none" strike="noStrike" cap="none">
+                <a:solidFill>
+                  <a:schemeClr val="dk1"/>
+                </a:solidFill>
+                <a:latin typeface="Calibri"/>
+                <a:ea typeface="Calibri"/>
+                <a:cs typeface="Calibri"/>
+                <a:sym typeface="Calibri"/>
+              </a:defRPr>
+            </a:lvl3pPr>
+            <a:lvl4pPr marL="1828800" marR="0" lvl="3" indent="-342900" algn="l" rtl="0">
+              <a:lnSpc>
+                <a:spcPct val="90000"/>
+              </a:lnSpc>
+              <a:spcBef>
+                <a:spcPts val="500"/>
+              </a:spcBef>
+              <a:spcAft>
+                <a:spcPts val="0"/>
+              </a:spcAft>
+              <a:buClr>
+                <a:schemeClr val="dk1"/>
+              </a:buClr>
+              <a:buSzPts val="1800"/>
+              <a:buFont typeface="Arial"/>
+              <a:buChar char="•"/>
+              <a:defRPr sz="1800" b="0" i="0" u="none" strike="noStrike" cap="none">
+                <a:solidFill>
+                  <a:schemeClr val="dk1"/>
+                </a:solidFill>
+                <a:latin typeface="Calibri"/>
+                <a:ea typeface="Calibri"/>
+                <a:cs typeface="Calibri"/>
+                <a:sym typeface="Calibri"/>
+              </a:defRPr>
+            </a:lvl4pPr>
+            <a:lvl5pPr marL="2286000" marR="0" lvl="4" indent="-342900" algn="l" rtl="0">
+              <a:lnSpc>
+                <a:spcPct val="90000"/>
+              </a:lnSpc>
+              <a:spcBef>
+                <a:spcPts val="500"/>
+              </a:spcBef>
+              <a:spcAft>
+                <a:spcPts val="0"/>
+              </a:spcAft>
+              <a:buClr>
+                <a:schemeClr val="dk1"/>
+              </a:buClr>
+              <a:buSzPts val="1800"/>
+              <a:buFont typeface="Arial"/>
+              <a:buChar char="•"/>
+              <a:defRPr sz="1800" b="0" i="0" u="none" strike="noStrike" cap="none">
+                <a:solidFill>
+                  <a:schemeClr val="dk1"/>
+                </a:solidFill>
+                <a:latin typeface="Calibri"/>
+                <a:ea typeface="Calibri"/>
+                <a:cs typeface="Calibri"/>
+                <a:sym typeface="Calibri"/>
+              </a:defRPr>
+            </a:lvl5pPr>
+            <a:lvl6pPr marL="2743200" marR="0" lvl="5" indent="-342900" algn="l" rtl="0">
+              <a:lnSpc>
+                <a:spcPct val="90000"/>
+              </a:lnSpc>
+              <a:spcBef>
+                <a:spcPts val="500"/>
+              </a:spcBef>
+              <a:spcAft>
+                <a:spcPts val="0"/>
+              </a:spcAft>
+              <a:buClr>
+                <a:schemeClr val="dk1"/>
+              </a:buClr>
+              <a:buSzPts val="1800"/>
+              <a:buFont typeface="Arial"/>
+              <a:buChar char="•"/>
+              <a:defRPr sz="1800" b="0" i="0" u="none" strike="noStrike" cap="none">
+                <a:solidFill>
+                  <a:schemeClr val="dk1"/>
+                </a:solidFill>
+                <a:latin typeface="Calibri"/>
+                <a:ea typeface="Calibri"/>
+                <a:cs typeface="Calibri"/>
+                <a:sym typeface="Calibri"/>
+              </a:defRPr>
+            </a:lvl6pPr>
+            <a:lvl7pPr marL="3200400" marR="0" lvl="6" indent="-342900" algn="l" rtl="0">
+              <a:lnSpc>
+                <a:spcPct val="90000"/>
+              </a:lnSpc>
+              <a:spcBef>
+                <a:spcPts val="500"/>
+              </a:spcBef>
+              <a:spcAft>
+                <a:spcPts val="0"/>
+              </a:spcAft>
+              <a:buClr>
+                <a:schemeClr val="dk1"/>
+              </a:buClr>
+              <a:buSzPts val="1800"/>
+              <a:buFont typeface="Arial"/>
+              <a:buChar char="•"/>
+              <a:defRPr sz="1800" b="0" i="0" u="none" strike="noStrike" cap="none">
+                <a:solidFill>
+                  <a:schemeClr val="dk1"/>
+                </a:solidFill>
+                <a:latin typeface="Calibri"/>
+                <a:ea typeface="Calibri"/>
+                <a:cs typeface="Calibri"/>
+                <a:sym typeface="Calibri"/>
+              </a:defRPr>
+            </a:lvl7pPr>
+            <a:lvl8pPr marL="3657600" marR="0" lvl="7" indent="-342900" algn="l" rtl="0">
+              <a:lnSpc>
+                <a:spcPct val="90000"/>
+              </a:lnSpc>
+              <a:spcBef>
+                <a:spcPts val="500"/>
+              </a:spcBef>
+              <a:spcAft>
+                <a:spcPts val="0"/>
+              </a:spcAft>
+              <a:buClr>
+                <a:schemeClr val="dk1"/>
+              </a:buClr>
+              <a:buSzPts val="1800"/>
+              <a:buFont typeface="Arial"/>
+              <a:buChar char="•"/>
+              <a:defRPr sz="1800" b="0" i="0" u="none" strike="noStrike" cap="none">
+                <a:solidFill>
+                  <a:schemeClr val="dk1"/>
+                </a:solidFill>
+                <a:latin typeface="Calibri"/>
+                <a:ea typeface="Calibri"/>
+                <a:cs typeface="Calibri"/>
+                <a:sym typeface="Calibri"/>
+              </a:defRPr>
+            </a:lvl8pPr>
+            <a:lvl9pPr marL="4114800" marR="0" lvl="8" indent="-342900" algn="l" rtl="0">
+              <a:lnSpc>
+                <a:spcPct val="90000"/>
+              </a:lnSpc>
+              <a:spcBef>
+                <a:spcPts val="500"/>
+              </a:spcBef>
+              <a:spcAft>
+                <a:spcPts val="0"/>
+              </a:spcAft>
+              <a:buClr>
+                <a:schemeClr val="dk1"/>
+              </a:buClr>
+              <a:buSzPts val="1800"/>
+              <a:buFont typeface="Arial"/>
+              <a:buChar char="•"/>
+              <a:defRPr sz="1800" b="0" i="0" u="none" strike="noStrike" cap="none">
+                <a:solidFill>
+                  <a:schemeClr val="dk1"/>
+                </a:solidFill>
+                <a:latin typeface="Calibri"/>
+                <a:ea typeface="Calibri"/>
+                <a:cs typeface="Calibri"/>
+                <a:sym typeface="Calibri"/>
+              </a:defRPr>
+            </a:lvl9pPr>
+          </a:lstStyle>
+          <a:p>
+            <a:pPr marL="635000" lvl="0" indent="-457200" algn="l" rtl="0">
+              <a:lnSpc>
+                <a:spcPct val="90000"/>
+              </a:lnSpc>
+              <a:spcBef>
+                <a:spcPts val="0"/>
+              </a:spcBef>
+              <a:spcAft>
+                <a:spcPts val="0"/>
+              </a:spcAft>
+              <a:buClr>
+                <a:schemeClr val="dk1"/>
+              </a:buClr>
+              <a:buSzPts val="2800"/>
+              <a:buFont typeface="Arial" panose="020B0604020202020204" pitchFamily="34" charset="0"/>
+              <a:buChar char="•"/>
+            </a:pPr>
+            <a:r>
+              <a:rPr lang="en-US" sz="2000" dirty="0">
+                <a:latin typeface="Calibri" panose="020F0502020204030204" pitchFamily="34" charset="0"/>
+                <a:cs typeface="Calibri" panose="020F0502020204030204" pitchFamily="34" charset="0"/>
+              </a:rPr>
+              <a:t>Using </a:t>
+            </a:r>
+            <a:r>
+              <a:rPr lang="en-US" sz="2000" dirty="0" err="1">
+                <a:latin typeface="Calibri" panose="020F0502020204030204" pitchFamily="34" charset="0"/>
+                <a:cs typeface="Calibri" panose="020F0502020204030204" pitchFamily="34" charset="0"/>
+              </a:rPr>
+              <a:t>RandomForest</a:t>
+            </a:r>
+            <a:r>
+              <a:rPr lang="en-US" sz="2000" dirty="0">
+                <a:latin typeface="Calibri" panose="020F0502020204030204" pitchFamily="34" charset="0"/>
+                <a:cs typeface="Calibri" panose="020F0502020204030204" pitchFamily="34" charset="0"/>
+              </a:rPr>
+              <a:t>, SMOTEENN, and Logistic Regression</a:t>
+            </a:r>
+          </a:p>
+          <a:p>
+            <a:pPr marL="635000" lvl="0" indent="-457200" algn="l" rtl="0">
+              <a:lnSpc>
+                <a:spcPct val="90000"/>
+              </a:lnSpc>
+              <a:spcBef>
+                <a:spcPts val="0"/>
+              </a:spcBef>
+              <a:spcAft>
+                <a:spcPts val="0"/>
+              </a:spcAft>
+              <a:buClr>
+                <a:schemeClr val="dk1"/>
+              </a:buClr>
+              <a:buSzPts val="2800"/>
+              <a:buFont typeface="Arial" panose="020B0604020202020204" pitchFamily="34" charset="0"/>
+              <a:buChar char="•"/>
+            </a:pPr>
+            <a:r>
+              <a:rPr lang="en-US" sz="2000" dirty="0">
+                <a:latin typeface="Calibri" panose="020F0502020204030204" pitchFamily="34" charset="0"/>
+                <a:cs typeface="Calibri" panose="020F0502020204030204" pitchFamily="34" charset="0"/>
+              </a:rPr>
+              <a:t>Training on Costco locations</a:t>
+            </a:r>
+          </a:p>
+        </p:txBody>
+      </p:sp>
     </p:spTree>
   </p:cSld>
   <p:clrMapOvr>
@@ -41055,7 +42314,7 @@
         <p:spPr>
           <a:xfrm>
             <a:off x="277535" y="265989"/>
-            <a:ext cx="10515600" cy="906011"/>
+            <a:ext cx="3262078" cy="906011"/>
           </a:xfrm>
           <a:prstGeom prst="rect">
             <a:avLst/>
@@ -41089,7 +42348,7 @@
               <a:buNone/>
             </a:pPr>
             <a:r>
-              <a:rPr lang="en-US" sz="4400">
+              <a:rPr lang="en-US" sz="4400" dirty="0">
                 <a:solidFill>
                   <a:schemeClr val="accent1"/>
                 </a:solidFill>
@@ -41100,7 +42359,7 @@
               </a:rPr>
               <a:t>Visualization: </a:t>
             </a:r>
-            <a:endParaRPr>
+            <a:endParaRPr dirty="0">
               <a:solidFill>
                 <a:schemeClr val="accent1"/>
               </a:solidFill>
@@ -41120,8 +42379,8 @@
         </p:nvSpPr>
         <p:spPr>
           <a:xfrm>
-            <a:off x="755650" y="3198481"/>
-            <a:ext cx="4957763" cy="2682875"/>
+            <a:off x="1274820" y="4077019"/>
+            <a:ext cx="3179194" cy="1697984"/>
           </a:xfrm>
           <a:prstGeom prst="rect">
             <a:avLst/>
@@ -41137,7 +42396,7 @@
           </a:bodyPr>
           <a:lstStyle/>
           <a:p>
-            <a:pPr marL="228600" lvl="0" indent="-50800" algn="l" rtl="0">
+            <a:pPr marL="635000" lvl="0" indent="-457200" algn="l" rtl="0">
               <a:lnSpc>
                 <a:spcPct val="90000"/>
               </a:lnSpc>
@@ -41151,9 +42410,117 @@
                 <a:schemeClr val="dk1"/>
               </a:buClr>
               <a:buSzPts val="2800"/>
-              <a:buNone/>
+              <a:buFont typeface="Arial" panose="020B0604020202020204" pitchFamily="34" charset="0"/>
+              <a:buChar char="•"/>
             </a:pPr>
-            <a:endParaRPr/>
+            <a:r>
+              <a:rPr lang="en-US" sz="2000" dirty="0">
+                <a:latin typeface="Calibri" panose="020F0502020204030204" pitchFamily="34" charset="0"/>
+                <a:cs typeface="Calibri" panose="020F0502020204030204" pitchFamily="34" charset="0"/>
+              </a:rPr>
+              <a:t>JavaScript</a:t>
+            </a:r>
+          </a:p>
+          <a:p>
+            <a:pPr marL="635000" lvl="0" indent="-457200" algn="l" rtl="0">
+              <a:lnSpc>
+                <a:spcPct val="90000"/>
+              </a:lnSpc>
+              <a:spcBef>
+                <a:spcPts val="0"/>
+              </a:spcBef>
+              <a:spcAft>
+                <a:spcPts val="0"/>
+              </a:spcAft>
+              <a:buClr>
+                <a:schemeClr val="dk1"/>
+              </a:buClr>
+              <a:buSzPts val="2800"/>
+              <a:buFont typeface="Arial" panose="020B0604020202020204" pitchFamily="34" charset="0"/>
+              <a:buChar char="•"/>
+            </a:pPr>
+            <a:r>
+              <a:rPr lang="en-US" sz="2000" dirty="0">
+                <a:latin typeface="Calibri" panose="020F0502020204030204" pitchFamily="34" charset="0"/>
+                <a:cs typeface="Calibri" panose="020F0502020204030204" pitchFamily="34" charset="0"/>
+              </a:rPr>
+              <a:t>HTML</a:t>
+            </a:r>
+          </a:p>
+          <a:p>
+            <a:pPr marL="635000" lvl="0" indent="-457200" algn="l" rtl="0">
+              <a:lnSpc>
+                <a:spcPct val="90000"/>
+              </a:lnSpc>
+              <a:spcBef>
+                <a:spcPts val="0"/>
+              </a:spcBef>
+              <a:spcAft>
+                <a:spcPts val="0"/>
+              </a:spcAft>
+              <a:buClr>
+                <a:schemeClr val="dk1"/>
+              </a:buClr>
+              <a:buSzPts val="2800"/>
+              <a:buFont typeface="Arial" panose="020B0604020202020204" pitchFamily="34" charset="0"/>
+              <a:buChar char="•"/>
+            </a:pPr>
+            <a:r>
+              <a:rPr lang="en-US" sz="2000" dirty="0">
+                <a:latin typeface="Calibri" panose="020F0502020204030204" pitchFamily="34" charset="0"/>
+                <a:cs typeface="Calibri" panose="020F0502020204030204" pitchFamily="34" charset="0"/>
+              </a:rPr>
+              <a:t>Flask</a:t>
+            </a:r>
+          </a:p>
+          <a:p>
+            <a:pPr marL="635000" lvl="0" indent="-457200" algn="l" rtl="0">
+              <a:lnSpc>
+                <a:spcPct val="90000"/>
+              </a:lnSpc>
+              <a:spcBef>
+                <a:spcPts val="0"/>
+              </a:spcBef>
+              <a:spcAft>
+                <a:spcPts val="0"/>
+              </a:spcAft>
+              <a:buClr>
+                <a:schemeClr val="dk1"/>
+              </a:buClr>
+              <a:buSzPts val="2800"/>
+              <a:buFont typeface="Arial" panose="020B0604020202020204" pitchFamily="34" charset="0"/>
+              <a:buChar char="•"/>
+            </a:pPr>
+            <a:r>
+              <a:rPr lang="en-US" sz="2000" dirty="0">
+                <a:latin typeface="Calibri" panose="020F0502020204030204" pitchFamily="34" charset="0"/>
+                <a:cs typeface="Calibri" panose="020F0502020204030204" pitchFamily="34" charset="0"/>
+              </a:rPr>
+              <a:t>CSS</a:t>
+            </a:r>
+          </a:p>
+          <a:p>
+            <a:pPr marL="635000" lvl="0" indent="-457200" algn="l" rtl="0">
+              <a:lnSpc>
+                <a:spcPct val="90000"/>
+              </a:lnSpc>
+              <a:spcBef>
+                <a:spcPts val="0"/>
+              </a:spcBef>
+              <a:spcAft>
+                <a:spcPts val="0"/>
+              </a:spcAft>
+              <a:buClr>
+                <a:schemeClr val="dk1"/>
+              </a:buClr>
+              <a:buSzPts val="2800"/>
+              <a:buFont typeface="Arial" panose="020B0604020202020204" pitchFamily="34" charset="0"/>
+              <a:buChar char="•"/>
+            </a:pPr>
+            <a:endParaRPr lang="en-US" sz="2000" dirty="0">
+              <a:latin typeface="Calibri" panose="020F0502020204030204" pitchFamily="34" charset="0"/>
+              <a:cs typeface="Calibri" panose="020F0502020204030204" pitchFamily="34" charset="0"/>
+            </a:endParaRPr>
           </a:p>
         </p:txBody>
       </p:sp>
@@ -41169,8 +42536,8 @@
         </p:nvSpPr>
         <p:spPr>
           <a:xfrm>
-            <a:off x="6490359" y="3178672"/>
-            <a:ext cx="4957763" cy="2682875"/>
+            <a:off x="6490361" y="4186647"/>
+            <a:ext cx="4957763" cy="1180015"/>
           </a:xfrm>
           <a:prstGeom prst="rect">
             <a:avLst/>
@@ -41186,7 +42553,7 @@
           </a:bodyPr>
           <a:lstStyle/>
           <a:p>
-            <a:pPr marL="228600" lvl="0" indent="-50800" algn="l" rtl="0">
+            <a:pPr marL="635000" lvl="0" indent="-457200" algn="l" rtl="0">
               <a:lnSpc>
                 <a:spcPct val="90000"/>
               </a:lnSpc>
@@ -41200,9 +42567,72 @@
                 <a:schemeClr val="dk1"/>
               </a:buClr>
               <a:buSzPts val="2800"/>
-              <a:buNone/>
+              <a:buFont typeface="Arial" panose="020B0604020202020204" pitchFamily="34" charset="0"/>
+              <a:buChar char="•"/>
             </a:pPr>
-            <a:endParaRPr/>
+            <a:r>
+              <a:rPr lang="en-US" sz="2000" dirty="0">
+                <a:latin typeface="Calibri" panose="020F0502020204030204" pitchFamily="34" charset="0"/>
+                <a:cs typeface="Calibri" panose="020F0502020204030204" pitchFamily="34" charset="0"/>
+              </a:rPr>
+              <a:t>Website with multiple pages</a:t>
+            </a:r>
+          </a:p>
+          <a:p>
+            <a:pPr marL="635000" lvl="0" indent="-457200" algn="l" rtl="0">
+              <a:lnSpc>
+                <a:spcPct val="90000"/>
+              </a:lnSpc>
+              <a:spcBef>
+                <a:spcPts val="0"/>
+              </a:spcBef>
+              <a:spcAft>
+                <a:spcPts val="0"/>
+              </a:spcAft>
+              <a:buClr>
+                <a:schemeClr val="dk1"/>
+              </a:buClr>
+              <a:buSzPts val="2800"/>
+              <a:buFont typeface="Arial" panose="020B0604020202020204" pitchFamily="34" charset="0"/>
+              <a:buChar char="•"/>
+            </a:pPr>
+            <a:r>
+              <a:rPr lang="en-US" sz="2000" dirty="0">
+                <a:latin typeface="Calibri" panose="020F0502020204030204" pitchFamily="34" charset="0"/>
+                <a:cs typeface="Calibri" panose="020F0502020204030204" pitchFamily="34" charset="0"/>
+              </a:rPr>
+              <a:t>Map having layers to choose</a:t>
+            </a:r>
+          </a:p>
+          <a:p>
+            <a:pPr marL="635000" lvl="0" indent="-457200" algn="l" rtl="0">
+              <a:lnSpc>
+                <a:spcPct val="90000"/>
+              </a:lnSpc>
+              <a:spcBef>
+                <a:spcPts val="0"/>
+              </a:spcBef>
+              <a:spcAft>
+                <a:spcPts val="0"/>
+              </a:spcAft>
+              <a:buClr>
+                <a:schemeClr val="dk1"/>
+              </a:buClr>
+              <a:buSzPts val="2800"/>
+              <a:buFont typeface="Arial" panose="020B0604020202020204" pitchFamily="34" charset="0"/>
+              <a:buChar char="•"/>
+            </a:pPr>
+            <a:r>
+              <a:rPr lang="en-US" sz="2000" dirty="0">
+                <a:latin typeface="Calibri" panose="020F0502020204030204" pitchFamily="34" charset="0"/>
+                <a:cs typeface="Calibri" panose="020F0502020204030204" pitchFamily="34" charset="0"/>
+              </a:rPr>
+              <a:t>Bar chart with drop down menu</a:t>
+            </a:r>
+            <a:endParaRPr sz="2000" dirty="0">
+              <a:latin typeface="Calibri" panose="020F0502020204030204" pitchFamily="34" charset="0"/>
+              <a:cs typeface="Calibri" panose="020F0502020204030204" pitchFamily="34" charset="0"/>
+            </a:endParaRPr>
           </a:p>
         </p:txBody>
       </p:sp>
@@ -42340,6 +43770,676 @@
               <a:cs typeface="Calibri"/>
               <a:sym typeface="Calibri"/>
             </a:endParaRPr>
+          </a:p>
+        </p:txBody>
+      </p:sp>
+      <p:sp>
+        <p:nvSpPr>
+          <p:cNvPr id="2" name="Google Shape;243;p14">
+            <a:extLst>
+              <a:ext uri="{FF2B5EF4-FFF2-40B4-BE49-F238E27FC236}">
+                <a16:creationId xmlns:a16="http://schemas.microsoft.com/office/drawing/2014/main" id="{03C5B56E-BD6E-DC68-0B76-1A962C25CF6E}"/>
+              </a:ext>
+            </a:extLst>
+          </p:cNvPr>
+          <p:cNvSpPr txBox="1"/>
+          <p:nvPr/>
+        </p:nvSpPr>
+        <p:spPr>
+          <a:xfrm>
+            <a:off x="3539613" y="265988"/>
+            <a:ext cx="4438844" cy="906011"/>
+          </a:xfrm>
+          <a:prstGeom prst="rect">
+            <a:avLst/>
+          </a:prstGeom>
+          <a:noFill/>
+          <a:ln>
+            <a:noFill/>
+          </a:ln>
+        </p:spPr>
+        <p:txBody>
+          <a:bodyPr spcFirstLastPara="1" wrap="square" lIns="91425" tIns="45700" rIns="91425" bIns="45700" anchor="ctr" anchorCtr="0">
+            <a:normAutofit/>
+          </a:bodyPr>
+          <a:lstStyle/>
+          <a:p>
+            <a:pPr marL="0" marR="0" lvl="0" indent="0" algn="l" rtl="0">
+              <a:lnSpc>
+                <a:spcPct val="90000"/>
+              </a:lnSpc>
+              <a:spcBef>
+                <a:spcPts val="0"/>
+              </a:spcBef>
+              <a:spcAft>
+                <a:spcPts val="0"/>
+              </a:spcAft>
+              <a:buClr>
+                <a:srgbClr val="FFD966"/>
+              </a:buClr>
+              <a:buSzPts val="4400"/>
+              <a:buFont typeface="Calibri"/>
+              <a:buNone/>
+            </a:pPr>
+            <a:r>
+              <a:rPr lang="en-US" sz="4400" dirty="0">
+                <a:solidFill>
+                  <a:schemeClr val="bg2">
+                    <a:lumMod val="75000"/>
+                  </a:schemeClr>
+                </a:solidFill>
+                <a:latin typeface="Calibri"/>
+                <a:ea typeface="Calibri"/>
+                <a:cs typeface="Calibri"/>
+                <a:sym typeface="Calibri"/>
+              </a:rPr>
+              <a:t>HTML Website</a:t>
+            </a:r>
+            <a:endParaRPr dirty="0">
+              <a:solidFill>
+                <a:schemeClr val="bg2">
+                  <a:lumMod val="75000"/>
+                </a:schemeClr>
+              </a:solidFill>
+            </a:endParaRPr>
+          </a:p>
+        </p:txBody>
+      </p:sp>
+      <p:sp>
+        <p:nvSpPr>
+          <p:cNvPr id="3" name="Google Shape;236;p13">
+            <a:extLst>
+              <a:ext uri="{FF2B5EF4-FFF2-40B4-BE49-F238E27FC236}">
+                <a16:creationId xmlns:a16="http://schemas.microsoft.com/office/drawing/2014/main" id="{861E70B7-3D3B-A128-5599-D9392E7D9044}"/>
+              </a:ext>
+            </a:extLst>
+          </p:cNvPr>
+          <p:cNvSpPr txBox="1">
+            <a:spLocks/>
+          </p:cNvSpPr>
+          <p:nvPr/>
+        </p:nvSpPr>
+        <p:spPr>
+          <a:xfrm>
+            <a:off x="478666" y="3198482"/>
+            <a:ext cx="5484729" cy="651624"/>
+          </a:xfrm>
+          <a:prstGeom prst="rect">
+            <a:avLst/>
+          </a:prstGeom>
+          <a:noFill/>
+          <a:ln>
+            <a:noFill/>
+          </a:ln>
+        </p:spPr>
+        <p:txBody>
+          <a:bodyPr spcFirstLastPara="1" wrap="square" lIns="91425" tIns="45700" rIns="91425" bIns="45700" anchor="t" anchorCtr="0">
+            <a:noAutofit/>
+          </a:bodyPr>
+          <a:lstStyle>
+            <a:defPPr marR="0" lvl="0" algn="l" rtl="0">
+              <a:lnSpc>
+                <a:spcPct val="100000"/>
+              </a:lnSpc>
+              <a:spcBef>
+                <a:spcPts val="0"/>
+              </a:spcBef>
+              <a:spcAft>
+                <a:spcPts val="0"/>
+              </a:spcAft>
+            </a:defPPr>
+            <a:lvl1pPr marL="457200" marR="0" lvl="0" indent="-406400" algn="l" rtl="0">
+              <a:lnSpc>
+                <a:spcPct val="90000"/>
+              </a:lnSpc>
+              <a:spcBef>
+                <a:spcPts val="1000"/>
+              </a:spcBef>
+              <a:spcAft>
+                <a:spcPts val="0"/>
+              </a:spcAft>
+              <a:buClr>
+                <a:schemeClr val="dk1"/>
+              </a:buClr>
+              <a:buSzPts val="2800"/>
+              <a:buFont typeface="Arial"/>
+              <a:buChar char="•"/>
+              <a:defRPr sz="2800" b="0" i="0" u="none" strike="noStrike" cap="none">
+                <a:solidFill>
+                  <a:schemeClr val="dk1"/>
+                </a:solidFill>
+                <a:latin typeface="Calibri"/>
+                <a:ea typeface="Calibri"/>
+                <a:cs typeface="Calibri"/>
+                <a:sym typeface="Calibri"/>
+              </a:defRPr>
+            </a:lvl1pPr>
+            <a:lvl2pPr marL="914400" marR="0" lvl="1" indent="-381000" algn="l" rtl="0">
+              <a:lnSpc>
+                <a:spcPct val="90000"/>
+              </a:lnSpc>
+              <a:spcBef>
+                <a:spcPts val="500"/>
+              </a:spcBef>
+              <a:spcAft>
+                <a:spcPts val="0"/>
+              </a:spcAft>
+              <a:buClr>
+                <a:schemeClr val="dk1"/>
+              </a:buClr>
+              <a:buSzPts val="2400"/>
+              <a:buFont typeface="Arial"/>
+              <a:buChar char="•"/>
+              <a:defRPr sz="2400" b="0" i="0" u="none" strike="noStrike" cap="none">
+                <a:solidFill>
+                  <a:schemeClr val="dk1"/>
+                </a:solidFill>
+                <a:latin typeface="Calibri"/>
+                <a:ea typeface="Calibri"/>
+                <a:cs typeface="Calibri"/>
+                <a:sym typeface="Calibri"/>
+              </a:defRPr>
+            </a:lvl2pPr>
+            <a:lvl3pPr marL="1371600" marR="0" lvl="2" indent="-355600" algn="l" rtl="0">
+              <a:lnSpc>
+                <a:spcPct val="90000"/>
+              </a:lnSpc>
+              <a:spcBef>
+                <a:spcPts val="500"/>
+              </a:spcBef>
+              <a:spcAft>
+                <a:spcPts val="0"/>
+              </a:spcAft>
+              <a:buClr>
+                <a:schemeClr val="dk1"/>
+              </a:buClr>
+              <a:buSzPts val="2000"/>
+              <a:buFont typeface="Arial"/>
+              <a:buChar char="•"/>
+              <a:defRPr sz="2000" b="0" i="0" u="none" strike="noStrike" cap="none">
+                <a:solidFill>
+                  <a:schemeClr val="dk1"/>
+                </a:solidFill>
+                <a:latin typeface="Calibri"/>
+                <a:ea typeface="Calibri"/>
+                <a:cs typeface="Calibri"/>
+                <a:sym typeface="Calibri"/>
+              </a:defRPr>
+            </a:lvl3pPr>
+            <a:lvl4pPr marL="1828800" marR="0" lvl="3" indent="-342900" algn="l" rtl="0">
+              <a:lnSpc>
+                <a:spcPct val="90000"/>
+              </a:lnSpc>
+              <a:spcBef>
+                <a:spcPts val="500"/>
+              </a:spcBef>
+              <a:spcAft>
+                <a:spcPts val="0"/>
+              </a:spcAft>
+              <a:buClr>
+                <a:schemeClr val="dk1"/>
+              </a:buClr>
+              <a:buSzPts val="1800"/>
+              <a:buFont typeface="Arial"/>
+              <a:buChar char="•"/>
+              <a:defRPr sz="1800" b="0" i="0" u="none" strike="noStrike" cap="none">
+                <a:solidFill>
+                  <a:schemeClr val="dk1"/>
+                </a:solidFill>
+                <a:latin typeface="Calibri"/>
+                <a:ea typeface="Calibri"/>
+                <a:cs typeface="Calibri"/>
+                <a:sym typeface="Calibri"/>
+              </a:defRPr>
+            </a:lvl4pPr>
+            <a:lvl5pPr marL="2286000" marR="0" lvl="4" indent="-342900" algn="l" rtl="0">
+              <a:lnSpc>
+                <a:spcPct val="90000"/>
+              </a:lnSpc>
+              <a:spcBef>
+                <a:spcPts val="500"/>
+              </a:spcBef>
+              <a:spcAft>
+                <a:spcPts val="0"/>
+              </a:spcAft>
+              <a:buClr>
+                <a:schemeClr val="dk1"/>
+              </a:buClr>
+              <a:buSzPts val="1800"/>
+              <a:buFont typeface="Arial"/>
+              <a:buChar char="•"/>
+              <a:defRPr sz="1800" b="0" i="0" u="none" strike="noStrike" cap="none">
+                <a:solidFill>
+                  <a:schemeClr val="dk1"/>
+                </a:solidFill>
+                <a:latin typeface="Calibri"/>
+                <a:ea typeface="Calibri"/>
+                <a:cs typeface="Calibri"/>
+                <a:sym typeface="Calibri"/>
+              </a:defRPr>
+            </a:lvl5pPr>
+            <a:lvl6pPr marL="2743200" marR="0" lvl="5" indent="-342900" algn="l" rtl="0">
+              <a:lnSpc>
+                <a:spcPct val="90000"/>
+              </a:lnSpc>
+              <a:spcBef>
+                <a:spcPts val="500"/>
+              </a:spcBef>
+              <a:spcAft>
+                <a:spcPts val="0"/>
+              </a:spcAft>
+              <a:buClr>
+                <a:schemeClr val="dk1"/>
+              </a:buClr>
+              <a:buSzPts val="1800"/>
+              <a:buFont typeface="Arial"/>
+              <a:buChar char="•"/>
+              <a:defRPr sz="1800" b="0" i="0" u="none" strike="noStrike" cap="none">
+                <a:solidFill>
+                  <a:schemeClr val="dk1"/>
+                </a:solidFill>
+                <a:latin typeface="Calibri"/>
+                <a:ea typeface="Calibri"/>
+                <a:cs typeface="Calibri"/>
+                <a:sym typeface="Calibri"/>
+              </a:defRPr>
+            </a:lvl6pPr>
+            <a:lvl7pPr marL="3200400" marR="0" lvl="6" indent="-342900" algn="l" rtl="0">
+              <a:lnSpc>
+                <a:spcPct val="90000"/>
+              </a:lnSpc>
+              <a:spcBef>
+                <a:spcPts val="500"/>
+              </a:spcBef>
+              <a:spcAft>
+                <a:spcPts val="0"/>
+              </a:spcAft>
+              <a:buClr>
+                <a:schemeClr val="dk1"/>
+              </a:buClr>
+              <a:buSzPts val="1800"/>
+              <a:buFont typeface="Arial"/>
+              <a:buChar char="•"/>
+              <a:defRPr sz="1800" b="0" i="0" u="none" strike="noStrike" cap="none">
+                <a:solidFill>
+                  <a:schemeClr val="dk1"/>
+                </a:solidFill>
+                <a:latin typeface="Calibri"/>
+                <a:ea typeface="Calibri"/>
+                <a:cs typeface="Calibri"/>
+                <a:sym typeface="Calibri"/>
+              </a:defRPr>
+            </a:lvl7pPr>
+            <a:lvl8pPr marL="3657600" marR="0" lvl="7" indent="-342900" algn="l" rtl="0">
+              <a:lnSpc>
+                <a:spcPct val="90000"/>
+              </a:lnSpc>
+              <a:spcBef>
+                <a:spcPts val="500"/>
+              </a:spcBef>
+              <a:spcAft>
+                <a:spcPts val="0"/>
+              </a:spcAft>
+              <a:buClr>
+                <a:schemeClr val="dk1"/>
+              </a:buClr>
+              <a:buSzPts val="1800"/>
+              <a:buFont typeface="Arial"/>
+              <a:buChar char="•"/>
+              <a:defRPr sz="1800" b="0" i="0" u="none" strike="noStrike" cap="none">
+                <a:solidFill>
+                  <a:schemeClr val="dk1"/>
+                </a:solidFill>
+                <a:latin typeface="Calibri"/>
+                <a:ea typeface="Calibri"/>
+                <a:cs typeface="Calibri"/>
+                <a:sym typeface="Calibri"/>
+              </a:defRPr>
+            </a:lvl8pPr>
+            <a:lvl9pPr marL="4114800" marR="0" lvl="8" indent="-342900" algn="l" rtl="0">
+              <a:lnSpc>
+                <a:spcPct val="90000"/>
+              </a:lnSpc>
+              <a:spcBef>
+                <a:spcPts val="500"/>
+              </a:spcBef>
+              <a:spcAft>
+                <a:spcPts val="0"/>
+              </a:spcAft>
+              <a:buClr>
+                <a:schemeClr val="dk1"/>
+              </a:buClr>
+              <a:buSzPts val="1800"/>
+              <a:buFont typeface="Arial"/>
+              <a:buChar char="•"/>
+              <a:defRPr sz="1800" b="0" i="0" u="none" strike="noStrike" cap="none">
+                <a:solidFill>
+                  <a:schemeClr val="dk1"/>
+                </a:solidFill>
+                <a:latin typeface="Calibri"/>
+                <a:ea typeface="Calibri"/>
+                <a:cs typeface="Calibri"/>
+                <a:sym typeface="Calibri"/>
+              </a:defRPr>
+            </a:lvl9pPr>
+          </a:lstStyle>
+          <a:p>
+            <a:pPr marL="228600" indent="-50800" algn="ctr">
+              <a:spcBef>
+                <a:spcPts val="0"/>
+              </a:spcBef>
+              <a:buFont typeface="Arial"/>
+              <a:buNone/>
+            </a:pPr>
+            <a:r>
+              <a:rPr lang="en-US" sz="3600" dirty="0">
+                <a:solidFill>
+                  <a:schemeClr val="bg2">
+                    <a:lumMod val="75000"/>
+                  </a:schemeClr>
+                </a:solidFill>
+              </a:rPr>
+              <a:t>Tools used for dashboard</a:t>
+            </a:r>
+          </a:p>
+        </p:txBody>
+      </p:sp>
+      <p:sp>
+        <p:nvSpPr>
+          <p:cNvPr id="4" name="Google Shape;236;p13">
+            <a:extLst>
+              <a:ext uri="{FF2B5EF4-FFF2-40B4-BE49-F238E27FC236}">
+                <a16:creationId xmlns:a16="http://schemas.microsoft.com/office/drawing/2014/main" id="{DB75041C-F3B4-D61D-0EE3-ED7D6D7805E7}"/>
+              </a:ext>
+            </a:extLst>
+          </p:cNvPr>
+          <p:cNvSpPr txBox="1">
+            <a:spLocks/>
+          </p:cNvSpPr>
+          <p:nvPr/>
+        </p:nvSpPr>
+        <p:spPr>
+          <a:xfrm>
+            <a:off x="5963395" y="3198482"/>
+            <a:ext cx="5484729" cy="651624"/>
+          </a:xfrm>
+          <a:prstGeom prst="rect">
+            <a:avLst/>
+          </a:prstGeom>
+          <a:noFill/>
+          <a:ln>
+            <a:noFill/>
+          </a:ln>
+        </p:spPr>
+        <p:txBody>
+          <a:bodyPr spcFirstLastPara="1" wrap="square" lIns="91425" tIns="45700" rIns="91425" bIns="45700" anchor="t" anchorCtr="0">
+            <a:noAutofit/>
+          </a:bodyPr>
+          <a:lstStyle>
+            <a:defPPr marR="0" lvl="0" algn="l" rtl="0">
+              <a:lnSpc>
+                <a:spcPct val="100000"/>
+              </a:lnSpc>
+              <a:spcBef>
+                <a:spcPts val="0"/>
+              </a:spcBef>
+              <a:spcAft>
+                <a:spcPts val="0"/>
+              </a:spcAft>
+            </a:defPPr>
+            <a:lvl1pPr marL="457200" marR="0" lvl="0" indent="-406400" algn="l" rtl="0">
+              <a:lnSpc>
+                <a:spcPct val="90000"/>
+              </a:lnSpc>
+              <a:spcBef>
+                <a:spcPts val="1000"/>
+              </a:spcBef>
+              <a:spcAft>
+                <a:spcPts val="0"/>
+              </a:spcAft>
+              <a:buClr>
+                <a:schemeClr val="dk1"/>
+              </a:buClr>
+              <a:buSzPts val="2800"/>
+              <a:buFont typeface="Arial"/>
+              <a:buChar char="•"/>
+              <a:defRPr sz="2800" b="0" i="0" u="none" strike="noStrike" cap="none">
+                <a:solidFill>
+                  <a:schemeClr val="dk1"/>
+                </a:solidFill>
+                <a:latin typeface="Calibri"/>
+                <a:ea typeface="Calibri"/>
+                <a:cs typeface="Calibri"/>
+                <a:sym typeface="Calibri"/>
+              </a:defRPr>
+            </a:lvl1pPr>
+            <a:lvl2pPr marL="914400" marR="0" lvl="1" indent="-381000" algn="l" rtl="0">
+              <a:lnSpc>
+                <a:spcPct val="90000"/>
+              </a:lnSpc>
+              <a:spcBef>
+                <a:spcPts val="500"/>
+              </a:spcBef>
+              <a:spcAft>
+                <a:spcPts val="0"/>
+              </a:spcAft>
+              <a:buClr>
+                <a:schemeClr val="dk1"/>
+              </a:buClr>
+              <a:buSzPts val="2400"/>
+              <a:buFont typeface="Arial"/>
+              <a:buChar char="•"/>
+              <a:defRPr sz="2400" b="0" i="0" u="none" strike="noStrike" cap="none">
+                <a:solidFill>
+                  <a:schemeClr val="dk1"/>
+                </a:solidFill>
+                <a:latin typeface="Calibri"/>
+                <a:ea typeface="Calibri"/>
+                <a:cs typeface="Calibri"/>
+                <a:sym typeface="Calibri"/>
+              </a:defRPr>
+            </a:lvl2pPr>
+            <a:lvl3pPr marL="1371600" marR="0" lvl="2" indent="-355600" algn="l" rtl="0">
+              <a:lnSpc>
+                <a:spcPct val="90000"/>
+              </a:lnSpc>
+              <a:spcBef>
+                <a:spcPts val="500"/>
+              </a:spcBef>
+              <a:spcAft>
+                <a:spcPts val="0"/>
+              </a:spcAft>
+              <a:buClr>
+                <a:schemeClr val="dk1"/>
+              </a:buClr>
+              <a:buSzPts val="2000"/>
+              <a:buFont typeface="Arial"/>
+              <a:buChar char="•"/>
+              <a:defRPr sz="2000" b="0" i="0" u="none" strike="noStrike" cap="none">
+                <a:solidFill>
+                  <a:schemeClr val="dk1"/>
+                </a:solidFill>
+                <a:latin typeface="Calibri"/>
+                <a:ea typeface="Calibri"/>
+                <a:cs typeface="Calibri"/>
+                <a:sym typeface="Calibri"/>
+              </a:defRPr>
+            </a:lvl3pPr>
+            <a:lvl4pPr marL="1828800" marR="0" lvl="3" indent="-342900" algn="l" rtl="0">
+              <a:lnSpc>
+                <a:spcPct val="90000"/>
+              </a:lnSpc>
+              <a:spcBef>
+                <a:spcPts val="500"/>
+              </a:spcBef>
+              <a:spcAft>
+                <a:spcPts val="0"/>
+              </a:spcAft>
+              <a:buClr>
+                <a:schemeClr val="dk1"/>
+              </a:buClr>
+              <a:buSzPts val="1800"/>
+              <a:buFont typeface="Arial"/>
+              <a:buChar char="•"/>
+              <a:defRPr sz="1800" b="0" i="0" u="none" strike="noStrike" cap="none">
+                <a:solidFill>
+                  <a:schemeClr val="dk1"/>
+                </a:solidFill>
+                <a:latin typeface="Calibri"/>
+                <a:ea typeface="Calibri"/>
+                <a:cs typeface="Calibri"/>
+                <a:sym typeface="Calibri"/>
+              </a:defRPr>
+            </a:lvl4pPr>
+            <a:lvl5pPr marL="2286000" marR="0" lvl="4" indent="-342900" algn="l" rtl="0">
+              <a:lnSpc>
+                <a:spcPct val="90000"/>
+              </a:lnSpc>
+              <a:spcBef>
+                <a:spcPts val="500"/>
+              </a:spcBef>
+              <a:spcAft>
+                <a:spcPts val="0"/>
+              </a:spcAft>
+              <a:buClr>
+                <a:schemeClr val="dk1"/>
+              </a:buClr>
+              <a:buSzPts val="1800"/>
+              <a:buFont typeface="Arial"/>
+              <a:buChar char="•"/>
+              <a:defRPr sz="1800" b="0" i="0" u="none" strike="noStrike" cap="none">
+                <a:solidFill>
+                  <a:schemeClr val="dk1"/>
+                </a:solidFill>
+                <a:latin typeface="Calibri"/>
+                <a:ea typeface="Calibri"/>
+                <a:cs typeface="Calibri"/>
+                <a:sym typeface="Calibri"/>
+              </a:defRPr>
+            </a:lvl5pPr>
+            <a:lvl6pPr marL="2743200" marR="0" lvl="5" indent="-342900" algn="l" rtl="0">
+              <a:lnSpc>
+                <a:spcPct val="90000"/>
+              </a:lnSpc>
+              <a:spcBef>
+                <a:spcPts val="500"/>
+              </a:spcBef>
+              <a:spcAft>
+                <a:spcPts val="0"/>
+              </a:spcAft>
+              <a:buClr>
+                <a:schemeClr val="dk1"/>
+              </a:buClr>
+              <a:buSzPts val="1800"/>
+              <a:buFont typeface="Arial"/>
+              <a:buChar char="•"/>
+              <a:defRPr sz="1800" b="0" i="0" u="none" strike="noStrike" cap="none">
+                <a:solidFill>
+                  <a:schemeClr val="dk1"/>
+                </a:solidFill>
+                <a:latin typeface="Calibri"/>
+                <a:ea typeface="Calibri"/>
+                <a:cs typeface="Calibri"/>
+                <a:sym typeface="Calibri"/>
+              </a:defRPr>
+            </a:lvl6pPr>
+            <a:lvl7pPr marL="3200400" marR="0" lvl="6" indent="-342900" algn="l" rtl="0">
+              <a:lnSpc>
+                <a:spcPct val="90000"/>
+              </a:lnSpc>
+              <a:spcBef>
+                <a:spcPts val="500"/>
+              </a:spcBef>
+              <a:spcAft>
+                <a:spcPts val="0"/>
+              </a:spcAft>
+              <a:buClr>
+                <a:schemeClr val="dk1"/>
+              </a:buClr>
+              <a:buSzPts val="1800"/>
+              <a:buFont typeface="Arial"/>
+              <a:buChar char="•"/>
+              <a:defRPr sz="1800" b="0" i="0" u="none" strike="noStrike" cap="none">
+                <a:solidFill>
+                  <a:schemeClr val="dk1"/>
+                </a:solidFill>
+                <a:latin typeface="Calibri"/>
+                <a:ea typeface="Calibri"/>
+                <a:cs typeface="Calibri"/>
+                <a:sym typeface="Calibri"/>
+              </a:defRPr>
+            </a:lvl7pPr>
+            <a:lvl8pPr marL="3657600" marR="0" lvl="7" indent="-342900" algn="l" rtl="0">
+              <a:lnSpc>
+                <a:spcPct val="90000"/>
+              </a:lnSpc>
+              <a:spcBef>
+                <a:spcPts val="500"/>
+              </a:spcBef>
+              <a:spcAft>
+                <a:spcPts val="0"/>
+              </a:spcAft>
+              <a:buClr>
+                <a:schemeClr val="dk1"/>
+              </a:buClr>
+              <a:buSzPts val="1800"/>
+              <a:buFont typeface="Arial"/>
+              <a:buChar char="•"/>
+              <a:defRPr sz="1800" b="0" i="0" u="none" strike="noStrike" cap="none">
+                <a:solidFill>
+                  <a:schemeClr val="dk1"/>
+                </a:solidFill>
+                <a:latin typeface="Calibri"/>
+                <a:ea typeface="Calibri"/>
+                <a:cs typeface="Calibri"/>
+                <a:sym typeface="Calibri"/>
+              </a:defRPr>
+            </a:lvl8pPr>
+            <a:lvl9pPr marL="4114800" marR="0" lvl="8" indent="-342900" algn="l" rtl="0">
+              <a:lnSpc>
+                <a:spcPct val="90000"/>
+              </a:lnSpc>
+              <a:spcBef>
+                <a:spcPts val="500"/>
+              </a:spcBef>
+              <a:spcAft>
+                <a:spcPts val="0"/>
+              </a:spcAft>
+              <a:buClr>
+                <a:schemeClr val="dk1"/>
+              </a:buClr>
+              <a:buSzPts val="1800"/>
+              <a:buFont typeface="Arial"/>
+              <a:buChar char="•"/>
+              <a:defRPr sz="1800" b="0" i="0" u="none" strike="noStrike" cap="none">
+                <a:solidFill>
+                  <a:schemeClr val="dk1"/>
+                </a:solidFill>
+                <a:latin typeface="Calibri"/>
+                <a:ea typeface="Calibri"/>
+                <a:cs typeface="Calibri"/>
+                <a:sym typeface="Calibri"/>
+              </a:defRPr>
+            </a:lvl9pPr>
+          </a:lstStyle>
+          <a:p>
+            <a:pPr marL="228600" indent="-50800" algn="ctr">
+              <a:spcBef>
+                <a:spcPts val="0"/>
+              </a:spcBef>
+              <a:buFont typeface="Arial"/>
+              <a:buNone/>
+            </a:pPr>
+            <a:r>
+              <a:rPr lang="en-US" sz="3600" dirty="0">
+                <a:solidFill>
+                  <a:schemeClr val="bg2">
+                    <a:lumMod val="75000"/>
+                  </a:schemeClr>
+                </a:solidFill>
+              </a:rPr>
+              <a:t>Interactive Elements</a:t>
+            </a:r>
           </a:p>
         </p:txBody>
       </p:sp>
@@ -42411,7 +44511,7 @@
               <a:buNone/>
             </a:pPr>
             <a:r>
-              <a:rPr lang="en-US" sz="4400">
+              <a:rPr lang="en-US" sz="4400" dirty="0">
                 <a:solidFill>
                   <a:srgbClr val="6E85D0"/>
                 </a:solidFill>
@@ -42423,7 +44523,7 @@
               <a:t>Conclusion:</a:t>
             </a:r>
             <a:r>
-              <a:rPr lang="en-US" sz="4400">
+              <a:rPr lang="en-US" sz="4400" dirty="0">
                 <a:solidFill>
                   <a:srgbClr val="FFD966"/>
                 </a:solidFill>
@@ -42434,7 +44534,7 @@
               </a:rPr>
               <a:t> </a:t>
             </a:r>
-            <a:endParaRPr/>
+            <a:endParaRPr dirty="0"/>
           </a:p>
         </p:txBody>
       </p:sp>
@@ -42483,7 +44583,7 @@
               <a:buSzPts val="2800"/>
               <a:buNone/>
             </a:pPr>
-            <a:endParaRPr/>
+            <a:endParaRPr dirty="0"/>
           </a:p>
         </p:txBody>
       </p:sp>
@@ -47845,6 +49945,49 @@
               <a:t>FINAL PROJECT PIPELINE</a:t>
             </a:r>
             <a:endParaRPr/>
+          </a:p>
+        </p:txBody>
+      </p:sp>
+      <p:sp>
+        <p:nvSpPr>
+          <p:cNvPr id="2" name="TextBox 1">
+            <a:extLst>
+              <a:ext uri="{FF2B5EF4-FFF2-40B4-BE49-F238E27FC236}">
+                <a16:creationId xmlns:a16="http://schemas.microsoft.com/office/drawing/2014/main" id="{BB004DDD-7EB0-D44E-8D0D-43DDE684A078}"/>
+              </a:ext>
+            </a:extLst>
+          </p:cNvPr>
+          <p:cNvSpPr txBox="1"/>
+          <p:nvPr/>
+        </p:nvSpPr>
+        <p:spPr>
+          <a:xfrm>
+            <a:off x="4826803" y="184456"/>
+            <a:ext cx="3154617" cy="830997"/>
+          </a:xfrm>
+          <a:prstGeom prst="rect">
+            <a:avLst/>
+          </a:prstGeom>
+          <a:noFill/>
+        </p:spPr>
+        <p:txBody>
+          <a:bodyPr wrap="square" rtlCol="0">
+            <a:spAutoFit/>
+          </a:bodyPr>
+          <a:lstStyle/>
+          <a:p>
+            <a:r>
+              <a:rPr lang="en-US" sz="4800" dirty="0">
+                <a:solidFill>
+                  <a:schemeClr val="bg1">
+                    <a:lumMod val="95000"/>
+                  </a:schemeClr>
+                </a:solidFill>
+                <a:latin typeface="Calibri" panose="020F0502020204030204" pitchFamily="34" charset="0"/>
+                <a:cs typeface="Calibri" panose="020F0502020204030204" pitchFamily="34" charset="0"/>
+              </a:rPr>
+              <a:t>Resources</a:t>
+            </a:r>
           </a:p>
         </p:txBody>
       </p:sp>

--- a/Presentation/FP_Powerpoint.pptx
+++ b/Presentation/FP_Powerpoint.pptx
@@ -290,7 +290,7 @@
 <file path=ppt/revisionInfo.xml><?xml version="1.0" encoding="utf-8"?>
 <p1510:revInfo xmlns:a="http://schemas.openxmlformats.org/drawingml/2006/main" xmlns:r="http://schemas.openxmlformats.org/officeDocument/2006/relationships" xmlns:p1510="http://schemas.microsoft.com/office/powerpoint/2015/10/main">
   <p1510:revLst>
-    <p1510:client id="{90109AE8-E557-4FA6-8C74-6762FB2FC51A}" v="19" dt="2022-11-01T22:38:49.140"/>
+    <p1510:client id="{90109AE8-E557-4FA6-8C74-6762FB2FC51A}" v="24" dt="2022-11-03T12:21:11.453"/>
   </p1510:revLst>
 </p1510:revInfo>
 </file>
@@ -300,7 +300,7 @@
   <pc:docChgLst>
     <pc:chgData name="Jacqueline Carver" userId="509607fbfe7c8838" providerId="LiveId" clId="{90109AE8-E557-4FA6-8C74-6762FB2FC51A}"/>
     <pc:docChg chg="undo redo custSel delSld modSld sldOrd">
-      <pc:chgData name="Jacqueline Carver" userId="509607fbfe7c8838" providerId="LiveId" clId="{90109AE8-E557-4FA6-8C74-6762FB2FC51A}" dt="2022-11-02T21:29:06.067" v="3427" actId="20577"/>
+      <pc:chgData name="Jacqueline Carver" userId="509607fbfe7c8838" providerId="LiveId" clId="{90109AE8-E557-4FA6-8C74-6762FB2FC51A}" dt="2022-11-03T12:59:13.468" v="5611" actId="20577"/>
       <pc:docMkLst>
         <pc:docMk/>
       </pc:docMkLst>
@@ -502,7 +502,7 @@
         </pc:spChg>
       </pc:sldChg>
       <pc:sldChg chg="addSp delSp modSp mod">
-        <pc:chgData name="Jacqueline Carver" userId="509607fbfe7c8838" providerId="LiveId" clId="{90109AE8-E557-4FA6-8C74-6762FB2FC51A}" dt="2022-11-01T22:45:04.650" v="3349" actId="20577"/>
+        <pc:chgData name="Jacqueline Carver" userId="509607fbfe7c8838" providerId="LiveId" clId="{90109AE8-E557-4FA6-8C74-6762FB2FC51A}" dt="2022-11-03T12:11:39.510" v="3568" actId="20577"/>
         <pc:sldMkLst>
           <pc:docMk/>
           <pc:sldMk cId="0" sldId="260"/>
@@ -532,7 +532,7 @@
           </ac:spMkLst>
         </pc:spChg>
         <pc:spChg chg="add mod">
-          <ac:chgData name="Jacqueline Carver" userId="509607fbfe7c8838" providerId="LiveId" clId="{90109AE8-E557-4FA6-8C74-6762FB2FC51A}" dt="2022-11-01T22:25:56.330" v="3046" actId="2711"/>
+          <ac:chgData name="Jacqueline Carver" userId="509607fbfe7c8838" providerId="LiveId" clId="{90109AE8-E557-4FA6-8C74-6762FB2FC51A}" dt="2022-11-03T12:11:39.510" v="3568" actId="20577"/>
           <ac:spMkLst>
             <pc:docMk/>
             <pc:sldMk cId="0" sldId="260"/>
@@ -573,13 +573,13 @@
         </pc:spChg>
       </pc:sldChg>
       <pc:sldChg chg="addSp delSp modSp mod ord">
-        <pc:chgData name="Jacqueline Carver" userId="509607fbfe7c8838" providerId="LiveId" clId="{90109AE8-E557-4FA6-8C74-6762FB2FC51A}" dt="2022-11-02T21:27:05.120" v="3408" actId="20577"/>
+        <pc:chgData name="Jacqueline Carver" userId="509607fbfe7c8838" providerId="LiveId" clId="{90109AE8-E557-4FA6-8C74-6762FB2FC51A}" dt="2022-11-03T12:59:13.468" v="5611" actId="20577"/>
         <pc:sldMkLst>
           <pc:docMk/>
           <pc:sldMk cId="0" sldId="261"/>
         </pc:sldMkLst>
-        <pc:spChg chg="add mod">
-          <ac:chgData name="Jacqueline Carver" userId="509607fbfe7c8838" providerId="LiveId" clId="{90109AE8-E557-4FA6-8C74-6762FB2FC51A}" dt="2022-11-01T22:12:53.647" v="2848" actId="207"/>
+        <pc:spChg chg="add del mod">
+          <ac:chgData name="Jacqueline Carver" userId="509607fbfe7c8838" providerId="LiveId" clId="{90109AE8-E557-4FA6-8C74-6762FB2FC51A}" dt="2022-11-03T12:20:35.365" v="3918" actId="478"/>
           <ac:spMkLst>
             <pc:docMk/>
             <pc:sldMk cId="0" sldId="261"/>
@@ -587,7 +587,7 @@
           </ac:spMkLst>
         </pc:spChg>
         <pc:spChg chg="add mod">
-          <ac:chgData name="Jacqueline Carver" userId="509607fbfe7c8838" providerId="LiveId" clId="{90109AE8-E557-4FA6-8C74-6762FB2FC51A}" dt="2022-11-01T22:26:01.923" v="3047" actId="2711"/>
+          <ac:chgData name="Jacqueline Carver" userId="509607fbfe7c8838" providerId="LiveId" clId="{90109AE8-E557-4FA6-8C74-6762FB2FC51A}" dt="2022-11-03T12:59:13.468" v="5611" actId="20577"/>
           <ac:spMkLst>
             <pc:docMk/>
             <pc:sldMk cId="0" sldId="261"/>
@@ -595,11 +595,27 @@
           </ac:spMkLst>
         </pc:spChg>
         <pc:spChg chg="add mod">
-          <ac:chgData name="Jacqueline Carver" userId="509607fbfe7c8838" providerId="LiveId" clId="{90109AE8-E557-4FA6-8C74-6762FB2FC51A}" dt="2022-11-02T21:27:05.120" v="3408" actId="20577"/>
+          <ac:chgData name="Jacqueline Carver" userId="509607fbfe7c8838" providerId="LiveId" clId="{90109AE8-E557-4FA6-8C74-6762FB2FC51A}" dt="2022-11-03T12:55:47.708" v="5560" actId="14100"/>
           <ac:spMkLst>
             <pc:docMk/>
             <pc:sldMk cId="0" sldId="261"/>
             <ac:spMk id="4" creationId="{7781BCA2-71CC-92E7-186E-719F8EC2CBFB}"/>
+          </ac:spMkLst>
+        </pc:spChg>
+        <pc:spChg chg="add mod">
+          <ac:chgData name="Jacqueline Carver" userId="509607fbfe7c8838" providerId="LiveId" clId="{90109AE8-E557-4FA6-8C74-6762FB2FC51A}" dt="2022-11-03T12:55:52.007" v="5561" actId="14100"/>
+          <ac:spMkLst>
+            <pc:docMk/>
+            <pc:sldMk cId="0" sldId="261"/>
+            <ac:spMk id="5" creationId="{7C161DFA-049D-90F6-EA65-06C38C5C0860}"/>
+          </ac:spMkLst>
+        </pc:spChg>
+        <pc:spChg chg="add mod">
+          <ac:chgData name="Jacqueline Carver" userId="509607fbfe7c8838" providerId="LiveId" clId="{90109AE8-E557-4FA6-8C74-6762FB2FC51A}" dt="2022-11-03T12:53:53.175" v="5556" actId="1076"/>
+          <ac:spMkLst>
+            <pc:docMk/>
+            <pc:sldMk cId="0" sldId="261"/>
+            <ac:spMk id="6" creationId="{556620CE-7115-9445-DA00-A0367CB6FCDD}"/>
           </ac:spMkLst>
         </pc:spChg>
         <pc:spChg chg="mod">
@@ -32122,12 +32138,8 @@
               <a:buChar char="•"/>
             </a:pPr>
             <a:r>
-              <a:rPr lang="en-US" sz="1600" dirty="0" err="1"/>
-              <a:t>Jupyter</a:t>
-            </a:r>
-            <a:r>
               <a:rPr lang="en-US" sz="1600" dirty="0"/>
-              <a:t> notebook &amp; Excel: preprocessing and merging data</a:t>
+              <a:t>Jupyter notebook &amp; Excel: preprocessing and merging data</a:t>
             </a:r>
             <a:endParaRPr dirty="0"/>
           </a:p>
@@ -32278,15 +32290,7 @@
             </a:pPr>
             <a:r>
               <a:rPr lang="en-US" sz="1600" dirty="0"/>
-              <a:t>Linear Regression, SMOTEENN, and </a:t>
-            </a:r>
-            <a:r>
-              <a:rPr lang="en-US" sz="1600" dirty="0" err="1"/>
-              <a:t>RandomForest</a:t>
-            </a:r>
-            <a:r>
-              <a:rPr lang="en-US" sz="1600" dirty="0"/>
-              <a:t> </a:t>
+              <a:t>Linear Regression, SMOTEENN, and RandomForest </a:t>
             </a:r>
           </a:p>
           <a:p>
@@ -32308,15 +32312,7 @@
             </a:pPr>
             <a:r>
               <a:rPr lang="en-US" sz="1600" dirty="0"/>
-              <a:t>Using </a:t>
-            </a:r>
-            <a:r>
-              <a:rPr lang="en-US" sz="1600" dirty="0" err="1"/>
-              <a:t>Jupyter</a:t>
-            </a:r>
-            <a:r>
-              <a:rPr lang="en-US" sz="1600" dirty="0"/>
-              <a:t> Notebook and Google Collab</a:t>
+              <a:t>Using Jupyter Notebook and Google Collab</a:t>
             </a:r>
             <a:endParaRPr sz="1600" dirty="0"/>
           </a:p>
@@ -40799,21 +40795,7 @@
                 <a:latin typeface="Calibri" panose="020F0502020204030204" pitchFamily="34" charset="0"/>
                 <a:cs typeface="Calibri" panose="020F0502020204030204" pitchFamily="34" charset="0"/>
               </a:rPr>
-              <a:t>Using </a:t>
-            </a:r>
-            <a:r>
-              <a:rPr lang="en-US" sz="2000" dirty="0" err="1">
-                <a:latin typeface="Calibri" panose="020F0502020204030204" pitchFamily="34" charset="0"/>
-                <a:cs typeface="Calibri" panose="020F0502020204030204" pitchFamily="34" charset="0"/>
-              </a:rPr>
-              <a:t>RandomForest</a:t>
-            </a:r>
-            <a:r>
-              <a:rPr lang="en-US" sz="2000" dirty="0">
-                <a:latin typeface="Calibri" panose="020F0502020204030204" pitchFamily="34" charset="0"/>
-                <a:cs typeface="Calibri" panose="020F0502020204030204" pitchFamily="34" charset="0"/>
-              </a:rPr>
-              <a:t> &amp; Logistic Regression</a:t>
+              <a:t>Connects to machine learning through pyspark</a:t>
             </a:r>
           </a:p>
           <a:p>
@@ -40839,7 +40821,33 @@
                 <a:latin typeface="Calibri" panose="020F0502020204030204" pitchFamily="34" charset="0"/>
                 <a:cs typeface="Calibri" panose="020F0502020204030204" pitchFamily="34" charset="0"/>
               </a:rPr>
-              <a:t>Training on Costco locations</a:t>
+              <a:t>Easy to use on multiple platforms</a:t>
+            </a:r>
+          </a:p>
+          <a:p>
+            <a:pPr marL="635000" lvl="0" indent="-457200" algn="l" rtl="0">
+              <a:lnSpc>
+                <a:spcPct val="90000"/>
+              </a:lnSpc>
+              <a:spcBef>
+                <a:spcPts val="0"/>
+              </a:spcBef>
+              <a:spcAft>
+                <a:spcPts val="0"/>
+              </a:spcAft>
+              <a:buClr>
+                <a:schemeClr val="dk1"/>
+              </a:buClr>
+              <a:buSzPts val="2800"/>
+              <a:buFont typeface="Arial" panose="020B0604020202020204" pitchFamily="34" charset="0"/>
+              <a:buChar char="•"/>
+            </a:pPr>
+            <a:r>
+              <a:rPr lang="en-US" sz="2000" dirty="0">
+                <a:latin typeface="Calibri" panose="020F0502020204030204" pitchFamily="34" charset="0"/>
+                <a:cs typeface="Calibri" panose="020F0502020204030204" pitchFamily="34" charset="0"/>
+              </a:rPr>
+              <a:t>Plenty of storage space </a:t>
             </a:r>
           </a:p>
         </p:txBody>
@@ -40907,14 +40915,7 @@
                 <a:latin typeface="Calibri" panose="020F0502020204030204" pitchFamily="34" charset="0"/>
                 <a:cs typeface="Calibri" panose="020F0502020204030204" pitchFamily="34" charset="0"/>
               </a:rPr>
-              <a:t>Connecting changing data to </a:t>
-            </a:r>
-            <a:r>
-              <a:rPr lang="en-US" sz="2000">
-                <a:latin typeface="Calibri" panose="020F0502020204030204" pitchFamily="34" charset="0"/>
-                <a:cs typeface="Calibri" panose="020F0502020204030204" pitchFamily="34" charset="0"/>
-              </a:rPr>
-              <a:t>S3 Bucket</a:t>
+              <a:t>Connecting changing data to S3 Bucket</a:t>
             </a:r>
           </a:p>
         </p:txBody>
@@ -41325,10 +41326,10 @@
       </p:grpSp>
       <p:sp>
         <p:nvSpPr>
-          <p:cNvPr id="2" name="Google Shape;244;p14">
+          <p:cNvPr id="3" name="Google Shape;245;p14">
             <a:extLst>
               <a:ext uri="{FF2B5EF4-FFF2-40B4-BE49-F238E27FC236}">
-                <a16:creationId xmlns:a16="http://schemas.microsoft.com/office/drawing/2014/main" id="{D54E55B5-E688-C23C-E22C-7638A251563D}"/>
+                <a16:creationId xmlns:a16="http://schemas.microsoft.com/office/drawing/2014/main" id="{D9FEB6FC-E977-4B35-5C35-A2D5251294C5}"/>
               </a:ext>
             </a:extLst>
           </p:cNvPr>
@@ -41339,8 +41340,8 @@
         </p:nvSpPr>
         <p:spPr>
           <a:xfrm>
-            <a:off x="755650" y="3198481"/>
-            <a:ext cx="10008603" cy="906011"/>
+            <a:off x="777282" y="2924282"/>
+            <a:ext cx="10637435" cy="1413891"/>
           </a:xfrm>
           <a:prstGeom prst="rect">
             <a:avLst/>
@@ -41352,7 +41353,7 @@
         </p:spPr>
         <p:txBody>
           <a:bodyPr spcFirstLastPara="1" wrap="square" lIns="91425" tIns="45700" rIns="91425" bIns="45700" anchor="t" anchorCtr="0">
-            <a:normAutofit/>
+            <a:noAutofit/>
           </a:bodyPr>
           <a:lstStyle>
             <a:defPPr marR="0" lvl="0" algn="l" rtl="0">
@@ -41602,334 +41603,47 @@
             </a:lvl9pPr>
           </a:lstStyle>
           <a:p>
-            <a:pPr marL="228600" indent="-50800" algn="ctr">
-              <a:spcBef>
-                <a:spcPts val="0"/>
-              </a:spcBef>
-              <a:buFont typeface="Arial"/>
+            <a:pPr marL="177800" indent="0" algn="ctr">
+              <a:spcBef>
+                <a:spcPts val="0"/>
+              </a:spcBef>
               <a:buNone/>
             </a:pPr>
             <a:r>
-              <a:rPr lang="en-US" dirty="0">
+              <a:rPr lang="en-US" sz="2400" dirty="0">
                 <a:solidFill>
                   <a:schemeClr val="accent6">
                     <a:lumMod val="50000"/>
                   </a:schemeClr>
                 </a:solidFill>
-              </a:rPr>
-              <a:t>Needing a machine learning model that predicts the probability of a dependent variable. This will give a binary output.</a:t>
-            </a:r>
-          </a:p>
-        </p:txBody>
-      </p:sp>
-      <p:sp>
-        <p:nvSpPr>
-          <p:cNvPr id="3" name="Google Shape;245;p14">
-            <a:extLst>
-              <a:ext uri="{FF2B5EF4-FFF2-40B4-BE49-F238E27FC236}">
-                <a16:creationId xmlns:a16="http://schemas.microsoft.com/office/drawing/2014/main" id="{D9FEB6FC-E977-4B35-5C35-A2D5251294C5}"/>
-              </a:ext>
-            </a:extLst>
-          </p:cNvPr>
-          <p:cNvSpPr txBox="1">
-            <a:spLocks/>
-          </p:cNvSpPr>
-          <p:nvPr/>
-        </p:nvSpPr>
-        <p:spPr>
-          <a:xfrm>
-            <a:off x="438360" y="4565530"/>
-            <a:ext cx="5071288" cy="2018994"/>
-          </a:xfrm>
-          <a:prstGeom prst="rect">
-            <a:avLst/>
-          </a:prstGeom>
-          <a:noFill/>
-          <a:ln>
-            <a:noFill/>
-          </a:ln>
-        </p:spPr>
-        <p:txBody>
-          <a:bodyPr spcFirstLastPara="1" wrap="square" lIns="91425" tIns="45700" rIns="91425" bIns="45700" anchor="t" anchorCtr="0">
-            <a:normAutofit/>
-          </a:bodyPr>
-          <a:lstStyle>
-            <a:defPPr marR="0" lvl="0" algn="l" rtl="0">
-              <a:lnSpc>
-                <a:spcPct val="100000"/>
-              </a:lnSpc>
-              <a:spcBef>
-                <a:spcPts val="0"/>
-              </a:spcBef>
-              <a:spcAft>
-                <a:spcPts val="0"/>
-              </a:spcAft>
-            </a:defPPr>
-            <a:lvl1pPr marL="457200" marR="0" lvl="0" indent="-406400" algn="l" rtl="0">
-              <a:lnSpc>
-                <a:spcPct val="90000"/>
-              </a:lnSpc>
-              <a:spcBef>
-                <a:spcPts val="1000"/>
-              </a:spcBef>
-              <a:spcAft>
-                <a:spcPts val="0"/>
-              </a:spcAft>
-              <a:buClr>
-                <a:schemeClr val="dk1"/>
-              </a:buClr>
-              <a:buSzPts val="2800"/>
-              <a:buFont typeface="Arial"/>
-              <a:buChar char="•"/>
-              <a:defRPr sz="2800" b="0" i="0" u="none" strike="noStrike" cap="none">
-                <a:solidFill>
-                  <a:schemeClr val="dk1"/>
-                </a:solidFill>
-                <a:latin typeface="Calibri"/>
-                <a:ea typeface="Calibri"/>
-                <a:cs typeface="Calibri"/>
-                <a:sym typeface="Calibri"/>
-              </a:defRPr>
-            </a:lvl1pPr>
-            <a:lvl2pPr marL="914400" marR="0" lvl="1" indent="-381000" algn="l" rtl="0">
-              <a:lnSpc>
-                <a:spcPct val="90000"/>
-              </a:lnSpc>
-              <a:spcBef>
-                <a:spcPts val="500"/>
-              </a:spcBef>
-              <a:spcAft>
-                <a:spcPts val="0"/>
-              </a:spcAft>
-              <a:buClr>
-                <a:schemeClr val="dk1"/>
-              </a:buClr>
-              <a:buSzPts val="2400"/>
-              <a:buFont typeface="Arial"/>
-              <a:buChar char="•"/>
-              <a:defRPr sz="2400" b="0" i="0" u="none" strike="noStrike" cap="none">
-                <a:solidFill>
-                  <a:schemeClr val="dk1"/>
-                </a:solidFill>
-                <a:latin typeface="Calibri"/>
-                <a:ea typeface="Calibri"/>
-                <a:cs typeface="Calibri"/>
-                <a:sym typeface="Calibri"/>
-              </a:defRPr>
-            </a:lvl2pPr>
-            <a:lvl3pPr marL="1371600" marR="0" lvl="2" indent="-355600" algn="l" rtl="0">
-              <a:lnSpc>
-                <a:spcPct val="90000"/>
-              </a:lnSpc>
-              <a:spcBef>
-                <a:spcPts val="500"/>
-              </a:spcBef>
-              <a:spcAft>
-                <a:spcPts val="0"/>
-              </a:spcAft>
-              <a:buClr>
-                <a:schemeClr val="dk1"/>
-              </a:buClr>
-              <a:buSzPts val="2000"/>
-              <a:buFont typeface="Arial"/>
-              <a:buChar char="•"/>
-              <a:defRPr sz="2000" b="0" i="0" u="none" strike="noStrike" cap="none">
-                <a:solidFill>
-                  <a:schemeClr val="dk1"/>
-                </a:solidFill>
-                <a:latin typeface="Calibri"/>
-                <a:ea typeface="Calibri"/>
-                <a:cs typeface="Calibri"/>
-                <a:sym typeface="Calibri"/>
-              </a:defRPr>
-            </a:lvl3pPr>
-            <a:lvl4pPr marL="1828800" marR="0" lvl="3" indent="-342900" algn="l" rtl="0">
-              <a:lnSpc>
-                <a:spcPct val="90000"/>
-              </a:lnSpc>
-              <a:spcBef>
-                <a:spcPts val="500"/>
-              </a:spcBef>
-              <a:spcAft>
-                <a:spcPts val="0"/>
-              </a:spcAft>
-              <a:buClr>
-                <a:schemeClr val="dk1"/>
-              </a:buClr>
-              <a:buSzPts val="1800"/>
-              <a:buFont typeface="Arial"/>
-              <a:buChar char="•"/>
-              <a:defRPr sz="1800" b="0" i="0" u="none" strike="noStrike" cap="none">
-                <a:solidFill>
-                  <a:schemeClr val="dk1"/>
-                </a:solidFill>
-                <a:latin typeface="Calibri"/>
-                <a:ea typeface="Calibri"/>
-                <a:cs typeface="Calibri"/>
-                <a:sym typeface="Calibri"/>
-              </a:defRPr>
-            </a:lvl4pPr>
-            <a:lvl5pPr marL="2286000" marR="0" lvl="4" indent="-342900" algn="l" rtl="0">
-              <a:lnSpc>
-                <a:spcPct val="90000"/>
-              </a:lnSpc>
-              <a:spcBef>
-                <a:spcPts val="500"/>
-              </a:spcBef>
-              <a:spcAft>
-                <a:spcPts val="0"/>
-              </a:spcAft>
-              <a:buClr>
-                <a:schemeClr val="dk1"/>
-              </a:buClr>
-              <a:buSzPts val="1800"/>
-              <a:buFont typeface="Arial"/>
-              <a:buChar char="•"/>
-              <a:defRPr sz="1800" b="0" i="0" u="none" strike="noStrike" cap="none">
-                <a:solidFill>
-                  <a:schemeClr val="dk1"/>
-                </a:solidFill>
-                <a:latin typeface="Calibri"/>
-                <a:ea typeface="Calibri"/>
-                <a:cs typeface="Calibri"/>
-                <a:sym typeface="Calibri"/>
-              </a:defRPr>
-            </a:lvl5pPr>
-            <a:lvl6pPr marL="2743200" marR="0" lvl="5" indent="-342900" algn="l" rtl="0">
-              <a:lnSpc>
-                <a:spcPct val="90000"/>
-              </a:lnSpc>
-              <a:spcBef>
-                <a:spcPts val="500"/>
-              </a:spcBef>
-              <a:spcAft>
-                <a:spcPts val="0"/>
-              </a:spcAft>
-              <a:buClr>
-                <a:schemeClr val="dk1"/>
-              </a:buClr>
-              <a:buSzPts val="1800"/>
-              <a:buFont typeface="Arial"/>
-              <a:buChar char="•"/>
-              <a:defRPr sz="1800" b="0" i="0" u="none" strike="noStrike" cap="none">
-                <a:solidFill>
-                  <a:schemeClr val="dk1"/>
-                </a:solidFill>
-                <a:latin typeface="Calibri"/>
-                <a:ea typeface="Calibri"/>
-                <a:cs typeface="Calibri"/>
-                <a:sym typeface="Calibri"/>
-              </a:defRPr>
-            </a:lvl6pPr>
-            <a:lvl7pPr marL="3200400" marR="0" lvl="6" indent="-342900" algn="l" rtl="0">
-              <a:lnSpc>
-                <a:spcPct val="90000"/>
-              </a:lnSpc>
-              <a:spcBef>
-                <a:spcPts val="500"/>
-              </a:spcBef>
-              <a:spcAft>
-                <a:spcPts val="0"/>
-              </a:spcAft>
-              <a:buClr>
-                <a:schemeClr val="dk1"/>
-              </a:buClr>
-              <a:buSzPts val="1800"/>
-              <a:buFont typeface="Arial"/>
-              <a:buChar char="•"/>
-              <a:defRPr sz="1800" b="0" i="0" u="none" strike="noStrike" cap="none">
-                <a:solidFill>
-                  <a:schemeClr val="dk1"/>
-                </a:solidFill>
-                <a:latin typeface="Calibri"/>
-                <a:ea typeface="Calibri"/>
-                <a:cs typeface="Calibri"/>
-                <a:sym typeface="Calibri"/>
-              </a:defRPr>
-            </a:lvl7pPr>
-            <a:lvl8pPr marL="3657600" marR="0" lvl="7" indent="-342900" algn="l" rtl="0">
-              <a:lnSpc>
-                <a:spcPct val="90000"/>
-              </a:lnSpc>
-              <a:spcBef>
-                <a:spcPts val="500"/>
-              </a:spcBef>
-              <a:spcAft>
-                <a:spcPts val="0"/>
-              </a:spcAft>
-              <a:buClr>
-                <a:schemeClr val="dk1"/>
-              </a:buClr>
-              <a:buSzPts val="1800"/>
-              <a:buFont typeface="Arial"/>
-              <a:buChar char="•"/>
-              <a:defRPr sz="1800" b="0" i="0" u="none" strike="noStrike" cap="none">
-                <a:solidFill>
-                  <a:schemeClr val="dk1"/>
-                </a:solidFill>
-                <a:latin typeface="Calibri"/>
-                <a:ea typeface="Calibri"/>
-                <a:cs typeface="Calibri"/>
-                <a:sym typeface="Calibri"/>
-              </a:defRPr>
-            </a:lvl8pPr>
-            <a:lvl9pPr marL="4114800" marR="0" lvl="8" indent="-342900" algn="l" rtl="0">
-              <a:lnSpc>
-                <a:spcPct val="90000"/>
-              </a:lnSpc>
-              <a:spcBef>
-                <a:spcPts val="500"/>
-              </a:spcBef>
-              <a:spcAft>
-                <a:spcPts val="0"/>
-              </a:spcAft>
-              <a:buClr>
-                <a:schemeClr val="dk1"/>
-              </a:buClr>
-              <a:buSzPts val="1800"/>
-              <a:buFont typeface="Arial"/>
-              <a:buChar char="•"/>
-              <a:defRPr sz="1800" b="0" i="0" u="none" strike="noStrike" cap="none">
-                <a:solidFill>
-                  <a:schemeClr val="dk1"/>
-                </a:solidFill>
-                <a:latin typeface="Calibri"/>
-                <a:ea typeface="Calibri"/>
-                <a:cs typeface="Calibri"/>
-                <a:sym typeface="Calibri"/>
-              </a:defRPr>
-            </a:lvl9pPr>
-          </a:lstStyle>
-          <a:p>
-            <a:pPr marL="635000" indent="-457200">
-              <a:spcBef>
-                <a:spcPts val="0"/>
-              </a:spcBef>
-              <a:buFont typeface="Arial" panose="020B0604020202020204" pitchFamily="34" charset="0"/>
-              <a:buChar char="•"/>
-            </a:pPr>
-            <a:r>
-              <a:rPr lang="en-US" sz="2000" dirty="0">
                 <a:latin typeface="Calibri" panose="020F0502020204030204" pitchFamily="34" charset="0"/>
                 <a:cs typeface="Calibri" panose="020F0502020204030204" pitchFamily="34" charset="0"/>
               </a:rPr>
-              <a:t>A mock-up for structured and unstructured notebooks</a:t>
+              <a:t>Using competitive model structure to find the best </a:t>
             </a:r>
-          </a:p>
-          <a:p>
-            <a:pPr marL="635000" indent="-457200">
-              <a:spcBef>
-                <a:spcPts val="0"/>
-              </a:spcBef>
-              <a:buFont typeface="Arial" panose="020B0604020202020204" pitchFamily="34" charset="0"/>
-              <a:buChar char="•"/>
-            </a:pPr>
             <a:r>
-              <a:rPr lang="en-US" sz="2000" dirty="0">
+              <a:rPr lang="en-US" sz="2400">
+                <a:solidFill>
+                  <a:schemeClr val="accent6">
+                    <a:lumMod val="50000"/>
+                  </a:schemeClr>
+                </a:solidFill>
                 <a:latin typeface="Calibri" panose="020F0502020204030204" pitchFamily="34" charset="0"/>
                 <a:cs typeface="Calibri" panose="020F0502020204030204" pitchFamily="34" charset="0"/>
               </a:rPr>
-              <a:t>Using precision and recall rather than accuracy </a:t>
+              <a:t>machine learning </a:t>
+            </a:r>
+            <a:r>
+              <a:rPr lang="en-US" sz="2400" dirty="0">
+                <a:solidFill>
+                  <a:schemeClr val="accent6">
+                    <a:lumMod val="50000"/>
+                  </a:schemeClr>
+                </a:solidFill>
+                <a:latin typeface="Calibri" panose="020F0502020204030204" pitchFamily="34" charset="0"/>
+                <a:cs typeface="Calibri" panose="020F0502020204030204" pitchFamily="34" charset="0"/>
+              </a:rPr>
+              <a:t>model. Training on Costco locations to recommend where Costco should open a new location, specifically for hearing centers. Using precision and recall rather than accuracy to predict where they should have a hearing center but don’t.</a:t>
             </a:r>
           </a:p>
         </p:txBody>
@@ -41950,8 +41664,8 @@
         </p:nvSpPr>
         <p:spPr>
           <a:xfrm>
-            <a:off x="5949638" y="4565530"/>
-            <a:ext cx="5071288" cy="2018994"/>
+            <a:off x="4358023" y="4559539"/>
+            <a:ext cx="3499301" cy="2227341"/>
           </a:xfrm>
           <a:prstGeom prst="rect">
             <a:avLst/>
@@ -42213,47 +41927,446 @@
             </a:lvl9pPr>
           </a:lstStyle>
           <a:p>
-            <a:pPr marL="635000" lvl="0" indent="-457200" algn="l" rtl="0">
-              <a:lnSpc>
-                <a:spcPct val="90000"/>
-              </a:lnSpc>
-              <a:spcBef>
-                <a:spcPts val="0"/>
-              </a:spcBef>
-              <a:spcAft>
-                <a:spcPts val="0"/>
-              </a:spcAft>
-              <a:buClr>
-                <a:schemeClr val="dk1"/>
-              </a:buClr>
+            <a:pPr marL="177800" lvl="0" indent="0" algn="l" rtl="0">
+              <a:lnSpc>
+                <a:spcPct val="90000"/>
+              </a:lnSpc>
+              <a:spcBef>
+                <a:spcPts val="0"/>
+              </a:spcBef>
+              <a:spcAft>
+                <a:spcPts val="0"/>
+              </a:spcAft>
+              <a:buClr>
+                <a:schemeClr val="dk1"/>
+              </a:buClr>
+              <a:buSzPts val="2800"/>
+              <a:buNone/>
+            </a:pPr>
+            <a:r>
+              <a:rPr lang="en-US" sz="1900" dirty="0">
+                <a:latin typeface="Calibri" panose="020F0502020204030204" pitchFamily="34" charset="0"/>
+                <a:cs typeface="Calibri" panose="020F0502020204030204" pitchFamily="34" charset="0"/>
+              </a:rPr>
+              <a:t>Supervised Machine Learning:</a:t>
+            </a:r>
+          </a:p>
+          <a:p>
+            <a:pPr marL="177800" lvl="0" indent="0" algn="l" rtl="0">
+              <a:lnSpc>
+                <a:spcPct val="90000"/>
+              </a:lnSpc>
+              <a:spcBef>
+                <a:spcPts val="0"/>
+              </a:spcBef>
+              <a:spcAft>
+                <a:spcPts val="0"/>
+              </a:spcAft>
+              <a:buClr>
+                <a:schemeClr val="dk1"/>
+              </a:buClr>
+              <a:buSzPts val="2800"/>
+              <a:buNone/>
+            </a:pPr>
+            <a:r>
+              <a:rPr lang="en-US" sz="1900" i="1" u="sng" dirty="0">
+                <a:latin typeface="Calibri" panose="020F0502020204030204" pitchFamily="34" charset="0"/>
+                <a:cs typeface="Calibri" panose="020F0502020204030204" pitchFamily="34" charset="0"/>
+              </a:rPr>
+              <a:t>SMOTEENN</a:t>
+            </a:r>
+          </a:p>
+          <a:p>
+            <a:pPr marL="635000" indent="-457200">
+              <a:spcBef>
+                <a:spcPts val="0"/>
+              </a:spcBef>
+              <a:buFont typeface="Arial" panose="020B0604020202020204" pitchFamily="34" charset="0"/>
+              <a:buChar char="•"/>
+            </a:pPr>
+            <a:r>
+              <a:rPr lang="en-US" sz="1900" dirty="0">
+                <a:latin typeface="Calibri" panose="020F0502020204030204" pitchFamily="34" charset="0"/>
+                <a:cs typeface="Calibri" panose="020F0502020204030204" pitchFamily="34" charset="0"/>
+              </a:rPr>
+              <a:t>Chooses random points from training data-set to perform calculations (imbalanced classification) </a:t>
+            </a:r>
+            <a:endParaRPr lang="en-US" sz="2300" dirty="0">
+              <a:latin typeface="Calibri" panose="020F0502020204030204" pitchFamily="34" charset="0"/>
+              <a:cs typeface="Calibri" panose="020F0502020204030204" pitchFamily="34" charset="0"/>
+            </a:endParaRPr>
+          </a:p>
+          <a:p>
+            <a:pPr marL="1092200" lvl="1" indent="-457200">
+              <a:spcBef>
+                <a:spcPts val="0"/>
+              </a:spcBef>
               <a:buSzPts val="2800"/>
               <a:buFont typeface="Arial" panose="020B0604020202020204" pitchFamily="34" charset="0"/>
               <a:buChar char="•"/>
             </a:pPr>
             <a:r>
-              <a:rPr lang="en-US" sz="2000" dirty="0">
+              <a:rPr lang="en-US" sz="1600" dirty="0">
                 <a:latin typeface="Calibri" panose="020F0502020204030204" pitchFamily="34" charset="0"/>
                 <a:cs typeface="Calibri" panose="020F0502020204030204" pitchFamily="34" charset="0"/>
               </a:rPr>
-              <a:t>Using </a:t>
+              <a:t>Accuracy is</a:t>
             </a:r>
+          </a:p>
+          <a:p>
+            <a:pPr marL="177800" lvl="0" indent="0" algn="l" rtl="0">
+              <a:lnSpc>
+                <a:spcPct val="90000"/>
+              </a:lnSpc>
+              <a:spcBef>
+                <a:spcPts val="0"/>
+              </a:spcBef>
+              <a:spcAft>
+                <a:spcPts val="0"/>
+              </a:spcAft>
+              <a:buClr>
+                <a:schemeClr val="dk1"/>
+              </a:buClr>
+              <a:buSzPts val="2800"/>
+              <a:buNone/>
+            </a:pPr>
+            <a:endParaRPr lang="en-US" sz="1900" dirty="0">
+              <a:latin typeface="Calibri" panose="020F0502020204030204" pitchFamily="34" charset="0"/>
+              <a:cs typeface="Calibri" panose="020F0502020204030204" pitchFamily="34" charset="0"/>
+            </a:endParaRPr>
+          </a:p>
+        </p:txBody>
+      </p:sp>
+      <p:sp>
+        <p:nvSpPr>
+          <p:cNvPr id="5" name="Google Shape;245;p14">
+            <a:extLst>
+              <a:ext uri="{FF2B5EF4-FFF2-40B4-BE49-F238E27FC236}">
+                <a16:creationId xmlns:a16="http://schemas.microsoft.com/office/drawing/2014/main" id="{7C161DFA-049D-90F6-EA65-06C38C5C0860}"/>
+              </a:ext>
+            </a:extLst>
+          </p:cNvPr>
+          <p:cNvSpPr txBox="1">
+            <a:spLocks/>
+          </p:cNvSpPr>
+          <p:nvPr/>
+        </p:nvSpPr>
+        <p:spPr>
+          <a:xfrm>
+            <a:off x="244458" y="4510226"/>
+            <a:ext cx="4090219" cy="2276653"/>
+          </a:xfrm>
+          <a:prstGeom prst="rect">
+            <a:avLst/>
+          </a:prstGeom>
+          <a:noFill/>
+          <a:ln>
+            <a:noFill/>
+          </a:ln>
+        </p:spPr>
+        <p:txBody>
+          <a:bodyPr spcFirstLastPara="1" wrap="square" lIns="91425" tIns="45700" rIns="91425" bIns="45700" anchor="t" anchorCtr="0">
+            <a:noAutofit/>
+          </a:bodyPr>
+          <a:lstStyle>
+            <a:defPPr marR="0" lvl="0" algn="l" rtl="0">
+              <a:lnSpc>
+                <a:spcPct val="100000"/>
+              </a:lnSpc>
+              <a:spcBef>
+                <a:spcPts val="0"/>
+              </a:spcBef>
+              <a:spcAft>
+                <a:spcPts val="0"/>
+              </a:spcAft>
+            </a:defPPr>
+            <a:lvl1pPr marL="457200" marR="0" lvl="0" indent="-406400" algn="l" rtl="0">
+              <a:lnSpc>
+                <a:spcPct val="90000"/>
+              </a:lnSpc>
+              <a:spcBef>
+                <a:spcPts val="1000"/>
+              </a:spcBef>
+              <a:spcAft>
+                <a:spcPts val="0"/>
+              </a:spcAft>
+              <a:buClr>
+                <a:schemeClr val="dk1"/>
+              </a:buClr>
+              <a:buSzPts val="2800"/>
+              <a:buFont typeface="Arial"/>
+              <a:buChar char="•"/>
+              <a:defRPr sz="2800" b="0" i="0" u="none" strike="noStrike" cap="none">
+                <a:solidFill>
+                  <a:schemeClr val="dk1"/>
+                </a:solidFill>
+                <a:latin typeface="Calibri"/>
+                <a:ea typeface="Calibri"/>
+                <a:cs typeface="Calibri"/>
+                <a:sym typeface="Calibri"/>
+              </a:defRPr>
+            </a:lvl1pPr>
+            <a:lvl2pPr marL="914400" marR="0" lvl="1" indent="-381000" algn="l" rtl="0">
+              <a:lnSpc>
+                <a:spcPct val="90000"/>
+              </a:lnSpc>
+              <a:spcBef>
+                <a:spcPts val="500"/>
+              </a:spcBef>
+              <a:spcAft>
+                <a:spcPts val="0"/>
+              </a:spcAft>
+              <a:buClr>
+                <a:schemeClr val="dk1"/>
+              </a:buClr>
+              <a:buSzPts val="2400"/>
+              <a:buFont typeface="Arial"/>
+              <a:buChar char="•"/>
+              <a:defRPr sz="2400" b="0" i="0" u="none" strike="noStrike" cap="none">
+                <a:solidFill>
+                  <a:schemeClr val="dk1"/>
+                </a:solidFill>
+                <a:latin typeface="Calibri"/>
+                <a:ea typeface="Calibri"/>
+                <a:cs typeface="Calibri"/>
+                <a:sym typeface="Calibri"/>
+              </a:defRPr>
+            </a:lvl2pPr>
+            <a:lvl3pPr marL="1371600" marR="0" lvl="2" indent="-355600" algn="l" rtl="0">
+              <a:lnSpc>
+                <a:spcPct val="90000"/>
+              </a:lnSpc>
+              <a:spcBef>
+                <a:spcPts val="500"/>
+              </a:spcBef>
+              <a:spcAft>
+                <a:spcPts val="0"/>
+              </a:spcAft>
+              <a:buClr>
+                <a:schemeClr val="dk1"/>
+              </a:buClr>
+              <a:buSzPts val="2000"/>
+              <a:buFont typeface="Arial"/>
+              <a:buChar char="•"/>
+              <a:defRPr sz="2000" b="0" i="0" u="none" strike="noStrike" cap="none">
+                <a:solidFill>
+                  <a:schemeClr val="dk1"/>
+                </a:solidFill>
+                <a:latin typeface="Calibri"/>
+                <a:ea typeface="Calibri"/>
+                <a:cs typeface="Calibri"/>
+                <a:sym typeface="Calibri"/>
+              </a:defRPr>
+            </a:lvl3pPr>
+            <a:lvl4pPr marL="1828800" marR="0" lvl="3" indent="-342900" algn="l" rtl="0">
+              <a:lnSpc>
+                <a:spcPct val="90000"/>
+              </a:lnSpc>
+              <a:spcBef>
+                <a:spcPts val="500"/>
+              </a:spcBef>
+              <a:spcAft>
+                <a:spcPts val="0"/>
+              </a:spcAft>
+              <a:buClr>
+                <a:schemeClr val="dk1"/>
+              </a:buClr>
+              <a:buSzPts val="1800"/>
+              <a:buFont typeface="Arial"/>
+              <a:buChar char="•"/>
+              <a:defRPr sz="1800" b="0" i="0" u="none" strike="noStrike" cap="none">
+                <a:solidFill>
+                  <a:schemeClr val="dk1"/>
+                </a:solidFill>
+                <a:latin typeface="Calibri"/>
+                <a:ea typeface="Calibri"/>
+                <a:cs typeface="Calibri"/>
+                <a:sym typeface="Calibri"/>
+              </a:defRPr>
+            </a:lvl4pPr>
+            <a:lvl5pPr marL="2286000" marR="0" lvl="4" indent="-342900" algn="l" rtl="0">
+              <a:lnSpc>
+                <a:spcPct val="90000"/>
+              </a:lnSpc>
+              <a:spcBef>
+                <a:spcPts val="500"/>
+              </a:spcBef>
+              <a:spcAft>
+                <a:spcPts val="0"/>
+              </a:spcAft>
+              <a:buClr>
+                <a:schemeClr val="dk1"/>
+              </a:buClr>
+              <a:buSzPts val="1800"/>
+              <a:buFont typeface="Arial"/>
+              <a:buChar char="•"/>
+              <a:defRPr sz="1800" b="0" i="0" u="none" strike="noStrike" cap="none">
+                <a:solidFill>
+                  <a:schemeClr val="dk1"/>
+                </a:solidFill>
+                <a:latin typeface="Calibri"/>
+                <a:ea typeface="Calibri"/>
+                <a:cs typeface="Calibri"/>
+                <a:sym typeface="Calibri"/>
+              </a:defRPr>
+            </a:lvl5pPr>
+            <a:lvl6pPr marL="2743200" marR="0" lvl="5" indent="-342900" algn="l" rtl="0">
+              <a:lnSpc>
+                <a:spcPct val="90000"/>
+              </a:lnSpc>
+              <a:spcBef>
+                <a:spcPts val="500"/>
+              </a:spcBef>
+              <a:spcAft>
+                <a:spcPts val="0"/>
+              </a:spcAft>
+              <a:buClr>
+                <a:schemeClr val="dk1"/>
+              </a:buClr>
+              <a:buSzPts val="1800"/>
+              <a:buFont typeface="Arial"/>
+              <a:buChar char="•"/>
+              <a:defRPr sz="1800" b="0" i="0" u="none" strike="noStrike" cap="none">
+                <a:solidFill>
+                  <a:schemeClr val="dk1"/>
+                </a:solidFill>
+                <a:latin typeface="Calibri"/>
+                <a:ea typeface="Calibri"/>
+                <a:cs typeface="Calibri"/>
+                <a:sym typeface="Calibri"/>
+              </a:defRPr>
+            </a:lvl6pPr>
+            <a:lvl7pPr marL="3200400" marR="0" lvl="6" indent="-342900" algn="l" rtl="0">
+              <a:lnSpc>
+                <a:spcPct val="90000"/>
+              </a:lnSpc>
+              <a:spcBef>
+                <a:spcPts val="500"/>
+              </a:spcBef>
+              <a:spcAft>
+                <a:spcPts val="0"/>
+              </a:spcAft>
+              <a:buClr>
+                <a:schemeClr val="dk1"/>
+              </a:buClr>
+              <a:buSzPts val="1800"/>
+              <a:buFont typeface="Arial"/>
+              <a:buChar char="•"/>
+              <a:defRPr sz="1800" b="0" i="0" u="none" strike="noStrike" cap="none">
+                <a:solidFill>
+                  <a:schemeClr val="dk1"/>
+                </a:solidFill>
+                <a:latin typeface="Calibri"/>
+                <a:ea typeface="Calibri"/>
+                <a:cs typeface="Calibri"/>
+                <a:sym typeface="Calibri"/>
+              </a:defRPr>
+            </a:lvl7pPr>
+            <a:lvl8pPr marL="3657600" marR="0" lvl="7" indent="-342900" algn="l" rtl="0">
+              <a:lnSpc>
+                <a:spcPct val="90000"/>
+              </a:lnSpc>
+              <a:spcBef>
+                <a:spcPts val="500"/>
+              </a:spcBef>
+              <a:spcAft>
+                <a:spcPts val="0"/>
+              </a:spcAft>
+              <a:buClr>
+                <a:schemeClr val="dk1"/>
+              </a:buClr>
+              <a:buSzPts val="1800"/>
+              <a:buFont typeface="Arial"/>
+              <a:buChar char="•"/>
+              <a:defRPr sz="1800" b="0" i="0" u="none" strike="noStrike" cap="none">
+                <a:solidFill>
+                  <a:schemeClr val="dk1"/>
+                </a:solidFill>
+                <a:latin typeface="Calibri"/>
+                <a:ea typeface="Calibri"/>
+                <a:cs typeface="Calibri"/>
+                <a:sym typeface="Calibri"/>
+              </a:defRPr>
+            </a:lvl8pPr>
+            <a:lvl9pPr marL="4114800" marR="0" lvl="8" indent="-342900" algn="l" rtl="0">
+              <a:lnSpc>
+                <a:spcPct val="90000"/>
+              </a:lnSpc>
+              <a:spcBef>
+                <a:spcPts val="500"/>
+              </a:spcBef>
+              <a:spcAft>
+                <a:spcPts val="0"/>
+              </a:spcAft>
+              <a:buClr>
+                <a:schemeClr val="dk1"/>
+              </a:buClr>
+              <a:buSzPts val="1800"/>
+              <a:buFont typeface="Arial"/>
+              <a:buChar char="•"/>
+              <a:defRPr sz="1800" b="0" i="0" u="none" strike="noStrike" cap="none">
+                <a:solidFill>
+                  <a:schemeClr val="dk1"/>
+                </a:solidFill>
+                <a:latin typeface="Calibri"/>
+                <a:ea typeface="Calibri"/>
+                <a:cs typeface="Calibri"/>
+                <a:sym typeface="Calibri"/>
+              </a:defRPr>
+            </a:lvl9pPr>
+          </a:lstStyle>
+          <a:p>
+            <a:pPr marL="177800" lvl="0" indent="0" algn="l" rtl="0">
+              <a:lnSpc>
+                <a:spcPct val="90000"/>
+              </a:lnSpc>
+              <a:spcBef>
+                <a:spcPts val="0"/>
+              </a:spcBef>
+              <a:spcAft>
+                <a:spcPts val="0"/>
+              </a:spcAft>
+              <a:buClr>
+                <a:schemeClr val="dk1"/>
+              </a:buClr>
+              <a:buSzPts val="2800"/>
+              <a:buNone/>
+            </a:pPr>
             <a:r>
-              <a:rPr lang="en-US" sz="2000" dirty="0" err="1">
+              <a:rPr lang="en-US" sz="1900" dirty="0">
+                <a:latin typeface="Calibri" panose="020F0502020204030204" pitchFamily="34" charset="0"/>
+                <a:cs typeface="Calibri" panose="020F0502020204030204" pitchFamily="34" charset="0"/>
+              </a:rPr>
+              <a:t>Supervised Machine Learning:</a:t>
+            </a:r>
+          </a:p>
+          <a:p>
+            <a:pPr marL="177800" lvl="0" indent="0" algn="l" rtl="0">
+              <a:lnSpc>
+                <a:spcPct val="90000"/>
+              </a:lnSpc>
+              <a:spcBef>
+                <a:spcPts val="0"/>
+              </a:spcBef>
+              <a:spcAft>
+                <a:spcPts val="0"/>
+              </a:spcAft>
+              <a:buClr>
+                <a:schemeClr val="dk1"/>
+              </a:buClr>
+              <a:buSzPts val="2800"/>
+              <a:buNone/>
+            </a:pPr>
+            <a:r>
+              <a:rPr lang="en-US" sz="1900" i="1" u="sng" dirty="0">
                 <a:latin typeface="Calibri" panose="020F0502020204030204" pitchFamily="34" charset="0"/>
                 <a:cs typeface="Calibri" panose="020F0502020204030204" pitchFamily="34" charset="0"/>
               </a:rPr>
               <a:t>RandomForest</a:t>
             </a:r>
-            <a:r>
-              <a:rPr lang="en-US" sz="2000" dirty="0">
-                <a:latin typeface="Calibri" panose="020F0502020204030204" pitchFamily="34" charset="0"/>
-                <a:cs typeface="Calibri" panose="020F0502020204030204" pitchFamily="34" charset="0"/>
-              </a:rPr>
-              <a:t>, SMOTEENN, and Logistic Regression</a:t>
-            </a:r>
           </a:p>
           <a:p>
-            <a:pPr marL="635000" lvl="0" indent="-457200" algn="l" rtl="0">
+            <a:pPr marL="520700" lvl="0" indent="-342900" algn="l" rtl="0">
               <a:lnSpc>
                 <a:spcPct val="90000"/>
               </a:lnSpc>
@@ -42271,12 +42384,484 @@
               <a:buChar char="•"/>
             </a:pPr>
             <a:r>
-              <a:rPr lang="en-US" sz="2000" dirty="0">
+              <a:rPr lang="en-US" sz="1900" dirty="0">
                 <a:latin typeface="Calibri" panose="020F0502020204030204" pitchFamily="34" charset="0"/>
                 <a:cs typeface="Calibri" panose="020F0502020204030204" pitchFamily="34" charset="0"/>
               </a:rPr>
-              <a:t>Training on Costco locations</a:t>
+              <a:t>Builds decision trees on different samples</a:t>
             </a:r>
+          </a:p>
+          <a:p>
+            <a:pPr marL="520700" lvl="0" indent="-342900" algn="l" rtl="0">
+              <a:lnSpc>
+                <a:spcPct val="90000"/>
+              </a:lnSpc>
+              <a:spcBef>
+                <a:spcPts val="0"/>
+              </a:spcBef>
+              <a:spcAft>
+                <a:spcPts val="0"/>
+              </a:spcAft>
+              <a:buClr>
+                <a:schemeClr val="dk1"/>
+              </a:buClr>
+              <a:buSzPts val="2800"/>
+              <a:buFont typeface="Arial" panose="020B0604020202020204" pitchFamily="34" charset="0"/>
+              <a:buChar char="•"/>
+            </a:pPr>
+            <a:r>
+              <a:rPr lang="en-US" sz="1900" dirty="0">
+                <a:latin typeface="Calibri" panose="020F0502020204030204" pitchFamily="34" charset="0"/>
+                <a:cs typeface="Calibri" panose="020F0502020204030204" pitchFamily="34" charset="0"/>
+              </a:rPr>
+              <a:t>Calculates majority for classification</a:t>
+            </a:r>
+          </a:p>
+          <a:p>
+            <a:pPr marL="520700" lvl="0" indent="-342900" algn="l" rtl="0">
+              <a:lnSpc>
+                <a:spcPct val="90000"/>
+              </a:lnSpc>
+              <a:spcBef>
+                <a:spcPts val="0"/>
+              </a:spcBef>
+              <a:spcAft>
+                <a:spcPts val="0"/>
+              </a:spcAft>
+              <a:buClr>
+                <a:schemeClr val="dk1"/>
+              </a:buClr>
+              <a:buSzPts val="2800"/>
+              <a:buFont typeface="Arial" panose="020B0604020202020204" pitchFamily="34" charset="0"/>
+              <a:buChar char="•"/>
+            </a:pPr>
+            <a:r>
+              <a:rPr lang="en-US" sz="1900" dirty="0">
+                <a:latin typeface="Calibri" panose="020F0502020204030204" pitchFamily="34" charset="0"/>
+                <a:cs typeface="Calibri" panose="020F0502020204030204" pitchFamily="34" charset="0"/>
+              </a:rPr>
+              <a:t>Calculates average for regression</a:t>
+            </a:r>
+          </a:p>
+          <a:p>
+            <a:pPr marL="1092200" lvl="1" indent="-457200">
+              <a:spcBef>
+                <a:spcPts val="0"/>
+              </a:spcBef>
+              <a:buSzPts val="2800"/>
+              <a:buFont typeface="Arial" panose="020B0604020202020204" pitchFamily="34" charset="0"/>
+              <a:buChar char="•"/>
+            </a:pPr>
+            <a:r>
+              <a:rPr lang="en-US" sz="1600" dirty="0">
+                <a:latin typeface="Calibri" panose="020F0502020204030204" pitchFamily="34" charset="0"/>
+                <a:cs typeface="Calibri" panose="020F0502020204030204" pitchFamily="34" charset="0"/>
+              </a:rPr>
+              <a:t>Accuracy is </a:t>
+            </a:r>
+          </a:p>
+        </p:txBody>
+      </p:sp>
+      <p:sp>
+        <p:nvSpPr>
+          <p:cNvPr id="6" name="Google Shape;245;p14">
+            <a:extLst>
+              <a:ext uri="{FF2B5EF4-FFF2-40B4-BE49-F238E27FC236}">
+                <a16:creationId xmlns:a16="http://schemas.microsoft.com/office/drawing/2014/main" id="{556620CE-7115-9445-DA00-A0367CB6FCDD}"/>
+              </a:ext>
+            </a:extLst>
+          </p:cNvPr>
+          <p:cNvSpPr txBox="1">
+            <a:spLocks/>
+          </p:cNvSpPr>
+          <p:nvPr/>
+        </p:nvSpPr>
+        <p:spPr>
+          <a:xfrm>
+            <a:off x="7857324" y="4585208"/>
+            <a:ext cx="3822415" cy="2201672"/>
+          </a:xfrm>
+          <a:prstGeom prst="rect">
+            <a:avLst/>
+          </a:prstGeom>
+          <a:noFill/>
+          <a:ln>
+            <a:noFill/>
+          </a:ln>
+        </p:spPr>
+        <p:txBody>
+          <a:bodyPr spcFirstLastPara="1" wrap="square" lIns="91425" tIns="45700" rIns="91425" bIns="45700" anchor="t" anchorCtr="0">
+            <a:normAutofit/>
+          </a:bodyPr>
+          <a:lstStyle>
+            <a:defPPr marR="0" lvl="0" algn="l" rtl="0">
+              <a:lnSpc>
+                <a:spcPct val="100000"/>
+              </a:lnSpc>
+              <a:spcBef>
+                <a:spcPts val="0"/>
+              </a:spcBef>
+              <a:spcAft>
+                <a:spcPts val="0"/>
+              </a:spcAft>
+            </a:defPPr>
+            <a:lvl1pPr marL="457200" marR="0" lvl="0" indent="-406400" algn="l" rtl="0">
+              <a:lnSpc>
+                <a:spcPct val="90000"/>
+              </a:lnSpc>
+              <a:spcBef>
+                <a:spcPts val="1000"/>
+              </a:spcBef>
+              <a:spcAft>
+                <a:spcPts val="0"/>
+              </a:spcAft>
+              <a:buClr>
+                <a:schemeClr val="dk1"/>
+              </a:buClr>
+              <a:buSzPts val="2800"/>
+              <a:buFont typeface="Arial"/>
+              <a:buChar char="•"/>
+              <a:defRPr sz="2800" b="0" i="0" u="none" strike="noStrike" cap="none">
+                <a:solidFill>
+                  <a:schemeClr val="dk1"/>
+                </a:solidFill>
+                <a:latin typeface="Calibri"/>
+                <a:ea typeface="Calibri"/>
+                <a:cs typeface="Calibri"/>
+                <a:sym typeface="Calibri"/>
+              </a:defRPr>
+            </a:lvl1pPr>
+            <a:lvl2pPr marL="914400" marR="0" lvl="1" indent="-381000" algn="l" rtl="0">
+              <a:lnSpc>
+                <a:spcPct val="90000"/>
+              </a:lnSpc>
+              <a:spcBef>
+                <a:spcPts val="500"/>
+              </a:spcBef>
+              <a:spcAft>
+                <a:spcPts val="0"/>
+              </a:spcAft>
+              <a:buClr>
+                <a:schemeClr val="dk1"/>
+              </a:buClr>
+              <a:buSzPts val="2400"/>
+              <a:buFont typeface="Arial"/>
+              <a:buChar char="•"/>
+              <a:defRPr sz="2400" b="0" i="0" u="none" strike="noStrike" cap="none">
+                <a:solidFill>
+                  <a:schemeClr val="dk1"/>
+                </a:solidFill>
+                <a:latin typeface="Calibri"/>
+                <a:ea typeface="Calibri"/>
+                <a:cs typeface="Calibri"/>
+                <a:sym typeface="Calibri"/>
+              </a:defRPr>
+            </a:lvl2pPr>
+            <a:lvl3pPr marL="1371600" marR="0" lvl="2" indent="-355600" algn="l" rtl="0">
+              <a:lnSpc>
+                <a:spcPct val="90000"/>
+              </a:lnSpc>
+              <a:spcBef>
+                <a:spcPts val="500"/>
+              </a:spcBef>
+              <a:spcAft>
+                <a:spcPts val="0"/>
+              </a:spcAft>
+              <a:buClr>
+                <a:schemeClr val="dk1"/>
+              </a:buClr>
+              <a:buSzPts val="2000"/>
+              <a:buFont typeface="Arial"/>
+              <a:buChar char="•"/>
+              <a:defRPr sz="2000" b="0" i="0" u="none" strike="noStrike" cap="none">
+                <a:solidFill>
+                  <a:schemeClr val="dk1"/>
+                </a:solidFill>
+                <a:latin typeface="Calibri"/>
+                <a:ea typeface="Calibri"/>
+                <a:cs typeface="Calibri"/>
+                <a:sym typeface="Calibri"/>
+              </a:defRPr>
+            </a:lvl3pPr>
+            <a:lvl4pPr marL="1828800" marR="0" lvl="3" indent="-342900" algn="l" rtl="0">
+              <a:lnSpc>
+                <a:spcPct val="90000"/>
+              </a:lnSpc>
+              <a:spcBef>
+                <a:spcPts val="500"/>
+              </a:spcBef>
+              <a:spcAft>
+                <a:spcPts val="0"/>
+              </a:spcAft>
+              <a:buClr>
+                <a:schemeClr val="dk1"/>
+              </a:buClr>
+              <a:buSzPts val="1800"/>
+              <a:buFont typeface="Arial"/>
+              <a:buChar char="•"/>
+              <a:defRPr sz="1800" b="0" i="0" u="none" strike="noStrike" cap="none">
+                <a:solidFill>
+                  <a:schemeClr val="dk1"/>
+                </a:solidFill>
+                <a:latin typeface="Calibri"/>
+                <a:ea typeface="Calibri"/>
+                <a:cs typeface="Calibri"/>
+                <a:sym typeface="Calibri"/>
+              </a:defRPr>
+            </a:lvl4pPr>
+            <a:lvl5pPr marL="2286000" marR="0" lvl="4" indent="-342900" algn="l" rtl="0">
+              <a:lnSpc>
+                <a:spcPct val="90000"/>
+              </a:lnSpc>
+              <a:spcBef>
+                <a:spcPts val="500"/>
+              </a:spcBef>
+              <a:spcAft>
+                <a:spcPts val="0"/>
+              </a:spcAft>
+              <a:buClr>
+                <a:schemeClr val="dk1"/>
+              </a:buClr>
+              <a:buSzPts val="1800"/>
+              <a:buFont typeface="Arial"/>
+              <a:buChar char="•"/>
+              <a:defRPr sz="1800" b="0" i="0" u="none" strike="noStrike" cap="none">
+                <a:solidFill>
+                  <a:schemeClr val="dk1"/>
+                </a:solidFill>
+                <a:latin typeface="Calibri"/>
+                <a:ea typeface="Calibri"/>
+                <a:cs typeface="Calibri"/>
+                <a:sym typeface="Calibri"/>
+              </a:defRPr>
+            </a:lvl5pPr>
+            <a:lvl6pPr marL="2743200" marR="0" lvl="5" indent="-342900" algn="l" rtl="0">
+              <a:lnSpc>
+                <a:spcPct val="90000"/>
+              </a:lnSpc>
+              <a:spcBef>
+                <a:spcPts val="500"/>
+              </a:spcBef>
+              <a:spcAft>
+                <a:spcPts val="0"/>
+              </a:spcAft>
+              <a:buClr>
+                <a:schemeClr val="dk1"/>
+              </a:buClr>
+              <a:buSzPts val="1800"/>
+              <a:buFont typeface="Arial"/>
+              <a:buChar char="•"/>
+              <a:defRPr sz="1800" b="0" i="0" u="none" strike="noStrike" cap="none">
+                <a:solidFill>
+                  <a:schemeClr val="dk1"/>
+                </a:solidFill>
+                <a:latin typeface="Calibri"/>
+                <a:ea typeface="Calibri"/>
+                <a:cs typeface="Calibri"/>
+                <a:sym typeface="Calibri"/>
+              </a:defRPr>
+            </a:lvl6pPr>
+            <a:lvl7pPr marL="3200400" marR="0" lvl="6" indent="-342900" algn="l" rtl="0">
+              <a:lnSpc>
+                <a:spcPct val="90000"/>
+              </a:lnSpc>
+              <a:spcBef>
+                <a:spcPts val="500"/>
+              </a:spcBef>
+              <a:spcAft>
+                <a:spcPts val="0"/>
+              </a:spcAft>
+              <a:buClr>
+                <a:schemeClr val="dk1"/>
+              </a:buClr>
+              <a:buSzPts val="1800"/>
+              <a:buFont typeface="Arial"/>
+              <a:buChar char="•"/>
+              <a:defRPr sz="1800" b="0" i="0" u="none" strike="noStrike" cap="none">
+                <a:solidFill>
+                  <a:schemeClr val="dk1"/>
+                </a:solidFill>
+                <a:latin typeface="Calibri"/>
+                <a:ea typeface="Calibri"/>
+                <a:cs typeface="Calibri"/>
+                <a:sym typeface="Calibri"/>
+              </a:defRPr>
+            </a:lvl7pPr>
+            <a:lvl8pPr marL="3657600" marR="0" lvl="7" indent="-342900" algn="l" rtl="0">
+              <a:lnSpc>
+                <a:spcPct val="90000"/>
+              </a:lnSpc>
+              <a:spcBef>
+                <a:spcPts val="500"/>
+              </a:spcBef>
+              <a:spcAft>
+                <a:spcPts val="0"/>
+              </a:spcAft>
+              <a:buClr>
+                <a:schemeClr val="dk1"/>
+              </a:buClr>
+              <a:buSzPts val="1800"/>
+              <a:buFont typeface="Arial"/>
+              <a:buChar char="•"/>
+              <a:defRPr sz="1800" b="0" i="0" u="none" strike="noStrike" cap="none">
+                <a:solidFill>
+                  <a:schemeClr val="dk1"/>
+                </a:solidFill>
+                <a:latin typeface="Calibri"/>
+                <a:ea typeface="Calibri"/>
+                <a:cs typeface="Calibri"/>
+                <a:sym typeface="Calibri"/>
+              </a:defRPr>
+            </a:lvl8pPr>
+            <a:lvl9pPr marL="4114800" marR="0" lvl="8" indent="-342900" algn="l" rtl="0">
+              <a:lnSpc>
+                <a:spcPct val="90000"/>
+              </a:lnSpc>
+              <a:spcBef>
+                <a:spcPts val="500"/>
+              </a:spcBef>
+              <a:spcAft>
+                <a:spcPts val="0"/>
+              </a:spcAft>
+              <a:buClr>
+                <a:schemeClr val="dk1"/>
+              </a:buClr>
+              <a:buSzPts val="1800"/>
+              <a:buFont typeface="Arial"/>
+              <a:buChar char="•"/>
+              <a:defRPr sz="1800" b="0" i="0" u="none" strike="noStrike" cap="none">
+                <a:solidFill>
+                  <a:schemeClr val="dk1"/>
+                </a:solidFill>
+                <a:latin typeface="Calibri"/>
+                <a:ea typeface="Calibri"/>
+                <a:cs typeface="Calibri"/>
+                <a:sym typeface="Calibri"/>
+              </a:defRPr>
+            </a:lvl9pPr>
+          </a:lstStyle>
+          <a:p>
+            <a:pPr marL="177800" lvl="0" indent="0" algn="l" rtl="0">
+              <a:lnSpc>
+                <a:spcPct val="90000"/>
+              </a:lnSpc>
+              <a:spcBef>
+                <a:spcPts val="0"/>
+              </a:spcBef>
+              <a:spcAft>
+                <a:spcPts val="0"/>
+              </a:spcAft>
+              <a:buClr>
+                <a:schemeClr val="dk1"/>
+              </a:buClr>
+              <a:buSzPts val="2800"/>
+              <a:buNone/>
+            </a:pPr>
+            <a:r>
+              <a:rPr lang="en-US" sz="1900" dirty="0">
+                <a:latin typeface="Calibri" panose="020F0502020204030204" pitchFamily="34" charset="0"/>
+                <a:cs typeface="Calibri" panose="020F0502020204030204" pitchFamily="34" charset="0"/>
+              </a:rPr>
+              <a:t>Supervised Machine Learning:</a:t>
+            </a:r>
+          </a:p>
+          <a:p>
+            <a:pPr marL="177800" lvl="0" indent="0" algn="l" rtl="0">
+              <a:lnSpc>
+                <a:spcPct val="90000"/>
+              </a:lnSpc>
+              <a:spcBef>
+                <a:spcPts val="0"/>
+              </a:spcBef>
+              <a:spcAft>
+                <a:spcPts val="0"/>
+              </a:spcAft>
+              <a:buClr>
+                <a:schemeClr val="dk1"/>
+              </a:buClr>
+              <a:buSzPts val="2800"/>
+              <a:buNone/>
+            </a:pPr>
+            <a:r>
+              <a:rPr lang="en-US" sz="1900" i="1" u="sng" dirty="0">
+                <a:latin typeface="Calibri" panose="020F0502020204030204" pitchFamily="34" charset="0"/>
+                <a:cs typeface="Calibri" panose="020F0502020204030204" pitchFamily="34" charset="0"/>
+              </a:rPr>
+              <a:t>Logistic Regression</a:t>
+            </a:r>
+          </a:p>
+          <a:p>
+            <a:pPr marL="520700" lvl="0" indent="-342900" algn="l" rtl="0">
+              <a:lnSpc>
+                <a:spcPct val="90000"/>
+              </a:lnSpc>
+              <a:spcBef>
+                <a:spcPts val="0"/>
+              </a:spcBef>
+              <a:spcAft>
+                <a:spcPts val="0"/>
+              </a:spcAft>
+              <a:buClr>
+                <a:schemeClr val="dk1"/>
+              </a:buClr>
+              <a:buSzPts val="2800"/>
+              <a:buFont typeface="Arial" panose="020B0604020202020204" pitchFamily="34" charset="0"/>
+              <a:buChar char="•"/>
+            </a:pPr>
+            <a:r>
+              <a:rPr lang="en-US" sz="1900" dirty="0">
+                <a:latin typeface="Calibri" panose="020F0502020204030204" pitchFamily="34" charset="0"/>
+                <a:cs typeface="Calibri" panose="020F0502020204030204" pitchFamily="34" charset="0"/>
+              </a:rPr>
+              <a:t>Predicts probability of binary outcome, yes and no</a:t>
+            </a:r>
+          </a:p>
+          <a:p>
+            <a:pPr marL="520700" lvl="0" indent="-342900" algn="l" rtl="0">
+              <a:lnSpc>
+                <a:spcPct val="90000"/>
+              </a:lnSpc>
+              <a:spcBef>
+                <a:spcPts val="0"/>
+              </a:spcBef>
+              <a:spcAft>
+                <a:spcPts val="0"/>
+              </a:spcAft>
+              <a:buClr>
+                <a:schemeClr val="dk1"/>
+              </a:buClr>
+              <a:buSzPts val="2800"/>
+              <a:buFont typeface="Arial" panose="020B0604020202020204" pitchFamily="34" charset="0"/>
+              <a:buChar char="•"/>
+            </a:pPr>
+            <a:r>
+              <a:rPr lang="en-US" sz="1900" dirty="0">
+                <a:latin typeface="Calibri" panose="020F0502020204030204" pitchFamily="34" charset="0"/>
+                <a:cs typeface="Calibri" panose="020F0502020204030204" pitchFamily="34" charset="0"/>
+              </a:rPr>
+              <a:t>Observes a data set to find patterns to allow prediction</a:t>
+            </a:r>
+          </a:p>
+          <a:p>
+            <a:pPr marL="1092200" lvl="1" indent="-457200">
+              <a:spcBef>
+                <a:spcPts val="0"/>
+              </a:spcBef>
+              <a:buSzPts val="2800"/>
+              <a:buFont typeface="Arial" panose="020B0604020202020204" pitchFamily="34" charset="0"/>
+              <a:buChar char="•"/>
+            </a:pPr>
+            <a:r>
+              <a:rPr lang="en-US" sz="1600" dirty="0">
+                <a:latin typeface="Calibri" panose="020F0502020204030204" pitchFamily="34" charset="0"/>
+                <a:cs typeface="Calibri" panose="020F0502020204030204" pitchFamily="34" charset="0"/>
+              </a:rPr>
+              <a:t>Accuracy</a:t>
+            </a:r>
+            <a:endParaRPr lang="en-US" sz="1900" dirty="0">
+              <a:latin typeface="Calibri" panose="020F0502020204030204" pitchFamily="34" charset="0"/>
+              <a:cs typeface="Calibri" panose="020F0502020204030204" pitchFamily="34" charset="0"/>
+            </a:endParaRPr>
           </a:p>
         </p:txBody>
       </p:sp>

--- a/Presentation/FP_Powerpoint.pptx
+++ b/Presentation/FP_Powerpoint.pptx
@@ -290,7 +290,7 @@
 <file path=ppt/revisionInfo.xml><?xml version="1.0" encoding="utf-8"?>
 <p1510:revInfo xmlns:a="http://schemas.openxmlformats.org/drawingml/2006/main" xmlns:r="http://schemas.openxmlformats.org/officeDocument/2006/relationships" xmlns:p1510="http://schemas.microsoft.com/office/powerpoint/2015/10/main">
   <p1510:revLst>
-    <p1510:client id="{90109AE8-E557-4FA6-8C74-6762FB2FC51A}" v="24" dt="2022-11-03T12:21:11.453"/>
+    <p1510:client id="{90109AE8-E557-4FA6-8C74-6762FB2FC51A}" v="25" dt="2022-11-03T20:14:18.386"/>
   </p1510:revLst>
 </p1510:revInfo>
 </file>
@@ -300,7 +300,7 @@
   <pc:docChgLst>
     <pc:chgData name="Jacqueline Carver" userId="509607fbfe7c8838" providerId="LiveId" clId="{90109AE8-E557-4FA6-8C74-6762FB2FC51A}"/>
     <pc:docChg chg="undo redo custSel delSld modSld sldOrd">
-      <pc:chgData name="Jacqueline Carver" userId="509607fbfe7c8838" providerId="LiveId" clId="{90109AE8-E557-4FA6-8C74-6762FB2FC51A}" dt="2022-11-03T12:59:13.468" v="5611" actId="20577"/>
+      <pc:chgData name="Jacqueline Carver" userId="509607fbfe7c8838" providerId="LiveId" clId="{90109AE8-E557-4FA6-8C74-6762FB2FC51A}" dt="2022-11-03T20:18:30.981" v="5646" actId="120"/>
       <pc:docMkLst>
         <pc:docMk/>
       </pc:docMkLst>
@@ -360,7 +360,7 @@
         </pc:spChg>
       </pc:sldChg>
       <pc:sldChg chg="addSp delSp modSp mod">
-        <pc:chgData name="Jacqueline Carver" userId="509607fbfe7c8838" providerId="LiveId" clId="{90109AE8-E557-4FA6-8C74-6762FB2FC51A}" dt="2022-11-01T22:25:31.951" v="3042" actId="2711"/>
+        <pc:chgData name="Jacqueline Carver" userId="509607fbfe7c8838" providerId="LiveId" clId="{90109AE8-E557-4FA6-8C74-6762FB2FC51A}" dt="2022-11-03T20:16:08.748" v="5635" actId="20577"/>
         <pc:sldMkLst>
           <pc:docMk/>
           <pc:sldMk cId="0" sldId="258"/>
@@ -398,7 +398,7 @@
           </ac:spMkLst>
         </pc:spChg>
         <pc:spChg chg="mod">
-          <ac:chgData name="Jacqueline Carver" userId="509607fbfe7c8838" providerId="LiveId" clId="{90109AE8-E557-4FA6-8C74-6762FB2FC51A}" dt="2022-11-01T22:25:20.263" v="3040" actId="2711"/>
+          <ac:chgData name="Jacqueline Carver" userId="509607fbfe7c8838" providerId="LiveId" clId="{90109AE8-E557-4FA6-8C74-6762FB2FC51A}" dt="2022-11-03T20:16:08.748" v="5635" actId="20577"/>
           <ac:spMkLst>
             <pc:docMk/>
             <pc:sldMk cId="0" sldId="258"/>
@@ -447,7 +447,7 @@
         </pc:picChg>
       </pc:sldChg>
       <pc:sldChg chg="addSp delSp modSp mod">
-        <pc:chgData name="Jacqueline Carver" userId="509607fbfe7c8838" providerId="LiveId" clId="{90109AE8-E557-4FA6-8C74-6762FB2FC51A}" dt="2022-11-01T22:43:46.369" v="3288" actId="207"/>
+        <pc:chgData name="Jacqueline Carver" userId="509607fbfe7c8838" providerId="LiveId" clId="{90109AE8-E557-4FA6-8C74-6762FB2FC51A}" dt="2022-11-03T20:14:39.297" v="5615" actId="20577"/>
         <pc:sldMkLst>
           <pc:docMk/>
           <pc:sldMk cId="0" sldId="259"/>
@@ -461,7 +461,7 @@
           </ac:spMkLst>
         </pc:spChg>
         <pc:spChg chg="add mod">
-          <ac:chgData name="Jacqueline Carver" userId="509607fbfe7c8838" providerId="LiveId" clId="{90109AE8-E557-4FA6-8C74-6762FB2FC51A}" dt="2022-11-01T22:29:05.860" v="3262" actId="20577"/>
+          <ac:chgData name="Jacqueline Carver" userId="509607fbfe7c8838" providerId="LiveId" clId="{90109AE8-E557-4FA6-8C74-6762FB2FC51A}" dt="2022-11-03T20:14:39.297" v="5615" actId="20577"/>
           <ac:spMkLst>
             <pc:docMk/>
             <pc:sldMk cId="0" sldId="259"/>
@@ -502,7 +502,7 @@
         </pc:spChg>
       </pc:sldChg>
       <pc:sldChg chg="addSp delSp modSp mod">
-        <pc:chgData name="Jacqueline Carver" userId="509607fbfe7c8838" providerId="LiveId" clId="{90109AE8-E557-4FA6-8C74-6762FB2FC51A}" dt="2022-11-03T12:11:39.510" v="3568" actId="20577"/>
+        <pc:chgData name="Jacqueline Carver" userId="509607fbfe7c8838" providerId="LiveId" clId="{90109AE8-E557-4FA6-8C74-6762FB2FC51A}" dt="2022-11-03T20:15:56.924" v="5634" actId="20577"/>
         <pc:sldMkLst>
           <pc:docMk/>
           <pc:sldMk cId="0" sldId="260"/>
@@ -556,7 +556,7 @@
           </ac:spMkLst>
         </pc:spChg>
         <pc:spChg chg="mod">
-          <ac:chgData name="Jacqueline Carver" userId="509607fbfe7c8838" providerId="LiveId" clId="{90109AE8-E557-4FA6-8C74-6762FB2FC51A}" dt="2022-11-01T22:43:24.878" v="3286" actId="207"/>
+          <ac:chgData name="Jacqueline Carver" userId="509607fbfe7c8838" providerId="LiveId" clId="{90109AE8-E557-4FA6-8C74-6762FB2FC51A}" dt="2022-11-03T20:15:56.924" v="5634" actId="20577"/>
           <ac:spMkLst>
             <pc:docMk/>
             <pc:sldMk cId="0" sldId="260"/>
@@ -573,7 +573,7 @@
         </pc:spChg>
       </pc:sldChg>
       <pc:sldChg chg="addSp delSp modSp mod ord">
-        <pc:chgData name="Jacqueline Carver" userId="509607fbfe7c8838" providerId="LiveId" clId="{90109AE8-E557-4FA6-8C74-6762FB2FC51A}" dt="2022-11-03T12:59:13.468" v="5611" actId="20577"/>
+        <pc:chgData name="Jacqueline Carver" userId="509607fbfe7c8838" providerId="LiveId" clId="{90109AE8-E557-4FA6-8C74-6762FB2FC51A}" dt="2022-11-03T20:18:30.981" v="5646" actId="120"/>
         <pc:sldMkLst>
           <pc:docMk/>
           <pc:sldMk cId="0" sldId="261"/>
@@ -587,7 +587,7 @@
           </ac:spMkLst>
         </pc:spChg>
         <pc:spChg chg="add mod">
-          <ac:chgData name="Jacqueline Carver" userId="509607fbfe7c8838" providerId="LiveId" clId="{90109AE8-E557-4FA6-8C74-6762FB2FC51A}" dt="2022-11-03T12:59:13.468" v="5611" actId="20577"/>
+          <ac:chgData name="Jacqueline Carver" userId="509607fbfe7c8838" providerId="LiveId" clId="{90109AE8-E557-4FA6-8C74-6762FB2FC51A}" dt="2022-11-03T20:18:30.981" v="5646" actId="120"/>
           <ac:spMkLst>
             <pc:docMk/>
             <pc:sldMk cId="0" sldId="261"/>
@@ -36962,7 +36962,7 @@
                 <a:latin typeface="Calibri" panose="020F0502020204030204" pitchFamily="34" charset="0"/>
                 <a:cs typeface="Calibri" panose="020F0502020204030204" pitchFamily="34" charset="0"/>
               </a:rPr>
-              <a:t>Legislation recently passed regarding hearing aids that will impact a large percent of the population.</a:t>
+              <a:t>Legislation recently passed regarding hearing aids that will impact a large percent of the population</a:t>
             </a:r>
             <a:endParaRPr dirty="0">
               <a:solidFill>
@@ -39995,21 +39995,7 @@
                 <a:latin typeface="Calibri" panose="020F0502020204030204" pitchFamily="34" charset="0"/>
                 <a:cs typeface="Calibri" panose="020F0502020204030204" pitchFamily="34" charset="0"/>
               </a:rPr>
-              <a:t>Using Pandas, the Python library, in </a:t>
-            </a:r>
-            <a:r>
-              <a:rPr lang="en-US" sz="2000" dirty="0" err="1">
-                <a:latin typeface="Calibri" panose="020F0502020204030204" pitchFamily="34" charset="0"/>
-                <a:cs typeface="Calibri" panose="020F0502020204030204" pitchFamily="34" charset="0"/>
-              </a:rPr>
-              <a:t>jupyter</a:t>
-            </a:r>
-            <a:r>
-              <a:rPr lang="en-US" sz="2000" dirty="0">
-                <a:latin typeface="Calibri" panose="020F0502020204030204" pitchFamily="34" charset="0"/>
-                <a:cs typeface="Calibri" panose="020F0502020204030204" pitchFamily="34" charset="0"/>
-              </a:rPr>
-              <a:t> notebook</a:t>
+              <a:t>Using Pandas, the Python library, in Jupyter Notebook</a:t>
             </a:r>
           </a:p>
           <a:p>
@@ -40305,7 +40291,7 @@
                 <a:latin typeface="Calibri" panose="020F0502020204030204" pitchFamily="34" charset="0"/>
                 <a:cs typeface="Calibri" panose="020F0502020204030204" pitchFamily="34" charset="0"/>
               </a:rPr>
-              <a:t>S3 Bucket, an Amazon Web Service application</a:t>
+              <a:t>S3 Bucket, an Amazon Web Service application for data storage</a:t>
             </a:r>
           </a:p>
           <a:p>
@@ -41603,7 +41589,7 @@
             </a:lvl9pPr>
           </a:lstStyle>
           <a:p>
-            <a:pPr marL="177800" indent="0" algn="ctr">
+            <a:pPr marL="177800" indent="0">
               <a:spcBef>
                 <a:spcPts val="0"/>
               </a:spcBef>
@@ -41619,20 +41605,16 @@
                 <a:latin typeface="Calibri" panose="020F0502020204030204" pitchFamily="34" charset="0"/>
                 <a:cs typeface="Calibri" panose="020F0502020204030204" pitchFamily="34" charset="0"/>
               </a:rPr>
-              <a:t>Using competitive model structure to find the best </a:t>
+              <a:t>Using competitive model structure and training on Costco locations to recommend where Costco should open a new location, specifically for hearing centers. </a:t>
             </a:r>
-            <a:r>
-              <a:rPr lang="en-US" sz="2400">
-                <a:solidFill>
-                  <a:schemeClr val="accent6">
-                    <a:lumMod val="50000"/>
-                  </a:schemeClr>
-                </a:solidFill>
-                <a:latin typeface="Calibri" panose="020F0502020204030204" pitchFamily="34" charset="0"/>
-                <a:cs typeface="Calibri" panose="020F0502020204030204" pitchFamily="34" charset="0"/>
-              </a:rPr>
-              <a:t>machine learning </a:t>
-            </a:r>
+          </a:p>
+          <a:p>
+            <a:pPr marL="177800" indent="0">
+              <a:spcBef>
+                <a:spcPts val="0"/>
+              </a:spcBef>
+              <a:buNone/>
+            </a:pPr>
             <a:r>
               <a:rPr lang="en-US" sz="2400" dirty="0">
                 <a:solidFill>
@@ -41643,7 +41625,7 @@
                 <a:latin typeface="Calibri" panose="020F0502020204030204" pitchFamily="34" charset="0"/>
                 <a:cs typeface="Calibri" panose="020F0502020204030204" pitchFamily="34" charset="0"/>
               </a:rPr>
-              <a:t>model. Training on Costco locations to recommend where Costco should open a new location, specifically for hearing centers. Using precision and recall rather than accuracy to predict where they should have a hearing center but don’t.</a:t>
+              <a:t>Using precision and recall rather than accuracy to predict where they should have a hearing center but don’t.</a:t>
             </a:r>
           </a:p>
         </p:txBody>

--- a/Presentation/FP_Powerpoint.pptx
+++ b/Presentation/FP_Powerpoint.pptx
@@ -290,7 +290,7 @@
 <file path=ppt/revisionInfo.xml><?xml version="1.0" encoding="utf-8"?>
 <p1510:revInfo xmlns:a="http://schemas.openxmlformats.org/drawingml/2006/main" xmlns:r="http://schemas.openxmlformats.org/officeDocument/2006/relationships" xmlns:p1510="http://schemas.microsoft.com/office/powerpoint/2015/10/main">
   <p1510:revLst>
-    <p1510:client id="{90109AE8-E557-4FA6-8C74-6762FB2FC51A}" v="8" dt="2022-10-28T15:51:26.294"/>
+    <p1510:client id="{90109AE8-E557-4FA6-8C74-6762FB2FC51A}" v="25" dt="2022-11-03T20:14:18.386"/>
   </p1510:revLst>
 </p1510:revInfo>
 </file>
@@ -299,19 +299,51 @@
 <pc:chgInfo xmlns:a="http://schemas.openxmlformats.org/drawingml/2006/main" xmlns:r="http://schemas.openxmlformats.org/officeDocument/2006/relationships" xmlns:ac="http://schemas.microsoft.com/office/drawing/2013/main/command" xmlns:pc="http://schemas.microsoft.com/office/powerpoint/2013/main/command">
   <pc:docChgLst>
     <pc:chgData name="Jacqueline Carver" userId="509607fbfe7c8838" providerId="LiveId" clId="{90109AE8-E557-4FA6-8C74-6762FB2FC51A}"/>
-    <pc:docChg chg="undo redo custSel delSld modSld">
-      <pc:chgData name="Jacqueline Carver" userId="509607fbfe7c8838" providerId="LiveId" clId="{90109AE8-E557-4FA6-8C74-6762FB2FC51A}" dt="2022-10-28T15:51:53.281" v="1744" actId="1076"/>
+    <pc:docChg chg="undo redo custSel delSld modSld sldOrd">
+      <pc:chgData name="Jacqueline Carver" userId="509607fbfe7c8838" providerId="LiveId" clId="{90109AE8-E557-4FA6-8C74-6762FB2FC51A}" dt="2022-11-03T20:18:30.981" v="5646" actId="120"/>
       <pc:docMkLst>
         <pc:docMk/>
       </pc:docMkLst>
       <pc:sldChg chg="modSp mod">
-        <pc:chgData name="Jacqueline Carver" userId="509607fbfe7c8838" providerId="LiveId" clId="{90109AE8-E557-4FA6-8C74-6762FB2FC51A}" dt="2022-10-28T14:51:58.174" v="50" actId="20577"/>
+        <pc:chgData name="Jacqueline Carver" userId="509607fbfe7c8838" providerId="LiveId" clId="{90109AE8-E557-4FA6-8C74-6762FB2FC51A}" dt="2022-11-02T21:24:16.720" v="3389" actId="20577"/>
         <pc:sldMkLst>
           <pc:docMk/>
           <pc:sldMk cId="0" sldId="257"/>
         </pc:sldMkLst>
         <pc:spChg chg="mod">
-          <ac:chgData name="Jacqueline Carver" userId="509607fbfe7c8838" providerId="LiveId" clId="{90109AE8-E557-4FA6-8C74-6762FB2FC51A}" dt="2022-10-28T14:50:48.676" v="25" actId="20577"/>
+          <ac:chgData name="Jacqueline Carver" userId="509607fbfe7c8838" providerId="LiveId" clId="{90109AE8-E557-4FA6-8C74-6762FB2FC51A}" dt="2022-11-01T22:10:57.886" v="2794" actId="108"/>
+          <ac:spMkLst>
+            <pc:docMk/>
+            <pc:sldMk cId="0" sldId="257"/>
+            <ac:spMk id="200" creationId="{00000000-0000-0000-0000-000000000000}"/>
+          </ac:spMkLst>
+        </pc:spChg>
+        <pc:spChg chg="mod">
+          <ac:chgData name="Jacqueline Carver" userId="509607fbfe7c8838" providerId="LiveId" clId="{90109AE8-E557-4FA6-8C74-6762FB2FC51A}" dt="2022-11-01T20:18:26.405" v="2106" actId="1076"/>
+          <ac:spMkLst>
+            <pc:docMk/>
+            <pc:sldMk cId="0" sldId="257"/>
+            <ac:spMk id="201" creationId="{00000000-0000-0000-0000-000000000000}"/>
+          </ac:spMkLst>
+        </pc:spChg>
+        <pc:spChg chg="mod">
+          <ac:chgData name="Jacqueline Carver" userId="509607fbfe7c8838" providerId="LiveId" clId="{90109AE8-E557-4FA6-8C74-6762FB2FC51A}" dt="2022-11-01T20:15:39.071" v="2074"/>
+          <ac:spMkLst>
+            <pc:docMk/>
+            <pc:sldMk cId="0" sldId="257"/>
+            <ac:spMk id="202" creationId="{00000000-0000-0000-0000-000000000000}"/>
+          </ac:spMkLst>
+        </pc:spChg>
+        <pc:spChg chg="mod">
+          <ac:chgData name="Jacqueline Carver" userId="509607fbfe7c8838" providerId="LiveId" clId="{90109AE8-E557-4FA6-8C74-6762FB2FC51A}" dt="2022-11-01T20:14:18.262" v="2055" actId="20577"/>
+          <ac:spMkLst>
+            <pc:docMk/>
+            <pc:sldMk cId="0" sldId="257"/>
+            <ac:spMk id="203" creationId="{00000000-0000-0000-0000-000000000000}"/>
+          </ac:spMkLst>
+        </pc:spChg>
+        <pc:spChg chg="mod">
+          <ac:chgData name="Jacqueline Carver" userId="509607fbfe7c8838" providerId="LiveId" clId="{90109AE8-E557-4FA6-8C74-6762FB2FC51A}" dt="2022-11-01T22:11:13.251" v="2821" actId="20577"/>
           <ac:spMkLst>
             <pc:docMk/>
             <pc:sldMk cId="0" sldId="257"/>
@@ -319,7 +351,7 @@
           </ac:spMkLst>
         </pc:spChg>
         <pc:spChg chg="mod">
-          <ac:chgData name="Jacqueline Carver" userId="509607fbfe7c8838" providerId="LiveId" clId="{90109AE8-E557-4FA6-8C74-6762FB2FC51A}" dt="2022-10-28T14:51:58.174" v="50" actId="20577"/>
+          <ac:chgData name="Jacqueline Carver" userId="509607fbfe7c8838" providerId="LiveId" clId="{90109AE8-E557-4FA6-8C74-6762FB2FC51A}" dt="2022-11-02T21:24:16.720" v="3389" actId="20577"/>
           <ac:spMkLst>
             <pc:docMk/>
             <pc:sldMk cId="0" sldId="257"/>
@@ -328,13 +360,21 @@
         </pc:spChg>
       </pc:sldChg>
       <pc:sldChg chg="addSp delSp modSp mod">
-        <pc:chgData name="Jacqueline Carver" userId="509607fbfe7c8838" providerId="LiveId" clId="{90109AE8-E557-4FA6-8C74-6762FB2FC51A}" dt="2022-10-28T15:19:14.538" v="796" actId="207"/>
+        <pc:chgData name="Jacqueline Carver" userId="509607fbfe7c8838" providerId="LiveId" clId="{90109AE8-E557-4FA6-8C74-6762FB2FC51A}" dt="2022-11-03T20:16:08.748" v="5635" actId="20577"/>
         <pc:sldMkLst>
           <pc:docMk/>
           <pc:sldMk cId="0" sldId="258"/>
         </pc:sldMkLst>
         <pc:spChg chg="add mod">
-          <ac:chgData name="Jacqueline Carver" userId="509607fbfe7c8838" providerId="LiveId" clId="{90109AE8-E557-4FA6-8C74-6762FB2FC51A}" dt="2022-10-28T15:19:08.626" v="795" actId="207"/>
+          <ac:chgData name="Jacqueline Carver" userId="509607fbfe7c8838" providerId="LiveId" clId="{90109AE8-E557-4FA6-8C74-6762FB2FC51A}" dt="2022-11-01T22:25:26.024" v="3041" actId="2711"/>
+          <ac:spMkLst>
+            <pc:docMk/>
+            <pc:sldMk cId="0" sldId="258"/>
+            <ac:spMk id="2" creationId="{076E11CC-1B19-64B7-F1DC-E221DEA8BF3E}"/>
+          </ac:spMkLst>
+        </pc:spChg>
+        <pc:spChg chg="add mod">
+          <ac:chgData name="Jacqueline Carver" userId="509607fbfe7c8838" providerId="LiveId" clId="{90109AE8-E557-4FA6-8C74-6762FB2FC51A}" dt="2022-11-01T22:25:14.312" v="3039" actId="2711"/>
           <ac:spMkLst>
             <pc:docMk/>
             <pc:sldMk cId="0" sldId="258"/>
@@ -349,8 +389,8 @@
             <ac:spMk id="10" creationId="{055A6D67-D98A-F0C9-2936-1EBA5672ACBA}"/>
           </ac:spMkLst>
         </pc:spChg>
-        <pc:spChg chg="add mod">
-          <ac:chgData name="Jacqueline Carver" userId="509607fbfe7c8838" providerId="LiveId" clId="{90109AE8-E557-4FA6-8C74-6762FB2FC51A}" dt="2022-10-28T15:15:03.752" v="767" actId="20577"/>
+        <pc:spChg chg="add del mod">
+          <ac:chgData name="Jacqueline Carver" userId="509607fbfe7c8838" providerId="LiveId" clId="{90109AE8-E557-4FA6-8C74-6762FB2FC51A}" dt="2022-11-01T22:15:20.056" v="2870" actId="478"/>
           <ac:spMkLst>
             <pc:docMk/>
             <pc:sldMk cId="0" sldId="258"/>
@@ -358,7 +398,7 @@
           </ac:spMkLst>
         </pc:spChg>
         <pc:spChg chg="mod">
-          <ac:chgData name="Jacqueline Carver" userId="509607fbfe7c8838" providerId="LiveId" clId="{90109AE8-E557-4FA6-8C74-6762FB2FC51A}" dt="2022-10-28T15:19:14.538" v="796" actId="207"/>
+          <ac:chgData name="Jacqueline Carver" userId="509607fbfe7c8838" providerId="LiveId" clId="{90109AE8-E557-4FA6-8C74-6762FB2FC51A}" dt="2022-11-03T20:16:08.748" v="5635" actId="20577"/>
           <ac:spMkLst>
             <pc:docMk/>
             <pc:sldMk cId="0" sldId="258"/>
@@ -366,7 +406,7 @@
           </ac:spMkLst>
         </pc:spChg>
         <pc:spChg chg="mod">
-          <ac:chgData name="Jacqueline Carver" userId="509607fbfe7c8838" providerId="LiveId" clId="{90109AE8-E557-4FA6-8C74-6762FB2FC51A}" dt="2022-10-28T15:15:10.296" v="769" actId="5793"/>
+          <ac:chgData name="Jacqueline Carver" userId="509607fbfe7c8838" providerId="LiveId" clId="{90109AE8-E557-4FA6-8C74-6762FB2FC51A}" dt="2022-11-01T22:25:31.951" v="3042" actId="2711"/>
           <ac:spMkLst>
             <pc:docMk/>
             <pc:sldMk cId="0" sldId="258"/>
@@ -406,14 +446,14 @@
           </ac:picMkLst>
         </pc:picChg>
       </pc:sldChg>
-      <pc:sldChg chg="addSp modSp mod">
-        <pc:chgData name="Jacqueline Carver" userId="509607fbfe7c8838" providerId="LiveId" clId="{90109AE8-E557-4FA6-8C74-6762FB2FC51A}" dt="2022-10-28T15:36:23.136" v="1284" actId="20577"/>
+      <pc:sldChg chg="addSp delSp modSp mod">
+        <pc:chgData name="Jacqueline Carver" userId="509607fbfe7c8838" providerId="LiveId" clId="{90109AE8-E557-4FA6-8C74-6762FB2FC51A}" dt="2022-11-03T20:14:39.297" v="5615" actId="20577"/>
         <pc:sldMkLst>
           <pc:docMk/>
           <pc:sldMk cId="0" sldId="259"/>
         </pc:sldMkLst>
-        <pc:spChg chg="add mod">
-          <ac:chgData name="Jacqueline Carver" userId="509607fbfe7c8838" providerId="LiveId" clId="{90109AE8-E557-4FA6-8C74-6762FB2FC51A}" dt="2022-10-28T15:18:55.607" v="793" actId="207"/>
+        <pc:spChg chg="add del mod">
+          <ac:chgData name="Jacqueline Carver" userId="509607fbfe7c8838" providerId="LiveId" clId="{90109AE8-E557-4FA6-8C74-6762FB2FC51A}" dt="2022-11-01T22:11:35.189" v="2822" actId="478"/>
           <ac:spMkLst>
             <pc:docMk/>
             <pc:sldMk cId="0" sldId="259"/>
@@ -421,7 +461,7 @@
           </ac:spMkLst>
         </pc:spChg>
         <pc:spChg chg="add mod">
-          <ac:chgData name="Jacqueline Carver" userId="509607fbfe7c8838" providerId="LiveId" clId="{90109AE8-E557-4FA6-8C74-6762FB2FC51A}" dt="2022-10-28T15:31:33.275" v="1133" actId="14100"/>
+          <ac:chgData name="Jacqueline Carver" userId="509607fbfe7c8838" providerId="LiveId" clId="{90109AE8-E557-4FA6-8C74-6762FB2FC51A}" dt="2022-11-03T20:14:39.297" v="5615" actId="20577"/>
           <ac:spMkLst>
             <pc:docMk/>
             <pc:sldMk cId="0" sldId="259"/>
@@ -429,7 +469,7 @@
           </ac:spMkLst>
         </pc:spChg>
         <pc:spChg chg="add mod">
-          <ac:chgData name="Jacqueline Carver" userId="509607fbfe7c8838" providerId="LiveId" clId="{90109AE8-E557-4FA6-8C74-6762FB2FC51A}" dt="2022-10-28T15:36:23.136" v="1284" actId="20577"/>
+          <ac:chgData name="Jacqueline Carver" userId="509607fbfe7c8838" providerId="LiveId" clId="{90109AE8-E557-4FA6-8C74-6762FB2FC51A}" dt="2022-11-01T22:28:28.276" v="3188" actId="20577"/>
           <ac:spMkLst>
             <pc:docMk/>
             <pc:sldMk cId="0" sldId="259"/>
@@ -437,7 +477,15 @@
           </ac:spMkLst>
         </pc:spChg>
         <pc:spChg chg="mod">
-          <ac:chgData name="Jacqueline Carver" userId="509607fbfe7c8838" providerId="LiveId" clId="{90109AE8-E557-4FA6-8C74-6762FB2FC51A}" dt="2022-10-28T15:33:20.053" v="1138" actId="207"/>
+          <ac:chgData name="Jacqueline Carver" userId="509607fbfe7c8838" providerId="LiveId" clId="{90109AE8-E557-4FA6-8C74-6762FB2FC51A}" dt="2022-11-01T21:03:28.684" v="2748" actId="27636"/>
+          <ac:spMkLst>
+            <pc:docMk/>
+            <pc:sldMk cId="0" sldId="259"/>
+            <ac:spMk id="235" creationId="{00000000-0000-0000-0000-000000000000}"/>
+          </ac:spMkLst>
+        </pc:spChg>
+        <pc:spChg chg="mod">
+          <ac:chgData name="Jacqueline Carver" userId="509607fbfe7c8838" providerId="LiveId" clId="{90109AE8-E557-4FA6-8C74-6762FB2FC51A}" dt="2022-11-01T22:43:41.434" v="3287" actId="207"/>
           <ac:spMkLst>
             <pc:docMk/>
             <pc:sldMk cId="0" sldId="259"/>
@@ -445,7 +493,7 @@
           </ac:spMkLst>
         </pc:spChg>
         <pc:spChg chg="mod">
-          <ac:chgData name="Jacqueline Carver" userId="509607fbfe7c8838" providerId="LiveId" clId="{90109AE8-E557-4FA6-8C74-6762FB2FC51A}" dt="2022-10-28T15:33:25.184" v="1139" actId="207"/>
+          <ac:chgData name="Jacqueline Carver" userId="509607fbfe7c8838" providerId="LiveId" clId="{90109AE8-E557-4FA6-8C74-6762FB2FC51A}" dt="2022-11-01T22:43:46.369" v="3288" actId="207"/>
           <ac:spMkLst>
             <pc:docMk/>
             <pc:sldMk cId="0" sldId="259"/>
@@ -454,17 +502,25 @@
         </pc:spChg>
       </pc:sldChg>
       <pc:sldChg chg="addSp delSp modSp mod">
-        <pc:chgData name="Jacqueline Carver" userId="509607fbfe7c8838" providerId="LiveId" clId="{90109AE8-E557-4FA6-8C74-6762FB2FC51A}" dt="2022-10-28T15:51:53.281" v="1744" actId="1076"/>
+        <pc:chgData name="Jacqueline Carver" userId="509607fbfe7c8838" providerId="LiveId" clId="{90109AE8-E557-4FA6-8C74-6762FB2FC51A}" dt="2022-11-03T20:15:56.924" v="5634" actId="20577"/>
         <pc:sldMkLst>
           <pc:docMk/>
           <pc:sldMk cId="0" sldId="260"/>
         </pc:sldMkLst>
-        <pc:spChg chg="add mod">
-          <ac:chgData name="Jacqueline Carver" userId="509607fbfe7c8838" providerId="LiveId" clId="{90109AE8-E557-4FA6-8C74-6762FB2FC51A}" dt="2022-10-28T15:37:45.548" v="1311" actId="207"/>
+        <pc:spChg chg="add del mod">
+          <ac:chgData name="Jacqueline Carver" userId="509607fbfe7c8838" providerId="LiveId" clId="{90109AE8-E557-4FA6-8C74-6762FB2FC51A}" dt="2022-11-01T20:57:12.348" v="2682" actId="478"/>
           <ac:spMkLst>
             <pc:docMk/>
             <pc:sldMk cId="0" sldId="260"/>
             <ac:spMk id="2" creationId="{B775C4FD-D7C6-D70D-8742-1597D1982275}"/>
+          </ac:spMkLst>
+        </pc:spChg>
+        <pc:spChg chg="add mod">
+          <ac:chgData name="Jacqueline Carver" userId="509607fbfe7c8838" providerId="LiveId" clId="{90109AE8-E557-4FA6-8C74-6762FB2FC51A}" dt="2022-11-01T22:45:04.650" v="3349" actId="20577"/>
+          <ac:spMkLst>
+            <pc:docMk/>
+            <pc:sldMk cId="0" sldId="260"/>
+            <ac:spMk id="3" creationId="{7986D3D4-A0AF-21F3-579E-ED9916B19DFC}"/>
           </ac:spMkLst>
         </pc:spChg>
         <pc:spChg chg="add del mod">
@@ -476,15 +532,23 @@
           </ac:spMkLst>
         </pc:spChg>
         <pc:spChg chg="add mod">
-          <ac:chgData name="Jacqueline Carver" userId="509607fbfe7c8838" providerId="LiveId" clId="{90109AE8-E557-4FA6-8C74-6762FB2FC51A}" dt="2022-10-28T15:51:43.720" v="1741" actId="1076"/>
+          <ac:chgData name="Jacqueline Carver" userId="509607fbfe7c8838" providerId="LiveId" clId="{90109AE8-E557-4FA6-8C74-6762FB2FC51A}" dt="2022-11-03T12:11:39.510" v="3568" actId="20577"/>
           <ac:spMkLst>
             <pc:docMk/>
             <pc:sldMk cId="0" sldId="260"/>
             <ac:spMk id="4" creationId="{D2331EC8-9749-C98C-BA61-ADE43FDECBD8}"/>
           </ac:spMkLst>
         </pc:spChg>
+        <pc:spChg chg="add del mod">
+          <ac:chgData name="Jacqueline Carver" userId="509607fbfe7c8838" providerId="LiveId" clId="{90109AE8-E557-4FA6-8C74-6762FB2FC51A}" dt="2022-11-01T22:17:15.849" v="2894" actId="478"/>
+          <ac:spMkLst>
+            <pc:docMk/>
+            <pc:sldMk cId="0" sldId="260"/>
+            <ac:spMk id="6" creationId="{884F12DF-818D-73A7-F7D6-F2570EDFD36E}"/>
+          </ac:spMkLst>
+        </pc:spChg>
         <pc:spChg chg="mod">
-          <ac:chgData name="Jacqueline Carver" userId="509607fbfe7c8838" providerId="LiveId" clId="{90109AE8-E557-4FA6-8C74-6762FB2FC51A}" dt="2022-10-28T15:37:08.284" v="1285" actId="14100"/>
+          <ac:chgData name="Jacqueline Carver" userId="509607fbfe7c8838" providerId="LiveId" clId="{90109AE8-E557-4FA6-8C74-6762FB2FC51A}" dt="2022-11-01T22:16:12.826" v="2889" actId="20577"/>
           <ac:spMkLst>
             <pc:docMk/>
             <pc:sldMk cId="0" sldId="260"/>
@@ -492,19 +556,160 @@
           </ac:spMkLst>
         </pc:spChg>
         <pc:spChg chg="mod">
-          <ac:chgData name="Jacqueline Carver" userId="509607fbfe7c8838" providerId="LiveId" clId="{90109AE8-E557-4FA6-8C74-6762FB2FC51A}" dt="2022-10-28T15:41:15.824" v="1511" actId="20577"/>
+          <ac:chgData name="Jacqueline Carver" userId="509607fbfe7c8838" providerId="LiveId" clId="{90109AE8-E557-4FA6-8C74-6762FB2FC51A}" dt="2022-11-03T20:15:56.924" v="5634" actId="20577"/>
           <ac:spMkLst>
             <pc:docMk/>
             <pc:sldMk cId="0" sldId="260"/>
             <ac:spMk id="244" creationId="{00000000-0000-0000-0000-000000000000}"/>
           </ac:spMkLst>
         </pc:spChg>
-        <pc:spChg chg="mod">
-          <ac:chgData name="Jacqueline Carver" userId="509607fbfe7c8838" providerId="LiveId" clId="{90109AE8-E557-4FA6-8C74-6762FB2FC51A}" dt="2022-10-28T15:51:53.281" v="1744" actId="1076"/>
+        <pc:spChg chg="del mod">
+          <ac:chgData name="Jacqueline Carver" userId="509607fbfe7c8838" providerId="LiveId" clId="{90109AE8-E557-4FA6-8C74-6762FB2FC51A}" dt="2022-11-01T22:17:08.385" v="2892" actId="478"/>
           <ac:spMkLst>
             <pc:docMk/>
             <pc:sldMk cId="0" sldId="260"/>
             <ac:spMk id="245" creationId="{00000000-0000-0000-0000-000000000000}"/>
+          </ac:spMkLst>
+        </pc:spChg>
+      </pc:sldChg>
+      <pc:sldChg chg="addSp delSp modSp mod ord">
+        <pc:chgData name="Jacqueline Carver" userId="509607fbfe7c8838" providerId="LiveId" clId="{90109AE8-E557-4FA6-8C74-6762FB2FC51A}" dt="2022-11-03T20:18:30.981" v="5646" actId="120"/>
+        <pc:sldMkLst>
+          <pc:docMk/>
+          <pc:sldMk cId="0" sldId="261"/>
+        </pc:sldMkLst>
+        <pc:spChg chg="add del mod">
+          <ac:chgData name="Jacqueline Carver" userId="509607fbfe7c8838" providerId="LiveId" clId="{90109AE8-E557-4FA6-8C74-6762FB2FC51A}" dt="2022-11-03T12:20:35.365" v="3918" actId="478"/>
+          <ac:spMkLst>
+            <pc:docMk/>
+            <pc:sldMk cId="0" sldId="261"/>
+            <ac:spMk id="2" creationId="{D54E55B5-E688-C23C-E22C-7638A251563D}"/>
+          </ac:spMkLst>
+        </pc:spChg>
+        <pc:spChg chg="add mod">
+          <ac:chgData name="Jacqueline Carver" userId="509607fbfe7c8838" providerId="LiveId" clId="{90109AE8-E557-4FA6-8C74-6762FB2FC51A}" dt="2022-11-03T20:18:30.981" v="5646" actId="120"/>
+          <ac:spMkLst>
+            <pc:docMk/>
+            <pc:sldMk cId="0" sldId="261"/>
+            <ac:spMk id="3" creationId="{D9FEB6FC-E977-4B35-5C35-A2D5251294C5}"/>
+          </ac:spMkLst>
+        </pc:spChg>
+        <pc:spChg chg="add mod">
+          <ac:chgData name="Jacqueline Carver" userId="509607fbfe7c8838" providerId="LiveId" clId="{90109AE8-E557-4FA6-8C74-6762FB2FC51A}" dt="2022-11-03T12:55:47.708" v="5560" actId="14100"/>
+          <ac:spMkLst>
+            <pc:docMk/>
+            <pc:sldMk cId="0" sldId="261"/>
+            <ac:spMk id="4" creationId="{7781BCA2-71CC-92E7-186E-719F8EC2CBFB}"/>
+          </ac:spMkLst>
+        </pc:spChg>
+        <pc:spChg chg="add mod">
+          <ac:chgData name="Jacqueline Carver" userId="509607fbfe7c8838" providerId="LiveId" clId="{90109AE8-E557-4FA6-8C74-6762FB2FC51A}" dt="2022-11-03T12:55:52.007" v="5561" actId="14100"/>
+          <ac:spMkLst>
+            <pc:docMk/>
+            <pc:sldMk cId="0" sldId="261"/>
+            <ac:spMk id="5" creationId="{7C161DFA-049D-90F6-EA65-06C38C5C0860}"/>
+          </ac:spMkLst>
+        </pc:spChg>
+        <pc:spChg chg="add mod">
+          <ac:chgData name="Jacqueline Carver" userId="509607fbfe7c8838" providerId="LiveId" clId="{90109AE8-E557-4FA6-8C74-6762FB2FC51A}" dt="2022-11-03T12:53:53.175" v="5556" actId="1076"/>
+          <ac:spMkLst>
+            <pc:docMk/>
+            <pc:sldMk cId="0" sldId="261"/>
+            <ac:spMk id="6" creationId="{556620CE-7115-9445-DA00-A0367CB6FCDD}"/>
+          </ac:spMkLst>
+        </pc:spChg>
+        <pc:spChg chg="mod">
+          <ac:chgData name="Jacqueline Carver" userId="509607fbfe7c8838" providerId="LiveId" clId="{90109AE8-E557-4FA6-8C74-6762FB2FC51A}" dt="2022-11-01T22:12:07.775" v="2842" actId="20577"/>
+          <ac:spMkLst>
+            <pc:docMk/>
+            <pc:sldMk cId="0" sldId="261"/>
+            <ac:spMk id="251" creationId="{00000000-0000-0000-0000-000000000000}"/>
+          </ac:spMkLst>
+        </pc:spChg>
+        <pc:spChg chg="del">
+          <ac:chgData name="Jacqueline Carver" userId="509607fbfe7c8838" providerId="LiveId" clId="{90109AE8-E557-4FA6-8C74-6762FB2FC51A}" dt="2022-11-01T22:12:29.573" v="2844" actId="478"/>
+          <ac:spMkLst>
+            <pc:docMk/>
+            <pc:sldMk cId="0" sldId="261"/>
+            <ac:spMk id="252" creationId="{00000000-0000-0000-0000-000000000000}"/>
+          </ac:spMkLst>
+        </pc:spChg>
+        <pc:spChg chg="del">
+          <ac:chgData name="Jacqueline Carver" userId="509607fbfe7c8838" providerId="LiveId" clId="{90109AE8-E557-4FA6-8C74-6762FB2FC51A}" dt="2022-11-01T22:12:38.163" v="2846" actId="478"/>
+          <ac:spMkLst>
+            <pc:docMk/>
+            <pc:sldMk cId="0" sldId="261"/>
+            <ac:spMk id="253" creationId="{00000000-0000-0000-0000-000000000000}"/>
+          </ac:spMkLst>
+        </pc:spChg>
+      </pc:sldChg>
+      <pc:sldChg chg="addSp modSp mod">
+        <pc:chgData name="Jacqueline Carver" userId="509607fbfe7c8838" providerId="LiveId" clId="{90109AE8-E557-4FA6-8C74-6762FB2FC51A}" dt="2022-11-02T21:29:06.067" v="3427" actId="20577"/>
+        <pc:sldMkLst>
+          <pc:docMk/>
+          <pc:sldMk cId="0" sldId="262"/>
+        </pc:sldMkLst>
+        <pc:spChg chg="add mod">
+          <ac:chgData name="Jacqueline Carver" userId="509607fbfe7c8838" providerId="LiveId" clId="{90109AE8-E557-4FA6-8C74-6762FB2FC51A}" dt="2022-11-01T19:50:59.489" v="1761" actId="207"/>
+          <ac:spMkLst>
+            <pc:docMk/>
+            <pc:sldMk cId="0" sldId="262"/>
+            <ac:spMk id="2" creationId="{03C5B56E-BD6E-DC68-0B76-1A962C25CF6E}"/>
+          </ac:spMkLst>
+        </pc:spChg>
+        <pc:spChg chg="add mod">
+          <ac:chgData name="Jacqueline Carver" userId="509607fbfe7c8838" providerId="LiveId" clId="{90109AE8-E557-4FA6-8C74-6762FB2FC51A}" dt="2022-11-01T19:59:49.241" v="1994" actId="207"/>
+          <ac:spMkLst>
+            <pc:docMk/>
+            <pc:sldMk cId="0" sldId="262"/>
+            <ac:spMk id="3" creationId="{861E70B7-3D3B-A128-5599-D9392E7D9044}"/>
+          </ac:spMkLst>
+        </pc:spChg>
+        <pc:spChg chg="add mod">
+          <ac:chgData name="Jacqueline Carver" userId="509607fbfe7c8838" providerId="LiveId" clId="{90109AE8-E557-4FA6-8C74-6762FB2FC51A}" dt="2022-11-01T19:59:51.877" v="1995" actId="207"/>
+          <ac:spMkLst>
+            <pc:docMk/>
+            <pc:sldMk cId="0" sldId="262"/>
+            <ac:spMk id="4" creationId="{DB75041C-F3B4-D61D-0EE3-ED7D6D7805E7}"/>
+          </ac:spMkLst>
+        </pc:spChg>
+        <pc:spChg chg="mod">
+          <ac:chgData name="Jacqueline Carver" userId="509607fbfe7c8838" providerId="LiveId" clId="{90109AE8-E557-4FA6-8C74-6762FB2FC51A}" dt="2022-11-01T19:50:14.558" v="1745" actId="14100"/>
+          <ac:spMkLst>
+            <pc:docMk/>
+            <pc:sldMk cId="0" sldId="262"/>
+            <ac:spMk id="264" creationId="{00000000-0000-0000-0000-000000000000}"/>
+          </ac:spMkLst>
+        </pc:spChg>
+        <pc:spChg chg="mod">
+          <ac:chgData name="Jacqueline Carver" userId="509607fbfe7c8838" providerId="LiveId" clId="{90109AE8-E557-4FA6-8C74-6762FB2FC51A}" dt="2022-11-02T21:29:06.067" v="3427" actId="20577"/>
+          <ac:spMkLst>
+            <pc:docMk/>
+            <pc:sldMk cId="0" sldId="262"/>
+            <ac:spMk id="265" creationId="{00000000-0000-0000-0000-000000000000}"/>
+          </ac:spMkLst>
+        </pc:spChg>
+        <pc:spChg chg="mod">
+          <ac:chgData name="Jacqueline Carver" userId="509607fbfe7c8838" providerId="LiveId" clId="{90109AE8-E557-4FA6-8C74-6762FB2FC51A}" dt="2022-11-01T22:26:16.538" v="3050" actId="2711"/>
+          <ac:spMkLst>
+            <pc:docMk/>
+            <pc:sldMk cId="0" sldId="262"/>
+            <ac:spMk id="266" creationId="{00000000-0000-0000-0000-000000000000}"/>
+          </ac:spMkLst>
+        </pc:spChg>
+      </pc:sldChg>
+      <pc:sldChg chg="addSp modSp mod">
+        <pc:chgData name="Jacqueline Carver" userId="509607fbfe7c8838" providerId="LiveId" clId="{90109AE8-E557-4FA6-8C74-6762FB2FC51A}" dt="2022-11-01T22:39:45.358" v="3278" actId="1076"/>
+        <pc:sldMkLst>
+          <pc:docMk/>
+          <pc:sldMk cId="0" sldId="264"/>
+        </pc:sldMkLst>
+        <pc:spChg chg="add mod">
+          <ac:chgData name="Jacqueline Carver" userId="509607fbfe7c8838" providerId="LiveId" clId="{90109AE8-E557-4FA6-8C74-6762FB2FC51A}" dt="2022-11-01T22:39:45.358" v="3278" actId="1076"/>
+          <ac:spMkLst>
+            <pc:docMk/>
+            <pc:sldMk cId="0" sldId="264"/>
+            <ac:spMk id="2" creationId="{BB004DDD-7EB0-D44E-8D0D-43DDE684A078}"/>
           </ac:spMkLst>
         </pc:spChg>
       </pc:sldChg>
@@ -31531,27 +31736,17 @@
           </a:bodyPr>
           <a:lstStyle/>
           <a:p>
-            <a:pPr marL="0" lvl="0" indent="0" algn="ctr" rtl="0">
-              <a:lnSpc>
-                <a:spcPct val="90000"/>
-              </a:lnSpc>
-              <a:spcBef>
-                <a:spcPts val="0"/>
-              </a:spcBef>
-              <a:spcAft>
-                <a:spcPts val="0"/>
-              </a:spcAft>
-              <a:buClr>
-                <a:schemeClr val="dk1"/>
-              </a:buClr>
+            <a:pPr marL="0" indent="0">
+              <a:spcBef>
+                <a:spcPts val="0"/>
+              </a:spcBef>
               <a:buSzPts val="1400"/>
-              <a:buNone/>
             </a:pPr>
             <a:r>
-              <a:rPr lang="en-US" sz="1400"/>
-              <a:t>Data &amp; Preprocessing</a:t>
+              <a:rPr lang="en-US" sz="1400" dirty="0"/>
+              <a:t>Exploratory Data Analysis</a:t>
             </a:r>
-            <a:endParaRPr/>
+            <a:endParaRPr sz="1400" dirty="0"/>
           </a:p>
         </p:txBody>
       </p:sp>
@@ -31567,8 +31762,8 @@
         </p:nvSpPr>
         <p:spPr>
           <a:xfrm>
-            <a:off x="4327063" y="829215"/>
-            <a:ext cx="1362615" cy="500684"/>
+            <a:off x="4337002" y="939523"/>
+            <a:ext cx="1362615" cy="280417"/>
           </a:xfrm>
           <a:prstGeom prst="rect">
             <a:avLst/>
@@ -31601,10 +31796,10 @@
               <a:buNone/>
             </a:pPr>
             <a:r>
-              <a:rPr lang="en-US" sz="1400"/>
-              <a:t>Machine Learning</a:t>
+              <a:rPr lang="en-US" sz="1400" dirty="0"/>
+              <a:t>Data Storage</a:t>
             </a:r>
-            <a:endParaRPr/>
+            <a:endParaRPr dirty="0"/>
           </a:p>
         </p:txBody>
       </p:sp>
@@ -31654,10 +31849,9 @@
               <a:buNone/>
             </a:pPr>
             <a:r>
-              <a:rPr lang="en-US" sz="1400"/>
-              <a:t>Charts, Graphs, Maps</a:t>
+              <a:rPr lang="en-US" sz="1400" dirty="0"/>
+              <a:t>Machine Learning</a:t>
             </a:r>
-            <a:endParaRPr/>
           </a:p>
         </p:txBody>
       </p:sp>
@@ -31707,10 +31901,10 @@
               <a:buNone/>
             </a:pPr>
             <a:r>
-              <a:rPr lang="en-US" sz="1400"/>
+              <a:rPr lang="en-US" sz="1400" dirty="0"/>
               <a:t>Visualization</a:t>
             </a:r>
-            <a:endParaRPr/>
+            <a:endParaRPr dirty="0"/>
           </a:p>
         </p:txBody>
       </p:sp>
@@ -31815,7 +32009,7 @@
         </p:spPr>
         <p:txBody>
           <a:bodyPr spcFirstLastPara="1" wrap="square" lIns="91425" tIns="45700" rIns="91425" bIns="45700" anchor="t" anchorCtr="0">
-            <a:normAutofit fontScale="92500" lnSpcReduction="20000"/>
+            <a:normAutofit fontScale="92500" lnSpcReduction="10000"/>
           </a:bodyPr>
           <a:lstStyle/>
           <a:p>
@@ -31900,7 +32094,7 @@
                   <a:srgbClr val="D09E00"/>
                 </a:solidFill>
               </a:rPr>
-              <a:t>Data &amp; Preprocessing: </a:t>
+              <a:t>Exploratory Data Analysis: </a:t>
             </a:r>
             <a:endParaRPr dirty="0"/>
           </a:p>
@@ -31923,28 +32117,8 @@
             </a:pPr>
             <a:r>
               <a:rPr lang="en-US" sz="1600" dirty="0"/>
-              <a:t>AWS S3 Bucket: data files, notebooks/script files,</a:t>
+              <a:t>US Census Data, Kaggle, and Costco website</a:t>
             </a:r>
-            <a:endParaRPr sz="1600" dirty="0"/>
-          </a:p>
-          <a:p>
-            <a:pPr marL="0" lvl="0" indent="0" algn="l" rtl="0">
-              <a:lnSpc>
-                <a:spcPct val="90000"/>
-              </a:lnSpc>
-              <a:spcBef>
-                <a:spcPts val="500"/>
-              </a:spcBef>
-              <a:spcAft>
-                <a:spcPts val="0"/>
-              </a:spcAft>
-              <a:buNone/>
-            </a:pPr>
-            <a:r>
-              <a:rPr lang="en-US" sz="1600" dirty="0"/>
-              <a:t>	      images, Readme, presentation</a:t>
-            </a:r>
-            <a:endParaRPr sz="1600" dirty="0"/>
           </a:p>
           <a:p>
             <a:pPr marL="685800" lvl="1" indent="-228600" algn="l" rtl="0">
@@ -31964,12 +32138,8 @@
               <a:buChar char="•"/>
             </a:pPr>
             <a:r>
-              <a:rPr lang="en-US" sz="1600" dirty="0" err="1"/>
-              <a:t>Jupyter</a:t>
-            </a:r>
-            <a:r>
               <a:rPr lang="en-US" sz="1600" dirty="0"/>
-              <a:t> notebook: preprocessing and merging data</a:t>
+              <a:t>Jupyter notebook &amp; Excel: preprocessing and merging data</a:t>
             </a:r>
             <a:endParaRPr dirty="0"/>
           </a:p>
@@ -31996,7 +32166,7 @@
                   <a:srgbClr val="C55A11"/>
                 </a:solidFill>
               </a:rPr>
-              <a:t>Machine Learning: </a:t>
+              <a:t>Data Storage: </a:t>
             </a:r>
             <a:endParaRPr dirty="0"/>
           </a:p>
@@ -32018,25 +32188,12 @@
               <a:buChar char="•"/>
             </a:pPr>
             <a:r>
-              <a:rPr lang="en-US" sz="1600" dirty="0" err="1"/>
-              <a:t>Jupyter</a:t>
+              <a:rPr lang="en-US" sz="1600" dirty="0"/>
+              <a:t>AWS S3 Bucket: data files, notebooks/script files,</a:t>
             </a:r>
-            <a:r>
-              <a:rPr lang="en-US" sz="1600" dirty="0"/>
-              <a:t> notebook &amp; linear regression/</a:t>
-            </a:r>
-            <a:r>
-              <a:rPr lang="en-US" sz="1600" dirty="0" err="1"/>
-              <a:t>RandomForest</a:t>
-            </a:r>
-            <a:r>
-              <a:rPr lang="en-US" sz="1600" dirty="0"/>
-              <a:t>, </a:t>
-            </a:r>
-            <a:endParaRPr sz="1600" dirty="0"/>
           </a:p>
           <a:p>
-            <a:pPr marL="685800" lvl="0" indent="0" algn="l" rtl="0">
+            <a:pPr marL="457200" lvl="1" indent="0" algn="l" rtl="0">
               <a:lnSpc>
                 <a:spcPct val="90000"/>
               </a:lnSpc>
@@ -32046,13 +32203,16 @@
               <a:spcAft>
                 <a:spcPts val="0"/>
               </a:spcAft>
+              <a:buClr>
+                <a:schemeClr val="lt1"/>
+              </a:buClr>
+              <a:buSzPct val="100000"/>
               <a:buNone/>
             </a:pPr>
             <a:r>
               <a:rPr lang="en-US" sz="1600" dirty="0"/>
-              <a:t>K-means</a:t>
+              <a:t>      images, Readme, presentation</a:t>
             </a:r>
-            <a:endParaRPr sz="1600" dirty="0"/>
           </a:p>
         </p:txBody>
       </p:sp>
@@ -32081,7 +32241,7 @@
         </p:spPr>
         <p:txBody>
           <a:bodyPr spcFirstLastPara="1" wrap="square" lIns="91425" tIns="45700" rIns="91425" bIns="45700" anchor="t" anchorCtr="0">
-            <a:normAutofit fontScale="92500" lnSpcReduction="10000"/>
+            <a:normAutofit fontScale="92500" lnSpcReduction="20000"/>
           </a:bodyPr>
           <a:lstStyle/>
           <a:p>
@@ -32107,12 +32267,12 @@
                   <a:srgbClr val="A8D08C"/>
                 </a:solidFill>
               </a:rPr>
-              <a:t>Charts, Graphs, Maps:</a:t>
+              <a:t>Machine Learning:</a:t>
             </a:r>
             <a:endParaRPr sz="2000" dirty="0"/>
           </a:p>
           <a:p>
-            <a:pPr marL="685800" lvl="1" indent="-220979" algn="l" rtl="0">
+            <a:pPr marL="685800" lvl="1" indent="-228600" algn="l" rtl="0">
               <a:lnSpc>
                 <a:spcPct val="90000"/>
               </a:lnSpc>
@@ -32130,12 +32290,11 @@
             </a:pPr>
             <a:r>
               <a:rPr lang="en-US" sz="1600" dirty="0"/>
-              <a:t>Decide on visuals to tell our story</a:t>
+              <a:t>Linear Regression, SMOTEENN, and RandomForest </a:t>
             </a:r>
-            <a:endParaRPr dirty="0"/>
           </a:p>
           <a:p>
-            <a:pPr marL="685800" lvl="1" indent="-134619" algn="l" rtl="0">
+            <a:pPr marL="685800" lvl="1" indent="-228600" algn="l" rtl="0">
               <a:lnSpc>
                 <a:spcPct val="90000"/>
               </a:lnSpc>
@@ -32149,8 +32308,12 @@
                 <a:schemeClr val="lt1"/>
               </a:buClr>
               <a:buSzPct val="100000"/>
-              <a:buNone/>
+              <a:buChar char="•"/>
             </a:pPr>
+            <a:r>
+              <a:rPr lang="en-US" sz="1600" dirty="0"/>
+              <a:t>Using Jupyter Notebook and Google Collab</a:t>
+            </a:r>
             <a:endParaRPr sz="1600" dirty="0"/>
           </a:p>
           <a:p>
@@ -32201,7 +32364,16 @@
               <a:rPr lang="en-US" sz="1600" dirty="0"/>
               <a:t>Create a website using JavaScript &amp; Html files</a:t>
             </a:r>
-            <a:endParaRPr dirty="0"/>
+          </a:p>
+          <a:p>
+            <a:pPr marL="685800" lvl="1" indent="-220979">
+              <a:buSzPct val="100000"/>
+            </a:pPr>
+            <a:r>
+              <a:rPr lang="en-US" sz="1600" dirty="0"/>
+              <a:t>Charts, Graphs, Maps</a:t>
+            </a:r>
+            <a:endParaRPr sz="1600" dirty="0"/>
           </a:p>
           <a:p>
             <a:pPr marL="457200" lvl="1" indent="0" algn="l" rtl="0">
@@ -32250,31 +32422,20 @@
             <a:endParaRPr dirty="0"/>
           </a:p>
           <a:p>
-            <a:pPr marL="685800" lvl="1" indent="-220979" algn="l" rtl="0">
-              <a:lnSpc>
-                <a:spcPct val="100000"/>
-              </a:lnSpc>
-              <a:spcBef>
-                <a:spcPts val="0"/>
-              </a:spcBef>
-              <a:spcAft>
-                <a:spcPts val="0"/>
-              </a:spcAft>
-              <a:buClr>
-                <a:schemeClr val="lt1"/>
-              </a:buClr>
+            <a:pPr marL="685800" lvl="1" indent="-220979">
               <a:buSzPct val="100000"/>
-              <a:buChar char="•"/>
             </a:pPr>
             <a:r>
-              <a:rPr lang="en-US" sz="1600" b="0" i="0" dirty="0">
-                <a:latin typeface="Lato"/>
-                <a:ea typeface="Lato"/>
-                <a:cs typeface="Lato"/>
+              <a:rPr lang="en-US" sz="1600" dirty="0">
                 <a:sym typeface="Lato"/>
               </a:rPr>
               <a:t>Did we address our question by finding opportunities for Costco to open new stores?  </a:t>
             </a:r>
+          </a:p>
+          <a:p>
+            <a:pPr marL="685800" lvl="1" indent="-220979">
+              <a:buSzPct val="100000"/>
+            </a:pPr>
             <a:r>
               <a:rPr lang="en-US" sz="1600" dirty="0"/>
               <a:t>Did we find new locations to consider?</a:t>
@@ -32282,25 +32443,12 @@
             <a:endParaRPr sz="1600" dirty="0"/>
           </a:p>
           <a:p>
-            <a:pPr marL="685800" lvl="1" indent="-220979" algn="l" rtl="0">
-              <a:lnSpc>
-                <a:spcPct val="100000"/>
-              </a:lnSpc>
-              <a:spcBef>
-                <a:spcPts val="0"/>
-              </a:spcBef>
-              <a:spcAft>
-                <a:spcPts val="0"/>
-              </a:spcAft>
-              <a:buClr>
-                <a:schemeClr val="lt1"/>
-              </a:buClr>
+            <a:pPr marL="685800" lvl="1" indent="-220979">
               <a:buSzPct val="100000"/>
-              <a:buChar char="•"/>
             </a:pPr>
             <a:r>
               <a:rPr lang="en-US" sz="1600" dirty="0"/>
-              <a:t>What could we do to better evaluate the data</a:t>
+              <a:t>What could we do to better evaluate the data?</a:t>
             </a:r>
             <a:endParaRPr sz="1600" dirty="0"/>
           </a:p>
@@ -36770,7 +36918,7 @@
         </p:nvSpPr>
         <p:spPr>
           <a:xfrm>
-            <a:off x="755650" y="3198481"/>
+            <a:off x="755649" y="3057132"/>
             <a:ext cx="10666329" cy="906011"/>
           </a:xfrm>
           <a:prstGeom prst="rect">
@@ -36811,9 +36959,10 @@
                   </a:schemeClr>
                 </a:solidFill>
                 <a:effectLst/>
-                <a:latin typeface="-apple-system"/>
+                <a:latin typeface="Calibri" panose="020F0502020204030204" pitchFamily="34" charset="0"/>
+                <a:cs typeface="Calibri" panose="020F0502020204030204" pitchFamily="34" charset="0"/>
               </a:rPr>
-              <a:t>Legislation recently passed regarding hearing aids that will impact a large percent of the population.</a:t>
+              <a:t>Legislation recently passed regarding hearing aids that will impact a large percent of the population</a:t>
             </a:r>
             <a:endParaRPr dirty="0">
               <a:solidFill>
@@ -36821,6 +36970,8 @@
                   <a:lumMod val="75000"/>
                 </a:schemeClr>
               </a:solidFill>
+              <a:latin typeface="Calibri" panose="020F0502020204030204" pitchFamily="34" charset="0"/>
+              <a:cs typeface="Calibri" panose="020F0502020204030204" pitchFamily="34" charset="0"/>
             </a:endParaRPr>
           </a:p>
         </p:txBody>
@@ -36837,7 +36988,7 @@
         </p:nvSpPr>
         <p:spPr>
           <a:xfrm>
-            <a:off x="6096000" y="4700667"/>
+            <a:off x="6088814" y="4175125"/>
             <a:ext cx="4957763" cy="2682875"/>
           </a:xfrm>
           <a:prstGeom prst="rect">
@@ -36872,8 +37023,29 @@
               <a:buChar char="•"/>
             </a:pPr>
             <a:r>
-              <a:rPr lang="en-US" sz="2000" dirty="0"/>
-              <a:t>18% of adults between 20-69 years of age have hearing impairments</a:t>
+              <a:rPr lang="en-US" sz="2000" dirty="0">
+                <a:latin typeface="Calibri" panose="020F0502020204030204" pitchFamily="34" charset="0"/>
+                <a:cs typeface="Calibri" panose="020F0502020204030204" pitchFamily="34" charset="0"/>
+              </a:rPr>
+              <a:t>18% of adults between 20-69 years of age have </a:t>
+            </a:r>
+            <a:r>
+              <a:rPr lang="en-US" sz="2000" dirty="0">
+                <a:solidFill>
+                  <a:srgbClr val="000000"/>
+                </a:solidFill>
+                <a:latin typeface="Calibri" panose="020F0502020204030204" pitchFamily="34" charset="0"/>
+                <a:cs typeface="Calibri" panose="020F0502020204030204" pitchFamily="34" charset="0"/>
+                <a:sym typeface="Arial"/>
+              </a:rPr>
+              <a:t>hearing</a:t>
+            </a:r>
+            <a:r>
+              <a:rPr lang="en-US" sz="2000" dirty="0">
+                <a:latin typeface="Calibri" panose="020F0502020204030204" pitchFamily="34" charset="0"/>
+                <a:cs typeface="Calibri" panose="020F0502020204030204" pitchFamily="34" charset="0"/>
+              </a:rPr>
+              <a:t> impairments</a:t>
             </a:r>
           </a:p>
           <a:p>
@@ -36885,28 +37057,28 @@
               <a:buChar char="•"/>
             </a:pPr>
             <a:r>
-              <a:rPr lang="en-US" sz="2000" dirty="0"/>
-              <a:t>More than 700 locations across the United States</a:t>
+              <a:rPr lang="en-US" sz="2000" dirty="0">
+                <a:latin typeface="Calibri" panose="020F0502020204030204" pitchFamily="34" charset="0"/>
+                <a:cs typeface="Calibri" panose="020F0502020204030204" pitchFamily="34" charset="0"/>
+              </a:rPr>
+              <a:t>More than 550 Costco locations across the United States</a:t>
             </a:r>
           </a:p>
           <a:p>
-            <a:pPr marL="177800" lvl="0" indent="0" algn="l" rtl="0">
-              <a:lnSpc>
-                <a:spcPct val="90000"/>
-              </a:lnSpc>
-              <a:spcBef>
-                <a:spcPts val="0"/>
-              </a:spcBef>
-              <a:spcAft>
-                <a:spcPts val="0"/>
-              </a:spcAft>
-              <a:buClr>
-                <a:schemeClr val="dk1"/>
-              </a:buClr>
-              <a:buSzPts val="2800"/>
-              <a:buNone/>
+            <a:pPr marL="635000" indent="-457200">
+              <a:spcBef>
+                <a:spcPts val="0"/>
+              </a:spcBef>
+              <a:buFont typeface="Arial" panose="020B0604020202020204" pitchFamily="34" charset="0"/>
+              <a:buChar char="•"/>
             </a:pPr>
-            <a:endParaRPr lang="en-US" sz="2000" dirty="0"/>
+            <a:r>
+              <a:rPr lang="en-US" sz="2000" dirty="0">
+                <a:latin typeface="Calibri" panose="020F0502020204030204" pitchFamily="34" charset="0"/>
+                <a:cs typeface="Calibri" panose="020F0502020204030204" pitchFamily="34" charset="0"/>
+              </a:rPr>
+              <a:t>Global hearing market projected to grow at a CAGR of 8.1% for 2022-2029</a:t>
+            </a:r>
           </a:p>
           <a:p>
             <a:pPr marL="635000" lvl="0" indent="-457200" algn="l" rtl="0">
@@ -36926,7 +37098,10 @@
               <a:buFont typeface="Arial" panose="020B0604020202020204" pitchFamily="34" charset="0"/>
               <a:buChar char="•"/>
             </a:pPr>
-            <a:endParaRPr sz="2000" dirty="0"/>
+            <a:endParaRPr sz="2000" dirty="0">
+              <a:latin typeface="Calibri" panose="020F0502020204030204" pitchFamily="34" charset="0"/>
+              <a:cs typeface="Calibri" panose="020F0502020204030204" pitchFamily="34" charset="0"/>
+            </a:endParaRPr>
           </a:p>
         </p:txBody>
       </p:sp>
@@ -38317,6 +38492,8 @@
                     <a:lumMod val="75000"/>
                   </a:schemeClr>
                 </a:solidFill>
+                <a:latin typeface="Calibri" panose="020F0502020204030204" pitchFamily="34" charset="0"/>
+                <a:cs typeface="Calibri" panose="020F0502020204030204" pitchFamily="34" charset="0"/>
               </a:rPr>
               <a:t>How does the need for over-the-counter hearing aids affect Costco?</a:t>
             </a:r>
@@ -38325,38 +38502,292 @@
       </p:sp>
       <p:sp>
         <p:nvSpPr>
-          <p:cNvPr id="11" name="TextBox 10">
+          <p:cNvPr id="2" name="Google Shape;226;p12">
             <a:extLst>
               <a:ext uri="{FF2B5EF4-FFF2-40B4-BE49-F238E27FC236}">
-                <a16:creationId xmlns:a16="http://schemas.microsoft.com/office/drawing/2014/main" id="{E72470E9-B695-FC9A-0D97-F18432E25ADA}"/>
+                <a16:creationId xmlns:a16="http://schemas.microsoft.com/office/drawing/2014/main" id="{076E11CC-1B19-64B7-F1DC-E221DEA8BF3E}"/>
               </a:ext>
             </a:extLst>
           </p:cNvPr>
-          <p:cNvSpPr txBox="1"/>
+          <p:cNvSpPr txBox="1">
+            <a:spLocks/>
+          </p:cNvSpPr>
           <p:nvPr/>
         </p:nvSpPr>
         <p:spPr>
           <a:xfrm>
-            <a:off x="497953" y="4700667"/>
-            <a:ext cx="4957763" cy="1015663"/>
+            <a:off x="770021" y="4104492"/>
+            <a:ext cx="4957763" cy="2682875"/>
           </a:xfrm>
           <a:prstGeom prst="rect">
             <a:avLst/>
           </a:prstGeom>
           <a:noFill/>
+          <a:ln>
+            <a:noFill/>
+          </a:ln>
         </p:spPr>
         <p:txBody>
-          <a:bodyPr wrap="square" rtlCol="0">
-            <a:spAutoFit/>
+          <a:bodyPr spcFirstLastPara="1" wrap="square" lIns="91425" tIns="45700" rIns="91425" bIns="45700" anchor="t" anchorCtr="0">
+            <a:normAutofit/>
           </a:bodyPr>
-          <a:lstStyle/>
+          <a:lstStyle>
+            <a:defPPr marR="0" lvl="0" algn="l" rtl="0">
+              <a:lnSpc>
+                <a:spcPct val="100000"/>
+              </a:lnSpc>
+              <a:spcBef>
+                <a:spcPts val="0"/>
+              </a:spcBef>
+              <a:spcAft>
+                <a:spcPts val="0"/>
+              </a:spcAft>
+            </a:defPPr>
+            <a:lvl1pPr marL="457200" marR="0" lvl="0" indent="-406400" algn="l" rtl="0">
+              <a:lnSpc>
+                <a:spcPct val="90000"/>
+              </a:lnSpc>
+              <a:spcBef>
+                <a:spcPts val="1000"/>
+              </a:spcBef>
+              <a:spcAft>
+                <a:spcPts val="0"/>
+              </a:spcAft>
+              <a:buClr>
+                <a:schemeClr val="dk1"/>
+              </a:buClr>
+              <a:buSzPts val="2800"/>
+              <a:buFont typeface="Arial"/>
+              <a:buChar char="•"/>
+              <a:defRPr sz="2800" b="0" i="0" u="none" strike="noStrike" cap="none">
+                <a:solidFill>
+                  <a:schemeClr val="dk1"/>
+                </a:solidFill>
+                <a:latin typeface="Calibri"/>
+                <a:ea typeface="Calibri"/>
+                <a:cs typeface="Calibri"/>
+                <a:sym typeface="Calibri"/>
+              </a:defRPr>
+            </a:lvl1pPr>
+            <a:lvl2pPr marL="914400" marR="0" lvl="1" indent="-381000" algn="l" rtl="0">
+              <a:lnSpc>
+                <a:spcPct val="90000"/>
+              </a:lnSpc>
+              <a:spcBef>
+                <a:spcPts val="500"/>
+              </a:spcBef>
+              <a:spcAft>
+                <a:spcPts val="0"/>
+              </a:spcAft>
+              <a:buClr>
+                <a:schemeClr val="dk1"/>
+              </a:buClr>
+              <a:buSzPts val="2400"/>
+              <a:buFont typeface="Arial"/>
+              <a:buChar char="•"/>
+              <a:defRPr sz="2400" b="0" i="0" u="none" strike="noStrike" cap="none">
+                <a:solidFill>
+                  <a:schemeClr val="dk1"/>
+                </a:solidFill>
+                <a:latin typeface="Calibri"/>
+                <a:ea typeface="Calibri"/>
+                <a:cs typeface="Calibri"/>
+                <a:sym typeface="Calibri"/>
+              </a:defRPr>
+            </a:lvl2pPr>
+            <a:lvl3pPr marL="1371600" marR="0" lvl="2" indent="-355600" algn="l" rtl="0">
+              <a:lnSpc>
+                <a:spcPct val="90000"/>
+              </a:lnSpc>
+              <a:spcBef>
+                <a:spcPts val="500"/>
+              </a:spcBef>
+              <a:spcAft>
+                <a:spcPts val="0"/>
+              </a:spcAft>
+              <a:buClr>
+                <a:schemeClr val="dk1"/>
+              </a:buClr>
+              <a:buSzPts val="2000"/>
+              <a:buFont typeface="Arial"/>
+              <a:buChar char="•"/>
+              <a:defRPr sz="2000" b="0" i="0" u="none" strike="noStrike" cap="none">
+                <a:solidFill>
+                  <a:schemeClr val="dk1"/>
+                </a:solidFill>
+                <a:latin typeface="Calibri"/>
+                <a:ea typeface="Calibri"/>
+                <a:cs typeface="Calibri"/>
+                <a:sym typeface="Calibri"/>
+              </a:defRPr>
+            </a:lvl3pPr>
+            <a:lvl4pPr marL="1828800" marR="0" lvl="3" indent="-342900" algn="l" rtl="0">
+              <a:lnSpc>
+                <a:spcPct val="90000"/>
+              </a:lnSpc>
+              <a:spcBef>
+                <a:spcPts val="500"/>
+              </a:spcBef>
+              <a:spcAft>
+                <a:spcPts val="0"/>
+              </a:spcAft>
+              <a:buClr>
+                <a:schemeClr val="dk1"/>
+              </a:buClr>
+              <a:buSzPts val="1800"/>
+              <a:buFont typeface="Arial"/>
+              <a:buChar char="•"/>
+              <a:defRPr sz="1800" b="0" i="0" u="none" strike="noStrike" cap="none">
+                <a:solidFill>
+                  <a:schemeClr val="dk1"/>
+                </a:solidFill>
+                <a:latin typeface="Calibri"/>
+                <a:ea typeface="Calibri"/>
+                <a:cs typeface="Calibri"/>
+                <a:sym typeface="Calibri"/>
+              </a:defRPr>
+            </a:lvl4pPr>
+            <a:lvl5pPr marL="2286000" marR="0" lvl="4" indent="-342900" algn="l" rtl="0">
+              <a:lnSpc>
+                <a:spcPct val="90000"/>
+              </a:lnSpc>
+              <a:spcBef>
+                <a:spcPts val="500"/>
+              </a:spcBef>
+              <a:spcAft>
+                <a:spcPts val="0"/>
+              </a:spcAft>
+              <a:buClr>
+                <a:schemeClr val="dk1"/>
+              </a:buClr>
+              <a:buSzPts val="1800"/>
+              <a:buFont typeface="Arial"/>
+              <a:buChar char="•"/>
+              <a:defRPr sz="1800" b="0" i="0" u="none" strike="noStrike" cap="none">
+                <a:solidFill>
+                  <a:schemeClr val="dk1"/>
+                </a:solidFill>
+                <a:latin typeface="Calibri"/>
+                <a:ea typeface="Calibri"/>
+                <a:cs typeface="Calibri"/>
+                <a:sym typeface="Calibri"/>
+              </a:defRPr>
+            </a:lvl5pPr>
+            <a:lvl6pPr marL="2743200" marR="0" lvl="5" indent="-342900" algn="l" rtl="0">
+              <a:lnSpc>
+                <a:spcPct val="90000"/>
+              </a:lnSpc>
+              <a:spcBef>
+                <a:spcPts val="500"/>
+              </a:spcBef>
+              <a:spcAft>
+                <a:spcPts val="0"/>
+              </a:spcAft>
+              <a:buClr>
+                <a:schemeClr val="dk1"/>
+              </a:buClr>
+              <a:buSzPts val="1800"/>
+              <a:buFont typeface="Arial"/>
+              <a:buChar char="•"/>
+              <a:defRPr sz="1800" b="0" i="0" u="none" strike="noStrike" cap="none">
+                <a:solidFill>
+                  <a:schemeClr val="dk1"/>
+                </a:solidFill>
+                <a:latin typeface="Calibri"/>
+                <a:ea typeface="Calibri"/>
+                <a:cs typeface="Calibri"/>
+                <a:sym typeface="Calibri"/>
+              </a:defRPr>
+            </a:lvl6pPr>
+            <a:lvl7pPr marL="3200400" marR="0" lvl="6" indent="-342900" algn="l" rtl="0">
+              <a:lnSpc>
+                <a:spcPct val="90000"/>
+              </a:lnSpc>
+              <a:spcBef>
+                <a:spcPts val="500"/>
+              </a:spcBef>
+              <a:spcAft>
+                <a:spcPts val="0"/>
+              </a:spcAft>
+              <a:buClr>
+                <a:schemeClr val="dk1"/>
+              </a:buClr>
+              <a:buSzPts val="1800"/>
+              <a:buFont typeface="Arial"/>
+              <a:buChar char="•"/>
+              <a:defRPr sz="1800" b="0" i="0" u="none" strike="noStrike" cap="none">
+                <a:solidFill>
+                  <a:schemeClr val="dk1"/>
+                </a:solidFill>
+                <a:latin typeface="Calibri"/>
+                <a:ea typeface="Calibri"/>
+                <a:cs typeface="Calibri"/>
+                <a:sym typeface="Calibri"/>
+              </a:defRPr>
+            </a:lvl7pPr>
+            <a:lvl8pPr marL="3657600" marR="0" lvl="7" indent="-342900" algn="l" rtl="0">
+              <a:lnSpc>
+                <a:spcPct val="90000"/>
+              </a:lnSpc>
+              <a:spcBef>
+                <a:spcPts val="500"/>
+              </a:spcBef>
+              <a:spcAft>
+                <a:spcPts val="0"/>
+              </a:spcAft>
+              <a:buClr>
+                <a:schemeClr val="dk1"/>
+              </a:buClr>
+              <a:buSzPts val="1800"/>
+              <a:buFont typeface="Arial"/>
+              <a:buChar char="•"/>
+              <a:defRPr sz="1800" b="0" i="0" u="none" strike="noStrike" cap="none">
+                <a:solidFill>
+                  <a:schemeClr val="dk1"/>
+                </a:solidFill>
+                <a:latin typeface="Calibri"/>
+                <a:ea typeface="Calibri"/>
+                <a:cs typeface="Calibri"/>
+                <a:sym typeface="Calibri"/>
+              </a:defRPr>
+            </a:lvl8pPr>
+            <a:lvl9pPr marL="4114800" marR="0" lvl="8" indent="-342900" algn="l" rtl="0">
+              <a:lnSpc>
+                <a:spcPct val="90000"/>
+              </a:lnSpc>
+              <a:spcBef>
+                <a:spcPts val="500"/>
+              </a:spcBef>
+              <a:spcAft>
+                <a:spcPts val="0"/>
+              </a:spcAft>
+              <a:buClr>
+                <a:schemeClr val="dk1"/>
+              </a:buClr>
+              <a:buSzPts val="1800"/>
+              <a:buFont typeface="Arial"/>
+              <a:buChar char="•"/>
+              <a:defRPr sz="1800" b="0" i="0" u="none" strike="noStrike" cap="none">
+                <a:solidFill>
+                  <a:schemeClr val="dk1"/>
+                </a:solidFill>
+                <a:latin typeface="Calibri"/>
+                <a:ea typeface="Calibri"/>
+                <a:cs typeface="Calibri"/>
+                <a:sym typeface="Calibri"/>
+              </a:defRPr>
+            </a:lvl9pPr>
+          </a:lstStyle>
           <a:p>
-            <a:pPr marL="285750" indent="-285750">
+            <a:pPr marL="342900" indent="-342900">
               <a:buFont typeface="Arial" panose="020B0604020202020204" pitchFamily="34" charset="0"/>
               <a:buChar char="•"/>
             </a:pPr>
             <a:r>
-              <a:rPr lang="en-US" sz="2000" dirty="0"/>
+              <a:rPr lang="en-US" sz="2000" dirty="0">
+                <a:latin typeface="Calibri" panose="020F0502020204030204" pitchFamily="34" charset="0"/>
+                <a:cs typeface="Calibri" panose="020F0502020204030204" pitchFamily="34" charset="0"/>
+              </a:rPr>
               <a:t>More than a 20% decrease in price</a:t>
             </a:r>
           </a:p>
@@ -38366,7 +38797,10 @@
               <a:buChar char="•"/>
             </a:pPr>
             <a:r>
-              <a:rPr lang="en-US" sz="2000" dirty="0"/>
+              <a:rPr lang="en-US" sz="2000" dirty="0">
+                <a:latin typeface="Calibri" panose="020F0502020204030204" pitchFamily="34" charset="0"/>
+                <a:cs typeface="Calibri" panose="020F0502020204030204" pitchFamily="34" charset="0"/>
+              </a:rPr>
               <a:t>Less costly testing procedures</a:t>
             </a:r>
           </a:p>
@@ -38376,9 +38810,38 @@
               <a:buChar char="•"/>
             </a:pPr>
             <a:r>
-              <a:rPr lang="en-US" sz="2000" dirty="0"/>
+              <a:rPr lang="en-US" sz="2000" dirty="0">
+                <a:latin typeface="Calibri" panose="020F0502020204030204" pitchFamily="34" charset="0"/>
+                <a:cs typeface="Calibri" panose="020F0502020204030204" pitchFamily="34" charset="0"/>
+              </a:rPr>
               <a:t>Accessibility through cost and location</a:t>
             </a:r>
+          </a:p>
+          <a:p>
+            <a:pPr marL="285750" indent="-285750">
+              <a:buFont typeface="Arial" panose="020B0604020202020204" pitchFamily="34" charset="0"/>
+              <a:buChar char="•"/>
+            </a:pPr>
+            <a:r>
+              <a:rPr lang="en-US" sz="2000" dirty="0">
+                <a:latin typeface="Calibri" panose="020F0502020204030204" pitchFamily="34" charset="0"/>
+                <a:cs typeface="Calibri" panose="020F0502020204030204" pitchFamily="34" charset="0"/>
+              </a:rPr>
+              <a:t>National Institute of Health indicates that millennial and Gen Z individuals are more likely to experience hearing loss compared to previous generations</a:t>
+            </a:r>
+          </a:p>
+          <a:p>
+            <a:pPr marL="635000" indent="-457200">
+              <a:spcBef>
+                <a:spcPts val="0"/>
+              </a:spcBef>
+              <a:buFont typeface="Arial" panose="020B0604020202020204" pitchFamily="34" charset="0"/>
+              <a:buChar char="•"/>
+            </a:pPr>
+            <a:endParaRPr lang="en-US" sz="2000" dirty="0">
+              <a:latin typeface="Calibri" panose="020F0502020204030204" pitchFamily="34" charset="0"/>
+              <a:cs typeface="Calibri" panose="020F0502020204030204" pitchFamily="34" charset="0"/>
+            </a:endParaRPr>
           </a:p>
         </p:txBody>
       </p:sp>
@@ -38440,40 +38903,27 @@
           </a:bodyPr>
           <a:lstStyle/>
           <a:p>
-            <a:pPr marL="0" marR="0" lvl="0" indent="0" algn="l" rtl="0">
-              <a:lnSpc>
-                <a:spcPct val="90000"/>
-              </a:lnSpc>
-              <a:spcBef>
-                <a:spcPts val="0"/>
-              </a:spcBef>
-              <a:spcAft>
-                <a:spcPts val="0"/>
-              </a:spcAft>
-              <a:buClr>
-                <a:srgbClr val="FFD966"/>
-              </a:buClr>
-              <a:buSzPts val="4400"/>
-              <a:buFont typeface="Calibri"/>
-              <a:buNone/>
+            <a:pPr>
+              <a:lnSpc>
+                <a:spcPct val="90000"/>
+              </a:lnSpc>
+              <a:spcBef>
+                <a:spcPts val="1000"/>
+              </a:spcBef>
+              <a:buClr>
+                <a:srgbClr val="D09E00"/>
+              </a:buClr>
+              <a:buSzPct val="100000"/>
             </a:pPr>
             <a:r>
-              <a:rPr lang="en-US" sz="4400">
+              <a:rPr lang="en-US" sz="4400" dirty="0">
                 <a:solidFill>
                   <a:srgbClr val="D09E00"/>
                 </a:solidFill>
-                <a:latin typeface="Calibri"/>
-                <a:ea typeface="Calibri"/>
-                <a:cs typeface="Calibri"/>
-                <a:sym typeface="Calibri"/>
               </a:rPr>
-              <a:t>Data &amp; Preprocessing: </a:t>
+              <a:t>Exploratory Data Analysis: </a:t>
             </a:r>
-            <a:endParaRPr>
-              <a:solidFill>
-                <a:srgbClr val="D09E00"/>
-              </a:solidFill>
-            </a:endParaRPr>
+            <a:endParaRPr lang="en-US" sz="7200" dirty="0"/>
           </a:p>
         </p:txBody>
       </p:sp>
@@ -38489,7 +38939,7 @@
         </p:nvSpPr>
         <p:spPr>
           <a:xfrm>
-            <a:off x="565719" y="3198482"/>
+            <a:off x="565719" y="2939721"/>
             <a:ext cx="5484729" cy="651624"/>
           </a:xfrm>
           <a:prstGeom prst="rect">
@@ -38506,35 +38956,25 @@
           </a:bodyPr>
           <a:lstStyle/>
           <a:p>
-            <a:pPr marL="228600" lvl="0" indent="-50800" algn="ctr" rtl="0">
-              <a:lnSpc>
-                <a:spcPct val="90000"/>
-              </a:lnSpc>
-              <a:spcBef>
-                <a:spcPts val="0"/>
-              </a:spcBef>
-              <a:spcAft>
-                <a:spcPts val="0"/>
-              </a:spcAft>
-              <a:buClr>
-                <a:schemeClr val="dk1"/>
-              </a:buClr>
-              <a:buSzPts val="2800"/>
+            <a:pPr marL="228600" indent="-50800" algn="ctr">
+              <a:spcBef>
+                <a:spcPts val="0"/>
+              </a:spcBef>
               <a:buNone/>
             </a:pPr>
             <a:r>
               <a:rPr lang="en-US" sz="3600" dirty="0">
                 <a:solidFill>
-                  <a:schemeClr val="accent2">
+                  <a:schemeClr val="accent4">
                     <a:lumMod val="50000"/>
                   </a:schemeClr>
                 </a:solidFill>
               </a:rPr>
-              <a:t>Exploratory Data Analysis</a:t>
+              <a:t>Data Search</a:t>
             </a:r>
             <a:endParaRPr sz="3600" dirty="0">
               <a:solidFill>
-                <a:schemeClr val="accent2">
+                <a:schemeClr val="accent4">
                   <a:lumMod val="50000"/>
                 </a:schemeClr>
               </a:solidFill>
@@ -38554,7 +38994,7 @@
         </p:nvSpPr>
         <p:spPr>
           <a:xfrm>
-            <a:off x="5835372" y="3178672"/>
+            <a:off x="5835372" y="2950332"/>
             <a:ext cx="4957763" cy="671434"/>
           </a:xfrm>
           <a:prstGeom prst="rect">
@@ -38571,35 +39011,25 @@
           </a:bodyPr>
           <a:lstStyle/>
           <a:p>
-            <a:pPr marL="228600" lvl="0" indent="-50800" algn="ctr" rtl="0">
-              <a:lnSpc>
-                <a:spcPct val="90000"/>
-              </a:lnSpc>
-              <a:spcBef>
-                <a:spcPts val="0"/>
-              </a:spcBef>
-              <a:spcAft>
-                <a:spcPts val="0"/>
-              </a:spcAft>
-              <a:buClr>
-                <a:schemeClr val="dk1"/>
-              </a:buClr>
-              <a:buSzPts val="2800"/>
+            <a:pPr marL="228600" lvl="0" indent="-50800" algn="ctr">
+              <a:spcBef>
+                <a:spcPts val="0"/>
+              </a:spcBef>
               <a:buNone/>
             </a:pPr>
             <a:r>
               <a:rPr lang="en-US" sz="3600" dirty="0">
                 <a:solidFill>
-                  <a:schemeClr val="accent2">
+                  <a:schemeClr val="accent4">
                     <a:lumMod val="50000"/>
                   </a:schemeClr>
                 </a:solidFill>
               </a:rPr>
-              <a:t>Database</a:t>
+              <a:t>Preprocessing</a:t>
             </a:r>
             <a:endParaRPr sz="3600" dirty="0">
               <a:solidFill>
-                <a:schemeClr val="accent2">
+                <a:schemeClr val="accent4">
                   <a:lumMod val="50000"/>
                 </a:schemeClr>
               </a:solidFill>
@@ -39530,47 +39960,6 @@
       </p:sp>
       <p:sp>
         <p:nvSpPr>
-          <p:cNvPr id="2" name="TextBox 1">
-            <a:extLst>
-              <a:ext uri="{FF2B5EF4-FFF2-40B4-BE49-F238E27FC236}">
-                <a16:creationId xmlns:a16="http://schemas.microsoft.com/office/drawing/2014/main" id="{3A6E9C0C-116B-EDB0-95EF-31812B9C221A}"/>
-              </a:ext>
-            </a:extLst>
-          </p:cNvPr>
-          <p:cNvSpPr txBox="1"/>
-          <p:nvPr/>
-        </p:nvSpPr>
-        <p:spPr>
-          <a:xfrm>
-            <a:off x="5535335" y="473233"/>
-            <a:ext cx="3018503" cy="523220"/>
-          </a:xfrm>
-          <a:prstGeom prst="rect">
-            <a:avLst/>
-          </a:prstGeom>
-          <a:noFill/>
-        </p:spPr>
-        <p:txBody>
-          <a:bodyPr wrap="square" rtlCol="0">
-            <a:spAutoFit/>
-          </a:bodyPr>
-          <a:lstStyle/>
-          <a:p>
-            <a:r>
-              <a:rPr lang="en-US" sz="2800" dirty="0">
-                <a:solidFill>
-                  <a:schemeClr val="accent2">
-                    <a:lumMod val="50000"/>
-                  </a:schemeClr>
-                </a:solidFill>
-              </a:rPr>
-              <a:t>AWS S3 Bucket</a:t>
-            </a:r>
-          </a:p>
-        </p:txBody>
-      </p:sp>
-      <p:sp>
-        <p:nvSpPr>
           <p:cNvPr id="3" name="TextBox 2">
             <a:extLst>
               <a:ext uri="{FF2B5EF4-FFF2-40B4-BE49-F238E27FC236}">
@@ -39583,8 +39972,8 @@
         </p:nvSpPr>
         <p:spPr>
           <a:xfrm>
-            <a:off x="545432" y="3850106"/>
-            <a:ext cx="5694947" cy="2308324"/>
+            <a:off x="6096000" y="3859940"/>
+            <a:ext cx="5694947" cy="2554545"/>
           </a:xfrm>
           <a:prstGeom prst="rect">
             <a:avLst/>
@@ -39602,16 +39991,11 @@
               <a:buChar char="•"/>
             </a:pPr>
             <a:r>
-              <a:rPr lang="en-US" sz="2400" dirty="0"/>
-              <a:t>Using pandas in </a:t>
-            </a:r>
-            <a:r>
-              <a:rPr lang="en-US" sz="2400" dirty="0" err="1"/>
-              <a:t>jupyter</a:t>
-            </a:r>
-            <a:r>
-              <a:rPr lang="en-US" sz="2400" dirty="0"/>
-              <a:t> notebook</a:t>
+              <a:rPr lang="en-US" sz="2000" dirty="0">
+                <a:latin typeface="Calibri" panose="020F0502020204030204" pitchFamily="34" charset="0"/>
+                <a:cs typeface="Calibri" panose="020F0502020204030204" pitchFamily="34" charset="0"/>
+              </a:rPr>
+              <a:t>Using Pandas, the Python library, in Jupyter Notebook</a:t>
             </a:r>
           </a:p>
           <a:p>
@@ -39620,7 +40004,23 @@
               <a:buChar char="•"/>
             </a:pPr>
             <a:r>
-              <a:rPr lang="en-US" sz="2400" dirty="0"/>
+              <a:rPr lang="en-US" sz="2000" dirty="0">
+                <a:latin typeface="Calibri" panose="020F0502020204030204" pitchFamily="34" charset="0"/>
+                <a:cs typeface="Calibri" panose="020F0502020204030204" pitchFamily="34" charset="0"/>
+              </a:rPr>
+              <a:t>Using Excel to edit Costco file</a:t>
+            </a:r>
+          </a:p>
+          <a:p>
+            <a:pPr marL="285750" indent="-285750">
+              <a:buFont typeface="Arial" panose="020B0604020202020204" pitchFamily="34" charset="0"/>
+              <a:buChar char="•"/>
+            </a:pPr>
+            <a:r>
+              <a:rPr lang="en-US" sz="2000" dirty="0">
+                <a:latin typeface="Calibri" panose="020F0502020204030204" pitchFamily="34" charset="0"/>
+                <a:cs typeface="Calibri" panose="020F0502020204030204" pitchFamily="34" charset="0"/>
+              </a:rPr>
               <a:t>Dropping irrelevant columns</a:t>
             </a:r>
           </a:p>
@@ -39630,7 +40030,10 @@
               <a:buChar char="•"/>
             </a:pPr>
             <a:r>
-              <a:rPr lang="en-US" sz="2400" dirty="0"/>
+              <a:rPr lang="en-US" sz="2000" dirty="0">
+                <a:latin typeface="Calibri" panose="020F0502020204030204" pitchFamily="34" charset="0"/>
+                <a:cs typeface="Calibri" panose="020F0502020204030204" pitchFamily="34" charset="0"/>
+              </a:rPr>
               <a:t>Creating consistency in label names</a:t>
             </a:r>
           </a:p>
@@ -39640,7 +40043,10 @@
               <a:buChar char="•"/>
             </a:pPr>
             <a:r>
-              <a:rPr lang="en-US" sz="2400" dirty="0"/>
+              <a:rPr lang="en-US" sz="2000" dirty="0">
+                <a:latin typeface="Calibri" panose="020F0502020204030204" pitchFamily="34" charset="0"/>
+                <a:cs typeface="Calibri" panose="020F0502020204030204" pitchFamily="34" charset="0"/>
+              </a:rPr>
               <a:t>Locating Costco hearing clinics</a:t>
             </a:r>
           </a:p>
@@ -39650,7 +40056,10 @@
               <a:buChar char="•"/>
             </a:pPr>
             <a:r>
-              <a:rPr lang="en-US" sz="2400" dirty="0"/>
+              <a:rPr lang="en-US" sz="2000" dirty="0">
+                <a:latin typeface="Calibri" panose="020F0502020204030204" pitchFamily="34" charset="0"/>
+                <a:cs typeface="Calibri" panose="020F0502020204030204" pitchFamily="34" charset="0"/>
+              </a:rPr>
               <a:t>Merging demographic</a:t>
             </a:r>
           </a:p>
@@ -39660,7 +40069,10 @@
               <a:buChar char="•"/>
             </a:pPr>
             <a:r>
-              <a:rPr lang="en-US" sz="2400" dirty="0"/>
+              <a:rPr lang="en-US" sz="2000" dirty="0">
+                <a:latin typeface="Calibri" panose="020F0502020204030204" pitchFamily="34" charset="0"/>
+                <a:cs typeface="Calibri" panose="020F0502020204030204" pitchFamily="34" charset="0"/>
+              </a:rPr>
               <a:t>Transformed census data into csv files</a:t>
             </a:r>
           </a:p>
@@ -39680,8 +40092,8 @@
         </p:nvSpPr>
         <p:spPr>
           <a:xfrm>
-            <a:off x="6260666" y="3850106"/>
-            <a:ext cx="5694947" cy="1938992"/>
+            <a:off x="565719" y="4006124"/>
+            <a:ext cx="5694947" cy="1323439"/>
           </a:xfrm>
           <a:prstGeom prst="rect">
             <a:avLst/>
@@ -39699,8 +40111,11 @@
               <a:buChar char="•"/>
             </a:pPr>
             <a:r>
-              <a:rPr lang="en-US" sz="2400" dirty="0"/>
-              <a:t>S3 Bucket (an Amazon Web Service application)</a:t>
+              <a:rPr lang="en-US" sz="2000" dirty="0">
+                <a:latin typeface="Calibri" panose="020F0502020204030204" pitchFamily="34" charset="0"/>
+                <a:cs typeface="Calibri" panose="020F0502020204030204" pitchFamily="34" charset="0"/>
+              </a:rPr>
+              <a:t>Manual search from each team member</a:t>
             </a:r>
           </a:p>
           <a:p>
@@ -39709,8 +40124,11 @@
               <a:buChar char="•"/>
             </a:pPr>
             <a:r>
-              <a:rPr lang="en-US" sz="2400" dirty="0"/>
-              <a:t>Storing pictures, files, graphs, and more</a:t>
+              <a:rPr lang="en-US" sz="2000" dirty="0">
+                <a:latin typeface="Calibri" panose="020F0502020204030204" pitchFamily="34" charset="0"/>
+                <a:cs typeface="Calibri" panose="020F0502020204030204" pitchFamily="34" charset="0"/>
+              </a:rPr>
+              <a:t>US Census Data</a:t>
             </a:r>
           </a:p>
           <a:p>
@@ -39719,8 +40137,24 @@
               <a:buChar char="•"/>
             </a:pPr>
             <a:r>
-              <a:rPr lang="en-US" sz="2400" dirty="0"/>
-              <a:t>Easily accessible among teammates</a:t>
+              <a:rPr lang="en-US" sz="2000" dirty="0">
+                <a:latin typeface="Calibri" panose="020F0502020204030204" pitchFamily="34" charset="0"/>
+                <a:cs typeface="Calibri" panose="020F0502020204030204" pitchFamily="34" charset="0"/>
+              </a:rPr>
+              <a:t>Kaggle</a:t>
+            </a:r>
+          </a:p>
+          <a:p>
+            <a:pPr marL="285750" indent="-285750">
+              <a:buFont typeface="Arial" panose="020B0604020202020204" pitchFamily="34" charset="0"/>
+              <a:buChar char="•"/>
+            </a:pPr>
+            <a:r>
+              <a:rPr lang="en-US" sz="2000" dirty="0">
+                <a:latin typeface="Calibri" panose="020F0502020204030204" pitchFamily="34" charset="0"/>
+                <a:cs typeface="Calibri" panose="020F0502020204030204" pitchFamily="34" charset="0"/>
+              </a:rPr>
+              <a:t>Costco Website</a:t>
             </a:r>
           </a:p>
         </p:txBody>
@@ -39793,7 +40227,7 @@
               <a:buNone/>
             </a:pPr>
             <a:r>
-              <a:rPr lang="en-US" sz="4400">
+              <a:rPr lang="en-US" sz="4400" dirty="0">
                 <a:solidFill>
                   <a:srgbClr val="C55A11"/>
                 </a:solidFill>
@@ -39802,9 +40236,9 @@
                 <a:cs typeface="Calibri"/>
                 <a:sym typeface="Calibri"/>
               </a:rPr>
-              <a:t>Machine Learning: </a:t>
+              <a:t>Data Storage: </a:t>
             </a:r>
-            <a:endParaRPr>
+            <a:endParaRPr dirty="0">
               <a:solidFill>
                 <a:srgbClr val="C55A11"/>
               </a:solidFill>
@@ -39841,32 +40275,42 @@
           </a:bodyPr>
           <a:lstStyle/>
           <a:p>
-            <a:pPr marL="228600" lvl="0" indent="-50800" algn="ctr" rtl="0">
-              <a:lnSpc>
-                <a:spcPct val="90000"/>
-              </a:lnSpc>
-              <a:spcBef>
-                <a:spcPts val="0"/>
-              </a:spcBef>
-              <a:spcAft>
-                <a:spcPts val="0"/>
-              </a:spcAft>
-              <a:buClr>
-                <a:schemeClr val="dk1"/>
-              </a:buClr>
-              <a:buSzPts val="2800"/>
+            <a:pPr marL="228600" indent="-50800" algn="ctr">
+              <a:spcBef>
+                <a:spcPts val="0"/>
+              </a:spcBef>
               <a:buNone/>
             </a:pPr>
             <a:r>
-              <a:rPr lang="en-US" dirty="0">
+              <a:rPr lang="en-US" sz="2800" dirty="0">
                 <a:solidFill>
                   <a:schemeClr val="accent2">
                     <a:lumMod val="50000"/>
                   </a:schemeClr>
                 </a:solidFill>
+                <a:latin typeface="Calibri" panose="020F0502020204030204" pitchFamily="34" charset="0"/>
+                <a:cs typeface="Calibri" panose="020F0502020204030204" pitchFamily="34" charset="0"/>
               </a:rPr>
-              <a:t>Needing a machine learning model that predicts the probability of a dependent variable. This will give a binary output.</a:t>
+              <a:t>S3 Bucket, an Amazon Web Service application for data storage</a:t>
             </a:r>
+          </a:p>
+          <a:p>
+            <a:pPr marL="228600" lvl="0" indent="-50800" algn="ctr" rtl="0">
+              <a:lnSpc>
+                <a:spcPct val="90000"/>
+              </a:lnSpc>
+              <a:spcBef>
+                <a:spcPts val="0"/>
+              </a:spcBef>
+              <a:spcAft>
+                <a:spcPts val="0"/>
+              </a:spcAft>
+              <a:buClr>
+                <a:schemeClr val="dk1"/>
+              </a:buClr>
+              <a:buSzPts val="2800"/>
+              <a:buNone/>
+            </a:pPr>
             <a:endParaRPr dirty="0">
               <a:solidFill>
                 <a:schemeClr val="accent2">
@@ -39874,83 +40318,6 @@
                 </a:schemeClr>
               </a:solidFill>
             </a:endParaRPr>
-          </a:p>
-        </p:txBody>
-      </p:sp>
-      <p:sp>
-        <p:nvSpPr>
-          <p:cNvPr id="245" name="Google Shape;245;p14"/>
-          <p:cNvSpPr txBox="1">
-            <a:spLocks noGrp="1"/>
-          </p:cNvSpPr>
-          <p:nvPr>
-            <p:ph type="body" idx="2"/>
-          </p:nvPr>
-        </p:nvSpPr>
-        <p:spPr>
-          <a:xfrm>
-            <a:off x="438360" y="4565530"/>
-            <a:ext cx="5071288" cy="2018994"/>
-          </a:xfrm>
-          <a:prstGeom prst="rect">
-            <a:avLst/>
-          </a:prstGeom>
-          <a:noFill/>
-          <a:ln>
-            <a:noFill/>
-          </a:ln>
-        </p:spPr>
-        <p:txBody>
-          <a:bodyPr spcFirstLastPara="1" wrap="square" lIns="91425" tIns="45700" rIns="91425" bIns="45700" anchor="t" anchorCtr="0">
-            <a:normAutofit/>
-          </a:bodyPr>
-          <a:lstStyle/>
-          <a:p>
-            <a:pPr marL="635000" lvl="0" indent="-457200" algn="l" rtl="0">
-              <a:lnSpc>
-                <a:spcPct val="90000"/>
-              </a:lnSpc>
-              <a:spcBef>
-                <a:spcPts val="0"/>
-              </a:spcBef>
-              <a:spcAft>
-                <a:spcPts val="0"/>
-              </a:spcAft>
-              <a:buClr>
-                <a:schemeClr val="dk1"/>
-              </a:buClr>
-              <a:buSzPts val="2800"/>
-              <a:buFont typeface="Arial" panose="020B0604020202020204" pitchFamily="34" charset="0"/>
-              <a:buChar char="•"/>
-            </a:pPr>
-            <a:r>
-              <a:rPr lang="en-US" dirty="0"/>
-              <a:t>A mock-up for structured and unstructured notebooks</a:t>
-            </a:r>
-          </a:p>
-          <a:p>
-            <a:pPr marL="635000" lvl="0" indent="-457200" algn="l" rtl="0">
-              <a:lnSpc>
-                <a:spcPct val="90000"/>
-              </a:lnSpc>
-              <a:spcBef>
-                <a:spcPts val="0"/>
-              </a:spcBef>
-              <a:spcAft>
-                <a:spcPts val="0"/>
-              </a:spcAft>
-              <a:buClr>
-                <a:schemeClr val="dk1"/>
-              </a:buClr>
-              <a:buSzPts val="2800"/>
-              <a:buFont typeface="Arial" panose="020B0604020202020204" pitchFamily="34" charset="0"/>
-              <a:buChar char="•"/>
-            </a:pPr>
-            <a:r>
-              <a:rPr lang="en-US" dirty="0"/>
-              <a:t>Using precision and recall</a:t>
-            </a:r>
-            <a:endParaRPr dirty="0"/>
           </a:p>
         </p:txBody>
       </p:sp>
@@ -40115,78 +40482,6 @@
       </p:sp>
       <p:sp>
         <p:nvSpPr>
-          <p:cNvPr id="2" name="Google Shape;243;p14">
-            <a:extLst>
-              <a:ext uri="{FF2B5EF4-FFF2-40B4-BE49-F238E27FC236}">
-                <a16:creationId xmlns:a16="http://schemas.microsoft.com/office/drawing/2014/main" id="{B775C4FD-D7C6-D70D-8742-1597D1982275}"/>
-              </a:ext>
-            </a:extLst>
-          </p:cNvPr>
-          <p:cNvSpPr txBox="1"/>
-          <p:nvPr/>
-        </p:nvSpPr>
-        <p:spPr>
-          <a:xfrm>
-            <a:off x="4716379" y="273476"/>
-            <a:ext cx="4438844" cy="906011"/>
-          </a:xfrm>
-          <a:prstGeom prst="rect">
-            <a:avLst/>
-          </a:prstGeom>
-          <a:noFill/>
-          <a:ln>
-            <a:noFill/>
-          </a:ln>
-        </p:spPr>
-        <p:txBody>
-          <a:bodyPr spcFirstLastPara="1" wrap="square" lIns="91425" tIns="45700" rIns="91425" bIns="45700" anchor="ctr" anchorCtr="0">
-            <a:normAutofit fontScale="92500"/>
-          </a:bodyPr>
-          <a:lstStyle/>
-          <a:p>
-            <a:pPr marL="0" marR="0" lvl="0" indent="0" algn="l" rtl="0">
-              <a:lnSpc>
-                <a:spcPct val="90000"/>
-              </a:lnSpc>
-              <a:spcBef>
-                <a:spcPts val="0"/>
-              </a:spcBef>
-              <a:spcAft>
-                <a:spcPts val="0"/>
-              </a:spcAft>
-              <a:buClr>
-                <a:srgbClr val="FFD966"/>
-              </a:buClr>
-              <a:buSzPts val="4400"/>
-              <a:buFont typeface="Calibri"/>
-              <a:buNone/>
-            </a:pPr>
-            <a:r>
-              <a:rPr lang="en-US" sz="4400" dirty="0">
-                <a:solidFill>
-                  <a:schemeClr val="accent2">
-                    <a:lumMod val="50000"/>
-                  </a:schemeClr>
-                </a:solidFill>
-                <a:latin typeface="Calibri"/>
-                <a:ea typeface="Calibri"/>
-                <a:cs typeface="Calibri"/>
-                <a:sym typeface="Calibri"/>
-              </a:rPr>
-              <a:t>Logistic Regression</a:t>
-            </a:r>
-            <a:endParaRPr dirty="0">
-              <a:solidFill>
-                <a:schemeClr val="accent2">
-                  <a:lumMod val="50000"/>
-                </a:schemeClr>
-              </a:solidFill>
-            </a:endParaRPr>
-          </a:p>
-        </p:txBody>
-      </p:sp>
-      <p:sp>
-        <p:nvSpPr>
           <p:cNvPr id="4" name="Google Shape;245;p14">
             <a:extLst>
               <a:ext uri="{FF2B5EF4-FFF2-40B4-BE49-F238E27FC236}">
@@ -40201,7 +40496,7 @@
         </p:nvSpPr>
         <p:spPr>
           <a:xfrm>
-            <a:off x="5949638" y="4565530"/>
+            <a:off x="6365062" y="4420377"/>
             <a:ext cx="5071288" cy="2018994"/>
           </a:xfrm>
           <a:prstGeom prst="rect">
@@ -40482,16 +40777,11 @@
               <a:buChar char="•"/>
             </a:pPr>
             <a:r>
-              <a:rPr lang="en-US" dirty="0"/>
-              <a:t>Using </a:t>
-            </a:r>
-            <a:r>
-              <a:rPr lang="en-US" dirty="0" err="1"/>
-              <a:t>RandomForest</a:t>
-            </a:r>
-            <a:r>
-              <a:rPr lang="en-US" dirty="0"/>
-              <a:t> and K-Means for feature selection</a:t>
+              <a:rPr lang="en-US" sz="2000" dirty="0">
+                <a:latin typeface="Calibri" panose="020F0502020204030204" pitchFamily="34" charset="0"/>
+                <a:cs typeface="Calibri" panose="020F0502020204030204" pitchFamily="34" charset="0"/>
+              </a:rPr>
+              <a:t>Connects to machine learning through pyspark</a:t>
             </a:r>
           </a:p>
           <a:p>
@@ -40513,8 +40803,105 @@
               <a:buChar char="•"/>
             </a:pPr>
             <a:r>
-              <a:rPr lang="en-US" dirty="0"/>
-              <a:t>Training on Costco locations</a:t>
+              <a:rPr lang="en-US" sz="2000" dirty="0">
+                <a:latin typeface="Calibri" panose="020F0502020204030204" pitchFamily="34" charset="0"/>
+                <a:cs typeface="Calibri" panose="020F0502020204030204" pitchFamily="34" charset="0"/>
+              </a:rPr>
+              <a:t>Easy to use on multiple platforms</a:t>
+            </a:r>
+          </a:p>
+          <a:p>
+            <a:pPr marL="635000" lvl="0" indent="-457200" algn="l" rtl="0">
+              <a:lnSpc>
+                <a:spcPct val="90000"/>
+              </a:lnSpc>
+              <a:spcBef>
+                <a:spcPts val="0"/>
+              </a:spcBef>
+              <a:spcAft>
+                <a:spcPts val="0"/>
+              </a:spcAft>
+              <a:buClr>
+                <a:schemeClr val="dk1"/>
+              </a:buClr>
+              <a:buSzPts val="2800"/>
+              <a:buFont typeface="Arial" panose="020B0604020202020204" pitchFamily="34" charset="0"/>
+              <a:buChar char="•"/>
+            </a:pPr>
+            <a:r>
+              <a:rPr lang="en-US" sz="2000" dirty="0">
+                <a:latin typeface="Calibri" panose="020F0502020204030204" pitchFamily="34" charset="0"/>
+                <a:cs typeface="Calibri" panose="020F0502020204030204" pitchFamily="34" charset="0"/>
+              </a:rPr>
+              <a:t>Plenty of storage space </a:t>
+            </a:r>
+          </a:p>
+        </p:txBody>
+      </p:sp>
+      <p:sp>
+        <p:nvSpPr>
+          <p:cNvPr id="3" name="TextBox 2">
+            <a:extLst>
+              <a:ext uri="{FF2B5EF4-FFF2-40B4-BE49-F238E27FC236}">
+                <a16:creationId xmlns:a16="http://schemas.microsoft.com/office/drawing/2014/main" id="{7986D3D4-A0AF-21F3-579E-ED9916B19DFC}"/>
+              </a:ext>
+            </a:extLst>
+          </p:cNvPr>
+          <p:cNvSpPr txBox="1"/>
+          <p:nvPr/>
+        </p:nvSpPr>
+        <p:spPr>
+          <a:xfrm>
+            <a:off x="755650" y="4429175"/>
+            <a:ext cx="5694947" cy="1015663"/>
+          </a:xfrm>
+          <a:prstGeom prst="rect">
+            <a:avLst/>
+          </a:prstGeom>
+          <a:noFill/>
+        </p:spPr>
+        <p:txBody>
+          <a:bodyPr wrap="square" rtlCol="0">
+            <a:spAutoFit/>
+          </a:bodyPr>
+          <a:lstStyle/>
+          <a:p>
+            <a:pPr marL="285750" indent="-285750">
+              <a:buFont typeface="Arial" panose="020B0604020202020204" pitchFamily="34" charset="0"/>
+              <a:buChar char="•"/>
+            </a:pPr>
+            <a:r>
+              <a:rPr lang="en-US" sz="2000" dirty="0">
+                <a:latin typeface="Calibri" panose="020F0502020204030204" pitchFamily="34" charset="0"/>
+                <a:cs typeface="Calibri" panose="020F0502020204030204" pitchFamily="34" charset="0"/>
+              </a:rPr>
+              <a:t>Storing pictures, files, graphs, and more</a:t>
+            </a:r>
+          </a:p>
+          <a:p>
+            <a:pPr marL="285750" indent="-285750">
+              <a:buFont typeface="Arial" panose="020B0604020202020204" pitchFamily="34" charset="0"/>
+              <a:buChar char="•"/>
+            </a:pPr>
+            <a:r>
+              <a:rPr lang="en-US" sz="2000" dirty="0">
+                <a:latin typeface="Calibri" panose="020F0502020204030204" pitchFamily="34" charset="0"/>
+                <a:cs typeface="Calibri" panose="020F0502020204030204" pitchFamily="34" charset="0"/>
+              </a:rPr>
+              <a:t>Easily accessible among teammates</a:t>
+            </a:r>
+          </a:p>
+          <a:p>
+            <a:pPr marL="285750" indent="-285750">
+              <a:buFont typeface="Arial" panose="020B0604020202020204" pitchFamily="34" charset="0"/>
+              <a:buChar char="•"/>
+            </a:pPr>
+            <a:r>
+              <a:rPr lang="en-US" sz="2000" dirty="0">
+                <a:latin typeface="Calibri" panose="020F0502020204030204" pitchFamily="34" charset="0"/>
+                <a:cs typeface="Calibri" panose="020F0502020204030204" pitchFamily="34" charset="0"/>
+              </a:rPr>
+              <a:t>Connecting changing data to S3 Bucket</a:t>
             </a:r>
           </a:p>
         </p:txBody>
@@ -40587,7 +40974,7 @@
               <a:buNone/>
             </a:pPr>
             <a:r>
-              <a:rPr lang="en-US" sz="4400">
+              <a:rPr lang="en-US" sz="4400" dirty="0">
                 <a:solidFill>
                   <a:srgbClr val="A8D08C"/>
                 </a:solidFill>
@@ -40596,10 +40983,10 @@
                 <a:cs typeface="Calibri"/>
                 <a:sym typeface="Calibri"/>
               </a:rPr>
-              <a:t>Charts, Graphs &amp; Maps:</a:t>
+              <a:t>Machine Learning:</a:t>
             </a:r>
             <a:r>
-              <a:rPr lang="en-US" sz="4400">
+              <a:rPr lang="en-US" sz="4400" dirty="0">
                 <a:solidFill>
                   <a:srgbClr val="FFD966"/>
                 </a:solidFill>
@@ -40610,105 +40997,7 @@
               </a:rPr>
               <a:t> </a:t>
             </a:r>
-            <a:endParaRPr/>
-          </a:p>
-        </p:txBody>
-      </p:sp>
-      <p:sp>
-        <p:nvSpPr>
-          <p:cNvPr id="252" name="Google Shape;252;p15"/>
-          <p:cNvSpPr txBox="1">
-            <a:spLocks noGrp="1"/>
-          </p:cNvSpPr>
-          <p:nvPr>
-            <p:ph type="body" idx="1"/>
-          </p:nvPr>
-        </p:nvSpPr>
-        <p:spPr>
-          <a:xfrm>
-            <a:off x="755650" y="3198481"/>
-            <a:ext cx="4957763" cy="2682875"/>
-          </a:xfrm>
-          <a:prstGeom prst="rect">
-            <a:avLst/>
-          </a:prstGeom>
-          <a:noFill/>
-          <a:ln>
-            <a:noFill/>
-          </a:ln>
-        </p:spPr>
-        <p:txBody>
-          <a:bodyPr spcFirstLastPara="1" wrap="square" lIns="91425" tIns="45700" rIns="91425" bIns="45700" anchor="t" anchorCtr="0">
-            <a:normAutofit/>
-          </a:bodyPr>
-          <a:lstStyle/>
-          <a:p>
-            <a:pPr marL="228600" lvl="0" indent="-50800" algn="l" rtl="0">
-              <a:lnSpc>
-                <a:spcPct val="90000"/>
-              </a:lnSpc>
-              <a:spcBef>
-                <a:spcPts val="0"/>
-              </a:spcBef>
-              <a:spcAft>
-                <a:spcPts val="0"/>
-              </a:spcAft>
-              <a:buClr>
-                <a:schemeClr val="dk1"/>
-              </a:buClr>
-              <a:buSzPts val="2800"/>
-              <a:buNone/>
-            </a:pPr>
-            <a:endParaRPr/>
-          </a:p>
-        </p:txBody>
-      </p:sp>
-      <p:sp>
-        <p:nvSpPr>
-          <p:cNvPr id="253" name="Google Shape;253;p15"/>
-          <p:cNvSpPr txBox="1">
-            <a:spLocks noGrp="1"/>
-          </p:cNvSpPr>
-          <p:nvPr>
-            <p:ph type="body" idx="2"/>
-          </p:nvPr>
-        </p:nvSpPr>
-        <p:spPr>
-          <a:xfrm>
-            <a:off x="6490359" y="3178672"/>
-            <a:ext cx="4957763" cy="2682875"/>
-          </a:xfrm>
-          <a:prstGeom prst="rect">
-            <a:avLst/>
-          </a:prstGeom>
-          <a:noFill/>
-          <a:ln>
-            <a:noFill/>
-          </a:ln>
-        </p:spPr>
-        <p:txBody>
-          <a:bodyPr spcFirstLastPara="1" wrap="square" lIns="91425" tIns="45700" rIns="91425" bIns="45700" anchor="t" anchorCtr="0">
-            <a:normAutofit/>
-          </a:bodyPr>
-          <a:lstStyle/>
-          <a:p>
-            <a:pPr marL="228600" lvl="0" indent="-50800" algn="l" rtl="0">
-              <a:lnSpc>
-                <a:spcPct val="90000"/>
-              </a:lnSpc>
-              <a:spcBef>
-                <a:spcPts val="0"/>
-              </a:spcBef>
-              <a:spcAft>
-                <a:spcPts val="0"/>
-              </a:spcAft>
-              <a:buClr>
-                <a:schemeClr val="dk1"/>
-              </a:buClr>
-              <a:buSzPts val="2800"/>
-              <a:buNone/>
-            </a:pPr>
-            <a:endParaRPr/>
+            <a:endParaRPr dirty="0"/>
           </a:p>
         </p:txBody>
       </p:sp>
@@ -41021,6 +41310,1543 @@
           </p:txBody>
         </p:sp>
       </p:grpSp>
+      <p:sp>
+        <p:nvSpPr>
+          <p:cNvPr id="3" name="Google Shape;245;p14">
+            <a:extLst>
+              <a:ext uri="{FF2B5EF4-FFF2-40B4-BE49-F238E27FC236}">
+                <a16:creationId xmlns:a16="http://schemas.microsoft.com/office/drawing/2014/main" id="{D9FEB6FC-E977-4B35-5C35-A2D5251294C5}"/>
+              </a:ext>
+            </a:extLst>
+          </p:cNvPr>
+          <p:cNvSpPr txBox="1">
+            <a:spLocks/>
+          </p:cNvSpPr>
+          <p:nvPr/>
+        </p:nvSpPr>
+        <p:spPr>
+          <a:xfrm>
+            <a:off x="777282" y="2924282"/>
+            <a:ext cx="10637435" cy="1413891"/>
+          </a:xfrm>
+          <a:prstGeom prst="rect">
+            <a:avLst/>
+          </a:prstGeom>
+          <a:noFill/>
+          <a:ln>
+            <a:noFill/>
+          </a:ln>
+        </p:spPr>
+        <p:txBody>
+          <a:bodyPr spcFirstLastPara="1" wrap="square" lIns="91425" tIns="45700" rIns="91425" bIns="45700" anchor="t" anchorCtr="0">
+            <a:noAutofit/>
+          </a:bodyPr>
+          <a:lstStyle>
+            <a:defPPr marR="0" lvl="0" algn="l" rtl="0">
+              <a:lnSpc>
+                <a:spcPct val="100000"/>
+              </a:lnSpc>
+              <a:spcBef>
+                <a:spcPts val="0"/>
+              </a:spcBef>
+              <a:spcAft>
+                <a:spcPts val="0"/>
+              </a:spcAft>
+            </a:defPPr>
+            <a:lvl1pPr marL="457200" marR="0" lvl="0" indent="-406400" algn="l" rtl="0">
+              <a:lnSpc>
+                <a:spcPct val="90000"/>
+              </a:lnSpc>
+              <a:spcBef>
+                <a:spcPts val="1000"/>
+              </a:spcBef>
+              <a:spcAft>
+                <a:spcPts val="0"/>
+              </a:spcAft>
+              <a:buClr>
+                <a:schemeClr val="dk1"/>
+              </a:buClr>
+              <a:buSzPts val="2800"/>
+              <a:buFont typeface="Arial"/>
+              <a:buChar char="•"/>
+              <a:defRPr sz="2800" b="0" i="0" u="none" strike="noStrike" cap="none">
+                <a:solidFill>
+                  <a:schemeClr val="dk1"/>
+                </a:solidFill>
+                <a:latin typeface="Calibri"/>
+                <a:ea typeface="Calibri"/>
+                <a:cs typeface="Calibri"/>
+                <a:sym typeface="Calibri"/>
+              </a:defRPr>
+            </a:lvl1pPr>
+            <a:lvl2pPr marL="914400" marR="0" lvl="1" indent="-381000" algn="l" rtl="0">
+              <a:lnSpc>
+                <a:spcPct val="90000"/>
+              </a:lnSpc>
+              <a:spcBef>
+                <a:spcPts val="500"/>
+              </a:spcBef>
+              <a:spcAft>
+                <a:spcPts val="0"/>
+              </a:spcAft>
+              <a:buClr>
+                <a:schemeClr val="dk1"/>
+              </a:buClr>
+              <a:buSzPts val="2400"/>
+              <a:buFont typeface="Arial"/>
+              <a:buChar char="•"/>
+              <a:defRPr sz="2400" b="0" i="0" u="none" strike="noStrike" cap="none">
+                <a:solidFill>
+                  <a:schemeClr val="dk1"/>
+                </a:solidFill>
+                <a:latin typeface="Calibri"/>
+                <a:ea typeface="Calibri"/>
+                <a:cs typeface="Calibri"/>
+                <a:sym typeface="Calibri"/>
+              </a:defRPr>
+            </a:lvl2pPr>
+            <a:lvl3pPr marL="1371600" marR="0" lvl="2" indent="-355600" algn="l" rtl="0">
+              <a:lnSpc>
+                <a:spcPct val="90000"/>
+              </a:lnSpc>
+              <a:spcBef>
+                <a:spcPts val="500"/>
+              </a:spcBef>
+              <a:spcAft>
+                <a:spcPts val="0"/>
+              </a:spcAft>
+              <a:buClr>
+                <a:schemeClr val="dk1"/>
+              </a:buClr>
+              <a:buSzPts val="2000"/>
+              <a:buFont typeface="Arial"/>
+              <a:buChar char="•"/>
+              <a:defRPr sz="2000" b="0" i="0" u="none" strike="noStrike" cap="none">
+                <a:solidFill>
+                  <a:schemeClr val="dk1"/>
+                </a:solidFill>
+                <a:latin typeface="Calibri"/>
+                <a:ea typeface="Calibri"/>
+                <a:cs typeface="Calibri"/>
+                <a:sym typeface="Calibri"/>
+              </a:defRPr>
+            </a:lvl3pPr>
+            <a:lvl4pPr marL="1828800" marR="0" lvl="3" indent="-342900" algn="l" rtl="0">
+              <a:lnSpc>
+                <a:spcPct val="90000"/>
+              </a:lnSpc>
+              <a:spcBef>
+                <a:spcPts val="500"/>
+              </a:spcBef>
+              <a:spcAft>
+                <a:spcPts val="0"/>
+              </a:spcAft>
+              <a:buClr>
+                <a:schemeClr val="dk1"/>
+              </a:buClr>
+              <a:buSzPts val="1800"/>
+              <a:buFont typeface="Arial"/>
+              <a:buChar char="•"/>
+              <a:defRPr sz="1800" b="0" i="0" u="none" strike="noStrike" cap="none">
+                <a:solidFill>
+                  <a:schemeClr val="dk1"/>
+                </a:solidFill>
+                <a:latin typeface="Calibri"/>
+                <a:ea typeface="Calibri"/>
+                <a:cs typeface="Calibri"/>
+                <a:sym typeface="Calibri"/>
+              </a:defRPr>
+            </a:lvl4pPr>
+            <a:lvl5pPr marL="2286000" marR="0" lvl="4" indent="-342900" algn="l" rtl="0">
+              <a:lnSpc>
+                <a:spcPct val="90000"/>
+              </a:lnSpc>
+              <a:spcBef>
+                <a:spcPts val="500"/>
+              </a:spcBef>
+              <a:spcAft>
+                <a:spcPts val="0"/>
+              </a:spcAft>
+              <a:buClr>
+                <a:schemeClr val="dk1"/>
+              </a:buClr>
+              <a:buSzPts val="1800"/>
+              <a:buFont typeface="Arial"/>
+              <a:buChar char="•"/>
+              <a:defRPr sz="1800" b="0" i="0" u="none" strike="noStrike" cap="none">
+                <a:solidFill>
+                  <a:schemeClr val="dk1"/>
+                </a:solidFill>
+                <a:latin typeface="Calibri"/>
+                <a:ea typeface="Calibri"/>
+                <a:cs typeface="Calibri"/>
+                <a:sym typeface="Calibri"/>
+              </a:defRPr>
+            </a:lvl5pPr>
+            <a:lvl6pPr marL="2743200" marR="0" lvl="5" indent="-342900" algn="l" rtl="0">
+              <a:lnSpc>
+                <a:spcPct val="90000"/>
+              </a:lnSpc>
+              <a:spcBef>
+                <a:spcPts val="500"/>
+              </a:spcBef>
+              <a:spcAft>
+                <a:spcPts val="0"/>
+              </a:spcAft>
+              <a:buClr>
+                <a:schemeClr val="dk1"/>
+              </a:buClr>
+              <a:buSzPts val="1800"/>
+              <a:buFont typeface="Arial"/>
+              <a:buChar char="•"/>
+              <a:defRPr sz="1800" b="0" i="0" u="none" strike="noStrike" cap="none">
+                <a:solidFill>
+                  <a:schemeClr val="dk1"/>
+                </a:solidFill>
+                <a:latin typeface="Calibri"/>
+                <a:ea typeface="Calibri"/>
+                <a:cs typeface="Calibri"/>
+                <a:sym typeface="Calibri"/>
+              </a:defRPr>
+            </a:lvl6pPr>
+            <a:lvl7pPr marL="3200400" marR="0" lvl="6" indent="-342900" algn="l" rtl="0">
+              <a:lnSpc>
+                <a:spcPct val="90000"/>
+              </a:lnSpc>
+              <a:spcBef>
+                <a:spcPts val="500"/>
+              </a:spcBef>
+              <a:spcAft>
+                <a:spcPts val="0"/>
+              </a:spcAft>
+              <a:buClr>
+                <a:schemeClr val="dk1"/>
+              </a:buClr>
+              <a:buSzPts val="1800"/>
+              <a:buFont typeface="Arial"/>
+              <a:buChar char="•"/>
+              <a:defRPr sz="1800" b="0" i="0" u="none" strike="noStrike" cap="none">
+                <a:solidFill>
+                  <a:schemeClr val="dk1"/>
+                </a:solidFill>
+                <a:latin typeface="Calibri"/>
+                <a:ea typeface="Calibri"/>
+                <a:cs typeface="Calibri"/>
+                <a:sym typeface="Calibri"/>
+              </a:defRPr>
+            </a:lvl7pPr>
+            <a:lvl8pPr marL="3657600" marR="0" lvl="7" indent="-342900" algn="l" rtl="0">
+              <a:lnSpc>
+                <a:spcPct val="90000"/>
+              </a:lnSpc>
+              <a:spcBef>
+                <a:spcPts val="500"/>
+              </a:spcBef>
+              <a:spcAft>
+                <a:spcPts val="0"/>
+              </a:spcAft>
+              <a:buClr>
+                <a:schemeClr val="dk1"/>
+              </a:buClr>
+              <a:buSzPts val="1800"/>
+              <a:buFont typeface="Arial"/>
+              <a:buChar char="•"/>
+              <a:defRPr sz="1800" b="0" i="0" u="none" strike="noStrike" cap="none">
+                <a:solidFill>
+                  <a:schemeClr val="dk1"/>
+                </a:solidFill>
+                <a:latin typeface="Calibri"/>
+                <a:ea typeface="Calibri"/>
+                <a:cs typeface="Calibri"/>
+                <a:sym typeface="Calibri"/>
+              </a:defRPr>
+            </a:lvl8pPr>
+            <a:lvl9pPr marL="4114800" marR="0" lvl="8" indent="-342900" algn="l" rtl="0">
+              <a:lnSpc>
+                <a:spcPct val="90000"/>
+              </a:lnSpc>
+              <a:spcBef>
+                <a:spcPts val="500"/>
+              </a:spcBef>
+              <a:spcAft>
+                <a:spcPts val="0"/>
+              </a:spcAft>
+              <a:buClr>
+                <a:schemeClr val="dk1"/>
+              </a:buClr>
+              <a:buSzPts val="1800"/>
+              <a:buFont typeface="Arial"/>
+              <a:buChar char="•"/>
+              <a:defRPr sz="1800" b="0" i="0" u="none" strike="noStrike" cap="none">
+                <a:solidFill>
+                  <a:schemeClr val="dk1"/>
+                </a:solidFill>
+                <a:latin typeface="Calibri"/>
+                <a:ea typeface="Calibri"/>
+                <a:cs typeface="Calibri"/>
+                <a:sym typeface="Calibri"/>
+              </a:defRPr>
+            </a:lvl9pPr>
+          </a:lstStyle>
+          <a:p>
+            <a:pPr marL="177800" indent="0">
+              <a:spcBef>
+                <a:spcPts val="0"/>
+              </a:spcBef>
+              <a:buNone/>
+            </a:pPr>
+            <a:r>
+              <a:rPr lang="en-US" sz="2400" dirty="0">
+                <a:solidFill>
+                  <a:schemeClr val="accent6">
+                    <a:lumMod val="50000"/>
+                  </a:schemeClr>
+                </a:solidFill>
+                <a:latin typeface="Calibri" panose="020F0502020204030204" pitchFamily="34" charset="0"/>
+                <a:cs typeface="Calibri" panose="020F0502020204030204" pitchFamily="34" charset="0"/>
+              </a:rPr>
+              <a:t>Using competitive model structure and training on Costco locations to recommend where Costco should open a new location, specifically for hearing centers. </a:t>
+            </a:r>
+          </a:p>
+          <a:p>
+            <a:pPr marL="177800" indent="0">
+              <a:spcBef>
+                <a:spcPts val="0"/>
+              </a:spcBef>
+              <a:buNone/>
+            </a:pPr>
+            <a:r>
+              <a:rPr lang="en-US" sz="2400" dirty="0">
+                <a:solidFill>
+                  <a:schemeClr val="accent6">
+                    <a:lumMod val="50000"/>
+                  </a:schemeClr>
+                </a:solidFill>
+                <a:latin typeface="Calibri" panose="020F0502020204030204" pitchFamily="34" charset="0"/>
+                <a:cs typeface="Calibri" panose="020F0502020204030204" pitchFamily="34" charset="0"/>
+              </a:rPr>
+              <a:t>Using precision and recall rather than accuracy to predict where they should have a hearing center but don’t.</a:t>
+            </a:r>
+          </a:p>
+        </p:txBody>
+      </p:sp>
+      <p:sp>
+        <p:nvSpPr>
+          <p:cNvPr id="4" name="Google Shape;245;p14">
+            <a:extLst>
+              <a:ext uri="{FF2B5EF4-FFF2-40B4-BE49-F238E27FC236}">
+                <a16:creationId xmlns:a16="http://schemas.microsoft.com/office/drawing/2014/main" id="{7781BCA2-71CC-92E7-186E-719F8EC2CBFB}"/>
+              </a:ext>
+            </a:extLst>
+          </p:cNvPr>
+          <p:cNvSpPr txBox="1">
+            <a:spLocks/>
+          </p:cNvSpPr>
+          <p:nvPr/>
+        </p:nvSpPr>
+        <p:spPr>
+          <a:xfrm>
+            <a:off x="4358023" y="4559539"/>
+            <a:ext cx="3499301" cy="2227341"/>
+          </a:xfrm>
+          <a:prstGeom prst="rect">
+            <a:avLst/>
+          </a:prstGeom>
+          <a:noFill/>
+          <a:ln>
+            <a:noFill/>
+          </a:ln>
+        </p:spPr>
+        <p:txBody>
+          <a:bodyPr spcFirstLastPara="1" wrap="square" lIns="91425" tIns="45700" rIns="91425" bIns="45700" anchor="t" anchorCtr="0">
+            <a:normAutofit/>
+          </a:bodyPr>
+          <a:lstStyle>
+            <a:defPPr marR="0" lvl="0" algn="l" rtl="0">
+              <a:lnSpc>
+                <a:spcPct val="100000"/>
+              </a:lnSpc>
+              <a:spcBef>
+                <a:spcPts val="0"/>
+              </a:spcBef>
+              <a:spcAft>
+                <a:spcPts val="0"/>
+              </a:spcAft>
+            </a:defPPr>
+            <a:lvl1pPr marL="457200" marR="0" lvl="0" indent="-406400" algn="l" rtl="0">
+              <a:lnSpc>
+                <a:spcPct val="90000"/>
+              </a:lnSpc>
+              <a:spcBef>
+                <a:spcPts val="1000"/>
+              </a:spcBef>
+              <a:spcAft>
+                <a:spcPts val="0"/>
+              </a:spcAft>
+              <a:buClr>
+                <a:schemeClr val="dk1"/>
+              </a:buClr>
+              <a:buSzPts val="2800"/>
+              <a:buFont typeface="Arial"/>
+              <a:buChar char="•"/>
+              <a:defRPr sz="2800" b="0" i="0" u="none" strike="noStrike" cap="none">
+                <a:solidFill>
+                  <a:schemeClr val="dk1"/>
+                </a:solidFill>
+                <a:latin typeface="Calibri"/>
+                <a:ea typeface="Calibri"/>
+                <a:cs typeface="Calibri"/>
+                <a:sym typeface="Calibri"/>
+              </a:defRPr>
+            </a:lvl1pPr>
+            <a:lvl2pPr marL="914400" marR="0" lvl="1" indent="-381000" algn="l" rtl="0">
+              <a:lnSpc>
+                <a:spcPct val="90000"/>
+              </a:lnSpc>
+              <a:spcBef>
+                <a:spcPts val="500"/>
+              </a:spcBef>
+              <a:spcAft>
+                <a:spcPts val="0"/>
+              </a:spcAft>
+              <a:buClr>
+                <a:schemeClr val="dk1"/>
+              </a:buClr>
+              <a:buSzPts val="2400"/>
+              <a:buFont typeface="Arial"/>
+              <a:buChar char="•"/>
+              <a:defRPr sz="2400" b="0" i="0" u="none" strike="noStrike" cap="none">
+                <a:solidFill>
+                  <a:schemeClr val="dk1"/>
+                </a:solidFill>
+                <a:latin typeface="Calibri"/>
+                <a:ea typeface="Calibri"/>
+                <a:cs typeface="Calibri"/>
+                <a:sym typeface="Calibri"/>
+              </a:defRPr>
+            </a:lvl2pPr>
+            <a:lvl3pPr marL="1371600" marR="0" lvl="2" indent="-355600" algn="l" rtl="0">
+              <a:lnSpc>
+                <a:spcPct val="90000"/>
+              </a:lnSpc>
+              <a:spcBef>
+                <a:spcPts val="500"/>
+              </a:spcBef>
+              <a:spcAft>
+                <a:spcPts val="0"/>
+              </a:spcAft>
+              <a:buClr>
+                <a:schemeClr val="dk1"/>
+              </a:buClr>
+              <a:buSzPts val="2000"/>
+              <a:buFont typeface="Arial"/>
+              <a:buChar char="•"/>
+              <a:defRPr sz="2000" b="0" i="0" u="none" strike="noStrike" cap="none">
+                <a:solidFill>
+                  <a:schemeClr val="dk1"/>
+                </a:solidFill>
+                <a:latin typeface="Calibri"/>
+                <a:ea typeface="Calibri"/>
+                <a:cs typeface="Calibri"/>
+                <a:sym typeface="Calibri"/>
+              </a:defRPr>
+            </a:lvl3pPr>
+            <a:lvl4pPr marL="1828800" marR="0" lvl="3" indent="-342900" algn="l" rtl="0">
+              <a:lnSpc>
+                <a:spcPct val="90000"/>
+              </a:lnSpc>
+              <a:spcBef>
+                <a:spcPts val="500"/>
+              </a:spcBef>
+              <a:spcAft>
+                <a:spcPts val="0"/>
+              </a:spcAft>
+              <a:buClr>
+                <a:schemeClr val="dk1"/>
+              </a:buClr>
+              <a:buSzPts val="1800"/>
+              <a:buFont typeface="Arial"/>
+              <a:buChar char="•"/>
+              <a:defRPr sz="1800" b="0" i="0" u="none" strike="noStrike" cap="none">
+                <a:solidFill>
+                  <a:schemeClr val="dk1"/>
+                </a:solidFill>
+                <a:latin typeface="Calibri"/>
+                <a:ea typeface="Calibri"/>
+                <a:cs typeface="Calibri"/>
+                <a:sym typeface="Calibri"/>
+              </a:defRPr>
+            </a:lvl4pPr>
+            <a:lvl5pPr marL="2286000" marR="0" lvl="4" indent="-342900" algn="l" rtl="0">
+              <a:lnSpc>
+                <a:spcPct val="90000"/>
+              </a:lnSpc>
+              <a:spcBef>
+                <a:spcPts val="500"/>
+              </a:spcBef>
+              <a:spcAft>
+                <a:spcPts val="0"/>
+              </a:spcAft>
+              <a:buClr>
+                <a:schemeClr val="dk1"/>
+              </a:buClr>
+              <a:buSzPts val="1800"/>
+              <a:buFont typeface="Arial"/>
+              <a:buChar char="•"/>
+              <a:defRPr sz="1800" b="0" i="0" u="none" strike="noStrike" cap="none">
+                <a:solidFill>
+                  <a:schemeClr val="dk1"/>
+                </a:solidFill>
+                <a:latin typeface="Calibri"/>
+                <a:ea typeface="Calibri"/>
+                <a:cs typeface="Calibri"/>
+                <a:sym typeface="Calibri"/>
+              </a:defRPr>
+            </a:lvl5pPr>
+            <a:lvl6pPr marL="2743200" marR="0" lvl="5" indent="-342900" algn="l" rtl="0">
+              <a:lnSpc>
+                <a:spcPct val="90000"/>
+              </a:lnSpc>
+              <a:spcBef>
+                <a:spcPts val="500"/>
+              </a:spcBef>
+              <a:spcAft>
+                <a:spcPts val="0"/>
+              </a:spcAft>
+              <a:buClr>
+                <a:schemeClr val="dk1"/>
+              </a:buClr>
+              <a:buSzPts val="1800"/>
+              <a:buFont typeface="Arial"/>
+              <a:buChar char="•"/>
+              <a:defRPr sz="1800" b="0" i="0" u="none" strike="noStrike" cap="none">
+                <a:solidFill>
+                  <a:schemeClr val="dk1"/>
+                </a:solidFill>
+                <a:latin typeface="Calibri"/>
+                <a:ea typeface="Calibri"/>
+                <a:cs typeface="Calibri"/>
+                <a:sym typeface="Calibri"/>
+              </a:defRPr>
+            </a:lvl6pPr>
+            <a:lvl7pPr marL="3200400" marR="0" lvl="6" indent="-342900" algn="l" rtl="0">
+              <a:lnSpc>
+                <a:spcPct val="90000"/>
+              </a:lnSpc>
+              <a:spcBef>
+                <a:spcPts val="500"/>
+              </a:spcBef>
+              <a:spcAft>
+                <a:spcPts val="0"/>
+              </a:spcAft>
+              <a:buClr>
+                <a:schemeClr val="dk1"/>
+              </a:buClr>
+              <a:buSzPts val="1800"/>
+              <a:buFont typeface="Arial"/>
+              <a:buChar char="•"/>
+              <a:defRPr sz="1800" b="0" i="0" u="none" strike="noStrike" cap="none">
+                <a:solidFill>
+                  <a:schemeClr val="dk1"/>
+                </a:solidFill>
+                <a:latin typeface="Calibri"/>
+                <a:ea typeface="Calibri"/>
+                <a:cs typeface="Calibri"/>
+                <a:sym typeface="Calibri"/>
+              </a:defRPr>
+            </a:lvl7pPr>
+            <a:lvl8pPr marL="3657600" marR="0" lvl="7" indent="-342900" algn="l" rtl="0">
+              <a:lnSpc>
+                <a:spcPct val="90000"/>
+              </a:lnSpc>
+              <a:spcBef>
+                <a:spcPts val="500"/>
+              </a:spcBef>
+              <a:spcAft>
+                <a:spcPts val="0"/>
+              </a:spcAft>
+              <a:buClr>
+                <a:schemeClr val="dk1"/>
+              </a:buClr>
+              <a:buSzPts val="1800"/>
+              <a:buFont typeface="Arial"/>
+              <a:buChar char="•"/>
+              <a:defRPr sz="1800" b="0" i="0" u="none" strike="noStrike" cap="none">
+                <a:solidFill>
+                  <a:schemeClr val="dk1"/>
+                </a:solidFill>
+                <a:latin typeface="Calibri"/>
+                <a:ea typeface="Calibri"/>
+                <a:cs typeface="Calibri"/>
+                <a:sym typeface="Calibri"/>
+              </a:defRPr>
+            </a:lvl8pPr>
+            <a:lvl9pPr marL="4114800" marR="0" lvl="8" indent="-342900" algn="l" rtl="0">
+              <a:lnSpc>
+                <a:spcPct val="90000"/>
+              </a:lnSpc>
+              <a:spcBef>
+                <a:spcPts val="500"/>
+              </a:spcBef>
+              <a:spcAft>
+                <a:spcPts val="0"/>
+              </a:spcAft>
+              <a:buClr>
+                <a:schemeClr val="dk1"/>
+              </a:buClr>
+              <a:buSzPts val="1800"/>
+              <a:buFont typeface="Arial"/>
+              <a:buChar char="•"/>
+              <a:defRPr sz="1800" b="0" i="0" u="none" strike="noStrike" cap="none">
+                <a:solidFill>
+                  <a:schemeClr val="dk1"/>
+                </a:solidFill>
+                <a:latin typeface="Calibri"/>
+                <a:ea typeface="Calibri"/>
+                <a:cs typeface="Calibri"/>
+                <a:sym typeface="Calibri"/>
+              </a:defRPr>
+            </a:lvl9pPr>
+          </a:lstStyle>
+          <a:p>
+            <a:pPr marL="177800" lvl="0" indent="0" algn="l" rtl="0">
+              <a:lnSpc>
+                <a:spcPct val="90000"/>
+              </a:lnSpc>
+              <a:spcBef>
+                <a:spcPts val="0"/>
+              </a:spcBef>
+              <a:spcAft>
+                <a:spcPts val="0"/>
+              </a:spcAft>
+              <a:buClr>
+                <a:schemeClr val="dk1"/>
+              </a:buClr>
+              <a:buSzPts val="2800"/>
+              <a:buNone/>
+            </a:pPr>
+            <a:r>
+              <a:rPr lang="en-US" sz="1900" dirty="0">
+                <a:latin typeface="Calibri" panose="020F0502020204030204" pitchFamily="34" charset="0"/>
+                <a:cs typeface="Calibri" panose="020F0502020204030204" pitchFamily="34" charset="0"/>
+              </a:rPr>
+              <a:t>Supervised Machine Learning:</a:t>
+            </a:r>
+          </a:p>
+          <a:p>
+            <a:pPr marL="177800" lvl="0" indent="0" algn="l" rtl="0">
+              <a:lnSpc>
+                <a:spcPct val="90000"/>
+              </a:lnSpc>
+              <a:spcBef>
+                <a:spcPts val="0"/>
+              </a:spcBef>
+              <a:spcAft>
+                <a:spcPts val="0"/>
+              </a:spcAft>
+              <a:buClr>
+                <a:schemeClr val="dk1"/>
+              </a:buClr>
+              <a:buSzPts val="2800"/>
+              <a:buNone/>
+            </a:pPr>
+            <a:r>
+              <a:rPr lang="en-US" sz="1900" i="1" u="sng" dirty="0">
+                <a:latin typeface="Calibri" panose="020F0502020204030204" pitchFamily="34" charset="0"/>
+                <a:cs typeface="Calibri" panose="020F0502020204030204" pitchFamily="34" charset="0"/>
+              </a:rPr>
+              <a:t>SMOTEENN</a:t>
+            </a:r>
+          </a:p>
+          <a:p>
+            <a:pPr marL="635000" indent="-457200">
+              <a:spcBef>
+                <a:spcPts val="0"/>
+              </a:spcBef>
+              <a:buFont typeface="Arial" panose="020B0604020202020204" pitchFamily="34" charset="0"/>
+              <a:buChar char="•"/>
+            </a:pPr>
+            <a:r>
+              <a:rPr lang="en-US" sz="1900" dirty="0">
+                <a:latin typeface="Calibri" panose="020F0502020204030204" pitchFamily="34" charset="0"/>
+                <a:cs typeface="Calibri" panose="020F0502020204030204" pitchFamily="34" charset="0"/>
+              </a:rPr>
+              <a:t>Chooses random points from training data-set to perform calculations (imbalanced classification) </a:t>
+            </a:r>
+            <a:endParaRPr lang="en-US" sz="2300" dirty="0">
+              <a:latin typeface="Calibri" panose="020F0502020204030204" pitchFamily="34" charset="0"/>
+              <a:cs typeface="Calibri" panose="020F0502020204030204" pitchFamily="34" charset="0"/>
+            </a:endParaRPr>
+          </a:p>
+          <a:p>
+            <a:pPr marL="1092200" lvl="1" indent="-457200">
+              <a:spcBef>
+                <a:spcPts val="0"/>
+              </a:spcBef>
+              <a:buSzPts val="2800"/>
+              <a:buFont typeface="Arial" panose="020B0604020202020204" pitchFamily="34" charset="0"/>
+              <a:buChar char="•"/>
+            </a:pPr>
+            <a:r>
+              <a:rPr lang="en-US" sz="1600" dirty="0">
+                <a:latin typeface="Calibri" panose="020F0502020204030204" pitchFamily="34" charset="0"/>
+                <a:cs typeface="Calibri" panose="020F0502020204030204" pitchFamily="34" charset="0"/>
+              </a:rPr>
+              <a:t>Accuracy is</a:t>
+            </a:r>
+          </a:p>
+          <a:p>
+            <a:pPr marL="177800" lvl="0" indent="0" algn="l" rtl="0">
+              <a:lnSpc>
+                <a:spcPct val="90000"/>
+              </a:lnSpc>
+              <a:spcBef>
+                <a:spcPts val="0"/>
+              </a:spcBef>
+              <a:spcAft>
+                <a:spcPts val="0"/>
+              </a:spcAft>
+              <a:buClr>
+                <a:schemeClr val="dk1"/>
+              </a:buClr>
+              <a:buSzPts val="2800"/>
+              <a:buNone/>
+            </a:pPr>
+            <a:endParaRPr lang="en-US" sz="1900" dirty="0">
+              <a:latin typeface="Calibri" panose="020F0502020204030204" pitchFamily="34" charset="0"/>
+              <a:cs typeface="Calibri" panose="020F0502020204030204" pitchFamily="34" charset="0"/>
+            </a:endParaRPr>
+          </a:p>
+        </p:txBody>
+      </p:sp>
+      <p:sp>
+        <p:nvSpPr>
+          <p:cNvPr id="5" name="Google Shape;245;p14">
+            <a:extLst>
+              <a:ext uri="{FF2B5EF4-FFF2-40B4-BE49-F238E27FC236}">
+                <a16:creationId xmlns:a16="http://schemas.microsoft.com/office/drawing/2014/main" id="{7C161DFA-049D-90F6-EA65-06C38C5C0860}"/>
+              </a:ext>
+            </a:extLst>
+          </p:cNvPr>
+          <p:cNvSpPr txBox="1">
+            <a:spLocks/>
+          </p:cNvSpPr>
+          <p:nvPr/>
+        </p:nvSpPr>
+        <p:spPr>
+          <a:xfrm>
+            <a:off x="244458" y="4510226"/>
+            <a:ext cx="4090219" cy="2276653"/>
+          </a:xfrm>
+          <a:prstGeom prst="rect">
+            <a:avLst/>
+          </a:prstGeom>
+          <a:noFill/>
+          <a:ln>
+            <a:noFill/>
+          </a:ln>
+        </p:spPr>
+        <p:txBody>
+          <a:bodyPr spcFirstLastPara="1" wrap="square" lIns="91425" tIns="45700" rIns="91425" bIns="45700" anchor="t" anchorCtr="0">
+            <a:noAutofit/>
+          </a:bodyPr>
+          <a:lstStyle>
+            <a:defPPr marR="0" lvl="0" algn="l" rtl="0">
+              <a:lnSpc>
+                <a:spcPct val="100000"/>
+              </a:lnSpc>
+              <a:spcBef>
+                <a:spcPts val="0"/>
+              </a:spcBef>
+              <a:spcAft>
+                <a:spcPts val="0"/>
+              </a:spcAft>
+            </a:defPPr>
+            <a:lvl1pPr marL="457200" marR="0" lvl="0" indent="-406400" algn="l" rtl="0">
+              <a:lnSpc>
+                <a:spcPct val="90000"/>
+              </a:lnSpc>
+              <a:spcBef>
+                <a:spcPts val="1000"/>
+              </a:spcBef>
+              <a:spcAft>
+                <a:spcPts val="0"/>
+              </a:spcAft>
+              <a:buClr>
+                <a:schemeClr val="dk1"/>
+              </a:buClr>
+              <a:buSzPts val="2800"/>
+              <a:buFont typeface="Arial"/>
+              <a:buChar char="•"/>
+              <a:defRPr sz="2800" b="0" i="0" u="none" strike="noStrike" cap="none">
+                <a:solidFill>
+                  <a:schemeClr val="dk1"/>
+                </a:solidFill>
+                <a:latin typeface="Calibri"/>
+                <a:ea typeface="Calibri"/>
+                <a:cs typeface="Calibri"/>
+                <a:sym typeface="Calibri"/>
+              </a:defRPr>
+            </a:lvl1pPr>
+            <a:lvl2pPr marL="914400" marR="0" lvl="1" indent="-381000" algn="l" rtl="0">
+              <a:lnSpc>
+                <a:spcPct val="90000"/>
+              </a:lnSpc>
+              <a:spcBef>
+                <a:spcPts val="500"/>
+              </a:spcBef>
+              <a:spcAft>
+                <a:spcPts val="0"/>
+              </a:spcAft>
+              <a:buClr>
+                <a:schemeClr val="dk1"/>
+              </a:buClr>
+              <a:buSzPts val="2400"/>
+              <a:buFont typeface="Arial"/>
+              <a:buChar char="•"/>
+              <a:defRPr sz="2400" b="0" i="0" u="none" strike="noStrike" cap="none">
+                <a:solidFill>
+                  <a:schemeClr val="dk1"/>
+                </a:solidFill>
+                <a:latin typeface="Calibri"/>
+                <a:ea typeface="Calibri"/>
+                <a:cs typeface="Calibri"/>
+                <a:sym typeface="Calibri"/>
+              </a:defRPr>
+            </a:lvl2pPr>
+            <a:lvl3pPr marL="1371600" marR="0" lvl="2" indent="-355600" algn="l" rtl="0">
+              <a:lnSpc>
+                <a:spcPct val="90000"/>
+              </a:lnSpc>
+              <a:spcBef>
+                <a:spcPts val="500"/>
+              </a:spcBef>
+              <a:spcAft>
+                <a:spcPts val="0"/>
+              </a:spcAft>
+              <a:buClr>
+                <a:schemeClr val="dk1"/>
+              </a:buClr>
+              <a:buSzPts val="2000"/>
+              <a:buFont typeface="Arial"/>
+              <a:buChar char="•"/>
+              <a:defRPr sz="2000" b="0" i="0" u="none" strike="noStrike" cap="none">
+                <a:solidFill>
+                  <a:schemeClr val="dk1"/>
+                </a:solidFill>
+                <a:latin typeface="Calibri"/>
+                <a:ea typeface="Calibri"/>
+                <a:cs typeface="Calibri"/>
+                <a:sym typeface="Calibri"/>
+              </a:defRPr>
+            </a:lvl3pPr>
+            <a:lvl4pPr marL="1828800" marR="0" lvl="3" indent="-342900" algn="l" rtl="0">
+              <a:lnSpc>
+                <a:spcPct val="90000"/>
+              </a:lnSpc>
+              <a:spcBef>
+                <a:spcPts val="500"/>
+              </a:spcBef>
+              <a:spcAft>
+                <a:spcPts val="0"/>
+              </a:spcAft>
+              <a:buClr>
+                <a:schemeClr val="dk1"/>
+              </a:buClr>
+              <a:buSzPts val="1800"/>
+              <a:buFont typeface="Arial"/>
+              <a:buChar char="•"/>
+              <a:defRPr sz="1800" b="0" i="0" u="none" strike="noStrike" cap="none">
+                <a:solidFill>
+                  <a:schemeClr val="dk1"/>
+                </a:solidFill>
+                <a:latin typeface="Calibri"/>
+                <a:ea typeface="Calibri"/>
+                <a:cs typeface="Calibri"/>
+                <a:sym typeface="Calibri"/>
+              </a:defRPr>
+            </a:lvl4pPr>
+            <a:lvl5pPr marL="2286000" marR="0" lvl="4" indent="-342900" algn="l" rtl="0">
+              <a:lnSpc>
+                <a:spcPct val="90000"/>
+              </a:lnSpc>
+              <a:spcBef>
+                <a:spcPts val="500"/>
+              </a:spcBef>
+              <a:spcAft>
+                <a:spcPts val="0"/>
+              </a:spcAft>
+              <a:buClr>
+                <a:schemeClr val="dk1"/>
+              </a:buClr>
+              <a:buSzPts val="1800"/>
+              <a:buFont typeface="Arial"/>
+              <a:buChar char="•"/>
+              <a:defRPr sz="1800" b="0" i="0" u="none" strike="noStrike" cap="none">
+                <a:solidFill>
+                  <a:schemeClr val="dk1"/>
+                </a:solidFill>
+                <a:latin typeface="Calibri"/>
+                <a:ea typeface="Calibri"/>
+                <a:cs typeface="Calibri"/>
+                <a:sym typeface="Calibri"/>
+              </a:defRPr>
+            </a:lvl5pPr>
+            <a:lvl6pPr marL="2743200" marR="0" lvl="5" indent="-342900" algn="l" rtl="0">
+              <a:lnSpc>
+                <a:spcPct val="90000"/>
+              </a:lnSpc>
+              <a:spcBef>
+                <a:spcPts val="500"/>
+              </a:spcBef>
+              <a:spcAft>
+                <a:spcPts val="0"/>
+              </a:spcAft>
+              <a:buClr>
+                <a:schemeClr val="dk1"/>
+              </a:buClr>
+              <a:buSzPts val="1800"/>
+              <a:buFont typeface="Arial"/>
+              <a:buChar char="•"/>
+              <a:defRPr sz="1800" b="0" i="0" u="none" strike="noStrike" cap="none">
+                <a:solidFill>
+                  <a:schemeClr val="dk1"/>
+                </a:solidFill>
+                <a:latin typeface="Calibri"/>
+                <a:ea typeface="Calibri"/>
+                <a:cs typeface="Calibri"/>
+                <a:sym typeface="Calibri"/>
+              </a:defRPr>
+            </a:lvl6pPr>
+            <a:lvl7pPr marL="3200400" marR="0" lvl="6" indent="-342900" algn="l" rtl="0">
+              <a:lnSpc>
+                <a:spcPct val="90000"/>
+              </a:lnSpc>
+              <a:spcBef>
+                <a:spcPts val="500"/>
+              </a:spcBef>
+              <a:spcAft>
+                <a:spcPts val="0"/>
+              </a:spcAft>
+              <a:buClr>
+                <a:schemeClr val="dk1"/>
+              </a:buClr>
+              <a:buSzPts val="1800"/>
+              <a:buFont typeface="Arial"/>
+              <a:buChar char="•"/>
+              <a:defRPr sz="1800" b="0" i="0" u="none" strike="noStrike" cap="none">
+                <a:solidFill>
+                  <a:schemeClr val="dk1"/>
+                </a:solidFill>
+                <a:latin typeface="Calibri"/>
+                <a:ea typeface="Calibri"/>
+                <a:cs typeface="Calibri"/>
+                <a:sym typeface="Calibri"/>
+              </a:defRPr>
+            </a:lvl7pPr>
+            <a:lvl8pPr marL="3657600" marR="0" lvl="7" indent="-342900" algn="l" rtl="0">
+              <a:lnSpc>
+                <a:spcPct val="90000"/>
+              </a:lnSpc>
+              <a:spcBef>
+                <a:spcPts val="500"/>
+              </a:spcBef>
+              <a:spcAft>
+                <a:spcPts val="0"/>
+              </a:spcAft>
+              <a:buClr>
+                <a:schemeClr val="dk1"/>
+              </a:buClr>
+              <a:buSzPts val="1800"/>
+              <a:buFont typeface="Arial"/>
+              <a:buChar char="•"/>
+              <a:defRPr sz="1800" b="0" i="0" u="none" strike="noStrike" cap="none">
+                <a:solidFill>
+                  <a:schemeClr val="dk1"/>
+                </a:solidFill>
+                <a:latin typeface="Calibri"/>
+                <a:ea typeface="Calibri"/>
+                <a:cs typeface="Calibri"/>
+                <a:sym typeface="Calibri"/>
+              </a:defRPr>
+            </a:lvl8pPr>
+            <a:lvl9pPr marL="4114800" marR="0" lvl="8" indent="-342900" algn="l" rtl="0">
+              <a:lnSpc>
+                <a:spcPct val="90000"/>
+              </a:lnSpc>
+              <a:spcBef>
+                <a:spcPts val="500"/>
+              </a:spcBef>
+              <a:spcAft>
+                <a:spcPts val="0"/>
+              </a:spcAft>
+              <a:buClr>
+                <a:schemeClr val="dk1"/>
+              </a:buClr>
+              <a:buSzPts val="1800"/>
+              <a:buFont typeface="Arial"/>
+              <a:buChar char="•"/>
+              <a:defRPr sz="1800" b="0" i="0" u="none" strike="noStrike" cap="none">
+                <a:solidFill>
+                  <a:schemeClr val="dk1"/>
+                </a:solidFill>
+                <a:latin typeface="Calibri"/>
+                <a:ea typeface="Calibri"/>
+                <a:cs typeface="Calibri"/>
+                <a:sym typeface="Calibri"/>
+              </a:defRPr>
+            </a:lvl9pPr>
+          </a:lstStyle>
+          <a:p>
+            <a:pPr marL="177800" lvl="0" indent="0" algn="l" rtl="0">
+              <a:lnSpc>
+                <a:spcPct val="90000"/>
+              </a:lnSpc>
+              <a:spcBef>
+                <a:spcPts val="0"/>
+              </a:spcBef>
+              <a:spcAft>
+                <a:spcPts val="0"/>
+              </a:spcAft>
+              <a:buClr>
+                <a:schemeClr val="dk1"/>
+              </a:buClr>
+              <a:buSzPts val="2800"/>
+              <a:buNone/>
+            </a:pPr>
+            <a:r>
+              <a:rPr lang="en-US" sz="1900" dirty="0">
+                <a:latin typeface="Calibri" panose="020F0502020204030204" pitchFamily="34" charset="0"/>
+                <a:cs typeface="Calibri" panose="020F0502020204030204" pitchFamily="34" charset="0"/>
+              </a:rPr>
+              <a:t>Supervised Machine Learning:</a:t>
+            </a:r>
+          </a:p>
+          <a:p>
+            <a:pPr marL="177800" lvl="0" indent="0" algn="l" rtl="0">
+              <a:lnSpc>
+                <a:spcPct val="90000"/>
+              </a:lnSpc>
+              <a:spcBef>
+                <a:spcPts val="0"/>
+              </a:spcBef>
+              <a:spcAft>
+                <a:spcPts val="0"/>
+              </a:spcAft>
+              <a:buClr>
+                <a:schemeClr val="dk1"/>
+              </a:buClr>
+              <a:buSzPts val="2800"/>
+              <a:buNone/>
+            </a:pPr>
+            <a:r>
+              <a:rPr lang="en-US" sz="1900" i="1" u="sng" dirty="0">
+                <a:latin typeface="Calibri" panose="020F0502020204030204" pitchFamily="34" charset="0"/>
+                <a:cs typeface="Calibri" panose="020F0502020204030204" pitchFamily="34" charset="0"/>
+              </a:rPr>
+              <a:t>RandomForest</a:t>
+            </a:r>
+          </a:p>
+          <a:p>
+            <a:pPr marL="520700" lvl="0" indent="-342900" algn="l" rtl="0">
+              <a:lnSpc>
+                <a:spcPct val="90000"/>
+              </a:lnSpc>
+              <a:spcBef>
+                <a:spcPts val="0"/>
+              </a:spcBef>
+              <a:spcAft>
+                <a:spcPts val="0"/>
+              </a:spcAft>
+              <a:buClr>
+                <a:schemeClr val="dk1"/>
+              </a:buClr>
+              <a:buSzPts val="2800"/>
+              <a:buFont typeface="Arial" panose="020B0604020202020204" pitchFamily="34" charset="0"/>
+              <a:buChar char="•"/>
+            </a:pPr>
+            <a:r>
+              <a:rPr lang="en-US" sz="1900" dirty="0">
+                <a:latin typeface="Calibri" panose="020F0502020204030204" pitchFamily="34" charset="0"/>
+                <a:cs typeface="Calibri" panose="020F0502020204030204" pitchFamily="34" charset="0"/>
+              </a:rPr>
+              <a:t>Builds decision trees on different samples</a:t>
+            </a:r>
+          </a:p>
+          <a:p>
+            <a:pPr marL="520700" lvl="0" indent="-342900" algn="l" rtl="0">
+              <a:lnSpc>
+                <a:spcPct val="90000"/>
+              </a:lnSpc>
+              <a:spcBef>
+                <a:spcPts val="0"/>
+              </a:spcBef>
+              <a:spcAft>
+                <a:spcPts val="0"/>
+              </a:spcAft>
+              <a:buClr>
+                <a:schemeClr val="dk1"/>
+              </a:buClr>
+              <a:buSzPts val="2800"/>
+              <a:buFont typeface="Arial" panose="020B0604020202020204" pitchFamily="34" charset="0"/>
+              <a:buChar char="•"/>
+            </a:pPr>
+            <a:r>
+              <a:rPr lang="en-US" sz="1900" dirty="0">
+                <a:latin typeface="Calibri" panose="020F0502020204030204" pitchFamily="34" charset="0"/>
+                <a:cs typeface="Calibri" panose="020F0502020204030204" pitchFamily="34" charset="0"/>
+              </a:rPr>
+              <a:t>Calculates majority for classification</a:t>
+            </a:r>
+          </a:p>
+          <a:p>
+            <a:pPr marL="520700" lvl="0" indent="-342900" algn="l" rtl="0">
+              <a:lnSpc>
+                <a:spcPct val="90000"/>
+              </a:lnSpc>
+              <a:spcBef>
+                <a:spcPts val="0"/>
+              </a:spcBef>
+              <a:spcAft>
+                <a:spcPts val="0"/>
+              </a:spcAft>
+              <a:buClr>
+                <a:schemeClr val="dk1"/>
+              </a:buClr>
+              <a:buSzPts val="2800"/>
+              <a:buFont typeface="Arial" panose="020B0604020202020204" pitchFamily="34" charset="0"/>
+              <a:buChar char="•"/>
+            </a:pPr>
+            <a:r>
+              <a:rPr lang="en-US" sz="1900" dirty="0">
+                <a:latin typeface="Calibri" panose="020F0502020204030204" pitchFamily="34" charset="0"/>
+                <a:cs typeface="Calibri" panose="020F0502020204030204" pitchFamily="34" charset="0"/>
+              </a:rPr>
+              <a:t>Calculates average for regression</a:t>
+            </a:r>
+          </a:p>
+          <a:p>
+            <a:pPr marL="1092200" lvl="1" indent="-457200">
+              <a:spcBef>
+                <a:spcPts val="0"/>
+              </a:spcBef>
+              <a:buSzPts val="2800"/>
+              <a:buFont typeface="Arial" panose="020B0604020202020204" pitchFamily="34" charset="0"/>
+              <a:buChar char="•"/>
+            </a:pPr>
+            <a:r>
+              <a:rPr lang="en-US" sz="1600" dirty="0">
+                <a:latin typeface="Calibri" panose="020F0502020204030204" pitchFamily="34" charset="0"/>
+                <a:cs typeface="Calibri" panose="020F0502020204030204" pitchFamily="34" charset="0"/>
+              </a:rPr>
+              <a:t>Accuracy is </a:t>
+            </a:r>
+          </a:p>
+        </p:txBody>
+      </p:sp>
+      <p:sp>
+        <p:nvSpPr>
+          <p:cNvPr id="6" name="Google Shape;245;p14">
+            <a:extLst>
+              <a:ext uri="{FF2B5EF4-FFF2-40B4-BE49-F238E27FC236}">
+                <a16:creationId xmlns:a16="http://schemas.microsoft.com/office/drawing/2014/main" id="{556620CE-7115-9445-DA00-A0367CB6FCDD}"/>
+              </a:ext>
+            </a:extLst>
+          </p:cNvPr>
+          <p:cNvSpPr txBox="1">
+            <a:spLocks/>
+          </p:cNvSpPr>
+          <p:nvPr/>
+        </p:nvSpPr>
+        <p:spPr>
+          <a:xfrm>
+            <a:off x="7857324" y="4585208"/>
+            <a:ext cx="3822415" cy="2201672"/>
+          </a:xfrm>
+          <a:prstGeom prst="rect">
+            <a:avLst/>
+          </a:prstGeom>
+          <a:noFill/>
+          <a:ln>
+            <a:noFill/>
+          </a:ln>
+        </p:spPr>
+        <p:txBody>
+          <a:bodyPr spcFirstLastPara="1" wrap="square" lIns="91425" tIns="45700" rIns="91425" bIns="45700" anchor="t" anchorCtr="0">
+            <a:normAutofit/>
+          </a:bodyPr>
+          <a:lstStyle>
+            <a:defPPr marR="0" lvl="0" algn="l" rtl="0">
+              <a:lnSpc>
+                <a:spcPct val="100000"/>
+              </a:lnSpc>
+              <a:spcBef>
+                <a:spcPts val="0"/>
+              </a:spcBef>
+              <a:spcAft>
+                <a:spcPts val="0"/>
+              </a:spcAft>
+            </a:defPPr>
+            <a:lvl1pPr marL="457200" marR="0" lvl="0" indent="-406400" algn="l" rtl="0">
+              <a:lnSpc>
+                <a:spcPct val="90000"/>
+              </a:lnSpc>
+              <a:spcBef>
+                <a:spcPts val="1000"/>
+              </a:spcBef>
+              <a:spcAft>
+                <a:spcPts val="0"/>
+              </a:spcAft>
+              <a:buClr>
+                <a:schemeClr val="dk1"/>
+              </a:buClr>
+              <a:buSzPts val="2800"/>
+              <a:buFont typeface="Arial"/>
+              <a:buChar char="•"/>
+              <a:defRPr sz="2800" b="0" i="0" u="none" strike="noStrike" cap="none">
+                <a:solidFill>
+                  <a:schemeClr val="dk1"/>
+                </a:solidFill>
+                <a:latin typeface="Calibri"/>
+                <a:ea typeface="Calibri"/>
+                <a:cs typeface="Calibri"/>
+                <a:sym typeface="Calibri"/>
+              </a:defRPr>
+            </a:lvl1pPr>
+            <a:lvl2pPr marL="914400" marR="0" lvl="1" indent="-381000" algn="l" rtl="0">
+              <a:lnSpc>
+                <a:spcPct val="90000"/>
+              </a:lnSpc>
+              <a:spcBef>
+                <a:spcPts val="500"/>
+              </a:spcBef>
+              <a:spcAft>
+                <a:spcPts val="0"/>
+              </a:spcAft>
+              <a:buClr>
+                <a:schemeClr val="dk1"/>
+              </a:buClr>
+              <a:buSzPts val="2400"/>
+              <a:buFont typeface="Arial"/>
+              <a:buChar char="•"/>
+              <a:defRPr sz="2400" b="0" i="0" u="none" strike="noStrike" cap="none">
+                <a:solidFill>
+                  <a:schemeClr val="dk1"/>
+                </a:solidFill>
+                <a:latin typeface="Calibri"/>
+                <a:ea typeface="Calibri"/>
+                <a:cs typeface="Calibri"/>
+                <a:sym typeface="Calibri"/>
+              </a:defRPr>
+            </a:lvl2pPr>
+            <a:lvl3pPr marL="1371600" marR="0" lvl="2" indent="-355600" algn="l" rtl="0">
+              <a:lnSpc>
+                <a:spcPct val="90000"/>
+              </a:lnSpc>
+              <a:spcBef>
+                <a:spcPts val="500"/>
+              </a:spcBef>
+              <a:spcAft>
+                <a:spcPts val="0"/>
+              </a:spcAft>
+              <a:buClr>
+                <a:schemeClr val="dk1"/>
+              </a:buClr>
+              <a:buSzPts val="2000"/>
+              <a:buFont typeface="Arial"/>
+              <a:buChar char="•"/>
+              <a:defRPr sz="2000" b="0" i="0" u="none" strike="noStrike" cap="none">
+                <a:solidFill>
+                  <a:schemeClr val="dk1"/>
+                </a:solidFill>
+                <a:latin typeface="Calibri"/>
+                <a:ea typeface="Calibri"/>
+                <a:cs typeface="Calibri"/>
+                <a:sym typeface="Calibri"/>
+              </a:defRPr>
+            </a:lvl3pPr>
+            <a:lvl4pPr marL="1828800" marR="0" lvl="3" indent="-342900" algn="l" rtl="0">
+              <a:lnSpc>
+                <a:spcPct val="90000"/>
+              </a:lnSpc>
+              <a:spcBef>
+                <a:spcPts val="500"/>
+              </a:spcBef>
+              <a:spcAft>
+                <a:spcPts val="0"/>
+              </a:spcAft>
+              <a:buClr>
+                <a:schemeClr val="dk1"/>
+              </a:buClr>
+              <a:buSzPts val="1800"/>
+              <a:buFont typeface="Arial"/>
+              <a:buChar char="•"/>
+              <a:defRPr sz="1800" b="0" i="0" u="none" strike="noStrike" cap="none">
+                <a:solidFill>
+                  <a:schemeClr val="dk1"/>
+                </a:solidFill>
+                <a:latin typeface="Calibri"/>
+                <a:ea typeface="Calibri"/>
+                <a:cs typeface="Calibri"/>
+                <a:sym typeface="Calibri"/>
+              </a:defRPr>
+            </a:lvl4pPr>
+            <a:lvl5pPr marL="2286000" marR="0" lvl="4" indent="-342900" algn="l" rtl="0">
+              <a:lnSpc>
+                <a:spcPct val="90000"/>
+              </a:lnSpc>
+              <a:spcBef>
+                <a:spcPts val="500"/>
+              </a:spcBef>
+              <a:spcAft>
+                <a:spcPts val="0"/>
+              </a:spcAft>
+              <a:buClr>
+                <a:schemeClr val="dk1"/>
+              </a:buClr>
+              <a:buSzPts val="1800"/>
+              <a:buFont typeface="Arial"/>
+              <a:buChar char="•"/>
+              <a:defRPr sz="1800" b="0" i="0" u="none" strike="noStrike" cap="none">
+                <a:solidFill>
+                  <a:schemeClr val="dk1"/>
+                </a:solidFill>
+                <a:latin typeface="Calibri"/>
+                <a:ea typeface="Calibri"/>
+                <a:cs typeface="Calibri"/>
+                <a:sym typeface="Calibri"/>
+              </a:defRPr>
+            </a:lvl5pPr>
+            <a:lvl6pPr marL="2743200" marR="0" lvl="5" indent="-342900" algn="l" rtl="0">
+              <a:lnSpc>
+                <a:spcPct val="90000"/>
+              </a:lnSpc>
+              <a:spcBef>
+                <a:spcPts val="500"/>
+              </a:spcBef>
+              <a:spcAft>
+                <a:spcPts val="0"/>
+              </a:spcAft>
+              <a:buClr>
+                <a:schemeClr val="dk1"/>
+              </a:buClr>
+              <a:buSzPts val="1800"/>
+              <a:buFont typeface="Arial"/>
+              <a:buChar char="•"/>
+              <a:defRPr sz="1800" b="0" i="0" u="none" strike="noStrike" cap="none">
+                <a:solidFill>
+                  <a:schemeClr val="dk1"/>
+                </a:solidFill>
+                <a:latin typeface="Calibri"/>
+                <a:ea typeface="Calibri"/>
+                <a:cs typeface="Calibri"/>
+                <a:sym typeface="Calibri"/>
+              </a:defRPr>
+            </a:lvl6pPr>
+            <a:lvl7pPr marL="3200400" marR="0" lvl="6" indent="-342900" algn="l" rtl="0">
+              <a:lnSpc>
+                <a:spcPct val="90000"/>
+              </a:lnSpc>
+              <a:spcBef>
+                <a:spcPts val="500"/>
+              </a:spcBef>
+              <a:spcAft>
+                <a:spcPts val="0"/>
+              </a:spcAft>
+              <a:buClr>
+                <a:schemeClr val="dk1"/>
+              </a:buClr>
+              <a:buSzPts val="1800"/>
+              <a:buFont typeface="Arial"/>
+              <a:buChar char="•"/>
+              <a:defRPr sz="1800" b="0" i="0" u="none" strike="noStrike" cap="none">
+                <a:solidFill>
+                  <a:schemeClr val="dk1"/>
+                </a:solidFill>
+                <a:latin typeface="Calibri"/>
+                <a:ea typeface="Calibri"/>
+                <a:cs typeface="Calibri"/>
+                <a:sym typeface="Calibri"/>
+              </a:defRPr>
+            </a:lvl7pPr>
+            <a:lvl8pPr marL="3657600" marR="0" lvl="7" indent="-342900" algn="l" rtl="0">
+              <a:lnSpc>
+                <a:spcPct val="90000"/>
+              </a:lnSpc>
+              <a:spcBef>
+                <a:spcPts val="500"/>
+              </a:spcBef>
+              <a:spcAft>
+                <a:spcPts val="0"/>
+              </a:spcAft>
+              <a:buClr>
+                <a:schemeClr val="dk1"/>
+              </a:buClr>
+              <a:buSzPts val="1800"/>
+              <a:buFont typeface="Arial"/>
+              <a:buChar char="•"/>
+              <a:defRPr sz="1800" b="0" i="0" u="none" strike="noStrike" cap="none">
+                <a:solidFill>
+                  <a:schemeClr val="dk1"/>
+                </a:solidFill>
+                <a:latin typeface="Calibri"/>
+                <a:ea typeface="Calibri"/>
+                <a:cs typeface="Calibri"/>
+                <a:sym typeface="Calibri"/>
+              </a:defRPr>
+            </a:lvl8pPr>
+            <a:lvl9pPr marL="4114800" marR="0" lvl="8" indent="-342900" algn="l" rtl="0">
+              <a:lnSpc>
+                <a:spcPct val="90000"/>
+              </a:lnSpc>
+              <a:spcBef>
+                <a:spcPts val="500"/>
+              </a:spcBef>
+              <a:spcAft>
+                <a:spcPts val="0"/>
+              </a:spcAft>
+              <a:buClr>
+                <a:schemeClr val="dk1"/>
+              </a:buClr>
+              <a:buSzPts val="1800"/>
+              <a:buFont typeface="Arial"/>
+              <a:buChar char="•"/>
+              <a:defRPr sz="1800" b="0" i="0" u="none" strike="noStrike" cap="none">
+                <a:solidFill>
+                  <a:schemeClr val="dk1"/>
+                </a:solidFill>
+                <a:latin typeface="Calibri"/>
+                <a:ea typeface="Calibri"/>
+                <a:cs typeface="Calibri"/>
+                <a:sym typeface="Calibri"/>
+              </a:defRPr>
+            </a:lvl9pPr>
+          </a:lstStyle>
+          <a:p>
+            <a:pPr marL="177800" lvl="0" indent="0" algn="l" rtl="0">
+              <a:lnSpc>
+                <a:spcPct val="90000"/>
+              </a:lnSpc>
+              <a:spcBef>
+                <a:spcPts val="0"/>
+              </a:spcBef>
+              <a:spcAft>
+                <a:spcPts val="0"/>
+              </a:spcAft>
+              <a:buClr>
+                <a:schemeClr val="dk1"/>
+              </a:buClr>
+              <a:buSzPts val="2800"/>
+              <a:buNone/>
+            </a:pPr>
+            <a:r>
+              <a:rPr lang="en-US" sz="1900" dirty="0">
+                <a:latin typeface="Calibri" panose="020F0502020204030204" pitchFamily="34" charset="0"/>
+                <a:cs typeface="Calibri" panose="020F0502020204030204" pitchFamily="34" charset="0"/>
+              </a:rPr>
+              <a:t>Supervised Machine Learning:</a:t>
+            </a:r>
+          </a:p>
+          <a:p>
+            <a:pPr marL="177800" lvl="0" indent="0" algn="l" rtl="0">
+              <a:lnSpc>
+                <a:spcPct val="90000"/>
+              </a:lnSpc>
+              <a:spcBef>
+                <a:spcPts val="0"/>
+              </a:spcBef>
+              <a:spcAft>
+                <a:spcPts val="0"/>
+              </a:spcAft>
+              <a:buClr>
+                <a:schemeClr val="dk1"/>
+              </a:buClr>
+              <a:buSzPts val="2800"/>
+              <a:buNone/>
+            </a:pPr>
+            <a:r>
+              <a:rPr lang="en-US" sz="1900" i="1" u="sng" dirty="0">
+                <a:latin typeface="Calibri" panose="020F0502020204030204" pitchFamily="34" charset="0"/>
+                <a:cs typeface="Calibri" panose="020F0502020204030204" pitchFamily="34" charset="0"/>
+              </a:rPr>
+              <a:t>Logistic Regression</a:t>
+            </a:r>
+          </a:p>
+          <a:p>
+            <a:pPr marL="520700" lvl="0" indent="-342900" algn="l" rtl="0">
+              <a:lnSpc>
+                <a:spcPct val="90000"/>
+              </a:lnSpc>
+              <a:spcBef>
+                <a:spcPts val="0"/>
+              </a:spcBef>
+              <a:spcAft>
+                <a:spcPts val="0"/>
+              </a:spcAft>
+              <a:buClr>
+                <a:schemeClr val="dk1"/>
+              </a:buClr>
+              <a:buSzPts val="2800"/>
+              <a:buFont typeface="Arial" panose="020B0604020202020204" pitchFamily="34" charset="0"/>
+              <a:buChar char="•"/>
+            </a:pPr>
+            <a:r>
+              <a:rPr lang="en-US" sz="1900" dirty="0">
+                <a:latin typeface="Calibri" panose="020F0502020204030204" pitchFamily="34" charset="0"/>
+                <a:cs typeface="Calibri" panose="020F0502020204030204" pitchFamily="34" charset="0"/>
+              </a:rPr>
+              <a:t>Predicts probability of binary outcome, yes and no</a:t>
+            </a:r>
+          </a:p>
+          <a:p>
+            <a:pPr marL="520700" lvl="0" indent="-342900" algn="l" rtl="0">
+              <a:lnSpc>
+                <a:spcPct val="90000"/>
+              </a:lnSpc>
+              <a:spcBef>
+                <a:spcPts val="0"/>
+              </a:spcBef>
+              <a:spcAft>
+                <a:spcPts val="0"/>
+              </a:spcAft>
+              <a:buClr>
+                <a:schemeClr val="dk1"/>
+              </a:buClr>
+              <a:buSzPts val="2800"/>
+              <a:buFont typeface="Arial" panose="020B0604020202020204" pitchFamily="34" charset="0"/>
+              <a:buChar char="•"/>
+            </a:pPr>
+            <a:r>
+              <a:rPr lang="en-US" sz="1900" dirty="0">
+                <a:latin typeface="Calibri" panose="020F0502020204030204" pitchFamily="34" charset="0"/>
+                <a:cs typeface="Calibri" panose="020F0502020204030204" pitchFamily="34" charset="0"/>
+              </a:rPr>
+              <a:t>Observes a data set to find patterns to allow prediction</a:t>
+            </a:r>
+          </a:p>
+          <a:p>
+            <a:pPr marL="1092200" lvl="1" indent="-457200">
+              <a:spcBef>
+                <a:spcPts val="0"/>
+              </a:spcBef>
+              <a:buSzPts val="2800"/>
+              <a:buFont typeface="Arial" panose="020B0604020202020204" pitchFamily="34" charset="0"/>
+              <a:buChar char="•"/>
+            </a:pPr>
+            <a:r>
+              <a:rPr lang="en-US" sz="1600" dirty="0">
+                <a:latin typeface="Calibri" panose="020F0502020204030204" pitchFamily="34" charset="0"/>
+                <a:cs typeface="Calibri" panose="020F0502020204030204" pitchFamily="34" charset="0"/>
+              </a:rPr>
+              <a:t>Accuracy</a:t>
+            </a:r>
+            <a:endParaRPr lang="en-US" sz="1900" dirty="0">
+              <a:latin typeface="Calibri" panose="020F0502020204030204" pitchFamily="34" charset="0"/>
+              <a:cs typeface="Calibri" panose="020F0502020204030204" pitchFamily="34" charset="0"/>
+            </a:endParaRPr>
+          </a:p>
+        </p:txBody>
+      </p:sp>
     </p:spTree>
   </p:cSld>
   <p:clrMapOvr>
@@ -41055,7 +42881,7 @@
         <p:spPr>
           <a:xfrm>
             <a:off x="277535" y="265989"/>
-            <a:ext cx="10515600" cy="906011"/>
+            <a:ext cx="3262078" cy="906011"/>
           </a:xfrm>
           <a:prstGeom prst="rect">
             <a:avLst/>
@@ -41089,7 +42915,7 @@
               <a:buNone/>
             </a:pPr>
             <a:r>
-              <a:rPr lang="en-US" sz="4400">
+              <a:rPr lang="en-US" sz="4400" dirty="0">
                 <a:solidFill>
                   <a:schemeClr val="accent1"/>
                 </a:solidFill>
@@ -41100,7 +42926,7 @@
               </a:rPr>
               <a:t>Visualization: </a:t>
             </a:r>
-            <a:endParaRPr>
+            <a:endParaRPr dirty="0">
               <a:solidFill>
                 <a:schemeClr val="accent1"/>
               </a:solidFill>
@@ -41120,8 +42946,8 @@
         </p:nvSpPr>
         <p:spPr>
           <a:xfrm>
-            <a:off x="755650" y="3198481"/>
-            <a:ext cx="4957763" cy="2682875"/>
+            <a:off x="1274820" y="4077019"/>
+            <a:ext cx="3179194" cy="1697984"/>
           </a:xfrm>
           <a:prstGeom prst="rect">
             <a:avLst/>
@@ -41137,7 +42963,7 @@
           </a:bodyPr>
           <a:lstStyle/>
           <a:p>
-            <a:pPr marL="228600" lvl="0" indent="-50800" algn="l" rtl="0">
+            <a:pPr marL="635000" lvl="0" indent="-457200" algn="l" rtl="0">
               <a:lnSpc>
                 <a:spcPct val="90000"/>
               </a:lnSpc>
@@ -41151,9 +42977,117 @@
                 <a:schemeClr val="dk1"/>
               </a:buClr>
               <a:buSzPts val="2800"/>
-              <a:buNone/>
+              <a:buFont typeface="Arial" panose="020B0604020202020204" pitchFamily="34" charset="0"/>
+              <a:buChar char="•"/>
             </a:pPr>
-            <a:endParaRPr/>
+            <a:r>
+              <a:rPr lang="en-US" sz="2000" dirty="0">
+                <a:latin typeface="Calibri" panose="020F0502020204030204" pitchFamily="34" charset="0"/>
+                <a:cs typeface="Calibri" panose="020F0502020204030204" pitchFamily="34" charset="0"/>
+              </a:rPr>
+              <a:t>JavaScript</a:t>
+            </a:r>
+          </a:p>
+          <a:p>
+            <a:pPr marL="635000" lvl="0" indent="-457200" algn="l" rtl="0">
+              <a:lnSpc>
+                <a:spcPct val="90000"/>
+              </a:lnSpc>
+              <a:spcBef>
+                <a:spcPts val="0"/>
+              </a:spcBef>
+              <a:spcAft>
+                <a:spcPts val="0"/>
+              </a:spcAft>
+              <a:buClr>
+                <a:schemeClr val="dk1"/>
+              </a:buClr>
+              <a:buSzPts val="2800"/>
+              <a:buFont typeface="Arial" panose="020B0604020202020204" pitchFamily="34" charset="0"/>
+              <a:buChar char="•"/>
+            </a:pPr>
+            <a:r>
+              <a:rPr lang="en-US" sz="2000" dirty="0">
+                <a:latin typeface="Calibri" panose="020F0502020204030204" pitchFamily="34" charset="0"/>
+                <a:cs typeface="Calibri" panose="020F0502020204030204" pitchFamily="34" charset="0"/>
+              </a:rPr>
+              <a:t>HTML</a:t>
+            </a:r>
+          </a:p>
+          <a:p>
+            <a:pPr marL="635000" lvl="0" indent="-457200" algn="l" rtl="0">
+              <a:lnSpc>
+                <a:spcPct val="90000"/>
+              </a:lnSpc>
+              <a:spcBef>
+                <a:spcPts val="0"/>
+              </a:spcBef>
+              <a:spcAft>
+                <a:spcPts val="0"/>
+              </a:spcAft>
+              <a:buClr>
+                <a:schemeClr val="dk1"/>
+              </a:buClr>
+              <a:buSzPts val="2800"/>
+              <a:buFont typeface="Arial" panose="020B0604020202020204" pitchFamily="34" charset="0"/>
+              <a:buChar char="•"/>
+            </a:pPr>
+            <a:r>
+              <a:rPr lang="en-US" sz="2000" dirty="0">
+                <a:latin typeface="Calibri" panose="020F0502020204030204" pitchFamily="34" charset="0"/>
+                <a:cs typeface="Calibri" panose="020F0502020204030204" pitchFamily="34" charset="0"/>
+              </a:rPr>
+              <a:t>Flask</a:t>
+            </a:r>
+          </a:p>
+          <a:p>
+            <a:pPr marL="635000" lvl="0" indent="-457200" algn="l" rtl="0">
+              <a:lnSpc>
+                <a:spcPct val="90000"/>
+              </a:lnSpc>
+              <a:spcBef>
+                <a:spcPts val="0"/>
+              </a:spcBef>
+              <a:spcAft>
+                <a:spcPts val="0"/>
+              </a:spcAft>
+              <a:buClr>
+                <a:schemeClr val="dk1"/>
+              </a:buClr>
+              <a:buSzPts val="2800"/>
+              <a:buFont typeface="Arial" panose="020B0604020202020204" pitchFamily="34" charset="0"/>
+              <a:buChar char="•"/>
+            </a:pPr>
+            <a:r>
+              <a:rPr lang="en-US" sz="2000" dirty="0">
+                <a:latin typeface="Calibri" panose="020F0502020204030204" pitchFamily="34" charset="0"/>
+                <a:cs typeface="Calibri" panose="020F0502020204030204" pitchFamily="34" charset="0"/>
+              </a:rPr>
+              <a:t>CSS</a:t>
+            </a:r>
+          </a:p>
+          <a:p>
+            <a:pPr marL="635000" lvl="0" indent="-457200" algn="l" rtl="0">
+              <a:lnSpc>
+                <a:spcPct val="90000"/>
+              </a:lnSpc>
+              <a:spcBef>
+                <a:spcPts val="0"/>
+              </a:spcBef>
+              <a:spcAft>
+                <a:spcPts val="0"/>
+              </a:spcAft>
+              <a:buClr>
+                <a:schemeClr val="dk1"/>
+              </a:buClr>
+              <a:buSzPts val="2800"/>
+              <a:buFont typeface="Arial" panose="020B0604020202020204" pitchFamily="34" charset="0"/>
+              <a:buChar char="•"/>
+            </a:pPr>
+            <a:endParaRPr lang="en-US" sz="2000" dirty="0">
+              <a:latin typeface="Calibri" panose="020F0502020204030204" pitchFamily="34" charset="0"/>
+              <a:cs typeface="Calibri" panose="020F0502020204030204" pitchFamily="34" charset="0"/>
+            </a:endParaRPr>
           </a:p>
         </p:txBody>
       </p:sp>
@@ -41169,8 +43103,8 @@
         </p:nvSpPr>
         <p:spPr>
           <a:xfrm>
-            <a:off x="6490359" y="3178672"/>
-            <a:ext cx="4957763" cy="2682875"/>
+            <a:off x="6490361" y="4186647"/>
+            <a:ext cx="4957763" cy="1180015"/>
           </a:xfrm>
           <a:prstGeom prst="rect">
             <a:avLst/>
@@ -41186,7 +43120,7 @@
           </a:bodyPr>
           <a:lstStyle/>
           <a:p>
-            <a:pPr marL="228600" lvl="0" indent="-50800" algn="l" rtl="0">
+            <a:pPr marL="635000" lvl="0" indent="-457200" algn="l" rtl="0">
               <a:lnSpc>
                 <a:spcPct val="90000"/>
               </a:lnSpc>
@@ -41200,9 +43134,72 @@
                 <a:schemeClr val="dk1"/>
               </a:buClr>
               <a:buSzPts val="2800"/>
-              <a:buNone/>
+              <a:buFont typeface="Arial" panose="020B0604020202020204" pitchFamily="34" charset="0"/>
+              <a:buChar char="•"/>
             </a:pPr>
-            <a:endParaRPr/>
+            <a:r>
+              <a:rPr lang="en-US" sz="2000" dirty="0">
+                <a:latin typeface="Calibri" panose="020F0502020204030204" pitchFamily="34" charset="0"/>
+                <a:cs typeface="Calibri" panose="020F0502020204030204" pitchFamily="34" charset="0"/>
+              </a:rPr>
+              <a:t>Website with multiple pages</a:t>
+            </a:r>
+          </a:p>
+          <a:p>
+            <a:pPr marL="635000" lvl="0" indent="-457200" algn="l" rtl="0">
+              <a:lnSpc>
+                <a:spcPct val="90000"/>
+              </a:lnSpc>
+              <a:spcBef>
+                <a:spcPts val="0"/>
+              </a:spcBef>
+              <a:spcAft>
+                <a:spcPts val="0"/>
+              </a:spcAft>
+              <a:buClr>
+                <a:schemeClr val="dk1"/>
+              </a:buClr>
+              <a:buSzPts val="2800"/>
+              <a:buFont typeface="Arial" panose="020B0604020202020204" pitchFamily="34" charset="0"/>
+              <a:buChar char="•"/>
+            </a:pPr>
+            <a:r>
+              <a:rPr lang="en-US" sz="2000" dirty="0">
+                <a:latin typeface="Calibri" panose="020F0502020204030204" pitchFamily="34" charset="0"/>
+                <a:cs typeface="Calibri" panose="020F0502020204030204" pitchFamily="34" charset="0"/>
+              </a:rPr>
+              <a:t>Map having layers to choose</a:t>
+            </a:r>
+          </a:p>
+          <a:p>
+            <a:pPr marL="635000" lvl="0" indent="-457200" algn="l" rtl="0">
+              <a:lnSpc>
+                <a:spcPct val="90000"/>
+              </a:lnSpc>
+              <a:spcBef>
+                <a:spcPts val="0"/>
+              </a:spcBef>
+              <a:spcAft>
+                <a:spcPts val="0"/>
+              </a:spcAft>
+              <a:buClr>
+                <a:schemeClr val="dk1"/>
+              </a:buClr>
+              <a:buSzPts val="2800"/>
+              <a:buFont typeface="Arial" panose="020B0604020202020204" pitchFamily="34" charset="0"/>
+              <a:buChar char="•"/>
+            </a:pPr>
+            <a:r>
+              <a:rPr lang="en-US" sz="2000" dirty="0">
+                <a:latin typeface="Calibri" panose="020F0502020204030204" pitchFamily="34" charset="0"/>
+                <a:cs typeface="Calibri" panose="020F0502020204030204" pitchFamily="34" charset="0"/>
+              </a:rPr>
+              <a:t>Bar chart with drop down menu</a:t>
+            </a:r>
+            <a:endParaRPr sz="2000" dirty="0">
+              <a:latin typeface="Calibri" panose="020F0502020204030204" pitchFamily="34" charset="0"/>
+              <a:cs typeface="Calibri" panose="020F0502020204030204" pitchFamily="34" charset="0"/>
+            </a:endParaRPr>
           </a:p>
         </p:txBody>
       </p:sp>
@@ -42340,6 +44337,676 @@
               <a:cs typeface="Calibri"/>
               <a:sym typeface="Calibri"/>
             </a:endParaRPr>
+          </a:p>
+        </p:txBody>
+      </p:sp>
+      <p:sp>
+        <p:nvSpPr>
+          <p:cNvPr id="2" name="Google Shape;243;p14">
+            <a:extLst>
+              <a:ext uri="{FF2B5EF4-FFF2-40B4-BE49-F238E27FC236}">
+                <a16:creationId xmlns:a16="http://schemas.microsoft.com/office/drawing/2014/main" id="{03C5B56E-BD6E-DC68-0B76-1A962C25CF6E}"/>
+              </a:ext>
+            </a:extLst>
+          </p:cNvPr>
+          <p:cNvSpPr txBox="1"/>
+          <p:nvPr/>
+        </p:nvSpPr>
+        <p:spPr>
+          <a:xfrm>
+            <a:off x="3539613" y="265988"/>
+            <a:ext cx="4438844" cy="906011"/>
+          </a:xfrm>
+          <a:prstGeom prst="rect">
+            <a:avLst/>
+          </a:prstGeom>
+          <a:noFill/>
+          <a:ln>
+            <a:noFill/>
+          </a:ln>
+        </p:spPr>
+        <p:txBody>
+          <a:bodyPr spcFirstLastPara="1" wrap="square" lIns="91425" tIns="45700" rIns="91425" bIns="45700" anchor="ctr" anchorCtr="0">
+            <a:normAutofit/>
+          </a:bodyPr>
+          <a:lstStyle/>
+          <a:p>
+            <a:pPr marL="0" marR="0" lvl="0" indent="0" algn="l" rtl="0">
+              <a:lnSpc>
+                <a:spcPct val="90000"/>
+              </a:lnSpc>
+              <a:spcBef>
+                <a:spcPts val="0"/>
+              </a:spcBef>
+              <a:spcAft>
+                <a:spcPts val="0"/>
+              </a:spcAft>
+              <a:buClr>
+                <a:srgbClr val="FFD966"/>
+              </a:buClr>
+              <a:buSzPts val="4400"/>
+              <a:buFont typeface="Calibri"/>
+              <a:buNone/>
+            </a:pPr>
+            <a:r>
+              <a:rPr lang="en-US" sz="4400" dirty="0">
+                <a:solidFill>
+                  <a:schemeClr val="bg2">
+                    <a:lumMod val="75000"/>
+                  </a:schemeClr>
+                </a:solidFill>
+                <a:latin typeface="Calibri"/>
+                <a:ea typeface="Calibri"/>
+                <a:cs typeface="Calibri"/>
+                <a:sym typeface="Calibri"/>
+              </a:rPr>
+              <a:t>HTML Website</a:t>
+            </a:r>
+            <a:endParaRPr dirty="0">
+              <a:solidFill>
+                <a:schemeClr val="bg2">
+                  <a:lumMod val="75000"/>
+                </a:schemeClr>
+              </a:solidFill>
+            </a:endParaRPr>
+          </a:p>
+        </p:txBody>
+      </p:sp>
+      <p:sp>
+        <p:nvSpPr>
+          <p:cNvPr id="3" name="Google Shape;236;p13">
+            <a:extLst>
+              <a:ext uri="{FF2B5EF4-FFF2-40B4-BE49-F238E27FC236}">
+                <a16:creationId xmlns:a16="http://schemas.microsoft.com/office/drawing/2014/main" id="{861E70B7-3D3B-A128-5599-D9392E7D9044}"/>
+              </a:ext>
+            </a:extLst>
+          </p:cNvPr>
+          <p:cNvSpPr txBox="1">
+            <a:spLocks/>
+          </p:cNvSpPr>
+          <p:nvPr/>
+        </p:nvSpPr>
+        <p:spPr>
+          <a:xfrm>
+            <a:off x="478666" y="3198482"/>
+            <a:ext cx="5484729" cy="651624"/>
+          </a:xfrm>
+          <a:prstGeom prst="rect">
+            <a:avLst/>
+          </a:prstGeom>
+          <a:noFill/>
+          <a:ln>
+            <a:noFill/>
+          </a:ln>
+        </p:spPr>
+        <p:txBody>
+          <a:bodyPr spcFirstLastPara="1" wrap="square" lIns="91425" tIns="45700" rIns="91425" bIns="45700" anchor="t" anchorCtr="0">
+            <a:noAutofit/>
+          </a:bodyPr>
+          <a:lstStyle>
+            <a:defPPr marR="0" lvl="0" algn="l" rtl="0">
+              <a:lnSpc>
+                <a:spcPct val="100000"/>
+              </a:lnSpc>
+              <a:spcBef>
+                <a:spcPts val="0"/>
+              </a:spcBef>
+              <a:spcAft>
+                <a:spcPts val="0"/>
+              </a:spcAft>
+            </a:defPPr>
+            <a:lvl1pPr marL="457200" marR="0" lvl="0" indent="-406400" algn="l" rtl="0">
+              <a:lnSpc>
+                <a:spcPct val="90000"/>
+              </a:lnSpc>
+              <a:spcBef>
+                <a:spcPts val="1000"/>
+              </a:spcBef>
+              <a:spcAft>
+                <a:spcPts val="0"/>
+              </a:spcAft>
+              <a:buClr>
+                <a:schemeClr val="dk1"/>
+              </a:buClr>
+              <a:buSzPts val="2800"/>
+              <a:buFont typeface="Arial"/>
+              <a:buChar char="•"/>
+              <a:defRPr sz="2800" b="0" i="0" u="none" strike="noStrike" cap="none">
+                <a:solidFill>
+                  <a:schemeClr val="dk1"/>
+                </a:solidFill>
+                <a:latin typeface="Calibri"/>
+                <a:ea typeface="Calibri"/>
+                <a:cs typeface="Calibri"/>
+                <a:sym typeface="Calibri"/>
+              </a:defRPr>
+            </a:lvl1pPr>
+            <a:lvl2pPr marL="914400" marR="0" lvl="1" indent="-381000" algn="l" rtl="0">
+              <a:lnSpc>
+                <a:spcPct val="90000"/>
+              </a:lnSpc>
+              <a:spcBef>
+                <a:spcPts val="500"/>
+              </a:spcBef>
+              <a:spcAft>
+                <a:spcPts val="0"/>
+              </a:spcAft>
+              <a:buClr>
+                <a:schemeClr val="dk1"/>
+              </a:buClr>
+              <a:buSzPts val="2400"/>
+              <a:buFont typeface="Arial"/>
+              <a:buChar char="•"/>
+              <a:defRPr sz="2400" b="0" i="0" u="none" strike="noStrike" cap="none">
+                <a:solidFill>
+                  <a:schemeClr val="dk1"/>
+                </a:solidFill>
+                <a:latin typeface="Calibri"/>
+                <a:ea typeface="Calibri"/>
+                <a:cs typeface="Calibri"/>
+                <a:sym typeface="Calibri"/>
+              </a:defRPr>
+            </a:lvl2pPr>
+            <a:lvl3pPr marL="1371600" marR="0" lvl="2" indent="-355600" algn="l" rtl="0">
+              <a:lnSpc>
+                <a:spcPct val="90000"/>
+              </a:lnSpc>
+              <a:spcBef>
+                <a:spcPts val="500"/>
+              </a:spcBef>
+              <a:spcAft>
+                <a:spcPts val="0"/>
+              </a:spcAft>
+              <a:buClr>
+                <a:schemeClr val="dk1"/>
+              </a:buClr>
+              <a:buSzPts val="2000"/>
+              <a:buFont typeface="Arial"/>
+              <a:buChar char="•"/>
+              <a:defRPr sz="2000" b="0" i="0" u="none" strike="noStrike" cap="none">
+                <a:solidFill>
+                  <a:schemeClr val="dk1"/>
+                </a:solidFill>
+                <a:latin typeface="Calibri"/>
+                <a:ea typeface="Calibri"/>
+                <a:cs typeface="Calibri"/>
+                <a:sym typeface="Calibri"/>
+              </a:defRPr>
+            </a:lvl3pPr>
+            <a:lvl4pPr marL="1828800" marR="0" lvl="3" indent="-342900" algn="l" rtl="0">
+              <a:lnSpc>
+                <a:spcPct val="90000"/>
+              </a:lnSpc>
+              <a:spcBef>
+                <a:spcPts val="500"/>
+              </a:spcBef>
+              <a:spcAft>
+                <a:spcPts val="0"/>
+              </a:spcAft>
+              <a:buClr>
+                <a:schemeClr val="dk1"/>
+              </a:buClr>
+              <a:buSzPts val="1800"/>
+              <a:buFont typeface="Arial"/>
+              <a:buChar char="•"/>
+              <a:defRPr sz="1800" b="0" i="0" u="none" strike="noStrike" cap="none">
+                <a:solidFill>
+                  <a:schemeClr val="dk1"/>
+                </a:solidFill>
+                <a:latin typeface="Calibri"/>
+                <a:ea typeface="Calibri"/>
+                <a:cs typeface="Calibri"/>
+                <a:sym typeface="Calibri"/>
+              </a:defRPr>
+            </a:lvl4pPr>
+            <a:lvl5pPr marL="2286000" marR="0" lvl="4" indent="-342900" algn="l" rtl="0">
+              <a:lnSpc>
+                <a:spcPct val="90000"/>
+              </a:lnSpc>
+              <a:spcBef>
+                <a:spcPts val="500"/>
+              </a:spcBef>
+              <a:spcAft>
+                <a:spcPts val="0"/>
+              </a:spcAft>
+              <a:buClr>
+                <a:schemeClr val="dk1"/>
+              </a:buClr>
+              <a:buSzPts val="1800"/>
+              <a:buFont typeface="Arial"/>
+              <a:buChar char="•"/>
+              <a:defRPr sz="1800" b="0" i="0" u="none" strike="noStrike" cap="none">
+                <a:solidFill>
+                  <a:schemeClr val="dk1"/>
+                </a:solidFill>
+                <a:latin typeface="Calibri"/>
+                <a:ea typeface="Calibri"/>
+                <a:cs typeface="Calibri"/>
+                <a:sym typeface="Calibri"/>
+              </a:defRPr>
+            </a:lvl5pPr>
+            <a:lvl6pPr marL="2743200" marR="0" lvl="5" indent="-342900" algn="l" rtl="0">
+              <a:lnSpc>
+                <a:spcPct val="90000"/>
+              </a:lnSpc>
+              <a:spcBef>
+                <a:spcPts val="500"/>
+              </a:spcBef>
+              <a:spcAft>
+                <a:spcPts val="0"/>
+              </a:spcAft>
+              <a:buClr>
+                <a:schemeClr val="dk1"/>
+              </a:buClr>
+              <a:buSzPts val="1800"/>
+              <a:buFont typeface="Arial"/>
+              <a:buChar char="•"/>
+              <a:defRPr sz="1800" b="0" i="0" u="none" strike="noStrike" cap="none">
+                <a:solidFill>
+                  <a:schemeClr val="dk1"/>
+                </a:solidFill>
+                <a:latin typeface="Calibri"/>
+                <a:ea typeface="Calibri"/>
+                <a:cs typeface="Calibri"/>
+                <a:sym typeface="Calibri"/>
+              </a:defRPr>
+            </a:lvl6pPr>
+            <a:lvl7pPr marL="3200400" marR="0" lvl="6" indent="-342900" algn="l" rtl="0">
+              <a:lnSpc>
+                <a:spcPct val="90000"/>
+              </a:lnSpc>
+              <a:spcBef>
+                <a:spcPts val="500"/>
+              </a:spcBef>
+              <a:spcAft>
+                <a:spcPts val="0"/>
+              </a:spcAft>
+              <a:buClr>
+                <a:schemeClr val="dk1"/>
+              </a:buClr>
+              <a:buSzPts val="1800"/>
+              <a:buFont typeface="Arial"/>
+              <a:buChar char="•"/>
+              <a:defRPr sz="1800" b="0" i="0" u="none" strike="noStrike" cap="none">
+                <a:solidFill>
+                  <a:schemeClr val="dk1"/>
+                </a:solidFill>
+                <a:latin typeface="Calibri"/>
+                <a:ea typeface="Calibri"/>
+                <a:cs typeface="Calibri"/>
+                <a:sym typeface="Calibri"/>
+              </a:defRPr>
+            </a:lvl7pPr>
+            <a:lvl8pPr marL="3657600" marR="0" lvl="7" indent="-342900" algn="l" rtl="0">
+              <a:lnSpc>
+                <a:spcPct val="90000"/>
+              </a:lnSpc>
+              <a:spcBef>
+                <a:spcPts val="500"/>
+              </a:spcBef>
+              <a:spcAft>
+                <a:spcPts val="0"/>
+              </a:spcAft>
+              <a:buClr>
+                <a:schemeClr val="dk1"/>
+              </a:buClr>
+              <a:buSzPts val="1800"/>
+              <a:buFont typeface="Arial"/>
+              <a:buChar char="•"/>
+              <a:defRPr sz="1800" b="0" i="0" u="none" strike="noStrike" cap="none">
+                <a:solidFill>
+                  <a:schemeClr val="dk1"/>
+                </a:solidFill>
+                <a:latin typeface="Calibri"/>
+                <a:ea typeface="Calibri"/>
+                <a:cs typeface="Calibri"/>
+                <a:sym typeface="Calibri"/>
+              </a:defRPr>
+            </a:lvl8pPr>
+            <a:lvl9pPr marL="4114800" marR="0" lvl="8" indent="-342900" algn="l" rtl="0">
+              <a:lnSpc>
+                <a:spcPct val="90000"/>
+              </a:lnSpc>
+              <a:spcBef>
+                <a:spcPts val="500"/>
+              </a:spcBef>
+              <a:spcAft>
+                <a:spcPts val="0"/>
+              </a:spcAft>
+              <a:buClr>
+                <a:schemeClr val="dk1"/>
+              </a:buClr>
+              <a:buSzPts val="1800"/>
+              <a:buFont typeface="Arial"/>
+              <a:buChar char="•"/>
+              <a:defRPr sz="1800" b="0" i="0" u="none" strike="noStrike" cap="none">
+                <a:solidFill>
+                  <a:schemeClr val="dk1"/>
+                </a:solidFill>
+                <a:latin typeface="Calibri"/>
+                <a:ea typeface="Calibri"/>
+                <a:cs typeface="Calibri"/>
+                <a:sym typeface="Calibri"/>
+              </a:defRPr>
+            </a:lvl9pPr>
+          </a:lstStyle>
+          <a:p>
+            <a:pPr marL="228600" indent="-50800" algn="ctr">
+              <a:spcBef>
+                <a:spcPts val="0"/>
+              </a:spcBef>
+              <a:buFont typeface="Arial"/>
+              <a:buNone/>
+            </a:pPr>
+            <a:r>
+              <a:rPr lang="en-US" sz="3600" dirty="0">
+                <a:solidFill>
+                  <a:schemeClr val="bg2">
+                    <a:lumMod val="75000"/>
+                  </a:schemeClr>
+                </a:solidFill>
+              </a:rPr>
+              <a:t>Tools used for dashboard</a:t>
+            </a:r>
+          </a:p>
+        </p:txBody>
+      </p:sp>
+      <p:sp>
+        <p:nvSpPr>
+          <p:cNvPr id="4" name="Google Shape;236;p13">
+            <a:extLst>
+              <a:ext uri="{FF2B5EF4-FFF2-40B4-BE49-F238E27FC236}">
+                <a16:creationId xmlns:a16="http://schemas.microsoft.com/office/drawing/2014/main" id="{DB75041C-F3B4-D61D-0EE3-ED7D6D7805E7}"/>
+              </a:ext>
+            </a:extLst>
+          </p:cNvPr>
+          <p:cNvSpPr txBox="1">
+            <a:spLocks/>
+          </p:cNvSpPr>
+          <p:nvPr/>
+        </p:nvSpPr>
+        <p:spPr>
+          <a:xfrm>
+            <a:off x="5963395" y="3198482"/>
+            <a:ext cx="5484729" cy="651624"/>
+          </a:xfrm>
+          <a:prstGeom prst="rect">
+            <a:avLst/>
+          </a:prstGeom>
+          <a:noFill/>
+          <a:ln>
+            <a:noFill/>
+          </a:ln>
+        </p:spPr>
+        <p:txBody>
+          <a:bodyPr spcFirstLastPara="1" wrap="square" lIns="91425" tIns="45700" rIns="91425" bIns="45700" anchor="t" anchorCtr="0">
+            <a:noAutofit/>
+          </a:bodyPr>
+          <a:lstStyle>
+            <a:defPPr marR="0" lvl="0" algn="l" rtl="0">
+              <a:lnSpc>
+                <a:spcPct val="100000"/>
+              </a:lnSpc>
+              <a:spcBef>
+                <a:spcPts val="0"/>
+              </a:spcBef>
+              <a:spcAft>
+                <a:spcPts val="0"/>
+              </a:spcAft>
+            </a:defPPr>
+            <a:lvl1pPr marL="457200" marR="0" lvl="0" indent="-406400" algn="l" rtl="0">
+              <a:lnSpc>
+                <a:spcPct val="90000"/>
+              </a:lnSpc>
+              <a:spcBef>
+                <a:spcPts val="1000"/>
+              </a:spcBef>
+              <a:spcAft>
+                <a:spcPts val="0"/>
+              </a:spcAft>
+              <a:buClr>
+                <a:schemeClr val="dk1"/>
+              </a:buClr>
+              <a:buSzPts val="2800"/>
+              <a:buFont typeface="Arial"/>
+              <a:buChar char="•"/>
+              <a:defRPr sz="2800" b="0" i="0" u="none" strike="noStrike" cap="none">
+                <a:solidFill>
+                  <a:schemeClr val="dk1"/>
+                </a:solidFill>
+                <a:latin typeface="Calibri"/>
+                <a:ea typeface="Calibri"/>
+                <a:cs typeface="Calibri"/>
+                <a:sym typeface="Calibri"/>
+              </a:defRPr>
+            </a:lvl1pPr>
+            <a:lvl2pPr marL="914400" marR="0" lvl="1" indent="-381000" algn="l" rtl="0">
+              <a:lnSpc>
+                <a:spcPct val="90000"/>
+              </a:lnSpc>
+              <a:spcBef>
+                <a:spcPts val="500"/>
+              </a:spcBef>
+              <a:spcAft>
+                <a:spcPts val="0"/>
+              </a:spcAft>
+              <a:buClr>
+                <a:schemeClr val="dk1"/>
+              </a:buClr>
+              <a:buSzPts val="2400"/>
+              <a:buFont typeface="Arial"/>
+              <a:buChar char="•"/>
+              <a:defRPr sz="2400" b="0" i="0" u="none" strike="noStrike" cap="none">
+                <a:solidFill>
+                  <a:schemeClr val="dk1"/>
+                </a:solidFill>
+                <a:latin typeface="Calibri"/>
+                <a:ea typeface="Calibri"/>
+                <a:cs typeface="Calibri"/>
+                <a:sym typeface="Calibri"/>
+              </a:defRPr>
+            </a:lvl2pPr>
+            <a:lvl3pPr marL="1371600" marR="0" lvl="2" indent="-355600" algn="l" rtl="0">
+              <a:lnSpc>
+                <a:spcPct val="90000"/>
+              </a:lnSpc>
+              <a:spcBef>
+                <a:spcPts val="500"/>
+              </a:spcBef>
+              <a:spcAft>
+                <a:spcPts val="0"/>
+              </a:spcAft>
+              <a:buClr>
+                <a:schemeClr val="dk1"/>
+              </a:buClr>
+              <a:buSzPts val="2000"/>
+              <a:buFont typeface="Arial"/>
+              <a:buChar char="•"/>
+              <a:defRPr sz="2000" b="0" i="0" u="none" strike="noStrike" cap="none">
+                <a:solidFill>
+                  <a:schemeClr val="dk1"/>
+                </a:solidFill>
+                <a:latin typeface="Calibri"/>
+                <a:ea typeface="Calibri"/>
+                <a:cs typeface="Calibri"/>
+                <a:sym typeface="Calibri"/>
+              </a:defRPr>
+            </a:lvl3pPr>
+            <a:lvl4pPr marL="1828800" marR="0" lvl="3" indent="-342900" algn="l" rtl="0">
+              <a:lnSpc>
+                <a:spcPct val="90000"/>
+              </a:lnSpc>
+              <a:spcBef>
+                <a:spcPts val="500"/>
+              </a:spcBef>
+              <a:spcAft>
+                <a:spcPts val="0"/>
+              </a:spcAft>
+              <a:buClr>
+                <a:schemeClr val="dk1"/>
+              </a:buClr>
+              <a:buSzPts val="1800"/>
+              <a:buFont typeface="Arial"/>
+              <a:buChar char="•"/>
+              <a:defRPr sz="1800" b="0" i="0" u="none" strike="noStrike" cap="none">
+                <a:solidFill>
+                  <a:schemeClr val="dk1"/>
+                </a:solidFill>
+                <a:latin typeface="Calibri"/>
+                <a:ea typeface="Calibri"/>
+                <a:cs typeface="Calibri"/>
+                <a:sym typeface="Calibri"/>
+              </a:defRPr>
+            </a:lvl4pPr>
+            <a:lvl5pPr marL="2286000" marR="0" lvl="4" indent="-342900" algn="l" rtl="0">
+              <a:lnSpc>
+                <a:spcPct val="90000"/>
+              </a:lnSpc>
+              <a:spcBef>
+                <a:spcPts val="500"/>
+              </a:spcBef>
+              <a:spcAft>
+                <a:spcPts val="0"/>
+              </a:spcAft>
+              <a:buClr>
+                <a:schemeClr val="dk1"/>
+              </a:buClr>
+              <a:buSzPts val="1800"/>
+              <a:buFont typeface="Arial"/>
+              <a:buChar char="•"/>
+              <a:defRPr sz="1800" b="0" i="0" u="none" strike="noStrike" cap="none">
+                <a:solidFill>
+                  <a:schemeClr val="dk1"/>
+                </a:solidFill>
+                <a:latin typeface="Calibri"/>
+                <a:ea typeface="Calibri"/>
+                <a:cs typeface="Calibri"/>
+                <a:sym typeface="Calibri"/>
+              </a:defRPr>
+            </a:lvl5pPr>
+            <a:lvl6pPr marL="2743200" marR="0" lvl="5" indent="-342900" algn="l" rtl="0">
+              <a:lnSpc>
+                <a:spcPct val="90000"/>
+              </a:lnSpc>
+              <a:spcBef>
+                <a:spcPts val="500"/>
+              </a:spcBef>
+              <a:spcAft>
+                <a:spcPts val="0"/>
+              </a:spcAft>
+              <a:buClr>
+                <a:schemeClr val="dk1"/>
+              </a:buClr>
+              <a:buSzPts val="1800"/>
+              <a:buFont typeface="Arial"/>
+              <a:buChar char="•"/>
+              <a:defRPr sz="1800" b="0" i="0" u="none" strike="noStrike" cap="none">
+                <a:solidFill>
+                  <a:schemeClr val="dk1"/>
+                </a:solidFill>
+                <a:latin typeface="Calibri"/>
+                <a:ea typeface="Calibri"/>
+                <a:cs typeface="Calibri"/>
+                <a:sym typeface="Calibri"/>
+              </a:defRPr>
+            </a:lvl6pPr>
+            <a:lvl7pPr marL="3200400" marR="0" lvl="6" indent="-342900" algn="l" rtl="0">
+              <a:lnSpc>
+                <a:spcPct val="90000"/>
+              </a:lnSpc>
+              <a:spcBef>
+                <a:spcPts val="500"/>
+              </a:spcBef>
+              <a:spcAft>
+                <a:spcPts val="0"/>
+              </a:spcAft>
+              <a:buClr>
+                <a:schemeClr val="dk1"/>
+              </a:buClr>
+              <a:buSzPts val="1800"/>
+              <a:buFont typeface="Arial"/>
+              <a:buChar char="•"/>
+              <a:defRPr sz="1800" b="0" i="0" u="none" strike="noStrike" cap="none">
+                <a:solidFill>
+                  <a:schemeClr val="dk1"/>
+                </a:solidFill>
+                <a:latin typeface="Calibri"/>
+                <a:ea typeface="Calibri"/>
+                <a:cs typeface="Calibri"/>
+                <a:sym typeface="Calibri"/>
+              </a:defRPr>
+            </a:lvl7pPr>
+            <a:lvl8pPr marL="3657600" marR="0" lvl="7" indent="-342900" algn="l" rtl="0">
+              <a:lnSpc>
+                <a:spcPct val="90000"/>
+              </a:lnSpc>
+              <a:spcBef>
+                <a:spcPts val="500"/>
+              </a:spcBef>
+              <a:spcAft>
+                <a:spcPts val="0"/>
+              </a:spcAft>
+              <a:buClr>
+                <a:schemeClr val="dk1"/>
+              </a:buClr>
+              <a:buSzPts val="1800"/>
+              <a:buFont typeface="Arial"/>
+              <a:buChar char="•"/>
+              <a:defRPr sz="1800" b="0" i="0" u="none" strike="noStrike" cap="none">
+                <a:solidFill>
+                  <a:schemeClr val="dk1"/>
+                </a:solidFill>
+                <a:latin typeface="Calibri"/>
+                <a:ea typeface="Calibri"/>
+                <a:cs typeface="Calibri"/>
+                <a:sym typeface="Calibri"/>
+              </a:defRPr>
+            </a:lvl8pPr>
+            <a:lvl9pPr marL="4114800" marR="0" lvl="8" indent="-342900" algn="l" rtl="0">
+              <a:lnSpc>
+                <a:spcPct val="90000"/>
+              </a:lnSpc>
+              <a:spcBef>
+                <a:spcPts val="500"/>
+              </a:spcBef>
+              <a:spcAft>
+                <a:spcPts val="0"/>
+              </a:spcAft>
+              <a:buClr>
+                <a:schemeClr val="dk1"/>
+              </a:buClr>
+              <a:buSzPts val="1800"/>
+              <a:buFont typeface="Arial"/>
+              <a:buChar char="•"/>
+              <a:defRPr sz="1800" b="0" i="0" u="none" strike="noStrike" cap="none">
+                <a:solidFill>
+                  <a:schemeClr val="dk1"/>
+                </a:solidFill>
+                <a:latin typeface="Calibri"/>
+                <a:ea typeface="Calibri"/>
+                <a:cs typeface="Calibri"/>
+                <a:sym typeface="Calibri"/>
+              </a:defRPr>
+            </a:lvl9pPr>
+          </a:lstStyle>
+          <a:p>
+            <a:pPr marL="228600" indent="-50800" algn="ctr">
+              <a:spcBef>
+                <a:spcPts val="0"/>
+              </a:spcBef>
+              <a:buFont typeface="Arial"/>
+              <a:buNone/>
+            </a:pPr>
+            <a:r>
+              <a:rPr lang="en-US" sz="3600" dirty="0">
+                <a:solidFill>
+                  <a:schemeClr val="bg2">
+                    <a:lumMod val="75000"/>
+                  </a:schemeClr>
+                </a:solidFill>
+              </a:rPr>
+              <a:t>Interactive Elements</a:t>
+            </a:r>
           </a:p>
         </p:txBody>
       </p:sp>
@@ -42411,7 +45078,7 @@
               <a:buNone/>
             </a:pPr>
             <a:r>
-              <a:rPr lang="en-US" sz="4400">
+              <a:rPr lang="en-US" sz="4400" dirty="0">
                 <a:solidFill>
                   <a:srgbClr val="6E85D0"/>
                 </a:solidFill>
@@ -42423,7 +45090,7 @@
               <a:t>Conclusion:</a:t>
             </a:r>
             <a:r>
-              <a:rPr lang="en-US" sz="4400">
+              <a:rPr lang="en-US" sz="4400" dirty="0">
                 <a:solidFill>
                   <a:srgbClr val="FFD966"/>
                 </a:solidFill>
@@ -42434,7 +45101,7 @@
               </a:rPr>
               <a:t> </a:t>
             </a:r>
-            <a:endParaRPr/>
+            <a:endParaRPr dirty="0"/>
           </a:p>
         </p:txBody>
       </p:sp>
@@ -42483,7 +45150,7 @@
               <a:buSzPts val="2800"/>
               <a:buNone/>
             </a:pPr>
-            <a:endParaRPr/>
+            <a:endParaRPr dirty="0"/>
           </a:p>
         </p:txBody>
       </p:sp>
@@ -47845,6 +50512,49 @@
               <a:t>FINAL PROJECT PIPELINE</a:t>
             </a:r>
             <a:endParaRPr/>
+          </a:p>
+        </p:txBody>
+      </p:sp>
+      <p:sp>
+        <p:nvSpPr>
+          <p:cNvPr id="2" name="TextBox 1">
+            <a:extLst>
+              <a:ext uri="{FF2B5EF4-FFF2-40B4-BE49-F238E27FC236}">
+                <a16:creationId xmlns:a16="http://schemas.microsoft.com/office/drawing/2014/main" id="{BB004DDD-7EB0-D44E-8D0D-43DDE684A078}"/>
+              </a:ext>
+            </a:extLst>
+          </p:cNvPr>
+          <p:cNvSpPr txBox="1"/>
+          <p:nvPr/>
+        </p:nvSpPr>
+        <p:spPr>
+          <a:xfrm>
+            <a:off x="4826803" y="184456"/>
+            <a:ext cx="3154617" cy="830997"/>
+          </a:xfrm>
+          <a:prstGeom prst="rect">
+            <a:avLst/>
+          </a:prstGeom>
+          <a:noFill/>
+        </p:spPr>
+        <p:txBody>
+          <a:bodyPr wrap="square" rtlCol="0">
+            <a:spAutoFit/>
+          </a:bodyPr>
+          <a:lstStyle/>
+          <a:p>
+            <a:r>
+              <a:rPr lang="en-US" sz="4800" dirty="0">
+                <a:solidFill>
+                  <a:schemeClr val="bg1">
+                    <a:lumMod val="95000"/>
+                  </a:schemeClr>
+                </a:solidFill>
+                <a:latin typeface="Calibri" panose="020F0502020204030204" pitchFamily="34" charset="0"/>
+                <a:cs typeface="Calibri" panose="020F0502020204030204" pitchFamily="34" charset="0"/>
+              </a:rPr>
+              <a:t>Resources</a:t>
+            </a:r>
           </a:p>
         </p:txBody>
       </p:sp>

--- a/Presentation/FP_Powerpoint.pptx
+++ b/Presentation/FP_Powerpoint.pptx
@@ -13,7 +13,7 @@
     <p:sldId id="258" r:id="rId4"/>
     <p:sldId id="259" r:id="rId5"/>
     <p:sldId id="260" r:id="rId6"/>
-    <p:sldId id="261" r:id="rId7"/>
+    <p:sldId id="268" r:id="rId7"/>
     <p:sldId id="267" r:id="rId8"/>
     <p:sldId id="262" r:id="rId9"/>
     <p:sldId id="263" r:id="rId10"/>
@@ -284,8 +284,23 @@
         </p15:guide>
       </p15:sldGuideLst>
     </p:ext>
+    <p:ext uri="{2D200454-40CA-4A62-9FC3-DE9A4176ACB9}">
+      <p15:notesGuideLst xmlns:p15="http://schemas.microsoft.com/office/powerpoint/2012/main"/>
+    </p:ext>
   </p:extLst>
 </p:presentation>
+</file>
+
+<file path=ppt/commentAuthors.xml><?xml version="1.0" encoding="utf-8"?>
+<p:cmAuthorLst xmlns:a="http://schemas.openxmlformats.org/drawingml/2006/main" xmlns:r="http://schemas.openxmlformats.org/officeDocument/2006/relationships" xmlns:p="http://schemas.openxmlformats.org/presentationml/2006/main">
+  <p:cmAuthor id="1" name="Juana Connors-Trujillo" initials="JC" lastIdx="1" clrIdx="0">
+    <p:extLst>
+      <p:ext uri="{19B8F6BF-5375-455C-9EA6-DF929625EA0E}">
+        <p15:presenceInfo xmlns:p15="http://schemas.microsoft.com/office/powerpoint/2012/main" userId="8b1d9c2cb8a97588" providerId="Windows Live"/>
+      </p:ext>
+    </p:extLst>
+  </p:cmAuthor>
+</p:cmAuthorLst>
 </file>
 
 <file path=ppt/notesMasters/notesMaster1.xml><?xml version="1.0" encoding="utf-8"?>
@@ -1939,6 +1954,144 @@
           </a:bodyPr>
           <a:lstStyle/>
           <a:p>
+            <a:pPr marL="171450" indent="-171450">
+              <a:buFont typeface="Arial" panose="020B0604020202020204" pitchFamily="34" charset="0"/>
+              <a:buChar char="•"/>
+            </a:pPr>
+            <a:r>
+              <a:rPr lang="en-US" sz="1200" dirty="0">
+                <a:latin typeface="Calibri" panose="020F0502020204030204" pitchFamily="34" charset="0"/>
+                <a:cs typeface="Calibri" panose="020F0502020204030204" pitchFamily="34" charset="0"/>
+              </a:rPr>
+              <a:t>More than a 20% decrease in price</a:t>
+            </a:r>
+          </a:p>
+          <a:p>
+            <a:pPr marL="171450" indent="-171450">
+              <a:buFont typeface="Arial" panose="020B0604020202020204" pitchFamily="34" charset="0"/>
+              <a:buChar char="•"/>
+            </a:pPr>
+            <a:r>
+              <a:rPr lang="en-US" sz="1200" dirty="0">
+                <a:latin typeface="Calibri" panose="020F0502020204030204" pitchFamily="34" charset="0"/>
+                <a:cs typeface="Calibri" panose="020F0502020204030204" pitchFamily="34" charset="0"/>
+              </a:rPr>
+              <a:t>Less costly testing procedures</a:t>
+            </a:r>
+          </a:p>
+          <a:p>
+            <a:pPr marL="285750" indent="-285750">
+              <a:buFont typeface="Arial" panose="020B0604020202020204" pitchFamily="34" charset="0"/>
+              <a:buChar char="•"/>
+            </a:pPr>
+            <a:r>
+              <a:rPr lang="en-US" sz="1200" dirty="0">
+                <a:latin typeface="Calibri" panose="020F0502020204030204" pitchFamily="34" charset="0"/>
+                <a:cs typeface="Calibri" panose="020F0502020204030204" pitchFamily="34" charset="0"/>
+              </a:rPr>
+              <a:t>Accessibility through cost and location</a:t>
+            </a:r>
+          </a:p>
+          <a:p>
+            <a:pPr marL="285750" indent="-285750">
+              <a:buFont typeface="Arial" panose="020B0604020202020204" pitchFamily="34" charset="0"/>
+              <a:buChar char="•"/>
+            </a:pPr>
+            <a:r>
+              <a:rPr lang="en-US" sz="1200" dirty="0">
+                <a:latin typeface="Calibri" panose="020F0502020204030204" pitchFamily="34" charset="0"/>
+                <a:cs typeface="Calibri" panose="020F0502020204030204" pitchFamily="34" charset="0"/>
+              </a:rPr>
+              <a:t>National Institute of Health indicates that millennial and Gen Z individuals are more likely to experience hearing loss compared to previous generations</a:t>
+            </a:r>
+          </a:p>
+          <a:p>
+            <a:pPr marL="635000" lvl="0" indent="-457200" algn="l" rtl="0">
+              <a:lnSpc>
+                <a:spcPct val="90000"/>
+              </a:lnSpc>
+              <a:spcBef>
+                <a:spcPts val="0"/>
+              </a:spcBef>
+              <a:spcAft>
+                <a:spcPts val="0"/>
+              </a:spcAft>
+              <a:buClr>
+                <a:schemeClr val="dk1"/>
+              </a:buClr>
+              <a:buSzPts val="2800"/>
+              <a:buFont typeface="Arial" panose="020B0604020202020204" pitchFamily="34" charset="0"/>
+              <a:buChar char="•"/>
+            </a:pPr>
+            <a:r>
+              <a:rPr lang="en-US" sz="1200" dirty="0">
+                <a:latin typeface="Calibri" panose="020F0502020204030204" pitchFamily="34" charset="0"/>
+                <a:cs typeface="Calibri" panose="020F0502020204030204" pitchFamily="34" charset="0"/>
+              </a:rPr>
+              <a:t>18% of adults between 20-69 years of age have </a:t>
+            </a:r>
+            <a:r>
+              <a:rPr lang="en-US" sz="1200" dirty="0">
+                <a:solidFill>
+                  <a:srgbClr val="000000"/>
+                </a:solidFill>
+                <a:latin typeface="Calibri" panose="020F0502020204030204" pitchFamily="34" charset="0"/>
+                <a:cs typeface="Calibri" panose="020F0502020204030204" pitchFamily="34" charset="0"/>
+                <a:sym typeface="Arial"/>
+              </a:rPr>
+              <a:t>hearing</a:t>
+            </a:r>
+            <a:r>
+              <a:rPr lang="en-US" sz="1200" dirty="0">
+                <a:latin typeface="Calibri" panose="020F0502020204030204" pitchFamily="34" charset="0"/>
+                <a:cs typeface="Calibri" panose="020F0502020204030204" pitchFamily="34" charset="0"/>
+              </a:rPr>
+              <a:t> impairments</a:t>
+            </a:r>
+          </a:p>
+          <a:p>
+            <a:pPr marL="635000" indent="-457200">
+              <a:spcBef>
+                <a:spcPts val="0"/>
+              </a:spcBef>
+              <a:buFont typeface="Arial" panose="020B0604020202020204" pitchFamily="34" charset="0"/>
+              <a:buChar char="•"/>
+            </a:pPr>
+            <a:r>
+              <a:rPr lang="en-US" sz="1200" dirty="0">
+                <a:latin typeface="Calibri" panose="020F0502020204030204" pitchFamily="34" charset="0"/>
+                <a:cs typeface="Calibri" panose="020F0502020204030204" pitchFamily="34" charset="0"/>
+              </a:rPr>
+              <a:t>More than 550 Costco locations across the United States</a:t>
+            </a:r>
+          </a:p>
+          <a:p>
+            <a:pPr marL="635000" indent="-457200">
+              <a:spcBef>
+                <a:spcPts val="0"/>
+              </a:spcBef>
+              <a:buFont typeface="Arial" panose="020B0604020202020204" pitchFamily="34" charset="0"/>
+              <a:buChar char="•"/>
+            </a:pPr>
+            <a:r>
+              <a:rPr lang="en-US" sz="1200" dirty="0">
+                <a:latin typeface="Calibri" panose="020F0502020204030204" pitchFamily="34" charset="0"/>
+                <a:cs typeface="Calibri" panose="020F0502020204030204" pitchFamily="34" charset="0"/>
+              </a:rPr>
+              <a:t>Global hearing market projected to grow at a CAGR of 8.1% for 2022-2029</a:t>
+            </a:r>
+          </a:p>
+          <a:p>
+            <a:pPr marL="285750" indent="-285750">
+              <a:buFont typeface="Arial" panose="020B0604020202020204" pitchFamily="34" charset="0"/>
+              <a:buChar char="•"/>
+            </a:pPr>
+            <a:endParaRPr lang="en-US" sz="1200" dirty="0">
+              <a:latin typeface="Calibri" panose="020F0502020204030204" pitchFamily="34" charset="0"/>
+              <a:cs typeface="Calibri" panose="020F0502020204030204" pitchFamily="34" charset="0"/>
+            </a:endParaRPr>
+          </a:p>
+          <a:p>
             <a:pPr marL="0" lvl="0" indent="0" algn="l" rtl="0">
               <a:spcBef>
                 <a:spcPts val="0"/>
@@ -1948,7 +2101,7 @@
               </a:spcAft>
               <a:buNone/>
             </a:pPr>
-            <a:endParaRPr/>
+            <a:endParaRPr dirty="0"/>
           </a:p>
         </p:txBody>
       </p:sp>
@@ -2052,7 +2205,98 @@
               </a:spcAft>
               <a:buNone/>
             </a:pPr>
-            <a:endParaRPr/>
+            <a:r>
+              <a:rPr lang="en-US" b="0" dirty="0"/>
+              <a:t>Excel: original Costco, demographic data as csv files</a:t>
+            </a:r>
+          </a:p>
+          <a:p>
+            <a:pPr marL="0" lvl="0" indent="0" algn="l" rtl="0">
+              <a:spcBef>
+                <a:spcPts val="0"/>
+              </a:spcBef>
+              <a:spcAft>
+                <a:spcPts val="0"/>
+              </a:spcAft>
+              <a:buNone/>
+            </a:pPr>
+            <a:r>
+              <a:rPr lang="en-US" b="0" dirty="0" err="1"/>
+              <a:t>Jupyter</a:t>
+            </a:r>
+            <a:r>
+              <a:rPr lang="en-US" b="0" dirty="0"/>
+              <a:t> Notebook &amp; </a:t>
+            </a:r>
+            <a:r>
+              <a:rPr lang="en-US" b="0" dirty="0" err="1"/>
+              <a:t>Colab</a:t>
+            </a:r>
+            <a:r>
+              <a:rPr lang="en-US" b="0" dirty="0"/>
+              <a:t>, Python &amp; Pandas: Data cleaning, preprocessing and machine learning</a:t>
+            </a:r>
+          </a:p>
+          <a:p>
+            <a:pPr marL="0" lvl="0" indent="0" algn="l" rtl="0">
+              <a:spcBef>
+                <a:spcPts val="0"/>
+              </a:spcBef>
+              <a:spcAft>
+                <a:spcPts val="0"/>
+              </a:spcAft>
+              <a:buNone/>
+            </a:pPr>
+            <a:r>
+              <a:rPr lang="en-US" b="0" dirty="0"/>
+              <a:t>VS Code &amp; JavaScript: Html dashboard</a:t>
+            </a:r>
+          </a:p>
+          <a:p>
+            <a:pPr marL="0" lvl="0" indent="0" algn="l" rtl="0">
+              <a:spcBef>
+                <a:spcPts val="0"/>
+              </a:spcBef>
+              <a:spcAft>
+                <a:spcPts val="0"/>
+              </a:spcAft>
+              <a:buNone/>
+            </a:pPr>
+            <a:r>
+              <a:rPr lang="en-US" b="0" dirty="0"/>
+              <a:t>Amazon S3 Bucket: data storage</a:t>
+            </a:r>
+          </a:p>
+          <a:p>
+            <a:pPr marL="0" lvl="0" indent="0" algn="l" rtl="0">
+              <a:spcBef>
+                <a:spcPts val="0"/>
+              </a:spcBef>
+              <a:spcAft>
+                <a:spcPts val="0"/>
+              </a:spcAft>
+              <a:buNone/>
+            </a:pPr>
+            <a:r>
+              <a:rPr lang="en-US" b="0" dirty="0" err="1"/>
+              <a:t>Github</a:t>
+            </a:r>
+            <a:r>
+              <a:rPr lang="en-US" b="0" dirty="0"/>
+              <a:t>: project collaboration</a:t>
+            </a:r>
+          </a:p>
+          <a:p>
+            <a:pPr marL="0" lvl="0" indent="0" algn="l" rtl="0">
+              <a:spcBef>
+                <a:spcPts val="0"/>
+              </a:spcBef>
+              <a:spcAft>
+                <a:spcPts val="0"/>
+              </a:spcAft>
+              <a:buNone/>
+            </a:pPr>
+            <a:endParaRPr b="0" dirty="0"/>
           </a:p>
         </p:txBody>
       </p:sp>
@@ -2147,16 +2391,103 @@
           </a:bodyPr>
           <a:lstStyle/>
           <a:p>
-            <a:pPr marL="0" lvl="0" indent="0" algn="l" rtl="0">
-              <a:spcBef>
-                <a:spcPts val="0"/>
-              </a:spcBef>
-              <a:spcAft>
-                <a:spcPts val="0"/>
-              </a:spcAft>
-              <a:buNone/>
+            <a:pPr marL="285750" indent="-285750">
+              <a:buFont typeface="Arial" panose="020B0604020202020204" pitchFamily="34" charset="0"/>
+              <a:buChar char="•"/>
             </a:pPr>
-            <a:endParaRPr/>
+            <a:r>
+              <a:rPr lang="en-US" sz="1200" dirty="0">
+                <a:latin typeface="Calibri" panose="020F0502020204030204" pitchFamily="34" charset="0"/>
+                <a:cs typeface="Calibri" panose="020F0502020204030204" pitchFamily="34" charset="0"/>
+              </a:rPr>
+              <a:t>Storing pictures, files, graphs, and more</a:t>
+            </a:r>
+          </a:p>
+          <a:p>
+            <a:pPr marL="285750" indent="-285750">
+              <a:buFont typeface="Arial" panose="020B0604020202020204" pitchFamily="34" charset="0"/>
+              <a:buChar char="•"/>
+            </a:pPr>
+            <a:r>
+              <a:rPr lang="en-US" sz="1200" dirty="0">
+                <a:latin typeface="Calibri" panose="020F0502020204030204" pitchFamily="34" charset="0"/>
+                <a:cs typeface="Calibri" panose="020F0502020204030204" pitchFamily="34" charset="0"/>
+              </a:rPr>
+              <a:t>Easily accessible among teammates</a:t>
+            </a:r>
+          </a:p>
+          <a:p>
+            <a:pPr marL="285750" indent="-285750">
+              <a:buFont typeface="Arial" panose="020B0604020202020204" pitchFamily="34" charset="0"/>
+              <a:buChar char="•"/>
+            </a:pPr>
+            <a:r>
+              <a:rPr lang="en-US" sz="1200" dirty="0">
+                <a:latin typeface="Calibri" panose="020F0502020204030204" pitchFamily="34" charset="0"/>
+                <a:cs typeface="Calibri" panose="020F0502020204030204" pitchFamily="34" charset="0"/>
+              </a:rPr>
+              <a:t>Connecting changing data to S3 Bucket</a:t>
+            </a:r>
+          </a:p>
+          <a:p>
+            <a:pPr marL="285750" indent="-285750">
+              <a:buFont typeface="Arial" panose="020B0604020202020204" pitchFamily="34" charset="0"/>
+              <a:buChar char="•"/>
+            </a:pPr>
+            <a:r>
+              <a:rPr lang="en-US" sz="1200" dirty="0">
+                <a:latin typeface="Calibri" panose="020F0502020204030204" pitchFamily="34" charset="0"/>
+                <a:cs typeface="Calibri" panose="020F0502020204030204" pitchFamily="34" charset="0"/>
+              </a:rPr>
+              <a:t>Connects to machine learning through </a:t>
+            </a:r>
+            <a:r>
+              <a:rPr lang="en-US" sz="1200" dirty="0" err="1">
+                <a:latin typeface="Calibri" panose="020F0502020204030204" pitchFamily="34" charset="0"/>
+                <a:cs typeface="Calibri" panose="020F0502020204030204" pitchFamily="34" charset="0"/>
+              </a:rPr>
+              <a:t>pyspark</a:t>
+            </a:r>
+            <a:endParaRPr lang="en-US" sz="1200" dirty="0">
+              <a:latin typeface="Calibri" panose="020F0502020204030204" pitchFamily="34" charset="0"/>
+              <a:cs typeface="Calibri" panose="020F0502020204030204" pitchFamily="34" charset="0"/>
+            </a:endParaRPr>
+          </a:p>
+          <a:p>
+            <a:pPr marL="285750" indent="-285750">
+              <a:buFont typeface="Arial" panose="020B0604020202020204" pitchFamily="34" charset="0"/>
+              <a:buChar char="•"/>
+            </a:pPr>
+            <a:r>
+              <a:rPr lang="en-US" sz="1200" dirty="0">
+                <a:latin typeface="Calibri" panose="020F0502020204030204" pitchFamily="34" charset="0"/>
+                <a:cs typeface="Calibri" panose="020F0502020204030204" pitchFamily="34" charset="0"/>
+              </a:rPr>
+              <a:t>Easy to use on multiple platforms</a:t>
+            </a:r>
+          </a:p>
+          <a:p>
+            <a:pPr marL="285750" indent="-285750">
+              <a:buFont typeface="Arial" panose="020B0604020202020204" pitchFamily="34" charset="0"/>
+              <a:buChar char="•"/>
+            </a:pPr>
+            <a:r>
+              <a:rPr lang="en-US" sz="1200" dirty="0">
+                <a:latin typeface="Calibri" panose="020F0502020204030204" pitchFamily="34" charset="0"/>
+                <a:cs typeface="Calibri" panose="020F0502020204030204" pitchFamily="34" charset="0"/>
+              </a:rPr>
+              <a:t>Plenty of storage space </a:t>
+            </a:r>
+          </a:p>
+          <a:p>
+            <a:pPr marL="285750" indent="-285750">
+              <a:buFont typeface="Arial" panose="020B0604020202020204" pitchFamily="34" charset="0"/>
+              <a:buChar char="•"/>
+            </a:pPr>
+            <a:endParaRPr lang="en-US" sz="1200" dirty="0">
+              <a:latin typeface="Calibri" panose="020F0502020204030204" pitchFamily="34" charset="0"/>
+              <a:cs typeface="Calibri" panose="020F0502020204030204" pitchFamily="34" charset="0"/>
+            </a:endParaRPr>
           </a:p>
         </p:txBody>
       </p:sp>
@@ -2210,11 +2541,11 @@
 </file>
 
 <file path=ppt/notesSlides/notesSlide5.xml><?xml version="1.0" encoding="utf-8"?>
-<p:notes xmlns:a="http://schemas.openxmlformats.org/drawingml/2006/main" xmlns:r="http://schemas.openxmlformats.org/officeDocument/2006/relationships" xmlns:p="http://schemas.openxmlformats.org/presentationml/2006/main" showMasterSp="0" showMasterPhAnim="0">
+<p:notes xmlns:a="http://schemas.openxmlformats.org/drawingml/2006/main" xmlns:r="http://schemas.openxmlformats.org/officeDocument/2006/relationships" xmlns:p="http://schemas.openxmlformats.org/presentationml/2006/main">
   <p:cSld>
     <p:spTree>
       <p:nvGrpSpPr>
-        <p:cNvPr id="1" name="Shape 247"/>
+        <p:cNvPr id="1" name=""/>
         <p:cNvGrpSpPr/>
         <p:nvPr/>
       </p:nvGrpSpPr>
@@ -2228,84 +2559,120 @@
       </p:grpSpPr>
       <p:sp>
         <p:nvSpPr>
-          <p:cNvPr id="248" name="Google Shape;248;p6:notes"/>
-          <p:cNvSpPr txBox="1">
+          <p:cNvPr id="2" name="Slide Image Placeholder 1"/>
+          <p:cNvSpPr>
+            <a:spLocks noGrp="1" noRot="1" noChangeAspect="1"/>
+          </p:cNvSpPr>
+          <p:nvPr>
+            <p:ph type="sldImg"/>
+          </p:nvPr>
+        </p:nvSpPr>
+        <p:spPr/>
+      </p:sp>
+      <p:sp>
+        <p:nvSpPr>
+          <p:cNvPr id="3" name="Notes Placeholder 2"/>
+          <p:cNvSpPr>
             <a:spLocks noGrp="1"/>
           </p:cNvSpPr>
           <p:nvPr>
             <p:ph type="body" idx="1"/>
           </p:nvPr>
         </p:nvSpPr>
-        <p:spPr>
-          <a:xfrm>
-            <a:off x="685800" y="4400550"/>
-            <a:ext cx="5486400" cy="3600450"/>
-          </a:xfrm>
-          <a:prstGeom prst="rect">
-            <a:avLst/>
-          </a:prstGeom>
-        </p:spPr>
+        <p:spPr/>
         <p:txBody>
-          <a:bodyPr spcFirstLastPara="1" wrap="square" lIns="91425" tIns="45700" rIns="91425" bIns="45700" anchor="t" anchorCtr="0">
-            <a:noAutofit/>
-          </a:bodyPr>
+          <a:bodyPr/>
           <a:lstStyle/>
           <a:p>
-            <a:pPr marL="0" lvl="0" indent="0" algn="l" rtl="0">
-              <a:spcBef>
-                <a:spcPts val="0"/>
-              </a:spcBef>
-              <a:spcAft>
-                <a:spcPts val="0"/>
-              </a:spcAft>
-              <a:buNone/>
-            </a:pPr>
-            <a:endParaRPr/>
+            <a:r>
+              <a:rPr lang="en-US" dirty="0"/>
+              <a:t>Data:</a:t>
+            </a:r>
+          </a:p>
+          <a:p>
+            <a:r>
+              <a:rPr lang="en-US" dirty="0"/>
+              <a:t>Costco Data: Kaggle &amp; Costco website to update locations</a:t>
+            </a:r>
+          </a:p>
+          <a:p>
+            <a:r>
+              <a:rPr lang="en-US" dirty="0"/>
+              <a:t>Census data: ESRI census population data 2019 &amp; 2021</a:t>
+            </a:r>
+          </a:p>
+          <a:p>
+            <a:r>
+              <a:rPr lang="en-US" dirty="0" err="1"/>
+              <a:t>Zipcode</a:t>
+            </a:r>
+            <a:r>
+              <a:rPr lang="en-US" dirty="0"/>
+              <a:t> file: USPS zip codes by county/MSA cross reference</a:t>
+            </a:r>
+          </a:p>
+          <a:p>
+            <a:endParaRPr lang="en-US" dirty="0"/>
+          </a:p>
+          <a:p>
+            <a:endParaRPr lang="en-US" dirty="0"/>
           </a:p>
         </p:txBody>
       </p:sp>
       <p:sp>
         <p:nvSpPr>
-          <p:cNvPr id="249" name="Google Shape;249;p6:notes"/>
+          <p:cNvPr id="4" name="Slide Number Placeholder 3"/>
           <p:cNvSpPr>
-            <a:spLocks noGrp="1" noRot="1" noChangeAspect="1"/>
+            <a:spLocks noGrp="1"/>
           </p:cNvSpPr>
           <p:nvPr>
-            <p:ph type="sldImg" idx="2"/>
+            <p:ph type="sldNum" idx="12"/>
           </p:nvPr>
         </p:nvSpPr>
-        <p:spPr>
-          <a:xfrm>
-            <a:off x="685800" y="1143000"/>
-            <a:ext cx="5486400" cy="3086100"/>
-          </a:xfrm>
-          <a:custGeom>
-            <a:avLst/>
-            <a:gdLst/>
-            <a:ahLst/>
-            <a:cxnLst/>
-            <a:rect l="l" t="t" r="r" b="b"/>
-            <a:pathLst>
-              <a:path w="120000" h="120000" extrusionOk="0">
-                <a:moveTo>
-                  <a:pt x="0" y="0"/>
-                </a:moveTo>
-                <a:lnTo>
-                  <a:pt x="120000" y="0"/>
-                </a:lnTo>
-                <a:lnTo>
-                  <a:pt x="120000" y="120000"/>
-                </a:lnTo>
-                <a:lnTo>
-                  <a:pt x="0" y="120000"/>
-                </a:lnTo>
-                <a:close/>
-              </a:path>
-            </a:pathLst>
-          </a:custGeom>
-        </p:spPr>
+        <p:spPr/>
+        <p:txBody>
+          <a:bodyPr/>
+          <a:lstStyle/>
+          <a:p>
+            <a:pPr marL="0" marR="0" lvl="0" indent="0" algn="r" rtl="0">
+              <a:spcBef>
+                <a:spcPts val="0"/>
+              </a:spcBef>
+              <a:spcAft>
+                <a:spcPts val="0"/>
+              </a:spcAft>
+              <a:buNone/>
+            </a:pPr>
+            <a:fld id="{00000000-1234-1234-1234-123412341234}" type="slidenum">
+              <a:rPr lang="en-US" sz="1200" b="0" i="0" u="none" strike="noStrike" cap="none" smtClean="0">
+                <a:solidFill>
+                  <a:schemeClr val="dk1"/>
+                </a:solidFill>
+                <a:latin typeface="Calibri"/>
+                <a:ea typeface="Calibri"/>
+                <a:cs typeface="Calibri"/>
+                <a:sym typeface="Calibri"/>
+              </a:rPr>
+              <a:t>5</a:t>
+            </a:fld>
+            <a:endParaRPr lang="en-US" sz="1200" b="0" i="0" u="none" strike="noStrike" cap="none">
+              <a:solidFill>
+                <a:schemeClr val="dk1"/>
+              </a:solidFill>
+              <a:latin typeface="Calibri"/>
+              <a:ea typeface="Calibri"/>
+              <a:cs typeface="Calibri"/>
+              <a:sym typeface="Calibri"/>
+            </a:endParaRPr>
+          </a:p>
+        </p:txBody>
       </p:sp>
     </p:spTree>
+    <p:extLst>
+      <p:ext uri="{BB962C8B-B14F-4D97-AF65-F5344CB8AC3E}">
+        <p14:creationId xmlns:p14="http://schemas.microsoft.com/office/powerpoint/2010/main" val="314688968"/>
+      </p:ext>
+    </p:extLst>
   </p:cSld>
   <p:clrMapOvr>
     <a:masterClrMapping/>
@@ -2355,6 +2722,418 @@
           </a:bodyPr>
           <a:lstStyle/>
           <a:p>
+            <a:pPr marL="349250" indent="-171450">
+              <a:spcBef>
+                <a:spcPts val="0"/>
+              </a:spcBef>
+              <a:buFont typeface="Arial" panose="020B0604020202020204" pitchFamily="34" charset="0"/>
+              <a:buChar char="•"/>
+            </a:pPr>
+            <a:r>
+              <a:rPr lang="en-US" sz="1200" dirty="0">
+                <a:solidFill>
+                  <a:schemeClr val="tx1">
+                    <a:lumMod val="65000"/>
+                    <a:lumOff val="35000"/>
+                  </a:schemeClr>
+                </a:solidFill>
+                <a:latin typeface="Calibri" panose="020F0502020204030204" pitchFamily="34" charset="0"/>
+                <a:cs typeface="Calibri" panose="020F0502020204030204" pitchFamily="34" charset="0"/>
+              </a:rPr>
+              <a:t>Using competitive model structure and training on Costco locations to recommend where Costco should open a new location, specifically for hearing centers. </a:t>
+            </a:r>
+          </a:p>
+          <a:p>
+            <a:pPr marL="177800" indent="0">
+              <a:spcBef>
+                <a:spcPts val="0"/>
+              </a:spcBef>
+              <a:buNone/>
+            </a:pPr>
+            <a:endParaRPr lang="en-US" sz="1200" dirty="0">
+              <a:solidFill>
+                <a:schemeClr val="tx1">
+                  <a:lumMod val="65000"/>
+                  <a:lumOff val="35000"/>
+                </a:schemeClr>
+              </a:solidFill>
+              <a:latin typeface="Calibri" panose="020F0502020204030204" pitchFamily="34" charset="0"/>
+              <a:cs typeface="Calibri" panose="020F0502020204030204" pitchFamily="34" charset="0"/>
+            </a:endParaRPr>
+          </a:p>
+          <a:p>
+            <a:pPr marL="349250" indent="-171450">
+              <a:spcBef>
+                <a:spcPts val="0"/>
+              </a:spcBef>
+              <a:buFont typeface="Arial" panose="020B0604020202020204" pitchFamily="34" charset="0"/>
+              <a:buChar char="•"/>
+            </a:pPr>
+            <a:r>
+              <a:rPr lang="en-US" sz="1200" dirty="0">
+                <a:solidFill>
+                  <a:schemeClr val="tx1">
+                    <a:lumMod val="65000"/>
+                    <a:lumOff val="35000"/>
+                  </a:schemeClr>
+                </a:solidFill>
+                <a:latin typeface="Calibri" panose="020F0502020204030204" pitchFamily="34" charset="0"/>
+                <a:cs typeface="Calibri" panose="020F0502020204030204" pitchFamily="34" charset="0"/>
+              </a:rPr>
+              <a:t>Using precision and recall rather than accuracy to predict where they should have a hearing center but don’t.</a:t>
+            </a:r>
+          </a:p>
+          <a:p>
+            <a:pPr marL="349250" indent="-171450">
+              <a:spcBef>
+                <a:spcPts val="0"/>
+              </a:spcBef>
+              <a:buFont typeface="Arial" panose="020B0604020202020204" pitchFamily="34" charset="0"/>
+              <a:buChar char="•"/>
+            </a:pPr>
+            <a:endParaRPr lang="en-US" sz="1200" dirty="0">
+              <a:solidFill>
+                <a:schemeClr val="tx1">
+                  <a:lumMod val="65000"/>
+                  <a:lumOff val="35000"/>
+                </a:schemeClr>
+              </a:solidFill>
+              <a:latin typeface="Calibri" panose="020F0502020204030204" pitchFamily="34" charset="0"/>
+              <a:cs typeface="Calibri" panose="020F0502020204030204" pitchFamily="34" charset="0"/>
+            </a:endParaRPr>
+          </a:p>
+          <a:p>
+            <a:pPr marL="177800" lvl="0" indent="0" algn="l" rtl="0">
+              <a:lnSpc>
+                <a:spcPct val="90000"/>
+              </a:lnSpc>
+              <a:spcBef>
+                <a:spcPts val="0"/>
+              </a:spcBef>
+              <a:spcAft>
+                <a:spcPts val="0"/>
+              </a:spcAft>
+              <a:buClr>
+                <a:schemeClr val="dk1"/>
+              </a:buClr>
+              <a:buSzPts val="2800"/>
+              <a:buNone/>
+            </a:pPr>
+            <a:r>
+              <a:rPr lang="en-US" sz="1900" dirty="0">
+                <a:latin typeface="Calibri" panose="020F0502020204030204" pitchFamily="34" charset="0"/>
+                <a:cs typeface="Calibri" panose="020F0502020204030204" pitchFamily="34" charset="0"/>
+              </a:rPr>
+              <a:t>3 Supervised Machine Learning Models:</a:t>
+            </a:r>
+          </a:p>
+          <a:p>
+            <a:pPr marL="177800" lvl="0" indent="0" algn="l" rtl="0">
+              <a:lnSpc>
+                <a:spcPct val="90000"/>
+              </a:lnSpc>
+              <a:spcBef>
+                <a:spcPts val="0"/>
+              </a:spcBef>
+              <a:spcAft>
+                <a:spcPts val="0"/>
+              </a:spcAft>
+              <a:buClr>
+                <a:schemeClr val="dk1"/>
+              </a:buClr>
+              <a:buSzPts val="2800"/>
+              <a:buNone/>
+            </a:pPr>
+            <a:r>
+              <a:rPr lang="en-US" sz="1900" i="1" u="sng" dirty="0">
+                <a:latin typeface="Calibri" panose="020F0502020204030204" pitchFamily="34" charset="0"/>
+                <a:cs typeface="Calibri" panose="020F0502020204030204" pitchFamily="34" charset="0"/>
+              </a:rPr>
+              <a:t>Logistic Regression</a:t>
+            </a:r>
+          </a:p>
+          <a:p>
+            <a:pPr marL="520700" lvl="0" indent="-342900" algn="l" rtl="0">
+              <a:lnSpc>
+                <a:spcPct val="90000"/>
+              </a:lnSpc>
+              <a:spcBef>
+                <a:spcPts val="0"/>
+              </a:spcBef>
+              <a:spcAft>
+                <a:spcPts val="0"/>
+              </a:spcAft>
+              <a:buClr>
+                <a:schemeClr val="dk1"/>
+              </a:buClr>
+              <a:buSzPts val="2800"/>
+              <a:buFont typeface="Arial" panose="020B0604020202020204" pitchFamily="34" charset="0"/>
+              <a:buChar char="•"/>
+            </a:pPr>
+            <a:r>
+              <a:rPr lang="en-US" sz="1900" dirty="0">
+                <a:latin typeface="Calibri" panose="020F0502020204030204" pitchFamily="34" charset="0"/>
+                <a:cs typeface="Calibri" panose="020F0502020204030204" pitchFamily="34" charset="0"/>
+              </a:rPr>
+              <a:t>Predicts probability of binary outcome, yes and no</a:t>
+            </a:r>
+          </a:p>
+          <a:p>
+            <a:pPr marL="520700" lvl="0" indent="-342900" algn="l" rtl="0">
+              <a:lnSpc>
+                <a:spcPct val="90000"/>
+              </a:lnSpc>
+              <a:spcBef>
+                <a:spcPts val="0"/>
+              </a:spcBef>
+              <a:spcAft>
+                <a:spcPts val="0"/>
+              </a:spcAft>
+              <a:buClr>
+                <a:schemeClr val="dk1"/>
+              </a:buClr>
+              <a:buSzPts val="2800"/>
+              <a:buFont typeface="Arial" panose="020B0604020202020204" pitchFamily="34" charset="0"/>
+              <a:buChar char="•"/>
+            </a:pPr>
+            <a:r>
+              <a:rPr lang="en-US" sz="1900" dirty="0">
+                <a:latin typeface="Calibri" panose="020F0502020204030204" pitchFamily="34" charset="0"/>
+                <a:cs typeface="Calibri" panose="020F0502020204030204" pitchFamily="34" charset="0"/>
+              </a:rPr>
+              <a:t>Observes a data set to find patterns to allow prediction</a:t>
+            </a:r>
+          </a:p>
+          <a:p>
+            <a:pPr marL="1092200" lvl="1" indent="-457200">
+              <a:spcBef>
+                <a:spcPts val="0"/>
+              </a:spcBef>
+              <a:buSzPts val="2800"/>
+              <a:buFont typeface="Arial" panose="020B0604020202020204" pitchFamily="34" charset="0"/>
+              <a:buChar char="•"/>
+            </a:pPr>
+            <a:r>
+              <a:rPr lang="en-US" sz="1600" dirty="0">
+                <a:latin typeface="Calibri" panose="020F0502020204030204" pitchFamily="34" charset="0"/>
+                <a:cs typeface="Calibri" panose="020F0502020204030204" pitchFamily="34" charset="0"/>
+              </a:rPr>
+              <a:t>Accuracy</a:t>
+            </a:r>
+          </a:p>
+          <a:p>
+            <a:pPr marL="520700" indent="-342900">
+              <a:spcBef>
+                <a:spcPts val="0"/>
+              </a:spcBef>
+            </a:pPr>
+            <a:endParaRPr lang="en-US" sz="1900" i="1" u="sng" dirty="0">
+              <a:latin typeface="Calibri" panose="020F0502020204030204" pitchFamily="34" charset="0"/>
+              <a:cs typeface="Calibri" panose="020F0502020204030204" pitchFamily="34" charset="0"/>
+            </a:endParaRPr>
+          </a:p>
+          <a:p>
+            <a:pPr marL="520700" indent="-342900">
+              <a:spcBef>
+                <a:spcPts val="0"/>
+              </a:spcBef>
+            </a:pPr>
+            <a:r>
+              <a:rPr lang="en-US" sz="1900" i="1" u="sng" dirty="0" err="1">
+                <a:latin typeface="Calibri" panose="020F0502020204030204" pitchFamily="34" charset="0"/>
+                <a:cs typeface="Calibri" panose="020F0502020204030204" pitchFamily="34" charset="0"/>
+              </a:rPr>
+              <a:t>RandomForest</a:t>
+            </a:r>
+            <a:endParaRPr lang="en-US" sz="1900" i="1" u="sng" dirty="0">
+              <a:latin typeface="Calibri" panose="020F0502020204030204" pitchFamily="34" charset="0"/>
+              <a:cs typeface="Calibri" panose="020F0502020204030204" pitchFamily="34" charset="0"/>
+            </a:endParaRPr>
+          </a:p>
+          <a:p>
+            <a:pPr marL="520700" lvl="0" indent="-342900" algn="l" rtl="0">
+              <a:lnSpc>
+                <a:spcPct val="90000"/>
+              </a:lnSpc>
+              <a:spcBef>
+                <a:spcPts val="0"/>
+              </a:spcBef>
+              <a:spcAft>
+                <a:spcPts val="0"/>
+              </a:spcAft>
+              <a:buClr>
+                <a:schemeClr val="dk1"/>
+              </a:buClr>
+              <a:buSzPts val="2800"/>
+              <a:buFont typeface="Arial" panose="020B0604020202020204" pitchFamily="34" charset="0"/>
+              <a:buChar char="•"/>
+            </a:pPr>
+            <a:r>
+              <a:rPr lang="en-US" sz="1900" dirty="0">
+                <a:latin typeface="Calibri" panose="020F0502020204030204" pitchFamily="34" charset="0"/>
+                <a:cs typeface="Calibri" panose="020F0502020204030204" pitchFamily="34" charset="0"/>
+              </a:rPr>
+              <a:t>Builds decision trees on different samples</a:t>
+            </a:r>
+          </a:p>
+          <a:p>
+            <a:pPr marL="520700" lvl="0" indent="-342900" algn="l" rtl="0">
+              <a:lnSpc>
+                <a:spcPct val="90000"/>
+              </a:lnSpc>
+              <a:spcBef>
+                <a:spcPts val="0"/>
+              </a:spcBef>
+              <a:spcAft>
+                <a:spcPts val="0"/>
+              </a:spcAft>
+              <a:buClr>
+                <a:schemeClr val="dk1"/>
+              </a:buClr>
+              <a:buSzPts val="2800"/>
+              <a:buFont typeface="Arial" panose="020B0604020202020204" pitchFamily="34" charset="0"/>
+              <a:buChar char="•"/>
+            </a:pPr>
+            <a:r>
+              <a:rPr lang="en-US" sz="1900" dirty="0">
+                <a:latin typeface="Calibri" panose="020F0502020204030204" pitchFamily="34" charset="0"/>
+                <a:cs typeface="Calibri" panose="020F0502020204030204" pitchFamily="34" charset="0"/>
+              </a:rPr>
+              <a:t>Calculates majority for classification</a:t>
+            </a:r>
+          </a:p>
+          <a:p>
+            <a:pPr marL="520700" lvl="0" indent="-342900" algn="l" rtl="0">
+              <a:lnSpc>
+                <a:spcPct val="90000"/>
+              </a:lnSpc>
+              <a:spcBef>
+                <a:spcPts val="0"/>
+              </a:spcBef>
+              <a:spcAft>
+                <a:spcPts val="0"/>
+              </a:spcAft>
+              <a:buClr>
+                <a:schemeClr val="dk1"/>
+              </a:buClr>
+              <a:buSzPts val="2800"/>
+              <a:buFont typeface="Arial" panose="020B0604020202020204" pitchFamily="34" charset="0"/>
+              <a:buChar char="•"/>
+            </a:pPr>
+            <a:r>
+              <a:rPr lang="en-US" sz="1900" dirty="0">
+                <a:latin typeface="Calibri" panose="020F0502020204030204" pitchFamily="34" charset="0"/>
+                <a:cs typeface="Calibri" panose="020F0502020204030204" pitchFamily="34" charset="0"/>
+              </a:rPr>
+              <a:t>Calculates average for regression</a:t>
+            </a:r>
+          </a:p>
+          <a:p>
+            <a:pPr marL="1092200" lvl="1" indent="-457200">
+              <a:spcBef>
+                <a:spcPts val="0"/>
+              </a:spcBef>
+              <a:buSzPts val="2800"/>
+              <a:buFont typeface="Arial" panose="020B0604020202020204" pitchFamily="34" charset="0"/>
+              <a:buChar char="•"/>
+            </a:pPr>
+            <a:r>
+              <a:rPr lang="en-US" sz="1600" dirty="0">
+                <a:latin typeface="Calibri" panose="020F0502020204030204" pitchFamily="34" charset="0"/>
+                <a:cs typeface="Calibri" panose="020F0502020204030204" pitchFamily="34" charset="0"/>
+              </a:rPr>
+              <a:t>Accuracy is </a:t>
+            </a:r>
+            <a:endParaRPr lang="en-US" sz="1900" dirty="0">
+              <a:latin typeface="Calibri" panose="020F0502020204030204" pitchFamily="34" charset="0"/>
+              <a:cs typeface="Calibri" panose="020F0502020204030204" pitchFamily="34" charset="0"/>
+            </a:endParaRPr>
+          </a:p>
+          <a:p>
+            <a:pPr marL="177800" lvl="0" indent="0" algn="l" rtl="0">
+              <a:lnSpc>
+                <a:spcPct val="90000"/>
+              </a:lnSpc>
+              <a:spcBef>
+                <a:spcPts val="0"/>
+              </a:spcBef>
+              <a:spcAft>
+                <a:spcPts val="0"/>
+              </a:spcAft>
+              <a:buClr>
+                <a:schemeClr val="dk1"/>
+              </a:buClr>
+              <a:buSzPts val="2800"/>
+              <a:buNone/>
+            </a:pPr>
+            <a:endParaRPr lang="en-US" sz="1900" i="1" u="sng" dirty="0">
+              <a:latin typeface="Calibri" panose="020F0502020204030204" pitchFamily="34" charset="0"/>
+              <a:cs typeface="Calibri" panose="020F0502020204030204" pitchFamily="34" charset="0"/>
+            </a:endParaRPr>
+          </a:p>
+          <a:p>
+            <a:pPr marL="177800" lvl="0" indent="0" algn="l" rtl="0">
+              <a:lnSpc>
+                <a:spcPct val="90000"/>
+              </a:lnSpc>
+              <a:spcBef>
+                <a:spcPts val="0"/>
+              </a:spcBef>
+              <a:spcAft>
+                <a:spcPts val="0"/>
+              </a:spcAft>
+              <a:buClr>
+                <a:schemeClr val="dk1"/>
+              </a:buClr>
+              <a:buSzPts val="2800"/>
+              <a:buNone/>
+            </a:pPr>
+            <a:r>
+              <a:rPr lang="en-US" sz="1900" i="1" u="sng" dirty="0">
+                <a:latin typeface="Calibri" panose="020F0502020204030204" pitchFamily="34" charset="0"/>
+                <a:cs typeface="Calibri" panose="020F0502020204030204" pitchFamily="34" charset="0"/>
+              </a:rPr>
+              <a:t>SMOTEENN</a:t>
+            </a:r>
+          </a:p>
+          <a:p>
+            <a:pPr marL="635000" indent="-457200">
+              <a:spcBef>
+                <a:spcPts val="0"/>
+              </a:spcBef>
+              <a:buFont typeface="Arial" panose="020B0604020202020204" pitchFamily="34" charset="0"/>
+              <a:buChar char="•"/>
+            </a:pPr>
+            <a:r>
+              <a:rPr lang="en-US" sz="1900" dirty="0">
+                <a:latin typeface="Calibri" panose="020F0502020204030204" pitchFamily="34" charset="0"/>
+                <a:cs typeface="Calibri" panose="020F0502020204030204" pitchFamily="34" charset="0"/>
+              </a:rPr>
+              <a:t>Chooses random points from training data-set to perform calculations (imbalanced classification) </a:t>
+            </a:r>
+            <a:endParaRPr lang="en-US" sz="2300" dirty="0">
+              <a:latin typeface="Calibri" panose="020F0502020204030204" pitchFamily="34" charset="0"/>
+              <a:cs typeface="Calibri" panose="020F0502020204030204" pitchFamily="34" charset="0"/>
+            </a:endParaRPr>
+          </a:p>
+          <a:p>
+            <a:pPr marL="1092200" lvl="1" indent="-457200">
+              <a:spcBef>
+                <a:spcPts val="0"/>
+              </a:spcBef>
+              <a:buSzPts val="2800"/>
+              <a:buFont typeface="Arial" panose="020B0604020202020204" pitchFamily="34" charset="0"/>
+              <a:buChar char="•"/>
+            </a:pPr>
+            <a:r>
+              <a:rPr lang="en-US" sz="1600" dirty="0">
+                <a:latin typeface="Calibri" panose="020F0502020204030204" pitchFamily="34" charset="0"/>
+                <a:cs typeface="Calibri" panose="020F0502020204030204" pitchFamily="34" charset="0"/>
+              </a:rPr>
+              <a:t>Accuracy is</a:t>
+            </a:r>
+          </a:p>
+          <a:p>
             <a:pPr marL="0" lvl="0" indent="0" algn="l" rtl="0">
               <a:spcBef>
                 <a:spcPts val="0"/>
@@ -2364,7 +3143,7 @@
               </a:spcAft>
               <a:buNone/>
             </a:pPr>
-            <a:endParaRPr/>
+            <a:endParaRPr dirty="0"/>
           </a:p>
         </p:txBody>
       </p:sp>
@@ -36194,8 +36973,8 @@
         </p:nvSpPr>
         <p:spPr>
           <a:xfrm>
-            <a:off x="755649" y="3057132"/>
-            <a:ext cx="10666329" cy="906011"/>
+            <a:off x="2465798" y="4659898"/>
+            <a:ext cx="7027523" cy="906011"/>
           </a:xfrm>
           <a:prstGeom prst="rect">
             <a:avLst/>
@@ -36228,7 +37007,7 @@
               <a:buNone/>
             </a:pPr>
             <a:r>
-              <a:rPr lang="en-US" b="0" i="0" dirty="0">
+              <a:rPr lang="en-US" sz="2400" b="0" i="0" dirty="0">
                 <a:solidFill>
                   <a:schemeClr val="tx1">
                     <a:lumMod val="65000"/>
@@ -36239,144 +37018,15 @@
                 <a:latin typeface="Calibri" panose="020F0502020204030204" pitchFamily="34" charset="0"/>
                 <a:cs typeface="Calibri" panose="020F0502020204030204" pitchFamily="34" charset="0"/>
               </a:rPr>
-              <a:t>Legislation recently passed regarding hearing aids that will impact a large percent of the population</a:t>
+              <a:t>Legislation recently passed regarding hearing aids that will impact a large percent of the population.</a:t>
             </a:r>
-            <a:endParaRPr dirty="0">
+            <a:endParaRPr sz="2400" dirty="0">
               <a:solidFill>
                 <a:schemeClr val="tx1">
                   <a:lumMod val="65000"/>
                   <a:lumOff val="35000"/>
                 </a:schemeClr>
               </a:solidFill>
-              <a:latin typeface="Calibri" panose="020F0502020204030204" pitchFamily="34" charset="0"/>
-              <a:cs typeface="Calibri" panose="020F0502020204030204" pitchFamily="34" charset="0"/>
-            </a:endParaRPr>
-          </a:p>
-        </p:txBody>
-      </p:sp>
-      <p:sp>
-        <p:nvSpPr>
-          <p:cNvPr id="226" name="Google Shape;226;p12"/>
-          <p:cNvSpPr txBox="1">
-            <a:spLocks noGrp="1"/>
-          </p:cNvSpPr>
-          <p:nvPr>
-            <p:ph type="body" idx="2"/>
-          </p:nvPr>
-        </p:nvSpPr>
-        <p:spPr>
-          <a:xfrm>
-            <a:off x="6088814" y="4175125"/>
-            <a:ext cx="4957763" cy="2682875"/>
-          </a:xfrm>
-          <a:prstGeom prst="rect">
-            <a:avLst/>
-          </a:prstGeom>
-          <a:noFill/>
-          <a:ln>
-            <a:noFill/>
-          </a:ln>
-        </p:spPr>
-        <p:txBody>
-          <a:bodyPr spcFirstLastPara="1" wrap="square" lIns="91425" tIns="45700" rIns="91425" bIns="45700" anchor="t" anchorCtr="0">
-            <a:normAutofit/>
-          </a:bodyPr>
-          <a:lstStyle/>
-          <a:p>
-            <a:pPr marL="635000" lvl="0" indent="-457200" algn="l" rtl="0">
-              <a:lnSpc>
-                <a:spcPct val="90000"/>
-              </a:lnSpc>
-              <a:spcBef>
-                <a:spcPts val="0"/>
-              </a:spcBef>
-              <a:spcAft>
-                <a:spcPts val="0"/>
-              </a:spcAft>
-              <a:buClr>
-                <a:schemeClr val="dk1"/>
-              </a:buClr>
-              <a:buSzPts val="2800"/>
-              <a:buFont typeface="Arial" panose="020B0604020202020204" pitchFamily="34" charset="0"/>
-              <a:buChar char="•"/>
-            </a:pPr>
-            <a:r>
-              <a:rPr lang="en-US" sz="2000" dirty="0">
-                <a:latin typeface="Calibri" panose="020F0502020204030204" pitchFamily="34" charset="0"/>
-                <a:cs typeface="Calibri" panose="020F0502020204030204" pitchFamily="34" charset="0"/>
-              </a:rPr>
-              <a:t>18% of adults between 20-69 years of age have </a:t>
-            </a:r>
-            <a:r>
-              <a:rPr lang="en-US" sz="2000" dirty="0">
-                <a:solidFill>
-                  <a:srgbClr val="000000"/>
-                </a:solidFill>
-                <a:latin typeface="Calibri" panose="020F0502020204030204" pitchFamily="34" charset="0"/>
-                <a:cs typeface="Calibri" panose="020F0502020204030204" pitchFamily="34" charset="0"/>
-                <a:sym typeface="Arial"/>
-              </a:rPr>
-              <a:t>hearing</a:t>
-            </a:r>
-            <a:r>
-              <a:rPr lang="en-US" sz="2000" dirty="0">
-                <a:latin typeface="Calibri" panose="020F0502020204030204" pitchFamily="34" charset="0"/>
-                <a:cs typeface="Calibri" panose="020F0502020204030204" pitchFamily="34" charset="0"/>
-              </a:rPr>
-              <a:t> impairments</a:t>
-            </a:r>
-          </a:p>
-          <a:p>
-            <a:pPr marL="635000" indent="-457200">
-              <a:spcBef>
-                <a:spcPts val="0"/>
-              </a:spcBef>
-              <a:buFont typeface="Arial" panose="020B0604020202020204" pitchFamily="34" charset="0"/>
-              <a:buChar char="•"/>
-            </a:pPr>
-            <a:r>
-              <a:rPr lang="en-US" sz="2000" dirty="0">
-                <a:latin typeface="Calibri" panose="020F0502020204030204" pitchFamily="34" charset="0"/>
-                <a:cs typeface="Calibri" panose="020F0502020204030204" pitchFamily="34" charset="0"/>
-              </a:rPr>
-              <a:t>More than 550 Costco locations across the United States</a:t>
-            </a:r>
-          </a:p>
-          <a:p>
-            <a:pPr marL="635000" indent="-457200">
-              <a:spcBef>
-                <a:spcPts val="0"/>
-              </a:spcBef>
-              <a:buFont typeface="Arial" panose="020B0604020202020204" pitchFamily="34" charset="0"/>
-              <a:buChar char="•"/>
-            </a:pPr>
-            <a:r>
-              <a:rPr lang="en-US" sz="2000" dirty="0">
-                <a:latin typeface="Calibri" panose="020F0502020204030204" pitchFamily="34" charset="0"/>
-                <a:cs typeface="Calibri" panose="020F0502020204030204" pitchFamily="34" charset="0"/>
-              </a:rPr>
-              <a:t>Global hearing market projected to grow at a CAGR of 8.1% for 2022-2029</a:t>
-            </a:r>
-          </a:p>
-          <a:p>
-            <a:pPr marL="635000" lvl="0" indent="-457200" algn="l" rtl="0">
-              <a:lnSpc>
-                <a:spcPct val="90000"/>
-              </a:lnSpc>
-              <a:spcBef>
-                <a:spcPts val="0"/>
-              </a:spcBef>
-              <a:spcAft>
-                <a:spcPts val="0"/>
-              </a:spcAft>
-              <a:buClr>
-                <a:schemeClr val="dk1"/>
-              </a:buClr>
-              <a:buSzPts val="2800"/>
-              <a:buFont typeface="Arial" panose="020B0604020202020204" pitchFamily="34" charset="0"/>
-              <a:buChar char="•"/>
-            </a:pPr>
-            <a:endParaRPr sz="2000" dirty="0">
               <a:latin typeface="Calibri" panose="020F0502020204030204" pitchFamily="34" charset="0"/>
               <a:cs typeface="Calibri" panose="020F0502020204030204" pitchFamily="34" charset="0"/>
             </a:endParaRPr>
@@ -37749,8 +38399,8 @@
         </p:nvSpPr>
         <p:spPr>
           <a:xfrm>
-            <a:off x="2733367" y="447165"/>
-            <a:ext cx="9822427" cy="400110"/>
+            <a:off x="1510301" y="3575171"/>
+            <a:ext cx="9339210" cy="492443"/>
           </a:xfrm>
           <a:prstGeom prst="rect">
             <a:avLst/>
@@ -37764,7 +38414,20 @@
           <a:lstStyle/>
           <a:p>
             <a:r>
-              <a:rPr lang="en-US" sz="2000" dirty="0">
+              <a:rPr lang="en-US" sz="2600" dirty="0">
+                <a:solidFill>
+                  <a:schemeClr val="tx1">
+                    <a:lumMod val="75000"/>
+                    <a:lumOff val="25000"/>
+                  </a:schemeClr>
+                </a:solidFill>
+                <a:latin typeface="Calibri" panose="020F0502020204030204" pitchFamily="34" charset="0"/>
+                <a:cs typeface="Calibri" panose="020F0502020204030204" pitchFamily="34" charset="0"/>
+              </a:rPr>
+              <a:t>How does the need for over-the-counter hearing aids affect Costco</a:t>
+            </a:r>
+            <a:r>
+              <a:rPr lang="en-US" sz="2600" dirty="0">
                 <a:solidFill>
                   <a:schemeClr val="tx1">
                     <a:lumMod val="65000"/>
@@ -37774,391 +38437,7 @@
                 <a:latin typeface="Calibri" panose="020F0502020204030204" pitchFamily="34" charset="0"/>
                 <a:cs typeface="Calibri" panose="020F0502020204030204" pitchFamily="34" charset="0"/>
               </a:rPr>
-              <a:t>How does the need for over-the-counter hearing aids affect Costco?</a:t>
-            </a:r>
-          </a:p>
-        </p:txBody>
-      </p:sp>
-      <p:sp>
-        <p:nvSpPr>
-          <p:cNvPr id="2" name="Google Shape;226;p12">
-            <a:extLst>
-              <a:ext uri="{FF2B5EF4-FFF2-40B4-BE49-F238E27FC236}">
-                <a16:creationId xmlns:a16="http://schemas.microsoft.com/office/drawing/2014/main" id="{076E11CC-1B19-64B7-F1DC-E221DEA8BF3E}"/>
-              </a:ext>
-            </a:extLst>
-          </p:cNvPr>
-          <p:cNvSpPr txBox="1">
-            <a:spLocks/>
-          </p:cNvSpPr>
-          <p:nvPr/>
-        </p:nvSpPr>
-        <p:spPr>
-          <a:xfrm>
-            <a:off x="770021" y="4104492"/>
-            <a:ext cx="4957763" cy="2682875"/>
-          </a:xfrm>
-          <a:prstGeom prst="rect">
-            <a:avLst/>
-          </a:prstGeom>
-          <a:noFill/>
-          <a:ln>
-            <a:noFill/>
-          </a:ln>
-        </p:spPr>
-        <p:txBody>
-          <a:bodyPr spcFirstLastPara="1" wrap="square" lIns="91425" tIns="45700" rIns="91425" bIns="45700" anchor="t" anchorCtr="0">
-            <a:normAutofit/>
-          </a:bodyPr>
-          <a:lstStyle>
-            <a:defPPr marR="0" lvl="0" algn="l" rtl="0">
-              <a:lnSpc>
-                <a:spcPct val="100000"/>
-              </a:lnSpc>
-              <a:spcBef>
-                <a:spcPts val="0"/>
-              </a:spcBef>
-              <a:spcAft>
-                <a:spcPts val="0"/>
-              </a:spcAft>
-            </a:defPPr>
-            <a:lvl1pPr marL="457200" marR="0" lvl="0" indent="-406400" algn="l" rtl="0">
-              <a:lnSpc>
-                <a:spcPct val="90000"/>
-              </a:lnSpc>
-              <a:spcBef>
-                <a:spcPts val="1000"/>
-              </a:spcBef>
-              <a:spcAft>
-                <a:spcPts val="0"/>
-              </a:spcAft>
-              <a:buClr>
-                <a:schemeClr val="dk1"/>
-              </a:buClr>
-              <a:buSzPts val="2800"/>
-              <a:buFont typeface="Arial"/>
-              <a:buChar char="•"/>
-              <a:defRPr sz="2800" b="0" i="0" u="none" strike="noStrike" cap="none">
-                <a:solidFill>
-                  <a:schemeClr val="dk1"/>
-                </a:solidFill>
-                <a:latin typeface="Calibri"/>
-                <a:ea typeface="Calibri"/>
-                <a:cs typeface="Calibri"/>
-                <a:sym typeface="Calibri"/>
-              </a:defRPr>
-            </a:lvl1pPr>
-            <a:lvl2pPr marL="914400" marR="0" lvl="1" indent="-381000" algn="l" rtl="0">
-              <a:lnSpc>
-                <a:spcPct val="90000"/>
-              </a:lnSpc>
-              <a:spcBef>
-                <a:spcPts val="500"/>
-              </a:spcBef>
-              <a:spcAft>
-                <a:spcPts val="0"/>
-              </a:spcAft>
-              <a:buClr>
-                <a:schemeClr val="dk1"/>
-              </a:buClr>
-              <a:buSzPts val="2400"/>
-              <a:buFont typeface="Arial"/>
-              <a:buChar char="•"/>
-              <a:defRPr sz="2400" b="0" i="0" u="none" strike="noStrike" cap="none">
-                <a:solidFill>
-                  <a:schemeClr val="dk1"/>
-                </a:solidFill>
-                <a:latin typeface="Calibri"/>
-                <a:ea typeface="Calibri"/>
-                <a:cs typeface="Calibri"/>
-                <a:sym typeface="Calibri"/>
-              </a:defRPr>
-            </a:lvl2pPr>
-            <a:lvl3pPr marL="1371600" marR="0" lvl="2" indent="-355600" algn="l" rtl="0">
-              <a:lnSpc>
-                <a:spcPct val="90000"/>
-              </a:lnSpc>
-              <a:spcBef>
-                <a:spcPts val="500"/>
-              </a:spcBef>
-              <a:spcAft>
-                <a:spcPts val="0"/>
-              </a:spcAft>
-              <a:buClr>
-                <a:schemeClr val="dk1"/>
-              </a:buClr>
-              <a:buSzPts val="2000"/>
-              <a:buFont typeface="Arial"/>
-              <a:buChar char="•"/>
-              <a:defRPr sz="2000" b="0" i="0" u="none" strike="noStrike" cap="none">
-                <a:solidFill>
-                  <a:schemeClr val="dk1"/>
-                </a:solidFill>
-                <a:latin typeface="Calibri"/>
-                <a:ea typeface="Calibri"/>
-                <a:cs typeface="Calibri"/>
-                <a:sym typeface="Calibri"/>
-              </a:defRPr>
-            </a:lvl3pPr>
-            <a:lvl4pPr marL="1828800" marR="0" lvl="3" indent="-342900" algn="l" rtl="0">
-              <a:lnSpc>
-                <a:spcPct val="90000"/>
-              </a:lnSpc>
-              <a:spcBef>
-                <a:spcPts val="500"/>
-              </a:spcBef>
-              <a:spcAft>
-                <a:spcPts val="0"/>
-              </a:spcAft>
-              <a:buClr>
-                <a:schemeClr val="dk1"/>
-              </a:buClr>
-              <a:buSzPts val="1800"/>
-              <a:buFont typeface="Arial"/>
-              <a:buChar char="•"/>
-              <a:defRPr sz="1800" b="0" i="0" u="none" strike="noStrike" cap="none">
-                <a:solidFill>
-                  <a:schemeClr val="dk1"/>
-                </a:solidFill>
-                <a:latin typeface="Calibri"/>
-                <a:ea typeface="Calibri"/>
-                <a:cs typeface="Calibri"/>
-                <a:sym typeface="Calibri"/>
-              </a:defRPr>
-            </a:lvl4pPr>
-            <a:lvl5pPr marL="2286000" marR="0" lvl="4" indent="-342900" algn="l" rtl="0">
-              <a:lnSpc>
-                <a:spcPct val="90000"/>
-              </a:lnSpc>
-              <a:spcBef>
-                <a:spcPts val="500"/>
-              </a:spcBef>
-              <a:spcAft>
-                <a:spcPts val="0"/>
-              </a:spcAft>
-              <a:buClr>
-                <a:schemeClr val="dk1"/>
-              </a:buClr>
-              <a:buSzPts val="1800"/>
-              <a:buFont typeface="Arial"/>
-              <a:buChar char="•"/>
-              <a:defRPr sz="1800" b="0" i="0" u="none" strike="noStrike" cap="none">
-                <a:solidFill>
-                  <a:schemeClr val="dk1"/>
-                </a:solidFill>
-                <a:latin typeface="Calibri"/>
-                <a:ea typeface="Calibri"/>
-                <a:cs typeface="Calibri"/>
-                <a:sym typeface="Calibri"/>
-              </a:defRPr>
-            </a:lvl5pPr>
-            <a:lvl6pPr marL="2743200" marR="0" lvl="5" indent="-342900" algn="l" rtl="0">
-              <a:lnSpc>
-                <a:spcPct val="90000"/>
-              </a:lnSpc>
-              <a:spcBef>
-                <a:spcPts val="500"/>
-              </a:spcBef>
-              <a:spcAft>
-                <a:spcPts val="0"/>
-              </a:spcAft>
-              <a:buClr>
-                <a:schemeClr val="dk1"/>
-              </a:buClr>
-              <a:buSzPts val="1800"/>
-              <a:buFont typeface="Arial"/>
-              <a:buChar char="•"/>
-              <a:defRPr sz="1800" b="0" i="0" u="none" strike="noStrike" cap="none">
-                <a:solidFill>
-                  <a:schemeClr val="dk1"/>
-                </a:solidFill>
-                <a:latin typeface="Calibri"/>
-                <a:ea typeface="Calibri"/>
-                <a:cs typeface="Calibri"/>
-                <a:sym typeface="Calibri"/>
-              </a:defRPr>
-            </a:lvl6pPr>
-            <a:lvl7pPr marL="3200400" marR="0" lvl="6" indent="-342900" algn="l" rtl="0">
-              <a:lnSpc>
-                <a:spcPct val="90000"/>
-              </a:lnSpc>
-              <a:spcBef>
-                <a:spcPts val="500"/>
-              </a:spcBef>
-              <a:spcAft>
-                <a:spcPts val="0"/>
-              </a:spcAft>
-              <a:buClr>
-                <a:schemeClr val="dk1"/>
-              </a:buClr>
-              <a:buSzPts val="1800"/>
-              <a:buFont typeface="Arial"/>
-              <a:buChar char="•"/>
-              <a:defRPr sz="1800" b="0" i="0" u="none" strike="noStrike" cap="none">
-                <a:solidFill>
-                  <a:schemeClr val="dk1"/>
-                </a:solidFill>
-                <a:latin typeface="Calibri"/>
-                <a:ea typeface="Calibri"/>
-                <a:cs typeface="Calibri"/>
-                <a:sym typeface="Calibri"/>
-              </a:defRPr>
-            </a:lvl7pPr>
-            <a:lvl8pPr marL="3657600" marR="0" lvl="7" indent="-342900" algn="l" rtl="0">
-              <a:lnSpc>
-                <a:spcPct val="90000"/>
-              </a:lnSpc>
-              <a:spcBef>
-                <a:spcPts val="500"/>
-              </a:spcBef>
-              <a:spcAft>
-                <a:spcPts val="0"/>
-              </a:spcAft>
-              <a:buClr>
-                <a:schemeClr val="dk1"/>
-              </a:buClr>
-              <a:buSzPts val="1800"/>
-              <a:buFont typeface="Arial"/>
-              <a:buChar char="•"/>
-              <a:defRPr sz="1800" b="0" i="0" u="none" strike="noStrike" cap="none">
-                <a:solidFill>
-                  <a:schemeClr val="dk1"/>
-                </a:solidFill>
-                <a:latin typeface="Calibri"/>
-                <a:ea typeface="Calibri"/>
-                <a:cs typeface="Calibri"/>
-                <a:sym typeface="Calibri"/>
-              </a:defRPr>
-            </a:lvl8pPr>
-            <a:lvl9pPr marL="4114800" marR="0" lvl="8" indent="-342900" algn="l" rtl="0">
-              <a:lnSpc>
-                <a:spcPct val="90000"/>
-              </a:lnSpc>
-              <a:spcBef>
-                <a:spcPts val="500"/>
-              </a:spcBef>
-              <a:spcAft>
-                <a:spcPts val="0"/>
-              </a:spcAft>
-              <a:buClr>
-                <a:schemeClr val="dk1"/>
-              </a:buClr>
-              <a:buSzPts val="1800"/>
-              <a:buFont typeface="Arial"/>
-              <a:buChar char="•"/>
-              <a:defRPr sz="1800" b="0" i="0" u="none" strike="noStrike" cap="none">
-                <a:solidFill>
-                  <a:schemeClr val="dk1"/>
-                </a:solidFill>
-                <a:latin typeface="Calibri"/>
-                <a:ea typeface="Calibri"/>
-                <a:cs typeface="Calibri"/>
-                <a:sym typeface="Calibri"/>
-              </a:defRPr>
-            </a:lvl9pPr>
-          </a:lstStyle>
-          <a:p>
-            <a:pPr marL="342900" indent="-342900">
-              <a:buFont typeface="Arial" panose="020B0604020202020204" pitchFamily="34" charset="0"/>
-              <a:buChar char="•"/>
-            </a:pPr>
-            <a:r>
-              <a:rPr lang="en-US" sz="2000" dirty="0">
-                <a:latin typeface="Calibri" panose="020F0502020204030204" pitchFamily="34" charset="0"/>
-                <a:cs typeface="Calibri" panose="020F0502020204030204" pitchFamily="34" charset="0"/>
-              </a:rPr>
-              <a:t>More than a 20% decrease in price</a:t>
-            </a:r>
-          </a:p>
-          <a:p>
-            <a:pPr marL="285750" indent="-285750">
-              <a:buFont typeface="Arial" panose="020B0604020202020204" pitchFamily="34" charset="0"/>
-              <a:buChar char="•"/>
-            </a:pPr>
-            <a:r>
-              <a:rPr lang="en-US" sz="2000" dirty="0">
-                <a:latin typeface="Calibri" panose="020F0502020204030204" pitchFamily="34" charset="0"/>
-                <a:cs typeface="Calibri" panose="020F0502020204030204" pitchFamily="34" charset="0"/>
-              </a:rPr>
-              <a:t>Less costly testing procedures</a:t>
-            </a:r>
-          </a:p>
-          <a:p>
-            <a:pPr marL="285750" indent="-285750">
-              <a:buFont typeface="Arial" panose="020B0604020202020204" pitchFamily="34" charset="0"/>
-              <a:buChar char="•"/>
-            </a:pPr>
-            <a:r>
-              <a:rPr lang="en-US" sz="2000" dirty="0">
-                <a:latin typeface="Calibri" panose="020F0502020204030204" pitchFamily="34" charset="0"/>
-                <a:cs typeface="Calibri" panose="020F0502020204030204" pitchFamily="34" charset="0"/>
-              </a:rPr>
-              <a:t>Accessibility through cost and location</a:t>
-            </a:r>
-          </a:p>
-          <a:p>
-            <a:pPr marL="285750" indent="-285750">
-              <a:buFont typeface="Arial" panose="020B0604020202020204" pitchFamily="34" charset="0"/>
-              <a:buChar char="•"/>
-            </a:pPr>
-            <a:r>
-              <a:rPr lang="en-US" sz="2000" dirty="0">
-                <a:latin typeface="Calibri" panose="020F0502020204030204" pitchFamily="34" charset="0"/>
-                <a:cs typeface="Calibri" panose="020F0502020204030204" pitchFamily="34" charset="0"/>
-              </a:rPr>
-              <a:t>National Institute of Health indicates that millennial and Gen Z individuals are more likely to experience hearing loss compared to previous generations</a:t>
-            </a:r>
-          </a:p>
-          <a:p>
-            <a:pPr marL="635000" indent="-457200">
-              <a:spcBef>
-                <a:spcPts val="0"/>
-              </a:spcBef>
-              <a:buFont typeface="Arial" panose="020B0604020202020204" pitchFamily="34" charset="0"/>
-              <a:buChar char="•"/>
-            </a:pPr>
-            <a:endParaRPr lang="en-US" sz="2000" dirty="0">
-              <a:latin typeface="Calibri" panose="020F0502020204030204" pitchFamily="34" charset="0"/>
-              <a:cs typeface="Calibri" panose="020F0502020204030204" pitchFamily="34" charset="0"/>
-            </a:endParaRPr>
-          </a:p>
-        </p:txBody>
-      </p:sp>
-      <p:sp>
-        <p:nvSpPr>
-          <p:cNvPr id="3" name="TextBox 2">
-            <a:extLst>
-              <a:ext uri="{FF2B5EF4-FFF2-40B4-BE49-F238E27FC236}">
-                <a16:creationId xmlns:a16="http://schemas.microsoft.com/office/drawing/2014/main" id="{5CF938C5-9B61-0A6D-D5E8-13DED6BC6C11}"/>
-              </a:ext>
-            </a:extLst>
-          </p:cNvPr>
-          <p:cNvSpPr txBox="1"/>
-          <p:nvPr/>
-        </p:nvSpPr>
-        <p:spPr>
-          <a:xfrm>
-            <a:off x="248575" y="3710866"/>
-            <a:ext cx="2590878" cy="523220"/>
-          </a:xfrm>
-          <a:prstGeom prst="rect">
-            <a:avLst/>
-          </a:prstGeom>
-          <a:noFill/>
-        </p:spPr>
-        <p:txBody>
-          <a:bodyPr wrap="square" rtlCol="0">
-            <a:spAutoFit/>
-          </a:bodyPr>
-          <a:lstStyle/>
-          <a:p>
-            <a:r>
-              <a:rPr lang="en-US" dirty="0">
-                <a:solidFill>
-                  <a:srgbClr val="FF0000"/>
-                </a:solidFill>
-              </a:rPr>
-              <a:t>*Need visuals to exchange for bullet points</a:t>
+              <a:t>?</a:t>
             </a:r>
           </a:p>
         </p:txBody>
@@ -38177,7 +38456,7 @@
     <p:bg>
       <p:bgPr>
         <a:solidFill>
-          <a:schemeClr val="lt1"/>
+          <a:schemeClr val="bg1"/>
         </a:solidFill>
         <a:effectLst/>
       </p:bgPr>
@@ -38239,119 +38518,9 @@
                   <a:srgbClr val="D09E00"/>
                 </a:solidFill>
               </a:rPr>
-              <a:t>Exploratory Data Analysis: </a:t>
+              <a:t>Technologies:</a:t>
             </a:r>
             <a:endParaRPr lang="en-US" sz="7200" dirty="0"/>
-          </a:p>
-        </p:txBody>
-      </p:sp>
-      <p:sp>
-        <p:nvSpPr>
-          <p:cNvPr id="236" name="Google Shape;236;p13"/>
-          <p:cNvSpPr txBox="1">
-            <a:spLocks noGrp="1"/>
-          </p:cNvSpPr>
-          <p:nvPr>
-            <p:ph type="body" idx="1"/>
-          </p:nvPr>
-        </p:nvSpPr>
-        <p:spPr>
-          <a:xfrm>
-            <a:off x="565719" y="2939721"/>
-            <a:ext cx="5484729" cy="651624"/>
-          </a:xfrm>
-          <a:prstGeom prst="rect">
-            <a:avLst/>
-          </a:prstGeom>
-          <a:noFill/>
-          <a:ln>
-            <a:noFill/>
-          </a:ln>
-        </p:spPr>
-        <p:txBody>
-          <a:bodyPr spcFirstLastPara="1" wrap="square" lIns="91425" tIns="45700" rIns="91425" bIns="45700" anchor="t" anchorCtr="0">
-            <a:noAutofit/>
-          </a:bodyPr>
-          <a:lstStyle/>
-          <a:p>
-            <a:pPr marL="228600" indent="-50800" algn="ctr">
-              <a:spcBef>
-                <a:spcPts val="0"/>
-              </a:spcBef>
-              <a:buNone/>
-            </a:pPr>
-            <a:r>
-              <a:rPr lang="en-US" sz="3600" dirty="0">
-                <a:solidFill>
-                  <a:schemeClr val="accent4">
-                    <a:lumMod val="50000"/>
-                  </a:schemeClr>
-                </a:solidFill>
-              </a:rPr>
-              <a:t>Data Search</a:t>
-            </a:r>
-            <a:endParaRPr sz="3600" dirty="0">
-              <a:solidFill>
-                <a:schemeClr val="accent4">
-                  <a:lumMod val="50000"/>
-                </a:schemeClr>
-              </a:solidFill>
-            </a:endParaRPr>
-          </a:p>
-        </p:txBody>
-      </p:sp>
-      <p:sp>
-        <p:nvSpPr>
-          <p:cNvPr id="237" name="Google Shape;237;p13"/>
-          <p:cNvSpPr txBox="1">
-            <a:spLocks noGrp="1"/>
-          </p:cNvSpPr>
-          <p:nvPr>
-            <p:ph type="body" idx="2"/>
-          </p:nvPr>
-        </p:nvSpPr>
-        <p:spPr>
-          <a:xfrm>
-            <a:off x="5835372" y="2950332"/>
-            <a:ext cx="4957763" cy="671434"/>
-          </a:xfrm>
-          <a:prstGeom prst="rect">
-            <a:avLst/>
-          </a:prstGeom>
-          <a:noFill/>
-          <a:ln>
-            <a:noFill/>
-          </a:ln>
-        </p:spPr>
-        <p:txBody>
-          <a:bodyPr spcFirstLastPara="1" wrap="square" lIns="91425" tIns="45700" rIns="91425" bIns="45700" anchor="t" anchorCtr="0">
-            <a:normAutofit/>
-          </a:bodyPr>
-          <a:lstStyle/>
-          <a:p>
-            <a:pPr marL="228600" lvl="0" indent="-50800" algn="ctr">
-              <a:spcBef>
-                <a:spcPts val="0"/>
-              </a:spcBef>
-              <a:buNone/>
-            </a:pPr>
-            <a:r>
-              <a:rPr lang="en-US" sz="3600" dirty="0">
-                <a:solidFill>
-                  <a:schemeClr val="accent4">
-                    <a:lumMod val="50000"/>
-                  </a:schemeClr>
-                </a:solidFill>
-              </a:rPr>
-              <a:t>Preprocessing</a:t>
-            </a:r>
-            <a:endParaRPr sz="3600" dirty="0">
-              <a:solidFill>
-                <a:schemeClr val="accent4">
-                  <a:lumMod val="50000"/>
-                </a:schemeClr>
-              </a:solidFill>
-            </a:endParaRPr>
           </a:p>
         </p:txBody>
       </p:sp>
@@ -39276,331 +39445,323 @@
           </a:p>
         </p:txBody>
       </p:sp>
-      <p:sp>
-        <p:nvSpPr>
-          <p:cNvPr id="3" name="TextBox 2">
+      <p:pic>
+        <p:nvPicPr>
+          <p:cNvPr id="15" name="Picture 14">
             <a:extLst>
               <a:ext uri="{FF2B5EF4-FFF2-40B4-BE49-F238E27FC236}">
-                <a16:creationId xmlns:a16="http://schemas.microsoft.com/office/drawing/2014/main" id="{04B88276-344B-D6F2-9E26-65F8A3E4F3D6}"/>
+                <a16:creationId xmlns:a16="http://schemas.microsoft.com/office/drawing/2014/main" id="{B7264C6E-801B-91C0-9413-99DF0BB9A519}"/>
               </a:ext>
             </a:extLst>
           </p:cNvPr>
-          <p:cNvSpPr txBox="1"/>
+          <p:cNvPicPr>
+            <a:picLocks noChangeAspect="1"/>
+          </p:cNvPicPr>
           <p:nvPr/>
-        </p:nvSpPr>
+        </p:nvPicPr>
+        <p:blipFill rotWithShape="1">
+          <a:blip r:embed="rId3"/>
+          <a:srcRect l="38765"/>
+          <a:stretch/>
+        </p:blipFill>
         <p:spPr>
           <a:xfrm>
-            <a:off x="6096000" y="3859940"/>
-            <a:ext cx="5694947" cy="2554545"/>
+            <a:off x="4695442" y="4057579"/>
+            <a:ext cx="2116805" cy="1337078"/>
+          </a:xfrm>
+          <a:prstGeom prst="rect">
+            <a:avLst/>
+          </a:prstGeom>
+        </p:spPr>
+      </p:pic>
+      <p:pic>
+        <p:nvPicPr>
+          <p:cNvPr id="4" name="Picture 3">
+            <a:extLst>
+              <a:ext uri="{FF2B5EF4-FFF2-40B4-BE49-F238E27FC236}">
+                <a16:creationId xmlns:a16="http://schemas.microsoft.com/office/drawing/2014/main" id="{46FF7E8A-000E-F5C9-7A97-DCFA317A8A55}"/>
+              </a:ext>
+            </a:extLst>
+          </p:cNvPr>
+          <p:cNvPicPr>
+            <a:picLocks noChangeAspect="1"/>
+          </p:cNvPicPr>
+          <p:nvPr/>
+        </p:nvPicPr>
+        <p:blipFill rotWithShape="1">
+          <a:blip r:embed="rId3"/>
+          <a:srcRect r="58893"/>
+          <a:stretch/>
+        </p:blipFill>
+        <p:spPr>
+          <a:xfrm>
+            <a:off x="2787300" y="4312196"/>
+            <a:ext cx="1207863" cy="1136534"/>
+          </a:xfrm>
+          <a:prstGeom prst="rect">
+            <a:avLst/>
+          </a:prstGeom>
+        </p:spPr>
+      </p:pic>
+      <p:pic>
+        <p:nvPicPr>
+          <p:cNvPr id="5" name="Picture 4">
+            <a:extLst>
+              <a:ext uri="{FF2B5EF4-FFF2-40B4-BE49-F238E27FC236}">
+                <a16:creationId xmlns:a16="http://schemas.microsoft.com/office/drawing/2014/main" id="{18A2CBC8-DD4F-B4F8-9196-25F8C72755FB}"/>
+              </a:ext>
+            </a:extLst>
+          </p:cNvPr>
+          <p:cNvPicPr>
+            <a:picLocks noChangeAspect="1"/>
+          </p:cNvPicPr>
+          <p:nvPr/>
+        </p:nvPicPr>
+        <p:blipFill>
+          <a:blip r:embed="rId4"/>
+          <a:stretch>
+            <a:fillRect/>
+          </a:stretch>
+        </p:blipFill>
+        <p:spPr>
+          <a:xfrm>
+            <a:off x="6197849" y="3413127"/>
+            <a:ext cx="1194482" cy="563796"/>
+          </a:xfrm>
+          <a:prstGeom prst="rect">
+            <a:avLst/>
+          </a:prstGeom>
+        </p:spPr>
+      </p:pic>
+      <p:pic>
+        <p:nvPicPr>
+          <p:cNvPr id="6" name="Picture 5">
+            <a:extLst>
+              <a:ext uri="{FF2B5EF4-FFF2-40B4-BE49-F238E27FC236}">
+                <a16:creationId xmlns:a16="http://schemas.microsoft.com/office/drawing/2014/main" id="{AB5FBC2B-E7B1-80AC-32B7-9C75C08AC705}"/>
+              </a:ext>
+            </a:extLst>
+          </p:cNvPr>
+          <p:cNvPicPr>
+            <a:picLocks noChangeAspect="1"/>
+          </p:cNvPicPr>
+          <p:nvPr/>
+        </p:nvPicPr>
+        <p:blipFill>
+          <a:blip r:embed="rId5"/>
+          <a:stretch>
+            <a:fillRect/>
+          </a:stretch>
+        </p:blipFill>
+        <p:spPr>
+          <a:xfrm>
+            <a:off x="3739582" y="5473109"/>
+            <a:ext cx="1005419" cy="763374"/>
+          </a:xfrm>
+          <a:prstGeom prst="rect">
+            <a:avLst/>
+          </a:prstGeom>
+        </p:spPr>
+      </p:pic>
+      <p:pic>
+        <p:nvPicPr>
+          <p:cNvPr id="7" name="Picture 6">
+            <a:extLst>
+              <a:ext uri="{FF2B5EF4-FFF2-40B4-BE49-F238E27FC236}">
+                <a16:creationId xmlns:a16="http://schemas.microsoft.com/office/drawing/2014/main" id="{2FB0CBD4-D56B-A82E-4D11-4393D34C7112}"/>
+              </a:ext>
+            </a:extLst>
+          </p:cNvPr>
+          <p:cNvPicPr>
+            <a:picLocks noChangeAspect="1"/>
+          </p:cNvPicPr>
+          <p:nvPr/>
+        </p:nvPicPr>
+        <p:blipFill>
+          <a:blip r:embed="rId6"/>
+          <a:stretch>
+            <a:fillRect/>
+          </a:stretch>
+        </p:blipFill>
+        <p:spPr>
+          <a:xfrm>
+            <a:off x="4082124" y="3270791"/>
+            <a:ext cx="752434" cy="859924"/>
+          </a:xfrm>
+          <a:prstGeom prst="rect">
+            <a:avLst/>
+          </a:prstGeom>
+        </p:spPr>
+      </p:pic>
+      <p:pic>
+        <p:nvPicPr>
+          <p:cNvPr id="9" name="Picture 8" descr="Important Shortcut Keys in Microsoft Excel - Technipages">
+            <a:extLst>
+              <a:ext uri="{FF2B5EF4-FFF2-40B4-BE49-F238E27FC236}">
+                <a16:creationId xmlns:a16="http://schemas.microsoft.com/office/drawing/2014/main" id="{77F8A141-7D72-EA60-2D5F-BEBD2F3D76CE}"/>
+              </a:ext>
+            </a:extLst>
+          </p:cNvPr>
+          <p:cNvPicPr>
+            <a:picLocks noChangeAspect="1" noChangeArrowheads="1"/>
+          </p:cNvPicPr>
+          <p:nvPr/>
+        </p:nvPicPr>
+        <p:blipFill rotWithShape="1">
+          <a:blip r:embed="rId7">
+            <a:extLst>
+              <a:ext uri="{28A0092B-C50C-407E-A947-70E740481C1C}">
+                <a14:useLocalDpi xmlns:a14="http://schemas.microsoft.com/office/drawing/2010/main" val="0"/>
+              </a:ext>
+            </a:extLst>
+          </a:blip>
+          <a:srcRect l="27477" r="27722"/>
+          <a:stretch/>
+        </p:blipFill>
+        <p:spPr bwMode="auto">
+          <a:xfrm>
+            <a:off x="1887137" y="3353328"/>
+            <a:ext cx="746344" cy="782174"/>
           </a:xfrm>
           <a:prstGeom prst="rect">
             <a:avLst/>
           </a:prstGeom>
           <a:noFill/>
+          <a:extLst>
+            <a:ext uri="{909E8E84-426E-40DD-AFC4-6F175D3DCCD1}">
+              <a14:hiddenFill xmlns:a14="http://schemas.microsoft.com/office/drawing/2010/main">
+                <a:solidFill>
+                  <a:srgbClr val="FFFFFF"/>
+                </a:solidFill>
+              </a14:hiddenFill>
+            </a:ext>
+          </a:extLst>
         </p:spPr>
-        <p:txBody>
-          <a:bodyPr wrap="square" rtlCol="0">
-            <a:spAutoFit/>
-          </a:bodyPr>
-          <a:lstStyle/>
-          <a:p>
-            <a:pPr marL="285750" indent="-285750">
-              <a:buFont typeface="Arial" panose="020B0604020202020204" pitchFamily="34" charset="0"/>
-              <a:buChar char="•"/>
-            </a:pPr>
-            <a:r>
-              <a:rPr lang="en-US" sz="2000" dirty="0">
-                <a:latin typeface="Calibri" panose="020F0502020204030204" pitchFamily="34" charset="0"/>
-                <a:cs typeface="Calibri" panose="020F0502020204030204" pitchFamily="34" charset="0"/>
-              </a:rPr>
-              <a:t>Using Pandas, the Python library, in Jupyter Notebook</a:t>
-            </a:r>
-          </a:p>
-          <a:p>
-            <a:pPr marL="285750" indent="-285750">
-              <a:buFont typeface="Arial" panose="020B0604020202020204" pitchFamily="34" charset="0"/>
-              <a:buChar char="•"/>
-            </a:pPr>
-            <a:r>
-              <a:rPr lang="en-US" sz="2000" dirty="0">
-                <a:latin typeface="Calibri" panose="020F0502020204030204" pitchFamily="34" charset="0"/>
-                <a:cs typeface="Calibri" panose="020F0502020204030204" pitchFamily="34" charset="0"/>
-              </a:rPr>
-              <a:t>Using Excel to edit Costco file</a:t>
-            </a:r>
-          </a:p>
-          <a:p>
-            <a:pPr marL="285750" indent="-285750">
-              <a:buFont typeface="Arial" panose="020B0604020202020204" pitchFamily="34" charset="0"/>
-              <a:buChar char="•"/>
-            </a:pPr>
-            <a:r>
-              <a:rPr lang="en-US" sz="2000" dirty="0">
-                <a:latin typeface="Calibri" panose="020F0502020204030204" pitchFamily="34" charset="0"/>
-                <a:cs typeface="Calibri" panose="020F0502020204030204" pitchFamily="34" charset="0"/>
-              </a:rPr>
-              <a:t>Dropping irrelevant columns</a:t>
-            </a:r>
-          </a:p>
-          <a:p>
-            <a:pPr marL="285750" indent="-285750">
-              <a:buFont typeface="Arial" panose="020B0604020202020204" pitchFamily="34" charset="0"/>
-              <a:buChar char="•"/>
-            </a:pPr>
-            <a:r>
-              <a:rPr lang="en-US" sz="2000" dirty="0">
-                <a:latin typeface="Calibri" panose="020F0502020204030204" pitchFamily="34" charset="0"/>
-                <a:cs typeface="Calibri" panose="020F0502020204030204" pitchFamily="34" charset="0"/>
-              </a:rPr>
-              <a:t>Creating consistency in label names</a:t>
-            </a:r>
-          </a:p>
-          <a:p>
-            <a:pPr marL="285750" indent="-285750">
-              <a:buFont typeface="Arial" panose="020B0604020202020204" pitchFamily="34" charset="0"/>
-              <a:buChar char="•"/>
-            </a:pPr>
-            <a:r>
-              <a:rPr lang="en-US" sz="2000" dirty="0">
-                <a:latin typeface="Calibri" panose="020F0502020204030204" pitchFamily="34" charset="0"/>
-                <a:cs typeface="Calibri" panose="020F0502020204030204" pitchFamily="34" charset="0"/>
-              </a:rPr>
-              <a:t>Locating Costco hearing clinics</a:t>
-            </a:r>
-          </a:p>
-          <a:p>
-            <a:pPr marL="285750" indent="-285750">
-              <a:buFont typeface="Arial" panose="020B0604020202020204" pitchFamily="34" charset="0"/>
-              <a:buChar char="•"/>
-            </a:pPr>
-            <a:r>
-              <a:rPr lang="en-US" sz="2000" dirty="0">
-                <a:latin typeface="Calibri" panose="020F0502020204030204" pitchFamily="34" charset="0"/>
-                <a:cs typeface="Calibri" panose="020F0502020204030204" pitchFamily="34" charset="0"/>
-              </a:rPr>
-              <a:t>Merging demographic</a:t>
-            </a:r>
-          </a:p>
-          <a:p>
-            <a:pPr marL="285750" indent="-285750">
-              <a:buFont typeface="Arial" panose="020B0604020202020204" pitchFamily="34" charset="0"/>
-              <a:buChar char="•"/>
-            </a:pPr>
-            <a:r>
-              <a:rPr lang="en-US" sz="2000" dirty="0">
-                <a:latin typeface="Calibri" panose="020F0502020204030204" pitchFamily="34" charset="0"/>
-                <a:cs typeface="Calibri" panose="020F0502020204030204" pitchFamily="34" charset="0"/>
-              </a:rPr>
-              <a:t>Transformed census data into csv files</a:t>
-            </a:r>
-          </a:p>
-        </p:txBody>
-      </p:sp>
-      <p:sp>
-        <p:nvSpPr>
-          <p:cNvPr id="4" name="TextBox 3">
+      </p:pic>
+      <p:pic>
+        <p:nvPicPr>
+          <p:cNvPr id="13" name="Picture 12">
             <a:extLst>
               <a:ext uri="{FF2B5EF4-FFF2-40B4-BE49-F238E27FC236}">
-                <a16:creationId xmlns:a16="http://schemas.microsoft.com/office/drawing/2014/main" id="{23979082-DE60-8F82-A438-1C53CD96552A}"/>
+                <a16:creationId xmlns:a16="http://schemas.microsoft.com/office/drawing/2014/main" id="{64587CAB-36E5-A73B-216C-D3D5F02ACECA}"/>
               </a:ext>
             </a:extLst>
           </p:cNvPr>
-          <p:cNvSpPr txBox="1"/>
+          <p:cNvPicPr>
+            <a:picLocks noChangeAspect="1"/>
+          </p:cNvPicPr>
           <p:nvPr/>
-        </p:nvSpPr>
+        </p:nvPicPr>
+        <p:blipFill>
+          <a:blip r:embed="rId8"/>
+          <a:stretch>
+            <a:fillRect/>
+          </a:stretch>
+        </p:blipFill>
         <p:spPr>
           <a:xfrm>
-            <a:off x="565719" y="4006124"/>
-            <a:ext cx="5694947" cy="1323439"/>
+            <a:off x="6096000" y="5355070"/>
+            <a:ext cx="1304470" cy="978353"/>
+          </a:xfrm>
+          <a:prstGeom prst="rect">
+            <a:avLst/>
+          </a:prstGeom>
+        </p:spPr>
+      </p:pic>
+      <p:pic>
+        <p:nvPicPr>
+          <p:cNvPr id="1026" name="Picture 2" descr="Visual Studio Code - YouTube">
+            <a:extLst>
+              <a:ext uri="{FF2B5EF4-FFF2-40B4-BE49-F238E27FC236}">
+                <a16:creationId xmlns:a16="http://schemas.microsoft.com/office/drawing/2014/main" id="{5391BB31-4955-6345-2408-430F59C19F68}"/>
+              </a:ext>
+            </a:extLst>
+          </p:cNvPr>
+          <p:cNvPicPr>
+            <a:picLocks noChangeAspect="1" noChangeArrowheads="1"/>
+          </p:cNvPicPr>
+          <p:nvPr/>
+        </p:nvPicPr>
+        <p:blipFill>
+          <a:blip r:embed="rId9">
+            <a:extLst>
+              <a:ext uri="{28A0092B-C50C-407E-A947-70E740481C1C}">
+                <a14:useLocalDpi xmlns:a14="http://schemas.microsoft.com/office/drawing/2010/main" val="0"/>
+              </a:ext>
+            </a:extLst>
+          </a:blip>
+          <a:srcRect/>
+          <a:stretch>
+            <a:fillRect/>
+          </a:stretch>
+        </p:blipFill>
+        <p:spPr bwMode="auto">
+          <a:xfrm>
+            <a:off x="8576517" y="3075173"/>
+            <a:ext cx="966910" cy="966910"/>
           </a:xfrm>
           <a:prstGeom prst="rect">
             <a:avLst/>
           </a:prstGeom>
           <a:noFill/>
+          <a:extLst>
+            <a:ext uri="{909E8E84-426E-40DD-AFC4-6F175D3DCCD1}">
+              <a14:hiddenFill xmlns:a14="http://schemas.microsoft.com/office/drawing/2010/main">
+                <a:solidFill>
+                  <a:srgbClr val="FFFFFF"/>
+                </a:solidFill>
+              </a14:hiddenFill>
+            </a:ext>
+          </a:extLst>
         </p:spPr>
-        <p:txBody>
-          <a:bodyPr wrap="square" rtlCol="0">
-            <a:spAutoFit/>
-          </a:bodyPr>
-          <a:lstStyle/>
-          <a:p>
-            <a:pPr marL="285750" indent="-285750">
-              <a:buFont typeface="Arial" panose="020B0604020202020204" pitchFamily="34" charset="0"/>
-              <a:buChar char="•"/>
-            </a:pPr>
-            <a:r>
-              <a:rPr lang="en-US" sz="2000" dirty="0">
-                <a:latin typeface="Calibri" panose="020F0502020204030204" pitchFamily="34" charset="0"/>
-                <a:cs typeface="Calibri" panose="020F0502020204030204" pitchFamily="34" charset="0"/>
-              </a:rPr>
-              <a:t>Manual search from each team member</a:t>
-            </a:r>
-          </a:p>
-          <a:p>
-            <a:pPr marL="285750" indent="-285750">
-              <a:buFont typeface="Arial" panose="020B0604020202020204" pitchFamily="34" charset="0"/>
-              <a:buChar char="•"/>
-            </a:pPr>
-            <a:r>
-              <a:rPr lang="en-US" sz="2000" dirty="0">
-                <a:latin typeface="Calibri" panose="020F0502020204030204" pitchFamily="34" charset="0"/>
-                <a:cs typeface="Calibri" panose="020F0502020204030204" pitchFamily="34" charset="0"/>
-              </a:rPr>
-              <a:t>US Census Data</a:t>
-            </a:r>
-          </a:p>
-          <a:p>
-            <a:pPr marL="285750" indent="-285750">
-              <a:buFont typeface="Arial" panose="020B0604020202020204" pitchFamily="34" charset="0"/>
-              <a:buChar char="•"/>
-            </a:pPr>
-            <a:r>
-              <a:rPr lang="en-US" sz="2000" dirty="0">
-                <a:latin typeface="Calibri" panose="020F0502020204030204" pitchFamily="34" charset="0"/>
-                <a:cs typeface="Calibri" panose="020F0502020204030204" pitchFamily="34" charset="0"/>
-              </a:rPr>
-              <a:t>Kaggle</a:t>
-            </a:r>
-          </a:p>
-          <a:p>
-            <a:pPr marL="285750" indent="-285750">
-              <a:buFont typeface="Arial" panose="020B0604020202020204" pitchFamily="34" charset="0"/>
-              <a:buChar char="•"/>
-            </a:pPr>
-            <a:r>
-              <a:rPr lang="en-US" sz="2000" dirty="0">
-                <a:latin typeface="Calibri" panose="020F0502020204030204" pitchFamily="34" charset="0"/>
-                <a:cs typeface="Calibri" panose="020F0502020204030204" pitchFamily="34" charset="0"/>
-              </a:rPr>
-              <a:t>Costco Website</a:t>
-            </a:r>
-          </a:p>
-        </p:txBody>
-      </p:sp>
-      <p:sp>
-        <p:nvSpPr>
-          <p:cNvPr id="2" name="TextBox 1">
+      </p:pic>
+      <p:pic>
+        <p:nvPicPr>
+          <p:cNvPr id="1028" name="Picture 4" descr="Javascript Programming - learnBATTA">
             <a:extLst>
               <a:ext uri="{FF2B5EF4-FFF2-40B4-BE49-F238E27FC236}">
-                <a16:creationId xmlns:a16="http://schemas.microsoft.com/office/drawing/2014/main" id="{8FCEADE4-7A86-395A-AB06-0974AA32E1B0}"/>
+                <a16:creationId xmlns:a16="http://schemas.microsoft.com/office/drawing/2014/main" id="{A899593A-41BB-1925-D6DB-F1390B585102}"/>
               </a:ext>
             </a:extLst>
           </p:cNvPr>
-          <p:cNvSpPr txBox="1"/>
+          <p:cNvPicPr>
+            <a:picLocks noChangeAspect="1" noChangeArrowheads="1"/>
+          </p:cNvPicPr>
           <p:nvPr/>
-        </p:nvSpPr>
-        <p:spPr>
+        </p:nvPicPr>
+        <p:blipFill>
+          <a:blip r:embed="rId10">
+            <a:extLst>
+              <a:ext uri="{28A0092B-C50C-407E-A947-70E740481C1C}">
+                <a14:useLocalDpi xmlns:a14="http://schemas.microsoft.com/office/drawing/2010/main" val="0"/>
+              </a:ext>
+            </a:extLst>
+          </a:blip>
+          <a:srcRect/>
+          <a:stretch>
+            <a:fillRect/>
+          </a:stretch>
+        </p:blipFill>
+        <p:spPr bwMode="auto">
           <a:xfrm>
-            <a:off x="3701988" y="5560032"/>
-            <a:ext cx="2263806" cy="307777"/>
+            <a:off x="7528494" y="4420536"/>
+            <a:ext cx="813111" cy="813111"/>
           </a:xfrm>
           <a:prstGeom prst="rect">
             <a:avLst/>
           </a:prstGeom>
           <a:noFill/>
+          <a:extLst>
+            <a:ext uri="{909E8E84-426E-40DD-AFC4-6F175D3DCCD1}">
+              <a14:hiddenFill xmlns:a14="http://schemas.microsoft.com/office/drawing/2010/main">
+                <a:solidFill>
+                  <a:srgbClr val="FFFFFF"/>
+                </a:solidFill>
+              </a14:hiddenFill>
+            </a:ext>
+          </a:extLst>
         </p:spPr>
-        <p:txBody>
-          <a:bodyPr wrap="square" rtlCol="0">
-            <a:spAutoFit/>
-          </a:bodyPr>
-          <a:lstStyle/>
-          <a:p>
-            <a:r>
-              <a:rPr lang="en-US" dirty="0">
-                <a:solidFill>
-                  <a:srgbClr val="FF0000"/>
-                </a:solidFill>
-              </a:rPr>
-              <a:t>Use diagram for 3 – 7 ?</a:t>
-            </a:r>
-          </a:p>
-        </p:txBody>
-      </p:sp>
-      <p:sp>
-        <p:nvSpPr>
-          <p:cNvPr id="5" name="TextBox 4">
-            <a:extLst>
-              <a:ext uri="{FF2B5EF4-FFF2-40B4-BE49-F238E27FC236}">
-                <a16:creationId xmlns:a16="http://schemas.microsoft.com/office/drawing/2014/main" id="{984E972C-36F3-1B05-3DF7-DF30488F975F}"/>
-              </a:ext>
-            </a:extLst>
-          </p:cNvPr>
-          <p:cNvSpPr txBox="1"/>
-          <p:nvPr/>
-        </p:nvSpPr>
-        <p:spPr>
-          <a:xfrm>
-            <a:off x="4697348" y="3552691"/>
-            <a:ext cx="3126636" cy="307777"/>
-          </a:xfrm>
-          <a:prstGeom prst="rect">
-            <a:avLst/>
-          </a:prstGeom>
-          <a:noFill/>
-        </p:spPr>
-        <p:txBody>
-          <a:bodyPr wrap="square" rtlCol="0">
-            <a:spAutoFit/>
-          </a:bodyPr>
-          <a:lstStyle/>
-          <a:p>
-            <a:r>
-              <a:rPr lang="en-US" dirty="0">
-                <a:solidFill>
-                  <a:srgbClr val="FF0000"/>
-                </a:solidFill>
-              </a:rPr>
-              <a:t>Logos for pandas, python . . .</a:t>
-            </a:r>
-          </a:p>
-        </p:txBody>
-      </p:sp>
-      <p:sp>
-        <p:nvSpPr>
-          <p:cNvPr id="6" name="TextBox 5">
-            <a:extLst>
-              <a:ext uri="{FF2B5EF4-FFF2-40B4-BE49-F238E27FC236}">
-                <a16:creationId xmlns:a16="http://schemas.microsoft.com/office/drawing/2014/main" id="{A75FE1BA-E2E9-6120-7A51-C60D8D5CC32D}"/>
-              </a:ext>
-            </a:extLst>
-          </p:cNvPr>
-          <p:cNvSpPr txBox="1"/>
-          <p:nvPr/>
-        </p:nvSpPr>
-        <p:spPr>
-          <a:xfrm>
-            <a:off x="401053" y="3618467"/>
-            <a:ext cx="2263806" cy="523220"/>
-          </a:xfrm>
-          <a:prstGeom prst="rect">
-            <a:avLst/>
-          </a:prstGeom>
-          <a:noFill/>
-        </p:spPr>
-        <p:txBody>
-          <a:bodyPr wrap="square" rtlCol="0">
-            <a:spAutoFit/>
-          </a:bodyPr>
-          <a:lstStyle/>
-          <a:p>
-            <a:r>
-              <a:rPr lang="en-US" dirty="0">
-                <a:solidFill>
-                  <a:srgbClr val="FF0000"/>
-                </a:solidFill>
-              </a:rPr>
-              <a:t>Use diagrams / logos?</a:t>
-            </a:r>
-          </a:p>
-          <a:p>
-            <a:endParaRPr lang="en-US" dirty="0">
-              <a:solidFill>
-                <a:srgbClr val="FF0000"/>
-              </a:solidFill>
-            </a:endParaRPr>
-          </a:p>
-        </p:txBody>
-      </p:sp>
+      </p:pic>
     </p:spTree>
   </p:cSld>
   <p:clrMapOvr>
@@ -39847,438 +40008,12 @@
           </a:p>
         </p:txBody>
       </p:sp>
-      <p:sp>
-        <p:nvSpPr>
-          <p:cNvPr id="4" name="Google Shape;245;p14">
+      <p:pic>
+        <p:nvPicPr>
+          <p:cNvPr id="5" name="Picture 4">
             <a:extLst>
               <a:ext uri="{FF2B5EF4-FFF2-40B4-BE49-F238E27FC236}">
-                <a16:creationId xmlns:a16="http://schemas.microsoft.com/office/drawing/2014/main" id="{D2331EC8-9749-C98C-BA61-ADE43FDECBD8}"/>
-              </a:ext>
-            </a:extLst>
-          </p:cNvPr>
-          <p:cNvSpPr txBox="1">
-            <a:spLocks/>
-          </p:cNvSpPr>
-          <p:nvPr/>
-        </p:nvSpPr>
-        <p:spPr>
-          <a:xfrm>
-            <a:off x="6450597" y="4802077"/>
-            <a:ext cx="5071288" cy="2018994"/>
-          </a:xfrm>
-          <a:prstGeom prst="rect">
-            <a:avLst/>
-          </a:prstGeom>
-          <a:noFill/>
-          <a:ln>
-            <a:noFill/>
-          </a:ln>
-        </p:spPr>
-        <p:txBody>
-          <a:bodyPr spcFirstLastPara="1" wrap="square" lIns="91425" tIns="45700" rIns="91425" bIns="45700" anchor="t" anchorCtr="0">
-            <a:normAutofit/>
-          </a:bodyPr>
-          <a:lstStyle>
-            <a:defPPr marR="0" lvl="0" algn="l" rtl="0">
-              <a:lnSpc>
-                <a:spcPct val="100000"/>
-              </a:lnSpc>
-              <a:spcBef>
-                <a:spcPts val="0"/>
-              </a:spcBef>
-              <a:spcAft>
-                <a:spcPts val="0"/>
-              </a:spcAft>
-            </a:defPPr>
-            <a:lvl1pPr marL="457200" marR="0" lvl="0" indent="-406400" algn="l" rtl="0">
-              <a:lnSpc>
-                <a:spcPct val="90000"/>
-              </a:lnSpc>
-              <a:spcBef>
-                <a:spcPts val="1000"/>
-              </a:spcBef>
-              <a:spcAft>
-                <a:spcPts val="0"/>
-              </a:spcAft>
-              <a:buClr>
-                <a:schemeClr val="dk1"/>
-              </a:buClr>
-              <a:buSzPts val="2800"/>
-              <a:buFont typeface="Arial"/>
-              <a:buChar char="•"/>
-              <a:defRPr sz="2800" b="0" i="0" u="none" strike="noStrike" cap="none">
-                <a:solidFill>
-                  <a:schemeClr val="dk1"/>
-                </a:solidFill>
-                <a:latin typeface="Calibri"/>
-                <a:ea typeface="Calibri"/>
-                <a:cs typeface="Calibri"/>
-                <a:sym typeface="Calibri"/>
-              </a:defRPr>
-            </a:lvl1pPr>
-            <a:lvl2pPr marL="914400" marR="0" lvl="1" indent="-381000" algn="l" rtl="0">
-              <a:lnSpc>
-                <a:spcPct val="90000"/>
-              </a:lnSpc>
-              <a:spcBef>
-                <a:spcPts val="500"/>
-              </a:spcBef>
-              <a:spcAft>
-                <a:spcPts val="0"/>
-              </a:spcAft>
-              <a:buClr>
-                <a:schemeClr val="dk1"/>
-              </a:buClr>
-              <a:buSzPts val="2400"/>
-              <a:buFont typeface="Arial"/>
-              <a:buChar char="•"/>
-              <a:defRPr sz="2400" b="0" i="0" u="none" strike="noStrike" cap="none">
-                <a:solidFill>
-                  <a:schemeClr val="dk1"/>
-                </a:solidFill>
-                <a:latin typeface="Calibri"/>
-                <a:ea typeface="Calibri"/>
-                <a:cs typeface="Calibri"/>
-                <a:sym typeface="Calibri"/>
-              </a:defRPr>
-            </a:lvl2pPr>
-            <a:lvl3pPr marL="1371600" marR="0" lvl="2" indent="-355600" algn="l" rtl="0">
-              <a:lnSpc>
-                <a:spcPct val="90000"/>
-              </a:lnSpc>
-              <a:spcBef>
-                <a:spcPts val="500"/>
-              </a:spcBef>
-              <a:spcAft>
-                <a:spcPts val="0"/>
-              </a:spcAft>
-              <a:buClr>
-                <a:schemeClr val="dk1"/>
-              </a:buClr>
-              <a:buSzPts val="2000"/>
-              <a:buFont typeface="Arial"/>
-              <a:buChar char="•"/>
-              <a:defRPr sz="2000" b="0" i="0" u="none" strike="noStrike" cap="none">
-                <a:solidFill>
-                  <a:schemeClr val="dk1"/>
-                </a:solidFill>
-                <a:latin typeface="Calibri"/>
-                <a:ea typeface="Calibri"/>
-                <a:cs typeface="Calibri"/>
-                <a:sym typeface="Calibri"/>
-              </a:defRPr>
-            </a:lvl3pPr>
-            <a:lvl4pPr marL="1828800" marR="0" lvl="3" indent="-342900" algn="l" rtl="0">
-              <a:lnSpc>
-                <a:spcPct val="90000"/>
-              </a:lnSpc>
-              <a:spcBef>
-                <a:spcPts val="500"/>
-              </a:spcBef>
-              <a:spcAft>
-                <a:spcPts val="0"/>
-              </a:spcAft>
-              <a:buClr>
-                <a:schemeClr val="dk1"/>
-              </a:buClr>
-              <a:buSzPts val="1800"/>
-              <a:buFont typeface="Arial"/>
-              <a:buChar char="•"/>
-              <a:defRPr sz="1800" b="0" i="0" u="none" strike="noStrike" cap="none">
-                <a:solidFill>
-                  <a:schemeClr val="dk1"/>
-                </a:solidFill>
-                <a:latin typeface="Calibri"/>
-                <a:ea typeface="Calibri"/>
-                <a:cs typeface="Calibri"/>
-                <a:sym typeface="Calibri"/>
-              </a:defRPr>
-            </a:lvl4pPr>
-            <a:lvl5pPr marL="2286000" marR="0" lvl="4" indent="-342900" algn="l" rtl="0">
-              <a:lnSpc>
-                <a:spcPct val="90000"/>
-              </a:lnSpc>
-              <a:spcBef>
-                <a:spcPts val="500"/>
-              </a:spcBef>
-              <a:spcAft>
-                <a:spcPts val="0"/>
-              </a:spcAft>
-              <a:buClr>
-                <a:schemeClr val="dk1"/>
-              </a:buClr>
-              <a:buSzPts val="1800"/>
-              <a:buFont typeface="Arial"/>
-              <a:buChar char="•"/>
-              <a:defRPr sz="1800" b="0" i="0" u="none" strike="noStrike" cap="none">
-                <a:solidFill>
-                  <a:schemeClr val="dk1"/>
-                </a:solidFill>
-                <a:latin typeface="Calibri"/>
-                <a:ea typeface="Calibri"/>
-                <a:cs typeface="Calibri"/>
-                <a:sym typeface="Calibri"/>
-              </a:defRPr>
-            </a:lvl5pPr>
-            <a:lvl6pPr marL="2743200" marR="0" lvl="5" indent="-342900" algn="l" rtl="0">
-              <a:lnSpc>
-                <a:spcPct val="90000"/>
-              </a:lnSpc>
-              <a:spcBef>
-                <a:spcPts val="500"/>
-              </a:spcBef>
-              <a:spcAft>
-                <a:spcPts val="0"/>
-              </a:spcAft>
-              <a:buClr>
-                <a:schemeClr val="dk1"/>
-              </a:buClr>
-              <a:buSzPts val="1800"/>
-              <a:buFont typeface="Arial"/>
-              <a:buChar char="•"/>
-              <a:defRPr sz="1800" b="0" i="0" u="none" strike="noStrike" cap="none">
-                <a:solidFill>
-                  <a:schemeClr val="dk1"/>
-                </a:solidFill>
-                <a:latin typeface="Calibri"/>
-                <a:ea typeface="Calibri"/>
-                <a:cs typeface="Calibri"/>
-                <a:sym typeface="Calibri"/>
-              </a:defRPr>
-            </a:lvl6pPr>
-            <a:lvl7pPr marL="3200400" marR="0" lvl="6" indent="-342900" algn="l" rtl="0">
-              <a:lnSpc>
-                <a:spcPct val="90000"/>
-              </a:lnSpc>
-              <a:spcBef>
-                <a:spcPts val="500"/>
-              </a:spcBef>
-              <a:spcAft>
-                <a:spcPts val="0"/>
-              </a:spcAft>
-              <a:buClr>
-                <a:schemeClr val="dk1"/>
-              </a:buClr>
-              <a:buSzPts val="1800"/>
-              <a:buFont typeface="Arial"/>
-              <a:buChar char="•"/>
-              <a:defRPr sz="1800" b="0" i="0" u="none" strike="noStrike" cap="none">
-                <a:solidFill>
-                  <a:schemeClr val="dk1"/>
-                </a:solidFill>
-                <a:latin typeface="Calibri"/>
-                <a:ea typeface="Calibri"/>
-                <a:cs typeface="Calibri"/>
-                <a:sym typeface="Calibri"/>
-              </a:defRPr>
-            </a:lvl7pPr>
-            <a:lvl8pPr marL="3657600" marR="0" lvl="7" indent="-342900" algn="l" rtl="0">
-              <a:lnSpc>
-                <a:spcPct val="90000"/>
-              </a:lnSpc>
-              <a:spcBef>
-                <a:spcPts val="500"/>
-              </a:spcBef>
-              <a:spcAft>
-                <a:spcPts val="0"/>
-              </a:spcAft>
-              <a:buClr>
-                <a:schemeClr val="dk1"/>
-              </a:buClr>
-              <a:buSzPts val="1800"/>
-              <a:buFont typeface="Arial"/>
-              <a:buChar char="•"/>
-              <a:defRPr sz="1800" b="0" i="0" u="none" strike="noStrike" cap="none">
-                <a:solidFill>
-                  <a:schemeClr val="dk1"/>
-                </a:solidFill>
-                <a:latin typeface="Calibri"/>
-                <a:ea typeface="Calibri"/>
-                <a:cs typeface="Calibri"/>
-                <a:sym typeface="Calibri"/>
-              </a:defRPr>
-            </a:lvl8pPr>
-            <a:lvl9pPr marL="4114800" marR="0" lvl="8" indent="-342900" algn="l" rtl="0">
-              <a:lnSpc>
-                <a:spcPct val="90000"/>
-              </a:lnSpc>
-              <a:spcBef>
-                <a:spcPts val="500"/>
-              </a:spcBef>
-              <a:spcAft>
-                <a:spcPts val="0"/>
-              </a:spcAft>
-              <a:buClr>
-                <a:schemeClr val="dk1"/>
-              </a:buClr>
-              <a:buSzPts val="1800"/>
-              <a:buFont typeface="Arial"/>
-              <a:buChar char="•"/>
-              <a:defRPr sz="1800" b="0" i="0" u="none" strike="noStrike" cap="none">
-                <a:solidFill>
-                  <a:schemeClr val="dk1"/>
-                </a:solidFill>
-                <a:latin typeface="Calibri"/>
-                <a:ea typeface="Calibri"/>
-                <a:cs typeface="Calibri"/>
-                <a:sym typeface="Calibri"/>
-              </a:defRPr>
-            </a:lvl9pPr>
-          </a:lstStyle>
-          <a:p>
-            <a:pPr marL="635000" lvl="0" indent="-457200" algn="l" rtl="0">
-              <a:lnSpc>
-                <a:spcPct val="90000"/>
-              </a:lnSpc>
-              <a:spcBef>
-                <a:spcPts val="0"/>
-              </a:spcBef>
-              <a:spcAft>
-                <a:spcPts val="0"/>
-              </a:spcAft>
-              <a:buClr>
-                <a:schemeClr val="dk1"/>
-              </a:buClr>
-              <a:buSzPts val="2800"/>
-              <a:buFont typeface="Arial" panose="020B0604020202020204" pitchFamily="34" charset="0"/>
-              <a:buChar char="•"/>
-            </a:pPr>
-            <a:r>
-              <a:rPr lang="en-US" sz="2000" dirty="0">
-                <a:latin typeface="Calibri" panose="020F0502020204030204" pitchFamily="34" charset="0"/>
-                <a:cs typeface="Calibri" panose="020F0502020204030204" pitchFamily="34" charset="0"/>
-              </a:rPr>
-              <a:t>Connects to machine learning through pyspark</a:t>
-            </a:r>
-          </a:p>
-          <a:p>
-            <a:pPr marL="635000" lvl="0" indent="-457200" algn="l" rtl="0">
-              <a:lnSpc>
-                <a:spcPct val="90000"/>
-              </a:lnSpc>
-              <a:spcBef>
-                <a:spcPts val="0"/>
-              </a:spcBef>
-              <a:spcAft>
-                <a:spcPts val="0"/>
-              </a:spcAft>
-              <a:buClr>
-                <a:schemeClr val="dk1"/>
-              </a:buClr>
-              <a:buSzPts val="2800"/>
-              <a:buFont typeface="Arial" panose="020B0604020202020204" pitchFamily="34" charset="0"/>
-              <a:buChar char="•"/>
-            </a:pPr>
-            <a:r>
-              <a:rPr lang="en-US" sz="2000" dirty="0">
-                <a:latin typeface="Calibri" panose="020F0502020204030204" pitchFamily="34" charset="0"/>
-                <a:cs typeface="Calibri" panose="020F0502020204030204" pitchFamily="34" charset="0"/>
-              </a:rPr>
-              <a:t>Easy to use on multiple platforms</a:t>
-            </a:r>
-          </a:p>
-          <a:p>
-            <a:pPr marL="635000" lvl="0" indent="-457200" algn="l" rtl="0">
-              <a:lnSpc>
-                <a:spcPct val="90000"/>
-              </a:lnSpc>
-              <a:spcBef>
-                <a:spcPts val="0"/>
-              </a:spcBef>
-              <a:spcAft>
-                <a:spcPts val="0"/>
-              </a:spcAft>
-              <a:buClr>
-                <a:schemeClr val="dk1"/>
-              </a:buClr>
-              <a:buSzPts val="2800"/>
-              <a:buFont typeface="Arial" panose="020B0604020202020204" pitchFamily="34" charset="0"/>
-              <a:buChar char="•"/>
-            </a:pPr>
-            <a:r>
-              <a:rPr lang="en-US" sz="2000" dirty="0">
-                <a:latin typeface="Calibri" panose="020F0502020204030204" pitchFamily="34" charset="0"/>
-                <a:cs typeface="Calibri" panose="020F0502020204030204" pitchFamily="34" charset="0"/>
-              </a:rPr>
-              <a:t>Plenty of storage space </a:t>
-            </a:r>
-          </a:p>
-        </p:txBody>
-      </p:sp>
-      <p:sp>
-        <p:nvSpPr>
-          <p:cNvPr id="3" name="TextBox 2">
-            <a:extLst>
-              <a:ext uri="{FF2B5EF4-FFF2-40B4-BE49-F238E27FC236}">
-                <a16:creationId xmlns:a16="http://schemas.microsoft.com/office/drawing/2014/main" id="{7986D3D4-A0AF-21F3-579E-ED9916B19DFC}"/>
-              </a:ext>
-            </a:extLst>
-          </p:cNvPr>
-          <p:cNvSpPr txBox="1"/>
-          <p:nvPr/>
-        </p:nvSpPr>
-        <p:spPr>
-          <a:xfrm>
-            <a:off x="755650" y="4855303"/>
-            <a:ext cx="5694947" cy="1015663"/>
-          </a:xfrm>
-          <a:prstGeom prst="rect">
-            <a:avLst/>
-          </a:prstGeom>
-          <a:noFill/>
-        </p:spPr>
-        <p:txBody>
-          <a:bodyPr wrap="square" rtlCol="0">
-            <a:spAutoFit/>
-          </a:bodyPr>
-          <a:lstStyle/>
-          <a:p>
-            <a:pPr marL="285750" indent="-285750">
-              <a:buFont typeface="Arial" panose="020B0604020202020204" pitchFamily="34" charset="0"/>
-              <a:buChar char="•"/>
-            </a:pPr>
-            <a:r>
-              <a:rPr lang="en-US" sz="2000" dirty="0">
-                <a:latin typeface="Calibri" panose="020F0502020204030204" pitchFamily="34" charset="0"/>
-                <a:cs typeface="Calibri" panose="020F0502020204030204" pitchFamily="34" charset="0"/>
-              </a:rPr>
-              <a:t>Storing pictures, files, graphs, and more</a:t>
-            </a:r>
-          </a:p>
-          <a:p>
-            <a:pPr marL="285750" indent="-285750">
-              <a:buFont typeface="Arial" panose="020B0604020202020204" pitchFamily="34" charset="0"/>
-              <a:buChar char="•"/>
-            </a:pPr>
-            <a:r>
-              <a:rPr lang="en-US" sz="2000" dirty="0">
-                <a:latin typeface="Calibri" panose="020F0502020204030204" pitchFamily="34" charset="0"/>
-                <a:cs typeface="Calibri" panose="020F0502020204030204" pitchFamily="34" charset="0"/>
-              </a:rPr>
-              <a:t>Easily accessible among teammates</a:t>
-            </a:r>
-          </a:p>
-          <a:p>
-            <a:pPr marL="285750" indent="-285750">
-              <a:buFont typeface="Arial" panose="020B0604020202020204" pitchFamily="34" charset="0"/>
-              <a:buChar char="•"/>
-            </a:pPr>
-            <a:r>
-              <a:rPr lang="en-US" sz="2000" dirty="0">
-                <a:latin typeface="Calibri" panose="020F0502020204030204" pitchFamily="34" charset="0"/>
-                <a:cs typeface="Calibri" panose="020F0502020204030204" pitchFamily="34" charset="0"/>
-              </a:rPr>
-              <a:t>Connecting changing data to S3 Bucket</a:t>
-            </a:r>
-          </a:p>
-        </p:txBody>
-      </p:sp>
-      <p:pic>
-        <p:nvPicPr>
-          <p:cNvPr id="7" name="Picture 6">
-            <a:extLst>
-              <a:ext uri="{FF2B5EF4-FFF2-40B4-BE49-F238E27FC236}">
-                <a16:creationId xmlns:a16="http://schemas.microsoft.com/office/drawing/2014/main" id="{886AB48D-C95C-7672-5EF8-352F2EA202EA}"/>
+                <a16:creationId xmlns:a16="http://schemas.microsoft.com/office/drawing/2014/main" id="{63BF8C4C-F3F7-5329-E3FE-858A97286B23}"/>
               </a:ext>
             </a:extLst>
           </p:cNvPr>
@@ -40295,8 +40030,8 @@
         </p:blipFill>
         <p:spPr>
           <a:xfrm>
-            <a:off x="4567861" y="3110200"/>
-            <a:ext cx="2255835" cy="1691877"/>
+            <a:off x="1927720" y="2785928"/>
+            <a:ext cx="7973754" cy="3704807"/>
           </a:xfrm>
           <a:prstGeom prst="rect">
             <a:avLst/>
@@ -40312,6 +40047,996 @@
 </file>
 
 <file path=ppt/slides/slide5.xml><?xml version="1.0" encoding="utf-8"?>
+<p:sld xmlns:a="http://schemas.openxmlformats.org/drawingml/2006/main" xmlns:r="http://schemas.openxmlformats.org/officeDocument/2006/relationships" xmlns:p="http://schemas.openxmlformats.org/presentationml/2006/main">
+  <p:cSld>
+    <p:spTree>
+      <p:nvGrpSpPr>
+        <p:cNvPr id="1" name=""/>
+        <p:cNvGrpSpPr/>
+        <p:nvPr/>
+      </p:nvGrpSpPr>
+      <p:grpSpPr>
+        <a:xfrm>
+          <a:off x="0" y="0"/>
+          <a:ext cx="0" cy="0"/>
+          <a:chOff x="0" y="0"/>
+          <a:chExt cx="0" cy="0"/>
+        </a:xfrm>
+      </p:grpSpPr>
+      <p:sp>
+        <p:nvSpPr>
+          <p:cNvPr id="2" name="Text Placeholder 1">
+            <a:extLst>
+              <a:ext uri="{FF2B5EF4-FFF2-40B4-BE49-F238E27FC236}">
+                <a16:creationId xmlns:a16="http://schemas.microsoft.com/office/drawing/2014/main" id="{B0F2913A-9065-8587-AA0D-91782FBBCCC2}"/>
+              </a:ext>
+            </a:extLst>
+          </p:cNvPr>
+          <p:cNvSpPr>
+            <a:spLocks noGrp="1"/>
+          </p:cNvSpPr>
+          <p:nvPr>
+            <p:ph type="body" idx="1"/>
+          </p:nvPr>
+        </p:nvSpPr>
+        <p:spPr>
+          <a:xfrm>
+            <a:off x="755650" y="3832121"/>
+            <a:ext cx="4957763" cy="980507"/>
+          </a:xfrm>
+        </p:spPr>
+        <p:txBody>
+          <a:bodyPr>
+            <a:normAutofit fontScale="92500" lnSpcReduction="20000"/>
+          </a:bodyPr>
+          <a:lstStyle/>
+          <a:p>
+            <a:pPr marL="0" lvl="0" indent="0" algn="l" rtl="0">
+              <a:spcBef>
+                <a:spcPts val="0"/>
+              </a:spcBef>
+              <a:spcAft>
+                <a:spcPts val="0"/>
+              </a:spcAft>
+              <a:buNone/>
+            </a:pPr>
+            <a:r>
+              <a:rPr lang="en-US" sz="2000" dirty="0"/>
+              <a:t>Data Search</a:t>
+            </a:r>
+          </a:p>
+          <a:p>
+            <a:pPr marL="285750" indent="-285750">
+              <a:buFont typeface="Arial" panose="020B0604020202020204" pitchFamily="34" charset="0"/>
+              <a:buChar char="•"/>
+            </a:pPr>
+            <a:r>
+              <a:rPr lang="en-US" sz="2000" dirty="0">
+                <a:latin typeface="Calibri" panose="020F0502020204030204" pitchFamily="34" charset="0"/>
+                <a:cs typeface="Calibri" panose="020F0502020204030204" pitchFamily="34" charset="0"/>
+              </a:rPr>
+              <a:t>Manual search from each team member</a:t>
+            </a:r>
+          </a:p>
+          <a:p>
+            <a:pPr marL="285750" indent="-285750">
+              <a:buFont typeface="Arial" panose="020B0604020202020204" pitchFamily="34" charset="0"/>
+              <a:buChar char="•"/>
+            </a:pPr>
+            <a:r>
+              <a:rPr lang="en-US" sz="2000" dirty="0">
+                <a:latin typeface="Calibri" panose="020F0502020204030204" pitchFamily="34" charset="0"/>
+                <a:cs typeface="Calibri" panose="020F0502020204030204" pitchFamily="34" charset="0"/>
+              </a:rPr>
+              <a:t>Sourced from:</a:t>
+            </a:r>
+          </a:p>
+        </p:txBody>
+      </p:sp>
+      <p:sp>
+        <p:nvSpPr>
+          <p:cNvPr id="3" name="Text Placeholder 2">
+            <a:extLst>
+              <a:ext uri="{FF2B5EF4-FFF2-40B4-BE49-F238E27FC236}">
+                <a16:creationId xmlns:a16="http://schemas.microsoft.com/office/drawing/2014/main" id="{6521B455-08B7-D398-3CF4-6BEC23859EC1}"/>
+              </a:ext>
+            </a:extLst>
+          </p:cNvPr>
+          <p:cNvSpPr>
+            <a:spLocks noGrp="1"/>
+          </p:cNvSpPr>
+          <p:nvPr>
+            <p:ph type="body" idx="2"/>
+          </p:nvPr>
+        </p:nvSpPr>
+        <p:spPr>
+          <a:xfrm>
+            <a:off x="6490359" y="3610185"/>
+            <a:ext cx="4957763" cy="2981826"/>
+          </a:xfrm>
+        </p:spPr>
+        <p:txBody>
+          <a:bodyPr>
+            <a:noAutofit/>
+          </a:bodyPr>
+          <a:lstStyle/>
+          <a:p>
+            <a:pPr marL="285750" indent="-285750">
+              <a:buFont typeface="Arial" panose="020B0604020202020204" pitchFamily="34" charset="0"/>
+              <a:buChar char="•"/>
+            </a:pPr>
+            <a:r>
+              <a:rPr lang="en-US" sz="1800" dirty="0">
+                <a:latin typeface="Calibri" panose="020F0502020204030204" pitchFamily="34" charset="0"/>
+                <a:cs typeface="Calibri" panose="020F0502020204030204" pitchFamily="34" charset="0"/>
+              </a:rPr>
+              <a:t>Using Excel to edit Costco file</a:t>
+            </a:r>
+          </a:p>
+          <a:p>
+            <a:pPr marL="285750" indent="-285750">
+              <a:buFont typeface="Arial" panose="020B0604020202020204" pitchFamily="34" charset="0"/>
+              <a:buChar char="•"/>
+            </a:pPr>
+            <a:r>
+              <a:rPr lang="en-US" sz="1800" dirty="0">
+                <a:latin typeface="Calibri" panose="020F0502020204030204" pitchFamily="34" charset="0"/>
+                <a:cs typeface="Calibri" panose="020F0502020204030204" pitchFamily="34" charset="0"/>
+              </a:rPr>
+              <a:t>Dropping irrelevant columns</a:t>
+            </a:r>
+          </a:p>
+          <a:p>
+            <a:pPr marL="285750" indent="-285750">
+              <a:buFont typeface="Arial" panose="020B0604020202020204" pitchFamily="34" charset="0"/>
+              <a:buChar char="•"/>
+            </a:pPr>
+            <a:r>
+              <a:rPr lang="en-US" sz="1800" dirty="0">
+                <a:latin typeface="Calibri" panose="020F0502020204030204" pitchFamily="34" charset="0"/>
+                <a:cs typeface="Calibri" panose="020F0502020204030204" pitchFamily="34" charset="0"/>
+              </a:rPr>
+              <a:t>Creating consistency in label names</a:t>
+            </a:r>
+          </a:p>
+          <a:p>
+            <a:pPr marL="285750" indent="-285750">
+              <a:buFont typeface="Arial" panose="020B0604020202020204" pitchFamily="34" charset="0"/>
+              <a:buChar char="•"/>
+            </a:pPr>
+            <a:r>
+              <a:rPr lang="en-US" sz="1800" dirty="0">
+                <a:latin typeface="Calibri" panose="020F0502020204030204" pitchFamily="34" charset="0"/>
+                <a:cs typeface="Calibri" panose="020F0502020204030204" pitchFamily="34" charset="0"/>
+              </a:rPr>
+              <a:t>Locating Costco hearing clinics</a:t>
+            </a:r>
+          </a:p>
+          <a:p>
+            <a:pPr marL="285750" indent="-285750">
+              <a:buFont typeface="Arial" panose="020B0604020202020204" pitchFamily="34" charset="0"/>
+              <a:buChar char="•"/>
+            </a:pPr>
+            <a:r>
+              <a:rPr lang="en-US" sz="1800" dirty="0">
+                <a:latin typeface="Calibri" panose="020F0502020204030204" pitchFamily="34" charset="0"/>
+                <a:cs typeface="Calibri" panose="020F0502020204030204" pitchFamily="34" charset="0"/>
+              </a:rPr>
+              <a:t>Merging demographic data files</a:t>
+            </a:r>
+          </a:p>
+          <a:p>
+            <a:pPr marL="285750" indent="-285750">
+              <a:buFont typeface="Arial" panose="020B0604020202020204" pitchFamily="34" charset="0"/>
+              <a:buChar char="•"/>
+            </a:pPr>
+            <a:r>
+              <a:rPr lang="en-US" sz="1800" dirty="0">
+                <a:latin typeface="Calibri" panose="020F0502020204030204" pitchFamily="34" charset="0"/>
+                <a:cs typeface="Calibri" panose="020F0502020204030204" pitchFamily="34" charset="0"/>
+              </a:rPr>
+              <a:t>Transformed census data into csv files</a:t>
+            </a:r>
+            <a:endParaRPr lang="en-US" sz="1800" dirty="0"/>
+          </a:p>
+        </p:txBody>
+      </p:sp>
+      <p:sp>
+        <p:nvSpPr>
+          <p:cNvPr id="5" name="Google Shape;235;p13">
+            <a:extLst>
+              <a:ext uri="{FF2B5EF4-FFF2-40B4-BE49-F238E27FC236}">
+                <a16:creationId xmlns:a16="http://schemas.microsoft.com/office/drawing/2014/main" id="{193B8573-80A8-5356-2CC0-5715407827DC}"/>
+              </a:ext>
+            </a:extLst>
+          </p:cNvPr>
+          <p:cNvSpPr txBox="1"/>
+          <p:nvPr/>
+        </p:nvSpPr>
+        <p:spPr>
+          <a:xfrm>
+            <a:off x="277535" y="265989"/>
+            <a:ext cx="10515600" cy="906011"/>
+          </a:xfrm>
+          <a:prstGeom prst="rect">
+            <a:avLst/>
+          </a:prstGeom>
+          <a:noFill/>
+          <a:ln>
+            <a:noFill/>
+          </a:ln>
+        </p:spPr>
+        <p:txBody>
+          <a:bodyPr spcFirstLastPara="1" wrap="square" lIns="91425" tIns="45700" rIns="91425" bIns="45700" anchor="ctr" anchorCtr="0">
+            <a:normAutofit/>
+          </a:bodyPr>
+          <a:lstStyle/>
+          <a:p>
+            <a:pPr>
+              <a:lnSpc>
+                <a:spcPct val="90000"/>
+              </a:lnSpc>
+              <a:spcBef>
+                <a:spcPts val="1000"/>
+              </a:spcBef>
+              <a:buClr>
+                <a:srgbClr val="D09E00"/>
+              </a:buClr>
+              <a:buSzPct val="100000"/>
+            </a:pPr>
+            <a:r>
+              <a:rPr lang="en-US" sz="4400" dirty="0">
+                <a:solidFill>
+                  <a:srgbClr val="D09E00"/>
+                </a:solidFill>
+              </a:rPr>
+              <a:t>Exploratory Data Analysis: </a:t>
+            </a:r>
+            <a:endParaRPr lang="en-US" sz="7200" dirty="0"/>
+          </a:p>
+        </p:txBody>
+      </p:sp>
+      <p:sp>
+        <p:nvSpPr>
+          <p:cNvPr id="6" name="Google Shape;236;p13">
+            <a:extLst>
+              <a:ext uri="{FF2B5EF4-FFF2-40B4-BE49-F238E27FC236}">
+                <a16:creationId xmlns:a16="http://schemas.microsoft.com/office/drawing/2014/main" id="{31451CFE-F8BC-8C94-F119-9A086E89742A}"/>
+              </a:ext>
+            </a:extLst>
+          </p:cNvPr>
+          <p:cNvSpPr txBox="1">
+            <a:spLocks/>
+          </p:cNvSpPr>
+          <p:nvPr/>
+        </p:nvSpPr>
+        <p:spPr>
+          <a:xfrm>
+            <a:off x="277535" y="3103188"/>
+            <a:ext cx="1828800" cy="651624"/>
+          </a:xfrm>
+          <a:prstGeom prst="rect">
+            <a:avLst/>
+          </a:prstGeom>
+          <a:noFill/>
+          <a:ln>
+            <a:noFill/>
+          </a:ln>
+        </p:spPr>
+        <p:txBody>
+          <a:bodyPr spcFirstLastPara="1" wrap="square" lIns="91425" tIns="45700" rIns="91425" bIns="45700" anchor="t" anchorCtr="0">
+            <a:noAutofit/>
+          </a:bodyPr>
+          <a:lstStyle>
+            <a:defPPr marR="0" lvl="0" algn="l" rtl="0">
+              <a:lnSpc>
+                <a:spcPct val="100000"/>
+              </a:lnSpc>
+              <a:spcBef>
+                <a:spcPts val="0"/>
+              </a:spcBef>
+              <a:spcAft>
+                <a:spcPts val="0"/>
+              </a:spcAft>
+            </a:defPPr>
+            <a:lvl1pPr marL="457200" marR="0" lvl="0" indent="-406400" algn="l" rtl="0">
+              <a:lnSpc>
+                <a:spcPct val="90000"/>
+              </a:lnSpc>
+              <a:spcBef>
+                <a:spcPts val="1000"/>
+              </a:spcBef>
+              <a:spcAft>
+                <a:spcPts val="0"/>
+              </a:spcAft>
+              <a:buClr>
+                <a:schemeClr val="dk1"/>
+              </a:buClr>
+              <a:buSzPts val="2800"/>
+              <a:buFont typeface="Arial"/>
+              <a:buChar char="•"/>
+              <a:defRPr sz="2800" b="0" i="0" u="none" strike="noStrike" cap="none">
+                <a:solidFill>
+                  <a:schemeClr val="dk1"/>
+                </a:solidFill>
+                <a:latin typeface="Calibri"/>
+                <a:ea typeface="Calibri"/>
+                <a:cs typeface="Calibri"/>
+                <a:sym typeface="Calibri"/>
+              </a:defRPr>
+            </a:lvl1pPr>
+            <a:lvl2pPr marL="914400" marR="0" lvl="1" indent="-381000" algn="l" rtl="0">
+              <a:lnSpc>
+                <a:spcPct val="90000"/>
+              </a:lnSpc>
+              <a:spcBef>
+                <a:spcPts val="500"/>
+              </a:spcBef>
+              <a:spcAft>
+                <a:spcPts val="0"/>
+              </a:spcAft>
+              <a:buClr>
+                <a:schemeClr val="dk1"/>
+              </a:buClr>
+              <a:buSzPts val="2400"/>
+              <a:buFont typeface="Arial"/>
+              <a:buChar char="•"/>
+              <a:defRPr sz="2400" b="0" i="0" u="none" strike="noStrike" cap="none">
+                <a:solidFill>
+                  <a:schemeClr val="dk1"/>
+                </a:solidFill>
+                <a:latin typeface="Calibri"/>
+                <a:ea typeface="Calibri"/>
+                <a:cs typeface="Calibri"/>
+                <a:sym typeface="Calibri"/>
+              </a:defRPr>
+            </a:lvl2pPr>
+            <a:lvl3pPr marL="1371600" marR="0" lvl="2" indent="-355600" algn="l" rtl="0">
+              <a:lnSpc>
+                <a:spcPct val="90000"/>
+              </a:lnSpc>
+              <a:spcBef>
+                <a:spcPts val="500"/>
+              </a:spcBef>
+              <a:spcAft>
+                <a:spcPts val="0"/>
+              </a:spcAft>
+              <a:buClr>
+                <a:schemeClr val="dk1"/>
+              </a:buClr>
+              <a:buSzPts val="2000"/>
+              <a:buFont typeface="Arial"/>
+              <a:buChar char="•"/>
+              <a:defRPr sz="2000" b="0" i="0" u="none" strike="noStrike" cap="none">
+                <a:solidFill>
+                  <a:schemeClr val="dk1"/>
+                </a:solidFill>
+                <a:latin typeface="Calibri"/>
+                <a:ea typeface="Calibri"/>
+                <a:cs typeface="Calibri"/>
+                <a:sym typeface="Calibri"/>
+              </a:defRPr>
+            </a:lvl3pPr>
+            <a:lvl4pPr marL="1828800" marR="0" lvl="3" indent="-342900" algn="l" rtl="0">
+              <a:lnSpc>
+                <a:spcPct val="90000"/>
+              </a:lnSpc>
+              <a:spcBef>
+                <a:spcPts val="500"/>
+              </a:spcBef>
+              <a:spcAft>
+                <a:spcPts val="0"/>
+              </a:spcAft>
+              <a:buClr>
+                <a:schemeClr val="dk1"/>
+              </a:buClr>
+              <a:buSzPts val="1800"/>
+              <a:buFont typeface="Arial"/>
+              <a:buChar char="•"/>
+              <a:defRPr sz="1800" b="0" i="0" u="none" strike="noStrike" cap="none">
+                <a:solidFill>
+                  <a:schemeClr val="dk1"/>
+                </a:solidFill>
+                <a:latin typeface="Calibri"/>
+                <a:ea typeface="Calibri"/>
+                <a:cs typeface="Calibri"/>
+                <a:sym typeface="Calibri"/>
+              </a:defRPr>
+            </a:lvl4pPr>
+            <a:lvl5pPr marL="2286000" marR="0" lvl="4" indent="-342900" algn="l" rtl="0">
+              <a:lnSpc>
+                <a:spcPct val="90000"/>
+              </a:lnSpc>
+              <a:spcBef>
+                <a:spcPts val="500"/>
+              </a:spcBef>
+              <a:spcAft>
+                <a:spcPts val="0"/>
+              </a:spcAft>
+              <a:buClr>
+                <a:schemeClr val="dk1"/>
+              </a:buClr>
+              <a:buSzPts val="1800"/>
+              <a:buFont typeface="Arial"/>
+              <a:buChar char="•"/>
+              <a:defRPr sz="1800" b="0" i="0" u="none" strike="noStrike" cap="none">
+                <a:solidFill>
+                  <a:schemeClr val="dk1"/>
+                </a:solidFill>
+                <a:latin typeface="Calibri"/>
+                <a:ea typeface="Calibri"/>
+                <a:cs typeface="Calibri"/>
+                <a:sym typeface="Calibri"/>
+              </a:defRPr>
+            </a:lvl5pPr>
+            <a:lvl6pPr marL="2743200" marR="0" lvl="5" indent="-342900" algn="l" rtl="0">
+              <a:lnSpc>
+                <a:spcPct val="90000"/>
+              </a:lnSpc>
+              <a:spcBef>
+                <a:spcPts val="500"/>
+              </a:spcBef>
+              <a:spcAft>
+                <a:spcPts val="0"/>
+              </a:spcAft>
+              <a:buClr>
+                <a:schemeClr val="dk1"/>
+              </a:buClr>
+              <a:buSzPts val="1800"/>
+              <a:buFont typeface="Arial"/>
+              <a:buChar char="•"/>
+              <a:defRPr sz="1800" b="0" i="0" u="none" strike="noStrike" cap="none">
+                <a:solidFill>
+                  <a:schemeClr val="dk1"/>
+                </a:solidFill>
+                <a:latin typeface="Calibri"/>
+                <a:ea typeface="Calibri"/>
+                <a:cs typeface="Calibri"/>
+                <a:sym typeface="Calibri"/>
+              </a:defRPr>
+            </a:lvl6pPr>
+            <a:lvl7pPr marL="3200400" marR="0" lvl="6" indent="-342900" algn="l" rtl="0">
+              <a:lnSpc>
+                <a:spcPct val="90000"/>
+              </a:lnSpc>
+              <a:spcBef>
+                <a:spcPts val="500"/>
+              </a:spcBef>
+              <a:spcAft>
+                <a:spcPts val="0"/>
+              </a:spcAft>
+              <a:buClr>
+                <a:schemeClr val="dk1"/>
+              </a:buClr>
+              <a:buSzPts val="1800"/>
+              <a:buFont typeface="Arial"/>
+              <a:buChar char="•"/>
+              <a:defRPr sz="1800" b="0" i="0" u="none" strike="noStrike" cap="none">
+                <a:solidFill>
+                  <a:schemeClr val="dk1"/>
+                </a:solidFill>
+                <a:latin typeface="Calibri"/>
+                <a:ea typeface="Calibri"/>
+                <a:cs typeface="Calibri"/>
+                <a:sym typeface="Calibri"/>
+              </a:defRPr>
+            </a:lvl7pPr>
+            <a:lvl8pPr marL="3657600" marR="0" lvl="7" indent="-342900" algn="l" rtl="0">
+              <a:lnSpc>
+                <a:spcPct val="90000"/>
+              </a:lnSpc>
+              <a:spcBef>
+                <a:spcPts val="500"/>
+              </a:spcBef>
+              <a:spcAft>
+                <a:spcPts val="0"/>
+              </a:spcAft>
+              <a:buClr>
+                <a:schemeClr val="dk1"/>
+              </a:buClr>
+              <a:buSzPts val="1800"/>
+              <a:buFont typeface="Arial"/>
+              <a:buChar char="•"/>
+              <a:defRPr sz="1800" b="0" i="0" u="none" strike="noStrike" cap="none">
+                <a:solidFill>
+                  <a:schemeClr val="dk1"/>
+                </a:solidFill>
+                <a:latin typeface="Calibri"/>
+                <a:ea typeface="Calibri"/>
+                <a:cs typeface="Calibri"/>
+                <a:sym typeface="Calibri"/>
+              </a:defRPr>
+            </a:lvl8pPr>
+            <a:lvl9pPr marL="4114800" marR="0" lvl="8" indent="-342900" algn="l" rtl="0">
+              <a:lnSpc>
+                <a:spcPct val="90000"/>
+              </a:lnSpc>
+              <a:spcBef>
+                <a:spcPts val="500"/>
+              </a:spcBef>
+              <a:spcAft>
+                <a:spcPts val="0"/>
+              </a:spcAft>
+              <a:buClr>
+                <a:schemeClr val="dk1"/>
+              </a:buClr>
+              <a:buSzPts val="1800"/>
+              <a:buFont typeface="Arial"/>
+              <a:buChar char="•"/>
+              <a:defRPr sz="1800" b="0" i="0" u="none" strike="noStrike" cap="none">
+                <a:solidFill>
+                  <a:schemeClr val="dk1"/>
+                </a:solidFill>
+                <a:latin typeface="Calibri"/>
+                <a:ea typeface="Calibri"/>
+                <a:cs typeface="Calibri"/>
+                <a:sym typeface="Calibri"/>
+              </a:defRPr>
+            </a:lvl9pPr>
+          </a:lstStyle>
+          <a:p>
+            <a:pPr marL="228600" indent="-50800" algn="ctr">
+              <a:spcBef>
+                <a:spcPts val="0"/>
+              </a:spcBef>
+              <a:buFont typeface="Arial"/>
+              <a:buNone/>
+            </a:pPr>
+            <a:r>
+              <a:rPr lang="en-US" sz="3600" b="1" dirty="0">
+                <a:solidFill>
+                  <a:schemeClr val="accent4">
+                    <a:lumMod val="50000"/>
+                  </a:schemeClr>
+                </a:solidFill>
+              </a:rPr>
+              <a:t>Data</a:t>
+            </a:r>
+          </a:p>
+        </p:txBody>
+      </p:sp>
+      <p:sp>
+        <p:nvSpPr>
+          <p:cNvPr id="7" name="Google Shape;237;p13">
+            <a:extLst>
+              <a:ext uri="{FF2B5EF4-FFF2-40B4-BE49-F238E27FC236}">
+                <a16:creationId xmlns:a16="http://schemas.microsoft.com/office/drawing/2014/main" id="{B549B444-9A98-74A6-4573-950AE4B2FB68}"/>
+              </a:ext>
+            </a:extLst>
+          </p:cNvPr>
+          <p:cNvSpPr txBox="1">
+            <a:spLocks/>
+          </p:cNvSpPr>
+          <p:nvPr/>
+        </p:nvSpPr>
+        <p:spPr>
+          <a:xfrm>
+            <a:off x="4962069" y="3031266"/>
+            <a:ext cx="4957763" cy="671434"/>
+          </a:xfrm>
+          <a:prstGeom prst="rect">
+            <a:avLst/>
+          </a:prstGeom>
+          <a:noFill/>
+          <a:ln>
+            <a:noFill/>
+          </a:ln>
+        </p:spPr>
+        <p:txBody>
+          <a:bodyPr spcFirstLastPara="1" wrap="square" lIns="91425" tIns="45700" rIns="91425" bIns="45700" anchor="t" anchorCtr="0">
+            <a:normAutofit/>
+          </a:bodyPr>
+          <a:lstStyle>
+            <a:defPPr marR="0" lvl="0" algn="l" rtl="0">
+              <a:lnSpc>
+                <a:spcPct val="100000"/>
+              </a:lnSpc>
+              <a:spcBef>
+                <a:spcPts val="0"/>
+              </a:spcBef>
+              <a:spcAft>
+                <a:spcPts val="0"/>
+              </a:spcAft>
+            </a:defPPr>
+            <a:lvl1pPr marL="457200" marR="0" lvl="0" indent="-406400" algn="l" rtl="0">
+              <a:lnSpc>
+                <a:spcPct val="90000"/>
+              </a:lnSpc>
+              <a:spcBef>
+                <a:spcPts val="1000"/>
+              </a:spcBef>
+              <a:spcAft>
+                <a:spcPts val="0"/>
+              </a:spcAft>
+              <a:buClr>
+                <a:schemeClr val="dk1"/>
+              </a:buClr>
+              <a:buSzPts val="2800"/>
+              <a:buFont typeface="Arial"/>
+              <a:buChar char="•"/>
+              <a:defRPr sz="2800" b="0" i="0" u="none" strike="noStrike" cap="none">
+                <a:solidFill>
+                  <a:schemeClr val="dk1"/>
+                </a:solidFill>
+                <a:latin typeface="Calibri"/>
+                <a:ea typeface="Calibri"/>
+                <a:cs typeface="Calibri"/>
+                <a:sym typeface="Calibri"/>
+              </a:defRPr>
+            </a:lvl1pPr>
+            <a:lvl2pPr marL="914400" marR="0" lvl="1" indent="-381000" algn="l" rtl="0">
+              <a:lnSpc>
+                <a:spcPct val="90000"/>
+              </a:lnSpc>
+              <a:spcBef>
+                <a:spcPts val="500"/>
+              </a:spcBef>
+              <a:spcAft>
+                <a:spcPts val="0"/>
+              </a:spcAft>
+              <a:buClr>
+                <a:schemeClr val="dk1"/>
+              </a:buClr>
+              <a:buSzPts val="2400"/>
+              <a:buFont typeface="Arial"/>
+              <a:buChar char="•"/>
+              <a:defRPr sz="2400" b="0" i="0" u="none" strike="noStrike" cap="none">
+                <a:solidFill>
+                  <a:schemeClr val="dk1"/>
+                </a:solidFill>
+                <a:latin typeface="Calibri"/>
+                <a:ea typeface="Calibri"/>
+                <a:cs typeface="Calibri"/>
+                <a:sym typeface="Calibri"/>
+              </a:defRPr>
+            </a:lvl2pPr>
+            <a:lvl3pPr marL="1371600" marR="0" lvl="2" indent="-355600" algn="l" rtl="0">
+              <a:lnSpc>
+                <a:spcPct val="90000"/>
+              </a:lnSpc>
+              <a:spcBef>
+                <a:spcPts val="500"/>
+              </a:spcBef>
+              <a:spcAft>
+                <a:spcPts val="0"/>
+              </a:spcAft>
+              <a:buClr>
+                <a:schemeClr val="dk1"/>
+              </a:buClr>
+              <a:buSzPts val="2000"/>
+              <a:buFont typeface="Arial"/>
+              <a:buChar char="•"/>
+              <a:defRPr sz="2000" b="0" i="0" u="none" strike="noStrike" cap="none">
+                <a:solidFill>
+                  <a:schemeClr val="dk1"/>
+                </a:solidFill>
+                <a:latin typeface="Calibri"/>
+                <a:ea typeface="Calibri"/>
+                <a:cs typeface="Calibri"/>
+                <a:sym typeface="Calibri"/>
+              </a:defRPr>
+            </a:lvl3pPr>
+            <a:lvl4pPr marL="1828800" marR="0" lvl="3" indent="-342900" algn="l" rtl="0">
+              <a:lnSpc>
+                <a:spcPct val="90000"/>
+              </a:lnSpc>
+              <a:spcBef>
+                <a:spcPts val="500"/>
+              </a:spcBef>
+              <a:spcAft>
+                <a:spcPts val="0"/>
+              </a:spcAft>
+              <a:buClr>
+                <a:schemeClr val="dk1"/>
+              </a:buClr>
+              <a:buSzPts val="1800"/>
+              <a:buFont typeface="Arial"/>
+              <a:buChar char="•"/>
+              <a:defRPr sz="1800" b="0" i="0" u="none" strike="noStrike" cap="none">
+                <a:solidFill>
+                  <a:schemeClr val="dk1"/>
+                </a:solidFill>
+                <a:latin typeface="Calibri"/>
+                <a:ea typeface="Calibri"/>
+                <a:cs typeface="Calibri"/>
+                <a:sym typeface="Calibri"/>
+              </a:defRPr>
+            </a:lvl4pPr>
+            <a:lvl5pPr marL="2286000" marR="0" lvl="4" indent="-342900" algn="l" rtl="0">
+              <a:lnSpc>
+                <a:spcPct val="90000"/>
+              </a:lnSpc>
+              <a:spcBef>
+                <a:spcPts val="500"/>
+              </a:spcBef>
+              <a:spcAft>
+                <a:spcPts val="0"/>
+              </a:spcAft>
+              <a:buClr>
+                <a:schemeClr val="dk1"/>
+              </a:buClr>
+              <a:buSzPts val="1800"/>
+              <a:buFont typeface="Arial"/>
+              <a:buChar char="•"/>
+              <a:defRPr sz="1800" b="0" i="0" u="none" strike="noStrike" cap="none">
+                <a:solidFill>
+                  <a:schemeClr val="dk1"/>
+                </a:solidFill>
+                <a:latin typeface="Calibri"/>
+                <a:ea typeface="Calibri"/>
+                <a:cs typeface="Calibri"/>
+                <a:sym typeface="Calibri"/>
+              </a:defRPr>
+            </a:lvl5pPr>
+            <a:lvl6pPr marL="2743200" marR="0" lvl="5" indent="-342900" algn="l" rtl="0">
+              <a:lnSpc>
+                <a:spcPct val="90000"/>
+              </a:lnSpc>
+              <a:spcBef>
+                <a:spcPts val="500"/>
+              </a:spcBef>
+              <a:spcAft>
+                <a:spcPts val="0"/>
+              </a:spcAft>
+              <a:buClr>
+                <a:schemeClr val="dk1"/>
+              </a:buClr>
+              <a:buSzPts val="1800"/>
+              <a:buFont typeface="Arial"/>
+              <a:buChar char="•"/>
+              <a:defRPr sz="1800" b="0" i="0" u="none" strike="noStrike" cap="none">
+                <a:solidFill>
+                  <a:schemeClr val="dk1"/>
+                </a:solidFill>
+                <a:latin typeface="Calibri"/>
+                <a:ea typeface="Calibri"/>
+                <a:cs typeface="Calibri"/>
+                <a:sym typeface="Calibri"/>
+              </a:defRPr>
+            </a:lvl6pPr>
+            <a:lvl7pPr marL="3200400" marR="0" lvl="6" indent="-342900" algn="l" rtl="0">
+              <a:lnSpc>
+                <a:spcPct val="90000"/>
+              </a:lnSpc>
+              <a:spcBef>
+                <a:spcPts val="500"/>
+              </a:spcBef>
+              <a:spcAft>
+                <a:spcPts val="0"/>
+              </a:spcAft>
+              <a:buClr>
+                <a:schemeClr val="dk1"/>
+              </a:buClr>
+              <a:buSzPts val="1800"/>
+              <a:buFont typeface="Arial"/>
+              <a:buChar char="•"/>
+              <a:defRPr sz="1800" b="0" i="0" u="none" strike="noStrike" cap="none">
+                <a:solidFill>
+                  <a:schemeClr val="dk1"/>
+                </a:solidFill>
+                <a:latin typeface="Calibri"/>
+                <a:ea typeface="Calibri"/>
+                <a:cs typeface="Calibri"/>
+                <a:sym typeface="Calibri"/>
+              </a:defRPr>
+            </a:lvl7pPr>
+            <a:lvl8pPr marL="3657600" marR="0" lvl="7" indent="-342900" algn="l" rtl="0">
+              <a:lnSpc>
+                <a:spcPct val="90000"/>
+              </a:lnSpc>
+              <a:spcBef>
+                <a:spcPts val="500"/>
+              </a:spcBef>
+              <a:spcAft>
+                <a:spcPts val="0"/>
+              </a:spcAft>
+              <a:buClr>
+                <a:schemeClr val="dk1"/>
+              </a:buClr>
+              <a:buSzPts val="1800"/>
+              <a:buFont typeface="Arial"/>
+              <a:buChar char="•"/>
+              <a:defRPr sz="1800" b="0" i="0" u="none" strike="noStrike" cap="none">
+                <a:solidFill>
+                  <a:schemeClr val="dk1"/>
+                </a:solidFill>
+                <a:latin typeface="Calibri"/>
+                <a:ea typeface="Calibri"/>
+                <a:cs typeface="Calibri"/>
+                <a:sym typeface="Calibri"/>
+              </a:defRPr>
+            </a:lvl8pPr>
+            <a:lvl9pPr marL="4114800" marR="0" lvl="8" indent="-342900" algn="l" rtl="0">
+              <a:lnSpc>
+                <a:spcPct val="90000"/>
+              </a:lnSpc>
+              <a:spcBef>
+                <a:spcPts val="500"/>
+              </a:spcBef>
+              <a:spcAft>
+                <a:spcPts val="0"/>
+              </a:spcAft>
+              <a:buClr>
+                <a:schemeClr val="dk1"/>
+              </a:buClr>
+              <a:buSzPts val="1800"/>
+              <a:buFont typeface="Arial"/>
+              <a:buChar char="•"/>
+              <a:defRPr sz="1800" b="0" i="0" u="none" strike="noStrike" cap="none">
+                <a:solidFill>
+                  <a:schemeClr val="dk1"/>
+                </a:solidFill>
+                <a:latin typeface="Calibri"/>
+                <a:ea typeface="Calibri"/>
+                <a:cs typeface="Calibri"/>
+                <a:sym typeface="Calibri"/>
+              </a:defRPr>
+            </a:lvl9pPr>
+          </a:lstStyle>
+          <a:p>
+            <a:pPr marL="228600" indent="-50800" algn="ctr">
+              <a:spcBef>
+                <a:spcPts val="0"/>
+              </a:spcBef>
+              <a:buFont typeface="Arial"/>
+              <a:buNone/>
+            </a:pPr>
+            <a:r>
+              <a:rPr lang="en-US" sz="3600" b="1">
+                <a:solidFill>
+                  <a:schemeClr val="accent4">
+                    <a:lumMod val="50000"/>
+                  </a:schemeClr>
+                </a:solidFill>
+              </a:rPr>
+              <a:t>Processing</a:t>
+            </a:r>
+            <a:endParaRPr lang="en-US" sz="3600" b="1" dirty="0">
+              <a:solidFill>
+                <a:schemeClr val="accent4">
+                  <a:lumMod val="50000"/>
+                </a:schemeClr>
+              </a:solidFill>
+            </a:endParaRPr>
+          </a:p>
+        </p:txBody>
+      </p:sp>
+      <p:pic>
+        <p:nvPicPr>
+          <p:cNvPr id="9" name="Picture 4" descr="My Journey towards becoming a Kaggle Master | by Paras Varshney | Towards  Data Science">
+            <a:extLst>
+              <a:ext uri="{FF2B5EF4-FFF2-40B4-BE49-F238E27FC236}">
+                <a16:creationId xmlns:a16="http://schemas.microsoft.com/office/drawing/2014/main" id="{1CDE03F1-CC6E-8BFB-5DF2-C5E8C5C07A17}"/>
+              </a:ext>
+            </a:extLst>
+          </p:cNvPr>
+          <p:cNvPicPr>
+            <a:picLocks noChangeAspect="1" noChangeArrowheads="1"/>
+          </p:cNvPicPr>
+          <p:nvPr/>
+        </p:nvPicPr>
+        <p:blipFill rotWithShape="1">
+          <a:blip r:embed="rId3">
+            <a:extLst>
+              <a:ext uri="{28A0092B-C50C-407E-A947-70E740481C1C}">
+                <a14:useLocalDpi xmlns:a14="http://schemas.microsoft.com/office/drawing/2010/main" val="0"/>
+              </a:ext>
+            </a:extLst>
+          </a:blip>
+          <a:srcRect l="9961" t="19159" r="13342" b="29312"/>
+          <a:stretch/>
+        </p:blipFill>
+        <p:spPr bwMode="auto">
+          <a:xfrm>
+            <a:off x="2164440" y="5025701"/>
+            <a:ext cx="1308861" cy="658668"/>
+          </a:xfrm>
+          <a:prstGeom prst="rect">
+            <a:avLst/>
+          </a:prstGeom>
+          <a:noFill/>
+          <a:extLst>
+            <a:ext uri="{909E8E84-426E-40DD-AFC4-6F175D3DCCD1}">
+              <a14:hiddenFill xmlns:a14="http://schemas.microsoft.com/office/drawing/2010/main">
+                <a:solidFill>
+                  <a:srgbClr val="FFFFFF"/>
+                </a:solidFill>
+              </a14:hiddenFill>
+            </a:ext>
+          </a:extLst>
+        </p:spPr>
+      </p:pic>
+      <p:pic>
+        <p:nvPicPr>
+          <p:cNvPr id="10" name="Picture 9">
+            <a:extLst>
+              <a:ext uri="{FF2B5EF4-FFF2-40B4-BE49-F238E27FC236}">
+                <a16:creationId xmlns:a16="http://schemas.microsoft.com/office/drawing/2014/main" id="{96568071-2557-28B1-C0BF-B2C809E5CF38}"/>
+              </a:ext>
+            </a:extLst>
+          </p:cNvPr>
+          <p:cNvPicPr>
+            <a:picLocks noChangeAspect="1"/>
+          </p:cNvPicPr>
+          <p:nvPr/>
+        </p:nvPicPr>
+        <p:blipFill>
+          <a:blip r:embed="rId4"/>
+          <a:stretch>
+            <a:fillRect/>
+          </a:stretch>
+        </p:blipFill>
+        <p:spPr>
+          <a:xfrm>
+            <a:off x="619691" y="5208047"/>
+            <a:ext cx="1408021" cy="423829"/>
+          </a:xfrm>
+          <a:prstGeom prst="rect">
+            <a:avLst/>
+          </a:prstGeom>
+        </p:spPr>
+      </p:pic>
+      <p:pic>
+        <p:nvPicPr>
+          <p:cNvPr id="11" name="Picture 10" descr="U.S. Census Bureau to Release First Look at Nation's Demographic  Characteristics from 2020 Census | U.S. Department of Commerce">
+            <a:extLst>
+              <a:ext uri="{FF2B5EF4-FFF2-40B4-BE49-F238E27FC236}">
+                <a16:creationId xmlns:a16="http://schemas.microsoft.com/office/drawing/2014/main" id="{FC6AE189-3996-6DD9-AD2A-D938C066B003}"/>
+              </a:ext>
+            </a:extLst>
+          </p:cNvPr>
+          <p:cNvPicPr>
+            <a:picLocks noChangeAspect="1" noChangeArrowheads="1"/>
+          </p:cNvPicPr>
+          <p:nvPr/>
+        </p:nvPicPr>
+        <p:blipFill>
+          <a:blip r:embed="rId5">
+            <a:extLst>
+              <a:ext uri="{28A0092B-C50C-407E-A947-70E740481C1C}">
+                <a14:useLocalDpi xmlns:a14="http://schemas.microsoft.com/office/drawing/2010/main" val="0"/>
+              </a:ext>
+            </a:extLst>
+          </a:blip>
+          <a:srcRect/>
+          <a:stretch>
+            <a:fillRect/>
+          </a:stretch>
+        </p:blipFill>
+        <p:spPr bwMode="auto">
+          <a:xfrm>
+            <a:off x="3556002" y="5144218"/>
+            <a:ext cx="1447484" cy="813302"/>
+          </a:xfrm>
+          <a:prstGeom prst="rect">
+            <a:avLst/>
+          </a:prstGeom>
+          <a:noFill/>
+          <a:extLst>
+            <a:ext uri="{909E8E84-426E-40DD-AFC4-6F175D3DCCD1}">
+              <a14:hiddenFill xmlns:a14="http://schemas.microsoft.com/office/drawing/2010/main">
+                <a:solidFill>
+                  <a:srgbClr val="FFFFFF"/>
+                </a:solidFill>
+              </a14:hiddenFill>
+            </a:ext>
+          </a:extLst>
+        </p:spPr>
+      </p:pic>
+    </p:spTree>
+    <p:extLst>
+      <p:ext uri="{BB962C8B-B14F-4D97-AF65-F5344CB8AC3E}">
+        <p14:creationId xmlns:p14="http://schemas.microsoft.com/office/powerpoint/2010/main" val="3947842345"/>
+      </p:ext>
+    </p:extLst>
+  </p:cSld>
+  <p:clrMapOvr>
+    <a:masterClrMapping/>
+  </p:clrMapOvr>
+</p:sld>
+</file>
+
+<file path=ppt/slides/slide6.xml><?xml version="1.0" encoding="utf-8"?>
 <p:sld xmlns:a="http://schemas.openxmlformats.org/drawingml/2006/main" xmlns:r="http://schemas.openxmlformats.org/officeDocument/2006/relationships" xmlns:p="http://schemas.openxmlformats.org/presentationml/2006/main">
   <p:cSld>
     <p:spTree>
@@ -40707,2313 +41432,12 @@
           </p:txBody>
         </p:sp>
       </p:grpSp>
-      <p:sp>
-        <p:nvSpPr>
-          <p:cNvPr id="3" name="Google Shape;245;p14">
+      <p:pic>
+        <p:nvPicPr>
+          <p:cNvPr id="13" name="Picture 12">
             <a:extLst>
               <a:ext uri="{FF2B5EF4-FFF2-40B4-BE49-F238E27FC236}">
-                <a16:creationId xmlns:a16="http://schemas.microsoft.com/office/drawing/2014/main" id="{D9FEB6FC-E977-4B35-5C35-A2D5251294C5}"/>
-              </a:ext>
-            </a:extLst>
-          </p:cNvPr>
-          <p:cNvSpPr txBox="1">
-            <a:spLocks/>
-          </p:cNvSpPr>
-          <p:nvPr/>
-        </p:nvSpPr>
-        <p:spPr>
-          <a:xfrm>
-            <a:off x="777282" y="2915404"/>
-            <a:ext cx="10637435" cy="1413891"/>
-          </a:xfrm>
-          <a:prstGeom prst="rect">
-            <a:avLst/>
-          </a:prstGeom>
-          <a:noFill/>
-          <a:ln>
-            <a:noFill/>
-          </a:ln>
-        </p:spPr>
-        <p:txBody>
-          <a:bodyPr spcFirstLastPara="1" wrap="square" lIns="91425" tIns="45700" rIns="91425" bIns="45700" anchor="t" anchorCtr="0">
-            <a:noAutofit/>
-          </a:bodyPr>
-          <a:lstStyle>
-            <a:defPPr marR="0" lvl="0" algn="l" rtl="0">
-              <a:lnSpc>
-                <a:spcPct val="100000"/>
-              </a:lnSpc>
-              <a:spcBef>
-                <a:spcPts val="0"/>
-              </a:spcBef>
-              <a:spcAft>
-                <a:spcPts val="0"/>
-              </a:spcAft>
-            </a:defPPr>
-            <a:lvl1pPr marL="457200" marR="0" lvl="0" indent="-406400" algn="l" rtl="0">
-              <a:lnSpc>
-                <a:spcPct val="90000"/>
-              </a:lnSpc>
-              <a:spcBef>
-                <a:spcPts val="1000"/>
-              </a:spcBef>
-              <a:spcAft>
-                <a:spcPts val="0"/>
-              </a:spcAft>
-              <a:buClr>
-                <a:schemeClr val="dk1"/>
-              </a:buClr>
-              <a:buSzPts val="2800"/>
-              <a:buFont typeface="Arial"/>
-              <a:buChar char="•"/>
-              <a:defRPr sz="2800" b="0" i="0" u="none" strike="noStrike" cap="none">
-                <a:solidFill>
-                  <a:schemeClr val="dk1"/>
-                </a:solidFill>
-                <a:latin typeface="Calibri"/>
-                <a:ea typeface="Calibri"/>
-                <a:cs typeface="Calibri"/>
-                <a:sym typeface="Calibri"/>
-              </a:defRPr>
-            </a:lvl1pPr>
-            <a:lvl2pPr marL="914400" marR="0" lvl="1" indent="-381000" algn="l" rtl="0">
-              <a:lnSpc>
-                <a:spcPct val="90000"/>
-              </a:lnSpc>
-              <a:spcBef>
-                <a:spcPts val="500"/>
-              </a:spcBef>
-              <a:spcAft>
-                <a:spcPts val="0"/>
-              </a:spcAft>
-              <a:buClr>
-                <a:schemeClr val="dk1"/>
-              </a:buClr>
-              <a:buSzPts val="2400"/>
-              <a:buFont typeface="Arial"/>
-              <a:buChar char="•"/>
-              <a:defRPr sz="2400" b="0" i="0" u="none" strike="noStrike" cap="none">
-                <a:solidFill>
-                  <a:schemeClr val="dk1"/>
-                </a:solidFill>
-                <a:latin typeface="Calibri"/>
-                <a:ea typeface="Calibri"/>
-                <a:cs typeface="Calibri"/>
-                <a:sym typeface="Calibri"/>
-              </a:defRPr>
-            </a:lvl2pPr>
-            <a:lvl3pPr marL="1371600" marR="0" lvl="2" indent="-355600" algn="l" rtl="0">
-              <a:lnSpc>
-                <a:spcPct val="90000"/>
-              </a:lnSpc>
-              <a:spcBef>
-                <a:spcPts val="500"/>
-              </a:spcBef>
-              <a:spcAft>
-                <a:spcPts val="0"/>
-              </a:spcAft>
-              <a:buClr>
-                <a:schemeClr val="dk1"/>
-              </a:buClr>
-              <a:buSzPts val="2000"/>
-              <a:buFont typeface="Arial"/>
-              <a:buChar char="•"/>
-              <a:defRPr sz="2000" b="0" i="0" u="none" strike="noStrike" cap="none">
-                <a:solidFill>
-                  <a:schemeClr val="dk1"/>
-                </a:solidFill>
-                <a:latin typeface="Calibri"/>
-                <a:ea typeface="Calibri"/>
-                <a:cs typeface="Calibri"/>
-                <a:sym typeface="Calibri"/>
-              </a:defRPr>
-            </a:lvl3pPr>
-            <a:lvl4pPr marL="1828800" marR="0" lvl="3" indent="-342900" algn="l" rtl="0">
-              <a:lnSpc>
-                <a:spcPct val="90000"/>
-              </a:lnSpc>
-              <a:spcBef>
-                <a:spcPts val="500"/>
-              </a:spcBef>
-              <a:spcAft>
-                <a:spcPts val="0"/>
-              </a:spcAft>
-              <a:buClr>
-                <a:schemeClr val="dk1"/>
-              </a:buClr>
-              <a:buSzPts val="1800"/>
-              <a:buFont typeface="Arial"/>
-              <a:buChar char="•"/>
-              <a:defRPr sz="1800" b="0" i="0" u="none" strike="noStrike" cap="none">
-                <a:solidFill>
-                  <a:schemeClr val="dk1"/>
-                </a:solidFill>
-                <a:latin typeface="Calibri"/>
-                <a:ea typeface="Calibri"/>
-                <a:cs typeface="Calibri"/>
-                <a:sym typeface="Calibri"/>
-              </a:defRPr>
-            </a:lvl4pPr>
-            <a:lvl5pPr marL="2286000" marR="0" lvl="4" indent="-342900" algn="l" rtl="0">
-              <a:lnSpc>
-                <a:spcPct val="90000"/>
-              </a:lnSpc>
-              <a:spcBef>
-                <a:spcPts val="500"/>
-              </a:spcBef>
-              <a:spcAft>
-                <a:spcPts val="0"/>
-              </a:spcAft>
-              <a:buClr>
-                <a:schemeClr val="dk1"/>
-              </a:buClr>
-              <a:buSzPts val="1800"/>
-              <a:buFont typeface="Arial"/>
-              <a:buChar char="•"/>
-              <a:defRPr sz="1800" b="0" i="0" u="none" strike="noStrike" cap="none">
-                <a:solidFill>
-                  <a:schemeClr val="dk1"/>
-                </a:solidFill>
-                <a:latin typeface="Calibri"/>
-                <a:ea typeface="Calibri"/>
-                <a:cs typeface="Calibri"/>
-                <a:sym typeface="Calibri"/>
-              </a:defRPr>
-            </a:lvl5pPr>
-            <a:lvl6pPr marL="2743200" marR="0" lvl="5" indent="-342900" algn="l" rtl="0">
-              <a:lnSpc>
-                <a:spcPct val="90000"/>
-              </a:lnSpc>
-              <a:spcBef>
-                <a:spcPts val="500"/>
-              </a:spcBef>
-              <a:spcAft>
-                <a:spcPts val="0"/>
-              </a:spcAft>
-              <a:buClr>
-                <a:schemeClr val="dk1"/>
-              </a:buClr>
-              <a:buSzPts val="1800"/>
-              <a:buFont typeface="Arial"/>
-              <a:buChar char="•"/>
-              <a:defRPr sz="1800" b="0" i="0" u="none" strike="noStrike" cap="none">
-                <a:solidFill>
-                  <a:schemeClr val="dk1"/>
-                </a:solidFill>
-                <a:latin typeface="Calibri"/>
-                <a:ea typeface="Calibri"/>
-                <a:cs typeface="Calibri"/>
-                <a:sym typeface="Calibri"/>
-              </a:defRPr>
-            </a:lvl6pPr>
-            <a:lvl7pPr marL="3200400" marR="0" lvl="6" indent="-342900" algn="l" rtl="0">
-              <a:lnSpc>
-                <a:spcPct val="90000"/>
-              </a:lnSpc>
-              <a:spcBef>
-                <a:spcPts val="500"/>
-              </a:spcBef>
-              <a:spcAft>
-                <a:spcPts val="0"/>
-              </a:spcAft>
-              <a:buClr>
-                <a:schemeClr val="dk1"/>
-              </a:buClr>
-              <a:buSzPts val="1800"/>
-              <a:buFont typeface="Arial"/>
-              <a:buChar char="•"/>
-              <a:defRPr sz="1800" b="0" i="0" u="none" strike="noStrike" cap="none">
-                <a:solidFill>
-                  <a:schemeClr val="dk1"/>
-                </a:solidFill>
-                <a:latin typeface="Calibri"/>
-                <a:ea typeface="Calibri"/>
-                <a:cs typeface="Calibri"/>
-                <a:sym typeface="Calibri"/>
-              </a:defRPr>
-            </a:lvl7pPr>
-            <a:lvl8pPr marL="3657600" marR="0" lvl="7" indent="-342900" algn="l" rtl="0">
-              <a:lnSpc>
-                <a:spcPct val="90000"/>
-              </a:lnSpc>
-              <a:spcBef>
-                <a:spcPts val="500"/>
-              </a:spcBef>
-              <a:spcAft>
-                <a:spcPts val="0"/>
-              </a:spcAft>
-              <a:buClr>
-                <a:schemeClr val="dk1"/>
-              </a:buClr>
-              <a:buSzPts val="1800"/>
-              <a:buFont typeface="Arial"/>
-              <a:buChar char="•"/>
-              <a:defRPr sz="1800" b="0" i="0" u="none" strike="noStrike" cap="none">
-                <a:solidFill>
-                  <a:schemeClr val="dk1"/>
-                </a:solidFill>
-                <a:latin typeface="Calibri"/>
-                <a:ea typeface="Calibri"/>
-                <a:cs typeface="Calibri"/>
-                <a:sym typeface="Calibri"/>
-              </a:defRPr>
-            </a:lvl8pPr>
-            <a:lvl9pPr marL="4114800" marR="0" lvl="8" indent="-342900" algn="l" rtl="0">
-              <a:lnSpc>
-                <a:spcPct val="90000"/>
-              </a:lnSpc>
-              <a:spcBef>
-                <a:spcPts val="500"/>
-              </a:spcBef>
-              <a:spcAft>
-                <a:spcPts val="0"/>
-              </a:spcAft>
-              <a:buClr>
-                <a:schemeClr val="dk1"/>
-              </a:buClr>
-              <a:buSzPts val="1800"/>
-              <a:buFont typeface="Arial"/>
-              <a:buChar char="•"/>
-              <a:defRPr sz="1800" b="0" i="0" u="none" strike="noStrike" cap="none">
-                <a:solidFill>
-                  <a:schemeClr val="dk1"/>
-                </a:solidFill>
-                <a:latin typeface="Calibri"/>
-                <a:ea typeface="Calibri"/>
-                <a:cs typeface="Calibri"/>
-                <a:sym typeface="Calibri"/>
-              </a:defRPr>
-            </a:lvl9pPr>
-          </a:lstStyle>
-          <a:p>
-            <a:pPr marL="177800" indent="0">
-              <a:spcBef>
-                <a:spcPts val="0"/>
-              </a:spcBef>
-              <a:buNone/>
-            </a:pPr>
-            <a:r>
-              <a:rPr lang="en-US" sz="2000" dirty="0">
-                <a:solidFill>
-                  <a:schemeClr val="tx1">
-                    <a:lumMod val="65000"/>
-                    <a:lumOff val="35000"/>
-                  </a:schemeClr>
-                </a:solidFill>
-                <a:latin typeface="Calibri" panose="020F0502020204030204" pitchFamily="34" charset="0"/>
-                <a:cs typeface="Calibri" panose="020F0502020204030204" pitchFamily="34" charset="0"/>
-              </a:rPr>
-              <a:t>Using competitive model structure and training on Costco locations to recommend where Costco should open a new location, specifically for hearing centers. </a:t>
-            </a:r>
-          </a:p>
-          <a:p>
-            <a:pPr marL="177800" indent="0">
-              <a:spcBef>
-                <a:spcPts val="0"/>
-              </a:spcBef>
-              <a:buNone/>
-            </a:pPr>
-            <a:endParaRPr lang="en-US" sz="2000" dirty="0">
-              <a:solidFill>
-                <a:schemeClr val="tx1">
-                  <a:lumMod val="65000"/>
-                  <a:lumOff val="35000"/>
-                </a:schemeClr>
-              </a:solidFill>
-              <a:latin typeface="Calibri" panose="020F0502020204030204" pitchFamily="34" charset="0"/>
-              <a:cs typeface="Calibri" panose="020F0502020204030204" pitchFamily="34" charset="0"/>
-            </a:endParaRPr>
-          </a:p>
-          <a:p>
-            <a:pPr marL="177800" indent="0">
-              <a:spcBef>
-                <a:spcPts val="0"/>
-              </a:spcBef>
-              <a:buNone/>
-            </a:pPr>
-            <a:r>
-              <a:rPr lang="en-US" sz="2000" dirty="0">
-                <a:solidFill>
-                  <a:schemeClr val="tx1">
-                    <a:lumMod val="65000"/>
-                    <a:lumOff val="35000"/>
-                  </a:schemeClr>
-                </a:solidFill>
-                <a:latin typeface="Calibri" panose="020F0502020204030204" pitchFamily="34" charset="0"/>
-                <a:cs typeface="Calibri" panose="020F0502020204030204" pitchFamily="34" charset="0"/>
-              </a:rPr>
-              <a:t>Using precision and recall rather than accuracy to predict where they should have a hearing center but don’t.</a:t>
-            </a:r>
-          </a:p>
-        </p:txBody>
-      </p:sp>
-      <p:sp>
-        <p:nvSpPr>
-          <p:cNvPr id="4" name="Google Shape;245;p14">
-            <a:extLst>
-              <a:ext uri="{FF2B5EF4-FFF2-40B4-BE49-F238E27FC236}">
-                <a16:creationId xmlns:a16="http://schemas.microsoft.com/office/drawing/2014/main" id="{7781BCA2-71CC-92E7-186E-719F8EC2CBFB}"/>
-              </a:ext>
-            </a:extLst>
-          </p:cNvPr>
-          <p:cNvSpPr txBox="1">
-            <a:spLocks/>
-          </p:cNvSpPr>
-          <p:nvPr/>
-        </p:nvSpPr>
-        <p:spPr>
-          <a:xfrm>
-            <a:off x="4358023" y="4559539"/>
-            <a:ext cx="3499301" cy="2227341"/>
-          </a:xfrm>
-          <a:prstGeom prst="rect">
-            <a:avLst/>
-          </a:prstGeom>
-          <a:noFill/>
-          <a:ln>
-            <a:noFill/>
-          </a:ln>
-        </p:spPr>
-        <p:txBody>
-          <a:bodyPr spcFirstLastPara="1" wrap="square" lIns="91425" tIns="45700" rIns="91425" bIns="45700" anchor="t" anchorCtr="0">
-            <a:normAutofit/>
-          </a:bodyPr>
-          <a:lstStyle>
-            <a:defPPr marR="0" lvl="0" algn="l" rtl="0">
-              <a:lnSpc>
-                <a:spcPct val="100000"/>
-              </a:lnSpc>
-              <a:spcBef>
-                <a:spcPts val="0"/>
-              </a:spcBef>
-              <a:spcAft>
-                <a:spcPts val="0"/>
-              </a:spcAft>
-            </a:defPPr>
-            <a:lvl1pPr marL="457200" marR="0" lvl="0" indent="-406400" algn="l" rtl="0">
-              <a:lnSpc>
-                <a:spcPct val="90000"/>
-              </a:lnSpc>
-              <a:spcBef>
-                <a:spcPts val="1000"/>
-              </a:spcBef>
-              <a:spcAft>
-                <a:spcPts val="0"/>
-              </a:spcAft>
-              <a:buClr>
-                <a:schemeClr val="dk1"/>
-              </a:buClr>
-              <a:buSzPts val="2800"/>
-              <a:buFont typeface="Arial"/>
-              <a:buChar char="•"/>
-              <a:defRPr sz="2800" b="0" i="0" u="none" strike="noStrike" cap="none">
-                <a:solidFill>
-                  <a:schemeClr val="dk1"/>
-                </a:solidFill>
-                <a:latin typeface="Calibri"/>
-                <a:ea typeface="Calibri"/>
-                <a:cs typeface="Calibri"/>
-                <a:sym typeface="Calibri"/>
-              </a:defRPr>
-            </a:lvl1pPr>
-            <a:lvl2pPr marL="914400" marR="0" lvl="1" indent="-381000" algn="l" rtl="0">
-              <a:lnSpc>
-                <a:spcPct val="90000"/>
-              </a:lnSpc>
-              <a:spcBef>
-                <a:spcPts val="500"/>
-              </a:spcBef>
-              <a:spcAft>
-                <a:spcPts val="0"/>
-              </a:spcAft>
-              <a:buClr>
-                <a:schemeClr val="dk1"/>
-              </a:buClr>
-              <a:buSzPts val="2400"/>
-              <a:buFont typeface="Arial"/>
-              <a:buChar char="•"/>
-              <a:defRPr sz="2400" b="0" i="0" u="none" strike="noStrike" cap="none">
-                <a:solidFill>
-                  <a:schemeClr val="dk1"/>
-                </a:solidFill>
-                <a:latin typeface="Calibri"/>
-                <a:ea typeface="Calibri"/>
-                <a:cs typeface="Calibri"/>
-                <a:sym typeface="Calibri"/>
-              </a:defRPr>
-            </a:lvl2pPr>
-            <a:lvl3pPr marL="1371600" marR="0" lvl="2" indent="-355600" algn="l" rtl="0">
-              <a:lnSpc>
-                <a:spcPct val="90000"/>
-              </a:lnSpc>
-              <a:spcBef>
-                <a:spcPts val="500"/>
-              </a:spcBef>
-              <a:spcAft>
-                <a:spcPts val="0"/>
-              </a:spcAft>
-              <a:buClr>
-                <a:schemeClr val="dk1"/>
-              </a:buClr>
-              <a:buSzPts val="2000"/>
-              <a:buFont typeface="Arial"/>
-              <a:buChar char="•"/>
-              <a:defRPr sz="2000" b="0" i="0" u="none" strike="noStrike" cap="none">
-                <a:solidFill>
-                  <a:schemeClr val="dk1"/>
-                </a:solidFill>
-                <a:latin typeface="Calibri"/>
-                <a:ea typeface="Calibri"/>
-                <a:cs typeface="Calibri"/>
-                <a:sym typeface="Calibri"/>
-              </a:defRPr>
-            </a:lvl3pPr>
-            <a:lvl4pPr marL="1828800" marR="0" lvl="3" indent="-342900" algn="l" rtl="0">
-              <a:lnSpc>
-                <a:spcPct val="90000"/>
-              </a:lnSpc>
-              <a:spcBef>
-                <a:spcPts val="500"/>
-              </a:spcBef>
-              <a:spcAft>
-                <a:spcPts val="0"/>
-              </a:spcAft>
-              <a:buClr>
-                <a:schemeClr val="dk1"/>
-              </a:buClr>
-              <a:buSzPts val="1800"/>
-              <a:buFont typeface="Arial"/>
-              <a:buChar char="•"/>
-              <a:defRPr sz="1800" b="0" i="0" u="none" strike="noStrike" cap="none">
-                <a:solidFill>
-                  <a:schemeClr val="dk1"/>
-                </a:solidFill>
-                <a:latin typeface="Calibri"/>
-                <a:ea typeface="Calibri"/>
-                <a:cs typeface="Calibri"/>
-                <a:sym typeface="Calibri"/>
-              </a:defRPr>
-            </a:lvl4pPr>
-            <a:lvl5pPr marL="2286000" marR="0" lvl="4" indent="-342900" algn="l" rtl="0">
-              <a:lnSpc>
-                <a:spcPct val="90000"/>
-              </a:lnSpc>
-              <a:spcBef>
-                <a:spcPts val="500"/>
-              </a:spcBef>
-              <a:spcAft>
-                <a:spcPts val="0"/>
-              </a:spcAft>
-              <a:buClr>
-                <a:schemeClr val="dk1"/>
-              </a:buClr>
-              <a:buSzPts val="1800"/>
-              <a:buFont typeface="Arial"/>
-              <a:buChar char="•"/>
-              <a:defRPr sz="1800" b="0" i="0" u="none" strike="noStrike" cap="none">
-                <a:solidFill>
-                  <a:schemeClr val="dk1"/>
-                </a:solidFill>
-                <a:latin typeface="Calibri"/>
-                <a:ea typeface="Calibri"/>
-                <a:cs typeface="Calibri"/>
-                <a:sym typeface="Calibri"/>
-              </a:defRPr>
-            </a:lvl5pPr>
-            <a:lvl6pPr marL="2743200" marR="0" lvl="5" indent="-342900" algn="l" rtl="0">
-              <a:lnSpc>
-                <a:spcPct val="90000"/>
-              </a:lnSpc>
-              <a:spcBef>
-                <a:spcPts val="500"/>
-              </a:spcBef>
-              <a:spcAft>
-                <a:spcPts val="0"/>
-              </a:spcAft>
-              <a:buClr>
-                <a:schemeClr val="dk1"/>
-              </a:buClr>
-              <a:buSzPts val="1800"/>
-              <a:buFont typeface="Arial"/>
-              <a:buChar char="•"/>
-              <a:defRPr sz="1800" b="0" i="0" u="none" strike="noStrike" cap="none">
-                <a:solidFill>
-                  <a:schemeClr val="dk1"/>
-                </a:solidFill>
-                <a:latin typeface="Calibri"/>
-                <a:ea typeface="Calibri"/>
-                <a:cs typeface="Calibri"/>
-                <a:sym typeface="Calibri"/>
-              </a:defRPr>
-            </a:lvl6pPr>
-            <a:lvl7pPr marL="3200400" marR="0" lvl="6" indent="-342900" algn="l" rtl="0">
-              <a:lnSpc>
-                <a:spcPct val="90000"/>
-              </a:lnSpc>
-              <a:spcBef>
-                <a:spcPts val="500"/>
-              </a:spcBef>
-              <a:spcAft>
-                <a:spcPts val="0"/>
-              </a:spcAft>
-              <a:buClr>
-                <a:schemeClr val="dk1"/>
-              </a:buClr>
-              <a:buSzPts val="1800"/>
-              <a:buFont typeface="Arial"/>
-              <a:buChar char="•"/>
-              <a:defRPr sz="1800" b="0" i="0" u="none" strike="noStrike" cap="none">
-                <a:solidFill>
-                  <a:schemeClr val="dk1"/>
-                </a:solidFill>
-                <a:latin typeface="Calibri"/>
-                <a:ea typeface="Calibri"/>
-                <a:cs typeface="Calibri"/>
-                <a:sym typeface="Calibri"/>
-              </a:defRPr>
-            </a:lvl7pPr>
-            <a:lvl8pPr marL="3657600" marR="0" lvl="7" indent="-342900" algn="l" rtl="0">
-              <a:lnSpc>
-                <a:spcPct val="90000"/>
-              </a:lnSpc>
-              <a:spcBef>
-                <a:spcPts val="500"/>
-              </a:spcBef>
-              <a:spcAft>
-                <a:spcPts val="0"/>
-              </a:spcAft>
-              <a:buClr>
-                <a:schemeClr val="dk1"/>
-              </a:buClr>
-              <a:buSzPts val="1800"/>
-              <a:buFont typeface="Arial"/>
-              <a:buChar char="•"/>
-              <a:defRPr sz="1800" b="0" i="0" u="none" strike="noStrike" cap="none">
-                <a:solidFill>
-                  <a:schemeClr val="dk1"/>
-                </a:solidFill>
-                <a:latin typeface="Calibri"/>
-                <a:ea typeface="Calibri"/>
-                <a:cs typeface="Calibri"/>
-                <a:sym typeface="Calibri"/>
-              </a:defRPr>
-            </a:lvl8pPr>
-            <a:lvl9pPr marL="4114800" marR="0" lvl="8" indent="-342900" algn="l" rtl="0">
-              <a:lnSpc>
-                <a:spcPct val="90000"/>
-              </a:lnSpc>
-              <a:spcBef>
-                <a:spcPts val="500"/>
-              </a:spcBef>
-              <a:spcAft>
-                <a:spcPts val="0"/>
-              </a:spcAft>
-              <a:buClr>
-                <a:schemeClr val="dk1"/>
-              </a:buClr>
-              <a:buSzPts val="1800"/>
-              <a:buFont typeface="Arial"/>
-              <a:buChar char="•"/>
-              <a:defRPr sz="1800" b="0" i="0" u="none" strike="noStrike" cap="none">
-                <a:solidFill>
-                  <a:schemeClr val="dk1"/>
-                </a:solidFill>
-                <a:latin typeface="Calibri"/>
-                <a:ea typeface="Calibri"/>
-                <a:cs typeface="Calibri"/>
-                <a:sym typeface="Calibri"/>
-              </a:defRPr>
-            </a:lvl9pPr>
-          </a:lstStyle>
-          <a:p>
-            <a:pPr marL="177800" lvl="0" indent="0" algn="l" rtl="0">
-              <a:lnSpc>
-                <a:spcPct val="90000"/>
-              </a:lnSpc>
-              <a:spcBef>
-                <a:spcPts val="0"/>
-              </a:spcBef>
-              <a:spcAft>
-                <a:spcPts val="0"/>
-              </a:spcAft>
-              <a:buClr>
-                <a:schemeClr val="dk1"/>
-              </a:buClr>
-              <a:buSzPts val="2800"/>
-              <a:buNone/>
-            </a:pPr>
-            <a:r>
-              <a:rPr lang="en-US" sz="1900" dirty="0">
-                <a:latin typeface="Calibri" panose="020F0502020204030204" pitchFamily="34" charset="0"/>
-                <a:cs typeface="Calibri" panose="020F0502020204030204" pitchFamily="34" charset="0"/>
-              </a:rPr>
-              <a:t>Supervised Machine Learning:</a:t>
-            </a:r>
-          </a:p>
-          <a:p>
-            <a:pPr marL="177800" lvl="0" indent="0" algn="l" rtl="0">
-              <a:lnSpc>
-                <a:spcPct val="90000"/>
-              </a:lnSpc>
-              <a:spcBef>
-                <a:spcPts val="0"/>
-              </a:spcBef>
-              <a:spcAft>
-                <a:spcPts val="0"/>
-              </a:spcAft>
-              <a:buClr>
-                <a:schemeClr val="dk1"/>
-              </a:buClr>
-              <a:buSzPts val="2800"/>
-              <a:buNone/>
-            </a:pPr>
-            <a:r>
-              <a:rPr lang="en-US" sz="1900" i="1" u="sng" dirty="0">
-                <a:latin typeface="Calibri" panose="020F0502020204030204" pitchFamily="34" charset="0"/>
-                <a:cs typeface="Calibri" panose="020F0502020204030204" pitchFamily="34" charset="0"/>
-              </a:rPr>
-              <a:t>SMOTEENN</a:t>
-            </a:r>
-          </a:p>
-          <a:p>
-            <a:pPr marL="635000" indent="-457200">
-              <a:spcBef>
-                <a:spcPts val="0"/>
-              </a:spcBef>
-              <a:buFont typeface="Arial" panose="020B0604020202020204" pitchFamily="34" charset="0"/>
-              <a:buChar char="•"/>
-            </a:pPr>
-            <a:r>
-              <a:rPr lang="en-US" sz="1900" dirty="0">
-                <a:latin typeface="Calibri" panose="020F0502020204030204" pitchFamily="34" charset="0"/>
-                <a:cs typeface="Calibri" panose="020F0502020204030204" pitchFamily="34" charset="0"/>
-              </a:rPr>
-              <a:t>Chooses random points from training data-set to perform calculations (imbalanced classification) </a:t>
-            </a:r>
-            <a:endParaRPr lang="en-US" sz="2300" dirty="0">
-              <a:latin typeface="Calibri" panose="020F0502020204030204" pitchFamily="34" charset="0"/>
-              <a:cs typeface="Calibri" panose="020F0502020204030204" pitchFamily="34" charset="0"/>
-            </a:endParaRPr>
-          </a:p>
-          <a:p>
-            <a:pPr marL="1092200" lvl="1" indent="-457200">
-              <a:spcBef>
-                <a:spcPts val="0"/>
-              </a:spcBef>
-              <a:buSzPts val="2800"/>
-              <a:buFont typeface="Arial" panose="020B0604020202020204" pitchFamily="34" charset="0"/>
-              <a:buChar char="•"/>
-            </a:pPr>
-            <a:r>
-              <a:rPr lang="en-US" sz="1600" dirty="0">
-                <a:latin typeface="Calibri" panose="020F0502020204030204" pitchFamily="34" charset="0"/>
-                <a:cs typeface="Calibri" panose="020F0502020204030204" pitchFamily="34" charset="0"/>
-              </a:rPr>
-              <a:t>Accuracy is</a:t>
-            </a:r>
-          </a:p>
-          <a:p>
-            <a:pPr marL="177800" lvl="0" indent="0" algn="l" rtl="0">
-              <a:lnSpc>
-                <a:spcPct val="90000"/>
-              </a:lnSpc>
-              <a:spcBef>
-                <a:spcPts val="0"/>
-              </a:spcBef>
-              <a:spcAft>
-                <a:spcPts val="0"/>
-              </a:spcAft>
-              <a:buClr>
-                <a:schemeClr val="dk1"/>
-              </a:buClr>
-              <a:buSzPts val="2800"/>
-              <a:buNone/>
-            </a:pPr>
-            <a:endParaRPr lang="en-US" sz="1900" dirty="0">
-              <a:latin typeface="Calibri" panose="020F0502020204030204" pitchFamily="34" charset="0"/>
-              <a:cs typeface="Calibri" panose="020F0502020204030204" pitchFamily="34" charset="0"/>
-            </a:endParaRPr>
-          </a:p>
-        </p:txBody>
-      </p:sp>
-      <p:sp>
-        <p:nvSpPr>
-          <p:cNvPr id="5" name="Google Shape;245;p14">
-            <a:extLst>
-              <a:ext uri="{FF2B5EF4-FFF2-40B4-BE49-F238E27FC236}">
-                <a16:creationId xmlns:a16="http://schemas.microsoft.com/office/drawing/2014/main" id="{7C161DFA-049D-90F6-EA65-06C38C5C0860}"/>
-              </a:ext>
-            </a:extLst>
-          </p:cNvPr>
-          <p:cNvSpPr txBox="1">
-            <a:spLocks/>
-          </p:cNvSpPr>
-          <p:nvPr/>
-        </p:nvSpPr>
-        <p:spPr>
-          <a:xfrm>
-            <a:off x="244458" y="4510226"/>
-            <a:ext cx="4090219" cy="2276653"/>
-          </a:xfrm>
-          <a:prstGeom prst="rect">
-            <a:avLst/>
-          </a:prstGeom>
-          <a:noFill/>
-          <a:ln>
-            <a:noFill/>
-          </a:ln>
-        </p:spPr>
-        <p:txBody>
-          <a:bodyPr spcFirstLastPara="1" wrap="square" lIns="91425" tIns="45700" rIns="91425" bIns="45700" anchor="t" anchorCtr="0">
-            <a:noAutofit/>
-          </a:bodyPr>
-          <a:lstStyle>
-            <a:defPPr marR="0" lvl="0" algn="l" rtl="0">
-              <a:lnSpc>
-                <a:spcPct val="100000"/>
-              </a:lnSpc>
-              <a:spcBef>
-                <a:spcPts val="0"/>
-              </a:spcBef>
-              <a:spcAft>
-                <a:spcPts val="0"/>
-              </a:spcAft>
-            </a:defPPr>
-            <a:lvl1pPr marL="457200" marR="0" lvl="0" indent="-406400" algn="l" rtl="0">
-              <a:lnSpc>
-                <a:spcPct val="90000"/>
-              </a:lnSpc>
-              <a:spcBef>
-                <a:spcPts val="1000"/>
-              </a:spcBef>
-              <a:spcAft>
-                <a:spcPts val="0"/>
-              </a:spcAft>
-              <a:buClr>
-                <a:schemeClr val="dk1"/>
-              </a:buClr>
-              <a:buSzPts val="2800"/>
-              <a:buFont typeface="Arial"/>
-              <a:buChar char="•"/>
-              <a:defRPr sz="2800" b="0" i="0" u="none" strike="noStrike" cap="none">
-                <a:solidFill>
-                  <a:schemeClr val="dk1"/>
-                </a:solidFill>
-                <a:latin typeface="Calibri"/>
-                <a:ea typeface="Calibri"/>
-                <a:cs typeface="Calibri"/>
-                <a:sym typeface="Calibri"/>
-              </a:defRPr>
-            </a:lvl1pPr>
-            <a:lvl2pPr marL="914400" marR="0" lvl="1" indent="-381000" algn="l" rtl="0">
-              <a:lnSpc>
-                <a:spcPct val="90000"/>
-              </a:lnSpc>
-              <a:spcBef>
-                <a:spcPts val="500"/>
-              </a:spcBef>
-              <a:spcAft>
-                <a:spcPts val="0"/>
-              </a:spcAft>
-              <a:buClr>
-                <a:schemeClr val="dk1"/>
-              </a:buClr>
-              <a:buSzPts val="2400"/>
-              <a:buFont typeface="Arial"/>
-              <a:buChar char="•"/>
-              <a:defRPr sz="2400" b="0" i="0" u="none" strike="noStrike" cap="none">
-                <a:solidFill>
-                  <a:schemeClr val="dk1"/>
-                </a:solidFill>
-                <a:latin typeface="Calibri"/>
-                <a:ea typeface="Calibri"/>
-                <a:cs typeface="Calibri"/>
-                <a:sym typeface="Calibri"/>
-              </a:defRPr>
-            </a:lvl2pPr>
-            <a:lvl3pPr marL="1371600" marR="0" lvl="2" indent="-355600" algn="l" rtl="0">
-              <a:lnSpc>
-                <a:spcPct val="90000"/>
-              </a:lnSpc>
-              <a:spcBef>
-                <a:spcPts val="500"/>
-              </a:spcBef>
-              <a:spcAft>
-                <a:spcPts val="0"/>
-              </a:spcAft>
-              <a:buClr>
-                <a:schemeClr val="dk1"/>
-              </a:buClr>
-              <a:buSzPts val="2000"/>
-              <a:buFont typeface="Arial"/>
-              <a:buChar char="•"/>
-              <a:defRPr sz="2000" b="0" i="0" u="none" strike="noStrike" cap="none">
-                <a:solidFill>
-                  <a:schemeClr val="dk1"/>
-                </a:solidFill>
-                <a:latin typeface="Calibri"/>
-                <a:ea typeface="Calibri"/>
-                <a:cs typeface="Calibri"/>
-                <a:sym typeface="Calibri"/>
-              </a:defRPr>
-            </a:lvl3pPr>
-            <a:lvl4pPr marL="1828800" marR="0" lvl="3" indent="-342900" algn="l" rtl="0">
-              <a:lnSpc>
-                <a:spcPct val="90000"/>
-              </a:lnSpc>
-              <a:spcBef>
-                <a:spcPts val="500"/>
-              </a:spcBef>
-              <a:spcAft>
-                <a:spcPts val="0"/>
-              </a:spcAft>
-              <a:buClr>
-                <a:schemeClr val="dk1"/>
-              </a:buClr>
-              <a:buSzPts val="1800"/>
-              <a:buFont typeface="Arial"/>
-              <a:buChar char="•"/>
-              <a:defRPr sz="1800" b="0" i="0" u="none" strike="noStrike" cap="none">
-                <a:solidFill>
-                  <a:schemeClr val="dk1"/>
-                </a:solidFill>
-                <a:latin typeface="Calibri"/>
-                <a:ea typeface="Calibri"/>
-                <a:cs typeface="Calibri"/>
-                <a:sym typeface="Calibri"/>
-              </a:defRPr>
-            </a:lvl4pPr>
-            <a:lvl5pPr marL="2286000" marR="0" lvl="4" indent="-342900" algn="l" rtl="0">
-              <a:lnSpc>
-                <a:spcPct val="90000"/>
-              </a:lnSpc>
-              <a:spcBef>
-                <a:spcPts val="500"/>
-              </a:spcBef>
-              <a:spcAft>
-                <a:spcPts val="0"/>
-              </a:spcAft>
-              <a:buClr>
-                <a:schemeClr val="dk1"/>
-              </a:buClr>
-              <a:buSzPts val="1800"/>
-              <a:buFont typeface="Arial"/>
-              <a:buChar char="•"/>
-              <a:defRPr sz="1800" b="0" i="0" u="none" strike="noStrike" cap="none">
-                <a:solidFill>
-                  <a:schemeClr val="dk1"/>
-                </a:solidFill>
-                <a:latin typeface="Calibri"/>
-                <a:ea typeface="Calibri"/>
-                <a:cs typeface="Calibri"/>
-                <a:sym typeface="Calibri"/>
-              </a:defRPr>
-            </a:lvl5pPr>
-            <a:lvl6pPr marL="2743200" marR="0" lvl="5" indent="-342900" algn="l" rtl="0">
-              <a:lnSpc>
-                <a:spcPct val="90000"/>
-              </a:lnSpc>
-              <a:spcBef>
-                <a:spcPts val="500"/>
-              </a:spcBef>
-              <a:spcAft>
-                <a:spcPts val="0"/>
-              </a:spcAft>
-              <a:buClr>
-                <a:schemeClr val="dk1"/>
-              </a:buClr>
-              <a:buSzPts val="1800"/>
-              <a:buFont typeface="Arial"/>
-              <a:buChar char="•"/>
-              <a:defRPr sz="1800" b="0" i="0" u="none" strike="noStrike" cap="none">
-                <a:solidFill>
-                  <a:schemeClr val="dk1"/>
-                </a:solidFill>
-                <a:latin typeface="Calibri"/>
-                <a:ea typeface="Calibri"/>
-                <a:cs typeface="Calibri"/>
-                <a:sym typeface="Calibri"/>
-              </a:defRPr>
-            </a:lvl6pPr>
-            <a:lvl7pPr marL="3200400" marR="0" lvl="6" indent="-342900" algn="l" rtl="0">
-              <a:lnSpc>
-                <a:spcPct val="90000"/>
-              </a:lnSpc>
-              <a:spcBef>
-                <a:spcPts val="500"/>
-              </a:spcBef>
-              <a:spcAft>
-                <a:spcPts val="0"/>
-              </a:spcAft>
-              <a:buClr>
-                <a:schemeClr val="dk1"/>
-              </a:buClr>
-              <a:buSzPts val="1800"/>
-              <a:buFont typeface="Arial"/>
-              <a:buChar char="•"/>
-              <a:defRPr sz="1800" b="0" i="0" u="none" strike="noStrike" cap="none">
-                <a:solidFill>
-                  <a:schemeClr val="dk1"/>
-                </a:solidFill>
-                <a:latin typeface="Calibri"/>
-                <a:ea typeface="Calibri"/>
-                <a:cs typeface="Calibri"/>
-                <a:sym typeface="Calibri"/>
-              </a:defRPr>
-            </a:lvl7pPr>
-            <a:lvl8pPr marL="3657600" marR="0" lvl="7" indent="-342900" algn="l" rtl="0">
-              <a:lnSpc>
-                <a:spcPct val="90000"/>
-              </a:lnSpc>
-              <a:spcBef>
-                <a:spcPts val="500"/>
-              </a:spcBef>
-              <a:spcAft>
-                <a:spcPts val="0"/>
-              </a:spcAft>
-              <a:buClr>
-                <a:schemeClr val="dk1"/>
-              </a:buClr>
-              <a:buSzPts val="1800"/>
-              <a:buFont typeface="Arial"/>
-              <a:buChar char="•"/>
-              <a:defRPr sz="1800" b="0" i="0" u="none" strike="noStrike" cap="none">
-                <a:solidFill>
-                  <a:schemeClr val="dk1"/>
-                </a:solidFill>
-                <a:latin typeface="Calibri"/>
-                <a:ea typeface="Calibri"/>
-                <a:cs typeface="Calibri"/>
-                <a:sym typeface="Calibri"/>
-              </a:defRPr>
-            </a:lvl8pPr>
-            <a:lvl9pPr marL="4114800" marR="0" lvl="8" indent="-342900" algn="l" rtl="0">
-              <a:lnSpc>
-                <a:spcPct val="90000"/>
-              </a:lnSpc>
-              <a:spcBef>
-                <a:spcPts val="500"/>
-              </a:spcBef>
-              <a:spcAft>
-                <a:spcPts val="0"/>
-              </a:spcAft>
-              <a:buClr>
-                <a:schemeClr val="dk1"/>
-              </a:buClr>
-              <a:buSzPts val="1800"/>
-              <a:buFont typeface="Arial"/>
-              <a:buChar char="•"/>
-              <a:defRPr sz="1800" b="0" i="0" u="none" strike="noStrike" cap="none">
-                <a:solidFill>
-                  <a:schemeClr val="dk1"/>
-                </a:solidFill>
-                <a:latin typeface="Calibri"/>
-                <a:ea typeface="Calibri"/>
-                <a:cs typeface="Calibri"/>
-                <a:sym typeface="Calibri"/>
-              </a:defRPr>
-            </a:lvl9pPr>
-          </a:lstStyle>
-          <a:p>
-            <a:pPr marL="177800" lvl="0" indent="0" algn="l" rtl="0">
-              <a:lnSpc>
-                <a:spcPct val="90000"/>
-              </a:lnSpc>
-              <a:spcBef>
-                <a:spcPts val="0"/>
-              </a:spcBef>
-              <a:spcAft>
-                <a:spcPts val="0"/>
-              </a:spcAft>
-              <a:buClr>
-                <a:schemeClr val="dk1"/>
-              </a:buClr>
-              <a:buSzPts val="2800"/>
-              <a:buNone/>
-            </a:pPr>
-            <a:r>
-              <a:rPr lang="en-US" sz="1900" dirty="0">
-                <a:latin typeface="Calibri" panose="020F0502020204030204" pitchFamily="34" charset="0"/>
-                <a:cs typeface="Calibri" panose="020F0502020204030204" pitchFamily="34" charset="0"/>
-              </a:rPr>
-              <a:t>Supervised Machine Learning:</a:t>
-            </a:r>
-          </a:p>
-          <a:p>
-            <a:pPr marL="177800" lvl="0" indent="0" algn="l" rtl="0">
-              <a:lnSpc>
-                <a:spcPct val="90000"/>
-              </a:lnSpc>
-              <a:spcBef>
-                <a:spcPts val="0"/>
-              </a:spcBef>
-              <a:spcAft>
-                <a:spcPts val="0"/>
-              </a:spcAft>
-              <a:buClr>
-                <a:schemeClr val="dk1"/>
-              </a:buClr>
-              <a:buSzPts val="2800"/>
-              <a:buNone/>
-            </a:pPr>
-            <a:r>
-              <a:rPr lang="en-US" sz="1900" i="1" u="sng" dirty="0">
-                <a:latin typeface="Calibri" panose="020F0502020204030204" pitchFamily="34" charset="0"/>
-                <a:cs typeface="Calibri" panose="020F0502020204030204" pitchFamily="34" charset="0"/>
-              </a:rPr>
-              <a:t>RandomForest</a:t>
-            </a:r>
-          </a:p>
-          <a:p>
-            <a:pPr marL="520700" lvl="0" indent="-342900" algn="l" rtl="0">
-              <a:lnSpc>
-                <a:spcPct val="90000"/>
-              </a:lnSpc>
-              <a:spcBef>
-                <a:spcPts val="0"/>
-              </a:spcBef>
-              <a:spcAft>
-                <a:spcPts val="0"/>
-              </a:spcAft>
-              <a:buClr>
-                <a:schemeClr val="dk1"/>
-              </a:buClr>
-              <a:buSzPts val="2800"/>
-              <a:buFont typeface="Arial" panose="020B0604020202020204" pitchFamily="34" charset="0"/>
-              <a:buChar char="•"/>
-            </a:pPr>
-            <a:r>
-              <a:rPr lang="en-US" sz="1900" dirty="0">
-                <a:latin typeface="Calibri" panose="020F0502020204030204" pitchFamily="34" charset="0"/>
-                <a:cs typeface="Calibri" panose="020F0502020204030204" pitchFamily="34" charset="0"/>
-              </a:rPr>
-              <a:t>Builds decision trees on different samples</a:t>
-            </a:r>
-          </a:p>
-          <a:p>
-            <a:pPr marL="520700" lvl="0" indent="-342900" algn="l" rtl="0">
-              <a:lnSpc>
-                <a:spcPct val="90000"/>
-              </a:lnSpc>
-              <a:spcBef>
-                <a:spcPts val="0"/>
-              </a:spcBef>
-              <a:spcAft>
-                <a:spcPts val="0"/>
-              </a:spcAft>
-              <a:buClr>
-                <a:schemeClr val="dk1"/>
-              </a:buClr>
-              <a:buSzPts val="2800"/>
-              <a:buFont typeface="Arial" panose="020B0604020202020204" pitchFamily="34" charset="0"/>
-              <a:buChar char="•"/>
-            </a:pPr>
-            <a:r>
-              <a:rPr lang="en-US" sz="1900" dirty="0">
-                <a:latin typeface="Calibri" panose="020F0502020204030204" pitchFamily="34" charset="0"/>
-                <a:cs typeface="Calibri" panose="020F0502020204030204" pitchFamily="34" charset="0"/>
-              </a:rPr>
-              <a:t>Calculates majority for classification</a:t>
-            </a:r>
-          </a:p>
-          <a:p>
-            <a:pPr marL="520700" lvl="0" indent="-342900" algn="l" rtl="0">
-              <a:lnSpc>
-                <a:spcPct val="90000"/>
-              </a:lnSpc>
-              <a:spcBef>
-                <a:spcPts val="0"/>
-              </a:spcBef>
-              <a:spcAft>
-                <a:spcPts val="0"/>
-              </a:spcAft>
-              <a:buClr>
-                <a:schemeClr val="dk1"/>
-              </a:buClr>
-              <a:buSzPts val="2800"/>
-              <a:buFont typeface="Arial" panose="020B0604020202020204" pitchFamily="34" charset="0"/>
-              <a:buChar char="•"/>
-            </a:pPr>
-            <a:r>
-              <a:rPr lang="en-US" sz="1900" dirty="0">
-                <a:latin typeface="Calibri" panose="020F0502020204030204" pitchFamily="34" charset="0"/>
-                <a:cs typeface="Calibri" panose="020F0502020204030204" pitchFamily="34" charset="0"/>
-              </a:rPr>
-              <a:t>Calculates average for regression</a:t>
-            </a:r>
-          </a:p>
-          <a:p>
-            <a:pPr marL="1092200" lvl="1" indent="-457200">
-              <a:spcBef>
-                <a:spcPts val="0"/>
-              </a:spcBef>
-              <a:buSzPts val="2800"/>
-              <a:buFont typeface="Arial" panose="020B0604020202020204" pitchFamily="34" charset="0"/>
-              <a:buChar char="•"/>
-            </a:pPr>
-            <a:r>
-              <a:rPr lang="en-US" sz="1600" dirty="0">
-                <a:latin typeface="Calibri" panose="020F0502020204030204" pitchFamily="34" charset="0"/>
-                <a:cs typeface="Calibri" panose="020F0502020204030204" pitchFamily="34" charset="0"/>
-              </a:rPr>
-              <a:t>Accuracy is </a:t>
-            </a:r>
-          </a:p>
-        </p:txBody>
-      </p:sp>
-      <p:sp>
-        <p:nvSpPr>
-          <p:cNvPr id="6" name="Google Shape;245;p14">
-            <a:extLst>
-              <a:ext uri="{FF2B5EF4-FFF2-40B4-BE49-F238E27FC236}">
-                <a16:creationId xmlns:a16="http://schemas.microsoft.com/office/drawing/2014/main" id="{556620CE-7115-9445-DA00-A0367CB6FCDD}"/>
-              </a:ext>
-            </a:extLst>
-          </p:cNvPr>
-          <p:cNvSpPr txBox="1">
-            <a:spLocks/>
-          </p:cNvSpPr>
-          <p:nvPr/>
-        </p:nvSpPr>
-        <p:spPr>
-          <a:xfrm>
-            <a:off x="7857324" y="4585208"/>
-            <a:ext cx="3822415" cy="2201672"/>
-          </a:xfrm>
-          <a:prstGeom prst="rect">
-            <a:avLst/>
-          </a:prstGeom>
-          <a:noFill/>
-          <a:ln>
-            <a:noFill/>
-          </a:ln>
-        </p:spPr>
-        <p:txBody>
-          <a:bodyPr spcFirstLastPara="1" wrap="square" lIns="91425" tIns="45700" rIns="91425" bIns="45700" anchor="t" anchorCtr="0">
-            <a:normAutofit/>
-          </a:bodyPr>
-          <a:lstStyle>
-            <a:defPPr marR="0" lvl="0" algn="l" rtl="0">
-              <a:lnSpc>
-                <a:spcPct val="100000"/>
-              </a:lnSpc>
-              <a:spcBef>
-                <a:spcPts val="0"/>
-              </a:spcBef>
-              <a:spcAft>
-                <a:spcPts val="0"/>
-              </a:spcAft>
-            </a:defPPr>
-            <a:lvl1pPr marL="457200" marR="0" lvl="0" indent="-406400" algn="l" rtl="0">
-              <a:lnSpc>
-                <a:spcPct val="90000"/>
-              </a:lnSpc>
-              <a:spcBef>
-                <a:spcPts val="1000"/>
-              </a:spcBef>
-              <a:spcAft>
-                <a:spcPts val="0"/>
-              </a:spcAft>
-              <a:buClr>
-                <a:schemeClr val="dk1"/>
-              </a:buClr>
-              <a:buSzPts val="2800"/>
-              <a:buFont typeface="Arial"/>
-              <a:buChar char="•"/>
-              <a:defRPr sz="2800" b="0" i="0" u="none" strike="noStrike" cap="none">
-                <a:solidFill>
-                  <a:schemeClr val="dk1"/>
-                </a:solidFill>
-                <a:latin typeface="Calibri"/>
-                <a:ea typeface="Calibri"/>
-                <a:cs typeface="Calibri"/>
-                <a:sym typeface="Calibri"/>
-              </a:defRPr>
-            </a:lvl1pPr>
-            <a:lvl2pPr marL="914400" marR="0" lvl="1" indent="-381000" algn="l" rtl="0">
-              <a:lnSpc>
-                <a:spcPct val="90000"/>
-              </a:lnSpc>
-              <a:spcBef>
-                <a:spcPts val="500"/>
-              </a:spcBef>
-              <a:spcAft>
-                <a:spcPts val="0"/>
-              </a:spcAft>
-              <a:buClr>
-                <a:schemeClr val="dk1"/>
-              </a:buClr>
-              <a:buSzPts val="2400"/>
-              <a:buFont typeface="Arial"/>
-              <a:buChar char="•"/>
-              <a:defRPr sz="2400" b="0" i="0" u="none" strike="noStrike" cap="none">
-                <a:solidFill>
-                  <a:schemeClr val="dk1"/>
-                </a:solidFill>
-                <a:latin typeface="Calibri"/>
-                <a:ea typeface="Calibri"/>
-                <a:cs typeface="Calibri"/>
-                <a:sym typeface="Calibri"/>
-              </a:defRPr>
-            </a:lvl2pPr>
-            <a:lvl3pPr marL="1371600" marR="0" lvl="2" indent="-355600" algn="l" rtl="0">
-              <a:lnSpc>
-                <a:spcPct val="90000"/>
-              </a:lnSpc>
-              <a:spcBef>
-                <a:spcPts val="500"/>
-              </a:spcBef>
-              <a:spcAft>
-                <a:spcPts val="0"/>
-              </a:spcAft>
-              <a:buClr>
-                <a:schemeClr val="dk1"/>
-              </a:buClr>
-              <a:buSzPts val="2000"/>
-              <a:buFont typeface="Arial"/>
-              <a:buChar char="•"/>
-              <a:defRPr sz="2000" b="0" i="0" u="none" strike="noStrike" cap="none">
-                <a:solidFill>
-                  <a:schemeClr val="dk1"/>
-                </a:solidFill>
-                <a:latin typeface="Calibri"/>
-                <a:ea typeface="Calibri"/>
-                <a:cs typeface="Calibri"/>
-                <a:sym typeface="Calibri"/>
-              </a:defRPr>
-            </a:lvl3pPr>
-            <a:lvl4pPr marL="1828800" marR="0" lvl="3" indent="-342900" algn="l" rtl="0">
-              <a:lnSpc>
-                <a:spcPct val="90000"/>
-              </a:lnSpc>
-              <a:spcBef>
-                <a:spcPts val="500"/>
-              </a:spcBef>
-              <a:spcAft>
-                <a:spcPts val="0"/>
-              </a:spcAft>
-              <a:buClr>
-                <a:schemeClr val="dk1"/>
-              </a:buClr>
-              <a:buSzPts val="1800"/>
-              <a:buFont typeface="Arial"/>
-              <a:buChar char="•"/>
-              <a:defRPr sz="1800" b="0" i="0" u="none" strike="noStrike" cap="none">
-                <a:solidFill>
-                  <a:schemeClr val="dk1"/>
-                </a:solidFill>
-                <a:latin typeface="Calibri"/>
-                <a:ea typeface="Calibri"/>
-                <a:cs typeface="Calibri"/>
-                <a:sym typeface="Calibri"/>
-              </a:defRPr>
-            </a:lvl4pPr>
-            <a:lvl5pPr marL="2286000" marR="0" lvl="4" indent="-342900" algn="l" rtl="0">
-              <a:lnSpc>
-                <a:spcPct val="90000"/>
-              </a:lnSpc>
-              <a:spcBef>
-                <a:spcPts val="500"/>
-              </a:spcBef>
-              <a:spcAft>
-                <a:spcPts val="0"/>
-              </a:spcAft>
-              <a:buClr>
-                <a:schemeClr val="dk1"/>
-              </a:buClr>
-              <a:buSzPts val="1800"/>
-              <a:buFont typeface="Arial"/>
-              <a:buChar char="•"/>
-              <a:defRPr sz="1800" b="0" i="0" u="none" strike="noStrike" cap="none">
-                <a:solidFill>
-                  <a:schemeClr val="dk1"/>
-                </a:solidFill>
-                <a:latin typeface="Calibri"/>
-                <a:ea typeface="Calibri"/>
-                <a:cs typeface="Calibri"/>
-                <a:sym typeface="Calibri"/>
-              </a:defRPr>
-            </a:lvl5pPr>
-            <a:lvl6pPr marL="2743200" marR="0" lvl="5" indent="-342900" algn="l" rtl="0">
-              <a:lnSpc>
-                <a:spcPct val="90000"/>
-              </a:lnSpc>
-              <a:spcBef>
-                <a:spcPts val="500"/>
-              </a:spcBef>
-              <a:spcAft>
-                <a:spcPts val="0"/>
-              </a:spcAft>
-              <a:buClr>
-                <a:schemeClr val="dk1"/>
-              </a:buClr>
-              <a:buSzPts val="1800"/>
-              <a:buFont typeface="Arial"/>
-              <a:buChar char="•"/>
-              <a:defRPr sz="1800" b="0" i="0" u="none" strike="noStrike" cap="none">
-                <a:solidFill>
-                  <a:schemeClr val="dk1"/>
-                </a:solidFill>
-                <a:latin typeface="Calibri"/>
-                <a:ea typeface="Calibri"/>
-                <a:cs typeface="Calibri"/>
-                <a:sym typeface="Calibri"/>
-              </a:defRPr>
-            </a:lvl6pPr>
-            <a:lvl7pPr marL="3200400" marR="0" lvl="6" indent="-342900" algn="l" rtl="0">
-              <a:lnSpc>
-                <a:spcPct val="90000"/>
-              </a:lnSpc>
-              <a:spcBef>
-                <a:spcPts val="500"/>
-              </a:spcBef>
-              <a:spcAft>
-                <a:spcPts val="0"/>
-              </a:spcAft>
-              <a:buClr>
-                <a:schemeClr val="dk1"/>
-              </a:buClr>
-              <a:buSzPts val="1800"/>
-              <a:buFont typeface="Arial"/>
-              <a:buChar char="•"/>
-              <a:defRPr sz="1800" b="0" i="0" u="none" strike="noStrike" cap="none">
-                <a:solidFill>
-                  <a:schemeClr val="dk1"/>
-                </a:solidFill>
-                <a:latin typeface="Calibri"/>
-                <a:ea typeface="Calibri"/>
-                <a:cs typeface="Calibri"/>
-                <a:sym typeface="Calibri"/>
-              </a:defRPr>
-            </a:lvl7pPr>
-            <a:lvl8pPr marL="3657600" marR="0" lvl="7" indent="-342900" algn="l" rtl="0">
-              <a:lnSpc>
-                <a:spcPct val="90000"/>
-              </a:lnSpc>
-              <a:spcBef>
-                <a:spcPts val="500"/>
-              </a:spcBef>
-              <a:spcAft>
-                <a:spcPts val="0"/>
-              </a:spcAft>
-              <a:buClr>
-                <a:schemeClr val="dk1"/>
-              </a:buClr>
-              <a:buSzPts val="1800"/>
-              <a:buFont typeface="Arial"/>
-              <a:buChar char="•"/>
-              <a:defRPr sz="1800" b="0" i="0" u="none" strike="noStrike" cap="none">
-                <a:solidFill>
-                  <a:schemeClr val="dk1"/>
-                </a:solidFill>
-                <a:latin typeface="Calibri"/>
-                <a:ea typeface="Calibri"/>
-                <a:cs typeface="Calibri"/>
-                <a:sym typeface="Calibri"/>
-              </a:defRPr>
-            </a:lvl8pPr>
-            <a:lvl9pPr marL="4114800" marR="0" lvl="8" indent="-342900" algn="l" rtl="0">
-              <a:lnSpc>
-                <a:spcPct val="90000"/>
-              </a:lnSpc>
-              <a:spcBef>
-                <a:spcPts val="500"/>
-              </a:spcBef>
-              <a:spcAft>
-                <a:spcPts val="0"/>
-              </a:spcAft>
-              <a:buClr>
-                <a:schemeClr val="dk1"/>
-              </a:buClr>
-              <a:buSzPts val="1800"/>
-              <a:buFont typeface="Arial"/>
-              <a:buChar char="•"/>
-              <a:defRPr sz="1800" b="0" i="0" u="none" strike="noStrike" cap="none">
-                <a:solidFill>
-                  <a:schemeClr val="dk1"/>
-                </a:solidFill>
-                <a:latin typeface="Calibri"/>
-                <a:ea typeface="Calibri"/>
-                <a:cs typeface="Calibri"/>
-                <a:sym typeface="Calibri"/>
-              </a:defRPr>
-            </a:lvl9pPr>
-          </a:lstStyle>
-          <a:p>
-            <a:pPr marL="177800" lvl="0" indent="0" algn="l" rtl="0">
-              <a:lnSpc>
-                <a:spcPct val="90000"/>
-              </a:lnSpc>
-              <a:spcBef>
-                <a:spcPts val="0"/>
-              </a:spcBef>
-              <a:spcAft>
-                <a:spcPts val="0"/>
-              </a:spcAft>
-              <a:buClr>
-                <a:schemeClr val="dk1"/>
-              </a:buClr>
-              <a:buSzPts val="2800"/>
-              <a:buNone/>
-            </a:pPr>
-            <a:r>
-              <a:rPr lang="en-US" sz="1900" dirty="0">
-                <a:latin typeface="Calibri" panose="020F0502020204030204" pitchFamily="34" charset="0"/>
-                <a:cs typeface="Calibri" panose="020F0502020204030204" pitchFamily="34" charset="0"/>
-              </a:rPr>
-              <a:t>Supervised Machine Learning:</a:t>
-            </a:r>
-          </a:p>
-          <a:p>
-            <a:pPr marL="177800" lvl="0" indent="0" algn="l" rtl="0">
-              <a:lnSpc>
-                <a:spcPct val="90000"/>
-              </a:lnSpc>
-              <a:spcBef>
-                <a:spcPts val="0"/>
-              </a:spcBef>
-              <a:spcAft>
-                <a:spcPts val="0"/>
-              </a:spcAft>
-              <a:buClr>
-                <a:schemeClr val="dk1"/>
-              </a:buClr>
-              <a:buSzPts val="2800"/>
-              <a:buNone/>
-            </a:pPr>
-            <a:r>
-              <a:rPr lang="en-US" sz="1900" i="1" u="sng" dirty="0">
-                <a:latin typeface="Calibri" panose="020F0502020204030204" pitchFamily="34" charset="0"/>
-                <a:cs typeface="Calibri" panose="020F0502020204030204" pitchFamily="34" charset="0"/>
-              </a:rPr>
-              <a:t>Logistic Regression</a:t>
-            </a:r>
-          </a:p>
-          <a:p>
-            <a:pPr marL="520700" lvl="0" indent="-342900" algn="l" rtl="0">
-              <a:lnSpc>
-                <a:spcPct val="90000"/>
-              </a:lnSpc>
-              <a:spcBef>
-                <a:spcPts val="0"/>
-              </a:spcBef>
-              <a:spcAft>
-                <a:spcPts val="0"/>
-              </a:spcAft>
-              <a:buClr>
-                <a:schemeClr val="dk1"/>
-              </a:buClr>
-              <a:buSzPts val="2800"/>
-              <a:buFont typeface="Arial" panose="020B0604020202020204" pitchFamily="34" charset="0"/>
-              <a:buChar char="•"/>
-            </a:pPr>
-            <a:r>
-              <a:rPr lang="en-US" sz="1900" dirty="0">
-                <a:latin typeface="Calibri" panose="020F0502020204030204" pitchFamily="34" charset="0"/>
-                <a:cs typeface="Calibri" panose="020F0502020204030204" pitchFamily="34" charset="0"/>
-              </a:rPr>
-              <a:t>Predicts probability of binary outcome, yes and no</a:t>
-            </a:r>
-          </a:p>
-          <a:p>
-            <a:pPr marL="520700" lvl="0" indent="-342900" algn="l" rtl="0">
-              <a:lnSpc>
-                <a:spcPct val="90000"/>
-              </a:lnSpc>
-              <a:spcBef>
-                <a:spcPts val="0"/>
-              </a:spcBef>
-              <a:spcAft>
-                <a:spcPts val="0"/>
-              </a:spcAft>
-              <a:buClr>
-                <a:schemeClr val="dk1"/>
-              </a:buClr>
-              <a:buSzPts val="2800"/>
-              <a:buFont typeface="Arial" panose="020B0604020202020204" pitchFamily="34" charset="0"/>
-              <a:buChar char="•"/>
-            </a:pPr>
-            <a:r>
-              <a:rPr lang="en-US" sz="1900" dirty="0">
-                <a:latin typeface="Calibri" panose="020F0502020204030204" pitchFamily="34" charset="0"/>
-                <a:cs typeface="Calibri" panose="020F0502020204030204" pitchFamily="34" charset="0"/>
-              </a:rPr>
-              <a:t>Observes a data set to find patterns to allow prediction</a:t>
-            </a:r>
-          </a:p>
-          <a:p>
-            <a:pPr marL="1092200" lvl="1" indent="-457200">
-              <a:spcBef>
-                <a:spcPts val="0"/>
-              </a:spcBef>
-              <a:buSzPts val="2800"/>
-              <a:buFont typeface="Arial" panose="020B0604020202020204" pitchFamily="34" charset="0"/>
-              <a:buChar char="•"/>
-            </a:pPr>
-            <a:r>
-              <a:rPr lang="en-US" sz="1600" dirty="0">
-                <a:latin typeface="Calibri" panose="020F0502020204030204" pitchFamily="34" charset="0"/>
-                <a:cs typeface="Calibri" panose="020F0502020204030204" pitchFamily="34" charset="0"/>
-              </a:rPr>
-              <a:t>Accuracy</a:t>
-            </a:r>
-            <a:endParaRPr lang="en-US" sz="1900" dirty="0">
-              <a:latin typeface="Calibri" panose="020F0502020204030204" pitchFamily="34" charset="0"/>
-              <a:cs typeface="Calibri" panose="020F0502020204030204" pitchFamily="34" charset="0"/>
-            </a:endParaRPr>
-          </a:p>
-        </p:txBody>
-      </p:sp>
-    </p:spTree>
-  </p:cSld>
-  <p:clrMapOvr>
-    <a:masterClrMapping/>
-  </p:clrMapOvr>
-</p:sld>
-</file>
-
-<file path=ppt/slides/slide6.xml><?xml version="1.0" encoding="utf-8"?>
-<p:sld xmlns:a="http://schemas.openxmlformats.org/drawingml/2006/main" xmlns:r="http://schemas.openxmlformats.org/officeDocument/2006/relationships" xmlns:p="http://schemas.openxmlformats.org/presentationml/2006/main">
-  <p:cSld>
-    <p:spTree>
-      <p:nvGrpSpPr>
-        <p:cNvPr id="1" name="Shape 250"/>
-        <p:cNvGrpSpPr/>
-        <p:nvPr/>
-      </p:nvGrpSpPr>
-      <p:grpSpPr>
-        <a:xfrm>
-          <a:off x="0" y="0"/>
-          <a:ext cx="0" cy="0"/>
-          <a:chOff x="0" y="0"/>
-          <a:chExt cx="0" cy="0"/>
-        </a:xfrm>
-      </p:grpSpPr>
-      <p:sp>
-        <p:nvSpPr>
-          <p:cNvPr id="251" name="Google Shape;251;p15"/>
-          <p:cNvSpPr txBox="1"/>
-          <p:nvPr/>
-        </p:nvSpPr>
-        <p:spPr>
-          <a:xfrm>
-            <a:off x="277535" y="265989"/>
-            <a:ext cx="10515600" cy="906011"/>
-          </a:xfrm>
-          <a:prstGeom prst="rect">
-            <a:avLst/>
-          </a:prstGeom>
-          <a:noFill/>
-          <a:ln>
-            <a:noFill/>
-          </a:ln>
-        </p:spPr>
-        <p:txBody>
-          <a:bodyPr spcFirstLastPara="1" wrap="square" lIns="91425" tIns="45700" rIns="91425" bIns="45700" anchor="ctr" anchorCtr="0">
-            <a:normAutofit/>
-          </a:bodyPr>
-          <a:lstStyle/>
-          <a:p>
-            <a:pPr marL="0" marR="0" lvl="0" indent="0" algn="l" rtl="0">
-              <a:lnSpc>
-                <a:spcPct val="90000"/>
-              </a:lnSpc>
-              <a:spcBef>
-                <a:spcPts val="0"/>
-              </a:spcBef>
-              <a:spcAft>
-                <a:spcPts val="0"/>
-              </a:spcAft>
-              <a:buClr>
-                <a:srgbClr val="FFD966"/>
-              </a:buClr>
-              <a:buSzPts val="4400"/>
-              <a:buFont typeface="Calibri"/>
-              <a:buNone/>
-            </a:pPr>
-            <a:r>
-              <a:rPr lang="en-US" sz="4400" dirty="0">
-                <a:solidFill>
-                  <a:srgbClr val="A8D08C"/>
-                </a:solidFill>
-                <a:latin typeface="Calibri"/>
-                <a:ea typeface="Calibri"/>
-                <a:cs typeface="Calibri"/>
-                <a:sym typeface="Calibri"/>
-              </a:rPr>
-              <a:t>Machine Learning:</a:t>
-            </a:r>
-            <a:r>
-              <a:rPr lang="en-US" sz="4400" dirty="0">
-                <a:solidFill>
-                  <a:srgbClr val="FFD966"/>
-                </a:solidFill>
-                <a:latin typeface="Calibri"/>
-                <a:ea typeface="Calibri"/>
-                <a:cs typeface="Calibri"/>
-                <a:sym typeface="Calibri"/>
-              </a:rPr>
-              <a:t> </a:t>
-            </a:r>
-            <a:endParaRPr dirty="0"/>
-          </a:p>
-        </p:txBody>
-      </p:sp>
-      <p:grpSp>
-        <p:nvGrpSpPr>
-          <p:cNvPr id="254" name="Google Shape;254;p15" descr="Icon of graph"/>
-          <p:cNvGrpSpPr/>
-          <p:nvPr/>
-        </p:nvGrpSpPr>
-        <p:grpSpPr>
-          <a:xfrm>
-            <a:off x="6799153" y="1680433"/>
-            <a:ext cx="714967" cy="609858"/>
-            <a:chOff x="1490663" y="846138"/>
-            <a:chExt cx="381000" cy="323850"/>
-          </a:xfrm>
-        </p:grpSpPr>
-        <p:sp>
-          <p:nvSpPr>
-            <p:cNvPr id="255" name="Google Shape;255;p15"/>
-            <p:cNvSpPr/>
-            <p:nvPr/>
-          </p:nvSpPr>
-          <p:spPr>
-            <a:xfrm>
-              <a:off x="1490663" y="942975"/>
-              <a:ext cx="381000" cy="227013"/>
-            </a:xfrm>
-            <a:custGeom>
-              <a:avLst/>
-              <a:gdLst/>
-              <a:ahLst/>
-              <a:cxnLst/>
-              <a:rect l="l" t="t" r="r" b="b"/>
-              <a:pathLst>
-                <a:path w="721" h="429" extrusionOk="0">
-                  <a:moveTo>
-                    <a:pt x="721" y="429"/>
-                  </a:moveTo>
-                  <a:lnTo>
-                    <a:pt x="721" y="429"/>
-                  </a:lnTo>
-                  <a:lnTo>
-                    <a:pt x="0" y="429"/>
-                  </a:lnTo>
-                  <a:lnTo>
-                    <a:pt x="0" y="429"/>
-                  </a:lnTo>
-                  <a:lnTo>
-                    <a:pt x="0" y="0"/>
-                  </a:lnTo>
-                  <a:lnTo>
-                    <a:pt x="23" y="0"/>
-                  </a:lnTo>
-                  <a:lnTo>
-                    <a:pt x="23" y="0"/>
-                  </a:lnTo>
-                  <a:lnTo>
-                    <a:pt x="23" y="405"/>
-                  </a:lnTo>
-                  <a:lnTo>
-                    <a:pt x="721" y="405"/>
-                  </a:lnTo>
-                  <a:lnTo>
-                    <a:pt x="721" y="429"/>
-                  </a:lnTo>
-                  <a:close/>
-                </a:path>
-              </a:pathLst>
-            </a:custGeom>
-            <a:solidFill>
-              <a:srgbClr val="385623"/>
-            </a:solidFill>
-            <a:ln>
-              <a:noFill/>
-            </a:ln>
-          </p:spPr>
-          <p:txBody>
-            <a:bodyPr spcFirstLastPara="1" wrap="square" lIns="0" tIns="18275" rIns="0" bIns="18275" anchor="ctr" anchorCtr="1">
-              <a:noAutofit/>
-            </a:bodyPr>
-            <a:lstStyle/>
-            <a:p>
-              <a:pPr marL="0" marR="0" lvl="0" indent="0" algn="ctr" rtl="0">
-                <a:lnSpc>
-                  <a:spcPct val="85000"/>
-                </a:lnSpc>
-                <a:spcBef>
-                  <a:spcPts val="0"/>
-                </a:spcBef>
-                <a:spcAft>
-                  <a:spcPts val="0"/>
-                </a:spcAft>
-                <a:buNone/>
-              </a:pPr>
-              <a:endParaRPr sz="1400" b="1">
-                <a:solidFill>
-                  <a:schemeClr val="dk1"/>
-                </a:solidFill>
-                <a:latin typeface="Calibri"/>
-                <a:ea typeface="Calibri"/>
-                <a:cs typeface="Calibri"/>
-                <a:sym typeface="Calibri"/>
-              </a:endParaRPr>
-            </a:p>
-          </p:txBody>
-        </p:sp>
-        <p:sp>
-          <p:nvSpPr>
-            <p:cNvPr id="256" name="Google Shape;256;p15"/>
-            <p:cNvSpPr/>
-            <p:nvPr/>
-          </p:nvSpPr>
-          <p:spPr>
-            <a:xfrm>
-              <a:off x="1524000" y="1055688"/>
-              <a:ext cx="69850" cy="103188"/>
-            </a:xfrm>
-            <a:prstGeom prst="rect">
-              <a:avLst/>
-            </a:prstGeom>
-            <a:solidFill>
-              <a:srgbClr val="385623"/>
-            </a:solidFill>
-            <a:ln>
-              <a:noFill/>
-            </a:ln>
-          </p:spPr>
-          <p:txBody>
-            <a:bodyPr spcFirstLastPara="1" wrap="square" lIns="0" tIns="18275" rIns="0" bIns="18275" anchor="ctr" anchorCtr="1">
-              <a:noAutofit/>
-            </a:bodyPr>
-            <a:lstStyle/>
-            <a:p>
-              <a:pPr marL="0" marR="0" lvl="0" indent="0" algn="ctr" rtl="0">
-                <a:lnSpc>
-                  <a:spcPct val="85000"/>
-                </a:lnSpc>
-                <a:spcBef>
-                  <a:spcPts val="0"/>
-                </a:spcBef>
-                <a:spcAft>
-                  <a:spcPts val="0"/>
-                </a:spcAft>
-                <a:buNone/>
-              </a:pPr>
-              <a:endParaRPr sz="700" b="1">
-                <a:solidFill>
-                  <a:schemeClr val="dk1"/>
-                </a:solidFill>
-                <a:latin typeface="Calibri"/>
-                <a:ea typeface="Calibri"/>
-                <a:cs typeface="Calibri"/>
-                <a:sym typeface="Calibri"/>
-              </a:endParaRPr>
-            </a:p>
-          </p:txBody>
-        </p:sp>
-        <p:sp>
-          <p:nvSpPr>
-            <p:cNvPr id="257" name="Google Shape;257;p15"/>
-            <p:cNvSpPr/>
-            <p:nvPr/>
-          </p:nvSpPr>
-          <p:spPr>
-            <a:xfrm>
-              <a:off x="1612900" y="987425"/>
-              <a:ext cx="69850" cy="171450"/>
-            </a:xfrm>
-            <a:prstGeom prst="rect">
-              <a:avLst/>
-            </a:prstGeom>
-            <a:solidFill>
-              <a:srgbClr val="385623"/>
-            </a:solidFill>
-            <a:ln>
-              <a:noFill/>
-            </a:ln>
-          </p:spPr>
-          <p:txBody>
-            <a:bodyPr spcFirstLastPara="1" wrap="square" lIns="0" tIns="18275" rIns="0" bIns="18275" anchor="ctr" anchorCtr="1">
-              <a:noAutofit/>
-            </a:bodyPr>
-            <a:lstStyle/>
-            <a:p>
-              <a:pPr marL="0" marR="0" lvl="0" indent="0" algn="ctr" rtl="0">
-                <a:lnSpc>
-                  <a:spcPct val="85000"/>
-                </a:lnSpc>
-                <a:spcBef>
-                  <a:spcPts val="0"/>
-                </a:spcBef>
-                <a:spcAft>
-                  <a:spcPts val="0"/>
-                </a:spcAft>
-                <a:buNone/>
-              </a:pPr>
-              <a:endParaRPr sz="1400" b="1">
-                <a:solidFill>
-                  <a:schemeClr val="dk1"/>
-                </a:solidFill>
-                <a:latin typeface="Calibri"/>
-                <a:ea typeface="Calibri"/>
-                <a:cs typeface="Calibri"/>
-                <a:sym typeface="Calibri"/>
-              </a:endParaRPr>
-            </a:p>
-          </p:txBody>
-        </p:sp>
-        <p:sp>
-          <p:nvSpPr>
-            <p:cNvPr id="258" name="Google Shape;258;p15"/>
-            <p:cNvSpPr/>
-            <p:nvPr/>
-          </p:nvSpPr>
-          <p:spPr>
-            <a:xfrm>
-              <a:off x="1701800" y="923925"/>
-              <a:ext cx="69850" cy="234950"/>
-            </a:xfrm>
-            <a:prstGeom prst="rect">
-              <a:avLst/>
-            </a:prstGeom>
-            <a:solidFill>
-              <a:srgbClr val="385623"/>
-            </a:solidFill>
-            <a:ln>
-              <a:noFill/>
-            </a:ln>
-          </p:spPr>
-          <p:txBody>
-            <a:bodyPr spcFirstLastPara="1" wrap="square" lIns="0" tIns="18275" rIns="0" bIns="18275" anchor="ctr" anchorCtr="1">
-              <a:noAutofit/>
-            </a:bodyPr>
-            <a:lstStyle/>
-            <a:p>
-              <a:pPr marL="0" marR="0" lvl="0" indent="0" algn="ctr" rtl="0">
-                <a:lnSpc>
-                  <a:spcPct val="85000"/>
-                </a:lnSpc>
-                <a:spcBef>
-                  <a:spcPts val="0"/>
-                </a:spcBef>
-                <a:spcAft>
-                  <a:spcPts val="0"/>
-                </a:spcAft>
-                <a:buNone/>
-              </a:pPr>
-              <a:endParaRPr sz="1400" b="1">
-                <a:solidFill>
-                  <a:schemeClr val="dk1"/>
-                </a:solidFill>
-                <a:latin typeface="Calibri"/>
-                <a:ea typeface="Calibri"/>
-                <a:cs typeface="Calibri"/>
-                <a:sym typeface="Calibri"/>
-              </a:endParaRPr>
-            </a:p>
-          </p:txBody>
-        </p:sp>
-        <p:sp>
-          <p:nvSpPr>
-            <p:cNvPr id="259" name="Google Shape;259;p15"/>
-            <p:cNvSpPr/>
-            <p:nvPr/>
-          </p:nvSpPr>
-          <p:spPr>
-            <a:xfrm>
-              <a:off x="1790700" y="846138"/>
-              <a:ext cx="69850" cy="312738"/>
-            </a:xfrm>
-            <a:prstGeom prst="rect">
-              <a:avLst/>
-            </a:prstGeom>
-            <a:solidFill>
-              <a:srgbClr val="385623"/>
-            </a:solidFill>
-            <a:ln>
-              <a:noFill/>
-            </a:ln>
-          </p:spPr>
-          <p:txBody>
-            <a:bodyPr spcFirstLastPara="1" wrap="square" lIns="0" tIns="18275" rIns="0" bIns="18275" anchor="ctr" anchorCtr="1">
-              <a:noAutofit/>
-            </a:bodyPr>
-            <a:lstStyle/>
-            <a:p>
-              <a:pPr marL="0" marR="0" lvl="0" indent="0" algn="ctr" rtl="0">
-                <a:lnSpc>
-                  <a:spcPct val="85000"/>
-                </a:lnSpc>
-                <a:spcBef>
-                  <a:spcPts val="0"/>
-                </a:spcBef>
-                <a:spcAft>
-                  <a:spcPts val="0"/>
-                </a:spcAft>
-                <a:buNone/>
-              </a:pPr>
-              <a:endParaRPr sz="1400" b="1">
-                <a:solidFill>
-                  <a:schemeClr val="dk1"/>
-                </a:solidFill>
-                <a:latin typeface="Calibri"/>
-                <a:ea typeface="Calibri"/>
-                <a:cs typeface="Calibri"/>
-                <a:sym typeface="Calibri"/>
-              </a:endParaRPr>
-            </a:p>
-          </p:txBody>
-        </p:sp>
-      </p:grpSp>
-      <p:sp>
-        <p:nvSpPr>
-          <p:cNvPr id="3" name="Google Shape;245;p14">
-            <a:extLst>
-              <a:ext uri="{FF2B5EF4-FFF2-40B4-BE49-F238E27FC236}">
-                <a16:creationId xmlns:a16="http://schemas.microsoft.com/office/drawing/2014/main" id="{D9FEB6FC-E977-4B35-5C35-A2D5251294C5}"/>
-              </a:ext>
-            </a:extLst>
-          </p:cNvPr>
-          <p:cNvSpPr txBox="1">
-            <a:spLocks/>
-          </p:cNvSpPr>
-          <p:nvPr/>
-        </p:nvSpPr>
-        <p:spPr>
-          <a:xfrm>
-            <a:off x="4595208" y="265989"/>
-            <a:ext cx="6982444" cy="1413891"/>
-          </a:xfrm>
-          <a:prstGeom prst="rect">
-            <a:avLst/>
-          </a:prstGeom>
-          <a:noFill/>
-          <a:ln>
-            <a:noFill/>
-          </a:ln>
-        </p:spPr>
-        <p:txBody>
-          <a:bodyPr spcFirstLastPara="1" wrap="square" lIns="91425" tIns="45700" rIns="91425" bIns="45700" anchor="t" anchorCtr="0">
-            <a:noAutofit/>
-          </a:bodyPr>
-          <a:lstStyle>
-            <a:defPPr marR="0" lvl="0" algn="l" rtl="0">
-              <a:lnSpc>
-                <a:spcPct val="100000"/>
-              </a:lnSpc>
-              <a:spcBef>
-                <a:spcPts val="0"/>
-              </a:spcBef>
-              <a:spcAft>
-                <a:spcPts val="0"/>
-              </a:spcAft>
-            </a:defPPr>
-            <a:lvl1pPr marL="457200" marR="0" lvl="0" indent="-406400" algn="l" rtl="0">
-              <a:lnSpc>
-                <a:spcPct val="90000"/>
-              </a:lnSpc>
-              <a:spcBef>
-                <a:spcPts val="1000"/>
-              </a:spcBef>
-              <a:spcAft>
-                <a:spcPts val="0"/>
-              </a:spcAft>
-              <a:buClr>
-                <a:schemeClr val="dk1"/>
-              </a:buClr>
-              <a:buSzPts val="2800"/>
-              <a:buFont typeface="Arial"/>
-              <a:buChar char="•"/>
-              <a:defRPr sz="2800" b="0" i="0" u="none" strike="noStrike" cap="none">
-                <a:solidFill>
-                  <a:schemeClr val="dk1"/>
-                </a:solidFill>
-                <a:latin typeface="Calibri"/>
-                <a:ea typeface="Calibri"/>
-                <a:cs typeface="Calibri"/>
-                <a:sym typeface="Calibri"/>
-              </a:defRPr>
-            </a:lvl1pPr>
-            <a:lvl2pPr marL="914400" marR="0" lvl="1" indent="-381000" algn="l" rtl="0">
-              <a:lnSpc>
-                <a:spcPct val="90000"/>
-              </a:lnSpc>
-              <a:spcBef>
-                <a:spcPts val="500"/>
-              </a:spcBef>
-              <a:spcAft>
-                <a:spcPts val="0"/>
-              </a:spcAft>
-              <a:buClr>
-                <a:schemeClr val="dk1"/>
-              </a:buClr>
-              <a:buSzPts val="2400"/>
-              <a:buFont typeface="Arial"/>
-              <a:buChar char="•"/>
-              <a:defRPr sz="2400" b="0" i="0" u="none" strike="noStrike" cap="none">
-                <a:solidFill>
-                  <a:schemeClr val="dk1"/>
-                </a:solidFill>
-                <a:latin typeface="Calibri"/>
-                <a:ea typeface="Calibri"/>
-                <a:cs typeface="Calibri"/>
-                <a:sym typeface="Calibri"/>
-              </a:defRPr>
-            </a:lvl2pPr>
-            <a:lvl3pPr marL="1371600" marR="0" lvl="2" indent="-355600" algn="l" rtl="0">
-              <a:lnSpc>
-                <a:spcPct val="90000"/>
-              </a:lnSpc>
-              <a:spcBef>
-                <a:spcPts val="500"/>
-              </a:spcBef>
-              <a:spcAft>
-                <a:spcPts val="0"/>
-              </a:spcAft>
-              <a:buClr>
-                <a:schemeClr val="dk1"/>
-              </a:buClr>
-              <a:buSzPts val="2000"/>
-              <a:buFont typeface="Arial"/>
-              <a:buChar char="•"/>
-              <a:defRPr sz="2000" b="0" i="0" u="none" strike="noStrike" cap="none">
-                <a:solidFill>
-                  <a:schemeClr val="dk1"/>
-                </a:solidFill>
-                <a:latin typeface="Calibri"/>
-                <a:ea typeface="Calibri"/>
-                <a:cs typeface="Calibri"/>
-                <a:sym typeface="Calibri"/>
-              </a:defRPr>
-            </a:lvl3pPr>
-            <a:lvl4pPr marL="1828800" marR="0" lvl="3" indent="-342900" algn="l" rtl="0">
-              <a:lnSpc>
-                <a:spcPct val="90000"/>
-              </a:lnSpc>
-              <a:spcBef>
-                <a:spcPts val="500"/>
-              </a:spcBef>
-              <a:spcAft>
-                <a:spcPts val="0"/>
-              </a:spcAft>
-              <a:buClr>
-                <a:schemeClr val="dk1"/>
-              </a:buClr>
-              <a:buSzPts val="1800"/>
-              <a:buFont typeface="Arial"/>
-              <a:buChar char="•"/>
-              <a:defRPr sz="1800" b="0" i="0" u="none" strike="noStrike" cap="none">
-                <a:solidFill>
-                  <a:schemeClr val="dk1"/>
-                </a:solidFill>
-                <a:latin typeface="Calibri"/>
-                <a:ea typeface="Calibri"/>
-                <a:cs typeface="Calibri"/>
-                <a:sym typeface="Calibri"/>
-              </a:defRPr>
-            </a:lvl4pPr>
-            <a:lvl5pPr marL="2286000" marR="0" lvl="4" indent="-342900" algn="l" rtl="0">
-              <a:lnSpc>
-                <a:spcPct val="90000"/>
-              </a:lnSpc>
-              <a:spcBef>
-                <a:spcPts val="500"/>
-              </a:spcBef>
-              <a:spcAft>
-                <a:spcPts val="0"/>
-              </a:spcAft>
-              <a:buClr>
-                <a:schemeClr val="dk1"/>
-              </a:buClr>
-              <a:buSzPts val="1800"/>
-              <a:buFont typeface="Arial"/>
-              <a:buChar char="•"/>
-              <a:defRPr sz="1800" b="0" i="0" u="none" strike="noStrike" cap="none">
-                <a:solidFill>
-                  <a:schemeClr val="dk1"/>
-                </a:solidFill>
-                <a:latin typeface="Calibri"/>
-                <a:ea typeface="Calibri"/>
-                <a:cs typeface="Calibri"/>
-                <a:sym typeface="Calibri"/>
-              </a:defRPr>
-            </a:lvl5pPr>
-            <a:lvl6pPr marL="2743200" marR="0" lvl="5" indent="-342900" algn="l" rtl="0">
-              <a:lnSpc>
-                <a:spcPct val="90000"/>
-              </a:lnSpc>
-              <a:spcBef>
-                <a:spcPts val="500"/>
-              </a:spcBef>
-              <a:spcAft>
-                <a:spcPts val="0"/>
-              </a:spcAft>
-              <a:buClr>
-                <a:schemeClr val="dk1"/>
-              </a:buClr>
-              <a:buSzPts val="1800"/>
-              <a:buFont typeface="Arial"/>
-              <a:buChar char="•"/>
-              <a:defRPr sz="1800" b="0" i="0" u="none" strike="noStrike" cap="none">
-                <a:solidFill>
-                  <a:schemeClr val="dk1"/>
-                </a:solidFill>
-                <a:latin typeface="Calibri"/>
-                <a:ea typeface="Calibri"/>
-                <a:cs typeface="Calibri"/>
-                <a:sym typeface="Calibri"/>
-              </a:defRPr>
-            </a:lvl6pPr>
-            <a:lvl7pPr marL="3200400" marR="0" lvl="6" indent="-342900" algn="l" rtl="0">
-              <a:lnSpc>
-                <a:spcPct val="90000"/>
-              </a:lnSpc>
-              <a:spcBef>
-                <a:spcPts val="500"/>
-              </a:spcBef>
-              <a:spcAft>
-                <a:spcPts val="0"/>
-              </a:spcAft>
-              <a:buClr>
-                <a:schemeClr val="dk1"/>
-              </a:buClr>
-              <a:buSzPts val="1800"/>
-              <a:buFont typeface="Arial"/>
-              <a:buChar char="•"/>
-              <a:defRPr sz="1800" b="0" i="0" u="none" strike="noStrike" cap="none">
-                <a:solidFill>
-                  <a:schemeClr val="dk1"/>
-                </a:solidFill>
-                <a:latin typeface="Calibri"/>
-                <a:ea typeface="Calibri"/>
-                <a:cs typeface="Calibri"/>
-                <a:sym typeface="Calibri"/>
-              </a:defRPr>
-            </a:lvl7pPr>
-            <a:lvl8pPr marL="3657600" marR="0" lvl="7" indent="-342900" algn="l" rtl="0">
-              <a:lnSpc>
-                <a:spcPct val="90000"/>
-              </a:lnSpc>
-              <a:spcBef>
-                <a:spcPts val="500"/>
-              </a:spcBef>
-              <a:spcAft>
-                <a:spcPts val="0"/>
-              </a:spcAft>
-              <a:buClr>
-                <a:schemeClr val="dk1"/>
-              </a:buClr>
-              <a:buSzPts val="1800"/>
-              <a:buFont typeface="Arial"/>
-              <a:buChar char="•"/>
-              <a:defRPr sz="1800" b="0" i="0" u="none" strike="noStrike" cap="none">
-                <a:solidFill>
-                  <a:schemeClr val="dk1"/>
-                </a:solidFill>
-                <a:latin typeface="Calibri"/>
-                <a:ea typeface="Calibri"/>
-                <a:cs typeface="Calibri"/>
-                <a:sym typeface="Calibri"/>
-              </a:defRPr>
-            </a:lvl8pPr>
-            <a:lvl9pPr marL="4114800" marR="0" lvl="8" indent="-342900" algn="l" rtl="0">
-              <a:lnSpc>
-                <a:spcPct val="90000"/>
-              </a:lnSpc>
-              <a:spcBef>
-                <a:spcPts val="500"/>
-              </a:spcBef>
-              <a:spcAft>
-                <a:spcPts val="0"/>
-              </a:spcAft>
-              <a:buClr>
-                <a:schemeClr val="dk1"/>
-              </a:buClr>
-              <a:buSzPts val="1800"/>
-              <a:buFont typeface="Arial"/>
-              <a:buChar char="•"/>
-              <a:defRPr sz="1800" b="0" i="0" u="none" strike="noStrike" cap="none">
-                <a:solidFill>
-                  <a:schemeClr val="dk1"/>
-                </a:solidFill>
-                <a:latin typeface="Calibri"/>
-                <a:ea typeface="Calibri"/>
-                <a:cs typeface="Calibri"/>
-                <a:sym typeface="Calibri"/>
-              </a:defRPr>
-            </a:lvl9pPr>
-          </a:lstStyle>
-          <a:p>
-            <a:pPr marL="177800" indent="0">
-              <a:spcBef>
-                <a:spcPts val="0"/>
-              </a:spcBef>
-              <a:buNone/>
-            </a:pPr>
-            <a:r>
-              <a:rPr lang="en-US" sz="1200" dirty="0">
-                <a:solidFill>
-                  <a:schemeClr val="tx1">
-                    <a:lumMod val="65000"/>
-                    <a:lumOff val="35000"/>
-                  </a:schemeClr>
-                </a:solidFill>
-                <a:latin typeface="Calibri" panose="020F0502020204030204" pitchFamily="34" charset="0"/>
-                <a:cs typeface="Calibri" panose="020F0502020204030204" pitchFamily="34" charset="0"/>
-              </a:rPr>
-              <a:t>Using competitive model structure and training on Costco locations to recommend where Costco should open a new location, specifically for hearing centers. </a:t>
-            </a:r>
-          </a:p>
-          <a:p>
-            <a:pPr marL="177800" indent="0">
-              <a:spcBef>
-                <a:spcPts val="0"/>
-              </a:spcBef>
-              <a:buNone/>
-            </a:pPr>
-            <a:endParaRPr lang="en-US" sz="1200" dirty="0">
-              <a:solidFill>
-                <a:schemeClr val="tx1">
-                  <a:lumMod val="65000"/>
-                  <a:lumOff val="35000"/>
-                </a:schemeClr>
-              </a:solidFill>
-              <a:latin typeface="Calibri" panose="020F0502020204030204" pitchFamily="34" charset="0"/>
-              <a:cs typeface="Calibri" panose="020F0502020204030204" pitchFamily="34" charset="0"/>
-            </a:endParaRPr>
-          </a:p>
-          <a:p>
-            <a:pPr marL="177800" indent="0">
-              <a:spcBef>
-                <a:spcPts val="0"/>
-              </a:spcBef>
-              <a:buNone/>
-            </a:pPr>
-            <a:r>
-              <a:rPr lang="en-US" sz="1200" dirty="0">
-                <a:solidFill>
-                  <a:schemeClr val="tx1">
-                    <a:lumMod val="65000"/>
-                    <a:lumOff val="35000"/>
-                  </a:schemeClr>
-                </a:solidFill>
-                <a:latin typeface="Calibri" panose="020F0502020204030204" pitchFamily="34" charset="0"/>
-                <a:cs typeface="Calibri" panose="020F0502020204030204" pitchFamily="34" charset="0"/>
-              </a:rPr>
-              <a:t>Using precision and recall rather than accuracy to predict where they should have a hearing center but don’t.</a:t>
-            </a:r>
-          </a:p>
-        </p:txBody>
-      </p:sp>
-      <p:pic>
-        <p:nvPicPr>
-          <p:cNvPr id="7" name="Picture 6">
-            <a:extLst>
-              <a:ext uri="{FF2B5EF4-FFF2-40B4-BE49-F238E27FC236}">
-                <a16:creationId xmlns:a16="http://schemas.microsoft.com/office/drawing/2014/main" id="{93F6307D-A95A-CBBB-5232-B0C7F51785C4}"/>
+                <a16:creationId xmlns:a16="http://schemas.microsoft.com/office/drawing/2014/main" id="{31EB2A80-B750-76B0-2D3B-025E03F4D86B}"/>
               </a:ext>
             </a:extLst>
           </p:cNvPr>
@@ -43030,104 +41454,53 @@
         </p:blipFill>
         <p:spPr>
           <a:xfrm>
-            <a:off x="225618" y="2819001"/>
-            <a:ext cx="1555319" cy="3906175"/>
+            <a:off x="6260138" y="3505086"/>
+            <a:ext cx="4169479" cy="2303084"/>
           </a:xfrm>
           <a:prstGeom prst="rect">
             <a:avLst/>
           </a:prstGeom>
         </p:spPr>
       </p:pic>
-      <p:pic>
-        <p:nvPicPr>
-          <p:cNvPr id="9" name="Picture 8">
+      <p:sp>
+        <p:nvSpPr>
+          <p:cNvPr id="2" name="TextBox 1">
             <a:extLst>
               <a:ext uri="{FF2B5EF4-FFF2-40B4-BE49-F238E27FC236}">
-                <a16:creationId xmlns:a16="http://schemas.microsoft.com/office/drawing/2014/main" id="{A4D82C7C-163E-3CD2-07BD-4003E660B9C9}"/>
+                <a16:creationId xmlns:a16="http://schemas.microsoft.com/office/drawing/2014/main" id="{BC223200-59F1-B8A8-11DF-B3F4BA30D47D}"/>
               </a:ext>
             </a:extLst>
           </p:cNvPr>
-          <p:cNvPicPr>
-            <a:picLocks noChangeAspect="1"/>
-          </p:cNvPicPr>
+          <p:cNvSpPr txBox="1"/>
           <p:nvPr/>
-        </p:nvPicPr>
-        <p:blipFill>
-          <a:blip r:embed="rId4"/>
-          <a:stretch>
-            <a:fillRect/>
-          </a:stretch>
-        </p:blipFill>
+        </p:nvSpPr>
         <p:spPr>
           <a:xfrm>
-            <a:off x="1741690" y="2792367"/>
-            <a:ext cx="4134790" cy="2231592"/>
+            <a:off x="2480812" y="3917964"/>
+            <a:ext cx="1590675" cy="738664"/>
           </a:xfrm>
           <a:prstGeom prst="rect">
             <a:avLst/>
           </a:prstGeom>
+          <a:noFill/>
         </p:spPr>
-      </p:pic>
-      <p:pic>
-        <p:nvPicPr>
-          <p:cNvPr id="11" name="Picture 10">
-            <a:extLst>
-              <a:ext uri="{FF2B5EF4-FFF2-40B4-BE49-F238E27FC236}">
-                <a16:creationId xmlns:a16="http://schemas.microsoft.com/office/drawing/2014/main" id="{9E004F9C-FA1E-13B8-6287-4D36F80200F1}"/>
-              </a:ext>
-            </a:extLst>
-          </p:cNvPr>
-          <p:cNvPicPr>
-            <a:picLocks noChangeAspect="1"/>
-          </p:cNvPicPr>
-          <p:nvPr/>
-        </p:nvPicPr>
-        <p:blipFill>
-          <a:blip r:embed="rId5"/>
-          <a:stretch>
-            <a:fillRect/>
-          </a:stretch>
-        </p:blipFill>
-        <p:spPr>
-          <a:xfrm>
-            <a:off x="8853439" y="2819001"/>
-            <a:ext cx="3115248" cy="2429322"/>
-          </a:xfrm>
-          <a:prstGeom prst="rect">
-            <a:avLst/>
-          </a:prstGeom>
-        </p:spPr>
-      </p:pic>
-      <p:pic>
-        <p:nvPicPr>
-          <p:cNvPr id="13" name="Picture 12">
-            <a:extLst>
-              <a:ext uri="{FF2B5EF4-FFF2-40B4-BE49-F238E27FC236}">
-                <a16:creationId xmlns:a16="http://schemas.microsoft.com/office/drawing/2014/main" id="{31EB2A80-B750-76B0-2D3B-025E03F4D86B}"/>
-              </a:ext>
-            </a:extLst>
-          </p:cNvPr>
-          <p:cNvPicPr>
-            <a:picLocks noChangeAspect="1"/>
-          </p:cNvPicPr>
-          <p:nvPr/>
-        </p:nvPicPr>
-        <p:blipFill>
-          <a:blip r:embed="rId6"/>
-          <a:stretch>
-            <a:fillRect/>
-          </a:stretch>
-        </p:blipFill>
-        <p:spPr>
-          <a:xfrm>
-            <a:off x="5398998" y="4857358"/>
-            <a:ext cx="3592730" cy="1984507"/>
-          </a:xfrm>
-          <a:prstGeom prst="rect">
-            <a:avLst/>
-          </a:prstGeom>
-        </p:spPr>
-      </p:pic>
+        <p:txBody>
+          <a:bodyPr wrap="square" rtlCol="0">
+            <a:spAutoFit/>
+          </a:bodyPr>
+          <a:lstStyle/>
+          <a:p>
+            <a:r>
+              <a:rPr lang="en-US" b="1" dirty="0">
+                <a:solidFill>
+                  <a:srgbClr val="FF0000"/>
+                </a:solidFill>
+              </a:rPr>
+              <a:t>Add scatter plot image of our data ?</a:t>
+            </a:r>
+          </a:p>
+        </p:txBody>
+      </p:sp>
     </p:spTree>
     <p:extLst>
       <p:ext uri="{BB962C8B-B14F-4D97-AF65-F5344CB8AC3E}">
@@ -44576,7 +42949,7 @@
         </p:nvSpPr>
         <p:spPr>
           <a:xfrm>
-            <a:off x="755651" y="3198481"/>
+            <a:off x="649774" y="3198481"/>
             <a:ext cx="3061748" cy="2682875"/>
           </a:xfrm>
           <a:prstGeom prst="rect">
@@ -44629,7 +43002,7 @@
         </p:nvSpPr>
         <p:spPr>
           <a:xfrm>
-            <a:off x="4528390" y="3178672"/>
+            <a:off x="4422513" y="3178672"/>
             <a:ext cx="3195179" cy="2682875"/>
           </a:xfrm>
           <a:prstGeom prst="rect">
@@ -45224,7 +43597,7 @@
         </p:nvSpPr>
         <p:spPr>
           <a:xfrm>
-            <a:off x="8551463" y="3162390"/>
+            <a:off x="8445586" y="3162390"/>
             <a:ext cx="3195179" cy="2682875"/>
           </a:xfrm>
           <a:prstGeom prst="rect">

--- a/Presentation/FP_Powerpoint.pptx
+++ b/Presentation/FP_Powerpoint.pptx
@@ -1953,6 +1953,32 @@
             <a:noAutofit/>
           </a:bodyPr>
           <a:lstStyle/>
+          <a:p>
+            <a:pPr marL="171450" indent="-171450">
+              <a:buFont typeface="Arial" panose="020B0604020202020204" pitchFamily="34" charset="0"/>
+              <a:buChar char="•"/>
+            </a:pPr>
+            <a:r>
+              <a:rPr lang="en-US" sz="1200" dirty="0">
+                <a:latin typeface="Calibri" panose="020F0502020204030204" pitchFamily="34" charset="0"/>
+                <a:cs typeface="Calibri" panose="020F0502020204030204" pitchFamily="34" charset="0"/>
+              </a:rPr>
+              <a:t>The world of hearing health changed on Oct. 17, when the FDA’s new regulations, made quality hearing aids an over-the-counter product.  </a:t>
+            </a:r>
+          </a:p>
+          <a:p>
+            <a:pPr marL="171450" indent="-171450">
+              <a:buFont typeface="Arial" panose="020B0604020202020204" pitchFamily="34" charset="0"/>
+              <a:buChar char="•"/>
+            </a:pPr>
+            <a:r>
+              <a:rPr lang="en-US" sz="1200" dirty="0">
+                <a:latin typeface="Calibri" panose="020F0502020204030204" pitchFamily="34" charset="0"/>
+                <a:cs typeface="Calibri" panose="020F0502020204030204" pitchFamily="34" charset="0"/>
+              </a:rPr>
+              <a:t>A person would be able to walk into almost any pharmacy or big-box store and buy a sophisticated pair of hearing aids for a few hundred dollars, no prescription required.</a:t>
+            </a:r>
+          </a:p>
           <a:p>
             <a:pPr marL="171450" indent="-171450">
               <a:buFont typeface="Arial" panose="020B0604020202020204" pitchFamily="34" charset="0"/>
@@ -36986,7 +37012,7 @@
         </p:spPr>
         <p:txBody>
           <a:bodyPr spcFirstLastPara="1" wrap="square" lIns="91425" tIns="45700" rIns="91425" bIns="45700" anchor="t" anchorCtr="0">
-            <a:normAutofit/>
+            <a:normAutofit fontScale="92500"/>
           </a:bodyPr>
           <a:lstStyle/>
           <a:p>
@@ -37018,7 +37044,7 @@
                 <a:latin typeface="Calibri" panose="020F0502020204030204" pitchFamily="34" charset="0"/>
                 <a:cs typeface="Calibri" panose="020F0502020204030204" pitchFamily="34" charset="0"/>
               </a:rPr>
-              <a:t>Legislation recently passed regarding hearing aids that will impact a large percent of the population.</a:t>
+              <a:t>How does the Legislation recently passed allowing hearing aids to be available over the counter affect Costco?</a:t>
             </a:r>
             <a:endParaRPr sz="2400" dirty="0">
               <a:solidFill>
@@ -38399,8 +38425,8 @@
         </p:nvSpPr>
         <p:spPr>
           <a:xfrm>
-            <a:off x="1510301" y="3575171"/>
-            <a:ext cx="9339210" cy="492443"/>
+            <a:off x="3680829" y="3515014"/>
+            <a:ext cx="5078160" cy="492443"/>
           </a:xfrm>
           <a:prstGeom prst="rect">
             <a:avLst/>
@@ -38424,21 +38450,18 @@
                 <a:latin typeface="Calibri" panose="020F0502020204030204" pitchFamily="34" charset="0"/>
                 <a:cs typeface="Calibri" panose="020F0502020204030204" pitchFamily="34" charset="0"/>
               </a:rPr>
-              <a:t>How does the need for over-the-counter hearing aids affect Costco</a:t>
+              <a:t>Costco and hearing aid accessibility</a:t>
             </a:r>
-            <a:r>
-              <a:rPr lang="en-US" sz="2600" dirty="0">
-                <a:solidFill>
-                  <a:schemeClr val="tx1">
-                    <a:lumMod val="65000"/>
-                    <a:lumOff val="35000"/>
-                  </a:schemeClr>
-                </a:solidFill>
-                <a:latin typeface="Calibri" panose="020F0502020204030204" pitchFamily="34" charset="0"/>
-                <a:cs typeface="Calibri" panose="020F0502020204030204" pitchFamily="34" charset="0"/>
-              </a:rPr>
-              <a:t>?</a:t>
-            </a:r>
+            <a:endParaRPr lang="en-US" sz="2600" dirty="0">
+              <a:solidFill>
+                <a:schemeClr val="tx1">
+                  <a:lumMod val="65000"/>
+                  <a:lumOff val="35000"/>
+                </a:schemeClr>
+              </a:solidFill>
+              <a:latin typeface="Calibri" panose="020F0502020204030204" pitchFamily="34" charset="0"/>
+              <a:cs typeface="Calibri" panose="020F0502020204030204" pitchFamily="34" charset="0"/>
+            </a:endParaRPr>
           </a:p>
         </p:txBody>
       </p:sp>

--- a/Presentation/FP_Powerpoint.pptx
+++ b/Presentation/FP_Powerpoint.pptx
@@ -268,6 +268,9 @@
           </p15:clr>
         </p15:guide>
       </p15:sldGuideLst>
+    </p:ext>
+    <p:ext uri="{2D200454-40CA-4A62-9FC3-DE9A4176ACB9}">
+      <p15:notesGuideLst xmlns:p15="http://schemas.microsoft.com/office/powerpoint/2012/main"/>
     </p:ext>
   </p:extLst>
 </p:presentation>
@@ -1547,7 +1550,7 @@
       <dgm:spPr/>
     </dgm:pt>
     <dgm:pt modelId="{F3A028AB-E0EE-4014-93BD-DD7160FE42FD}" type="pres">
-      <dgm:prSet presAssocID="{9554A4A7-5563-4D26-BC68-2F76708BD82B}" presName="quadrant4" presStyleLbl="node1" presStyleIdx="3" presStyleCnt="4" custScaleX="78931" custScaleY="83035" custLinFactNeighborX="6642" custLinFactNeighborY="-4543">
+      <dgm:prSet presAssocID="{9554A4A7-5563-4D26-BC68-2F76708BD82B}" presName="quadrant4" presStyleLbl="node1" presStyleIdx="3" presStyleCnt="4" custScaleX="78931" custScaleY="83035" custLinFactNeighborX="2957" custLinFactNeighborY="-4162">
         <dgm:presLayoutVars>
           <dgm:chMax val="1"/>
           <dgm:bulletEnabled val="1"/>
@@ -2280,7 +2283,7 @@
       </dsp:nvSpPr>
       <dsp:spPr>
         <a:xfrm rot="16200000">
-          <a:off x="2488562" y="2903819"/>
+          <a:off x="2402344" y="2912733"/>
           <a:ext cx="1942764" cy="1846743"/>
         </a:xfrm>
         <a:prstGeom prst="pieWedge">
@@ -2381,7 +2384,7 @@
         </a:p>
       </dsp:txBody>
       <dsp:txXfrm rot="5400000">
-        <a:off x="3077472" y="2855809"/>
+        <a:off x="2991254" y="2864723"/>
         <a:ext cx="1305844" cy="1373742"/>
       </dsp:txXfrm>
     </dsp:sp>
@@ -5866,7 +5869,7 @@
               <a:buSzPts val="1400"/>
               <a:buNone/>
             </a:pPr>
-            <a:endParaRPr/>
+            <a:endParaRPr dirty="0"/>
           </a:p>
         </p:txBody>
       </p:sp>
@@ -5992,7 +5995,7 @@
               <a:buChar char="●"/>
             </a:pPr>
             <a:r>
-              <a:rPr lang="en-US" sz="1400">
+              <a:rPr lang="en-US" sz="1400" dirty="0">
                 <a:solidFill>
                   <a:srgbClr val="24292F"/>
                 </a:solidFill>
@@ -6002,7 +6005,7 @@
               </a:rPr>
               <a:t>Dropped Costco locations that do not have hearing aid centers</a:t>
             </a:r>
-            <a:endParaRPr sz="1400">
+            <a:endParaRPr sz="1400" dirty="0">
               <a:solidFill>
                 <a:srgbClr val="24292F"/>
               </a:solidFill>
@@ -6029,7 +6032,7 @@
               <a:buChar char="●"/>
             </a:pPr>
             <a:r>
-              <a:rPr lang="en-US" sz="1400">
+              <a:rPr lang="en-US" sz="1400" dirty="0">
                 <a:solidFill>
                   <a:srgbClr val="24292F"/>
                 </a:solidFill>
@@ -6039,7 +6042,7 @@
               </a:rPr>
               <a:t>Dropped age population younger than 20 and older than 69</a:t>
             </a:r>
-            <a:endParaRPr sz="1400">
+            <a:endParaRPr sz="1400" dirty="0">
               <a:solidFill>
                 <a:srgbClr val="24292F"/>
               </a:solidFill>
@@ -6066,7 +6069,7 @@
               <a:buChar char="●"/>
             </a:pPr>
             <a:r>
-              <a:rPr lang="en-US" sz="1400">
+              <a:rPr lang="en-US" sz="1400" dirty="0">
                 <a:solidFill>
                   <a:srgbClr val="24292F"/>
                 </a:solidFill>
@@ -6076,7 +6079,7 @@
               </a:rPr>
               <a:t>Dropped all other demographic columns except education levels reached and household income columns</a:t>
             </a:r>
-            <a:endParaRPr sz="1400">
+            <a:endParaRPr sz="1400" dirty="0">
               <a:solidFill>
                 <a:srgbClr val="24292F"/>
               </a:solidFill>
@@ -6103,7 +6106,7 @@
               <a:buChar char="●"/>
             </a:pPr>
             <a:r>
-              <a:rPr lang="en-US" sz="1400">
+              <a:rPr lang="en-US" sz="1400" dirty="0">
                 <a:solidFill>
                   <a:srgbClr val="24292F"/>
                 </a:solidFill>
@@ -6115,7 +6118,7 @@
               <a:t>·</a:t>
             </a:r>
             <a:r>
-              <a:rPr lang="en-US" sz="700">
+              <a:rPr lang="en-US" sz="700" dirty="0">
                 <a:solidFill>
                   <a:srgbClr val="24292F"/>
                 </a:solidFill>
@@ -6127,7 +6130,7 @@
               <a:t>        </a:t>
             </a:r>
             <a:r>
-              <a:rPr lang="en-US" sz="1400">
+              <a:rPr lang="en-US" sz="1400" dirty="0">
                 <a:solidFill>
                   <a:srgbClr val="24292F"/>
                 </a:solidFill>
@@ -6137,7 +6140,7 @@
               </a:rPr>
               <a:t>Trained on Costco locations by zip-codes as our y and demographic columns for our features (X)</a:t>
             </a:r>
-            <a:endParaRPr sz="1400">
+            <a:endParaRPr sz="1400" dirty="0">
               <a:solidFill>
                 <a:srgbClr val="24292F"/>
               </a:solidFill>
@@ -6164,7 +6167,7 @@
               <a:buChar char="●"/>
             </a:pPr>
             <a:r>
-              <a:rPr lang="en-US" sz="1400">
+              <a:rPr lang="en-US" sz="1400" dirty="0">
                 <a:solidFill>
                   <a:srgbClr val="24292F"/>
                 </a:solidFill>
@@ -6174,7 +6177,7 @@
               </a:rPr>
               <a:t>Using standard scaler, scaled our features to become identical in terms of the range so our columns could be compared</a:t>
             </a:r>
-            <a:endParaRPr sz="1400">
+            <a:endParaRPr sz="1400" dirty="0">
               <a:solidFill>
                 <a:srgbClr val="24292F"/>
               </a:solidFill>
@@ -6201,7 +6204,7 @@
               <a:buChar char="●"/>
             </a:pPr>
             <a:r>
-              <a:rPr lang="en-US" sz="1400">
+              <a:rPr lang="en-US" sz="1400" dirty="0">
                 <a:solidFill>
                   <a:srgbClr val="595959"/>
                 </a:solidFill>
@@ -6209,7 +6212,7 @@
               <a:t>Used competitive model structure </a:t>
             </a:r>
             <a:r>
-              <a:rPr lang="en-US" sz="1400">
+              <a:rPr lang="en-US" sz="1400" dirty="0">
                 <a:solidFill>
                   <a:srgbClr val="24292F"/>
                 </a:solidFill>
@@ -6217,9 +6220,31 @@
                   <a:srgbClr val="FFFFFF"/>
                 </a:highlight>
               </a:rPr>
-              <a:t>Ran Logistic Regression, SMOTEENN, and RandomForest to find best predictor</a:t>
+              <a:t>Ran Logistic Regression, SMOTEENN, and </a:t>
             </a:r>
-            <a:endParaRPr sz="1400">
+            <a:r>
+              <a:rPr lang="en-US" sz="1400" dirty="0" err="1">
+                <a:solidFill>
+                  <a:srgbClr val="24292F"/>
+                </a:solidFill>
+                <a:highlight>
+                  <a:srgbClr val="FFFFFF"/>
+                </a:highlight>
+              </a:rPr>
+              <a:t>RandomForest</a:t>
+            </a:r>
+            <a:r>
+              <a:rPr lang="en-US" sz="1400" dirty="0">
+                <a:solidFill>
+                  <a:srgbClr val="24292F"/>
+                </a:solidFill>
+                <a:highlight>
+                  <a:srgbClr val="FFFFFF"/>
+                </a:highlight>
+              </a:rPr>
+              <a:t> to find best predictor</a:t>
+            </a:r>
+            <a:endParaRPr sz="1400" dirty="0">
               <a:solidFill>
                 <a:srgbClr val="24292F"/>
               </a:solidFill>
@@ -6246,14 +6271,14 @@
               <a:buChar char="●"/>
             </a:pPr>
             <a:r>
-              <a:rPr lang="en-US" sz="1400">
+              <a:rPr lang="en-US" sz="1400" dirty="0">
                 <a:solidFill>
                   <a:srgbClr val="595959"/>
                 </a:solidFill>
               </a:rPr>
               <a:t>Trained on Costco locations to recommend where Costco should open a new location, specifically for hearing centers. </a:t>
             </a:r>
-            <a:endParaRPr sz="1400">
+            <a:endParaRPr sz="1400" dirty="0">
               <a:solidFill>
                 <a:srgbClr val="595959"/>
               </a:solidFill>
@@ -6277,7 +6302,7 @@
               <a:buChar char="●"/>
             </a:pPr>
             <a:r>
-              <a:rPr lang="en-US" sz="1400">
+              <a:rPr lang="en-US" sz="1400" dirty="0">
                 <a:latin typeface="Arial"/>
                 <a:ea typeface="Arial"/>
                 <a:cs typeface="Arial"/>
@@ -6286,7 +6311,7 @@
               <a:t>·</a:t>
             </a:r>
             <a:r>
-              <a:rPr lang="en-US" sz="700">
+              <a:rPr lang="en-US" sz="700" dirty="0">
                 <a:latin typeface="Times New Roman"/>
                 <a:ea typeface="Times New Roman"/>
                 <a:cs typeface="Times New Roman"/>
@@ -6294,7 +6319,7 @@
               </a:rPr>
               <a:t>       </a:t>
             </a:r>
-            <a:endParaRPr sz="700">
+            <a:endParaRPr sz="700" dirty="0">
               <a:latin typeface="Times New Roman"/>
               <a:ea typeface="Times New Roman"/>
               <a:cs typeface="Times New Roman"/>
@@ -6319,7 +6344,7 @@
               <a:buChar char="●"/>
             </a:pPr>
             <a:r>
-              <a:rPr lang="en-US" sz="1400">
+              <a:rPr lang="en-US" sz="1400" dirty="0">
                 <a:solidFill>
                   <a:srgbClr val="595959"/>
                 </a:solidFill>
@@ -6327,7 +6352,7 @@
               <a:t>Using precision and recall rather than accuracy to predict where they should have a hearing center but do not.</a:t>
             </a:r>
             <a:r>
-              <a:rPr lang="en-US" sz="700">
+              <a:rPr lang="en-US" sz="700" dirty="0">
                 <a:solidFill>
                   <a:srgbClr val="24292F"/>
                 </a:solidFill>
@@ -6338,7 +6363,7 @@
               </a:rPr>
               <a:t>     </a:t>
             </a:r>
-            <a:endParaRPr sz="700">
+            <a:endParaRPr sz="700" dirty="0">
               <a:solidFill>
                 <a:srgbClr val="24292F"/>
               </a:solidFill>
@@ -6366,7 +6391,7 @@
               <a:buChar char="●"/>
             </a:pPr>
             <a:r>
-              <a:rPr lang="en-US" sz="1400">
+              <a:rPr lang="en-US" sz="1400" dirty="0" err="1">
                 <a:solidFill>
                   <a:srgbClr val="24292F"/>
                 </a:solidFill>
@@ -6374,14 +6399,47 @@
                   <a:srgbClr val="FFFFFF"/>
                 </a:highlight>
               </a:rPr>
-              <a:t>Smoteen algorithm had the best results of all three machine learning as it balances the 1's (Costco locations,minority class), as well as the 0's (no Costco locations). This model may be  good as additional information tool in determining a new store location but is not a good application for this type of prediction</a:t>
+              <a:t>Smoteen</a:t>
             </a:r>
             <a:r>
-              <a:rPr lang="en-US" sz="1400"/>
+              <a:rPr lang="en-US" sz="1400" dirty="0">
+                <a:solidFill>
+                  <a:srgbClr val="24292F"/>
+                </a:solidFill>
+                <a:highlight>
+                  <a:srgbClr val="FFFFFF"/>
+                </a:highlight>
+              </a:rPr>
+              <a:t> algorithm had the best results of all three machine learning as it balances the 1's (Costco </a:t>
+            </a:r>
+            <a:r>
+              <a:rPr lang="en-US" sz="1400" dirty="0" err="1">
+                <a:solidFill>
+                  <a:srgbClr val="24292F"/>
+                </a:solidFill>
+                <a:highlight>
+                  <a:srgbClr val="FFFFFF"/>
+                </a:highlight>
+              </a:rPr>
+              <a:t>locations,minority</a:t>
+            </a:r>
+            <a:r>
+              <a:rPr lang="en-US" sz="1400" dirty="0">
+                <a:solidFill>
+                  <a:srgbClr val="24292F"/>
+                </a:solidFill>
+                <a:highlight>
+                  <a:srgbClr val="FFFFFF"/>
+                </a:highlight>
+              </a:rPr>
+              <a:t> class), as well as the 0's (no Costco locations). This model may be  good as additional information tool in determining a new store location but is not a good application for this type of prediction</a:t>
+            </a:r>
+            <a:r>
+              <a:rPr lang="en-US" sz="1400" dirty="0"/>
               <a:t> </a:t>
             </a:r>
             <a:r>
-              <a:rPr lang="en-US" sz="1400">
+              <a:rPr lang="en-US" sz="1400" dirty="0">
                 <a:solidFill>
                   <a:srgbClr val="24292F"/>
                 </a:solidFill>
@@ -6391,7 +6449,7 @@
               </a:rPr>
               <a:t>Lowering the decision threshold from 50% to 10% to get a higher precision or high recall ML model. This output maybe good as additional information tool in determining a new store location but is not a good application for this type of prediction</a:t>
             </a:r>
-            <a:endParaRPr sz="700">
+            <a:endParaRPr sz="700" dirty="0">
               <a:solidFill>
                 <a:srgbClr val="24292F"/>
               </a:solidFill>
@@ -6419,7 +6477,7 @@
               <a:buChar char="●"/>
             </a:pPr>
             <a:r>
-              <a:rPr lang="en-US" sz="1400">
+              <a:rPr lang="en-US" sz="1400" dirty="0">
                 <a:solidFill>
                   <a:srgbClr val="24292F"/>
                 </a:solidFill>
@@ -6427,10 +6485,54 @@
                   <a:srgbClr val="FFFFFF"/>
                 </a:highlight>
               </a:rPr>
-              <a:t>Logistic Regression predicted a binary outcome, 0 or 1. Unfortunately, it couldn’t predict optimal zip codes.  Accuracy: .98, although is very high, this a poor metric for the type of dataset we have. It’s only considering all the “yes, costco location here” and not considering the other option “no, costco location here”.</a:t>
+              <a:t>Logistic Regression predicted a binary outcome, 0 or 1. Unfortunately, it couldn’t predict optimal zip codes.  Accuracy: .98, although is very high, this a poor metric for the type of dataset we have. It’s only considering all the “yes, </a:t>
             </a:r>
             <a:r>
-              <a:rPr lang="en-US" sz="1000">
+              <a:rPr lang="en-US" sz="1400" dirty="0" err="1">
+                <a:solidFill>
+                  <a:srgbClr val="24292F"/>
+                </a:solidFill>
+                <a:highlight>
+                  <a:srgbClr val="FFFFFF"/>
+                </a:highlight>
+              </a:rPr>
+              <a:t>costco</a:t>
+            </a:r>
+            <a:r>
+              <a:rPr lang="en-US" sz="1400" dirty="0">
+                <a:solidFill>
+                  <a:srgbClr val="24292F"/>
+                </a:solidFill>
+                <a:highlight>
+                  <a:srgbClr val="FFFFFF"/>
+                </a:highlight>
+              </a:rPr>
+              <a:t> location here” and not considering the other option “no, </a:t>
+            </a:r>
+            <a:r>
+              <a:rPr lang="en-US" sz="1400" dirty="0" err="1">
+                <a:solidFill>
+                  <a:srgbClr val="24292F"/>
+                </a:solidFill>
+                <a:highlight>
+                  <a:srgbClr val="FFFFFF"/>
+                </a:highlight>
+              </a:rPr>
+              <a:t>costco</a:t>
+            </a:r>
+            <a:r>
+              <a:rPr lang="en-US" sz="1400" dirty="0">
+                <a:solidFill>
+                  <a:srgbClr val="24292F"/>
+                </a:solidFill>
+                <a:highlight>
+                  <a:srgbClr val="FFFFFF"/>
+                </a:highlight>
+              </a:rPr>
+              <a:t> location here”.</a:t>
+            </a:r>
+            <a:r>
+              <a:rPr lang="en-US" sz="1000" dirty="0">
                 <a:solidFill>
                   <a:srgbClr val="24292F"/>
                 </a:solidFill>
@@ -6442,7 +6544,7 @@
               <a:t>·</a:t>
             </a:r>
             <a:r>
-              <a:rPr lang="en-US" sz="700">
+              <a:rPr lang="en-US" sz="700" dirty="0">
                 <a:solidFill>
                   <a:srgbClr val="24292F"/>
                 </a:solidFill>
@@ -6453,7 +6555,7 @@
               </a:rPr>
               <a:t>        </a:t>
             </a:r>
-            <a:endParaRPr sz="700">
+            <a:endParaRPr sz="700" dirty="0">
               <a:solidFill>
                 <a:srgbClr val="24292F"/>
               </a:solidFill>
@@ -6481,7 +6583,7 @@
               <a:buChar char="●"/>
             </a:pPr>
             <a:r>
-              <a:rPr lang="en-US" sz="1400">
+              <a:rPr lang="en-US" sz="1400" dirty="0">
                 <a:solidFill>
                   <a:srgbClr val="24292F"/>
                 </a:solidFill>
@@ -6491,7 +6593,7 @@
               </a:rPr>
               <a:t>Random Forest has the same limitations as Logistic Regression in as there are so few "yes'" it considers them irrelevant. Dataset is imbalanced.</a:t>
             </a:r>
-            <a:endParaRPr sz="700">
+            <a:endParaRPr sz="700" dirty="0">
               <a:solidFill>
                 <a:srgbClr val="24292F"/>
               </a:solidFill>
@@ -6519,7 +6621,7 @@
               <a:buChar char="●"/>
             </a:pPr>
             <a:r>
-              <a:rPr lang="en-US" sz="1400">
+              <a:rPr lang="en-US" sz="1400" dirty="0">
                 <a:solidFill>
                   <a:srgbClr val="24292F"/>
                 </a:solidFill>
@@ -6529,7 +6631,7 @@
               </a:rPr>
               <a:t>Feature engineering: our results point to our dataset needing additional look into additional data to predict new locations for CHC's.  </a:t>
             </a:r>
-            <a:endParaRPr sz="700">
+            <a:endParaRPr sz="700" dirty="0">
               <a:solidFill>
                 <a:srgbClr val="24292F"/>
               </a:solidFill>
@@ -6557,7 +6659,7 @@
               <a:buChar char="●"/>
             </a:pPr>
             <a:r>
-              <a:rPr lang="en-US" sz="1400">
+              <a:rPr lang="en-US" sz="1400" dirty="0">
                 <a:solidFill>
                   <a:srgbClr val="24292F"/>
                 </a:solidFill>
@@ -6567,7 +6669,7 @@
               </a:rPr>
               <a:t>Additional data to consider:</a:t>
             </a:r>
-            <a:endParaRPr sz="1400">
+            <a:endParaRPr sz="1400" dirty="0">
               <a:solidFill>
                 <a:srgbClr val="24292F"/>
               </a:solidFill>
@@ -6594,7 +6696,7 @@
               <a:buChar char="●"/>
             </a:pPr>
             <a:r>
-              <a:rPr lang="en-US" sz="1000">
+              <a:rPr lang="en-US" sz="1000" dirty="0">
                 <a:solidFill>
                   <a:srgbClr val="24292F"/>
                 </a:solidFill>
@@ -6606,7 +6708,7 @@
               <a:t>·</a:t>
             </a:r>
             <a:r>
-              <a:rPr lang="en-US" sz="1400">
+              <a:rPr lang="en-US" sz="1400" dirty="0">
                 <a:solidFill>
                   <a:srgbClr val="24292F"/>
                 </a:solidFill>
@@ -6616,7 +6718,7 @@
               </a:rPr>
               <a:t>Bucketing population data into decades or generations but keeping in mind not overfitting</a:t>
             </a:r>
-            <a:endParaRPr sz="700">
+            <a:endParaRPr sz="700" dirty="0">
               <a:solidFill>
                 <a:srgbClr val="24292F"/>
               </a:solidFill>
@@ -6644,7 +6746,7 @@
               <a:buChar char="●"/>
             </a:pPr>
             <a:r>
-              <a:rPr lang="en-US" sz="1400">
+              <a:rPr lang="en-US" sz="1400" dirty="0">
                 <a:solidFill>
                   <a:srgbClr val="24292F"/>
                 </a:solidFill>
@@ -6654,7 +6756,7 @@
               </a:rPr>
               <a:t>Visualizing outliers to detect outliers</a:t>
             </a:r>
-            <a:endParaRPr sz="700">
+            <a:endParaRPr sz="700" dirty="0">
               <a:solidFill>
                 <a:srgbClr val="24292F"/>
               </a:solidFill>
@@ -6682,7 +6784,7 @@
               <a:buChar char="●"/>
             </a:pPr>
             <a:r>
-              <a:rPr lang="en-US" sz="1400">
+              <a:rPr lang="en-US" sz="1400" dirty="0">
                 <a:solidFill>
                   <a:srgbClr val="24292F"/>
                 </a:solidFill>
@@ -6692,7 +6794,7 @@
               </a:rPr>
               <a:t>Adding % hearing impaired and hearing aid's cost</a:t>
             </a:r>
-            <a:endParaRPr sz="1400">
+            <a:endParaRPr sz="1400" dirty="0">
               <a:solidFill>
                 <a:srgbClr val="24292F"/>
               </a:solidFill>
@@ -6714,7 +6816,7 @@
               </a:spcAft>
               <a:buNone/>
             </a:pPr>
-            <a:endParaRPr sz="1400">
+            <a:endParaRPr sz="1400" dirty="0">
               <a:solidFill>
                 <a:srgbClr val="24292F"/>
               </a:solidFill>
@@ -7313,7 +7415,7 @@
         <p:spPr>
           <a:xfrm>
             <a:off x="685800" y="4400550"/>
-            <a:ext cx="5486400" cy="3600450"/>
+            <a:ext cx="5486400" cy="5772150"/>
           </a:xfrm>
           <a:prstGeom prst="rect">
             <a:avLst/>
@@ -7344,279 +7446,73 @@
               <a:buChar char="•"/>
             </a:pPr>
             <a:r>
-              <a:rPr lang="en-US" sz="1400">
+              <a:rPr lang="en-US" sz="1300" dirty="0">
                 <a:latin typeface="Calibri"/>
                 <a:ea typeface="Calibri"/>
                 <a:cs typeface="Calibri"/>
                 <a:sym typeface="Calibri"/>
               </a:rPr>
-              <a:t>The world of hearing health changed on Oct. 17, when the FDA’s new regulations, made quality hearing aids an over-the-counter product.  </a:t>
+              <a:t>Oct. 17, FDA’s new regulations </a:t>
             </a:r>
-            <a:endParaRPr sz="1400"/>
-          </a:p>
-          <a:p>
-            <a:pPr marL="342900" marR="0" lvl="0" indent="-342900" algn="l" rtl="0">
-              <a:lnSpc>
-                <a:spcPct val="107000"/>
-              </a:lnSpc>
-              <a:spcBef>
-                <a:spcPts val="800"/>
-              </a:spcBef>
-              <a:spcAft>
-                <a:spcPts val="0"/>
-              </a:spcAft>
-              <a:buSzPts val="1400"/>
-              <a:buFont typeface="Arial"/>
-              <a:buChar char="•"/>
-            </a:pPr>
             <a:r>
-              <a:rPr lang="en-US" sz="1400">
+              <a:rPr lang="en-US" sz="1300" dirty="0"/>
+              <a:t>on </a:t>
+            </a:r>
+            <a:r>
+              <a:rPr lang="en-US" sz="1300" dirty="0">
                 <a:latin typeface="Calibri"/>
                 <a:ea typeface="Calibri"/>
                 <a:cs typeface="Calibri"/>
                 <a:sym typeface="Calibri"/>
               </a:rPr>
-              <a:t>For decades, the sale of hearing aids was restricted to licensed audiologists and other professionals; that has kept prices high — prescription hearing aids can cost $4,000 to $5,000 — and access limited  </a:t>
+              <a:t>sale of </a:t>
             </a:r>
             <a:r>
-              <a:rPr lang="en-US" sz="1400" u="sng">
-                <a:solidFill>
-                  <a:srgbClr val="0563C1"/>
-                </a:solidFill>
-                <a:latin typeface="Calibri"/>
-                <a:ea typeface="Calibri"/>
-                <a:cs typeface="Calibri"/>
-                <a:sym typeface="Calibri"/>
-                <a:hlinkClick r:id="rId3">
-                  <a:extLst>
-                    <a:ext uri="{A12FA001-AC4F-418D-AE19-62706E023703}">
-                      <ahyp:hlinkClr xmlns:ahyp="http://schemas.microsoft.com/office/drawing/2018/hyperlinkcolor" val="tx"/>
-                    </a:ext>
-                  </a:extLst>
-                </a:hlinkClick>
-              </a:rPr>
-              <a:t>https://www.nytimes.com/2022/10/10/health/hearing-aids-fda.html</a:t>
+              <a:rPr lang="en-US" sz="1300" dirty="0"/>
+              <a:t>quality hearing aids allowed them to be made available as over-the-counter product. (been in works for 5 years)  </a:t>
+            </a:r>
+          </a:p>
+          <a:p>
+            <a:pPr marL="342900" lvl="0" indent="-342900">
+              <a:lnSpc>
+                <a:spcPct val="107000"/>
+              </a:lnSpc>
+              <a:spcBef>
+                <a:spcPts val="800"/>
+              </a:spcBef>
+              <a:buFont typeface="Arial"/>
+              <a:buChar char="•"/>
+            </a:pPr>
+            <a:r>
+              <a:rPr lang="en-US" sz="1300" dirty="0"/>
+              <a:t>Previously aids only available through licensed </a:t>
             </a:r>
             <a:r>
-              <a:rPr lang="en-US" sz="1400">
+              <a:rPr lang="en-US" sz="1300" dirty="0">
                 <a:latin typeface="Calibri"/>
                 <a:ea typeface="Calibri"/>
                 <a:cs typeface="Calibri"/>
                 <a:sym typeface="Calibri"/>
               </a:rPr>
-              <a:t> </a:t>
+              <a:t>audiologists and other professionals</a:t>
             </a:r>
-            <a:endParaRPr sz="1400"/>
           </a:p>
           <a:p>
-            <a:pPr marL="342900" marR="0" lvl="0" indent="-342900" algn="l" rtl="0">
+            <a:pPr marL="342900" lvl="0" indent="-342900">
               <a:lnSpc>
                 <a:spcPct val="107000"/>
               </a:lnSpc>
               <a:spcBef>
                 <a:spcPts val="800"/>
               </a:spcBef>
-              <a:spcAft>
-                <a:spcPts val="0"/>
-              </a:spcAft>
-              <a:buSzPts val="1400"/>
               <a:buFont typeface="Arial"/>
               <a:buChar char="•"/>
             </a:pPr>
             <a:r>
-              <a:rPr lang="en-US" sz="1400">
-                <a:latin typeface="Calibri"/>
-                <a:ea typeface="Calibri"/>
-                <a:cs typeface="Calibri"/>
-                <a:sym typeface="Calibri"/>
-              </a:rPr>
-              <a:t>The hearing aid industry has remained insulated from price competition because of consolidation among manufacturers, widespread state licensing </a:t>
+              <a:rPr lang="en-US" sz="1300" dirty="0"/>
+              <a:t>Our study focused on how Costco, as a leading provider or hearing aids, could make them even move accessible to people with the new availability of over the counter aids.</a:t>
             </a:r>
-            <a:r>
-              <a:rPr lang="en-US" sz="1800">
-                <a:latin typeface="Calibri"/>
-                <a:ea typeface="Calibri"/>
-                <a:cs typeface="Calibri"/>
-                <a:sym typeface="Calibri"/>
-              </a:rPr>
-              <a:t>laws that mandate sales through audiologists or other hearing professionals, and the acquisition of hearing professionals’ practices by device-makers.</a:t>
-            </a:r>
-            <a:endParaRPr/>
-          </a:p>
-          <a:p>
-            <a:pPr marL="342900" marR="0" lvl="0" indent="-342900" algn="l" rtl="0">
-              <a:lnSpc>
-                <a:spcPct val="107000"/>
-              </a:lnSpc>
-              <a:spcBef>
-                <a:spcPts val="800"/>
-              </a:spcBef>
-              <a:spcAft>
-                <a:spcPts val="0"/>
-              </a:spcAft>
-              <a:buSzPts val="1400"/>
-              <a:buFont typeface="Arial"/>
-              <a:buChar char="•"/>
-            </a:pPr>
-            <a:r>
-              <a:rPr lang="en-US" sz="1800">
-                <a:latin typeface="Calibri"/>
-                <a:ea typeface="Calibri"/>
-                <a:cs typeface="Calibri"/>
-                <a:sym typeface="Calibri"/>
-              </a:rPr>
-              <a:t>the new devices will be clearly labeled as FDA approved and consumers. These are different from inexpensive personal devices that amplify sound but do not address other components of hearing loss, such as distortion.</a:t>
-            </a:r>
-            <a:endParaRPr/>
-          </a:p>
-          <a:p>
-            <a:pPr marL="342900" marR="0" lvl="0" indent="-342900" algn="l" rtl="0">
-              <a:lnSpc>
-                <a:spcPct val="107000"/>
-              </a:lnSpc>
-              <a:spcBef>
-                <a:spcPts val="800"/>
-              </a:spcBef>
-              <a:spcAft>
-                <a:spcPts val="0"/>
-              </a:spcAft>
-              <a:buSzPts val="1400"/>
-              <a:buFont typeface="Arial"/>
-              <a:buChar char="•"/>
-            </a:pPr>
-            <a:r>
-              <a:rPr lang="en-US" sz="1800">
-                <a:latin typeface="Calibri"/>
-                <a:ea typeface="Calibri"/>
-                <a:cs typeface="Calibri"/>
-                <a:sym typeface="Calibri"/>
-              </a:rPr>
-              <a:t>A person would be able to walk into almost any pharmacy or big-box store and buy a sophisticated pair of hearing aids for a few hundred dollars, no prescription required.</a:t>
-            </a:r>
-            <a:endParaRPr/>
-          </a:p>
-          <a:p>
-            <a:pPr marL="342900" marR="0" lvl="0" indent="-342900" algn="l" rtl="0">
-              <a:lnSpc>
-                <a:spcPct val="107000"/>
-              </a:lnSpc>
-              <a:spcBef>
-                <a:spcPts val="800"/>
-              </a:spcBef>
-              <a:spcAft>
-                <a:spcPts val="0"/>
-              </a:spcAft>
-              <a:buSzPts val="1400"/>
-              <a:buFont typeface="Arial"/>
-              <a:buChar char="•"/>
-            </a:pPr>
-            <a:r>
-              <a:rPr lang="en-US" sz="1800">
-                <a:latin typeface="Calibri"/>
-                <a:ea typeface="Calibri"/>
-                <a:cs typeface="Calibri"/>
-                <a:sym typeface="Calibri"/>
-              </a:rPr>
-              <a:t>Prices for the exact same pair of hearing aids can vary dramatically depending on where a buyer looks. </a:t>
-            </a:r>
-            <a:r>
-              <a:rPr lang="en-US" sz="1800" u="sng">
-                <a:solidFill>
-                  <a:srgbClr val="0563C1"/>
-                </a:solidFill>
-                <a:latin typeface="Calibri"/>
-                <a:ea typeface="Calibri"/>
-                <a:cs typeface="Calibri"/>
-                <a:sym typeface="Calibri"/>
-                <a:hlinkClick r:id="rId4">
-                  <a:extLst>
-                    <a:ext uri="{A12FA001-AC4F-418D-AE19-62706E023703}">
-                      <ahyp:hlinkClr xmlns:ahyp="http://schemas.microsoft.com/office/drawing/2018/hyperlinkcolor" val="tx"/>
-                    </a:ext>
-                  </a:extLst>
-                </a:hlinkClick>
-              </a:rPr>
-              <a:t>A report from the National Academies of Science, Engineering, and Medicine</a:t>
-            </a:r>
-            <a:r>
-              <a:rPr lang="en-US" sz="1800">
-                <a:latin typeface="Calibri"/>
-                <a:ea typeface="Calibri"/>
-                <a:cs typeface="Calibri"/>
-                <a:sym typeface="Calibri"/>
-              </a:rPr>
-              <a:t>—that sparked the OTC movement—blamed high hearing aid cost on limited consumer choice and lack of transparency.</a:t>
-            </a:r>
-            <a:endParaRPr/>
-          </a:p>
-          <a:p>
-            <a:pPr marL="342900" marR="0" lvl="0" indent="-342900" algn="l" rtl="0">
-              <a:lnSpc>
-                <a:spcPct val="107000"/>
-              </a:lnSpc>
-              <a:spcBef>
-                <a:spcPts val="800"/>
-              </a:spcBef>
-              <a:spcAft>
-                <a:spcPts val="0"/>
-              </a:spcAft>
-              <a:buSzPts val="1400"/>
-              <a:buFont typeface="Arial"/>
-              <a:buChar char="•"/>
-            </a:pPr>
-            <a:r>
-              <a:rPr lang="en-US" sz="1800">
-                <a:latin typeface="Calibri"/>
-                <a:ea typeface="Calibri"/>
-                <a:cs typeface="Calibri"/>
-                <a:sym typeface="Calibri"/>
-              </a:rPr>
-              <a:t>More than a 20% decrease in price</a:t>
-            </a:r>
-            <a:endParaRPr/>
-          </a:p>
-          <a:p>
-            <a:pPr marL="342900" marR="0" lvl="0" indent="-342900" algn="l" rtl="0">
-              <a:lnSpc>
-                <a:spcPct val="107000"/>
-              </a:lnSpc>
-              <a:spcBef>
-                <a:spcPts val="800"/>
-              </a:spcBef>
-              <a:spcAft>
-                <a:spcPts val="0"/>
-              </a:spcAft>
-              <a:buSzPts val="1400"/>
-              <a:buFont typeface="Arial"/>
-              <a:buChar char="•"/>
-            </a:pPr>
-            <a:r>
-              <a:rPr lang="en-US" sz="1800">
-                <a:latin typeface="Calibri"/>
-                <a:ea typeface="Calibri"/>
-                <a:cs typeface="Calibri"/>
-                <a:sym typeface="Calibri"/>
-              </a:rPr>
-              <a:t>Less costly testing procedures (rise of online hearing/audio tests)</a:t>
-            </a:r>
-            <a:endParaRPr/>
-          </a:p>
-          <a:p>
-            <a:pPr marL="285750" lvl="0" indent="-196850" algn="l" rtl="0">
-              <a:lnSpc>
-                <a:spcPct val="100000"/>
-              </a:lnSpc>
-              <a:spcBef>
-                <a:spcPts val="800"/>
-              </a:spcBef>
-              <a:spcAft>
-                <a:spcPts val="0"/>
-              </a:spcAft>
-              <a:buSzPts val="1400"/>
-              <a:buFont typeface="Arial"/>
-              <a:buNone/>
-            </a:pPr>
-            <a:endParaRPr sz="1200">
+            <a:endParaRPr lang="en-US" sz="1300" dirty="0">
               <a:latin typeface="Calibri"/>
               <a:ea typeface="Calibri"/>
               <a:cs typeface="Calibri"/>
@@ -7624,6 +7520,270 @@
             </a:endParaRPr>
           </a:p>
           <a:p>
+            <a:pPr marL="342900" indent="-342900">
+              <a:lnSpc>
+                <a:spcPct val="107000"/>
+              </a:lnSpc>
+              <a:spcBef>
+                <a:spcPts val="800"/>
+              </a:spcBef>
+              <a:buFont typeface="Arial"/>
+              <a:buChar char="•"/>
+            </a:pPr>
+            <a:r>
+              <a:rPr lang="en-US" sz="1300" dirty="0"/>
+              <a:t>Current  market n</a:t>
+            </a:r>
+            <a:r>
+              <a:rPr lang="en-US" sz="1300" dirty="0">
+                <a:latin typeface="Calibri"/>
+                <a:ea typeface="Calibri"/>
+                <a:cs typeface="Calibri"/>
+                <a:sym typeface="Calibri"/>
+              </a:rPr>
+              <a:t>o price transparency – </a:t>
+            </a:r>
+          </a:p>
+          <a:p>
+            <a:pPr marL="800100" lvl="1" indent="-342900">
+              <a:lnSpc>
+                <a:spcPct val="107000"/>
+              </a:lnSpc>
+              <a:spcBef>
+                <a:spcPts val="800"/>
+              </a:spcBef>
+              <a:buFont typeface="Arial"/>
+              <a:buChar char="•"/>
+            </a:pPr>
+            <a:r>
+              <a:rPr lang="en-US" sz="1300" dirty="0">
+                <a:latin typeface="Calibri"/>
+                <a:ea typeface="Calibri"/>
+                <a:cs typeface="Calibri"/>
+                <a:sym typeface="Calibri"/>
+              </a:rPr>
+              <a:t>market was insulated from price competition due to consolidation among manufacturers</a:t>
+            </a:r>
+            <a:endParaRPr lang="en-US" sz="1300" dirty="0"/>
+          </a:p>
+          <a:p>
+            <a:pPr marL="800100" lvl="1" indent="-342900">
+              <a:lnSpc>
+                <a:spcPct val="107000"/>
+              </a:lnSpc>
+              <a:spcBef>
+                <a:spcPts val="800"/>
+              </a:spcBef>
+              <a:buFont typeface="Arial"/>
+              <a:buChar char="•"/>
+            </a:pPr>
+            <a:r>
+              <a:rPr lang="en-US" sz="1300" dirty="0">
+                <a:latin typeface="Calibri"/>
+                <a:ea typeface="Calibri"/>
+                <a:cs typeface="Calibri"/>
+                <a:sym typeface="Calibri"/>
+              </a:rPr>
+              <a:t>limiting consumer choice keeping prices high </a:t>
+            </a:r>
+          </a:p>
+          <a:p>
+            <a:pPr marL="800100" lvl="1" indent="-342900">
+              <a:lnSpc>
+                <a:spcPct val="107000"/>
+              </a:lnSpc>
+              <a:spcBef>
+                <a:spcPts val="800"/>
+              </a:spcBef>
+              <a:buFont typeface="Arial"/>
+              <a:buChar char="•"/>
+            </a:pPr>
+            <a:r>
+              <a:rPr lang="en-US" sz="1300" dirty="0">
+                <a:latin typeface="Calibri"/>
+                <a:ea typeface="Calibri"/>
+                <a:cs typeface="Calibri"/>
+                <a:sym typeface="Calibri"/>
+              </a:rPr>
+              <a:t>prescription hearing aids can cost $3 – 5,000.</a:t>
+            </a:r>
+          </a:p>
+          <a:p>
+            <a:pPr marL="342900" indent="-342900">
+              <a:lnSpc>
+                <a:spcPct val="107000"/>
+              </a:lnSpc>
+              <a:spcBef>
+                <a:spcPts val="800"/>
+              </a:spcBef>
+              <a:buFont typeface="Arial"/>
+              <a:buChar char="•"/>
+            </a:pPr>
+            <a:r>
+              <a:rPr lang="en-US" sz="1300" dirty="0">
+                <a:latin typeface="Calibri"/>
+                <a:ea typeface="Calibri"/>
+                <a:cs typeface="Calibri"/>
+                <a:sym typeface="Calibri"/>
+              </a:rPr>
+              <a:t>Short term effect of legislation – </a:t>
+            </a:r>
+          </a:p>
+          <a:p>
+            <a:pPr marL="800100" lvl="1" indent="-342900">
+              <a:lnSpc>
+                <a:spcPct val="107000"/>
+              </a:lnSpc>
+              <a:spcBef>
+                <a:spcPts val="800"/>
+              </a:spcBef>
+              <a:buFont typeface="Arial"/>
+              <a:buChar char="•"/>
+            </a:pPr>
+            <a:r>
+              <a:rPr lang="en-US" sz="1300" dirty="0">
+                <a:latin typeface="Calibri"/>
+                <a:ea typeface="Calibri"/>
+                <a:cs typeface="Calibri"/>
+                <a:sym typeface="Calibri"/>
+              </a:rPr>
+              <a:t>more than a 20% decrease in price</a:t>
+            </a:r>
+            <a:endParaRPr lang="en-US" sz="1300" dirty="0"/>
+          </a:p>
+          <a:p>
+            <a:pPr marL="800100" lvl="1" indent="-342900">
+              <a:lnSpc>
+                <a:spcPct val="107000"/>
+              </a:lnSpc>
+              <a:spcBef>
+                <a:spcPts val="800"/>
+              </a:spcBef>
+              <a:buFont typeface="Arial"/>
+              <a:buChar char="•"/>
+            </a:pPr>
+            <a:r>
+              <a:rPr lang="en-US" sz="1300" dirty="0"/>
+              <a:t>l</a:t>
+            </a:r>
+            <a:r>
+              <a:rPr lang="en-US" sz="1300" dirty="0">
+                <a:latin typeface="Calibri"/>
+                <a:ea typeface="Calibri"/>
+                <a:cs typeface="Calibri"/>
+                <a:sym typeface="Calibri"/>
+              </a:rPr>
+              <a:t>ess costly testing procedures, rise of online hearing/audio tests</a:t>
+            </a:r>
+            <a:endParaRPr lang="en-US" sz="1300" dirty="0"/>
+          </a:p>
+          <a:p>
+            <a:pPr marL="342900" indent="-342900">
+              <a:lnSpc>
+                <a:spcPct val="107000"/>
+              </a:lnSpc>
+              <a:spcBef>
+                <a:spcPts val="800"/>
+              </a:spcBef>
+              <a:buFont typeface="Arial"/>
+              <a:buChar char="•"/>
+            </a:pPr>
+            <a:r>
+              <a:rPr lang="en-US" sz="1300" dirty="0">
+                <a:latin typeface="Calibri"/>
+                <a:ea typeface="Calibri"/>
+                <a:cs typeface="Calibri"/>
+                <a:sym typeface="Calibri"/>
+              </a:rPr>
+              <a:t>New devices will be clearly labeled as FDA approved</a:t>
+            </a:r>
+          </a:p>
+          <a:p>
+            <a:pPr marL="800100" lvl="1" indent="-342900">
+              <a:lnSpc>
+                <a:spcPct val="107000"/>
+              </a:lnSpc>
+              <a:spcBef>
+                <a:spcPts val="800"/>
+              </a:spcBef>
+              <a:buFont typeface="Arial"/>
+              <a:buChar char="•"/>
+            </a:pPr>
+            <a:r>
+              <a:rPr lang="en-US" sz="1300" dirty="0">
+                <a:latin typeface="Calibri"/>
+                <a:ea typeface="Calibri"/>
+                <a:cs typeface="Calibri"/>
+                <a:sym typeface="Calibri"/>
+              </a:rPr>
+              <a:t>Choose  from variety of devices </a:t>
+            </a:r>
+          </a:p>
+          <a:p>
+            <a:pPr marL="1257300" lvl="2" indent="-342900">
+              <a:lnSpc>
+                <a:spcPct val="107000"/>
+              </a:lnSpc>
+              <a:spcBef>
+                <a:spcPts val="800"/>
+              </a:spcBef>
+              <a:buFont typeface="Arial"/>
+              <a:buChar char="•"/>
+            </a:pPr>
+            <a:r>
+              <a:rPr lang="en-US" sz="1300" dirty="0">
+                <a:latin typeface="Calibri"/>
+                <a:ea typeface="Calibri"/>
+                <a:cs typeface="Calibri"/>
+                <a:sym typeface="Calibri"/>
+              </a:rPr>
+              <a:t>not only amplify sound </a:t>
+            </a:r>
+          </a:p>
+          <a:p>
+            <a:pPr marL="1257300" lvl="2" indent="-342900">
+              <a:lnSpc>
+                <a:spcPct val="107000"/>
+              </a:lnSpc>
+              <a:spcBef>
+                <a:spcPts val="800"/>
+              </a:spcBef>
+              <a:buFont typeface="Arial"/>
+              <a:buChar char="•"/>
+            </a:pPr>
+            <a:r>
+              <a:rPr lang="en-US" sz="1300" dirty="0">
+                <a:latin typeface="Calibri"/>
+                <a:ea typeface="Calibri"/>
+                <a:cs typeface="Calibri"/>
+                <a:sym typeface="Calibri"/>
+              </a:rPr>
+              <a:t>address other components of hearing loss, such as distortion.</a:t>
+            </a:r>
+            <a:endParaRPr lang="en-US" sz="1300" dirty="0"/>
+          </a:p>
+          <a:p>
+            <a:pPr marL="342900" indent="-342900">
+              <a:lnSpc>
+                <a:spcPct val="107000"/>
+              </a:lnSpc>
+              <a:spcBef>
+                <a:spcPts val="800"/>
+              </a:spcBef>
+              <a:buFont typeface="Arial"/>
+              <a:buChar char="•"/>
+            </a:pPr>
+            <a:r>
+              <a:rPr lang="en-US" sz="1300" dirty="0">
+                <a:latin typeface="Calibri"/>
+                <a:ea typeface="Calibri"/>
+                <a:cs typeface="Calibri"/>
+                <a:sym typeface="Calibri"/>
+              </a:rPr>
+              <a:t>A person would be able to walk into almost any pharmacy or big-box store and buy a sophisticated pair of hearing aids for a few hundred dollars</a:t>
+            </a:r>
+          </a:p>
+          <a:p>
             <a:pPr marL="0" lvl="0" indent="0" algn="l" rtl="0">
               <a:lnSpc>
                 <a:spcPct val="100000"/>
@@ -7637,7 +7797,7 @@
               <a:buSzPts val="1400"/>
               <a:buNone/>
             </a:pPr>
-            <a:endParaRPr/>
+            <a:endParaRPr dirty="0"/>
           </a:p>
         </p:txBody>
       </p:sp>
@@ -7761,15 +7921,15 @@
               <a:buChar char="•"/>
             </a:pPr>
             <a:r>
-              <a:rPr lang="en-US" sz="1400">
+              <a:rPr lang="en-US" sz="1400" dirty="0">
                 <a:latin typeface="Calibri"/>
                 <a:ea typeface="Calibri"/>
                 <a:cs typeface="Calibri"/>
                 <a:sym typeface="Calibri"/>
               </a:rPr>
-              <a:t>Our study we focused on people 20 – 69.  People younger than 20 and over 70 generally have hearing loss that requires more than over the counter hearing aids.</a:t>
+              <a:t>Our study focused on people 20 – 69.  Generally people under 20 and over 70 generally have hearing loss that requires more than over the counter hearing aids.</a:t>
             </a:r>
-            <a:endParaRPr sz="1400"/>
+            <a:endParaRPr lang="en-US" sz="1400" dirty="0"/>
           </a:p>
           <a:p>
             <a:pPr marL="342900" marR="0" lvl="0" indent="-342900" algn="l" rtl="0">
@@ -7790,7 +7950,7 @@
               <a:buChar char="•"/>
             </a:pPr>
             <a:r>
-              <a:rPr lang="en-US" sz="1400">
+              <a:rPr lang="en-US" sz="1400" dirty="0">
                 <a:latin typeface="Calibri"/>
                 <a:ea typeface="Calibri"/>
                 <a:cs typeface="Calibri"/>
@@ -7798,7 +7958,7 @@
               </a:rPr>
               <a:t>17% of adults between 20-69 years of age have hearing impairments</a:t>
             </a:r>
-            <a:endParaRPr sz="1400"/>
+            <a:endParaRPr lang="en-US" sz="1400" dirty="0"/>
           </a:p>
           <a:p>
             <a:pPr marL="342900" marR="0" lvl="0" indent="-342900" algn="l" rtl="0">
@@ -7816,7 +7976,7 @@
               <a:buChar char="•"/>
             </a:pPr>
             <a:r>
-              <a:rPr lang="en-US" sz="1400">
+              <a:rPr lang="en-US" sz="1400" dirty="0">
                 <a:latin typeface="Calibri"/>
                 <a:ea typeface="Calibri"/>
                 <a:cs typeface="Calibri"/>
@@ -7824,7 +7984,6 @@
               </a:rPr>
               <a:t>Men are almost twice as likely as women to have hearing loss among adults aged 20-69</a:t>
             </a:r>
-            <a:endParaRPr sz="1400"/>
           </a:p>
           <a:p>
             <a:pPr marL="342900" marR="0" lvl="0" indent="-342900" algn="l" rtl="0">
@@ -7842,31 +8001,9 @@
               <a:buChar char="•"/>
             </a:pPr>
             <a:r>
-              <a:rPr lang="en-US" sz="1400">
-                <a:latin typeface="Calibri"/>
-                <a:ea typeface="Calibri"/>
-                <a:cs typeface="Calibri"/>
-                <a:sym typeface="Calibri"/>
-              </a:rPr>
-              <a:t>Global hearing market projected to grow at a CAGR of 8.1% for 2022-2029</a:t>
+              <a:rPr lang="en-US" sz="1400" dirty="0"/>
+              <a:t>Hearing loss effects a large % of our population</a:t>
             </a:r>
-            <a:endParaRPr sz="1400"/>
-          </a:p>
-          <a:p>
-            <a:pPr marL="0" lvl="0" indent="0" algn="l" rtl="0">
-              <a:lnSpc>
-                <a:spcPct val="100000"/>
-              </a:lnSpc>
-              <a:spcBef>
-                <a:spcPts val="800"/>
-              </a:spcBef>
-              <a:spcAft>
-                <a:spcPts val="0"/>
-              </a:spcAft>
-              <a:buSzPts val="1400"/>
-              <a:buNone/>
-            </a:pPr>
-            <a:endParaRPr sz="1400"/>
           </a:p>
         </p:txBody>
       </p:sp>
@@ -7990,7 +8127,7 @@
               <a:buChar char="•"/>
             </a:pPr>
             <a:r>
-              <a:rPr lang="en-US" sz="1400">
+              <a:rPr lang="en-US" sz="1400" dirty="0">
                 <a:latin typeface="Calibri"/>
                 <a:ea typeface="Calibri"/>
                 <a:cs typeface="Calibri"/>
@@ -7998,49 +8135,7 @@
               </a:rPr>
               <a:t>National Institute of Health indicates that millennial and Gen Z individuals are more likely to experience hearing loss compared to previous generations</a:t>
             </a:r>
-            <a:endParaRPr sz="1400"/>
-          </a:p>
-          <a:p>
-            <a:pPr marL="342900" marR="0" lvl="0" indent="-342900" algn="l" rtl="0">
-              <a:lnSpc>
-                <a:spcPct val="107000"/>
-              </a:lnSpc>
-              <a:spcBef>
-                <a:spcPts val="800"/>
-              </a:spcBef>
-              <a:spcAft>
-                <a:spcPts val="0"/>
-              </a:spcAft>
-              <a:buSzPts val="1400"/>
-              <a:buFont typeface="Arial"/>
-              <a:buChar char="•"/>
-            </a:pPr>
-            <a:r>
-              <a:rPr lang="en-US" sz="1400">
-                <a:latin typeface="Calibri"/>
-                <a:ea typeface="Calibri"/>
-                <a:cs typeface="Calibri"/>
-                <a:sym typeface="Calibri"/>
-              </a:rPr>
-              <a:t>Global hearing market projected to grow at a CAGR of 8.1% for 2022-2029</a:t>
-            </a:r>
-            <a:endParaRPr sz="1400"/>
-          </a:p>
-          <a:p>
-            <a:pPr marL="0" lvl="0" indent="0" algn="l" rtl="0">
-              <a:lnSpc>
-                <a:spcPct val="100000"/>
-              </a:lnSpc>
-              <a:spcBef>
-                <a:spcPts val="800"/>
-              </a:spcBef>
-              <a:spcAft>
-                <a:spcPts val="0"/>
-              </a:spcAft>
-              <a:buSzPts val="1400"/>
-              <a:buNone/>
-            </a:pPr>
-            <a:endParaRPr/>
+            <a:endParaRPr lang="en-US" sz="1400" dirty="0"/>
           </a:p>
         </p:txBody>
       </p:sp>
@@ -8163,7 +8258,7 @@
               <a:buFont typeface="Arial"/>
               <a:buNone/>
             </a:pPr>
-            <a:endParaRPr sz="1000">
+            <a:endParaRPr sz="1000" dirty="0">
               <a:latin typeface="Calibri"/>
               <a:ea typeface="Calibri"/>
               <a:cs typeface="Calibri"/>
@@ -8189,7 +8284,88 @@
               <a:buNone/>
             </a:pPr>
             <a:r>
-              <a:rPr lang="en-US" sz="1400">
+              <a:rPr lang="en-US" sz="1400" dirty="0">
+                <a:solidFill>
+                  <a:srgbClr val="0F2B54"/>
+                </a:solidFill>
+              </a:rPr>
+              <a:t>Hearing loss effects long term health.</a:t>
+            </a:r>
+          </a:p>
+          <a:p>
+            <a:pPr marL="285750" marR="0" lvl="0" indent="-285750" algn="l" rtl="0">
+              <a:lnSpc>
+                <a:spcPct val="100000"/>
+              </a:lnSpc>
+              <a:spcBef>
+                <a:spcPts val="0"/>
+              </a:spcBef>
+              <a:spcAft>
+                <a:spcPts val="0"/>
+              </a:spcAft>
+              <a:buClr>
+                <a:srgbClr val="000000"/>
+              </a:buClr>
+              <a:buSzPts val="1400"/>
+              <a:buFont typeface="Arial" panose="020B0604020202020204" pitchFamily="34" charset="0"/>
+              <a:buChar char="•"/>
+            </a:pPr>
+            <a:r>
+              <a:rPr lang="en-US" sz="1400" dirty="0">
+                <a:solidFill>
+                  <a:srgbClr val="0F2B54"/>
+                </a:solidFill>
+              </a:rPr>
+              <a:t>Social isolation</a:t>
+            </a:r>
+          </a:p>
+          <a:p>
+            <a:pPr marL="285750" marR="0" lvl="0" indent="-285750" algn="l" rtl="0">
+              <a:lnSpc>
+                <a:spcPct val="100000"/>
+              </a:lnSpc>
+              <a:spcBef>
+                <a:spcPts val="0"/>
+              </a:spcBef>
+              <a:spcAft>
+                <a:spcPts val="0"/>
+              </a:spcAft>
+              <a:buClr>
+                <a:srgbClr val="000000"/>
+              </a:buClr>
+              <a:buSzPts val="1400"/>
+              <a:buFont typeface="Arial" panose="020B0604020202020204" pitchFamily="34" charset="0"/>
+              <a:buChar char="•"/>
+            </a:pPr>
+            <a:r>
+              <a:rPr lang="en-US" sz="1400" dirty="0">
+                <a:solidFill>
+                  <a:srgbClr val="0F2B54"/>
+                </a:solidFill>
+              </a:rPr>
+              <a:t>More likely to develop dementia</a:t>
+            </a:r>
+          </a:p>
+          <a:p>
+            <a:pPr marL="285750" marR="0" lvl="0" indent="-285750" algn="l" rtl="0">
+              <a:lnSpc>
+                <a:spcPct val="100000"/>
+              </a:lnSpc>
+              <a:spcBef>
+                <a:spcPts val="0"/>
+              </a:spcBef>
+              <a:spcAft>
+                <a:spcPts val="0"/>
+              </a:spcAft>
+              <a:buClr>
+                <a:srgbClr val="000000"/>
+              </a:buClr>
+              <a:buSzPts val="1400"/>
+              <a:buFont typeface="Arial" panose="020B0604020202020204" pitchFamily="34" charset="0"/>
+              <a:buChar char="•"/>
+            </a:pPr>
+            <a:r>
+              <a:rPr lang="en-US" sz="1400" dirty="0">
                 <a:solidFill>
                   <a:srgbClr val="0F2B54"/>
                 </a:solidFill>
@@ -8198,14 +8374,44 @@
                 <a:cs typeface="Calibri"/>
                 <a:sym typeface="Calibri"/>
               </a:rPr>
-              <a:t>It can account for up to $30,000 in lost income annually and can impact your performance at work. When you don't hear clearly, you risk missing key information in meetings or directives from supervisors.</a:t>
+              <a:t>can impact your performance at work</a:t>
             </a:r>
-            <a:endParaRPr sz="1400">
-              <a:latin typeface="Calibri"/>
-              <a:ea typeface="Calibri"/>
-              <a:cs typeface="Calibri"/>
-              <a:sym typeface="Calibri"/>
-            </a:endParaRPr>
+          </a:p>
+          <a:p>
+            <a:pPr marL="742950" lvl="1" indent="-285750">
+              <a:buFont typeface="Arial" panose="020B0604020202020204" pitchFamily="34" charset="0"/>
+              <a:buChar char="•"/>
+            </a:pPr>
+            <a:r>
+              <a:rPr lang="en-US" sz="1400" dirty="0">
+                <a:solidFill>
+                  <a:srgbClr val="0F2B54"/>
+                </a:solidFill>
+                <a:latin typeface="Calibri"/>
+                <a:ea typeface="Calibri"/>
+                <a:cs typeface="Calibri"/>
+                <a:sym typeface="Calibri"/>
+              </a:rPr>
+              <a:t>you risk missing key information in meetings or directives from supervisors.</a:t>
+            </a:r>
+          </a:p>
+          <a:p>
+            <a:pPr marL="742950" lvl="1" indent="-285750">
+              <a:buFont typeface="Arial" panose="020B0604020202020204" pitchFamily="34" charset="0"/>
+              <a:buChar char="•"/>
+            </a:pPr>
+            <a:r>
+              <a:rPr lang="en-US" sz="1400" dirty="0">
+                <a:solidFill>
+                  <a:srgbClr val="0F2B54"/>
+                </a:solidFill>
+                <a:latin typeface="Calibri"/>
+                <a:ea typeface="Calibri"/>
+                <a:cs typeface="Calibri"/>
+                <a:sym typeface="Calibri"/>
+              </a:rPr>
+              <a:t>can account for up to $30,000 in lost income annually</a:t>
+            </a:r>
           </a:p>
           <a:p>
             <a:pPr marL="0" lvl="0" indent="0" algn="l" rtl="0">
@@ -8221,7 +8427,7 @@
               <a:buSzPts val="1400"/>
               <a:buNone/>
             </a:pPr>
-            <a:endParaRPr/>
+            <a:endParaRPr dirty="0"/>
           </a:p>
         </p:txBody>
       </p:sp>
@@ -8440,7 +8646,7 @@
         <p:spPr>
           <a:xfrm>
             <a:off x="685800" y="4400550"/>
-            <a:ext cx="5486400" cy="3600450"/>
+            <a:ext cx="5486400" cy="4663440"/>
           </a:xfrm>
           <a:prstGeom prst="rect">
             <a:avLst/>
@@ -8458,7 +8664,7 @@
           <a:p>
             <a:pPr marL="342900" marR="0" lvl="0" indent="-342900" algn="l" rtl="0">
               <a:lnSpc>
-                <a:spcPct val="107000"/>
+                <a:spcPct val="120000"/>
               </a:lnSpc>
               <a:spcBef>
                 <a:spcPts val="0"/>
@@ -8471,101 +8677,94 @@
               <a:buChar char="•"/>
             </a:pPr>
             <a:r>
-              <a:rPr lang="en-US" sz="1400">
+              <a:rPr lang="en-US" sz="1300" dirty="0">
                 <a:latin typeface="Calibri"/>
                 <a:ea typeface="Calibri"/>
                 <a:cs typeface="Calibri"/>
                 <a:sym typeface="Calibri"/>
               </a:rPr>
-              <a:t>Their buying power is such that they can buy hearing aids in huge quantities that qualify them for equally huge discounts on the wholesale cost of the devices. Costco has accessibility through cost and location and size/reach.</a:t>
+              <a:t>When Costco entered the market – leveraged their buying power to significantly negotiate down the price of hearing aids.  </a:t>
             </a:r>
-            <a:endParaRPr sz="1400"/>
           </a:p>
           <a:p>
-            <a:pPr marL="0" marR="0" lvl="0" indent="0" algn="l" rtl="0">
-              <a:lnSpc>
-                <a:spcPct val="107000"/>
-              </a:lnSpc>
-              <a:spcBef>
-                <a:spcPts val="800"/>
+            <a:pPr marL="342900" marR="0" lvl="0" indent="-342900" algn="l" rtl="0">
+              <a:lnSpc>
+                <a:spcPct val="120000"/>
+              </a:lnSpc>
+              <a:spcBef>
+                <a:spcPts val="0"/>
               </a:spcBef>
               <a:spcAft>
                 <a:spcPts val="0"/>
               </a:spcAft>
               <a:buSzPts val="1400"/>
-              <a:buNone/>
+              <a:buFont typeface="Arial"/>
+              <a:buChar char="•"/>
             </a:pPr>
             <a:r>
-              <a:rPr lang="en-US" sz="1400">
+              <a:rPr lang="en-US" sz="1300" dirty="0">
                 <a:latin typeface="Calibri"/>
                 <a:ea typeface="Calibri"/>
                 <a:cs typeface="Calibri"/>
                 <a:sym typeface="Calibri"/>
               </a:rPr>
-              <a:t>            (</a:t>
+              <a:t>They currently carry branded aids but also private label their own hearing aids.</a:t>
             </a:r>
+          </a:p>
+          <a:p>
+            <a:pPr marL="285750" indent="-285750">
+              <a:lnSpc>
+                <a:spcPct val="120000"/>
+              </a:lnSpc>
+              <a:buFont typeface="Arial" panose="020B0604020202020204" pitchFamily="34" charset="0"/>
+              <a:buChar char="•"/>
+            </a:pPr>
             <a:r>
-              <a:rPr lang="en-US" sz="1400" u="sng">
-                <a:solidFill>
-                  <a:srgbClr val="0563C1"/>
-                </a:solidFill>
-                <a:latin typeface="Calibri"/>
-                <a:ea typeface="Calibri"/>
-                <a:cs typeface="Calibri"/>
-                <a:sym typeface="Calibri"/>
-                <a:hlinkClick r:id="rId3">
-                  <a:extLst>
-                    <a:ext uri="{A12FA001-AC4F-418D-AE19-62706E023703}">
-                      <ahyp:hlinkClr xmlns:ahyp="http://schemas.microsoft.com/office/drawing/2018/hyperlinkcolor" val="tx"/>
-                    </a:ext>
-                  </a:extLst>
-                </a:hlinkClick>
-              </a:rPr>
-              <a:t>https://hearinghealthfoundation.org</a:t>
-            </a:r>
-            <a:r>
-              <a:rPr lang="en-US" sz="1400">
+              <a:rPr lang="en-US" sz="1300" dirty="0">
                 <a:latin typeface="Calibri"/>
                 <a:ea typeface="Calibri"/>
                 <a:cs typeface="Calibri"/>
                 <a:sym typeface="Calibri"/>
               </a:rPr>
-              <a:t>) </a:t>
+              <a:t>Global hearing market projected to grow at a CAGR of 8.1% for 2022-2029</a:t>
             </a:r>
-            <a:endParaRPr sz="1400"/>
-          </a:p>
-          <a:p>
-            <a:pPr marL="457200" marR="0" lvl="0" indent="-228600" algn="l" rtl="0">
-              <a:lnSpc>
-                <a:spcPct val="107000"/>
-              </a:lnSpc>
-              <a:spcBef>
-                <a:spcPts val="800"/>
-              </a:spcBef>
-              <a:spcAft>
-                <a:spcPts val="0"/>
-              </a:spcAft>
-              <a:buSzPts val="1400"/>
-              <a:buNone/>
-            </a:pPr>
-            <a:endParaRPr sz="1400"/>
+            <a:endParaRPr lang="en-US" sz="1300" dirty="0"/>
           </a:p>
           <a:p>
             <a:pPr marL="0" marR="0" lvl="0" indent="0" algn="l" rtl="0">
               <a:lnSpc>
-                <a:spcPct val="107000"/>
-              </a:lnSpc>
-              <a:spcBef>
-                <a:spcPts val="800"/>
+                <a:spcPct val="120000"/>
+              </a:lnSpc>
+              <a:spcBef>
+                <a:spcPts val="0"/>
               </a:spcBef>
               <a:spcAft>
                 <a:spcPts val="0"/>
               </a:spcAft>
               <a:buSzPts val="1400"/>
-              <a:buNone/>
+            </a:pPr>
+            <a:endParaRPr lang="en-US" sz="1300" dirty="0">
+              <a:latin typeface="Calibri"/>
+              <a:ea typeface="Calibri"/>
+              <a:cs typeface="Calibri"/>
+              <a:sym typeface="Calibri"/>
+            </a:endParaRPr>
+          </a:p>
+          <a:p>
+            <a:pPr marL="0" marR="0" lvl="0" indent="0" algn="l" rtl="0">
+              <a:lnSpc>
+                <a:spcPct val="120000"/>
+              </a:lnSpc>
+              <a:spcBef>
+                <a:spcPts val="0"/>
+              </a:spcBef>
+              <a:spcAft>
+                <a:spcPts val="0"/>
+              </a:spcAft>
+              <a:buSzPts val="1400"/>
             </a:pPr>
             <a:r>
-              <a:rPr lang="en-US" sz="1400">
+              <a:rPr lang="en-US" sz="1300" dirty="0">
                 <a:latin typeface="Calibri"/>
                 <a:ea typeface="Calibri"/>
                 <a:cs typeface="Calibri"/>
@@ -8573,12 +8772,12 @@
               </a:rPr>
               <a:t>Competition</a:t>
             </a:r>
-            <a:endParaRPr sz="1400"/>
+            <a:endParaRPr lang="en-US" sz="1300" dirty="0"/>
           </a:p>
           <a:p>
             <a:pPr marL="342900" marR="0" lvl="0" indent="-342900" algn="l" rtl="0">
               <a:lnSpc>
-                <a:spcPct val="107000"/>
+                <a:spcPct val="120000"/>
               </a:lnSpc>
               <a:spcBef>
                 <a:spcPts val="800"/>
@@ -8591,48 +8790,41 @@
               <a:buChar char="•"/>
             </a:pPr>
             <a:r>
-              <a:rPr lang="en-US" sz="1400">
+              <a:rPr lang="en-US" sz="1300" dirty="0">
                 <a:latin typeface="Calibri"/>
                 <a:ea typeface="Calibri"/>
                 <a:cs typeface="Calibri"/>
                 <a:sym typeface="Calibri"/>
               </a:rPr>
-              <a:t>Best Buy will open hearing centers in more than 300 stores by late October. Customers will be able to use an online hearing assessment tool and choose from nine over-the-counter brands with help from sales staff members, who will undergo specialized training. Prices will range from $200 to $3,000. </a:t>
+              <a:t>Best Buy will open hearing centers in more than 300 stores by late October. </a:t>
             </a:r>
+          </a:p>
+          <a:p>
+            <a:pPr marL="800100" lvl="1" indent="-342900">
+              <a:lnSpc>
+                <a:spcPct val="120000"/>
+              </a:lnSpc>
+              <a:spcBef>
+                <a:spcPts val="800"/>
+              </a:spcBef>
+              <a:buFont typeface="Arial"/>
+              <a:buChar char="•"/>
+            </a:pPr>
             <a:r>
-              <a:rPr lang="en-US" sz="1400" u="sng">
-                <a:solidFill>
-                  <a:srgbClr val="0563C1"/>
-                </a:solidFill>
-                <a:latin typeface="Calibri"/>
-                <a:ea typeface="Calibri"/>
-                <a:cs typeface="Calibri"/>
-                <a:sym typeface="Calibri"/>
-                <a:hlinkClick r:id="rId4">
-                  <a:extLst>
-                    <a:ext uri="{A12FA001-AC4F-418D-AE19-62706E023703}">
-                      <ahyp:hlinkClr xmlns:ahyp="http://schemas.microsoft.com/office/drawing/2018/hyperlinkcolor" val="tx"/>
-                    </a:ext>
-                  </a:extLst>
-                </a:hlinkClick>
-              </a:rPr>
-              <a:t>https://www.nytimes.com/2022/10/10/health/hearing-aids-fda.html</a:t>
-            </a:r>
-            <a:r>
-              <a:rPr lang="en-US" sz="1400">
+              <a:rPr lang="en-US" sz="1300" dirty="0">
                 <a:latin typeface="Calibri"/>
                 <a:ea typeface="Calibri"/>
                 <a:cs typeface="Calibri"/>
                 <a:sym typeface="Calibri"/>
               </a:rPr>
-              <a:t> </a:t>
+              <a:t>Customers will use an online hearing assessment tool and choose from nine over-the-counter brands with help from specialized trained sales staff members. Prices will range from $200 to $3,000. </a:t>
             </a:r>
-            <a:endParaRPr sz="1400"/>
+            <a:endParaRPr lang="en-US" sz="1300" dirty="0"/>
           </a:p>
           <a:p>
             <a:pPr marL="342900" marR="0" lvl="0" indent="-342900" algn="l" rtl="0">
               <a:lnSpc>
-                <a:spcPct val="107000"/>
+                <a:spcPct val="120000"/>
               </a:lnSpc>
               <a:spcBef>
                 <a:spcPts val="800"/>
@@ -8645,7 +8837,7 @@
               <a:buChar char="•"/>
             </a:pPr>
             <a:r>
-              <a:rPr lang="en-US" sz="1400">
+              <a:rPr lang="en-US" sz="1300" dirty="0">
                 <a:latin typeface="Calibri"/>
                 <a:ea typeface="Calibri"/>
                 <a:cs typeface="Calibri"/>
@@ -8653,12 +8845,12 @@
               </a:rPr>
               <a:t>Sony has announced a partnership with WS Audiology Denmark, one of the big five hearing aid manufacturers. </a:t>
             </a:r>
-            <a:endParaRPr sz="1400"/>
+            <a:endParaRPr lang="en-US" sz="1300" dirty="0"/>
           </a:p>
           <a:p>
             <a:pPr marL="342900" marR="0" lvl="0" indent="-342900" algn="l" rtl="0">
               <a:lnSpc>
-                <a:spcPct val="107000"/>
+                <a:spcPct val="120000"/>
               </a:lnSpc>
               <a:spcBef>
                 <a:spcPts val="800"/>
@@ -8671,43 +8863,31 @@
               <a:buChar char="•"/>
             </a:pPr>
             <a:r>
-              <a:rPr lang="en-US" sz="1400">
+              <a:rPr lang="en-US" sz="1300" dirty="0">
                 <a:latin typeface="Calibri"/>
                 <a:ea typeface="Calibri"/>
                 <a:cs typeface="Calibri"/>
                 <a:sym typeface="Calibri"/>
               </a:rPr>
-              <a:t>Bose Corporation and Lexie Hearing will introduce a new self-fitted over-the-counter aid for about $900, well below traditional prices but “still a price point people will think twice about,” Ms. Kelley said. </a:t>
+              <a:t>Bose Corporation and Lexie Hearing will introduce a new self-fitted over-the-counter aid for about $900.</a:t>
             </a:r>
-            <a:r>
-              <a:rPr lang="en-US" sz="1400" u="sng">
-                <a:solidFill>
-                  <a:srgbClr val="0563C1"/>
-                </a:solidFill>
-                <a:latin typeface="Calibri"/>
-                <a:ea typeface="Calibri"/>
-                <a:cs typeface="Calibri"/>
-                <a:sym typeface="Calibri"/>
-                <a:hlinkClick r:id="rId4">
-                  <a:extLst>
-                    <a:ext uri="{A12FA001-AC4F-418D-AE19-62706E023703}">
-                      <ahyp:hlinkClr xmlns:ahyp="http://schemas.microsoft.com/office/drawing/2018/hyperlinkcolor" val="tx"/>
-                    </a:ext>
-                  </a:extLst>
-                </a:hlinkClick>
-              </a:rPr>
-              <a:t>https://www.nytimes.com/2022/10/10/health/hearing-aids-fda.html</a:t>
-            </a:r>
-            <a:r>
-              <a:rPr lang="en-US" sz="1400">
-                <a:latin typeface="Calibri"/>
-                <a:ea typeface="Calibri"/>
-                <a:cs typeface="Calibri"/>
-                <a:sym typeface="Calibri"/>
-              </a:rPr>
-              <a:t> </a:t>
-            </a:r>
-            <a:endParaRPr sz="1400"/>
+          </a:p>
+          <a:p>
+            <a:pPr marL="342900" marR="0" lvl="0" indent="-342900" algn="l" rtl="0">
+              <a:lnSpc>
+                <a:spcPct val="120000"/>
+              </a:lnSpc>
+              <a:spcBef>
+                <a:spcPts val="800"/>
+              </a:spcBef>
+              <a:spcAft>
+                <a:spcPts val="0"/>
+              </a:spcAft>
+              <a:buSzPts val="1400"/>
+              <a:buFont typeface="Arial"/>
+              <a:buChar char="•"/>
+            </a:pPr>
+            <a:endParaRPr lang="en-US" sz="1400" dirty="0"/>
           </a:p>
           <a:p>
             <a:pPr marL="0" lvl="0" indent="0" algn="l" rtl="0">
@@ -8723,7 +8903,7 @@
               <a:buSzPts val="1400"/>
               <a:buNone/>
             </a:pPr>
-            <a:endParaRPr sz="1400"/>
+            <a:endParaRPr sz="1400" dirty="0"/>
           </a:p>
         </p:txBody>
       </p:sp>
@@ -8816,7 +8996,7 @@
         <p:spPr>
           <a:xfrm>
             <a:off x="685800" y="4400550"/>
-            <a:ext cx="5486400" cy="3600450"/>
+            <a:ext cx="5486400" cy="2937510"/>
           </a:xfrm>
           <a:prstGeom prst="rect">
             <a:avLst/>
@@ -8832,9 +9012,9 @@
           </a:bodyPr>
           <a:lstStyle/>
           <a:p>
-            <a:pPr marL="0" lvl="0" indent="0" algn="l" rtl="0">
-              <a:lnSpc>
-                <a:spcPct val="100000"/>
+            <a:pPr marL="171450" lvl="0" indent="-171450" algn="l" rtl="0">
+              <a:lnSpc>
+                <a:spcPct val="200000"/>
               </a:lnSpc>
               <a:spcBef>
                 <a:spcPts val="0"/>
@@ -8843,35 +9023,34 @@
                 <a:spcPts val="0"/>
               </a:spcAft>
               <a:buSzPts val="1400"/>
-              <a:buNone/>
+              <a:buFont typeface="Arial" panose="020B0604020202020204" pitchFamily="34" charset="0"/>
+              <a:buChar char="•"/>
             </a:pPr>
             <a:r>
               <a:rPr lang="en-US" sz="1200" b="0" dirty="0"/>
-              <a:t>Excel: original Costco, demographic data as csv files</a:t>
+              <a:t>Data: census demographic data, Costco locations and geographic csv files</a:t>
             </a:r>
             <a:endParaRPr lang="en-US" sz="1200" dirty="0"/>
           </a:p>
           <a:p>
-            <a:pPr marL="0" lvl="0" indent="0" algn="l" rtl="0">
-              <a:lnSpc>
-                <a:spcPct val="100000"/>
-              </a:lnSpc>
-              <a:spcBef>
-                <a:spcPts val="0"/>
-              </a:spcBef>
-              <a:spcAft>
-                <a:spcPts val="0"/>
-              </a:spcAft>
-              <a:buSzPts val="1400"/>
-              <a:buNone/>
+            <a:pPr marL="171450" indent="-171450">
+              <a:lnSpc>
+                <a:spcPct val="200000"/>
+              </a:lnSpc>
+              <a:buFont typeface="Arial" panose="020B0604020202020204" pitchFamily="34" charset="0"/>
+              <a:buChar char="•"/>
             </a:pPr>
+            <a:r>
+              <a:rPr lang="en-US" sz="1200" b="0" dirty="0"/>
+              <a:t>Data cleaning, preprocessing and machine learning - </a:t>
+            </a:r>
             <a:r>
               <a:rPr lang="en-US" sz="1200" b="0" dirty="0" err="1"/>
               <a:t>Jupyter</a:t>
             </a:r>
             <a:r>
               <a:rPr lang="en-US" sz="1200" b="0" dirty="0"/>
-              <a:t> Notebook &amp; </a:t>
+              <a:t> Notebook, </a:t>
             </a:r>
             <a:r>
               <a:rPr lang="en-US" sz="1200" b="0" dirty="0" err="1"/>
@@ -8879,54 +9058,61 @@
             </a:r>
             <a:r>
               <a:rPr lang="en-US" sz="1200" b="0" dirty="0"/>
-              <a:t>, Python &amp; Pandas: Data cleaning, preprocessing and machine learning</a:t>
+              <a:t>, Python, Pandas &amp; </a:t>
             </a:r>
-            <a:endParaRPr lang="en-US" sz="1200" dirty="0"/>
+            <a:r>
+              <a:rPr lang="en-US" sz="1200" b="0" dirty="0" err="1"/>
+              <a:t>PySpark</a:t>
+            </a:r>
+            <a:r>
+              <a:rPr lang="en-US" sz="1200" b="0" dirty="0"/>
+              <a:t>:</a:t>
+            </a:r>
           </a:p>
           <a:p>
-            <a:pPr marL="0" lvl="0" indent="0" algn="l" rtl="0">
-              <a:lnSpc>
-                <a:spcPct val="100000"/>
-              </a:lnSpc>
-              <a:spcBef>
-                <a:spcPts val="0"/>
-              </a:spcBef>
-              <a:spcAft>
-                <a:spcPts val="0"/>
-              </a:spcAft>
-              <a:buSzPts val="1400"/>
-              <a:buNone/>
+            <a:pPr marL="171450" indent="-171450">
+              <a:lnSpc>
+                <a:spcPct val="200000"/>
+              </a:lnSpc>
+              <a:buFont typeface="Arial" panose="020B0604020202020204" pitchFamily="34" charset="0"/>
+              <a:buChar char="•"/>
             </a:pPr>
             <a:r>
               <a:rPr lang="en-US" sz="1200" b="0" dirty="0"/>
-              <a:t>VS Code &amp; JavaScript: Html dashboard</a:t>
+              <a:t>VS Code, HTML, JavaScript &amp; </a:t>
             </a:r>
-            <a:endParaRPr lang="en-US" sz="1200" dirty="0"/>
+            <a:r>
+              <a:rPr lang="en-US" dirty="0"/>
+              <a:t>Tableau: </a:t>
+            </a:r>
+            <a:r>
+              <a:rPr lang="en-US" sz="1200" b="0" dirty="0"/>
+              <a:t>Dashboard: </a:t>
+            </a:r>
+            <a:endParaRPr lang="en-US" dirty="0"/>
           </a:p>
           <a:p>
-            <a:pPr marL="0" lvl="0" indent="0" algn="l" rtl="0">
-              <a:lnSpc>
-                <a:spcPct val="100000"/>
-              </a:lnSpc>
-              <a:spcBef>
-                <a:spcPts val="0"/>
-              </a:spcBef>
-              <a:spcAft>
-                <a:spcPts val="0"/>
-              </a:spcAft>
-              <a:buSzPts val="1400"/>
-              <a:buNone/>
+            <a:pPr marL="171450" indent="-171450">
+              <a:lnSpc>
+                <a:spcPct val="200000"/>
+              </a:lnSpc>
+              <a:buFont typeface="Arial" panose="020B0604020202020204" pitchFamily="34" charset="0"/>
+              <a:buChar char="•"/>
             </a:pPr>
             <a:r>
+              <a:rPr lang="en-US" dirty="0"/>
+              <a:t>A</a:t>
+            </a:r>
+            <a:r>
               <a:rPr lang="en-US" sz="1200" b="0" dirty="0"/>
-              <a:t>Amazon S3 Bucket: data storage</a:t>
+              <a:t>mazon S3 Bucket: data storage &amp; notebook files</a:t>
             </a:r>
-            <a:endParaRPr lang="en-US" sz="1200" dirty="0"/>
+            <a:endParaRPr lang="en-US" dirty="0"/>
           </a:p>
           <a:p>
-            <a:pPr marL="0" lvl="0" indent="0" algn="l" rtl="0">
-              <a:lnSpc>
-                <a:spcPct val="100000"/>
+            <a:pPr marL="171450" lvl="0" indent="-171450" algn="l" rtl="0">
+              <a:lnSpc>
+                <a:spcPct val="200000"/>
               </a:lnSpc>
               <a:spcBef>
                 <a:spcPts val="0"/>
@@ -8935,7 +9121,8 @@
                 <a:spcPts val="0"/>
               </a:spcAft>
               <a:buSzPts val="1400"/>
-              <a:buNone/>
+              <a:buFont typeface="Arial" panose="020B0604020202020204" pitchFamily="34" charset="0"/>
+              <a:buChar char="•"/>
             </a:pPr>
             <a:r>
               <a:rPr lang="en-US" sz="1200" b="0" dirty="0" err="1"/>
@@ -8945,12 +9132,11 @@
               <a:rPr lang="en-US" sz="1200" b="0" dirty="0"/>
               <a:t>: project collaboration</a:t>
             </a:r>
-            <a:endParaRPr lang="en-US" sz="1200" dirty="0"/>
           </a:p>
           <a:p>
-            <a:pPr marL="0" lvl="0" indent="0" algn="l" rtl="0">
-              <a:lnSpc>
-                <a:spcPct val="100000"/>
+            <a:pPr marL="171450" lvl="0" indent="-171450" algn="l" rtl="0">
+              <a:lnSpc>
+                <a:spcPct val="200000"/>
               </a:lnSpc>
               <a:spcBef>
                 <a:spcPts val="0"/>
@@ -8959,20 +9145,15 @@
                 <a:spcPts val="0"/>
               </a:spcAft>
               <a:buSzPts val="1400"/>
-              <a:buFont typeface="Arial"/>
-              <a:buNone/>
+              <a:buFont typeface="Arial" panose="020B0604020202020204" pitchFamily="34" charset="0"/>
+              <a:buChar char="•"/>
             </a:pPr>
-            <a:endParaRPr lang="en-US" sz="1200" dirty="0">
-              <a:latin typeface="Calibri"/>
-              <a:ea typeface="Calibri"/>
-              <a:cs typeface="Calibri"/>
-              <a:sym typeface="Calibri"/>
-            </a:endParaRPr>
+            <a:endParaRPr lang="en-US" dirty="0"/>
           </a:p>
           <a:p>
-            <a:pPr marL="0" lvl="0" indent="0" algn="l" rtl="0">
-              <a:lnSpc>
-                <a:spcPct val="100000"/>
+            <a:pPr marL="171450" lvl="0" indent="-171450" algn="l" rtl="0">
+              <a:lnSpc>
+                <a:spcPct val="200000"/>
               </a:lnSpc>
               <a:spcBef>
                 <a:spcPts val="0"/>
@@ -8981,188 +9162,13 @@
                 <a:spcPts val="0"/>
               </a:spcAft>
               <a:buSzPts val="1400"/>
-              <a:buFont typeface="Arial"/>
-              <a:buNone/>
-            </a:pPr>
-            <a:r>
-              <a:rPr lang="en-US" sz="1200" dirty="0">
-                <a:latin typeface="Calibri"/>
-                <a:ea typeface="Calibri"/>
-                <a:cs typeface="Calibri"/>
-                <a:sym typeface="Calibri"/>
-              </a:rPr>
-              <a:t>S3 Bucket</a:t>
-            </a:r>
-          </a:p>
-          <a:p>
-            <a:pPr marL="285750" lvl="0" indent="-285750" algn="l" rtl="0">
-              <a:lnSpc>
-                <a:spcPct val="100000"/>
-              </a:lnSpc>
-              <a:spcBef>
-                <a:spcPts val="0"/>
-              </a:spcBef>
-              <a:spcAft>
-                <a:spcPts val="0"/>
-              </a:spcAft>
-              <a:buSzPts val="1400"/>
-              <a:buFont typeface="Arial"/>
+              <a:buFont typeface="Arial" panose="020B0604020202020204" pitchFamily="34" charset="0"/>
               <a:buChar char="•"/>
             </a:pPr>
             <a:r>
-              <a:rPr lang="en-US" sz="1200" dirty="0">
-                <a:latin typeface="Calibri"/>
-                <a:ea typeface="Calibri"/>
-                <a:cs typeface="Calibri"/>
-                <a:sym typeface="Calibri"/>
-              </a:rPr>
-              <a:t>Storing pictures, files, graphs, and more</a:t>
+              <a:rPr lang="en-US" sz="1200" dirty="0"/>
+              <a:t>Jacqueline to take you through our data &amp; preprocessing</a:t>
             </a:r>
-            <a:endParaRPr dirty="0"/>
-          </a:p>
-          <a:p>
-            <a:pPr marL="285750" lvl="0" indent="-285750" algn="l" rtl="0">
-              <a:lnSpc>
-                <a:spcPct val="100000"/>
-              </a:lnSpc>
-              <a:spcBef>
-                <a:spcPts val="0"/>
-              </a:spcBef>
-              <a:spcAft>
-                <a:spcPts val="0"/>
-              </a:spcAft>
-              <a:buSzPts val="1400"/>
-              <a:buFont typeface="Arial"/>
-              <a:buChar char="•"/>
-            </a:pPr>
-            <a:r>
-              <a:rPr lang="en-US" sz="1200" dirty="0">
-                <a:latin typeface="Calibri"/>
-                <a:ea typeface="Calibri"/>
-                <a:cs typeface="Calibri"/>
-                <a:sym typeface="Calibri"/>
-              </a:rPr>
-              <a:t>Easily accessible among teammates</a:t>
-            </a:r>
-            <a:endParaRPr dirty="0"/>
-          </a:p>
-          <a:p>
-            <a:pPr marL="285750" lvl="0" indent="-285750" algn="l" rtl="0">
-              <a:lnSpc>
-                <a:spcPct val="100000"/>
-              </a:lnSpc>
-              <a:spcBef>
-                <a:spcPts val="0"/>
-              </a:spcBef>
-              <a:spcAft>
-                <a:spcPts val="0"/>
-              </a:spcAft>
-              <a:buSzPts val="1400"/>
-              <a:buFont typeface="Arial"/>
-              <a:buChar char="•"/>
-            </a:pPr>
-            <a:r>
-              <a:rPr lang="en-US" sz="1200" dirty="0">
-                <a:latin typeface="Calibri"/>
-                <a:ea typeface="Calibri"/>
-                <a:cs typeface="Calibri"/>
-                <a:sym typeface="Calibri"/>
-              </a:rPr>
-              <a:t>Connecting changing data to S3 Bucket</a:t>
-            </a:r>
-            <a:endParaRPr dirty="0"/>
-          </a:p>
-          <a:p>
-            <a:pPr marL="285750" lvl="0" indent="-285750" algn="l" rtl="0">
-              <a:lnSpc>
-                <a:spcPct val="100000"/>
-              </a:lnSpc>
-              <a:spcBef>
-                <a:spcPts val="0"/>
-              </a:spcBef>
-              <a:spcAft>
-                <a:spcPts val="0"/>
-              </a:spcAft>
-              <a:buSzPts val="1400"/>
-              <a:buFont typeface="Arial"/>
-              <a:buChar char="•"/>
-            </a:pPr>
-            <a:r>
-              <a:rPr lang="en-US" sz="1200" dirty="0">
-                <a:latin typeface="Calibri"/>
-                <a:ea typeface="Calibri"/>
-                <a:cs typeface="Calibri"/>
-                <a:sym typeface="Calibri"/>
-              </a:rPr>
-              <a:t>Connects to machine learning through </a:t>
-            </a:r>
-            <a:r>
-              <a:rPr lang="en-US" sz="1200" dirty="0" err="1">
-                <a:latin typeface="Calibri"/>
-                <a:ea typeface="Calibri"/>
-                <a:cs typeface="Calibri"/>
-                <a:sym typeface="Calibri"/>
-              </a:rPr>
-              <a:t>pyspark</a:t>
-            </a:r>
-            <a:endParaRPr sz="1200" dirty="0">
-              <a:latin typeface="Calibri"/>
-              <a:ea typeface="Calibri"/>
-              <a:cs typeface="Calibri"/>
-              <a:sym typeface="Calibri"/>
-            </a:endParaRPr>
-          </a:p>
-          <a:p>
-            <a:pPr marL="285750" lvl="0" indent="-285750" algn="l" rtl="0">
-              <a:lnSpc>
-                <a:spcPct val="100000"/>
-              </a:lnSpc>
-              <a:spcBef>
-                <a:spcPts val="0"/>
-              </a:spcBef>
-              <a:spcAft>
-                <a:spcPts val="0"/>
-              </a:spcAft>
-              <a:buSzPts val="1400"/>
-              <a:buFont typeface="Arial"/>
-              <a:buChar char="•"/>
-            </a:pPr>
-            <a:r>
-              <a:rPr lang="en-US" sz="1200" dirty="0">
-                <a:latin typeface="Calibri"/>
-                <a:ea typeface="Calibri"/>
-                <a:cs typeface="Calibri"/>
-                <a:sym typeface="Calibri"/>
-              </a:rPr>
-              <a:t>Easy to use on multiple platforms</a:t>
-            </a:r>
-            <a:endParaRPr dirty="0"/>
-          </a:p>
-          <a:p>
-            <a:pPr marL="285750" lvl="0" indent="-285750" algn="l" rtl="0">
-              <a:lnSpc>
-                <a:spcPct val="100000"/>
-              </a:lnSpc>
-              <a:spcBef>
-                <a:spcPts val="0"/>
-              </a:spcBef>
-              <a:spcAft>
-                <a:spcPts val="0"/>
-              </a:spcAft>
-              <a:buSzPts val="1400"/>
-              <a:buFont typeface="Arial"/>
-              <a:buChar char="•"/>
-            </a:pPr>
-            <a:r>
-              <a:rPr lang="en-US" sz="1200" dirty="0">
-                <a:latin typeface="Calibri"/>
-                <a:ea typeface="Calibri"/>
-                <a:cs typeface="Calibri"/>
-                <a:sym typeface="Calibri"/>
-              </a:rPr>
-              <a:t>Plenty of storage space </a:t>
-            </a:r>
-            <a:endParaRPr dirty="0"/>
           </a:p>
           <a:p>
             <a:pPr marL="285750" lvl="0" indent="-196850" algn="l" rtl="0">
@@ -9346,7 +9352,7 @@
           <a:p>
             <a:pPr marL="457200" marR="0" lvl="0" indent="-228600" algn="l" rtl="0">
               <a:lnSpc>
-                <a:spcPct val="100000"/>
+                <a:spcPct val="150000"/>
               </a:lnSpc>
               <a:spcBef>
                 <a:spcPts val="0"/>
@@ -9358,15 +9364,15 @@
               <a:buNone/>
             </a:pPr>
             <a:r>
-              <a:rPr lang="en-US"/>
+              <a:rPr lang="en-US" dirty="0"/>
               <a:t>Data:</a:t>
             </a:r>
-            <a:endParaRPr/>
+            <a:endParaRPr dirty="0"/>
           </a:p>
           <a:p>
             <a:pPr marL="457200" marR="0" lvl="0" indent="-228600" algn="l" rtl="0">
               <a:lnSpc>
-                <a:spcPct val="100000"/>
+                <a:spcPct val="150000"/>
               </a:lnSpc>
               <a:spcBef>
                 <a:spcPts val="0"/>
@@ -9378,15 +9384,15 @@
               <a:buNone/>
             </a:pPr>
             <a:r>
-              <a:rPr lang="en-US"/>
+              <a:rPr lang="en-US" dirty="0"/>
               <a:t>Costco Data: Kaggle &amp; Costco website to update locations</a:t>
             </a:r>
-            <a:endParaRPr/>
+            <a:endParaRPr dirty="0"/>
           </a:p>
           <a:p>
             <a:pPr marL="457200" marR="0" lvl="0" indent="-228600" algn="l" rtl="0">
               <a:lnSpc>
-                <a:spcPct val="100000"/>
+                <a:spcPct val="150000"/>
               </a:lnSpc>
               <a:spcBef>
                 <a:spcPts val="0"/>
@@ -9398,15 +9404,15 @@
               <a:buNone/>
             </a:pPr>
             <a:r>
-              <a:rPr lang="en-US"/>
+              <a:rPr lang="en-US" dirty="0"/>
               <a:t>Census data: ESRI census population data 2019 &amp; 2021</a:t>
             </a:r>
-            <a:endParaRPr/>
+            <a:endParaRPr dirty="0"/>
           </a:p>
           <a:p>
             <a:pPr marL="457200" marR="0" lvl="0" indent="-228600" algn="l" rtl="0">
               <a:lnSpc>
-                <a:spcPct val="100000"/>
+                <a:spcPct val="150000"/>
               </a:lnSpc>
               <a:spcBef>
                 <a:spcPts val="0"/>
@@ -9418,15 +9424,98 @@
               <a:buNone/>
             </a:pPr>
             <a:r>
-              <a:rPr lang="en-US"/>
-              <a:t>Zipcode file: USPS zip codes by county/MSA cross reference</a:t>
+              <a:rPr lang="en-US" b="0" i="0" dirty="0">
+                <a:solidFill>
+                  <a:srgbClr val="1D1C1D"/>
+                </a:solidFill>
+                <a:effectLst/>
+                <a:latin typeface="Slack-Lato"/>
+              </a:rPr>
+              <a:t>Data Needed: Discussion and decision of what data we need for this project.</a:t>
             </a:r>
-            <a:endParaRPr/>
+            <a:br>
+              <a:rPr lang="en-US" dirty="0"/>
+            </a:br>
+            <a:r>
+              <a:rPr lang="en-US" b="0" i="0" dirty="0">
+                <a:solidFill>
+                  <a:srgbClr val="1D1C1D"/>
+                </a:solidFill>
+                <a:effectLst/>
+                <a:latin typeface="Slack-Lato"/>
+              </a:rPr>
+              <a:t>•Who would benefit?</a:t>
+            </a:r>
+            <a:br>
+              <a:rPr lang="en-US" dirty="0"/>
+            </a:br>
+            <a:r>
+              <a:rPr lang="en-US" b="0" i="0" dirty="0">
+                <a:solidFill>
+                  <a:srgbClr val="1D1C1D"/>
+                </a:solidFill>
+                <a:effectLst/>
+                <a:latin typeface="Slack-Lato"/>
+              </a:rPr>
+              <a:t>•How could we find who benefits? – need demographic</a:t>
+            </a:r>
+            <a:br>
+              <a:rPr lang="en-US" dirty="0"/>
+            </a:br>
+            <a:r>
+              <a:rPr lang="en-US" b="0" i="0" dirty="0">
+                <a:solidFill>
+                  <a:srgbClr val="1D1C1D"/>
+                </a:solidFill>
+                <a:effectLst/>
+                <a:latin typeface="Slack-Lato"/>
+              </a:rPr>
+              <a:t>•How could we increase accessibility? – a few thoughts, landed on Location of hearing center</a:t>
+            </a:r>
+            <a:br>
+              <a:rPr lang="en-US" dirty="0"/>
+            </a:br>
+            <a:r>
+              <a:rPr lang="en-US" b="0" i="0" dirty="0">
+                <a:solidFill>
+                  <a:srgbClr val="1D1C1D"/>
+                </a:solidFill>
+                <a:effectLst/>
+                <a:latin typeface="Slack-Lato"/>
+              </a:rPr>
+              <a:t>Search process: We each searched manually</a:t>
+            </a:r>
+            <a:br>
+              <a:rPr lang="en-US" dirty="0"/>
+            </a:br>
+            <a:r>
+              <a:rPr lang="en-US" b="0" i="0" dirty="0">
+                <a:solidFill>
+                  <a:srgbClr val="1D1C1D"/>
+                </a:solidFill>
+                <a:effectLst/>
+                <a:latin typeface="Slack-Lato"/>
+              </a:rPr>
+              <a:t>•Looking on websites</a:t>
+            </a:r>
+            <a:br>
+              <a:rPr lang="en-US" dirty="0"/>
+            </a:br>
+            <a:r>
+              <a:rPr lang="en-US" b="0" i="0" dirty="0">
+                <a:solidFill>
+                  <a:srgbClr val="1D1C1D"/>
+                </a:solidFill>
+                <a:effectLst/>
+                <a:latin typeface="Slack-Lato"/>
+              </a:rPr>
+              <a:t>•Including specific tools like google scholar.</a:t>
+            </a:r>
           </a:p>
           <a:p>
             <a:pPr marL="457200" marR="0" lvl="0" indent="-228600" algn="l" rtl="0">
               <a:lnSpc>
-                <a:spcPct val="100000"/>
+                <a:spcPct val="150000"/>
               </a:lnSpc>
               <a:spcBef>
                 <a:spcPts val="0"/>
@@ -9437,12 +9526,93 @@
               <a:buSzPts val="1400"/>
               <a:buNone/>
             </a:pPr>
-            <a:endParaRPr/>
+            <a:r>
+              <a:rPr lang="en-US" b="0" i="0" dirty="0">
+                <a:solidFill>
+                  <a:srgbClr val="1D1C1D"/>
+                </a:solidFill>
+                <a:effectLst/>
+                <a:latin typeface="Slack-Lato"/>
+              </a:rPr>
+              <a:t>Sourced Data:</a:t>
+            </a:r>
+            <a:br>
+              <a:rPr lang="en-US" dirty="0"/>
+            </a:br>
+            <a:r>
+              <a:rPr lang="en-US" b="0" i="0" dirty="0">
+                <a:solidFill>
+                  <a:srgbClr val="1D1C1D"/>
+                </a:solidFill>
+                <a:effectLst/>
+                <a:latin typeface="Slack-Lato"/>
+              </a:rPr>
+              <a:t>•Census data: ESRI census population data 2019 &amp; 2021 DEMOGRAPHIC</a:t>
+            </a:r>
+            <a:br>
+              <a:rPr lang="en-US" dirty="0"/>
+            </a:br>
+            <a:r>
+              <a:rPr lang="en-US" b="0" i="0" dirty="0">
+                <a:solidFill>
+                  <a:srgbClr val="1D1C1D"/>
+                </a:solidFill>
+                <a:effectLst/>
+                <a:latin typeface="Slack-Lato"/>
+              </a:rPr>
+              <a:t>•Costco Data: Kaggle &amp; Costco website LOCATION</a:t>
+            </a:r>
+          </a:p>
+          <a:p>
+            <a:pPr marL="228600" marR="0" lvl="0" indent="0" algn="l" rtl="0">
+              <a:lnSpc>
+                <a:spcPct val="150000"/>
+              </a:lnSpc>
+              <a:spcBef>
+                <a:spcPts val="0"/>
+              </a:spcBef>
+              <a:spcAft>
+                <a:spcPts val="0"/>
+              </a:spcAft>
+              <a:buSzPts val="1400"/>
+              <a:buFont typeface="Arial" panose="020B0604020202020204" pitchFamily="34" charset="0"/>
+              <a:buNone/>
+            </a:pPr>
+            <a:r>
+              <a:rPr lang="en-US" b="0" i="0" dirty="0">
+                <a:solidFill>
+                  <a:srgbClr val="1D1C1D"/>
+                </a:solidFill>
+                <a:effectLst/>
+                <a:latin typeface="Slack-Lato"/>
+              </a:rPr>
+              <a:t>      •</a:t>
+            </a:r>
+            <a:r>
+              <a:rPr lang="en-US" sz="1200" b="0" i="0" u="none" strike="noStrike" cap="none" dirty="0" err="1">
+                <a:solidFill>
+                  <a:srgbClr val="1D1C1D"/>
+                </a:solidFill>
+                <a:effectLst/>
+                <a:latin typeface="Slack-Lato"/>
+                <a:cs typeface="Calibri"/>
+                <a:sym typeface="Calibri"/>
+              </a:rPr>
+              <a:t>Z</a:t>
+            </a:r>
+            <a:r>
+              <a:rPr lang="en-US" dirty="0" err="1"/>
+              <a:t>ipcode</a:t>
+            </a:r>
+            <a:r>
+              <a:rPr lang="en-US" dirty="0"/>
+              <a:t> file: USPS zip codes by county/MSA cross reference</a:t>
+            </a:r>
           </a:p>
           <a:p>
             <a:pPr marL="457200" marR="0" lvl="0" indent="-228600" algn="l" rtl="0">
               <a:lnSpc>
-                <a:spcPct val="100000"/>
+                <a:spcPct val="150000"/>
               </a:lnSpc>
               <a:spcBef>
                 <a:spcPts val="0"/>
@@ -9453,7 +9623,160 @@
               <a:buSzPts val="1400"/>
               <a:buNone/>
             </a:pPr>
-            <a:endParaRPr/>
+            <a:r>
+              <a:rPr lang="en-US" b="0" i="0" dirty="0">
+                <a:solidFill>
+                  <a:srgbClr val="1D1C1D"/>
+                </a:solidFill>
+                <a:effectLst/>
+                <a:latin typeface="Slack-Lato"/>
+              </a:rPr>
+              <a:t>Processing</a:t>
+            </a:r>
+            <a:br>
+              <a:rPr lang="en-US" dirty="0"/>
+            </a:br>
+            <a:r>
+              <a:rPr lang="en-US" b="0" i="0" dirty="0">
+                <a:solidFill>
+                  <a:srgbClr val="1D1C1D"/>
+                </a:solidFill>
+                <a:effectLst/>
+                <a:latin typeface="Slack-Lato"/>
+              </a:rPr>
+              <a:t>Machine Learning:</a:t>
+            </a:r>
+            <a:br>
+              <a:rPr lang="en-US" dirty="0"/>
+            </a:br>
+            <a:r>
+              <a:rPr lang="en-US" b="0" i="0" dirty="0">
+                <a:solidFill>
+                  <a:srgbClr val="1D1C1D"/>
+                </a:solidFill>
+                <a:effectLst/>
+                <a:latin typeface="Slack-Lato"/>
+              </a:rPr>
+              <a:t>•Excel and Costco Locations – Determined which topics in demographic we needed</a:t>
+            </a:r>
+            <a:br>
+              <a:rPr lang="en-US" dirty="0"/>
+            </a:br>
+            <a:r>
+              <a:rPr lang="en-US" b="0" i="0" dirty="0">
+                <a:solidFill>
+                  <a:srgbClr val="1D1C1D"/>
+                </a:solidFill>
+                <a:effectLst/>
+                <a:latin typeface="Slack-Lato"/>
+              </a:rPr>
+              <a:t>•Cross referenced locations with official Costco site for accurate locations</a:t>
+            </a:r>
+            <a:br>
+              <a:rPr lang="en-US" dirty="0"/>
+            </a:br>
+            <a:r>
+              <a:rPr lang="en-US" b="0" i="0" dirty="0">
+                <a:solidFill>
+                  <a:srgbClr val="1D1C1D"/>
+                </a:solidFill>
+                <a:effectLst/>
+                <a:latin typeface="Slack-Lato"/>
+              </a:rPr>
+              <a:t>•Merging demographic</a:t>
+            </a:r>
+            <a:br>
+              <a:rPr lang="en-US" dirty="0"/>
+            </a:br>
+            <a:r>
+              <a:rPr lang="en-US" b="0" i="0" dirty="0">
+                <a:solidFill>
+                  <a:srgbClr val="1D1C1D"/>
+                </a:solidFill>
+                <a:effectLst/>
+                <a:latin typeface="Slack-Lato"/>
+              </a:rPr>
+              <a:t>•Merging locations</a:t>
+            </a:r>
+            <a:br>
+              <a:rPr lang="en-US" dirty="0"/>
+            </a:br>
+            <a:r>
+              <a:rPr lang="en-US" b="0" i="0" dirty="0">
+                <a:solidFill>
+                  <a:srgbClr val="1D1C1D"/>
+                </a:solidFill>
+                <a:effectLst/>
+                <a:latin typeface="Slack-Lato"/>
+              </a:rPr>
+              <a:t>Tableau</a:t>
+            </a:r>
+            <a:br>
+              <a:rPr lang="en-US" dirty="0"/>
+            </a:br>
+            <a:r>
+              <a:rPr lang="en-US" b="0" i="0" dirty="0">
+                <a:solidFill>
+                  <a:srgbClr val="1D1C1D"/>
+                </a:solidFill>
+                <a:effectLst/>
+                <a:latin typeface="Slack-Lato"/>
+              </a:rPr>
+              <a:t>Merged files + </a:t>
+            </a:r>
+            <a:r>
+              <a:rPr lang="en-US" b="0" i="0" dirty="0" err="1">
+                <a:solidFill>
+                  <a:srgbClr val="1D1C1D"/>
+                </a:solidFill>
+                <a:effectLst/>
+                <a:latin typeface="Slack-Lato"/>
+              </a:rPr>
+              <a:t>Zipcode</a:t>
+            </a:r>
+            <a:r>
+              <a:rPr lang="en-US" b="0" i="0" dirty="0">
+                <a:solidFill>
+                  <a:srgbClr val="1D1C1D"/>
+                </a:solidFill>
+                <a:effectLst/>
+                <a:latin typeface="Slack-Lato"/>
+              </a:rPr>
+              <a:t> file: USPS zip codes by county/MSA cross reference</a:t>
+            </a:r>
+            <a:endParaRPr dirty="0"/>
+          </a:p>
+          <a:p>
+            <a:pPr marL="457200" marR="0" lvl="0" indent="-228600" algn="l" rtl="0">
+              <a:lnSpc>
+                <a:spcPct val="150000"/>
+              </a:lnSpc>
+              <a:spcBef>
+                <a:spcPts val="0"/>
+              </a:spcBef>
+              <a:spcAft>
+                <a:spcPts val="0"/>
+              </a:spcAft>
+              <a:buSzPts val="1400"/>
+              <a:buNone/>
+            </a:pPr>
+            <a:endParaRPr dirty="0"/>
+          </a:p>
+          <a:p>
+            <a:pPr marL="457200" marR="0" lvl="0" indent="-228600" algn="l" rtl="0">
+              <a:lnSpc>
+                <a:spcPct val="150000"/>
+              </a:lnSpc>
+              <a:spcBef>
+                <a:spcPts val="0"/>
+              </a:spcBef>
+              <a:spcAft>
+                <a:spcPts val="0"/>
+              </a:spcAft>
+              <a:buSzPts val="1400"/>
+              <a:buNone/>
+            </a:pPr>
+            <a:endParaRPr dirty="0"/>
           </a:p>
         </p:txBody>
       </p:sp>
@@ -23951,14 +24274,14 @@
               <a:buChar char="➔"/>
             </a:pPr>
             <a:r>
-              <a:rPr lang="en-US" sz="2400">
+              <a:rPr lang="en-US" sz="2400" dirty="0">
                 <a:solidFill>
                   <a:srgbClr val="3F3F3F"/>
                 </a:solidFill>
               </a:rPr>
               <a:t>Refocus on how Costco can make affordable and accessible solutions available to the hearing impaired.  </a:t>
             </a:r>
-            <a:endParaRPr sz="2400">
+            <a:endParaRPr sz="2400" dirty="0">
               <a:solidFill>
                 <a:srgbClr val="3F3F3F"/>
               </a:solidFill>
@@ -23982,14 +24305,30 @@
               <a:buChar char="➔"/>
             </a:pPr>
             <a:r>
-              <a:rPr lang="en-US" sz="2400">
+              <a:rPr lang="en-US" sz="2400" dirty="0">
                 <a:solidFill>
                   <a:srgbClr val="3F3F3F"/>
                 </a:solidFill>
               </a:rPr>
-              <a:t>Identify individuals with hearing impairment through online/web based hearing assessment tool. </a:t>
+              <a:t>By </a:t>
             </a:r>
-            <a:endParaRPr sz="2400">
+            <a:r>
+              <a:rPr lang="en-US" sz="2400" dirty="0" err="1">
+                <a:solidFill>
+                  <a:srgbClr val="3F3F3F"/>
+                </a:solidFill>
+              </a:rPr>
+              <a:t>Identifing</a:t>
+            </a:r>
+            <a:r>
+              <a:rPr lang="en-US" sz="2400" dirty="0">
+                <a:solidFill>
+                  <a:srgbClr val="3F3F3F"/>
+                </a:solidFill>
+              </a:rPr>
+              <a:t> individuals with hearing impairment through online/web based hearing assessment tool. </a:t>
+            </a:r>
+            <a:endParaRPr sz="2400" dirty="0">
               <a:solidFill>
                 <a:srgbClr val="3F3F3F"/>
               </a:solidFill>
@@ -24013,14 +24352,14 @@
               <a:buChar char="➔"/>
             </a:pPr>
             <a:r>
-              <a:rPr lang="en-US" sz="2400">
+              <a:rPr lang="en-US" sz="2400" dirty="0">
                 <a:solidFill>
                   <a:srgbClr val="3F3F3F"/>
                 </a:solidFill>
               </a:rPr>
-              <a:t>A web based and in store kiosk assessment along with demographic data allows for data gathering to create a prediction model.   </a:t>
+              <a:t>Using web based and in store kiosk assessment data along with demographic data allows for data gathering to create a prediction model.   </a:t>
             </a:r>
-            <a:endParaRPr sz="2400">
+            <a:endParaRPr sz="2400" dirty="0">
               <a:solidFill>
                 <a:srgbClr val="3F3F3F"/>
               </a:solidFill>
@@ -37915,7 +38254,7 @@
                 <a:cs typeface="Calibri"/>
                 <a:sym typeface="Calibri"/>
               </a:rPr>
-              <a:t>Data Storage</a:t>
+              <a:t>Data, Technology &amp; Storage</a:t>
             </a:r>
             <a:endParaRPr dirty="0"/>
           </a:p>
@@ -38032,7 +38371,7 @@
           <p:nvPr>
             <p:extLst>
               <p:ext uri="{D42A27DB-BD31-4B8C-83A1-F6EECF244321}">
-                <p14:modId xmlns:p14="http://schemas.microsoft.com/office/powerpoint/2010/main" val="692214982"/>
+                <p14:modId xmlns:p14="http://schemas.microsoft.com/office/powerpoint/2010/main" val="1855026403"/>
               </p:ext>
             </p:extLst>
           </p:nvPr>
@@ -38724,7 +39063,7 @@
         </p:nvSpPr>
         <p:spPr>
           <a:xfrm>
-            <a:off x="1232558" y="2533387"/>
+            <a:off x="1232558" y="2099537"/>
             <a:ext cx="4957763" cy="980507"/>
           </a:xfrm>
           <a:prstGeom prst="rect">
@@ -38758,14 +39097,14 @@
               <a:buChar char="•"/>
             </a:pPr>
             <a:r>
-              <a:rPr lang="en-US" sz="2000">
+              <a:rPr lang="en-US" sz="2000" dirty="0">
                 <a:solidFill>
                   <a:srgbClr val="595959"/>
                 </a:solidFill>
               </a:rPr>
               <a:t>Data Search</a:t>
             </a:r>
-            <a:endParaRPr/>
+            <a:endParaRPr dirty="0"/>
           </a:p>
           <a:p>
             <a:pPr marL="285750" lvl="0" indent="-285750" algn="l" rtl="0">
@@ -38786,7 +39125,7 @@
               <a:buChar char="•"/>
             </a:pPr>
             <a:r>
-              <a:rPr lang="en-US" sz="2000">
+              <a:rPr lang="en-US" sz="2000" dirty="0">
                 <a:solidFill>
                   <a:srgbClr val="595959"/>
                 </a:solidFill>
@@ -38797,7 +39136,7 @@
               </a:rPr>
               <a:t>Manual search from each team member</a:t>
             </a:r>
-            <a:endParaRPr/>
+            <a:endParaRPr dirty="0"/>
           </a:p>
           <a:p>
             <a:pPr marL="285750" lvl="0" indent="-285750" algn="l" rtl="0">
@@ -38818,7 +39157,7 @@
               <a:buChar char="•"/>
             </a:pPr>
             <a:r>
-              <a:rPr lang="en-US" sz="2000">
+              <a:rPr lang="en-US" sz="2000" dirty="0">
                 <a:solidFill>
                   <a:srgbClr val="595959"/>
                 </a:solidFill>
@@ -38829,7 +39168,7 @@
               </a:rPr>
               <a:t>Sourced from:</a:t>
             </a:r>
-            <a:endParaRPr/>
+            <a:endParaRPr dirty="0"/>
           </a:p>
         </p:txBody>
       </p:sp>
@@ -38845,7 +39184,7 @@
         </p:nvSpPr>
         <p:spPr>
           <a:xfrm>
-            <a:off x="6490359" y="2371935"/>
+            <a:off x="6490359" y="1938085"/>
             <a:ext cx="4957763" cy="2981826"/>
           </a:xfrm>
           <a:prstGeom prst="rect">
@@ -38867,7 +39206,7 @@
                 <a:spcPct val="90000"/>
               </a:lnSpc>
               <a:spcBef>
-                <a:spcPts val="1000"/>
+                <a:spcPts val="600"/>
               </a:spcBef>
               <a:spcAft>
                 <a:spcPts val="0"/>
@@ -38880,7 +39219,7 @@
               <a:buChar char="•"/>
             </a:pPr>
             <a:r>
-              <a:rPr lang="en-US" sz="2000" b="0" i="0" u="none" strike="noStrike">
+              <a:rPr lang="en-US" sz="2000" b="0" i="0" u="none" strike="noStrike" dirty="0">
                 <a:solidFill>
                   <a:srgbClr val="595959"/>
                 </a:solidFill>
@@ -38891,7 +39230,7 @@
               </a:rPr>
               <a:t>Using Excel to edit Costco file</a:t>
             </a:r>
-            <a:endParaRPr/>
+            <a:endParaRPr dirty="0"/>
           </a:p>
           <a:p>
             <a:pPr marL="457200" lvl="0" indent="-406400" algn="l" rtl="0">
@@ -38899,7 +39238,7 @@
                 <a:spcPct val="90000"/>
               </a:lnSpc>
               <a:spcBef>
-                <a:spcPts val="1000"/>
+                <a:spcPts val="600"/>
               </a:spcBef>
               <a:spcAft>
                 <a:spcPts val="0"/>
@@ -38912,7 +39251,7 @@
               <a:buChar char="•"/>
             </a:pPr>
             <a:r>
-              <a:rPr lang="en-US" sz="2000" b="0" i="0" u="none" strike="noStrike">
+              <a:rPr lang="en-US" sz="2000" b="0" i="0" u="none" strike="noStrike" dirty="0">
                 <a:solidFill>
                   <a:srgbClr val="595959"/>
                 </a:solidFill>
@@ -38923,7 +39262,7 @@
               </a:rPr>
               <a:t>Dropping irrelevant columns</a:t>
             </a:r>
-            <a:endParaRPr/>
+            <a:endParaRPr dirty="0"/>
           </a:p>
           <a:p>
             <a:pPr marL="457200" lvl="0" indent="-406400" algn="l" rtl="0">
@@ -38931,7 +39270,7 @@
                 <a:spcPct val="90000"/>
               </a:lnSpc>
               <a:spcBef>
-                <a:spcPts val="1000"/>
+                <a:spcPts val="600"/>
               </a:spcBef>
               <a:spcAft>
                 <a:spcPts val="0"/>
@@ -38944,7 +39283,7 @@
               <a:buChar char="•"/>
             </a:pPr>
             <a:r>
-              <a:rPr lang="en-US" sz="2000" b="0" i="0" u="none" strike="noStrike">
+              <a:rPr lang="en-US" sz="2000" b="0" i="0" u="none" strike="noStrike" dirty="0">
                 <a:solidFill>
                   <a:srgbClr val="595959"/>
                 </a:solidFill>
@@ -38955,7 +39294,7 @@
               </a:rPr>
               <a:t>Creating consistency in label names</a:t>
             </a:r>
-            <a:endParaRPr/>
+            <a:endParaRPr dirty="0"/>
           </a:p>
           <a:p>
             <a:pPr marL="457200" lvl="0" indent="-406400" algn="l" rtl="0">
@@ -38963,7 +39302,7 @@
                 <a:spcPct val="90000"/>
               </a:lnSpc>
               <a:spcBef>
-                <a:spcPts val="1000"/>
+                <a:spcPts val="600"/>
               </a:spcBef>
               <a:spcAft>
                 <a:spcPts val="0"/>
@@ -38976,7 +39315,7 @@
               <a:buChar char="•"/>
             </a:pPr>
             <a:r>
-              <a:rPr lang="en-US" sz="2000" b="0" i="0" u="none" strike="noStrike">
+              <a:rPr lang="en-US" sz="2000" b="0" i="0" u="none" strike="noStrike" dirty="0">
                 <a:solidFill>
                   <a:srgbClr val="595959"/>
                 </a:solidFill>
@@ -38987,7 +39326,7 @@
               </a:rPr>
               <a:t>Locating Costco hearing clinics</a:t>
             </a:r>
-            <a:endParaRPr/>
+            <a:endParaRPr dirty="0"/>
           </a:p>
           <a:p>
             <a:pPr marL="457200" lvl="0" indent="-406400" algn="l" rtl="0">
@@ -38995,7 +39334,7 @@
                 <a:spcPct val="90000"/>
               </a:lnSpc>
               <a:spcBef>
-                <a:spcPts val="1000"/>
+                <a:spcPts val="600"/>
               </a:spcBef>
               <a:spcAft>
                 <a:spcPts val="0"/>
@@ -39008,7 +39347,7 @@
               <a:buChar char="•"/>
             </a:pPr>
             <a:r>
-              <a:rPr lang="en-US" sz="2000" b="0" i="0" u="none" strike="noStrike">
+              <a:rPr lang="en-US" sz="2000" b="0" i="0" u="none" strike="noStrike" dirty="0">
                 <a:solidFill>
                   <a:srgbClr val="595959"/>
                 </a:solidFill>
@@ -39019,7 +39358,7 @@
               </a:rPr>
               <a:t>Merging demographic data files</a:t>
             </a:r>
-            <a:endParaRPr/>
+            <a:endParaRPr dirty="0"/>
           </a:p>
           <a:p>
             <a:pPr marL="457200" lvl="0" indent="-406400" algn="l" rtl="0">
@@ -39027,7 +39366,7 @@
                 <a:spcPct val="90000"/>
               </a:lnSpc>
               <a:spcBef>
-                <a:spcPts val="1000"/>
+                <a:spcPts val="600"/>
               </a:spcBef>
               <a:spcAft>
                 <a:spcPts val="0"/>
@@ -39040,7 +39379,7 @@
               <a:buChar char="•"/>
             </a:pPr>
             <a:r>
-              <a:rPr lang="en-US" sz="2000" b="0" i="0" u="none" strike="noStrike">
+              <a:rPr lang="en-US" sz="2000" b="0" i="0" u="none" strike="noStrike" dirty="0">
                 <a:solidFill>
                   <a:srgbClr val="595959"/>
                 </a:solidFill>
@@ -39051,7 +39390,7 @@
               </a:rPr>
               <a:t>Transformed census data into csv files</a:t>
             </a:r>
-            <a:endParaRPr/>
+            <a:endParaRPr dirty="0"/>
           </a:p>
         </p:txBody>
       </p:sp>
@@ -39063,7 +39402,7 @@
         </p:nvSpPr>
         <p:spPr>
           <a:xfrm>
-            <a:off x="739640" y="1778957"/>
+            <a:off x="739640" y="1353710"/>
             <a:ext cx="1828800" cy="695398"/>
           </a:xfrm>
           <a:prstGeom prst="rect">
@@ -39098,7 +39437,7 @@
               <a:buNone/>
             </a:pPr>
             <a:r>
-              <a:rPr lang="en-US" sz="3600" b="0" i="0" u="none" strike="noStrike" cap="none">
+              <a:rPr lang="en-US" sz="3600" b="0" i="0" u="none" strike="noStrike" cap="none" dirty="0">
                 <a:solidFill>
                   <a:srgbClr val="3F3F3F"/>
                 </a:solidFill>
@@ -39109,7 +39448,7 @@
               </a:rPr>
               <a:t>Data</a:t>
             </a:r>
-            <a:endParaRPr/>
+            <a:endParaRPr dirty="0"/>
           </a:p>
         </p:txBody>
       </p:sp>
@@ -39121,7 +39460,7 @@
         </p:nvSpPr>
         <p:spPr>
           <a:xfrm>
-            <a:off x="5743576" y="1780506"/>
+            <a:off x="5800726" y="1361406"/>
             <a:ext cx="3429000" cy="694624"/>
           </a:xfrm>
           <a:prstGeom prst="rect">
@@ -39156,7 +39495,7 @@
               <a:buNone/>
             </a:pPr>
             <a:r>
-              <a:rPr lang="en-US" sz="3600" b="0" i="0" u="none" strike="noStrike" cap="none">
+              <a:rPr lang="en-US" sz="3600" b="0" i="0" u="none" strike="noStrike" cap="none" dirty="0">
                 <a:solidFill>
                   <a:srgbClr val="3F3F3F"/>
                 </a:solidFill>
@@ -39167,7 +39506,7 @@
               </a:rPr>
               <a:t>Processing</a:t>
             </a:r>
-            <a:endParaRPr/>
+            <a:endParaRPr dirty="0"/>
           </a:p>
         </p:txBody>
       </p:sp>
@@ -39186,8 +39525,8 @@
         </p:blipFill>
         <p:spPr>
           <a:xfrm>
-            <a:off x="3684099" y="4373226"/>
-            <a:ext cx="1447484" cy="728428"/>
+            <a:off x="4699628" y="3565720"/>
+            <a:ext cx="1258658" cy="496355"/>
           </a:xfrm>
           <a:prstGeom prst="rect">
             <a:avLst/>
@@ -39213,8 +39552,8 @@
         </p:blipFill>
         <p:spPr>
           <a:xfrm>
-            <a:off x="2380283" y="5475696"/>
-            <a:ext cx="1863284" cy="560868"/>
+            <a:off x="2909182" y="3665377"/>
+            <a:ext cx="1620217" cy="382179"/>
           </a:xfrm>
           <a:prstGeom prst="rect">
             <a:avLst/>
@@ -39240,8 +39579,8 @@
         </p:blipFill>
         <p:spPr>
           <a:xfrm>
-            <a:off x="1383468" y="4373233"/>
-            <a:ext cx="1745067" cy="980506"/>
+            <a:off x="1235091" y="3534417"/>
+            <a:ext cx="1517422" cy="668123"/>
           </a:xfrm>
           <a:prstGeom prst="rect">
             <a:avLst/>
@@ -39467,6 +39806,36 @@
           </a:p>
         </p:txBody>
       </p:sp>
+      <p:pic>
+        <p:nvPicPr>
+          <p:cNvPr id="17" name="Picture 16">
+            <a:extLst>
+              <a:ext uri="{FF2B5EF4-FFF2-40B4-BE49-F238E27FC236}">
+                <a16:creationId xmlns:a16="http://schemas.microsoft.com/office/drawing/2014/main" id="{8ACD3481-42BA-AB19-5AFE-3B9E553D5816}"/>
+              </a:ext>
+            </a:extLst>
+          </p:cNvPr>
+          <p:cNvPicPr>
+            <a:picLocks noChangeAspect="1"/>
+          </p:cNvPicPr>
+          <p:nvPr/>
+        </p:nvPicPr>
+        <p:blipFill>
+          <a:blip r:embed="rId6"/>
+          <a:stretch>
+            <a:fillRect/>
+          </a:stretch>
+        </p:blipFill>
+        <p:spPr>
+          <a:xfrm>
+            <a:off x="3115011" y="4632889"/>
+            <a:ext cx="5371429" cy="2013913"/>
+          </a:xfrm>
+          <a:prstGeom prst="rect">
+            <a:avLst/>
+          </a:prstGeom>
+        </p:spPr>
+      </p:pic>
     </p:spTree>
   </p:cSld>
   <p:clrMapOvr>
